--- a/predavanja/prezentacije/UVIT03-01-HTML 5.pptx
+++ b/predavanja/prezentacije/UVIT03-01-HTML 5.pptx
@@ -5,14 +5,17 @@
     <p:sldMasterId id="2147483750" r:id="rId1"/>
   </p:sldMasterIdLst>
   <p:notesMasterIdLst>
-    <p:notesMasterId r:id="rId7"/>
+    <p:notesMasterId r:id="rId10"/>
   </p:notesMasterIdLst>
   <p:sldIdLst>
     <p:sldId id="296" r:id="rId2"/>
     <p:sldId id="297" r:id="rId3"/>
-    <p:sldId id="306" r:id="rId4"/>
-    <p:sldId id="308" r:id="rId5"/>
-    <p:sldId id="307" r:id="rId6"/>
+    <p:sldId id="308" r:id="rId4"/>
+    <p:sldId id="311" r:id="rId5"/>
+    <p:sldId id="312" r:id="rId6"/>
+    <p:sldId id="310" r:id="rId7"/>
+    <p:sldId id="309" r:id="rId8"/>
+    <p:sldId id="307" r:id="rId9"/>
   </p:sldIdLst>
   <p:sldSz cx="9144000" cy="6858000" type="screen4x3"/>
   <p:notesSz cx="6858000" cy="9144000"/>
@@ -226,7 +229,7 @@
           <a:p>
             <a:fld id="{6B3683FA-0560-4266-A2CA-8A7D404C35FD}" type="datetimeFigureOut">
               <a:rPr lang="en-US" smtClean="0"/>
-              <a:t>10/2/2016</a:t>
+              <a:t>10/4/2018</a:t>
             </a:fld>
             <a:endParaRPr lang="en-US"/>
           </a:p>
@@ -2028,14 +2031,14 @@
               <a:t>/</a:t>
             </a:r>
             <a:r>
-              <a:rPr lang="sr-Latn-RS" sz="800" dirty="0" smtClean="0">
+              <a:rPr lang="sr-Cyrl-RS" sz="800" dirty="0" smtClean="0">
                 <a:solidFill>
                   <a:srgbClr val="6767FF"/>
                 </a:solidFill>
                 <a:latin typeface="Times New Roman" pitchFamily="18" charset="0"/>
                 <a:cs typeface="Arial" charset="0"/>
               </a:rPr>
-              <a:t>5</a:t>
+              <a:t>8</a:t>
             </a:r>
             <a:endParaRPr lang="en-US" sz="800" dirty="0" smtClean="0">
               <a:solidFill>
@@ -3712,18 +3715,23 @@
             <p:ph type="title"/>
           </p:nvPr>
         </p:nvSpPr>
-        <p:spPr/>
+        <p:spPr>
+          <a:xfrm>
+            <a:off x="1403648" y="549275"/>
+            <a:ext cx="7283152" cy="868363"/>
+          </a:xfrm>
+        </p:spPr>
         <p:txBody>
           <a:bodyPr/>
           <a:lstStyle/>
           <a:p>
             <a:r>
-              <a:rPr lang="en-US" altLang="en-US" dirty="0" err="1" smtClean="0">
+              <a:rPr lang="sr-Latn-RS" altLang="en-US" dirty="0" smtClean="0">
                 <a:solidFill>
                   <a:srgbClr val="002060"/>
                 </a:solidFill>
               </a:rPr>
-              <a:t>Istorijat</a:t>
+              <a:t>Jezici za opis veb stranica</a:t>
             </a:r>
             <a:endParaRPr lang="en-GB" altLang="en-US" dirty="0" smtClean="0">
               <a:solidFill>
@@ -3733,29 +3741,64 @@
           </a:p>
         </p:txBody>
       </p:sp>
-      <p:sp>
-        <p:nvSpPr>
-          <p:cNvPr id="2" name="Content Placeholder 1"/>
-          <p:cNvSpPr>
-            <a:spLocks noGrp="1"/>
-          </p:cNvSpPr>
-          <p:nvPr>
-            <p:ph idx="1"/>
-          </p:nvPr>
-        </p:nvSpPr>
-        <p:spPr/>
-        <p:txBody>
-          <a:bodyPr/>
-          <a:lstStyle/>
-          <a:p>
-            <a:endParaRPr lang="en-US"/>
-          </a:p>
-        </p:txBody>
-      </p:sp>
+      <p:pic>
+        <p:nvPicPr>
+          <p:cNvPr id="1026" name="Picture 2"/>
+          <p:cNvPicPr>
+            <a:picLocks noChangeAspect="1" noChangeArrowheads="1"/>
+          </p:cNvPicPr>
+          <p:nvPr/>
+        </p:nvPicPr>
+        <p:blipFill>
+          <a:blip r:embed="rId2">
+            <a:extLst>
+              <a:ext uri="{28A0092B-C50C-407E-A947-70E740481C1C}">
+                <a14:useLocalDpi xmlns:a14="http://schemas.microsoft.com/office/drawing/2010/main" val="0"/>
+              </a:ext>
+            </a:extLst>
+          </a:blip>
+          <a:srcRect/>
+          <a:stretch>
+            <a:fillRect/>
+          </a:stretch>
+        </p:blipFill>
+        <p:spPr bwMode="auto">
+          <a:xfrm>
+            <a:off x="1259632" y="1836580"/>
+            <a:ext cx="6628670" cy="3924076"/>
+          </a:xfrm>
+          <a:prstGeom prst="rect">
+            <a:avLst/>
+          </a:prstGeom>
+          <a:noFill/>
+          <a:ln>
+            <a:noFill/>
+          </a:ln>
+          <a:extLst>
+            <a:ext uri="{909E8E84-426E-40DD-AFC4-6F175D3DCCD1}">
+              <a14:hiddenFill xmlns:a14="http://schemas.microsoft.com/office/drawing/2010/main">
+                <a:solidFill>
+                  <a:schemeClr val="accent1"/>
+                </a:solidFill>
+              </a14:hiddenFill>
+            </a:ext>
+            <a:ext uri="{91240B29-F687-4F45-9708-019B960494DF}">
+              <a14:hiddenLine xmlns:a14="http://schemas.microsoft.com/office/drawing/2010/main" w="9525">
+                <a:solidFill>
+                  <a:schemeClr val="tx1"/>
+                </a:solidFill>
+                <a:miter lim="800000"/>
+                <a:headEnd/>
+                <a:tailEnd/>
+              </a14:hiddenLine>
+            </a:ext>
+          </a:extLst>
+        </p:spPr>
+      </p:pic>
     </p:spTree>
     <p:extLst>
       <p:ext uri="{BB962C8B-B14F-4D97-AF65-F5344CB8AC3E}">
-        <p14:creationId xmlns:p14="http://schemas.microsoft.com/office/powerpoint/2010/main" val="3557345935"/>
+        <p14:creationId xmlns:p14="http://schemas.microsoft.com/office/powerpoint/2010/main" val="1117357224"/>
       </p:ext>
     </p:extLst>
   </p:cSld>
@@ -3799,18 +3842,23 @@
             <p:ph type="title"/>
           </p:nvPr>
         </p:nvSpPr>
-        <p:spPr/>
+        <p:spPr>
+          <a:xfrm>
+            <a:off x="1362472" y="544413"/>
+            <a:ext cx="7283152" cy="868363"/>
+          </a:xfrm>
+        </p:spPr>
         <p:txBody>
           <a:bodyPr/>
           <a:lstStyle/>
           <a:p>
             <a:r>
-              <a:rPr lang="en-US" altLang="en-US" dirty="0" err="1" smtClean="0">
+              <a:rPr lang="sr-Latn-RS" altLang="en-US" dirty="0" smtClean="0">
                 <a:solidFill>
                   <a:srgbClr val="002060"/>
                 </a:solidFill>
               </a:rPr>
-              <a:t>Elementi</a:t>
+              <a:t>Jezici za opis veb stranica (2)</a:t>
             </a:r>
             <a:endParaRPr lang="en-GB" altLang="en-US" dirty="0" smtClean="0">
               <a:solidFill>
@@ -3822,301 +3870,872 @@
       </p:sp>
       <p:sp>
         <p:nvSpPr>
-          <p:cNvPr id="92163" name="Rectangle 3"/>
-          <p:cNvSpPr>
-            <a:spLocks noGrp="1" noChangeArrowheads="1"/>
-          </p:cNvSpPr>
-          <p:nvPr>
-            <p:ph idx="1"/>
-          </p:nvPr>
+          <p:cNvPr id="2" name="Rectangle 1"/>
+          <p:cNvSpPr/>
+          <p:nvPr/>
         </p:nvSpPr>
         <p:spPr>
           <a:xfrm>
-            <a:off x="457200" y="1600200"/>
-            <a:ext cx="8391525" cy="5257800"/>
+            <a:off x="539552" y="1556792"/>
+            <a:ext cx="7056784" cy="4893647"/>
           </a:xfrm>
+          <a:prstGeom prst="rect">
+            <a:avLst/>
+          </a:prstGeom>
         </p:spPr>
         <p:txBody>
-          <a:bodyPr/>
+          <a:bodyPr wrap="square">
+            <a:spAutoFit/>
+          </a:bodyPr>
           <a:lstStyle/>
           <a:p>
-            <a:pPr lvl="0">
-              <a:spcBef>
-                <a:spcPts val="1200"/>
-              </a:spcBef>
-            </a:pPr>
-            <a:r>
-              <a:rPr lang="en-GB" dirty="0"/>
-              <a:t>html, head, body, </a:t>
-            </a:r>
-            <a:endParaRPr lang="en-US" dirty="0"/>
-          </a:p>
-          <a:p>
-            <a:pPr lvl="0">
-              <a:spcBef>
-                <a:spcPts val="1200"/>
-              </a:spcBef>
-            </a:pPr>
-            <a:r>
-              <a:rPr lang="en-GB" dirty="0"/>
-              <a:t>meta, title, script, style, link (</a:t>
-            </a:r>
-            <a:r>
-              <a:rPr lang="en-GB" dirty="0" err="1"/>
-              <a:t>samo</a:t>
-            </a:r>
-            <a:r>
-              <a:rPr lang="en-GB" dirty="0"/>
+            <a:r>
+              <a:rPr lang="sr-Latn-RS" sz="1200" dirty="0">
+                <a:latin typeface="Courier New" panose="02070309020205020404" pitchFamily="49" charset="0"/>
+                <a:cs typeface="Courier New" panose="02070309020205020404" pitchFamily="49" charset="0"/>
+              </a:rPr>
+              <a:t>&lt;!DOCTYPE html&gt;</a:t>
+            </a:r>
+          </a:p>
+          <a:p>
+            <a:r>
+              <a:rPr lang="sr-Latn-RS" sz="1200" dirty="0">
+                <a:latin typeface="Courier New" panose="02070309020205020404" pitchFamily="49" charset="0"/>
+                <a:cs typeface="Courier New" panose="02070309020205020404" pitchFamily="49" charset="0"/>
+              </a:rPr>
+              <a:t>&lt;html&gt;</a:t>
+            </a:r>
+          </a:p>
+          <a:p>
+            <a:r>
+              <a:rPr lang="sr-Latn-RS" sz="1200" dirty="0">
+                <a:latin typeface="Courier New" panose="02070309020205020404" pitchFamily="49" charset="0"/>
+                <a:cs typeface="Courier New" panose="02070309020205020404" pitchFamily="49" charset="0"/>
+              </a:rPr>
+              <a:t>&lt;!-- Opis zaglavlja veb-strane --&gt;</a:t>
+            </a:r>
+          </a:p>
+          <a:p>
+            <a:endParaRPr lang="sr-Latn-RS" sz="1200" dirty="0" smtClean="0">
+              <a:latin typeface="Courier New" panose="02070309020205020404" pitchFamily="49" charset="0"/>
+              <a:cs typeface="Courier New" panose="02070309020205020404" pitchFamily="49" charset="0"/>
+            </a:endParaRPr>
+          </a:p>
+          <a:p>
+            <a:r>
+              <a:rPr lang="sr-Latn-RS" sz="1200" dirty="0" smtClean="0">
+                <a:latin typeface="Courier New" panose="02070309020205020404" pitchFamily="49" charset="0"/>
+                <a:cs typeface="Courier New" panose="02070309020205020404" pitchFamily="49" charset="0"/>
+              </a:rPr>
+              <a:t>&lt;</a:t>
+            </a:r>
+            <a:r>
+              <a:rPr lang="sr-Latn-RS" sz="1200" dirty="0" err="1">
+                <a:latin typeface="Courier New" panose="02070309020205020404" pitchFamily="49" charset="0"/>
+                <a:cs typeface="Courier New" panose="02070309020205020404" pitchFamily="49" charset="0"/>
+              </a:rPr>
+              <a:t>head</a:t>
+            </a:r>
+            <a:r>
+              <a:rPr lang="sr-Latn-RS" sz="1200" dirty="0">
+                <a:latin typeface="Courier New" panose="02070309020205020404" pitchFamily="49" charset="0"/>
+                <a:cs typeface="Courier New" panose="02070309020205020404" pitchFamily="49" charset="0"/>
+              </a:rPr>
+              <a:t>&gt;</a:t>
+            </a:r>
+          </a:p>
+          <a:p>
+            <a:r>
+              <a:rPr lang="sr-Latn-RS" sz="1200" dirty="0" smtClean="0">
+                <a:latin typeface="Courier New" panose="02070309020205020404" pitchFamily="49" charset="0"/>
+                <a:cs typeface="Courier New" panose="02070309020205020404" pitchFamily="49" charset="0"/>
+              </a:rPr>
+              <a:t>  &lt;</a:t>
+            </a:r>
+            <a:r>
+              <a:rPr lang="sr-Latn-RS" sz="1200" dirty="0">
+                <a:latin typeface="Courier New" panose="02070309020205020404" pitchFamily="49" charset="0"/>
+                <a:cs typeface="Courier New" panose="02070309020205020404" pitchFamily="49" charset="0"/>
+              </a:rPr>
+              <a:t>meta </a:t>
+            </a:r>
+            <a:r>
+              <a:rPr lang="sr-Latn-RS" sz="1200" dirty="0" err="1">
+                <a:latin typeface="Courier New" panose="02070309020205020404" pitchFamily="49" charset="0"/>
+                <a:cs typeface="Courier New" panose="02070309020205020404" pitchFamily="49" charset="0"/>
+              </a:rPr>
+              <a:t>charset</a:t>
+            </a:r>
+            <a:r>
+              <a:rPr lang="sr-Latn-RS" sz="1200" dirty="0">
+                <a:latin typeface="Courier New" panose="02070309020205020404" pitchFamily="49" charset="0"/>
+                <a:cs typeface="Courier New" panose="02070309020205020404" pitchFamily="49" charset="0"/>
+              </a:rPr>
+              <a:t>="UTF-8" /&gt;</a:t>
+            </a:r>
+          </a:p>
+          <a:p>
+            <a:r>
+              <a:rPr lang="sr-Latn-RS" sz="1200" dirty="0" smtClean="0">
+                <a:latin typeface="Courier New" panose="02070309020205020404" pitchFamily="49" charset="0"/>
+                <a:cs typeface="Courier New" panose="02070309020205020404" pitchFamily="49" charset="0"/>
+              </a:rPr>
+              <a:t>  &lt;</a:t>
+            </a:r>
+            <a:r>
+              <a:rPr lang="sr-Latn-RS" sz="1200" dirty="0" err="1">
+                <a:latin typeface="Courier New" panose="02070309020205020404" pitchFamily="49" charset="0"/>
+                <a:cs typeface="Courier New" panose="02070309020205020404" pitchFamily="49" charset="0"/>
+              </a:rPr>
+              <a:t>title</a:t>
+            </a:r>
+            <a:r>
+              <a:rPr lang="sr-Latn-RS" sz="1200" dirty="0">
+                <a:latin typeface="Courier New" panose="02070309020205020404" pitchFamily="49" charset="0"/>
+                <a:cs typeface="Courier New" panose="02070309020205020404" pitchFamily="49" charset="0"/>
+              </a:rPr>
+              <a:t>&gt;Kako se prave veb-strane?&lt;/</a:t>
+            </a:r>
+            <a:r>
+              <a:rPr lang="sr-Latn-RS" sz="1200" dirty="0" err="1">
+                <a:latin typeface="Courier New" panose="02070309020205020404" pitchFamily="49" charset="0"/>
+                <a:cs typeface="Courier New" panose="02070309020205020404" pitchFamily="49" charset="0"/>
+              </a:rPr>
+              <a:t>title</a:t>
+            </a:r>
+            <a:r>
+              <a:rPr lang="sr-Latn-RS" sz="1200" dirty="0">
+                <a:latin typeface="Courier New" panose="02070309020205020404" pitchFamily="49" charset="0"/>
+                <a:cs typeface="Courier New" panose="02070309020205020404" pitchFamily="49" charset="0"/>
+              </a:rPr>
+              <a:t>&gt;</a:t>
+            </a:r>
+          </a:p>
+          <a:p>
+            <a:endParaRPr lang="sr-Latn-RS" sz="1200" dirty="0" smtClean="0">
+              <a:latin typeface="Courier New" panose="02070309020205020404" pitchFamily="49" charset="0"/>
+              <a:cs typeface="Courier New" panose="02070309020205020404" pitchFamily="49" charset="0"/>
+            </a:endParaRPr>
+          </a:p>
+          <a:p>
+            <a:r>
+              <a:rPr lang="sr-Latn-RS" sz="1200" dirty="0" smtClean="0">
+                <a:latin typeface="Courier New" panose="02070309020205020404" pitchFamily="49" charset="0"/>
+                <a:cs typeface="Courier New" panose="02070309020205020404" pitchFamily="49" charset="0"/>
+              </a:rPr>
+              <a:t>  &lt;</a:t>
+            </a:r>
+            <a:r>
+              <a:rPr lang="sr-Latn-RS" sz="1200" dirty="0" err="1">
+                <a:latin typeface="Courier New" panose="02070309020205020404" pitchFamily="49" charset="0"/>
+                <a:cs typeface="Courier New" panose="02070309020205020404" pitchFamily="49" charset="0"/>
+              </a:rPr>
+              <a:t>style</a:t>
+            </a:r>
+            <a:r>
+              <a:rPr lang="sr-Latn-RS" sz="1200" dirty="0">
+                <a:latin typeface="Courier New" panose="02070309020205020404" pitchFamily="49" charset="0"/>
+                <a:cs typeface="Courier New" panose="02070309020205020404" pitchFamily="49" charset="0"/>
+              </a:rPr>
               <a:t> </a:t>
             </a:r>
             <a:r>
-              <a:rPr lang="en-GB" dirty="0" err="1"/>
-              <a:t>za</a:t>
-            </a:r>
-            <a:r>
-              <a:rPr lang="en-GB" dirty="0"/>
+              <a:rPr lang="sr-Latn-RS" sz="1200" dirty="0" err="1">
+                <a:latin typeface="Courier New" panose="02070309020205020404" pitchFamily="49" charset="0"/>
+                <a:cs typeface="Courier New" panose="02070309020205020404" pitchFamily="49" charset="0"/>
+              </a:rPr>
+              <a:t>type</a:t>
+            </a:r>
+            <a:r>
+              <a:rPr lang="sr-Latn-RS" sz="1200" dirty="0">
+                <a:latin typeface="Courier New" panose="02070309020205020404" pitchFamily="49" charset="0"/>
+                <a:cs typeface="Courier New" panose="02070309020205020404" pitchFamily="49" charset="0"/>
+              </a:rPr>
+              <a:t>="</a:t>
+            </a:r>
+            <a:r>
+              <a:rPr lang="sr-Latn-RS" sz="1200" dirty="0" err="1">
+                <a:latin typeface="Courier New" panose="02070309020205020404" pitchFamily="49" charset="0"/>
+                <a:cs typeface="Courier New" panose="02070309020205020404" pitchFamily="49" charset="0"/>
+              </a:rPr>
+              <a:t>text</a:t>
+            </a:r>
+            <a:r>
+              <a:rPr lang="sr-Latn-RS" sz="1200" dirty="0">
+                <a:latin typeface="Courier New" panose="02070309020205020404" pitchFamily="49" charset="0"/>
+                <a:cs typeface="Courier New" panose="02070309020205020404" pitchFamily="49" charset="0"/>
+              </a:rPr>
+              <a:t>/</a:t>
+            </a:r>
+            <a:r>
+              <a:rPr lang="sr-Latn-RS" sz="1200" dirty="0" err="1">
+                <a:latin typeface="Courier New" panose="02070309020205020404" pitchFamily="49" charset="0"/>
+                <a:cs typeface="Courier New" panose="02070309020205020404" pitchFamily="49" charset="0"/>
+              </a:rPr>
+              <a:t>css</a:t>
+            </a:r>
+            <a:r>
+              <a:rPr lang="sr-Latn-RS" sz="1200" dirty="0">
+                <a:latin typeface="Courier New" panose="02070309020205020404" pitchFamily="49" charset="0"/>
+                <a:cs typeface="Courier New" panose="02070309020205020404" pitchFamily="49" charset="0"/>
+              </a:rPr>
+              <a:t>"&gt;</a:t>
+            </a:r>
+          </a:p>
+          <a:p>
+            <a:r>
+              <a:rPr lang="sr-Latn-RS" sz="1200" dirty="0" smtClean="0">
+                <a:latin typeface="Courier New" panose="02070309020205020404" pitchFamily="49" charset="0"/>
+                <a:cs typeface="Courier New" panose="02070309020205020404" pitchFamily="49" charset="0"/>
+              </a:rPr>
+              <a:t>    </a:t>
+            </a:r>
+            <a:r>
+              <a:rPr lang="sr-Latn-RS" sz="1200" dirty="0" err="1" smtClean="0">
+                <a:latin typeface="Courier New" panose="02070309020205020404" pitchFamily="49" charset="0"/>
+                <a:cs typeface="Courier New" panose="02070309020205020404" pitchFamily="49" charset="0"/>
+              </a:rPr>
+              <a:t>body</a:t>
+            </a:r>
+            <a:r>
+              <a:rPr lang="sr-Latn-RS" sz="1200" dirty="0" smtClean="0">
+                <a:latin typeface="Courier New" panose="02070309020205020404" pitchFamily="49" charset="0"/>
+                <a:cs typeface="Courier New" panose="02070309020205020404" pitchFamily="49" charset="0"/>
+              </a:rPr>
               <a:t> </a:t>
             </a:r>
             <a:r>
-              <a:rPr lang="en-GB" dirty="0" err="1" smtClean="0"/>
-              <a:t>uklju</a:t>
-            </a:r>
-            <a:r>
-              <a:rPr lang="sr-Latn-RS" dirty="0" smtClean="0"/>
-              <a:t>č</a:t>
-            </a:r>
-            <a:r>
-              <a:rPr lang="en-GB" dirty="0" err="1" smtClean="0"/>
-              <a:t>ivanje</a:t>
-            </a:r>
-            <a:r>
-              <a:rPr lang="en-GB" dirty="0" smtClean="0"/>
+              <a:rPr lang="sr-Latn-RS" sz="1200" dirty="0">
+                <a:latin typeface="Courier New" panose="02070309020205020404" pitchFamily="49" charset="0"/>
+                <a:cs typeface="Courier New" panose="02070309020205020404" pitchFamily="49" charset="0"/>
+              </a:rPr>
+              <a:t>{ /* Telo dokumenta: */</a:t>
+            </a:r>
+          </a:p>
+          <a:p>
+            <a:r>
+              <a:rPr lang="sr-Latn-RS" sz="1200" dirty="0" smtClean="0">
+                <a:latin typeface="Courier New" panose="02070309020205020404" pitchFamily="49" charset="0"/>
+                <a:cs typeface="Courier New" panose="02070309020205020404" pitchFamily="49" charset="0"/>
+              </a:rPr>
+              <a:t>      font-</a:t>
+            </a:r>
+            <a:r>
+              <a:rPr lang="sr-Latn-RS" sz="1200" dirty="0" err="1" smtClean="0">
+                <a:latin typeface="Courier New" panose="02070309020205020404" pitchFamily="49" charset="0"/>
+                <a:cs typeface="Courier New" panose="02070309020205020404" pitchFamily="49" charset="0"/>
+              </a:rPr>
+              <a:t>family</a:t>
+            </a:r>
+            <a:r>
+              <a:rPr lang="sr-Latn-RS" sz="1200" dirty="0">
+                <a:latin typeface="Courier New" panose="02070309020205020404" pitchFamily="49" charset="0"/>
+                <a:cs typeface="Courier New" panose="02070309020205020404" pitchFamily="49" charset="0"/>
+              </a:rPr>
+              <a:t>: </a:t>
+            </a:r>
+            <a:r>
+              <a:rPr lang="sr-Latn-RS" sz="1200" dirty="0" err="1">
+                <a:latin typeface="Courier New" panose="02070309020205020404" pitchFamily="49" charset="0"/>
+                <a:cs typeface="Courier New" panose="02070309020205020404" pitchFamily="49" charset="0"/>
+              </a:rPr>
+              <a:t>Arial</a:t>
+            </a:r>
+            <a:r>
+              <a:rPr lang="sr-Latn-RS" sz="1200" dirty="0">
+                <a:latin typeface="Courier New" panose="02070309020205020404" pitchFamily="49" charset="0"/>
+                <a:cs typeface="Courier New" panose="02070309020205020404" pitchFamily="49" charset="0"/>
+              </a:rPr>
+              <a:t>; /*font </a:t>
+            </a:r>
+            <a:r>
+              <a:rPr lang="sr-Latn-RS" sz="1200" dirty="0" err="1">
+                <a:latin typeface="Courier New" panose="02070309020205020404" pitchFamily="49" charset="0"/>
+                <a:cs typeface="Courier New" panose="02070309020205020404" pitchFamily="49" charset="0"/>
+              </a:rPr>
+              <a:t>Arial</a:t>
+            </a:r>
+            <a:r>
+              <a:rPr lang="sr-Latn-RS" sz="1200" dirty="0">
+                <a:latin typeface="Courier New" panose="02070309020205020404" pitchFamily="49" charset="0"/>
+                <a:cs typeface="Courier New" panose="02070309020205020404" pitchFamily="49" charset="0"/>
+              </a:rPr>
+              <a:t>*/</a:t>
+            </a:r>
+          </a:p>
+          <a:p>
+            <a:r>
+              <a:rPr lang="sr-Latn-RS" sz="1200" dirty="0" smtClean="0">
+                <a:latin typeface="Courier New" panose="02070309020205020404" pitchFamily="49" charset="0"/>
+                <a:cs typeface="Courier New" panose="02070309020205020404" pitchFamily="49" charset="0"/>
+              </a:rPr>
+              <a:t>      </a:t>
+            </a:r>
+            <a:r>
+              <a:rPr lang="sr-Latn-RS" sz="1200" dirty="0" err="1" smtClean="0">
+                <a:latin typeface="Courier New" panose="02070309020205020404" pitchFamily="49" charset="0"/>
+                <a:cs typeface="Courier New" panose="02070309020205020404" pitchFamily="49" charset="0"/>
+              </a:rPr>
+              <a:t>background</a:t>
+            </a:r>
+            <a:r>
+              <a:rPr lang="sr-Latn-RS" sz="1200" dirty="0" smtClean="0">
+                <a:latin typeface="Courier New" panose="02070309020205020404" pitchFamily="49" charset="0"/>
+                <a:cs typeface="Courier New" panose="02070309020205020404" pitchFamily="49" charset="0"/>
+              </a:rPr>
+              <a:t>-</a:t>
+            </a:r>
+            <a:r>
+              <a:rPr lang="sr-Latn-RS" sz="1200" dirty="0" err="1" smtClean="0">
+                <a:latin typeface="Courier New" panose="02070309020205020404" pitchFamily="49" charset="0"/>
+                <a:cs typeface="Courier New" panose="02070309020205020404" pitchFamily="49" charset="0"/>
+              </a:rPr>
+              <a:t>color</a:t>
+            </a:r>
+            <a:r>
+              <a:rPr lang="sr-Latn-RS" sz="1200" dirty="0">
+                <a:latin typeface="Courier New" panose="02070309020205020404" pitchFamily="49" charset="0"/>
+                <a:cs typeface="Courier New" panose="02070309020205020404" pitchFamily="49" charset="0"/>
+              </a:rPr>
+              <a:t>: #f0f0f0; /* sivkasta boja pozadine */</a:t>
+            </a:r>
+          </a:p>
+          <a:p>
+            <a:r>
+              <a:rPr lang="sr-Latn-RS" sz="1200" dirty="0" smtClean="0">
+                <a:latin typeface="Courier New" panose="02070309020205020404" pitchFamily="49" charset="0"/>
+                <a:cs typeface="Courier New" panose="02070309020205020404" pitchFamily="49" charset="0"/>
+              </a:rPr>
+              <a:t>    }</a:t>
+            </a:r>
+            <a:endParaRPr lang="sr-Latn-RS" sz="1200" dirty="0">
+              <a:latin typeface="Courier New" panose="02070309020205020404" pitchFamily="49" charset="0"/>
+              <a:cs typeface="Courier New" panose="02070309020205020404" pitchFamily="49" charset="0"/>
+            </a:endParaRPr>
+          </a:p>
+          <a:p>
+            <a:r>
+              <a:rPr lang="sr-Latn-RS" sz="1200" dirty="0" smtClean="0">
+                <a:latin typeface="Courier New" panose="02070309020205020404" pitchFamily="49" charset="0"/>
+                <a:cs typeface="Courier New" panose="02070309020205020404" pitchFamily="49" charset="0"/>
+              </a:rPr>
+              <a:t>    </a:t>
+            </a:r>
+            <a:r>
+              <a:rPr lang="sr-Latn-RS" sz="1200" dirty="0" err="1" smtClean="0">
+                <a:latin typeface="Courier New" panose="02070309020205020404" pitchFamily="49" charset="0"/>
+                <a:cs typeface="Courier New" panose="02070309020205020404" pitchFamily="49" charset="0"/>
+              </a:rPr>
+              <a:t>header</a:t>
+            </a:r>
+            <a:r>
+              <a:rPr lang="sr-Latn-RS" sz="1200" dirty="0" smtClean="0">
+                <a:latin typeface="Courier New" panose="02070309020205020404" pitchFamily="49" charset="0"/>
+                <a:cs typeface="Courier New" panose="02070309020205020404" pitchFamily="49" charset="0"/>
+              </a:rPr>
               <a:t> </a:t>
             </a:r>
             <a:r>
-              <a:rPr lang="sr-Latn-RS" dirty="0" smtClean="0"/>
-              <a:t>kaskadnih stilova</a:t>
-            </a:r>
-            <a:r>
-              <a:rPr lang="en-GB" dirty="0" smtClean="0"/>
-              <a:t>), </a:t>
-            </a:r>
-            <a:endParaRPr lang="en-US" dirty="0"/>
-          </a:p>
-          <a:p>
-            <a:pPr lvl="0">
-              <a:spcBef>
-                <a:spcPts val="1200"/>
-              </a:spcBef>
-            </a:pPr>
-            <a:r>
-              <a:rPr lang="en-GB" dirty="0"/>
-              <a:t>header, main, footer, aside, article, section, </a:t>
-            </a:r>
-            <a:r>
-              <a:rPr lang="en-GB" dirty="0" err="1"/>
-              <a:t>nav</a:t>
-            </a:r>
-            <a:r>
-              <a:rPr lang="en-GB" dirty="0"/>
-              <a:t>, </a:t>
-            </a:r>
-            <a:endParaRPr lang="en-US" dirty="0"/>
-          </a:p>
-          <a:p>
-            <a:pPr lvl="0">
-              <a:spcBef>
-                <a:spcPts val="1200"/>
-              </a:spcBef>
-            </a:pPr>
-            <a:r>
-              <a:rPr lang="en-GB" dirty="0"/>
-              <a:t>p, h1-h6, </a:t>
-            </a:r>
-            <a:r>
-              <a:rPr lang="en-GB" dirty="0" err="1"/>
-              <a:t>em</a:t>
-            </a:r>
-            <a:r>
-              <a:rPr lang="en-GB" dirty="0"/>
-              <a:t>, strong, small, b, </a:t>
-            </a:r>
-            <a:r>
-              <a:rPr lang="en-GB" dirty="0" err="1"/>
-              <a:t>i</a:t>
-            </a:r>
-            <a:r>
-              <a:rPr lang="en-GB" dirty="0"/>
-              <a:t>, u, sub, sup, </a:t>
-            </a:r>
-            <a:endParaRPr lang="en-US" dirty="0"/>
-          </a:p>
-          <a:p>
-            <a:pPr lvl="0">
-              <a:spcBef>
-                <a:spcPts val="1200"/>
-              </a:spcBef>
-            </a:pPr>
-            <a:r>
-              <a:rPr lang="en-GB" dirty="0"/>
-              <a:t>address, </a:t>
-            </a:r>
-            <a:r>
-              <a:rPr lang="en-GB" dirty="0" err="1"/>
-              <a:t>blockquote</a:t>
-            </a:r>
-            <a:r>
-              <a:rPr lang="en-GB" dirty="0"/>
-              <a:t>, q, cite, pre, code, </a:t>
-            </a:r>
-            <a:endParaRPr lang="en-US" dirty="0"/>
-          </a:p>
-          <a:p>
-            <a:pPr lvl="0">
-              <a:spcBef>
-                <a:spcPts val="1200"/>
-              </a:spcBef>
-            </a:pPr>
-            <a:r>
-              <a:rPr lang="en-GB" dirty="0" err="1"/>
-              <a:t>ul</a:t>
-            </a:r>
-            <a:r>
-              <a:rPr lang="en-GB" dirty="0"/>
-              <a:t>, </a:t>
-            </a:r>
-            <a:r>
-              <a:rPr lang="en-GB" dirty="0" err="1"/>
-              <a:t>ol</a:t>
-            </a:r>
-            <a:r>
-              <a:rPr lang="en-GB" dirty="0"/>
-              <a:t>, li, dl, </a:t>
-            </a:r>
-            <a:r>
-              <a:rPr lang="en-GB" dirty="0" err="1"/>
-              <a:t>dd</a:t>
-            </a:r>
-            <a:r>
-              <a:rPr lang="en-GB" dirty="0"/>
-              <a:t>, </a:t>
-            </a:r>
-            <a:r>
-              <a:rPr lang="en-GB" dirty="0" err="1"/>
-              <a:t>dt</a:t>
-            </a:r>
-            <a:r>
-              <a:rPr lang="en-GB" dirty="0"/>
-              <a:t>, </a:t>
-            </a:r>
-            <a:endParaRPr lang="en-US" dirty="0"/>
-          </a:p>
-          <a:p>
-            <a:pPr lvl="0">
-              <a:spcBef>
-                <a:spcPts val="1200"/>
-              </a:spcBef>
-            </a:pPr>
-            <a:r>
-              <a:rPr lang="en-GB" dirty="0" err="1"/>
-              <a:t>img</a:t>
-            </a:r>
-            <a:r>
-              <a:rPr lang="en-GB" dirty="0"/>
-              <a:t>, audio, video, iframe, </a:t>
-            </a:r>
-            <a:endParaRPr lang="en-US" dirty="0"/>
-          </a:p>
-          <a:p>
-            <a:pPr lvl="0">
-              <a:spcBef>
-                <a:spcPts val="1200"/>
-              </a:spcBef>
-            </a:pPr>
-            <a:r>
-              <a:rPr lang="en-GB" dirty="0"/>
-              <a:t>table, </a:t>
-            </a:r>
-            <a:r>
-              <a:rPr lang="en-GB" dirty="0" err="1"/>
-              <a:t>tr</a:t>
-            </a:r>
-            <a:r>
-              <a:rPr lang="en-GB" dirty="0"/>
-              <a:t>, td, </a:t>
-            </a:r>
-            <a:r>
-              <a:rPr lang="en-GB" dirty="0" err="1"/>
-              <a:t>th</a:t>
-            </a:r>
-            <a:r>
-              <a:rPr lang="en-GB" dirty="0"/>
-              <a:t>, caption, </a:t>
-            </a:r>
-            <a:endParaRPr lang="en-US" dirty="0"/>
-          </a:p>
-          <a:p>
-            <a:pPr lvl="0">
-              <a:spcBef>
-                <a:spcPts val="1200"/>
-              </a:spcBef>
-            </a:pPr>
-            <a:r>
-              <a:rPr lang="en-GB" dirty="0"/>
-              <a:t>input, select, option, </a:t>
-            </a:r>
-            <a:r>
-              <a:rPr lang="en-GB" dirty="0" err="1"/>
-              <a:t>textarea</a:t>
-            </a:r>
-            <a:r>
-              <a:rPr lang="en-GB" dirty="0"/>
-              <a:t>, label, </a:t>
-            </a:r>
-            <a:endParaRPr lang="en-US" dirty="0"/>
-          </a:p>
-          <a:p>
-            <a:pPr lvl="0">
-              <a:spcBef>
-                <a:spcPts val="1200"/>
-              </a:spcBef>
-            </a:pPr>
-            <a:r>
-              <a:rPr lang="en-GB" dirty="0"/>
-              <a:t>div, span</a:t>
-            </a:r>
-            <a:endParaRPr lang="en-US" dirty="0"/>
-          </a:p>
-          <a:p>
-            <a:endParaRPr lang="en-US" altLang="en-US" dirty="0" smtClean="0"/>
-          </a:p>
-          <a:p>
-            <a:pPr marL="0" indent="0">
-              <a:buFont typeface="Wingdings" pitchFamily="2" charset="2"/>
-              <a:buNone/>
-            </a:pPr>
-            <a:endParaRPr lang="sr-Cyrl-RS" altLang="en-US" sz="1200" dirty="0" smtClean="0"/>
-          </a:p>
-          <a:p>
-            <a:pPr marL="0" indent="0">
-              <a:buFont typeface="Wingdings" pitchFamily="2" charset="2"/>
-              <a:buNone/>
-            </a:pPr>
-            <a:endParaRPr lang="sr-Latn-CS" altLang="en-US" sz="1200" dirty="0" smtClean="0"/>
-          </a:p>
-          <a:p>
-            <a:pPr marL="0" indent="0">
-              <a:buFont typeface="Wingdings" pitchFamily="2" charset="2"/>
-              <a:buNone/>
-            </a:pPr>
-            <a:endParaRPr lang="sr-Latn-CS" altLang="en-US" dirty="0" smtClean="0"/>
+              <a:rPr lang="sr-Latn-RS" sz="1200" dirty="0">
+                <a:latin typeface="Courier New" panose="02070309020205020404" pitchFamily="49" charset="0"/>
+                <a:cs typeface="Courier New" panose="02070309020205020404" pitchFamily="49" charset="0"/>
+              </a:rPr>
+              <a:t>{ /* Zaglavlje: */</a:t>
+            </a:r>
+          </a:p>
+          <a:p>
+            <a:r>
+              <a:rPr lang="sr-Latn-RS" sz="1200" dirty="0" smtClean="0">
+                <a:latin typeface="Courier New" panose="02070309020205020404" pitchFamily="49" charset="0"/>
+                <a:cs typeface="Courier New" panose="02070309020205020404" pitchFamily="49" charset="0"/>
+              </a:rPr>
+              <a:t>      </a:t>
+            </a:r>
+            <a:r>
+              <a:rPr lang="sr-Latn-RS" sz="1200" dirty="0" err="1" smtClean="0">
+                <a:latin typeface="Courier New" panose="02070309020205020404" pitchFamily="49" charset="0"/>
+                <a:cs typeface="Courier New" panose="02070309020205020404" pitchFamily="49" charset="0"/>
+              </a:rPr>
+              <a:t>text</a:t>
+            </a:r>
+            <a:r>
+              <a:rPr lang="sr-Latn-RS" sz="1200" dirty="0" smtClean="0">
+                <a:latin typeface="Courier New" panose="02070309020205020404" pitchFamily="49" charset="0"/>
+                <a:cs typeface="Courier New" panose="02070309020205020404" pitchFamily="49" charset="0"/>
+              </a:rPr>
+              <a:t>-</a:t>
+            </a:r>
+            <a:r>
+              <a:rPr lang="sr-Latn-RS" sz="1200" dirty="0" err="1" smtClean="0">
+                <a:latin typeface="Courier New" panose="02070309020205020404" pitchFamily="49" charset="0"/>
+                <a:cs typeface="Courier New" panose="02070309020205020404" pitchFamily="49" charset="0"/>
+              </a:rPr>
+              <a:t>align</a:t>
+            </a:r>
+            <a:r>
+              <a:rPr lang="sr-Latn-RS" sz="1200" dirty="0">
+                <a:latin typeface="Courier New" panose="02070309020205020404" pitchFamily="49" charset="0"/>
+                <a:cs typeface="Courier New" panose="02070309020205020404" pitchFamily="49" charset="0"/>
+              </a:rPr>
+              <a:t>: </a:t>
+            </a:r>
+            <a:r>
+              <a:rPr lang="sr-Latn-RS" sz="1200" dirty="0" err="1">
+                <a:latin typeface="Courier New" panose="02070309020205020404" pitchFamily="49" charset="0"/>
+                <a:cs typeface="Courier New" panose="02070309020205020404" pitchFamily="49" charset="0"/>
+              </a:rPr>
+              <a:t>center</a:t>
+            </a:r>
+            <a:r>
+              <a:rPr lang="sr-Latn-RS" sz="1200" dirty="0">
+                <a:latin typeface="Courier New" panose="02070309020205020404" pitchFamily="49" charset="0"/>
+                <a:cs typeface="Courier New" panose="02070309020205020404" pitchFamily="49" charset="0"/>
+              </a:rPr>
+              <a:t>; /* centrirano poravnavanje */</a:t>
+            </a:r>
+          </a:p>
+          <a:p>
+            <a:r>
+              <a:rPr lang="sr-Latn-RS" sz="1200" dirty="0" smtClean="0">
+                <a:latin typeface="Courier New" panose="02070309020205020404" pitchFamily="49" charset="0"/>
+                <a:cs typeface="Courier New" panose="02070309020205020404" pitchFamily="49" charset="0"/>
+              </a:rPr>
+              <a:t>    }</a:t>
+            </a:r>
+            <a:endParaRPr lang="sr-Latn-RS" sz="1200" dirty="0">
+              <a:latin typeface="Courier New" panose="02070309020205020404" pitchFamily="49" charset="0"/>
+              <a:cs typeface="Courier New" panose="02070309020205020404" pitchFamily="49" charset="0"/>
+            </a:endParaRPr>
+          </a:p>
+          <a:p>
+            <a:r>
+              <a:rPr lang="sr-Latn-RS" sz="1200" dirty="0" smtClean="0">
+                <a:latin typeface="Courier New" panose="02070309020205020404" pitchFamily="49" charset="0"/>
+                <a:cs typeface="Courier New" panose="02070309020205020404" pitchFamily="49" charset="0"/>
+              </a:rPr>
+              <a:t>    </a:t>
+            </a:r>
+            <a:r>
+              <a:rPr lang="sr-Latn-RS" sz="1200" dirty="0" err="1" smtClean="0">
+                <a:latin typeface="Courier New" panose="02070309020205020404" pitchFamily="49" charset="0"/>
+                <a:cs typeface="Courier New" panose="02070309020205020404" pitchFamily="49" charset="0"/>
+              </a:rPr>
+              <a:t>main</a:t>
+            </a:r>
+            <a:r>
+              <a:rPr lang="sr-Latn-RS" sz="1200" dirty="0" smtClean="0">
+                <a:latin typeface="Courier New" panose="02070309020205020404" pitchFamily="49" charset="0"/>
+                <a:cs typeface="Courier New" panose="02070309020205020404" pitchFamily="49" charset="0"/>
+              </a:rPr>
+              <a:t> </a:t>
+            </a:r>
+            <a:r>
+              <a:rPr lang="sr-Latn-RS" sz="1200" dirty="0">
+                <a:latin typeface="Courier New" panose="02070309020205020404" pitchFamily="49" charset="0"/>
+                <a:cs typeface="Courier New" panose="02070309020205020404" pitchFamily="49" charset="0"/>
+              </a:rPr>
+              <a:t>{ /* Glavni deo strane: */</a:t>
+            </a:r>
+          </a:p>
+          <a:p>
+            <a:r>
+              <a:rPr lang="sr-Latn-RS" sz="1200" dirty="0" smtClean="0">
+                <a:latin typeface="Courier New" panose="02070309020205020404" pitchFamily="49" charset="0"/>
+                <a:cs typeface="Courier New" panose="02070309020205020404" pitchFamily="49" charset="0"/>
+              </a:rPr>
+              <a:t>      </a:t>
+            </a:r>
+            <a:r>
+              <a:rPr lang="en-US" sz="1200" dirty="0" smtClean="0">
+                <a:latin typeface="Courier New" panose="02070309020205020404" pitchFamily="49" charset="0"/>
+                <a:cs typeface="Courier New" panose="02070309020205020404" pitchFamily="49" charset="0"/>
+              </a:rPr>
+              <a:t>background-color</a:t>
+            </a:r>
+            <a:r>
+              <a:rPr lang="en-US" sz="1200" dirty="0">
+                <a:latin typeface="Courier New" panose="02070309020205020404" pitchFamily="49" charset="0"/>
+                <a:cs typeface="Courier New" panose="02070309020205020404" pitchFamily="49" charset="0"/>
+              </a:rPr>
+              <a:t>: white; /* </a:t>
+            </a:r>
+            <a:r>
+              <a:rPr lang="en-US" sz="1200" dirty="0" err="1">
+                <a:latin typeface="Courier New" panose="02070309020205020404" pitchFamily="49" charset="0"/>
+                <a:cs typeface="Courier New" panose="02070309020205020404" pitchFamily="49" charset="0"/>
+              </a:rPr>
+              <a:t>bela</a:t>
+            </a:r>
+            <a:r>
+              <a:rPr lang="en-US" sz="1200" dirty="0">
+                <a:latin typeface="Courier New" panose="02070309020205020404" pitchFamily="49" charset="0"/>
+                <a:cs typeface="Courier New" panose="02070309020205020404" pitchFamily="49" charset="0"/>
+              </a:rPr>
+              <a:t> </a:t>
+            </a:r>
+            <a:r>
+              <a:rPr lang="en-US" sz="1200" dirty="0" err="1">
+                <a:latin typeface="Courier New" panose="02070309020205020404" pitchFamily="49" charset="0"/>
+                <a:cs typeface="Courier New" panose="02070309020205020404" pitchFamily="49" charset="0"/>
+              </a:rPr>
+              <a:t>boja</a:t>
+            </a:r>
+            <a:r>
+              <a:rPr lang="en-US" sz="1200" dirty="0">
+                <a:latin typeface="Courier New" panose="02070309020205020404" pitchFamily="49" charset="0"/>
+                <a:cs typeface="Courier New" panose="02070309020205020404" pitchFamily="49" charset="0"/>
+              </a:rPr>
+              <a:t> </a:t>
+            </a:r>
+            <a:r>
+              <a:rPr lang="en-US" sz="1200" dirty="0" err="1">
+                <a:latin typeface="Courier New" panose="02070309020205020404" pitchFamily="49" charset="0"/>
+                <a:cs typeface="Courier New" panose="02070309020205020404" pitchFamily="49" charset="0"/>
+              </a:rPr>
+              <a:t>pozadine</a:t>
+            </a:r>
+            <a:r>
+              <a:rPr lang="en-US" sz="1200" dirty="0">
+                <a:latin typeface="Courier New" panose="02070309020205020404" pitchFamily="49" charset="0"/>
+                <a:cs typeface="Courier New" panose="02070309020205020404" pitchFamily="49" charset="0"/>
+              </a:rPr>
+              <a:t> */</a:t>
+            </a:r>
+          </a:p>
+          <a:p>
+            <a:r>
+              <a:rPr lang="sr-Latn-RS" sz="1200" dirty="0" smtClean="0">
+                <a:latin typeface="Courier New" panose="02070309020205020404" pitchFamily="49" charset="0"/>
+                <a:cs typeface="Courier New" panose="02070309020205020404" pitchFamily="49" charset="0"/>
+              </a:rPr>
+              <a:t>      </a:t>
+            </a:r>
+            <a:r>
+              <a:rPr lang="fi-FI" sz="1200" dirty="0" err="1" smtClean="0">
+                <a:latin typeface="Courier New" panose="02070309020205020404" pitchFamily="49" charset="0"/>
+                <a:cs typeface="Courier New" panose="02070309020205020404" pitchFamily="49" charset="0"/>
+              </a:rPr>
+              <a:t>width</a:t>
+            </a:r>
+            <a:r>
+              <a:rPr lang="fi-FI" sz="1200" dirty="0">
+                <a:latin typeface="Courier New" panose="02070309020205020404" pitchFamily="49" charset="0"/>
+                <a:cs typeface="Courier New" panose="02070309020205020404" pitchFamily="49" charset="0"/>
+              </a:rPr>
+              <a:t>: 800px; /* </a:t>
+            </a:r>
+            <a:r>
+              <a:rPr lang="fi-FI" sz="1200" dirty="0" err="1">
+                <a:latin typeface="Courier New" panose="02070309020205020404" pitchFamily="49" charset="0"/>
+                <a:cs typeface="Courier New" panose="02070309020205020404" pitchFamily="49" charset="0"/>
+              </a:rPr>
+              <a:t>sirina</a:t>
+            </a:r>
+            <a:r>
+              <a:rPr lang="fi-FI" sz="1200" dirty="0">
+                <a:latin typeface="Courier New" panose="02070309020205020404" pitchFamily="49" charset="0"/>
+                <a:cs typeface="Courier New" panose="02070309020205020404" pitchFamily="49" charset="0"/>
+              </a:rPr>
+              <a:t> 800 </a:t>
+            </a:r>
+            <a:r>
+              <a:rPr lang="fi-FI" sz="1200" dirty="0" err="1">
+                <a:latin typeface="Courier New" panose="02070309020205020404" pitchFamily="49" charset="0"/>
+                <a:cs typeface="Courier New" panose="02070309020205020404" pitchFamily="49" charset="0"/>
+              </a:rPr>
+              <a:t>piksela</a:t>
+            </a:r>
+            <a:r>
+              <a:rPr lang="fi-FI" sz="1200" dirty="0">
+                <a:latin typeface="Courier New" panose="02070309020205020404" pitchFamily="49" charset="0"/>
+                <a:cs typeface="Courier New" panose="02070309020205020404" pitchFamily="49" charset="0"/>
+              </a:rPr>
+              <a:t> */</a:t>
+            </a:r>
+          </a:p>
+          <a:p>
+            <a:r>
+              <a:rPr lang="sr-Latn-RS" sz="1200" dirty="0" smtClean="0">
+                <a:latin typeface="Courier New" panose="02070309020205020404" pitchFamily="49" charset="0"/>
+                <a:cs typeface="Courier New" panose="02070309020205020404" pitchFamily="49" charset="0"/>
+              </a:rPr>
+              <a:t>      </a:t>
+            </a:r>
+            <a:r>
+              <a:rPr lang="it-IT" sz="1200" dirty="0" err="1" smtClean="0">
+                <a:latin typeface="Courier New" panose="02070309020205020404" pitchFamily="49" charset="0"/>
+                <a:cs typeface="Courier New" panose="02070309020205020404" pitchFamily="49" charset="0"/>
+              </a:rPr>
+              <a:t>margin</a:t>
+            </a:r>
+            <a:r>
+              <a:rPr lang="it-IT" sz="1200" dirty="0">
+                <a:latin typeface="Courier New" panose="02070309020205020404" pitchFamily="49" charset="0"/>
+                <a:cs typeface="Courier New" panose="02070309020205020404" pitchFamily="49" charset="0"/>
+              </a:rPr>
+              <a:t>: auto; /* </a:t>
+            </a:r>
+            <a:r>
+              <a:rPr lang="it-IT" sz="1200" dirty="0" err="1">
+                <a:latin typeface="Courier New" panose="02070309020205020404" pitchFamily="49" charset="0"/>
+                <a:cs typeface="Courier New" panose="02070309020205020404" pitchFamily="49" charset="0"/>
+              </a:rPr>
+              <a:t>centriran</a:t>
+            </a:r>
+            <a:r>
+              <a:rPr lang="it-IT" sz="1200" dirty="0">
+                <a:latin typeface="Courier New" panose="02070309020205020404" pitchFamily="49" charset="0"/>
+                <a:cs typeface="Courier New" panose="02070309020205020404" pitchFamily="49" charset="0"/>
+              </a:rPr>
+              <a:t> </a:t>
+            </a:r>
+            <a:r>
+              <a:rPr lang="it-IT" sz="1200" dirty="0" err="1">
+                <a:latin typeface="Courier New" panose="02070309020205020404" pitchFamily="49" charset="0"/>
+                <a:cs typeface="Courier New" panose="02070309020205020404" pitchFamily="49" charset="0"/>
+              </a:rPr>
+              <a:t>glavni</a:t>
+            </a:r>
+            <a:r>
+              <a:rPr lang="it-IT" sz="1200" dirty="0">
+                <a:latin typeface="Courier New" panose="02070309020205020404" pitchFamily="49" charset="0"/>
+                <a:cs typeface="Courier New" panose="02070309020205020404" pitchFamily="49" charset="0"/>
+              </a:rPr>
+              <a:t> </a:t>
+            </a:r>
+            <a:r>
+              <a:rPr lang="it-IT" sz="1200" dirty="0" err="1">
+                <a:latin typeface="Courier New" panose="02070309020205020404" pitchFamily="49" charset="0"/>
+                <a:cs typeface="Courier New" panose="02070309020205020404" pitchFamily="49" charset="0"/>
+              </a:rPr>
+              <a:t>deo</a:t>
+            </a:r>
+            <a:r>
+              <a:rPr lang="it-IT" sz="1200" dirty="0">
+                <a:latin typeface="Courier New" panose="02070309020205020404" pitchFamily="49" charset="0"/>
+                <a:cs typeface="Courier New" panose="02070309020205020404" pitchFamily="49" charset="0"/>
+              </a:rPr>
+              <a:t> */</a:t>
+            </a:r>
+          </a:p>
+          <a:p>
+            <a:r>
+              <a:rPr lang="sr-Latn-RS" sz="1200" dirty="0" smtClean="0">
+                <a:latin typeface="Courier New" panose="02070309020205020404" pitchFamily="49" charset="0"/>
+                <a:cs typeface="Courier New" panose="02070309020205020404" pitchFamily="49" charset="0"/>
+              </a:rPr>
+              <a:t>      </a:t>
+            </a:r>
+            <a:r>
+              <a:rPr lang="sr-Latn-RS" sz="1200" dirty="0" err="1" smtClean="0">
+                <a:latin typeface="Courier New" panose="02070309020205020404" pitchFamily="49" charset="0"/>
+                <a:cs typeface="Courier New" panose="02070309020205020404" pitchFamily="49" charset="0"/>
+              </a:rPr>
+              <a:t>padding</a:t>
+            </a:r>
+            <a:r>
+              <a:rPr lang="sr-Latn-RS" sz="1200" dirty="0">
+                <a:latin typeface="Courier New" panose="02070309020205020404" pitchFamily="49" charset="0"/>
+                <a:cs typeface="Courier New" panose="02070309020205020404" pitchFamily="49" charset="0"/>
+              </a:rPr>
+              <a:t>: 20px; /* </a:t>
+            </a:r>
+            <a:r>
+              <a:rPr lang="sr-Latn-RS" sz="1200" dirty="0" err="1">
+                <a:latin typeface="Courier New" panose="02070309020205020404" pitchFamily="49" charset="0"/>
+                <a:cs typeface="Courier New" panose="02070309020205020404" pitchFamily="49" charset="0"/>
+              </a:rPr>
+              <a:t>unutrasnja</a:t>
+            </a:r>
+            <a:r>
+              <a:rPr lang="sr-Latn-RS" sz="1200" dirty="0">
+                <a:latin typeface="Courier New" panose="02070309020205020404" pitchFamily="49" charset="0"/>
+                <a:cs typeface="Courier New" panose="02070309020205020404" pitchFamily="49" charset="0"/>
+              </a:rPr>
+              <a:t> margina 20 piksela */</a:t>
+            </a:r>
+          </a:p>
+          <a:p>
+            <a:r>
+              <a:rPr lang="sr-Latn-RS" sz="1200" dirty="0" smtClean="0">
+                <a:latin typeface="Courier New" panose="02070309020205020404" pitchFamily="49" charset="0"/>
+                <a:cs typeface="Courier New" panose="02070309020205020404" pitchFamily="49" charset="0"/>
+              </a:rPr>
+              <a:t>      </a:t>
+            </a:r>
+            <a:r>
+              <a:rPr lang="sr-Latn-RS" sz="1200" dirty="0" err="1" smtClean="0">
+                <a:latin typeface="Courier New" panose="02070309020205020404" pitchFamily="49" charset="0"/>
+                <a:cs typeface="Courier New" panose="02070309020205020404" pitchFamily="49" charset="0"/>
+              </a:rPr>
+              <a:t>border</a:t>
+            </a:r>
+            <a:r>
+              <a:rPr lang="sr-Latn-RS" sz="1200" dirty="0">
+                <a:latin typeface="Courier New" panose="02070309020205020404" pitchFamily="49" charset="0"/>
+                <a:cs typeface="Courier New" panose="02070309020205020404" pitchFamily="49" charset="0"/>
+              </a:rPr>
+              <a:t>: 1px solid </a:t>
+            </a:r>
+            <a:r>
+              <a:rPr lang="sr-Latn-RS" sz="1200" dirty="0" err="1">
+                <a:latin typeface="Courier New" panose="02070309020205020404" pitchFamily="49" charset="0"/>
+                <a:cs typeface="Courier New" panose="02070309020205020404" pitchFamily="49" charset="0"/>
+              </a:rPr>
+              <a:t>grey</a:t>
+            </a:r>
+            <a:r>
+              <a:rPr lang="sr-Latn-RS" sz="1200" dirty="0">
+                <a:latin typeface="Courier New" panose="02070309020205020404" pitchFamily="49" charset="0"/>
+                <a:cs typeface="Courier New" panose="02070309020205020404" pitchFamily="49" charset="0"/>
+              </a:rPr>
+              <a:t>; /* okvir: 1 </a:t>
+            </a:r>
+            <a:r>
+              <a:rPr lang="sr-Latn-RS" sz="1200" dirty="0" err="1">
+                <a:latin typeface="Courier New" panose="02070309020205020404" pitchFamily="49" charset="0"/>
+                <a:cs typeface="Courier New" panose="02070309020205020404" pitchFamily="49" charset="0"/>
+              </a:rPr>
+              <a:t>px</a:t>
+            </a:r>
+            <a:r>
+              <a:rPr lang="sr-Latn-RS" sz="1200" dirty="0">
+                <a:latin typeface="Courier New" panose="02070309020205020404" pitchFamily="49" charset="0"/>
+                <a:cs typeface="Courier New" panose="02070309020205020404" pitchFamily="49" charset="0"/>
+              </a:rPr>
+              <a:t>, puna linija, siv */</a:t>
+            </a:r>
+          </a:p>
+          <a:p>
+            <a:r>
+              <a:rPr lang="sr-Latn-RS" sz="1200" dirty="0" smtClean="0">
+                <a:latin typeface="Courier New" panose="02070309020205020404" pitchFamily="49" charset="0"/>
+                <a:cs typeface="Courier New" panose="02070309020205020404" pitchFamily="49" charset="0"/>
+              </a:rPr>
+              <a:t>      </a:t>
+            </a:r>
+            <a:r>
+              <a:rPr lang="sr-Latn-RS" sz="1200" dirty="0" err="1" smtClean="0">
+                <a:latin typeface="Courier New" panose="02070309020205020404" pitchFamily="49" charset="0"/>
+                <a:cs typeface="Courier New" panose="02070309020205020404" pitchFamily="49" charset="0"/>
+              </a:rPr>
+              <a:t>box</a:t>
+            </a:r>
+            <a:r>
+              <a:rPr lang="sr-Latn-RS" sz="1200" dirty="0" smtClean="0">
+                <a:latin typeface="Courier New" panose="02070309020205020404" pitchFamily="49" charset="0"/>
+                <a:cs typeface="Courier New" panose="02070309020205020404" pitchFamily="49" charset="0"/>
+              </a:rPr>
+              <a:t>-</a:t>
+            </a:r>
+            <a:r>
+              <a:rPr lang="sr-Latn-RS" sz="1200" dirty="0" err="1" smtClean="0">
+                <a:latin typeface="Courier New" panose="02070309020205020404" pitchFamily="49" charset="0"/>
+                <a:cs typeface="Courier New" panose="02070309020205020404" pitchFamily="49" charset="0"/>
+              </a:rPr>
+              <a:t>shadow</a:t>
+            </a:r>
+            <a:r>
+              <a:rPr lang="sr-Latn-RS" sz="1200" dirty="0">
+                <a:latin typeface="Courier New" panose="02070309020205020404" pitchFamily="49" charset="0"/>
+                <a:cs typeface="Courier New" panose="02070309020205020404" pitchFamily="49" charset="0"/>
+              </a:rPr>
+              <a:t>: 10px </a:t>
+            </a:r>
+            <a:r>
+              <a:rPr lang="sr-Latn-RS" sz="1200" dirty="0" err="1">
+                <a:latin typeface="Courier New" panose="02070309020205020404" pitchFamily="49" charset="0"/>
+                <a:cs typeface="Courier New" panose="02070309020205020404" pitchFamily="49" charset="0"/>
+              </a:rPr>
+              <a:t>10px</a:t>
+            </a:r>
+            <a:r>
+              <a:rPr lang="sr-Latn-RS" sz="1200" dirty="0">
+                <a:latin typeface="Courier New" panose="02070309020205020404" pitchFamily="49" charset="0"/>
+                <a:cs typeface="Courier New" panose="02070309020205020404" pitchFamily="49" charset="0"/>
+              </a:rPr>
+              <a:t> 5px #888888; /* senka */</a:t>
+            </a:r>
+          </a:p>
+          <a:p>
+            <a:r>
+              <a:rPr lang="sr-Latn-RS" sz="1200" dirty="0" smtClean="0">
+                <a:latin typeface="Courier New" panose="02070309020205020404" pitchFamily="49" charset="0"/>
+                <a:cs typeface="Courier New" panose="02070309020205020404" pitchFamily="49" charset="0"/>
+              </a:rPr>
+              <a:t>      </a:t>
+            </a:r>
+            <a:r>
+              <a:rPr lang="sr-Latn-RS" sz="1200" dirty="0" err="1" smtClean="0">
+                <a:latin typeface="Courier New" panose="02070309020205020404" pitchFamily="49" charset="0"/>
+                <a:cs typeface="Courier New" panose="02070309020205020404" pitchFamily="49" charset="0"/>
+              </a:rPr>
+              <a:t>border</a:t>
+            </a:r>
+            <a:r>
+              <a:rPr lang="sr-Latn-RS" sz="1200" dirty="0" smtClean="0">
+                <a:latin typeface="Courier New" panose="02070309020205020404" pitchFamily="49" charset="0"/>
+                <a:cs typeface="Courier New" panose="02070309020205020404" pitchFamily="49" charset="0"/>
+              </a:rPr>
+              <a:t>-</a:t>
+            </a:r>
+            <a:r>
+              <a:rPr lang="sr-Latn-RS" sz="1200" dirty="0" err="1" smtClean="0">
+                <a:latin typeface="Courier New" panose="02070309020205020404" pitchFamily="49" charset="0"/>
+                <a:cs typeface="Courier New" panose="02070309020205020404" pitchFamily="49" charset="0"/>
+              </a:rPr>
+              <a:t>radius</a:t>
+            </a:r>
+            <a:r>
+              <a:rPr lang="sr-Latn-RS" sz="1200" dirty="0">
+                <a:latin typeface="Courier New" panose="02070309020205020404" pitchFamily="49" charset="0"/>
+                <a:cs typeface="Courier New" panose="02070309020205020404" pitchFamily="49" charset="0"/>
+              </a:rPr>
+              <a:t>: 10px; /* zaobljene ivice */</a:t>
+            </a:r>
+          </a:p>
+          <a:p>
+            <a:r>
+              <a:rPr lang="sr-Latn-RS" sz="1200" dirty="0" smtClean="0">
+                <a:latin typeface="Courier New" panose="02070309020205020404" pitchFamily="49" charset="0"/>
+                <a:cs typeface="Courier New" panose="02070309020205020404" pitchFamily="49" charset="0"/>
+              </a:rPr>
+              <a:t>    }</a:t>
+            </a:r>
+            <a:endParaRPr lang="sr-Latn-RS" sz="1200" dirty="0">
+              <a:latin typeface="Courier New" panose="02070309020205020404" pitchFamily="49" charset="0"/>
+              <a:cs typeface="Courier New" panose="02070309020205020404" pitchFamily="49" charset="0"/>
+            </a:endParaRPr>
+          </a:p>
+          <a:p>
+            <a:r>
+              <a:rPr lang="sr-Latn-RS" sz="1200" dirty="0" smtClean="0">
+                <a:latin typeface="Courier New" panose="02070309020205020404" pitchFamily="49" charset="0"/>
+                <a:cs typeface="Courier New" panose="02070309020205020404" pitchFamily="49" charset="0"/>
+              </a:rPr>
+              <a:t>  &lt;/</a:t>
+            </a:r>
+            <a:r>
+              <a:rPr lang="sr-Latn-RS" sz="1200" dirty="0" err="1">
+                <a:latin typeface="Courier New" panose="02070309020205020404" pitchFamily="49" charset="0"/>
+                <a:cs typeface="Courier New" panose="02070309020205020404" pitchFamily="49" charset="0"/>
+              </a:rPr>
+              <a:t>style</a:t>
+            </a:r>
+            <a:r>
+              <a:rPr lang="sr-Latn-RS" sz="1200" dirty="0">
+                <a:latin typeface="Courier New" panose="02070309020205020404" pitchFamily="49" charset="0"/>
+                <a:cs typeface="Courier New" panose="02070309020205020404" pitchFamily="49" charset="0"/>
+              </a:rPr>
+              <a:t>&gt;</a:t>
+            </a:r>
           </a:p>
         </p:txBody>
       </p:sp>
     </p:spTree>
     <p:extLst>
       <p:ext uri="{BB962C8B-B14F-4D97-AF65-F5344CB8AC3E}">
-        <p14:creationId xmlns:p14="http://schemas.microsoft.com/office/powerpoint/2010/main" val="1117357224"/>
+        <p14:creationId xmlns:p14="http://schemas.microsoft.com/office/powerpoint/2010/main" val="3698072021"/>
       </p:ext>
     </p:extLst>
   </p:cSld>
@@ -4160,6 +4779,2031 @@
             <p:ph type="title"/>
           </p:nvPr>
         </p:nvSpPr>
+        <p:spPr>
+          <a:xfrm>
+            <a:off x="1403648" y="549275"/>
+            <a:ext cx="7283152" cy="868363"/>
+          </a:xfrm>
+        </p:spPr>
+        <p:txBody>
+          <a:bodyPr/>
+          <a:lstStyle/>
+          <a:p>
+            <a:r>
+              <a:rPr lang="sr-Latn-RS" altLang="en-US" dirty="0" smtClean="0">
+                <a:solidFill>
+                  <a:srgbClr val="002060"/>
+                </a:solidFill>
+              </a:rPr>
+              <a:t>Jezici za opis veb stranica (3)</a:t>
+            </a:r>
+            <a:endParaRPr lang="en-GB" altLang="en-US" dirty="0" smtClean="0">
+              <a:solidFill>
+                <a:srgbClr val="002060"/>
+              </a:solidFill>
+            </a:endParaRPr>
+          </a:p>
+        </p:txBody>
+      </p:sp>
+      <p:sp>
+        <p:nvSpPr>
+          <p:cNvPr id="4" name="Rectangle 3"/>
+          <p:cNvSpPr/>
+          <p:nvPr/>
+        </p:nvSpPr>
+        <p:spPr>
+          <a:xfrm>
+            <a:off x="539552" y="1484784"/>
+            <a:ext cx="8352928" cy="5632311"/>
+          </a:xfrm>
+          <a:prstGeom prst="rect">
+            <a:avLst/>
+          </a:prstGeom>
+        </p:spPr>
+        <p:txBody>
+          <a:bodyPr wrap="square">
+            <a:spAutoFit/>
+          </a:bodyPr>
+          <a:lstStyle/>
+          <a:p>
+            <a:r>
+              <a:rPr lang="sr-Latn-RS" sz="1200" dirty="0" smtClean="0">
+                <a:latin typeface="Courier New" panose="02070309020205020404" pitchFamily="49" charset="0"/>
+                <a:cs typeface="Courier New" panose="02070309020205020404" pitchFamily="49" charset="0"/>
+              </a:rPr>
+              <a:t>  &lt;</a:t>
+            </a:r>
+            <a:r>
+              <a:rPr lang="sr-Latn-RS" sz="1200" dirty="0" err="1">
+                <a:latin typeface="Courier New" panose="02070309020205020404" pitchFamily="49" charset="0"/>
+                <a:cs typeface="Courier New" panose="02070309020205020404" pitchFamily="49" charset="0"/>
+              </a:rPr>
+              <a:t>script</a:t>
+            </a:r>
+            <a:r>
+              <a:rPr lang="sr-Latn-RS" sz="1200" dirty="0">
+                <a:latin typeface="Courier New" panose="02070309020205020404" pitchFamily="49" charset="0"/>
+                <a:cs typeface="Courier New" panose="02070309020205020404" pitchFamily="49" charset="0"/>
+              </a:rPr>
+              <a:t> </a:t>
+            </a:r>
+            <a:r>
+              <a:rPr lang="sr-Latn-RS" sz="1200" dirty="0" err="1">
+                <a:latin typeface="Courier New" panose="02070309020205020404" pitchFamily="49" charset="0"/>
+                <a:cs typeface="Courier New" panose="02070309020205020404" pitchFamily="49" charset="0"/>
+              </a:rPr>
+              <a:t>type</a:t>
+            </a:r>
+            <a:r>
+              <a:rPr lang="sr-Latn-RS" sz="1200" dirty="0">
+                <a:latin typeface="Courier New" panose="02070309020205020404" pitchFamily="49" charset="0"/>
+                <a:cs typeface="Courier New" panose="02070309020205020404" pitchFamily="49" charset="0"/>
+              </a:rPr>
+              <a:t>="</a:t>
+            </a:r>
+            <a:r>
+              <a:rPr lang="sr-Latn-RS" sz="1200" dirty="0" err="1">
+                <a:latin typeface="Courier New" panose="02070309020205020404" pitchFamily="49" charset="0"/>
+                <a:cs typeface="Courier New" panose="02070309020205020404" pitchFamily="49" charset="0"/>
+              </a:rPr>
+              <a:t>text</a:t>
+            </a:r>
+            <a:r>
+              <a:rPr lang="sr-Latn-RS" sz="1200" dirty="0">
+                <a:latin typeface="Courier New" panose="02070309020205020404" pitchFamily="49" charset="0"/>
+                <a:cs typeface="Courier New" panose="02070309020205020404" pitchFamily="49" charset="0"/>
+              </a:rPr>
+              <a:t>/</a:t>
+            </a:r>
+            <a:r>
+              <a:rPr lang="sr-Latn-RS" sz="1200" dirty="0" err="1">
+                <a:latin typeface="Courier New" panose="02070309020205020404" pitchFamily="49" charset="0"/>
+                <a:cs typeface="Courier New" panose="02070309020205020404" pitchFamily="49" charset="0"/>
+              </a:rPr>
+              <a:t>javascript</a:t>
+            </a:r>
+            <a:r>
+              <a:rPr lang="sr-Latn-RS" sz="1200" dirty="0">
+                <a:latin typeface="Courier New" panose="02070309020205020404" pitchFamily="49" charset="0"/>
+                <a:cs typeface="Courier New" panose="02070309020205020404" pitchFamily="49" charset="0"/>
+              </a:rPr>
+              <a:t>"&gt;</a:t>
+            </a:r>
+          </a:p>
+          <a:p>
+            <a:r>
+              <a:rPr lang="sr-Latn-RS" sz="1200" dirty="0" smtClean="0">
+                <a:latin typeface="Courier New" panose="02070309020205020404" pitchFamily="49" charset="0"/>
+                <a:cs typeface="Courier New" panose="02070309020205020404" pitchFamily="49" charset="0"/>
+              </a:rPr>
+              <a:t>    // </a:t>
+            </a:r>
+            <a:r>
+              <a:rPr lang="sr-Latn-RS" sz="1200" dirty="0">
+                <a:latin typeface="Courier New" panose="02070309020205020404" pitchFamily="49" charset="0"/>
+                <a:cs typeface="Courier New" panose="02070309020205020404" pitchFamily="49" charset="0"/>
+              </a:rPr>
+              <a:t>kada se klikne na naslov, on postaje crven</a:t>
+            </a:r>
+          </a:p>
+          <a:p>
+            <a:r>
+              <a:rPr lang="sr-Latn-RS" sz="1200" dirty="0" smtClean="0">
+                <a:latin typeface="Courier New" panose="02070309020205020404" pitchFamily="49" charset="0"/>
+                <a:cs typeface="Courier New" panose="02070309020205020404" pitchFamily="49" charset="0"/>
+              </a:rPr>
+              <a:t>    </a:t>
+            </a:r>
+            <a:r>
+              <a:rPr lang="sr-Latn-RS" sz="1200" dirty="0" err="1" smtClean="0">
+                <a:latin typeface="Courier New" panose="02070309020205020404" pitchFamily="49" charset="0"/>
+                <a:cs typeface="Courier New" panose="02070309020205020404" pitchFamily="49" charset="0"/>
+              </a:rPr>
+              <a:t>document.getElementById</a:t>
+            </a:r>
+            <a:r>
+              <a:rPr lang="sr-Latn-RS" sz="1200" dirty="0">
+                <a:latin typeface="Courier New" panose="02070309020205020404" pitchFamily="49" charset="0"/>
+                <a:cs typeface="Courier New" panose="02070309020205020404" pitchFamily="49" charset="0"/>
+              </a:rPr>
+              <a:t>('naslov').</a:t>
+            </a:r>
+            <a:r>
+              <a:rPr lang="sr-Latn-RS" sz="1200" dirty="0" err="1">
+                <a:latin typeface="Courier New" panose="02070309020205020404" pitchFamily="49" charset="0"/>
+                <a:cs typeface="Courier New" panose="02070309020205020404" pitchFamily="49" charset="0"/>
+              </a:rPr>
+              <a:t>onclick</a:t>
+            </a:r>
+            <a:r>
+              <a:rPr lang="sr-Latn-RS" sz="1200" dirty="0">
+                <a:latin typeface="Courier New" panose="02070309020205020404" pitchFamily="49" charset="0"/>
+                <a:cs typeface="Courier New" panose="02070309020205020404" pitchFamily="49" charset="0"/>
+              </a:rPr>
+              <a:t> = </a:t>
+            </a:r>
+            <a:r>
+              <a:rPr lang="sr-Latn-RS" sz="1200" dirty="0" err="1">
+                <a:latin typeface="Courier New" panose="02070309020205020404" pitchFamily="49" charset="0"/>
+                <a:cs typeface="Courier New" panose="02070309020205020404" pitchFamily="49" charset="0"/>
+              </a:rPr>
+              <a:t>function</a:t>
+            </a:r>
+            <a:r>
+              <a:rPr lang="sr-Latn-RS" sz="1200" dirty="0">
+                <a:latin typeface="Courier New" panose="02070309020205020404" pitchFamily="49" charset="0"/>
+                <a:cs typeface="Courier New" panose="02070309020205020404" pitchFamily="49" charset="0"/>
+              </a:rPr>
+              <a:t>() {</a:t>
+            </a:r>
+            <a:r>
+              <a:rPr lang="sr-Latn-RS" sz="1200" dirty="0" err="1">
+                <a:latin typeface="Courier New" panose="02070309020205020404" pitchFamily="49" charset="0"/>
+                <a:cs typeface="Courier New" panose="02070309020205020404" pitchFamily="49" charset="0"/>
+              </a:rPr>
+              <a:t>this.style.color</a:t>
+            </a:r>
+            <a:r>
+              <a:rPr lang="sr-Latn-RS" sz="1200" dirty="0">
+                <a:latin typeface="Courier New" panose="02070309020205020404" pitchFamily="49" charset="0"/>
+                <a:cs typeface="Courier New" panose="02070309020205020404" pitchFamily="49" charset="0"/>
+              </a:rPr>
+              <a:t> = 'red'};</a:t>
+            </a:r>
+          </a:p>
+          <a:p>
+            <a:r>
+              <a:rPr lang="sr-Latn-RS" sz="1200" dirty="0" smtClean="0">
+                <a:latin typeface="Courier New" panose="02070309020205020404" pitchFamily="49" charset="0"/>
+                <a:cs typeface="Courier New" panose="02070309020205020404" pitchFamily="49" charset="0"/>
+              </a:rPr>
+              <a:t>  &lt;/</a:t>
+            </a:r>
+            <a:r>
+              <a:rPr lang="sr-Latn-RS" sz="1200" dirty="0" err="1">
+                <a:latin typeface="Courier New" panose="02070309020205020404" pitchFamily="49" charset="0"/>
+                <a:cs typeface="Courier New" panose="02070309020205020404" pitchFamily="49" charset="0"/>
+              </a:rPr>
+              <a:t>script</a:t>
+            </a:r>
+            <a:r>
+              <a:rPr lang="sr-Latn-RS" sz="1200" dirty="0">
+                <a:latin typeface="Courier New" panose="02070309020205020404" pitchFamily="49" charset="0"/>
+                <a:cs typeface="Courier New" panose="02070309020205020404" pitchFamily="49" charset="0"/>
+              </a:rPr>
+              <a:t>&gt;</a:t>
+            </a:r>
+          </a:p>
+          <a:p>
+            <a:r>
+              <a:rPr lang="sr-Latn-RS" sz="1200" dirty="0">
+                <a:latin typeface="Courier New" panose="02070309020205020404" pitchFamily="49" charset="0"/>
+                <a:cs typeface="Courier New" panose="02070309020205020404" pitchFamily="49" charset="0"/>
+              </a:rPr>
+              <a:t>&lt;/</a:t>
+            </a:r>
+            <a:r>
+              <a:rPr lang="sr-Latn-RS" sz="1200" dirty="0" err="1">
+                <a:latin typeface="Courier New" panose="02070309020205020404" pitchFamily="49" charset="0"/>
+                <a:cs typeface="Courier New" panose="02070309020205020404" pitchFamily="49" charset="0"/>
+              </a:rPr>
+              <a:t>head</a:t>
+            </a:r>
+            <a:r>
+              <a:rPr lang="sr-Latn-RS" sz="1200" dirty="0">
+                <a:latin typeface="Courier New" panose="02070309020205020404" pitchFamily="49" charset="0"/>
+                <a:cs typeface="Courier New" panose="02070309020205020404" pitchFamily="49" charset="0"/>
+              </a:rPr>
+              <a:t>&gt;</a:t>
+            </a:r>
+          </a:p>
+          <a:p>
+            <a:r>
+              <a:rPr lang="sr-Latn-RS" sz="1200" dirty="0">
+                <a:latin typeface="Courier New" panose="02070309020205020404" pitchFamily="49" charset="0"/>
+                <a:cs typeface="Courier New" panose="02070309020205020404" pitchFamily="49" charset="0"/>
+              </a:rPr>
+              <a:t>&lt;!-- Opis tela veb-stranice --&gt;</a:t>
+            </a:r>
+          </a:p>
+          <a:p>
+            <a:r>
+              <a:rPr lang="sr-Latn-RS" sz="1200" dirty="0">
+                <a:latin typeface="Courier New" panose="02070309020205020404" pitchFamily="49" charset="0"/>
+                <a:cs typeface="Courier New" panose="02070309020205020404" pitchFamily="49" charset="0"/>
+              </a:rPr>
+              <a:t>&lt;</a:t>
+            </a:r>
+            <a:r>
+              <a:rPr lang="sr-Latn-RS" sz="1200" dirty="0" err="1">
+                <a:latin typeface="Courier New" panose="02070309020205020404" pitchFamily="49" charset="0"/>
+                <a:cs typeface="Courier New" panose="02070309020205020404" pitchFamily="49" charset="0"/>
+              </a:rPr>
+              <a:t>body</a:t>
+            </a:r>
+            <a:r>
+              <a:rPr lang="sr-Latn-RS" sz="1200" dirty="0">
+                <a:latin typeface="Courier New" panose="02070309020205020404" pitchFamily="49" charset="0"/>
+                <a:cs typeface="Courier New" panose="02070309020205020404" pitchFamily="49" charset="0"/>
+              </a:rPr>
+              <a:t>&gt;</a:t>
+            </a:r>
+          </a:p>
+          <a:p>
+            <a:r>
+              <a:rPr lang="sr-Latn-RS" sz="1200" dirty="0" smtClean="0">
+                <a:latin typeface="Courier New" panose="02070309020205020404" pitchFamily="49" charset="0"/>
+                <a:cs typeface="Courier New" panose="02070309020205020404" pitchFamily="49" charset="0"/>
+              </a:rPr>
+              <a:t>  &lt;</a:t>
+            </a:r>
+            <a:r>
+              <a:rPr lang="sr-Latn-RS" sz="1200" dirty="0" err="1">
+                <a:latin typeface="Courier New" panose="02070309020205020404" pitchFamily="49" charset="0"/>
+                <a:cs typeface="Courier New" panose="02070309020205020404" pitchFamily="49" charset="0"/>
+              </a:rPr>
+              <a:t>header</a:t>
+            </a:r>
+            <a:r>
+              <a:rPr lang="sr-Latn-RS" sz="1200" dirty="0">
+                <a:latin typeface="Courier New" panose="02070309020205020404" pitchFamily="49" charset="0"/>
+                <a:cs typeface="Courier New" panose="02070309020205020404" pitchFamily="49" charset="0"/>
+              </a:rPr>
+              <a:t>&gt;</a:t>
+            </a:r>
+          </a:p>
+          <a:p>
+            <a:r>
+              <a:rPr lang="sr-Latn-RS" sz="1200" dirty="0" smtClean="0">
+                <a:latin typeface="Courier New" panose="02070309020205020404" pitchFamily="49" charset="0"/>
+                <a:cs typeface="Courier New" panose="02070309020205020404" pitchFamily="49" charset="0"/>
+              </a:rPr>
+              <a:t>    &lt;</a:t>
+            </a:r>
+            <a:r>
+              <a:rPr lang="sr-Latn-RS" sz="1200" dirty="0" err="1">
+                <a:latin typeface="Courier New" panose="02070309020205020404" pitchFamily="49" charset="0"/>
+                <a:cs typeface="Courier New" panose="02070309020205020404" pitchFamily="49" charset="0"/>
+              </a:rPr>
+              <a:t>img</a:t>
+            </a:r>
+            <a:r>
+              <a:rPr lang="sr-Latn-RS" sz="1200" dirty="0">
+                <a:latin typeface="Courier New" panose="02070309020205020404" pitchFamily="49" charset="0"/>
+                <a:cs typeface="Courier New" panose="02070309020205020404" pitchFamily="49" charset="0"/>
+              </a:rPr>
+              <a:t> </a:t>
+            </a:r>
+            <a:r>
+              <a:rPr lang="sr-Latn-RS" sz="1200" dirty="0" err="1">
+                <a:latin typeface="Courier New" panose="02070309020205020404" pitchFamily="49" charset="0"/>
+                <a:cs typeface="Courier New" panose="02070309020205020404" pitchFamily="49" charset="0"/>
+              </a:rPr>
+              <a:t>src</a:t>
+            </a:r>
+            <a:r>
+              <a:rPr lang="sr-Latn-RS" sz="1200" dirty="0">
+                <a:latin typeface="Courier New" panose="02070309020205020404" pitchFamily="49" charset="0"/>
+                <a:cs typeface="Courier New" panose="02070309020205020404" pitchFamily="49" charset="0"/>
+              </a:rPr>
+              <a:t>="</a:t>
+            </a:r>
+            <a:r>
+              <a:rPr lang="sr-Latn-RS" sz="1200" dirty="0" err="1">
+                <a:latin typeface="Courier New" panose="02070309020205020404" pitchFamily="49" charset="0"/>
+                <a:cs typeface="Courier New" panose="02070309020205020404" pitchFamily="49" charset="0"/>
+              </a:rPr>
+              <a:t>web</a:t>
+            </a:r>
+            <a:r>
+              <a:rPr lang="sr-Latn-RS" sz="1200" dirty="0">
+                <a:latin typeface="Courier New" panose="02070309020205020404" pitchFamily="49" charset="0"/>
+                <a:cs typeface="Courier New" panose="02070309020205020404" pitchFamily="49" charset="0"/>
+              </a:rPr>
+              <a:t>-</a:t>
+            </a:r>
+            <a:r>
+              <a:rPr lang="sr-Latn-RS" sz="1200" dirty="0" err="1">
+                <a:latin typeface="Courier New" panose="02070309020205020404" pitchFamily="49" charset="0"/>
+                <a:cs typeface="Courier New" panose="02070309020205020404" pitchFamily="49" charset="0"/>
+              </a:rPr>
+              <a:t>logos.png</a:t>
+            </a:r>
+            <a:r>
+              <a:rPr lang="sr-Latn-RS" sz="1200" dirty="0">
+                <a:latin typeface="Courier New" panose="02070309020205020404" pitchFamily="49" charset="0"/>
+                <a:cs typeface="Courier New" panose="02070309020205020404" pitchFamily="49" charset="0"/>
+              </a:rPr>
+              <a:t>" </a:t>
+            </a:r>
+            <a:r>
+              <a:rPr lang="sr-Latn-RS" sz="1200" dirty="0" err="1">
+                <a:latin typeface="Courier New" panose="02070309020205020404" pitchFamily="49" charset="0"/>
+                <a:cs typeface="Courier New" panose="02070309020205020404" pitchFamily="49" charset="0"/>
+              </a:rPr>
+              <a:t>alt</a:t>
+            </a:r>
+            <a:r>
+              <a:rPr lang="sr-Latn-RS" sz="1200" dirty="0">
+                <a:latin typeface="Courier New" panose="02070309020205020404" pitchFamily="49" charset="0"/>
+                <a:cs typeface="Courier New" panose="02070309020205020404" pitchFamily="49" charset="0"/>
+              </a:rPr>
+              <a:t>="</a:t>
+            </a:r>
+            <a:r>
+              <a:rPr lang="sr-Latn-RS" sz="1200" dirty="0" err="1">
+                <a:latin typeface="Courier New" panose="02070309020205020404" pitchFamily="49" charset="0"/>
+                <a:cs typeface="Courier New" panose="02070309020205020404" pitchFamily="49" charset="0"/>
+              </a:rPr>
+              <a:t>logotipi</a:t>
+            </a:r>
+            <a:r>
+              <a:rPr lang="sr-Latn-RS" sz="1200" dirty="0">
+                <a:latin typeface="Courier New" panose="02070309020205020404" pitchFamily="49" charset="0"/>
+                <a:cs typeface="Courier New" panose="02070309020205020404" pitchFamily="49" charset="0"/>
+              </a:rPr>
+              <a:t>" </a:t>
+            </a:r>
+            <a:r>
+              <a:rPr lang="sr-Latn-RS" sz="1200" dirty="0" err="1">
+                <a:latin typeface="Courier New" panose="02070309020205020404" pitchFamily="49" charset="0"/>
+                <a:cs typeface="Courier New" panose="02070309020205020404" pitchFamily="49" charset="0"/>
+              </a:rPr>
+              <a:t>width</a:t>
+            </a:r>
+            <a:r>
+              <a:rPr lang="sr-Latn-RS" sz="1200" dirty="0">
+                <a:latin typeface="Courier New" panose="02070309020205020404" pitchFamily="49" charset="0"/>
+                <a:cs typeface="Courier New" panose="02070309020205020404" pitchFamily="49" charset="0"/>
+              </a:rPr>
+              <a:t>="200px" /&gt;</a:t>
+            </a:r>
+          </a:p>
+          <a:p>
+            <a:r>
+              <a:rPr lang="sr-Latn-RS" sz="1200" dirty="0" smtClean="0">
+                <a:latin typeface="Courier New" panose="02070309020205020404" pitchFamily="49" charset="0"/>
+                <a:cs typeface="Courier New" panose="02070309020205020404" pitchFamily="49" charset="0"/>
+              </a:rPr>
+              <a:t>  &lt;/</a:t>
+            </a:r>
+            <a:r>
+              <a:rPr lang="sr-Latn-RS" sz="1200" dirty="0" err="1">
+                <a:latin typeface="Courier New" panose="02070309020205020404" pitchFamily="49" charset="0"/>
+                <a:cs typeface="Courier New" panose="02070309020205020404" pitchFamily="49" charset="0"/>
+              </a:rPr>
+              <a:t>header</a:t>
+            </a:r>
+            <a:r>
+              <a:rPr lang="sr-Latn-RS" sz="1200" dirty="0">
+                <a:latin typeface="Courier New" panose="02070309020205020404" pitchFamily="49" charset="0"/>
+                <a:cs typeface="Courier New" panose="02070309020205020404" pitchFamily="49" charset="0"/>
+              </a:rPr>
+              <a:t>&gt;</a:t>
+            </a:r>
+          </a:p>
+          <a:p>
+            <a:r>
+              <a:rPr lang="sr-Latn-RS" sz="1200" dirty="0" smtClean="0">
+                <a:latin typeface="Courier New" panose="02070309020205020404" pitchFamily="49" charset="0"/>
+                <a:cs typeface="Courier New" panose="02070309020205020404" pitchFamily="49" charset="0"/>
+              </a:rPr>
+              <a:t>  &lt;</a:t>
+            </a:r>
+            <a:r>
+              <a:rPr lang="sr-Latn-RS" sz="1200" dirty="0" err="1">
+                <a:latin typeface="Courier New" panose="02070309020205020404" pitchFamily="49" charset="0"/>
+                <a:cs typeface="Courier New" panose="02070309020205020404" pitchFamily="49" charset="0"/>
+              </a:rPr>
+              <a:t>main</a:t>
+            </a:r>
+            <a:r>
+              <a:rPr lang="sr-Latn-RS" sz="1200" dirty="0">
+                <a:latin typeface="Courier New" panose="02070309020205020404" pitchFamily="49" charset="0"/>
+                <a:cs typeface="Courier New" panose="02070309020205020404" pitchFamily="49" charset="0"/>
+              </a:rPr>
+              <a:t>&gt;</a:t>
+            </a:r>
+          </a:p>
+          <a:p>
+            <a:r>
+              <a:rPr lang="sr-Latn-RS" sz="1200" dirty="0" smtClean="0">
+                <a:latin typeface="Courier New" panose="02070309020205020404" pitchFamily="49" charset="0"/>
+                <a:cs typeface="Courier New" panose="02070309020205020404" pitchFamily="49" charset="0"/>
+              </a:rPr>
+              <a:t>    &lt;</a:t>
+            </a:r>
+            <a:r>
+              <a:rPr lang="sr-Latn-RS" sz="1200" dirty="0">
+                <a:latin typeface="Courier New" panose="02070309020205020404" pitchFamily="49" charset="0"/>
+                <a:cs typeface="Courier New" panose="02070309020205020404" pitchFamily="49" charset="0"/>
+              </a:rPr>
+              <a:t>h1 id="naslov"&gt;Jezici za opis veb-strana&lt;/h1&gt;</a:t>
+            </a:r>
+          </a:p>
+          <a:p>
+            <a:r>
+              <a:rPr lang="sr-Latn-RS" sz="1200" dirty="0" smtClean="0">
+                <a:latin typeface="Courier New" panose="02070309020205020404" pitchFamily="49" charset="0"/>
+                <a:cs typeface="Courier New" panose="02070309020205020404" pitchFamily="49" charset="0"/>
+              </a:rPr>
+              <a:t>    &lt;</a:t>
+            </a:r>
+            <a:r>
+              <a:rPr lang="sr-Latn-RS" sz="1200" dirty="0" err="1">
+                <a:latin typeface="Courier New" panose="02070309020205020404" pitchFamily="49" charset="0"/>
+                <a:cs typeface="Courier New" panose="02070309020205020404" pitchFamily="49" charset="0"/>
+              </a:rPr>
+              <a:t>article</a:t>
+            </a:r>
+            <a:r>
+              <a:rPr lang="sr-Latn-RS" sz="1200" dirty="0">
+                <a:latin typeface="Courier New" panose="02070309020205020404" pitchFamily="49" charset="0"/>
+                <a:cs typeface="Courier New" panose="02070309020205020404" pitchFamily="49" charset="0"/>
+              </a:rPr>
+              <a:t>&gt;</a:t>
+            </a:r>
+          </a:p>
+          <a:p>
+            <a:r>
+              <a:rPr lang="sr-Latn-RS" sz="1200" dirty="0" smtClean="0">
+                <a:latin typeface="Courier New" panose="02070309020205020404" pitchFamily="49" charset="0"/>
+                <a:cs typeface="Courier New" panose="02070309020205020404" pitchFamily="49" charset="0"/>
+              </a:rPr>
+              <a:t>      &lt;</a:t>
+            </a:r>
+            <a:r>
+              <a:rPr lang="sr-Latn-RS" sz="1200" dirty="0">
+                <a:latin typeface="Courier New" panose="02070309020205020404" pitchFamily="49" charset="0"/>
+                <a:cs typeface="Courier New" panose="02070309020205020404" pitchFamily="49" charset="0"/>
+              </a:rPr>
+              <a:t>p&gt;U opisu veb-strana koristi se vise jezika i tehnologija.&lt;/p&gt;</a:t>
+            </a:r>
+          </a:p>
+          <a:p>
+            <a:r>
+              <a:rPr lang="sr-Latn-RS" sz="1200" dirty="0" smtClean="0">
+                <a:latin typeface="Courier New" panose="02070309020205020404" pitchFamily="49" charset="0"/>
+                <a:cs typeface="Courier New" panose="02070309020205020404" pitchFamily="49" charset="0"/>
+              </a:rPr>
+              <a:t>      &lt;</a:t>
+            </a:r>
+            <a:r>
+              <a:rPr lang="sr-Latn-RS" sz="1200" dirty="0">
+                <a:latin typeface="Courier New" panose="02070309020205020404" pitchFamily="49" charset="0"/>
+                <a:cs typeface="Courier New" panose="02070309020205020404" pitchFamily="49" charset="0"/>
+              </a:rPr>
+              <a:t>ul&gt;</a:t>
+            </a:r>
+          </a:p>
+          <a:p>
+            <a:r>
+              <a:rPr lang="sr-Latn-RS" sz="1200" dirty="0" smtClean="0">
+                <a:latin typeface="Courier New" panose="02070309020205020404" pitchFamily="49" charset="0"/>
+                <a:cs typeface="Courier New" panose="02070309020205020404" pitchFamily="49" charset="0"/>
+              </a:rPr>
+              <a:t>        &lt;</a:t>
+            </a:r>
+            <a:r>
+              <a:rPr lang="sr-Latn-RS" sz="1200" dirty="0">
+                <a:latin typeface="Courier New" panose="02070309020205020404" pitchFamily="49" charset="0"/>
+                <a:cs typeface="Courier New" panose="02070309020205020404" pitchFamily="49" charset="0"/>
+              </a:rPr>
+              <a:t>li&gt;Jezik &lt;a </a:t>
+            </a:r>
+            <a:r>
+              <a:rPr lang="sr-Latn-RS" sz="1200" dirty="0" err="1">
+                <a:latin typeface="Courier New" panose="02070309020205020404" pitchFamily="49" charset="0"/>
+                <a:cs typeface="Courier New" panose="02070309020205020404" pitchFamily="49" charset="0"/>
+              </a:rPr>
+              <a:t>href</a:t>
+            </a:r>
+            <a:r>
+              <a:rPr lang="sr-Latn-RS" sz="1200" dirty="0">
+                <a:latin typeface="Courier New" panose="02070309020205020404" pitchFamily="49" charset="0"/>
+                <a:cs typeface="Courier New" panose="02070309020205020404" pitchFamily="49" charset="0"/>
+              </a:rPr>
+              <a:t>="https://www.w3.org/TR/html5/"&gt;HTML&lt;/a&gt;</a:t>
+            </a:r>
+          </a:p>
+          <a:p>
+            <a:r>
+              <a:rPr lang="sr-Latn-RS" sz="1200" dirty="0" smtClean="0">
+                <a:latin typeface="Courier New" panose="02070309020205020404" pitchFamily="49" charset="0"/>
+                <a:cs typeface="Courier New" panose="02070309020205020404" pitchFamily="49" charset="0"/>
+              </a:rPr>
+              <a:t>            sluzi </a:t>
+            </a:r>
+            <a:r>
+              <a:rPr lang="sr-Latn-RS" sz="1200" dirty="0">
+                <a:latin typeface="Courier New" panose="02070309020205020404" pitchFamily="49" charset="0"/>
+                <a:cs typeface="Courier New" panose="02070309020205020404" pitchFamily="49" charset="0"/>
+              </a:rPr>
+              <a:t>za opis </a:t>
+            </a:r>
+            <a:r>
+              <a:rPr lang="sr-Latn-RS" sz="1200" dirty="0" err="1">
+                <a:latin typeface="Courier New" panose="02070309020205020404" pitchFamily="49" charset="0"/>
+                <a:cs typeface="Courier New" panose="02070309020205020404" pitchFamily="49" charset="0"/>
+              </a:rPr>
+              <a:t>sadrzaja</a:t>
+            </a:r>
+            <a:r>
+              <a:rPr lang="sr-Latn-RS" sz="1200" dirty="0">
+                <a:latin typeface="Courier New" panose="02070309020205020404" pitchFamily="49" charset="0"/>
+                <a:cs typeface="Courier New" panose="02070309020205020404" pitchFamily="49" charset="0"/>
+              </a:rPr>
+              <a:t> veb-strana. Za opis </a:t>
+            </a:r>
+            <a:r>
+              <a:rPr lang="sr-Latn-RS" sz="1200" dirty="0" err="1">
+                <a:latin typeface="Courier New" panose="02070309020205020404" pitchFamily="49" charset="0"/>
+                <a:cs typeface="Courier New" panose="02070309020205020404" pitchFamily="49" charset="0"/>
+              </a:rPr>
+              <a:t>sadrzaja</a:t>
+            </a:r>
+            <a:endParaRPr lang="sr-Latn-RS" sz="1200" dirty="0">
+              <a:latin typeface="Courier New" panose="02070309020205020404" pitchFamily="49" charset="0"/>
+              <a:cs typeface="Courier New" panose="02070309020205020404" pitchFamily="49" charset="0"/>
+            </a:endParaRPr>
+          </a:p>
+          <a:p>
+            <a:r>
+              <a:rPr lang="sr-Latn-RS" sz="1200" dirty="0" smtClean="0">
+                <a:latin typeface="Courier New" panose="02070309020205020404" pitchFamily="49" charset="0"/>
+                <a:cs typeface="Courier New" panose="02070309020205020404" pitchFamily="49" charset="0"/>
+              </a:rPr>
+              <a:t>            koriste </a:t>
+            </a:r>
+            <a:r>
+              <a:rPr lang="sr-Latn-RS" sz="1200" dirty="0">
+                <a:latin typeface="Courier New" panose="02070309020205020404" pitchFamily="49" charset="0"/>
+                <a:cs typeface="Courier New" panose="02070309020205020404" pitchFamily="49" charset="0"/>
+              </a:rPr>
+              <a:t>se &lt;i&gt;HTML elementi&lt;/i&gt; (na primer, &amp;</a:t>
+            </a:r>
+            <a:r>
+              <a:rPr lang="sr-Latn-RS" sz="1200" dirty="0" err="1">
+                <a:latin typeface="Courier New" panose="02070309020205020404" pitchFamily="49" charset="0"/>
+                <a:cs typeface="Courier New" panose="02070309020205020404" pitchFamily="49" charset="0"/>
+              </a:rPr>
+              <a:t>lt</a:t>
+            </a:r>
+            <a:r>
+              <a:rPr lang="sr-Latn-RS" sz="1200" dirty="0">
+                <a:latin typeface="Courier New" panose="02070309020205020404" pitchFamily="49" charset="0"/>
+                <a:cs typeface="Courier New" panose="02070309020205020404" pitchFamily="49" charset="0"/>
+              </a:rPr>
+              <a:t>;html&amp;</a:t>
+            </a:r>
+            <a:r>
+              <a:rPr lang="sr-Latn-RS" sz="1200" dirty="0" err="1">
+                <a:latin typeface="Courier New" panose="02070309020205020404" pitchFamily="49" charset="0"/>
+                <a:cs typeface="Courier New" panose="02070309020205020404" pitchFamily="49" charset="0"/>
+              </a:rPr>
+              <a:t>gt</a:t>
+            </a:r>
+            <a:r>
+              <a:rPr lang="sr-Latn-RS" sz="1200" dirty="0">
+                <a:latin typeface="Courier New" panose="02070309020205020404" pitchFamily="49" charset="0"/>
+                <a:cs typeface="Courier New" panose="02070309020205020404" pitchFamily="49" charset="0"/>
+              </a:rPr>
+              <a:t>;).&lt;/li&gt;</a:t>
+            </a:r>
+          </a:p>
+          <a:p>
+            <a:r>
+              <a:rPr lang="sr-Latn-RS" sz="1200" dirty="0" smtClean="0">
+                <a:latin typeface="Courier New" panose="02070309020205020404" pitchFamily="49" charset="0"/>
+                <a:cs typeface="Courier New" panose="02070309020205020404" pitchFamily="49" charset="0"/>
+              </a:rPr>
+              <a:t>        &lt;</a:t>
+            </a:r>
+            <a:r>
+              <a:rPr lang="sr-Latn-RS" sz="1200" dirty="0">
+                <a:latin typeface="Courier New" panose="02070309020205020404" pitchFamily="49" charset="0"/>
+                <a:cs typeface="Courier New" panose="02070309020205020404" pitchFamily="49" charset="0"/>
+              </a:rPr>
+              <a:t>li&gt;Jezik &lt;a </a:t>
+            </a:r>
+            <a:r>
+              <a:rPr lang="sr-Latn-RS" sz="1200" dirty="0" err="1">
+                <a:latin typeface="Courier New" panose="02070309020205020404" pitchFamily="49" charset="0"/>
+                <a:cs typeface="Courier New" panose="02070309020205020404" pitchFamily="49" charset="0"/>
+              </a:rPr>
+              <a:t>href</a:t>
+            </a:r>
+            <a:r>
+              <a:rPr lang="sr-Latn-RS" sz="1200" dirty="0">
+                <a:latin typeface="Courier New" panose="02070309020205020404" pitchFamily="49" charset="0"/>
+                <a:cs typeface="Courier New" panose="02070309020205020404" pitchFamily="49" charset="0"/>
+              </a:rPr>
+              <a:t>="https://www.w3.org/Style/CSS/"&gt;CSS&lt;/a&gt;</a:t>
+            </a:r>
+          </a:p>
+          <a:p>
+            <a:r>
+              <a:rPr lang="sr-Latn-RS" sz="1200" dirty="0" smtClean="0">
+                <a:latin typeface="Courier New" panose="02070309020205020404" pitchFamily="49" charset="0"/>
+                <a:cs typeface="Courier New" panose="02070309020205020404" pitchFamily="49" charset="0"/>
+              </a:rPr>
+              <a:t>            sluzi </a:t>
+            </a:r>
+            <a:r>
+              <a:rPr lang="sr-Latn-RS" sz="1200" dirty="0">
+                <a:latin typeface="Courier New" panose="02070309020205020404" pitchFamily="49" charset="0"/>
+                <a:cs typeface="Courier New" panose="02070309020205020404" pitchFamily="49" charset="0"/>
+              </a:rPr>
+              <a:t>za opis stila (boja, fontova, rasporeda </a:t>
+            </a:r>
+            <a:r>
+              <a:rPr lang="sr-Latn-RS" sz="1200" dirty="0" err="1">
+                <a:latin typeface="Courier New" panose="02070309020205020404" pitchFamily="49" charset="0"/>
+                <a:cs typeface="Courier New" panose="02070309020205020404" pitchFamily="49" charset="0"/>
+              </a:rPr>
+              <a:t>sadrzaja</a:t>
+            </a:r>
+            <a:r>
+              <a:rPr lang="sr-Latn-RS" sz="1200" dirty="0">
+                <a:latin typeface="Courier New" panose="02070309020205020404" pitchFamily="49" charset="0"/>
+                <a:cs typeface="Courier New" panose="02070309020205020404" pitchFamily="49" charset="0"/>
+              </a:rPr>
+              <a:t> i</a:t>
+            </a:r>
+          </a:p>
+          <a:p>
+            <a:r>
+              <a:rPr lang="sr-Latn-RS" sz="1200" dirty="0" smtClean="0">
+                <a:latin typeface="Courier New" panose="02070309020205020404" pitchFamily="49" charset="0"/>
+                <a:cs typeface="Courier New" panose="02070309020205020404" pitchFamily="49" charset="0"/>
+              </a:rPr>
+              <a:t>            </a:t>
+            </a:r>
+            <a:r>
+              <a:rPr lang="sr-Latn-RS" sz="1200" dirty="0" err="1" smtClean="0">
+                <a:latin typeface="Courier New" panose="02070309020205020404" pitchFamily="49" charset="0"/>
+                <a:cs typeface="Courier New" panose="02070309020205020404" pitchFamily="49" charset="0"/>
+              </a:rPr>
+              <a:t>slicno</a:t>
+            </a:r>
+            <a:r>
+              <a:rPr lang="sr-Latn-RS" sz="1200" dirty="0">
+                <a:latin typeface="Courier New" panose="02070309020205020404" pitchFamily="49" charset="0"/>
+                <a:cs typeface="Courier New" panose="02070309020205020404" pitchFamily="49" charset="0"/>
+              </a:rPr>
+              <a:t>) veb-strana.&lt;/li&gt;</a:t>
+            </a:r>
+          </a:p>
+          <a:p>
+            <a:r>
+              <a:rPr lang="sr-Latn-RS" sz="1200" dirty="0" smtClean="0">
+                <a:latin typeface="Courier New" panose="02070309020205020404" pitchFamily="49" charset="0"/>
+                <a:cs typeface="Courier New" panose="02070309020205020404" pitchFamily="49" charset="0"/>
+              </a:rPr>
+              <a:t>        &lt;</a:t>
+            </a:r>
+            <a:r>
+              <a:rPr lang="sr-Latn-RS" sz="1200" dirty="0">
+                <a:latin typeface="Courier New" panose="02070309020205020404" pitchFamily="49" charset="0"/>
+                <a:cs typeface="Courier New" panose="02070309020205020404" pitchFamily="49" charset="0"/>
+              </a:rPr>
+              <a:t>li&gt;Jezik &lt;a </a:t>
+            </a:r>
+            <a:r>
+              <a:rPr lang="sr-Latn-RS" sz="1200" dirty="0" err="1">
+                <a:latin typeface="Courier New" panose="02070309020205020404" pitchFamily="49" charset="0"/>
+                <a:cs typeface="Courier New" panose="02070309020205020404" pitchFamily="49" charset="0"/>
+              </a:rPr>
+              <a:t>href</a:t>
+            </a:r>
+            <a:r>
+              <a:rPr lang="sr-Latn-RS" sz="1200" dirty="0">
+                <a:latin typeface="Courier New" panose="02070309020205020404" pitchFamily="49" charset="0"/>
+                <a:cs typeface="Courier New" panose="02070309020205020404" pitchFamily="49" charset="0"/>
+              </a:rPr>
+              <a:t>="https://en.wikipedia.org/wiki/JavaScript"&gt;</a:t>
+            </a:r>
+          </a:p>
+          <a:p>
+            <a:r>
+              <a:rPr lang="sr-Latn-RS" sz="1200" dirty="0" smtClean="0">
+                <a:latin typeface="Courier New" panose="02070309020205020404" pitchFamily="49" charset="0"/>
+                <a:cs typeface="Courier New" panose="02070309020205020404" pitchFamily="49" charset="0"/>
+              </a:rPr>
+              <a:t>            </a:t>
+            </a:r>
+            <a:r>
+              <a:rPr lang="sr-Latn-RS" sz="1200" dirty="0" err="1" smtClean="0">
+                <a:latin typeface="Courier New" panose="02070309020205020404" pitchFamily="49" charset="0"/>
+                <a:cs typeface="Courier New" panose="02070309020205020404" pitchFamily="49" charset="0"/>
+              </a:rPr>
+              <a:t>JavaScript</a:t>
+            </a:r>
+            <a:r>
+              <a:rPr lang="sr-Latn-RS" sz="1200" dirty="0">
+                <a:latin typeface="Courier New" panose="02070309020205020404" pitchFamily="49" charset="0"/>
+                <a:cs typeface="Courier New" panose="02070309020205020404" pitchFamily="49" charset="0"/>
+              </a:rPr>
+              <a:t>&lt;/a&gt; koristi se za dodavanje </a:t>
+            </a:r>
+            <a:r>
+              <a:rPr lang="sr-Latn-RS" sz="1200" dirty="0" err="1">
+                <a:latin typeface="Courier New" panose="02070309020205020404" pitchFamily="49" charset="0"/>
+                <a:cs typeface="Courier New" panose="02070309020205020404" pitchFamily="49" charset="0"/>
+              </a:rPr>
+              <a:t>interaktivnosti</a:t>
+            </a:r>
+            <a:endParaRPr lang="sr-Latn-RS" sz="1200" dirty="0">
+              <a:latin typeface="Courier New" panose="02070309020205020404" pitchFamily="49" charset="0"/>
+              <a:cs typeface="Courier New" panose="02070309020205020404" pitchFamily="49" charset="0"/>
+            </a:endParaRPr>
+          </a:p>
+          <a:p>
+            <a:r>
+              <a:rPr lang="sr-Latn-RS" sz="1200" dirty="0" smtClean="0">
+                <a:latin typeface="Courier New" panose="02070309020205020404" pitchFamily="49" charset="0"/>
+                <a:cs typeface="Courier New" panose="02070309020205020404" pitchFamily="49" charset="0"/>
+              </a:rPr>
+              <a:t>            veb-stranama </a:t>
+            </a:r>
+            <a:r>
+              <a:rPr lang="sr-Latn-RS" sz="1200" dirty="0">
+                <a:latin typeface="Courier New" panose="02070309020205020404" pitchFamily="49" charset="0"/>
+                <a:cs typeface="Courier New" panose="02070309020205020404" pitchFamily="49" charset="0"/>
+              </a:rPr>
+              <a:t>(na primer, u njemu </a:t>
+            </a:r>
+            <a:r>
+              <a:rPr lang="sr-Latn-RS" sz="1200" dirty="0" err="1">
+                <a:latin typeface="Courier New" panose="02070309020205020404" pitchFamily="49" charset="0"/>
+                <a:cs typeface="Courier New" panose="02070309020205020404" pitchFamily="49" charset="0"/>
+              </a:rPr>
+              <a:t>cemo</a:t>
+            </a:r>
+            <a:r>
+              <a:rPr lang="sr-Latn-RS" sz="1200" dirty="0">
+                <a:latin typeface="Courier New" panose="02070309020205020404" pitchFamily="49" charset="0"/>
+                <a:cs typeface="Courier New" panose="02070309020205020404" pitchFamily="49" charset="0"/>
+              </a:rPr>
+              <a:t> </a:t>
+            </a:r>
+            <a:r>
+              <a:rPr lang="sr-Latn-RS" sz="1200" dirty="0" err="1">
+                <a:latin typeface="Courier New" panose="02070309020205020404" pitchFamily="49" charset="0"/>
+                <a:cs typeface="Courier New" panose="02070309020205020404" pitchFamily="49" charset="0"/>
+              </a:rPr>
+              <a:t>isprogramirati</a:t>
+            </a:r>
+            <a:r>
+              <a:rPr lang="sr-Latn-RS" sz="1200" dirty="0">
+                <a:latin typeface="Courier New" panose="02070309020205020404" pitchFamily="49" charset="0"/>
+                <a:cs typeface="Courier New" panose="02070309020205020404" pitchFamily="49" charset="0"/>
+              </a:rPr>
+              <a:t> da</a:t>
+            </a:r>
+          </a:p>
+          <a:p>
+            <a:r>
+              <a:rPr lang="sr-Latn-RS" sz="1200" dirty="0" smtClean="0">
+                <a:latin typeface="Courier New" panose="02070309020205020404" pitchFamily="49" charset="0"/>
+                <a:cs typeface="Courier New" panose="02070309020205020404" pitchFamily="49" charset="0"/>
+              </a:rPr>
+              <a:t>            naslov </a:t>
+            </a:r>
+            <a:r>
+              <a:rPr lang="sr-Latn-RS" sz="1200" dirty="0">
+                <a:latin typeface="Courier New" panose="02070309020205020404" pitchFamily="49" charset="0"/>
+                <a:cs typeface="Courier New" panose="02070309020205020404" pitchFamily="49" charset="0"/>
+              </a:rPr>
+              <a:t>promeni boju kada se klikne na njega).&lt;/li&gt;</a:t>
+            </a:r>
+          </a:p>
+          <a:p>
+            <a:r>
+              <a:rPr lang="sr-Latn-RS" sz="1200" dirty="0" smtClean="0">
+                <a:latin typeface="Courier New" panose="02070309020205020404" pitchFamily="49" charset="0"/>
+                <a:cs typeface="Courier New" panose="02070309020205020404" pitchFamily="49" charset="0"/>
+              </a:rPr>
+              <a:t>      &lt;/</a:t>
+            </a:r>
+            <a:r>
+              <a:rPr lang="sr-Latn-RS" sz="1200" dirty="0">
+                <a:latin typeface="Courier New" panose="02070309020205020404" pitchFamily="49" charset="0"/>
+                <a:cs typeface="Courier New" panose="02070309020205020404" pitchFamily="49" charset="0"/>
+              </a:rPr>
+              <a:t>ul&gt;</a:t>
+            </a:r>
+          </a:p>
+          <a:p>
+            <a:r>
+              <a:rPr lang="sr-Latn-RS" sz="1200" dirty="0" smtClean="0">
+                <a:latin typeface="Courier New" panose="02070309020205020404" pitchFamily="49" charset="0"/>
+                <a:cs typeface="Courier New" panose="02070309020205020404" pitchFamily="49" charset="0"/>
+              </a:rPr>
+              <a:t>    &lt;/</a:t>
+            </a:r>
+            <a:r>
+              <a:rPr lang="sr-Latn-RS" sz="1200" dirty="0" err="1">
+                <a:latin typeface="Courier New" panose="02070309020205020404" pitchFamily="49" charset="0"/>
+                <a:cs typeface="Courier New" panose="02070309020205020404" pitchFamily="49" charset="0"/>
+              </a:rPr>
+              <a:t>article</a:t>
+            </a:r>
+            <a:r>
+              <a:rPr lang="sr-Latn-RS" sz="1200" dirty="0">
+                <a:latin typeface="Courier New" panose="02070309020205020404" pitchFamily="49" charset="0"/>
+                <a:cs typeface="Courier New" panose="02070309020205020404" pitchFamily="49" charset="0"/>
+              </a:rPr>
+              <a:t>&gt;</a:t>
+            </a:r>
+          </a:p>
+          <a:p>
+            <a:r>
+              <a:rPr lang="sr-Latn-RS" sz="1200" dirty="0" smtClean="0">
+                <a:latin typeface="Courier New" panose="02070309020205020404" pitchFamily="49" charset="0"/>
+                <a:cs typeface="Courier New" panose="02070309020205020404" pitchFamily="49" charset="0"/>
+              </a:rPr>
+              <a:t>  &lt;/</a:t>
+            </a:r>
+            <a:r>
+              <a:rPr lang="sr-Latn-RS" sz="1200" dirty="0" err="1">
+                <a:latin typeface="Courier New" panose="02070309020205020404" pitchFamily="49" charset="0"/>
+                <a:cs typeface="Courier New" panose="02070309020205020404" pitchFamily="49" charset="0"/>
+              </a:rPr>
+              <a:t>main</a:t>
+            </a:r>
+            <a:r>
+              <a:rPr lang="sr-Latn-RS" sz="1200" dirty="0">
+                <a:latin typeface="Courier New" panose="02070309020205020404" pitchFamily="49" charset="0"/>
+                <a:cs typeface="Courier New" panose="02070309020205020404" pitchFamily="49" charset="0"/>
+              </a:rPr>
+              <a:t>&gt;</a:t>
+            </a:r>
+          </a:p>
+          <a:p>
+            <a:r>
+              <a:rPr lang="sr-Latn-RS" sz="1200" dirty="0">
+                <a:latin typeface="Courier New" panose="02070309020205020404" pitchFamily="49" charset="0"/>
+                <a:cs typeface="Courier New" panose="02070309020205020404" pitchFamily="49" charset="0"/>
+              </a:rPr>
+              <a:t>&lt;/</a:t>
+            </a:r>
+            <a:r>
+              <a:rPr lang="sr-Latn-RS" sz="1200" dirty="0" err="1">
+                <a:latin typeface="Courier New" panose="02070309020205020404" pitchFamily="49" charset="0"/>
+                <a:cs typeface="Courier New" panose="02070309020205020404" pitchFamily="49" charset="0"/>
+              </a:rPr>
+              <a:t>body</a:t>
+            </a:r>
+            <a:r>
+              <a:rPr lang="sr-Latn-RS" sz="1200" dirty="0">
+                <a:latin typeface="Courier New" panose="02070309020205020404" pitchFamily="49" charset="0"/>
+                <a:cs typeface="Courier New" panose="02070309020205020404" pitchFamily="49" charset="0"/>
+              </a:rPr>
+              <a:t>&gt;</a:t>
+            </a:r>
+          </a:p>
+        </p:txBody>
+      </p:sp>
+    </p:spTree>
+    <p:extLst>
+      <p:ext uri="{BB962C8B-B14F-4D97-AF65-F5344CB8AC3E}">
+        <p14:creationId xmlns:p14="http://schemas.microsoft.com/office/powerpoint/2010/main" val="2339162762"/>
+      </p:ext>
+    </p:extLst>
+  </p:cSld>
+  <p:clrMapOvr>
+    <a:masterClrMapping/>
+  </p:clrMapOvr>
+  <p:timing>
+    <p:tnLst>
+      <p:par>
+        <p:cTn id="1" dur="indefinite" restart="never" nodeType="tmRoot"/>
+      </p:par>
+    </p:tnLst>
+  </p:timing>
+</p:sld>
+</file>
+
+<file path=ppt/slides/slide6.xml><?xml version="1.0" encoding="utf-8"?>
+<p:sld xmlns:a="http://schemas.openxmlformats.org/drawingml/2006/main" xmlns:r="http://schemas.openxmlformats.org/officeDocument/2006/relationships" xmlns:p="http://schemas.openxmlformats.org/presentationml/2006/main">
+  <p:cSld>
+    <p:spTree>
+      <p:nvGrpSpPr>
+        <p:cNvPr id="1" name=""/>
+        <p:cNvGrpSpPr/>
+        <p:nvPr/>
+      </p:nvGrpSpPr>
+      <p:grpSpPr>
+        <a:xfrm>
+          <a:off x="0" y="0"/>
+          <a:ext cx="0" cy="0"/>
+          <a:chOff x="0" y="0"/>
+          <a:chExt cx="0" cy="0"/>
+        </a:xfrm>
+      </p:grpSpPr>
+      <p:sp>
+        <p:nvSpPr>
+          <p:cNvPr id="92162" name="Rectangle 2"/>
+          <p:cNvSpPr>
+            <a:spLocks noGrp="1" noChangeArrowheads="1"/>
+          </p:cNvSpPr>
+          <p:nvPr>
+            <p:ph type="title"/>
+          </p:nvPr>
+        </p:nvSpPr>
+        <p:spPr>
+          <a:xfrm>
+            <a:off x="1403648" y="549275"/>
+            <a:ext cx="7283152" cy="868363"/>
+          </a:xfrm>
+        </p:spPr>
+        <p:txBody>
+          <a:bodyPr/>
+          <a:lstStyle/>
+          <a:p>
+            <a:r>
+              <a:rPr lang="sr-Latn-RS" altLang="en-US" dirty="0" smtClean="0">
+                <a:solidFill>
+                  <a:srgbClr val="002060"/>
+                </a:solidFill>
+              </a:rPr>
+              <a:t>Jezici za opis veb stranica (4)</a:t>
+            </a:r>
+            <a:endParaRPr lang="en-GB" altLang="en-US" dirty="0" smtClean="0">
+              <a:solidFill>
+                <a:srgbClr val="002060"/>
+              </a:solidFill>
+            </a:endParaRPr>
+          </a:p>
+        </p:txBody>
+      </p:sp>
+      <p:sp>
+        <p:nvSpPr>
+          <p:cNvPr id="92163" name="Rectangle 3"/>
+          <p:cNvSpPr>
+            <a:spLocks noGrp="1" noChangeArrowheads="1"/>
+          </p:cNvSpPr>
+          <p:nvPr>
+            <p:ph idx="1"/>
+          </p:nvPr>
+        </p:nvSpPr>
+        <p:spPr>
+          <a:xfrm>
+            <a:off x="457200" y="1484784"/>
+            <a:ext cx="8391525" cy="5257800"/>
+          </a:xfrm>
+        </p:spPr>
+        <p:txBody>
+          <a:bodyPr/>
+          <a:lstStyle/>
+          <a:p>
+            <a:pPr lvl="1">
+              <a:spcBef>
+                <a:spcPts val="1200"/>
+              </a:spcBef>
+            </a:pPr>
+            <a:r>
+              <a:rPr lang="en-GB" dirty="0" err="1"/>
+              <a:t>Veb-stranice</a:t>
+            </a:r>
+            <a:r>
+              <a:rPr lang="en-GB" dirty="0"/>
+              <a:t> se </a:t>
+            </a:r>
+            <a:r>
+              <a:rPr lang="en-GB" dirty="0" err="1"/>
+              <a:t>opisuju</a:t>
+            </a:r>
+            <a:r>
+              <a:rPr lang="en-GB" dirty="0"/>
+              <a:t> u </a:t>
+            </a:r>
+            <a:r>
+              <a:rPr lang="en-GB" dirty="0" err="1"/>
+              <a:t>vidu</a:t>
+            </a:r>
+            <a:r>
+              <a:rPr lang="en-GB" dirty="0"/>
+              <a:t> </a:t>
+            </a:r>
+            <a:r>
+              <a:rPr lang="sr-Latn-RS" dirty="0"/>
+              <a:t>č</a:t>
+            </a:r>
+            <a:r>
+              <a:rPr lang="en-GB" dirty="0" err="1" smtClean="0"/>
+              <a:t>istog</a:t>
+            </a:r>
+            <a:r>
+              <a:rPr lang="en-GB" dirty="0" smtClean="0"/>
+              <a:t> </a:t>
+            </a:r>
+            <a:r>
+              <a:rPr lang="en-GB" dirty="0" err="1"/>
+              <a:t>teksta</a:t>
+            </a:r>
+            <a:endParaRPr lang="en-GB" dirty="0"/>
+          </a:p>
+          <a:p>
+            <a:pPr lvl="1">
+              <a:spcBef>
+                <a:spcPts val="1200"/>
+              </a:spcBef>
+            </a:pPr>
+            <a:r>
+              <a:rPr lang="en-GB" dirty="0"/>
+              <a:t>Tri </a:t>
+            </a:r>
+            <a:r>
+              <a:rPr lang="en-GB" dirty="0" err="1"/>
+              <a:t>osnovna</a:t>
+            </a:r>
+            <a:r>
+              <a:rPr lang="en-GB" dirty="0"/>
+              <a:t> </a:t>
+            </a:r>
+            <a:r>
+              <a:rPr lang="en-GB" dirty="0" err="1"/>
+              <a:t>aspekta</a:t>
+            </a:r>
+            <a:r>
+              <a:rPr lang="en-GB" dirty="0"/>
+              <a:t> </a:t>
+            </a:r>
+            <a:r>
+              <a:rPr lang="en-GB" dirty="0" err="1"/>
+              <a:t>veb-strane</a:t>
+            </a:r>
+            <a:r>
+              <a:rPr lang="en-GB" dirty="0"/>
+              <a:t>:</a:t>
+            </a:r>
+          </a:p>
+          <a:p>
+            <a:pPr lvl="2">
+              <a:spcBef>
+                <a:spcPts val="1200"/>
+              </a:spcBef>
+            </a:pPr>
+            <a:r>
+              <a:rPr lang="en-GB" dirty="0" err="1" smtClean="0"/>
+              <a:t>sadr</a:t>
+            </a:r>
+            <a:r>
+              <a:rPr lang="sr-Latn-RS" dirty="0"/>
+              <a:t>ž</a:t>
+            </a:r>
+            <a:r>
+              <a:rPr lang="en-GB" dirty="0" err="1" smtClean="0"/>
+              <a:t>aj</a:t>
+            </a:r>
+            <a:r>
+              <a:rPr lang="en-GB" dirty="0" smtClean="0"/>
+              <a:t> </a:t>
+            </a:r>
+            <a:r>
+              <a:rPr lang="sr-Latn-RS" dirty="0" smtClean="0"/>
+              <a:t>-</a:t>
+            </a:r>
+            <a:r>
+              <a:rPr lang="en-GB" dirty="0" smtClean="0"/>
+              <a:t> </a:t>
+            </a:r>
+            <a:r>
+              <a:rPr lang="en-GB" dirty="0"/>
+              <a:t>HTML</a:t>
+            </a:r>
+          </a:p>
+          <a:p>
+            <a:pPr lvl="2">
+              <a:spcBef>
+                <a:spcPts val="1200"/>
+              </a:spcBef>
+            </a:pPr>
+            <a:r>
+              <a:rPr lang="en-GB" dirty="0" err="1"/>
+              <a:t>izgled</a:t>
+            </a:r>
+            <a:r>
+              <a:rPr lang="en-GB" dirty="0"/>
+              <a:t> </a:t>
+            </a:r>
+            <a:r>
+              <a:rPr lang="sr-Latn-RS" dirty="0" smtClean="0"/>
+              <a:t>-</a:t>
+            </a:r>
+            <a:r>
+              <a:rPr lang="en-GB" dirty="0" smtClean="0"/>
+              <a:t> </a:t>
+            </a:r>
+            <a:r>
+              <a:rPr lang="en-GB" dirty="0"/>
+              <a:t>CSS</a:t>
+            </a:r>
+          </a:p>
+          <a:p>
+            <a:pPr lvl="2">
+              <a:spcBef>
+                <a:spcPts val="1200"/>
+              </a:spcBef>
+            </a:pPr>
+            <a:r>
+              <a:rPr lang="en-GB" dirty="0" err="1" smtClean="0"/>
+              <a:t>pona</a:t>
+            </a:r>
+            <a:r>
+              <a:rPr lang="sr-Latn-RS" dirty="0"/>
+              <a:t>š</a:t>
+            </a:r>
+            <a:r>
+              <a:rPr lang="en-GB" dirty="0" err="1" smtClean="0"/>
+              <a:t>anje</a:t>
+            </a:r>
+            <a:r>
+              <a:rPr lang="en-GB" dirty="0" smtClean="0"/>
+              <a:t> </a:t>
+            </a:r>
+            <a:r>
+              <a:rPr lang="sr-Latn-RS" dirty="0" smtClean="0"/>
+              <a:t>-</a:t>
+            </a:r>
+            <a:r>
+              <a:rPr lang="en-GB" dirty="0" smtClean="0"/>
+              <a:t> </a:t>
+            </a:r>
+            <a:r>
+              <a:rPr lang="en-GB" dirty="0"/>
+              <a:t>JavaScript</a:t>
+            </a:r>
+          </a:p>
+          <a:p>
+            <a:pPr lvl="1">
+              <a:spcBef>
+                <a:spcPts val="1200"/>
+              </a:spcBef>
+            </a:pPr>
+            <a:r>
+              <a:rPr lang="en-GB" dirty="0" err="1"/>
+              <a:t>Veb</a:t>
+            </a:r>
+            <a:r>
+              <a:rPr lang="en-GB" dirty="0"/>
+              <a:t> </a:t>
+            </a:r>
+            <a:r>
+              <a:rPr lang="en-GB" dirty="0" err="1" smtClean="0"/>
+              <a:t>pregleda</a:t>
+            </a:r>
+            <a:r>
+              <a:rPr lang="sr-Latn-RS" dirty="0"/>
+              <a:t>č</a:t>
+            </a:r>
+            <a:r>
+              <a:rPr lang="en-GB" dirty="0" err="1" smtClean="0"/>
+              <a:t>i</a:t>
+            </a:r>
+            <a:r>
+              <a:rPr lang="en-GB" dirty="0" smtClean="0"/>
+              <a:t> </a:t>
+            </a:r>
+            <a:r>
+              <a:rPr lang="sr-Latn-RS" dirty="0" smtClean="0"/>
+              <a:t>„</a:t>
+            </a:r>
+            <a:r>
+              <a:rPr lang="en-GB" dirty="0" err="1" smtClean="0"/>
+              <a:t>razumeju</a:t>
+            </a:r>
+            <a:r>
+              <a:rPr lang="sr-Latn-RS" dirty="0" smtClean="0"/>
+              <a:t>“</a:t>
+            </a:r>
+            <a:r>
+              <a:rPr lang="en-GB" dirty="0" smtClean="0"/>
+              <a:t> </a:t>
+            </a:r>
+            <a:r>
+              <a:rPr lang="en-GB" dirty="0" err="1"/>
+              <a:t>sve</a:t>
+            </a:r>
+            <a:r>
+              <a:rPr lang="en-GB" dirty="0"/>
+              <a:t> </a:t>
+            </a:r>
+            <a:r>
+              <a:rPr lang="en-GB" dirty="0" err="1"/>
+              <a:t>navedene</a:t>
+            </a:r>
+            <a:r>
+              <a:rPr lang="en-GB" dirty="0"/>
+              <a:t> </a:t>
+            </a:r>
+            <a:r>
+              <a:rPr lang="en-GB" dirty="0" err="1"/>
+              <a:t>jezike</a:t>
+            </a:r>
+            <a:endParaRPr lang="en-GB" dirty="0"/>
+          </a:p>
+          <a:p>
+            <a:pPr lvl="1">
+              <a:spcBef>
+                <a:spcPts val="1200"/>
+              </a:spcBef>
+            </a:pPr>
+            <a:r>
+              <a:rPr lang="en-GB" dirty="0"/>
+              <a:t>HTML </a:t>
+            </a:r>
+            <a:r>
+              <a:rPr lang="en-GB" dirty="0" err="1"/>
+              <a:t>i</a:t>
+            </a:r>
+            <a:r>
+              <a:rPr lang="en-GB" dirty="0"/>
+              <a:t> CSS </a:t>
+            </a:r>
+            <a:r>
+              <a:rPr lang="en-GB" dirty="0" err="1"/>
+              <a:t>nisu</a:t>
+            </a:r>
+            <a:r>
+              <a:rPr lang="en-GB" dirty="0"/>
+              <a:t> </a:t>
+            </a:r>
+            <a:r>
+              <a:rPr lang="en-GB" dirty="0" err="1"/>
+              <a:t>programski</a:t>
+            </a:r>
+            <a:r>
+              <a:rPr lang="en-GB" dirty="0"/>
+              <a:t> </a:t>
+            </a:r>
+            <a:r>
+              <a:rPr lang="en-GB" dirty="0" err="1"/>
+              <a:t>jezici</a:t>
+            </a:r>
+            <a:r>
+              <a:rPr lang="en-GB" dirty="0"/>
+              <a:t>, </a:t>
+            </a:r>
+            <a:r>
+              <a:rPr lang="en-GB" dirty="0" err="1"/>
+              <a:t>dok</a:t>
+            </a:r>
+            <a:r>
+              <a:rPr lang="en-GB" dirty="0"/>
+              <a:t> JavaScript </a:t>
+            </a:r>
+            <a:r>
+              <a:rPr lang="en-GB" dirty="0" err="1"/>
+              <a:t>jeste</a:t>
+            </a:r>
+            <a:endParaRPr lang="en-GB" dirty="0"/>
+          </a:p>
+          <a:p>
+            <a:pPr lvl="1">
+              <a:spcBef>
+                <a:spcPts val="1200"/>
+              </a:spcBef>
+            </a:pPr>
+            <a:r>
+              <a:rPr lang="en-GB" dirty="0" err="1"/>
+              <a:t>Sintaksa</a:t>
+            </a:r>
+            <a:r>
+              <a:rPr lang="en-GB" dirty="0"/>
+              <a:t> </a:t>
+            </a:r>
+            <a:r>
+              <a:rPr lang="en-GB" dirty="0" err="1"/>
+              <a:t>sva</a:t>
+            </a:r>
+            <a:r>
+              <a:rPr lang="en-GB" dirty="0"/>
+              <a:t> tri </a:t>
+            </a:r>
+            <a:r>
+              <a:rPr lang="en-GB" dirty="0" err="1"/>
+              <a:t>jezika</a:t>
+            </a:r>
+            <a:r>
+              <a:rPr lang="en-GB" dirty="0"/>
+              <a:t> </a:t>
+            </a:r>
+            <a:r>
+              <a:rPr lang="en-GB" dirty="0" err="1" smtClean="0"/>
+              <a:t>razli</a:t>
+            </a:r>
+            <a:r>
+              <a:rPr lang="sr-Latn-RS" dirty="0"/>
+              <a:t>č</a:t>
+            </a:r>
+            <a:r>
+              <a:rPr lang="en-GB" dirty="0" err="1" smtClean="0"/>
+              <a:t>ita</a:t>
+            </a:r>
+            <a:r>
+              <a:rPr lang="sr-Latn-RS" dirty="0"/>
+              <a:t>.</a:t>
+            </a:r>
+            <a:r>
+              <a:rPr lang="en-GB" dirty="0" smtClean="0"/>
+              <a:t> </a:t>
+            </a:r>
+            <a:r>
+              <a:rPr lang="sr-Latn-RS" dirty="0" smtClean="0"/>
+              <a:t>P</a:t>
+            </a:r>
+            <a:r>
+              <a:rPr lang="en-GB" dirty="0" err="1" smtClean="0"/>
+              <a:t>rimer</a:t>
+            </a:r>
+            <a:r>
+              <a:rPr lang="en-GB" dirty="0"/>
+              <a:t>: </a:t>
+            </a:r>
+            <a:r>
+              <a:rPr lang="en-GB" dirty="0" err="1"/>
+              <a:t>komentari</a:t>
+            </a:r>
+            <a:endParaRPr lang="en-GB" dirty="0"/>
+          </a:p>
+          <a:p>
+            <a:pPr marL="914400" lvl="2" indent="0">
+              <a:spcBef>
+                <a:spcPts val="1200"/>
+              </a:spcBef>
+              <a:buNone/>
+            </a:pPr>
+            <a:r>
+              <a:rPr lang="en-GB" sz="1400" b="1" dirty="0">
+                <a:solidFill>
+                  <a:srgbClr val="00B050"/>
+                </a:solidFill>
+                <a:latin typeface="Courier New" panose="02070309020205020404" pitchFamily="49" charset="0"/>
+                <a:cs typeface="Courier New" panose="02070309020205020404" pitchFamily="49" charset="0"/>
+              </a:rPr>
+              <a:t>&lt;!-- </a:t>
+            </a:r>
+            <a:r>
+              <a:rPr lang="en-GB" sz="1400" b="1" dirty="0" err="1">
+                <a:solidFill>
+                  <a:srgbClr val="00B050"/>
+                </a:solidFill>
+                <a:latin typeface="Courier New" panose="02070309020205020404" pitchFamily="49" charset="0"/>
+                <a:cs typeface="Courier New" panose="02070309020205020404" pitchFamily="49" charset="0"/>
+              </a:rPr>
+              <a:t>komentar</a:t>
+            </a:r>
+            <a:r>
+              <a:rPr lang="en-GB" sz="1400" b="1" dirty="0">
+                <a:solidFill>
+                  <a:srgbClr val="00B050"/>
+                </a:solidFill>
+                <a:latin typeface="Courier New" panose="02070309020205020404" pitchFamily="49" charset="0"/>
+                <a:cs typeface="Courier New" panose="02070309020205020404" pitchFamily="49" charset="0"/>
+              </a:rPr>
+              <a:t> --&gt; </a:t>
+            </a:r>
+            <a:r>
+              <a:rPr lang="en-GB" dirty="0"/>
+              <a:t>(HTML)</a:t>
+            </a:r>
+          </a:p>
+          <a:p>
+            <a:pPr marL="914400" lvl="2" indent="0">
+              <a:spcBef>
+                <a:spcPts val="1200"/>
+              </a:spcBef>
+              <a:buNone/>
+            </a:pPr>
+            <a:r>
+              <a:rPr lang="en-GB" sz="1400" b="1" dirty="0">
+                <a:solidFill>
+                  <a:srgbClr val="00B050"/>
+                </a:solidFill>
+                <a:latin typeface="Courier New" panose="02070309020205020404" pitchFamily="49" charset="0"/>
+                <a:cs typeface="Courier New" panose="02070309020205020404" pitchFamily="49" charset="0"/>
+              </a:rPr>
+              <a:t>/* </a:t>
+            </a:r>
+            <a:r>
+              <a:rPr lang="en-GB" sz="1400" b="1" dirty="0" err="1">
+                <a:solidFill>
+                  <a:srgbClr val="00B050"/>
+                </a:solidFill>
+                <a:latin typeface="Courier New" panose="02070309020205020404" pitchFamily="49" charset="0"/>
+                <a:cs typeface="Courier New" panose="02070309020205020404" pitchFamily="49" charset="0"/>
+              </a:rPr>
+              <a:t>komentar</a:t>
+            </a:r>
+            <a:r>
+              <a:rPr lang="en-GB" sz="1400" b="1" dirty="0">
+                <a:solidFill>
+                  <a:srgbClr val="00B050"/>
+                </a:solidFill>
+                <a:latin typeface="Courier New" panose="02070309020205020404" pitchFamily="49" charset="0"/>
+                <a:cs typeface="Courier New" panose="02070309020205020404" pitchFamily="49" charset="0"/>
+              </a:rPr>
+              <a:t> */ </a:t>
+            </a:r>
+            <a:r>
+              <a:rPr lang="en-GB" dirty="0"/>
+              <a:t>(CSS)</a:t>
+            </a:r>
+          </a:p>
+          <a:p>
+            <a:pPr marL="914400" lvl="2" indent="0">
+              <a:spcBef>
+                <a:spcPts val="1200"/>
+              </a:spcBef>
+              <a:buNone/>
+            </a:pPr>
+            <a:r>
+              <a:rPr lang="en-GB" sz="1400" b="1" dirty="0">
+                <a:solidFill>
+                  <a:srgbClr val="00B050"/>
+                </a:solidFill>
+                <a:latin typeface="Courier New" panose="02070309020205020404" pitchFamily="49" charset="0"/>
+                <a:cs typeface="Courier New" panose="02070309020205020404" pitchFamily="49" charset="0"/>
+              </a:rPr>
+              <a:t>// </a:t>
+            </a:r>
+            <a:r>
+              <a:rPr lang="en-GB" sz="1400" b="1" dirty="0" err="1">
+                <a:solidFill>
+                  <a:srgbClr val="00B050"/>
+                </a:solidFill>
+                <a:latin typeface="Courier New" panose="02070309020205020404" pitchFamily="49" charset="0"/>
+                <a:cs typeface="Courier New" panose="02070309020205020404" pitchFamily="49" charset="0"/>
+              </a:rPr>
+              <a:t>komentar</a:t>
+            </a:r>
+            <a:r>
+              <a:rPr lang="en-GB" sz="1400" b="1" dirty="0">
+                <a:latin typeface="Courier New" panose="02070309020205020404" pitchFamily="49" charset="0"/>
+                <a:cs typeface="Courier New" panose="02070309020205020404" pitchFamily="49" charset="0"/>
+              </a:rPr>
+              <a:t> </a:t>
+            </a:r>
+            <a:r>
+              <a:rPr lang="en-GB" dirty="0"/>
+              <a:t>(JavaScript)</a:t>
+            </a:r>
+          </a:p>
+          <a:p>
+            <a:pPr lvl="1">
+              <a:spcBef>
+                <a:spcPts val="1200"/>
+              </a:spcBef>
+            </a:pPr>
+            <a:r>
+              <a:rPr lang="en-GB" dirty="0" err="1"/>
+              <a:t>Stilski</a:t>
+            </a:r>
+            <a:r>
+              <a:rPr lang="en-GB" dirty="0"/>
+              <a:t> </a:t>
+            </a:r>
+            <a:r>
+              <a:rPr lang="en-GB" dirty="0" err="1"/>
+              <a:t>i</a:t>
+            </a:r>
+            <a:r>
+              <a:rPr lang="en-GB" dirty="0"/>
+              <a:t> </a:t>
+            </a:r>
+            <a:r>
+              <a:rPr lang="en-GB" dirty="0" err="1"/>
+              <a:t>programski</a:t>
+            </a:r>
+            <a:r>
+              <a:rPr lang="en-GB" dirty="0"/>
+              <a:t> </a:t>
+            </a:r>
+            <a:r>
+              <a:rPr lang="en-GB" dirty="0" err="1"/>
+              <a:t>opisi</a:t>
+            </a:r>
+            <a:r>
+              <a:rPr lang="en-GB" dirty="0"/>
+              <a:t> </a:t>
+            </a:r>
+            <a:r>
+              <a:rPr lang="en-GB" dirty="0" err="1"/>
+              <a:t>mogu</a:t>
+            </a:r>
+            <a:r>
+              <a:rPr lang="en-GB" dirty="0"/>
+              <a:t> se </a:t>
+            </a:r>
+            <a:r>
+              <a:rPr lang="en-GB" dirty="0" err="1"/>
+              <a:t>zadati</a:t>
+            </a:r>
+            <a:r>
+              <a:rPr lang="en-GB" dirty="0"/>
+              <a:t> </a:t>
+            </a:r>
+            <a:r>
+              <a:rPr lang="en-GB" dirty="0" err="1"/>
+              <a:t>i</a:t>
+            </a:r>
+            <a:r>
+              <a:rPr lang="en-GB" dirty="0"/>
+              <a:t> u </a:t>
+            </a:r>
+            <a:r>
+              <a:rPr lang="en-GB" dirty="0" err="1"/>
+              <a:t>zasebnim</a:t>
+            </a:r>
+            <a:r>
+              <a:rPr lang="en-GB" dirty="0"/>
+              <a:t> </a:t>
+            </a:r>
+            <a:r>
+              <a:rPr lang="en-GB" dirty="0" err="1"/>
+              <a:t>datotekama</a:t>
+            </a:r>
+            <a:endParaRPr lang="en-US" altLang="en-US" dirty="0" smtClean="0"/>
+          </a:p>
+          <a:p>
+            <a:pPr marL="0" indent="0">
+              <a:buFont typeface="Wingdings" pitchFamily="2" charset="2"/>
+              <a:buNone/>
+            </a:pPr>
+            <a:endParaRPr lang="sr-Cyrl-RS" altLang="en-US" sz="1200" dirty="0" smtClean="0"/>
+          </a:p>
+          <a:p>
+            <a:pPr marL="0" indent="0">
+              <a:buFont typeface="Wingdings" pitchFamily="2" charset="2"/>
+              <a:buNone/>
+            </a:pPr>
+            <a:endParaRPr lang="sr-Latn-CS" altLang="en-US" sz="1200" dirty="0" smtClean="0"/>
+          </a:p>
+          <a:p>
+            <a:pPr marL="0" indent="0">
+              <a:buFont typeface="Wingdings" pitchFamily="2" charset="2"/>
+              <a:buNone/>
+            </a:pPr>
+            <a:endParaRPr lang="sr-Latn-CS" altLang="en-US" dirty="0" smtClean="0"/>
+          </a:p>
+        </p:txBody>
+      </p:sp>
+    </p:spTree>
+    <p:extLst>
+      <p:ext uri="{BB962C8B-B14F-4D97-AF65-F5344CB8AC3E}">
+        <p14:creationId xmlns:p14="http://schemas.microsoft.com/office/powerpoint/2010/main" val="3150794369"/>
+      </p:ext>
+    </p:extLst>
+  </p:cSld>
+  <p:clrMapOvr>
+    <a:masterClrMapping/>
+  </p:clrMapOvr>
+  <p:timing>
+    <p:tnLst>
+      <p:par>
+        <p:cTn id="1" dur="indefinite" restart="never" nodeType="tmRoot"/>
+      </p:par>
+    </p:tnLst>
+  </p:timing>
+</p:sld>
+</file>
+
+<file path=ppt/slides/slide7.xml><?xml version="1.0" encoding="utf-8"?>
+<p:sld xmlns:a="http://schemas.openxmlformats.org/drawingml/2006/main" xmlns:r="http://schemas.openxmlformats.org/officeDocument/2006/relationships" xmlns:p="http://schemas.openxmlformats.org/presentationml/2006/main">
+  <p:cSld>
+    <p:spTree>
+      <p:nvGrpSpPr>
+        <p:cNvPr id="1" name=""/>
+        <p:cNvGrpSpPr/>
+        <p:nvPr/>
+      </p:nvGrpSpPr>
+      <p:grpSpPr>
+        <a:xfrm>
+          <a:off x="0" y="0"/>
+          <a:ext cx="0" cy="0"/>
+          <a:chOff x="0" y="0"/>
+          <a:chExt cx="0" cy="0"/>
+        </a:xfrm>
+      </p:grpSpPr>
+      <p:sp>
+        <p:nvSpPr>
+          <p:cNvPr id="92162" name="Rectangle 2"/>
+          <p:cNvSpPr>
+            <a:spLocks noGrp="1" noChangeArrowheads="1"/>
+          </p:cNvSpPr>
+          <p:nvPr>
+            <p:ph type="title"/>
+          </p:nvPr>
+        </p:nvSpPr>
+        <p:spPr>
+          <a:xfrm>
+            <a:off x="1403648" y="549275"/>
+            <a:ext cx="7283152" cy="868363"/>
+          </a:xfrm>
+        </p:spPr>
+        <p:txBody>
+          <a:bodyPr/>
+          <a:lstStyle/>
+          <a:p>
+            <a:r>
+              <a:rPr lang="en-US" altLang="en-US" dirty="0" err="1" smtClean="0">
+                <a:solidFill>
+                  <a:srgbClr val="002060"/>
+                </a:solidFill>
+              </a:rPr>
+              <a:t>Elementi</a:t>
+            </a:r>
+            <a:endParaRPr lang="en-GB" altLang="en-US" dirty="0" smtClean="0">
+              <a:solidFill>
+                <a:srgbClr val="002060"/>
+              </a:solidFill>
+            </a:endParaRPr>
+          </a:p>
+        </p:txBody>
+      </p:sp>
+      <p:sp>
+        <p:nvSpPr>
+          <p:cNvPr id="92163" name="Rectangle 3"/>
+          <p:cNvSpPr>
+            <a:spLocks noGrp="1" noChangeArrowheads="1"/>
+          </p:cNvSpPr>
+          <p:nvPr>
+            <p:ph idx="1"/>
+          </p:nvPr>
+        </p:nvSpPr>
+        <p:spPr>
+          <a:xfrm>
+            <a:off x="457200" y="1484784"/>
+            <a:ext cx="8391525" cy="5257800"/>
+          </a:xfrm>
+        </p:spPr>
+        <p:txBody>
+          <a:bodyPr/>
+          <a:lstStyle/>
+          <a:p>
+            <a:pPr lvl="0">
+              <a:spcBef>
+                <a:spcPts val="1200"/>
+              </a:spcBef>
+            </a:pPr>
+            <a:r>
+              <a:rPr lang="en-GB" dirty="0"/>
+              <a:t>html, head, body, </a:t>
+            </a:r>
+            <a:endParaRPr lang="en-US" dirty="0"/>
+          </a:p>
+          <a:p>
+            <a:pPr lvl="0">
+              <a:spcBef>
+                <a:spcPts val="1200"/>
+              </a:spcBef>
+            </a:pPr>
+            <a:r>
+              <a:rPr lang="en-GB" dirty="0"/>
+              <a:t>meta, title, script, style, link (</a:t>
+            </a:r>
+            <a:r>
+              <a:rPr lang="en-GB" dirty="0" err="1"/>
+              <a:t>samo</a:t>
+            </a:r>
+            <a:r>
+              <a:rPr lang="en-GB" dirty="0"/>
+              <a:t> </a:t>
+            </a:r>
+            <a:r>
+              <a:rPr lang="en-GB" dirty="0" err="1"/>
+              <a:t>za</a:t>
+            </a:r>
+            <a:r>
+              <a:rPr lang="en-GB" dirty="0"/>
+              <a:t> </a:t>
+            </a:r>
+            <a:r>
+              <a:rPr lang="en-GB" dirty="0" err="1" smtClean="0"/>
+              <a:t>uklju</a:t>
+            </a:r>
+            <a:r>
+              <a:rPr lang="sr-Latn-RS" dirty="0" smtClean="0"/>
+              <a:t>č</a:t>
+            </a:r>
+            <a:r>
+              <a:rPr lang="en-GB" dirty="0" err="1" smtClean="0"/>
+              <a:t>ivanje</a:t>
+            </a:r>
+            <a:r>
+              <a:rPr lang="en-GB" dirty="0" smtClean="0"/>
+              <a:t> </a:t>
+            </a:r>
+            <a:r>
+              <a:rPr lang="sr-Latn-RS" dirty="0" smtClean="0"/>
+              <a:t>kaskadnih stilova</a:t>
+            </a:r>
+            <a:r>
+              <a:rPr lang="en-GB" dirty="0" smtClean="0"/>
+              <a:t>), </a:t>
+            </a:r>
+            <a:endParaRPr lang="en-US" dirty="0"/>
+          </a:p>
+          <a:p>
+            <a:pPr lvl="0">
+              <a:spcBef>
+                <a:spcPts val="1200"/>
+              </a:spcBef>
+            </a:pPr>
+            <a:r>
+              <a:rPr lang="en-GB" dirty="0"/>
+              <a:t>header, main, footer, aside, article, section, </a:t>
+            </a:r>
+            <a:r>
+              <a:rPr lang="en-GB" dirty="0" err="1"/>
+              <a:t>nav</a:t>
+            </a:r>
+            <a:r>
+              <a:rPr lang="en-GB" dirty="0"/>
+              <a:t>, </a:t>
+            </a:r>
+            <a:endParaRPr lang="en-US" dirty="0"/>
+          </a:p>
+          <a:p>
+            <a:pPr lvl="0">
+              <a:spcBef>
+                <a:spcPts val="1200"/>
+              </a:spcBef>
+            </a:pPr>
+            <a:r>
+              <a:rPr lang="en-GB" dirty="0"/>
+              <a:t>p, h1-h6, </a:t>
+            </a:r>
+            <a:r>
+              <a:rPr lang="en-GB" dirty="0" err="1"/>
+              <a:t>em</a:t>
+            </a:r>
+            <a:r>
+              <a:rPr lang="en-GB" dirty="0"/>
+              <a:t>, strong, small, b, </a:t>
+            </a:r>
+            <a:r>
+              <a:rPr lang="en-GB" dirty="0" err="1"/>
+              <a:t>i</a:t>
+            </a:r>
+            <a:r>
+              <a:rPr lang="en-GB" dirty="0"/>
+              <a:t>, u, sub, sup, </a:t>
+            </a:r>
+            <a:endParaRPr lang="en-US" dirty="0"/>
+          </a:p>
+          <a:p>
+            <a:pPr lvl="0">
+              <a:spcBef>
+                <a:spcPts val="1200"/>
+              </a:spcBef>
+            </a:pPr>
+            <a:r>
+              <a:rPr lang="en-GB" dirty="0"/>
+              <a:t>address, </a:t>
+            </a:r>
+            <a:r>
+              <a:rPr lang="en-GB" dirty="0" err="1"/>
+              <a:t>blockquote</a:t>
+            </a:r>
+            <a:r>
+              <a:rPr lang="en-GB" dirty="0"/>
+              <a:t>, q, cite, pre, code, </a:t>
+            </a:r>
+            <a:endParaRPr lang="en-US" dirty="0"/>
+          </a:p>
+          <a:p>
+            <a:pPr lvl="0">
+              <a:spcBef>
+                <a:spcPts val="1200"/>
+              </a:spcBef>
+            </a:pPr>
+            <a:r>
+              <a:rPr lang="en-GB" dirty="0" err="1"/>
+              <a:t>ul</a:t>
+            </a:r>
+            <a:r>
+              <a:rPr lang="en-GB" dirty="0"/>
+              <a:t>, </a:t>
+            </a:r>
+            <a:r>
+              <a:rPr lang="en-GB" dirty="0" err="1"/>
+              <a:t>ol</a:t>
+            </a:r>
+            <a:r>
+              <a:rPr lang="en-GB" dirty="0"/>
+              <a:t>, li, dl, </a:t>
+            </a:r>
+            <a:r>
+              <a:rPr lang="en-GB" dirty="0" err="1"/>
+              <a:t>dd</a:t>
+            </a:r>
+            <a:r>
+              <a:rPr lang="en-GB" dirty="0"/>
+              <a:t>, </a:t>
+            </a:r>
+            <a:r>
+              <a:rPr lang="en-GB" dirty="0" err="1"/>
+              <a:t>dt</a:t>
+            </a:r>
+            <a:r>
+              <a:rPr lang="en-GB" dirty="0"/>
+              <a:t>, </a:t>
+            </a:r>
+            <a:endParaRPr lang="en-US" dirty="0"/>
+          </a:p>
+          <a:p>
+            <a:pPr lvl="0">
+              <a:spcBef>
+                <a:spcPts val="1200"/>
+              </a:spcBef>
+            </a:pPr>
+            <a:r>
+              <a:rPr lang="en-GB" dirty="0" err="1"/>
+              <a:t>img</a:t>
+            </a:r>
+            <a:r>
+              <a:rPr lang="en-GB" dirty="0"/>
+              <a:t>, audio, video, iframe, </a:t>
+            </a:r>
+            <a:endParaRPr lang="en-US" dirty="0"/>
+          </a:p>
+          <a:p>
+            <a:pPr lvl="0">
+              <a:spcBef>
+                <a:spcPts val="1200"/>
+              </a:spcBef>
+            </a:pPr>
+            <a:r>
+              <a:rPr lang="en-GB" dirty="0"/>
+              <a:t>table, </a:t>
+            </a:r>
+            <a:r>
+              <a:rPr lang="en-GB" dirty="0" err="1"/>
+              <a:t>tr</a:t>
+            </a:r>
+            <a:r>
+              <a:rPr lang="en-GB" dirty="0"/>
+              <a:t>, td, </a:t>
+            </a:r>
+            <a:r>
+              <a:rPr lang="en-GB" dirty="0" err="1"/>
+              <a:t>th</a:t>
+            </a:r>
+            <a:r>
+              <a:rPr lang="en-GB" dirty="0"/>
+              <a:t>, caption, </a:t>
+            </a:r>
+            <a:endParaRPr lang="en-US" dirty="0"/>
+          </a:p>
+          <a:p>
+            <a:pPr lvl="0">
+              <a:spcBef>
+                <a:spcPts val="1200"/>
+              </a:spcBef>
+            </a:pPr>
+            <a:r>
+              <a:rPr lang="en-GB" dirty="0"/>
+              <a:t>input, select, option, </a:t>
+            </a:r>
+            <a:r>
+              <a:rPr lang="en-GB" dirty="0" err="1"/>
+              <a:t>textarea</a:t>
+            </a:r>
+            <a:r>
+              <a:rPr lang="en-GB" dirty="0"/>
+              <a:t>, label, </a:t>
+            </a:r>
+            <a:endParaRPr lang="en-US" dirty="0"/>
+          </a:p>
+          <a:p>
+            <a:pPr lvl="0">
+              <a:spcBef>
+                <a:spcPts val="1200"/>
+              </a:spcBef>
+            </a:pPr>
+            <a:r>
+              <a:rPr lang="en-GB" dirty="0"/>
+              <a:t>div, span</a:t>
+            </a:r>
+            <a:endParaRPr lang="en-US" dirty="0"/>
+          </a:p>
+          <a:p>
+            <a:endParaRPr lang="en-US" altLang="en-US" dirty="0" smtClean="0"/>
+          </a:p>
+          <a:p>
+            <a:pPr marL="0" indent="0">
+              <a:buFont typeface="Wingdings" pitchFamily="2" charset="2"/>
+              <a:buNone/>
+            </a:pPr>
+            <a:endParaRPr lang="sr-Cyrl-RS" altLang="en-US" sz="1200" dirty="0" smtClean="0"/>
+          </a:p>
+          <a:p>
+            <a:pPr marL="0" indent="0">
+              <a:buFont typeface="Wingdings" pitchFamily="2" charset="2"/>
+              <a:buNone/>
+            </a:pPr>
+            <a:endParaRPr lang="sr-Latn-CS" altLang="en-US" sz="1200" dirty="0" smtClean="0"/>
+          </a:p>
+          <a:p>
+            <a:pPr marL="0" indent="0">
+              <a:buFont typeface="Wingdings" pitchFamily="2" charset="2"/>
+              <a:buNone/>
+            </a:pPr>
+            <a:endParaRPr lang="sr-Latn-CS" altLang="en-US" dirty="0" smtClean="0"/>
+          </a:p>
+        </p:txBody>
+      </p:sp>
+    </p:spTree>
+    <p:extLst>
+      <p:ext uri="{BB962C8B-B14F-4D97-AF65-F5344CB8AC3E}">
+        <p14:creationId xmlns:p14="http://schemas.microsoft.com/office/powerpoint/2010/main" val="3286986706"/>
+      </p:ext>
+    </p:extLst>
+  </p:cSld>
+  <p:clrMapOvr>
+    <a:masterClrMapping/>
+  </p:clrMapOvr>
+  <p:timing>
+    <p:tnLst>
+      <p:par>
+        <p:cTn id="1" dur="indefinite" restart="never" nodeType="tmRoot"/>
+      </p:par>
+    </p:tnLst>
+  </p:timing>
+</p:sld>
+</file>
+
+<file path=ppt/slides/slide8.xml><?xml version="1.0" encoding="utf-8"?>
+<p:sld xmlns:a="http://schemas.openxmlformats.org/drawingml/2006/main" xmlns:r="http://schemas.openxmlformats.org/officeDocument/2006/relationships" xmlns:p="http://schemas.openxmlformats.org/presentationml/2006/main">
+  <p:cSld>
+    <p:spTree>
+      <p:nvGrpSpPr>
+        <p:cNvPr id="1" name=""/>
+        <p:cNvGrpSpPr/>
+        <p:nvPr/>
+      </p:nvGrpSpPr>
+      <p:grpSpPr>
+        <a:xfrm>
+          <a:off x="0" y="0"/>
+          <a:ext cx="0" cy="0"/>
+          <a:chOff x="0" y="0"/>
+          <a:chExt cx="0" cy="0"/>
+        </a:xfrm>
+      </p:grpSpPr>
+      <p:sp>
+        <p:nvSpPr>
+          <p:cNvPr id="92162" name="Rectangle 2"/>
+          <p:cNvSpPr>
+            <a:spLocks noGrp="1" noChangeArrowheads="1"/>
+          </p:cNvSpPr>
+          <p:nvPr>
+            <p:ph type="title"/>
+          </p:nvPr>
+        </p:nvSpPr>
         <p:spPr/>
         <p:txBody>
           <a:bodyPr/>
@@ -4243,49 +6887,80 @@
               <a:rPr lang="sr-Latn-RS" altLang="en-US" dirty="0" smtClean="0"/>
               <a:t>autor prof. dr Filip Marić</a:t>
             </a:r>
+          </a:p>
+          <a:p>
+            <a:r>
+              <a:rPr lang="en-US" altLang="en-US" dirty="0" err="1"/>
+              <a:t>Prezentacija</a:t>
+            </a:r>
+            <a:r>
+              <a:rPr lang="en-US" altLang="en-US" dirty="0"/>
+              <a:t> </a:t>
+            </a:r>
+            <a:r>
+              <a:rPr lang="sr-Latn-RS" altLang="en-US" dirty="0"/>
+              <a:t>iz predmeta Uvod u veb i internet tehnologije,</a:t>
+            </a:r>
+            <a:r>
+              <a:rPr lang="sr-Cyrl-RS" altLang="en-US" dirty="0"/>
+              <a:t> </a:t>
+            </a:r>
+            <a:r>
+              <a:rPr lang="sr-Latn-RS" altLang="en-US" dirty="0"/>
+              <a:t>na</a:t>
+            </a:r>
+            <a:r>
+              <a:rPr lang="sr-Cyrl-RS" altLang="en-US" dirty="0"/>
+              <a:t> </a:t>
+            </a:r>
+            <a:r>
+              <a:rPr lang="sr-Latn-RS" altLang="en-US" dirty="0"/>
+              <a:t>Matematičkom fakultetu </a:t>
+            </a:r>
+            <a:r>
+              <a:rPr lang="sr-Latn-RS" altLang="en-US" dirty="0" err="1"/>
+              <a:t>Univeziteta</a:t>
+            </a:r>
+            <a:r>
+              <a:rPr lang="sr-Latn-RS" altLang="en-US" dirty="0"/>
+              <a:t> u Beogradu</a:t>
+            </a:r>
+            <a:r>
+              <a:rPr lang="sr-Cyrl-RS" altLang="en-US" dirty="0"/>
+              <a:t>, </a:t>
+            </a:r>
+            <a:r>
+              <a:rPr lang="sr-Latn-RS" altLang="en-US" dirty="0"/>
+              <a:t>autor dr </a:t>
+            </a:r>
+            <a:r>
+              <a:rPr lang="en-US" altLang="en-US" dirty="0" err="1"/>
+              <a:t>Vesna</a:t>
+            </a:r>
+            <a:r>
+              <a:rPr lang="sr-Latn-RS" altLang="en-US" dirty="0"/>
+              <a:t> Mari</a:t>
+            </a:r>
+            <a:r>
+              <a:rPr lang="en-US" altLang="en-US" dirty="0" err="1"/>
+              <a:t>nkovi</a:t>
+            </a:r>
+            <a:r>
+              <a:rPr lang="sr-Latn-RS" altLang="en-US" smtClean="0"/>
+              <a:t>ć</a:t>
+            </a:r>
             <a:endParaRPr lang="sr-Cyrl-RS" altLang="en-US" dirty="0" smtClean="0"/>
           </a:p>
           <a:p>
             <a:r>
-              <a:rPr lang="sr-Latn-RS" altLang="en-US" dirty="0" smtClean="0"/>
-              <a:t>Prezentacija iz predmeta </a:t>
-            </a:r>
-            <a:r>
-              <a:rPr lang="en-US" altLang="en-US" dirty="0"/>
-              <a:t>XML and </a:t>
-            </a:r>
-            <a:r>
-              <a:rPr lang="en-US" altLang="en-US" dirty="0" smtClean="0"/>
-              <a:t>Databases</a:t>
+              <a:rPr lang="sr-Latn-RS" altLang="en-US" dirty="0" err="1" smtClean="0"/>
+              <a:t>Skripte</a:t>
             </a:r>
             <a:r>
               <a:rPr lang="sr-Latn-RS" altLang="en-US" dirty="0" smtClean="0"/>
               <a:t> </a:t>
             </a:r>
             <a:r>
-              <a:rPr lang="en-US" altLang="en-US" dirty="0" smtClean="0"/>
-              <a:t>(</a:t>
-            </a:r>
-            <a:r>
-              <a:rPr lang="en-US" altLang="en-US" dirty="0"/>
-              <a:t>CS 345b</a:t>
-            </a:r>
-            <a:r>
-              <a:rPr lang="en-US" altLang="en-US" dirty="0" smtClean="0"/>
-              <a:t>)</a:t>
-            </a:r>
-            <a:r>
-              <a:rPr lang="sr-Latn-RS" altLang="en-US" dirty="0"/>
-              <a:t>, na Stanford Univerzitetu, autori dr Daniela Florescu i dr Donald Kossmann  </a:t>
-            </a:r>
-            <a:endParaRPr lang="sr-Latn-RS" altLang="en-US" dirty="0" smtClean="0"/>
-          </a:p>
-          <a:p>
-            <a:r>
-              <a:rPr lang="sr-Latn-RS" altLang="en-US" dirty="0" smtClean="0"/>
-              <a:t>Skripte </a:t>
-            </a:r>
-            <a:r>
               <a:rPr lang="sr-Latn-RS" altLang="en-US" dirty="0"/>
               <a:t>iz </a:t>
             </a:r>
@@ -4338,25 +7013,6 @@
               <a:t>  </a:t>
             </a:r>
             <a:endParaRPr lang="en-US" altLang="en-US" dirty="0" smtClean="0"/>
-          </a:p>
-          <a:p>
-            <a:r>
-              <a:rPr lang="sr-Latn-RS" altLang="en-US" dirty="0"/>
-              <a:t>Knjige </a:t>
-            </a:r>
-            <a:r>
-              <a:rPr lang="sr-Latn-RS" altLang="en-US" dirty="0" smtClean="0"/>
-              <a:t>Principles of Data Integration</a:t>
-            </a:r>
-            <a:r>
-              <a:rPr lang="sr-Latn-RS" altLang="en-US" dirty="0"/>
-              <a:t>, autori </a:t>
-            </a:r>
-            <a:r>
-              <a:rPr lang="sr-Latn-RS" altLang="en-US" dirty="0" smtClean="0"/>
-              <a:t>Anhai Doan, Alon Halevy, Zachaty Ives</a:t>
-            </a:r>
-            <a:endParaRPr lang="sr-Latn-RS" altLang="en-US" dirty="0"/>
           </a:p>
           <a:p>
             <a:endParaRPr lang="en-US" altLang="en-US" dirty="0" smtClean="0"/>

--- a/predavanja/prezentacije/UVIT03-01-HTML 5.pptx
+++ b/predavanja/prezentacije/UVIT03-01-HTML 5.pptx
@@ -5,7 +5,7 @@
     <p:sldMasterId id="2147483750" r:id="rId1"/>
   </p:sldMasterIdLst>
   <p:notesMasterIdLst>
-    <p:notesMasterId r:id="rId10"/>
+    <p:notesMasterId r:id="rId17"/>
   </p:notesMasterIdLst>
   <p:sldIdLst>
     <p:sldId id="296" r:id="rId2"/>
@@ -14,8 +14,15 @@
     <p:sldId id="311" r:id="rId5"/>
     <p:sldId id="312" r:id="rId6"/>
     <p:sldId id="310" r:id="rId7"/>
-    <p:sldId id="309" r:id="rId8"/>
-    <p:sldId id="307" r:id="rId9"/>
+    <p:sldId id="313" r:id="rId8"/>
+    <p:sldId id="314" r:id="rId9"/>
+    <p:sldId id="315" r:id="rId10"/>
+    <p:sldId id="316" r:id="rId11"/>
+    <p:sldId id="317" r:id="rId12"/>
+    <p:sldId id="319" r:id="rId13"/>
+    <p:sldId id="320" r:id="rId14"/>
+    <p:sldId id="309" r:id="rId15"/>
+    <p:sldId id="307" r:id="rId16"/>
   </p:sldIdLst>
   <p:sldSz cx="9144000" cy="6858000" type="screen4x3"/>
   <p:notesSz cx="6858000" cy="9144000"/>
@@ -229,7 +236,7 @@
           <a:p>
             <a:fld id="{6B3683FA-0560-4266-A2CA-8A7D404C35FD}" type="datetimeFigureOut">
               <a:rPr lang="en-US" smtClean="0"/>
-              <a:t>10/4/2018</a:t>
+              <a:t>10/5/2018</a:t>
             </a:fld>
             <a:endParaRPr lang="en-US"/>
           </a:p>
@@ -3304,6 +3311,4107 @@
 </p:sld>
 </file>
 
+<file path=ppt/slides/slide10.xml><?xml version="1.0" encoding="utf-8"?>
+<p:sld xmlns:a="http://schemas.openxmlformats.org/drawingml/2006/main" xmlns:r="http://schemas.openxmlformats.org/officeDocument/2006/relationships" xmlns:p="http://schemas.openxmlformats.org/presentationml/2006/main">
+  <p:cSld>
+    <p:spTree>
+      <p:nvGrpSpPr>
+        <p:cNvPr id="1" name=""/>
+        <p:cNvGrpSpPr/>
+        <p:nvPr/>
+      </p:nvGrpSpPr>
+      <p:grpSpPr>
+        <a:xfrm>
+          <a:off x="0" y="0"/>
+          <a:ext cx="0" cy="0"/>
+          <a:chOff x="0" y="0"/>
+          <a:chExt cx="0" cy="0"/>
+        </a:xfrm>
+      </p:grpSpPr>
+      <p:sp>
+        <p:nvSpPr>
+          <p:cNvPr id="92162" name="Rectangle 2"/>
+          <p:cNvSpPr>
+            <a:spLocks noGrp="1" noChangeArrowheads="1"/>
+          </p:cNvSpPr>
+          <p:nvPr>
+            <p:ph type="title"/>
+          </p:nvPr>
+        </p:nvSpPr>
+        <p:spPr>
+          <a:xfrm>
+            <a:off x="1403648" y="549275"/>
+            <a:ext cx="7283152" cy="868363"/>
+          </a:xfrm>
+        </p:spPr>
+        <p:txBody>
+          <a:bodyPr/>
+          <a:lstStyle/>
+          <a:p>
+            <a:r>
+              <a:rPr lang="sr-Latn-RS" dirty="0" smtClean="0"/>
+              <a:t>Sintaksa </a:t>
+            </a:r>
+            <a:r>
+              <a:rPr lang="sr-Latn-RS" dirty="0"/>
+              <a:t>jezika </a:t>
+            </a:r>
+            <a:r>
+              <a:rPr lang="sr-Latn-RS" dirty="0" smtClean="0"/>
+              <a:t>HTML</a:t>
+            </a:r>
+            <a:r>
+              <a:rPr lang="en-US" dirty="0" smtClean="0"/>
+              <a:t> (</a:t>
+            </a:r>
+            <a:r>
+              <a:rPr lang="sr-Latn-RS" dirty="0" smtClean="0"/>
+              <a:t>3</a:t>
+            </a:r>
+            <a:r>
+              <a:rPr lang="en-US" dirty="0" smtClean="0"/>
+              <a:t>)</a:t>
+            </a:r>
+            <a:endParaRPr lang="sr-Latn-RS" dirty="0"/>
+          </a:p>
+        </p:txBody>
+      </p:sp>
+      <p:sp>
+        <p:nvSpPr>
+          <p:cNvPr id="92163" name="Rectangle 3"/>
+          <p:cNvSpPr>
+            <a:spLocks noGrp="1" noChangeArrowheads="1"/>
+          </p:cNvSpPr>
+          <p:nvPr>
+            <p:ph idx="1"/>
+          </p:nvPr>
+        </p:nvSpPr>
+        <p:spPr>
+          <a:xfrm>
+            <a:off x="457200" y="1484784"/>
+            <a:ext cx="8579296" cy="5257800"/>
+          </a:xfrm>
+        </p:spPr>
+        <p:txBody>
+          <a:bodyPr/>
+          <a:lstStyle/>
+          <a:p>
+            <a:pPr lvl="1">
+              <a:spcBef>
+                <a:spcPts val="1200"/>
+              </a:spcBef>
+            </a:pPr>
+            <a:r>
+              <a:rPr lang="en-GB" dirty="0" err="1"/>
+              <a:t>Rezervisani</a:t>
+            </a:r>
+            <a:r>
+              <a:rPr lang="en-GB" dirty="0"/>
+              <a:t> </a:t>
+            </a:r>
+            <a:r>
+              <a:rPr lang="en-GB" dirty="0" err="1"/>
+              <a:t>karakteri</a:t>
+            </a:r>
+            <a:r>
+              <a:rPr lang="en-GB" dirty="0"/>
+              <a:t> u HTML-u </a:t>
+            </a:r>
+            <a:r>
+              <a:rPr lang="en-GB" dirty="0" err="1"/>
+              <a:t>moraju</a:t>
+            </a:r>
+            <a:r>
+              <a:rPr lang="en-GB" dirty="0"/>
+              <a:t> </a:t>
+            </a:r>
+            <a:r>
+              <a:rPr lang="en-GB" dirty="0" err="1"/>
+              <a:t>biti</a:t>
+            </a:r>
+            <a:r>
+              <a:rPr lang="en-GB" dirty="0"/>
+              <a:t> </a:t>
+            </a:r>
+            <a:r>
+              <a:rPr lang="en-GB" dirty="0" err="1"/>
+              <a:t>zamenjeni</a:t>
+            </a:r>
+            <a:r>
+              <a:rPr lang="en-GB" dirty="0"/>
+              <a:t> </a:t>
+            </a:r>
+            <a:r>
+              <a:rPr lang="sr-Latn-RS" dirty="0" smtClean="0">
+                <a:solidFill>
+                  <a:srgbClr val="0070C0"/>
+                </a:solidFill>
+              </a:rPr>
+              <a:t>znakovnim </a:t>
+            </a:r>
+            <a:r>
+              <a:rPr lang="en-GB" dirty="0" err="1" smtClean="0">
+                <a:solidFill>
+                  <a:srgbClr val="0070C0"/>
+                </a:solidFill>
+              </a:rPr>
+              <a:t>entitetima</a:t>
+            </a:r>
+            <a:endParaRPr lang="en-GB" dirty="0">
+              <a:solidFill>
+                <a:srgbClr val="0070C0"/>
+              </a:solidFill>
+            </a:endParaRPr>
+          </a:p>
+          <a:p>
+            <a:pPr lvl="1">
+              <a:spcBef>
+                <a:spcPts val="1200"/>
+              </a:spcBef>
+            </a:pPr>
+            <a:r>
+              <a:rPr lang="sr-Latn-RS" dirty="0" smtClean="0"/>
+              <a:t>Znaci </a:t>
+            </a:r>
+            <a:r>
+              <a:rPr lang="en-GB" dirty="0" err="1" smtClean="0"/>
+              <a:t>koji</a:t>
+            </a:r>
+            <a:r>
+              <a:rPr lang="en-GB" dirty="0" smtClean="0"/>
+              <a:t> </a:t>
+            </a:r>
+            <a:r>
+              <a:rPr lang="en-GB" dirty="0"/>
+              <a:t>se ne </a:t>
+            </a:r>
+            <a:r>
+              <a:rPr lang="en-GB" dirty="0" err="1"/>
+              <a:t>nalaze</a:t>
+            </a:r>
+            <a:r>
+              <a:rPr lang="en-GB" dirty="0"/>
+              <a:t> </a:t>
+            </a:r>
+            <a:r>
+              <a:rPr lang="en-GB" dirty="0" err="1"/>
+              <a:t>na</a:t>
+            </a:r>
+            <a:r>
+              <a:rPr lang="en-GB" dirty="0"/>
+              <a:t> </a:t>
+            </a:r>
+            <a:r>
+              <a:rPr lang="en-GB" dirty="0" err="1"/>
+              <a:t>tastaturi</a:t>
+            </a:r>
+            <a:r>
+              <a:rPr lang="en-GB" dirty="0"/>
+              <a:t> se </a:t>
+            </a:r>
+            <a:r>
+              <a:rPr lang="en-GB" dirty="0" err="1" smtClean="0"/>
+              <a:t>tako</a:t>
+            </a:r>
+            <a:r>
+              <a:rPr lang="sr-Latn-RS" dirty="0" smtClean="0"/>
+              <a:t>đ</a:t>
+            </a:r>
+            <a:r>
+              <a:rPr lang="en-GB" dirty="0" smtClean="0"/>
+              <a:t></a:t>
+            </a:r>
+            <a:r>
+              <a:rPr lang="en-GB" dirty="0"/>
+              <a:t>e </a:t>
+            </a:r>
+            <a:r>
+              <a:rPr lang="en-GB" dirty="0" err="1"/>
+              <a:t>mogu</a:t>
+            </a:r>
+            <a:r>
+              <a:rPr lang="en-GB" dirty="0"/>
+              <a:t> </a:t>
+            </a:r>
+            <a:r>
+              <a:rPr lang="en-GB" dirty="0" err="1" smtClean="0"/>
+              <a:t>zadati</a:t>
+            </a:r>
+            <a:r>
+              <a:rPr lang="sr-Latn-RS" dirty="0" smtClean="0"/>
+              <a:t> </a:t>
+            </a:r>
+            <a:r>
+              <a:rPr lang="en-GB" dirty="0" err="1" smtClean="0"/>
+              <a:t>entitetima</a:t>
+            </a:r>
+            <a:endParaRPr lang="en-GB" dirty="0"/>
+          </a:p>
+          <a:p>
+            <a:pPr lvl="1">
+              <a:spcBef>
+                <a:spcPts val="1200"/>
+              </a:spcBef>
+            </a:pPr>
+            <a:r>
+              <a:rPr lang="en-GB" dirty="0"/>
+              <a:t>U HTML-u </a:t>
+            </a:r>
+            <a:r>
+              <a:rPr lang="en-GB" dirty="0" err="1"/>
+              <a:t>su</a:t>
+            </a:r>
+            <a:r>
+              <a:rPr lang="en-GB" dirty="0"/>
+              <a:t> </a:t>
+            </a:r>
+            <a:r>
+              <a:rPr lang="en-GB" dirty="0" err="1"/>
+              <a:t>npr</a:t>
+            </a:r>
+            <a:r>
+              <a:rPr lang="en-GB" dirty="0"/>
+              <a:t>. </a:t>
+            </a:r>
+            <a:r>
+              <a:rPr lang="en-GB" dirty="0" err="1"/>
+              <a:t>rezervisani</a:t>
+            </a:r>
+            <a:r>
+              <a:rPr lang="en-GB" dirty="0"/>
+              <a:t> </a:t>
+            </a:r>
+            <a:r>
+              <a:rPr lang="en-GB" dirty="0" err="1"/>
+              <a:t>znaci</a:t>
+            </a:r>
+            <a:r>
+              <a:rPr lang="en-GB" dirty="0"/>
+              <a:t> </a:t>
+            </a:r>
+            <a:r>
+              <a:rPr lang="en-GB" sz="1600" b="1" dirty="0">
+                <a:solidFill>
+                  <a:srgbClr val="009E47"/>
+                </a:solidFill>
+                <a:latin typeface="Courier New" panose="02070309020205020404" pitchFamily="49" charset="0"/>
+                <a:cs typeface="Courier New" panose="02070309020205020404" pitchFamily="49" charset="0"/>
+              </a:rPr>
+              <a:t>&lt;</a:t>
+            </a:r>
+            <a:r>
+              <a:rPr lang="en-GB" dirty="0"/>
+              <a:t>, </a:t>
+            </a:r>
+            <a:r>
+              <a:rPr lang="en-GB" sz="1600" b="1" dirty="0">
+                <a:solidFill>
+                  <a:srgbClr val="009E47"/>
+                </a:solidFill>
+                <a:latin typeface="Courier New" panose="02070309020205020404" pitchFamily="49" charset="0"/>
+                <a:cs typeface="Courier New" panose="02070309020205020404" pitchFamily="49" charset="0"/>
+              </a:rPr>
+              <a:t>&gt;</a:t>
+            </a:r>
+          </a:p>
+          <a:p>
+            <a:pPr lvl="1">
+              <a:spcBef>
+                <a:spcPts val="1200"/>
+              </a:spcBef>
+            </a:pPr>
+            <a:r>
+              <a:rPr lang="sr-Latn-RS" dirty="0" smtClean="0"/>
+              <a:t>Znakovni </a:t>
+            </a:r>
+            <a:r>
+              <a:rPr lang="en-GB" dirty="0" err="1" smtClean="0"/>
+              <a:t>entitet</a:t>
+            </a:r>
+            <a:r>
+              <a:rPr lang="en-GB" dirty="0" smtClean="0"/>
+              <a:t> </a:t>
+            </a:r>
+            <a:r>
+              <a:rPr lang="en-GB" dirty="0"/>
+              <a:t>se </a:t>
+            </a:r>
+            <a:r>
+              <a:rPr lang="en-GB" dirty="0" err="1"/>
+              <a:t>zadaje</a:t>
+            </a:r>
+            <a:r>
+              <a:rPr lang="en-GB" dirty="0"/>
+              <a:t> </a:t>
+            </a:r>
+            <a:r>
+              <a:rPr lang="en-GB" dirty="0" err="1"/>
+              <a:t>kao</a:t>
+            </a:r>
+            <a:r>
+              <a:rPr lang="en-GB" dirty="0"/>
+              <a:t> </a:t>
+            </a:r>
+            <a:r>
+              <a:rPr lang="en-GB" sz="1600" b="1" dirty="0">
+                <a:solidFill>
+                  <a:srgbClr val="009E47"/>
+                </a:solidFill>
+                <a:latin typeface="Courier New" panose="02070309020205020404" pitchFamily="49" charset="0"/>
+                <a:cs typeface="Courier New" panose="02070309020205020404" pitchFamily="49" charset="0"/>
+              </a:rPr>
+              <a:t>&amp;</a:t>
+            </a:r>
+            <a:r>
+              <a:rPr lang="en-GB" sz="1600" b="1" dirty="0" err="1">
+                <a:solidFill>
+                  <a:srgbClr val="009E47"/>
+                </a:solidFill>
+                <a:latin typeface="Courier New" panose="02070309020205020404" pitchFamily="49" charset="0"/>
+                <a:cs typeface="Courier New" panose="02070309020205020404" pitchFamily="49" charset="0"/>
+              </a:rPr>
+              <a:t>ime</a:t>
+            </a:r>
+            <a:r>
+              <a:rPr lang="en-GB" sz="1600" b="1" dirty="0">
+                <a:solidFill>
+                  <a:srgbClr val="009E47"/>
+                </a:solidFill>
+                <a:latin typeface="Courier New" panose="02070309020205020404" pitchFamily="49" charset="0"/>
+                <a:cs typeface="Courier New" panose="02070309020205020404" pitchFamily="49" charset="0"/>
+              </a:rPr>
+              <a:t> </a:t>
+            </a:r>
+            <a:r>
+              <a:rPr lang="en-GB" sz="1600" b="1" dirty="0" err="1">
+                <a:solidFill>
+                  <a:srgbClr val="009E47"/>
+                </a:solidFill>
+                <a:latin typeface="Courier New" panose="02070309020205020404" pitchFamily="49" charset="0"/>
+                <a:cs typeface="Courier New" panose="02070309020205020404" pitchFamily="49" charset="0"/>
+              </a:rPr>
+              <a:t>entiteta</a:t>
+            </a:r>
+            <a:r>
+              <a:rPr lang="en-GB" sz="1600" b="1" dirty="0">
+                <a:solidFill>
+                  <a:srgbClr val="009E47"/>
+                </a:solidFill>
+                <a:latin typeface="Courier New" panose="02070309020205020404" pitchFamily="49" charset="0"/>
+                <a:cs typeface="Courier New" panose="02070309020205020404" pitchFamily="49" charset="0"/>
+              </a:rPr>
+              <a:t>;</a:t>
+            </a:r>
+            <a:r>
+              <a:rPr lang="en-GB" dirty="0"/>
+              <a:t> </a:t>
+            </a:r>
+            <a:r>
+              <a:rPr lang="en-GB" dirty="0" err="1"/>
+              <a:t>ili</a:t>
+            </a:r>
+            <a:r>
+              <a:rPr lang="en-GB" dirty="0"/>
+              <a:t> </a:t>
+            </a:r>
+            <a:r>
+              <a:rPr lang="en-GB" sz="1600" b="1" dirty="0">
+                <a:solidFill>
+                  <a:srgbClr val="009E47"/>
+                </a:solidFill>
+                <a:latin typeface="Courier New" panose="02070309020205020404" pitchFamily="49" charset="0"/>
+                <a:cs typeface="Courier New" panose="02070309020205020404" pitchFamily="49" charset="0"/>
+              </a:rPr>
+              <a:t>&amp;#</a:t>
+            </a:r>
+            <a:r>
+              <a:rPr lang="en-GB" sz="1600" b="1" dirty="0" err="1">
+                <a:solidFill>
+                  <a:srgbClr val="009E47"/>
+                </a:solidFill>
+                <a:latin typeface="Courier New" panose="02070309020205020404" pitchFamily="49" charset="0"/>
+                <a:cs typeface="Courier New" panose="02070309020205020404" pitchFamily="49" charset="0"/>
+              </a:rPr>
+              <a:t>broj</a:t>
+            </a:r>
+            <a:r>
+              <a:rPr lang="en-GB" sz="1600" b="1" dirty="0">
+                <a:solidFill>
+                  <a:srgbClr val="009E47"/>
+                </a:solidFill>
+                <a:latin typeface="Courier New" panose="02070309020205020404" pitchFamily="49" charset="0"/>
+                <a:cs typeface="Courier New" panose="02070309020205020404" pitchFamily="49" charset="0"/>
+              </a:rPr>
+              <a:t> </a:t>
+            </a:r>
+            <a:r>
+              <a:rPr lang="en-GB" sz="1600" b="1" dirty="0" err="1">
+                <a:solidFill>
+                  <a:srgbClr val="009E47"/>
+                </a:solidFill>
+                <a:latin typeface="Courier New" panose="02070309020205020404" pitchFamily="49" charset="0"/>
+                <a:cs typeface="Courier New" panose="02070309020205020404" pitchFamily="49" charset="0"/>
+              </a:rPr>
+              <a:t>entiteta</a:t>
+            </a:r>
+            <a:r>
+              <a:rPr lang="en-GB" sz="1600" b="1" dirty="0">
+                <a:solidFill>
+                  <a:srgbClr val="009E47"/>
+                </a:solidFill>
+                <a:latin typeface="Courier New" panose="02070309020205020404" pitchFamily="49" charset="0"/>
+                <a:cs typeface="Courier New" panose="02070309020205020404" pitchFamily="49" charset="0"/>
+              </a:rPr>
+              <a:t>;</a:t>
+            </a:r>
+          </a:p>
+          <a:p>
+            <a:pPr lvl="2">
+              <a:spcBef>
+                <a:spcPts val="1200"/>
+              </a:spcBef>
+            </a:pPr>
+            <a:r>
+              <a:rPr lang="en-GB" sz="1600" b="1" dirty="0">
+                <a:solidFill>
+                  <a:srgbClr val="009E47"/>
+                </a:solidFill>
+                <a:latin typeface="Courier New" panose="02070309020205020404" pitchFamily="49" charset="0"/>
+                <a:cs typeface="Courier New" panose="02070309020205020404" pitchFamily="49" charset="0"/>
+              </a:rPr>
+              <a:t>&amp;</a:t>
+            </a:r>
+            <a:r>
+              <a:rPr lang="en-GB" sz="1600" b="1" dirty="0" err="1">
+                <a:solidFill>
+                  <a:srgbClr val="009E47"/>
+                </a:solidFill>
+                <a:latin typeface="Courier New" panose="02070309020205020404" pitchFamily="49" charset="0"/>
+                <a:cs typeface="Courier New" panose="02070309020205020404" pitchFamily="49" charset="0"/>
+              </a:rPr>
+              <a:t>nbsp</a:t>
+            </a:r>
+            <a:r>
+              <a:rPr lang="en-GB" sz="1600" b="1" dirty="0">
+                <a:solidFill>
+                  <a:srgbClr val="009E47"/>
+                </a:solidFill>
+                <a:latin typeface="Courier New" panose="02070309020205020404" pitchFamily="49" charset="0"/>
+                <a:cs typeface="Courier New" panose="02070309020205020404" pitchFamily="49" charset="0"/>
+              </a:rPr>
+              <a:t>; </a:t>
+            </a:r>
+            <a:r>
+              <a:rPr lang="en-GB" dirty="0" err="1" smtClean="0"/>
+              <a:t>ozna</a:t>
+            </a:r>
+            <a:r>
+              <a:rPr lang="sr-Latn-RS" dirty="0"/>
+              <a:t>č</a:t>
+            </a:r>
+            <a:r>
+              <a:rPr lang="en-GB" dirty="0" smtClean="0"/>
+              <a:t>ava </a:t>
+            </a:r>
+            <a:r>
+              <a:rPr lang="en-GB" dirty="0" err="1"/>
+              <a:t>razmak</a:t>
+            </a:r>
+            <a:r>
+              <a:rPr lang="en-GB" dirty="0"/>
+              <a:t> </a:t>
+            </a:r>
+            <a:r>
+              <a:rPr lang="en-GB" dirty="0" err="1"/>
+              <a:t>koji</a:t>
+            </a:r>
+            <a:r>
+              <a:rPr lang="en-GB" dirty="0"/>
+              <a:t> se ne </a:t>
+            </a:r>
+            <a:r>
+              <a:rPr lang="en-GB" dirty="0" err="1"/>
+              <a:t>prelama</a:t>
+            </a:r>
+            <a:r>
+              <a:rPr lang="en-GB" dirty="0"/>
+              <a:t> u </a:t>
+            </a:r>
+            <a:r>
+              <a:rPr lang="en-GB" dirty="0" err="1"/>
+              <a:t>novi</a:t>
+            </a:r>
+            <a:r>
+              <a:rPr lang="en-GB" dirty="0"/>
+              <a:t> red (</a:t>
+            </a:r>
+            <a:r>
+              <a:rPr lang="en-GB" dirty="0" err="1"/>
+              <a:t>npr</a:t>
+            </a:r>
+            <a:r>
+              <a:rPr lang="en-GB" dirty="0"/>
+              <a:t>. 10 km/h</a:t>
+            </a:r>
+            <a:r>
+              <a:rPr lang="en-GB" dirty="0" smtClean="0"/>
+              <a:t>);</a:t>
+            </a:r>
+            <a:r>
+              <a:rPr lang="sr-Latn-RS" dirty="0" smtClean="0"/>
+              <a:t> </a:t>
+            </a:r>
+            <a:r>
+              <a:rPr lang="en-GB" dirty="0" err="1" smtClean="0"/>
+              <a:t>koristi</a:t>
+            </a:r>
+            <a:r>
+              <a:rPr lang="en-GB" dirty="0" smtClean="0"/>
+              <a:t> </a:t>
+            </a:r>
+            <a:r>
+              <a:rPr lang="en-GB" dirty="0"/>
+              <a:t>se </a:t>
+            </a:r>
+            <a:r>
+              <a:rPr lang="en-GB" dirty="0" err="1"/>
+              <a:t>i</a:t>
+            </a:r>
+            <a:r>
+              <a:rPr lang="en-GB" dirty="0"/>
+              <a:t> </a:t>
+            </a:r>
+            <a:r>
+              <a:rPr lang="en-GB" dirty="0" err="1"/>
+              <a:t>za</a:t>
+            </a:r>
+            <a:r>
+              <a:rPr lang="en-GB" dirty="0"/>
+              <a:t> </a:t>
+            </a:r>
+            <a:r>
+              <a:rPr lang="en-GB" dirty="0" err="1"/>
+              <a:t>dodavanje</a:t>
+            </a:r>
+            <a:r>
+              <a:rPr lang="en-GB" dirty="0"/>
+              <a:t> </a:t>
+            </a:r>
+            <a:r>
+              <a:rPr lang="en-GB" dirty="0" err="1"/>
+              <a:t>razmaka</a:t>
+            </a:r>
+            <a:r>
+              <a:rPr lang="en-GB" dirty="0"/>
+              <a:t> </a:t>
+            </a:r>
+            <a:r>
+              <a:rPr lang="en-GB" dirty="0" err="1"/>
+              <a:t>tekstu</a:t>
+            </a:r>
+            <a:endParaRPr lang="en-GB" dirty="0"/>
+          </a:p>
+          <a:p>
+            <a:pPr lvl="2">
+              <a:spcBef>
+                <a:spcPts val="1200"/>
+              </a:spcBef>
+            </a:pPr>
+            <a:r>
+              <a:rPr lang="en-GB" sz="1600" b="1" dirty="0">
+                <a:solidFill>
+                  <a:srgbClr val="009E47"/>
+                </a:solidFill>
+                <a:latin typeface="Courier New" panose="02070309020205020404" pitchFamily="49" charset="0"/>
+                <a:cs typeface="Courier New" panose="02070309020205020404" pitchFamily="49" charset="0"/>
+              </a:rPr>
+              <a:t>&amp;</a:t>
+            </a:r>
+            <a:r>
+              <a:rPr lang="en-GB" sz="1600" b="1" dirty="0" err="1" smtClean="0">
+                <a:solidFill>
+                  <a:srgbClr val="009E47"/>
+                </a:solidFill>
+                <a:latin typeface="Courier New" panose="02070309020205020404" pitchFamily="49" charset="0"/>
+                <a:cs typeface="Courier New" panose="02070309020205020404" pitchFamily="49" charset="0"/>
+              </a:rPr>
+              <a:t>lt</a:t>
+            </a:r>
+            <a:r>
+              <a:rPr lang="en-GB" sz="1600" b="1" dirty="0" smtClean="0">
+                <a:solidFill>
+                  <a:srgbClr val="009E47"/>
+                </a:solidFill>
+                <a:latin typeface="Courier New" panose="02070309020205020404" pitchFamily="49" charset="0"/>
+                <a:cs typeface="Courier New" panose="02070309020205020404" pitchFamily="49" charset="0"/>
+              </a:rPr>
+              <a:t>;</a:t>
+            </a:r>
+            <a:r>
+              <a:rPr lang="sr-Latn-RS" sz="1600" b="1" dirty="0" smtClean="0">
+                <a:solidFill>
+                  <a:srgbClr val="009E47"/>
+                </a:solidFill>
+                <a:latin typeface="Courier New" panose="02070309020205020404" pitchFamily="49" charset="0"/>
+                <a:cs typeface="Courier New" panose="02070309020205020404" pitchFamily="49" charset="0"/>
+              </a:rPr>
+              <a:t> </a:t>
+            </a:r>
+            <a:r>
+              <a:rPr lang="en-GB" dirty="0" err="1" smtClean="0"/>
+              <a:t>ozna</a:t>
+            </a:r>
+            <a:r>
+              <a:rPr lang="sr-Latn-RS" dirty="0"/>
+              <a:t>č</a:t>
+            </a:r>
+            <a:r>
+              <a:rPr lang="en-GB" dirty="0" smtClean="0"/>
+              <a:t>ava </a:t>
+            </a:r>
+            <a:r>
+              <a:rPr lang="en-GB" dirty="0" err="1" smtClean="0"/>
+              <a:t>znak</a:t>
+            </a:r>
+            <a:r>
+              <a:rPr lang="en-GB" dirty="0" smtClean="0"/>
+              <a:t> </a:t>
+            </a:r>
+            <a:r>
+              <a:rPr lang="en-GB" b="1" dirty="0"/>
+              <a:t>&lt;</a:t>
+            </a:r>
+            <a:r>
+              <a:rPr lang="en-GB" dirty="0"/>
+              <a:t> </a:t>
+            </a:r>
+          </a:p>
+          <a:p>
+            <a:pPr lvl="2">
+              <a:spcBef>
+                <a:spcPts val="1200"/>
+              </a:spcBef>
+            </a:pPr>
+            <a:r>
+              <a:rPr lang="en-GB" sz="1400" b="1" dirty="0" smtClean="0">
+                <a:solidFill>
+                  <a:srgbClr val="009E47"/>
+                </a:solidFill>
+                <a:latin typeface="Courier New" panose="02070309020205020404" pitchFamily="49" charset="0"/>
+                <a:cs typeface="Courier New" panose="02070309020205020404" pitchFamily="49" charset="0"/>
+              </a:rPr>
+              <a:t>&amp;</a:t>
+            </a:r>
+            <a:r>
+              <a:rPr lang="en-GB" sz="1400" b="1" dirty="0" err="1" smtClean="0">
+                <a:solidFill>
+                  <a:srgbClr val="009E47"/>
+                </a:solidFill>
+                <a:latin typeface="Courier New" panose="02070309020205020404" pitchFamily="49" charset="0"/>
+                <a:cs typeface="Courier New" panose="02070309020205020404" pitchFamily="49" charset="0"/>
+              </a:rPr>
+              <a:t>gt</a:t>
+            </a:r>
+            <a:r>
+              <a:rPr lang="en-GB" sz="1400" b="1" dirty="0">
+                <a:solidFill>
+                  <a:srgbClr val="009E47"/>
+                </a:solidFill>
+                <a:latin typeface="Courier New" panose="02070309020205020404" pitchFamily="49" charset="0"/>
+                <a:cs typeface="Courier New" panose="02070309020205020404" pitchFamily="49" charset="0"/>
+              </a:rPr>
+              <a:t>; </a:t>
+            </a:r>
+            <a:r>
+              <a:rPr lang="en-GB" dirty="0" err="1"/>
+              <a:t>ozna</a:t>
+            </a:r>
+            <a:r>
+              <a:rPr lang="sr-Latn-RS" dirty="0"/>
+              <a:t>č</a:t>
+            </a:r>
+            <a:r>
+              <a:rPr lang="en-GB" dirty="0"/>
+              <a:t>ava </a:t>
+            </a:r>
+            <a:r>
+              <a:rPr lang="en-GB" dirty="0" err="1"/>
+              <a:t>znak</a:t>
+            </a:r>
+            <a:r>
+              <a:rPr lang="en-GB" dirty="0"/>
+              <a:t> </a:t>
+            </a:r>
+            <a:r>
+              <a:rPr lang="en-GB" b="1" dirty="0"/>
+              <a:t>&gt;</a:t>
+            </a:r>
+            <a:endParaRPr lang="sr-Latn-RS" b="1" dirty="0"/>
+          </a:p>
+          <a:p>
+            <a:pPr lvl="2">
+              <a:spcBef>
+                <a:spcPts val="1200"/>
+              </a:spcBef>
+            </a:pPr>
+            <a:r>
+              <a:rPr lang="en-GB" sz="1600" b="1" dirty="0" smtClean="0">
+                <a:solidFill>
+                  <a:srgbClr val="009E47"/>
+                </a:solidFill>
+                <a:latin typeface="Courier New" panose="02070309020205020404" pitchFamily="49" charset="0"/>
+                <a:cs typeface="Courier New" panose="02070309020205020404" pitchFamily="49" charset="0"/>
+              </a:rPr>
+              <a:t>&amp;</a:t>
+            </a:r>
+            <a:r>
+              <a:rPr lang="en-GB" sz="1600" b="1" dirty="0">
+                <a:solidFill>
+                  <a:srgbClr val="009E47"/>
+                </a:solidFill>
+                <a:latin typeface="Courier New" panose="02070309020205020404" pitchFamily="49" charset="0"/>
+                <a:cs typeface="Courier New" panose="02070309020205020404" pitchFamily="49" charset="0"/>
+              </a:rPr>
+              <a:t>amp; </a:t>
+            </a:r>
+            <a:r>
+              <a:rPr lang="en-GB" dirty="0" err="1" smtClean="0"/>
+              <a:t>ozna</a:t>
+            </a:r>
+            <a:r>
+              <a:rPr lang="sr-Latn-RS" dirty="0"/>
+              <a:t>č</a:t>
+            </a:r>
+            <a:r>
+              <a:rPr lang="en-GB" dirty="0" smtClean="0"/>
+              <a:t>ava </a:t>
+            </a:r>
+            <a:r>
+              <a:rPr lang="en-GB" dirty="0" err="1"/>
+              <a:t>znak</a:t>
+            </a:r>
+            <a:r>
+              <a:rPr lang="en-GB" dirty="0"/>
+              <a:t> &amp;</a:t>
+            </a:r>
+          </a:p>
+          <a:p>
+            <a:pPr lvl="2">
+              <a:spcBef>
+                <a:spcPts val="1200"/>
+              </a:spcBef>
+            </a:pPr>
+            <a:r>
+              <a:rPr lang="en-GB" sz="1600" b="1" dirty="0">
+                <a:solidFill>
+                  <a:srgbClr val="009E47"/>
+                </a:solidFill>
+                <a:latin typeface="Courier New" panose="02070309020205020404" pitchFamily="49" charset="0"/>
+                <a:cs typeface="Courier New" panose="02070309020205020404" pitchFamily="49" charset="0"/>
+              </a:rPr>
+              <a:t>&amp;</a:t>
+            </a:r>
+            <a:r>
+              <a:rPr lang="en-GB" sz="1600" b="1" dirty="0" err="1">
+                <a:solidFill>
+                  <a:srgbClr val="009E47"/>
+                </a:solidFill>
+                <a:latin typeface="Courier New" panose="02070309020205020404" pitchFamily="49" charset="0"/>
+                <a:cs typeface="Courier New" panose="02070309020205020404" pitchFamily="49" charset="0"/>
+              </a:rPr>
+              <a:t>quot</a:t>
+            </a:r>
+            <a:r>
+              <a:rPr lang="en-GB" sz="1600" b="1" dirty="0">
+                <a:solidFill>
+                  <a:srgbClr val="009E47"/>
+                </a:solidFill>
+                <a:latin typeface="Courier New" panose="02070309020205020404" pitchFamily="49" charset="0"/>
+                <a:cs typeface="Courier New" panose="02070309020205020404" pitchFamily="49" charset="0"/>
+              </a:rPr>
+              <a:t>; </a:t>
+            </a:r>
+            <a:r>
+              <a:rPr lang="en-GB" dirty="0" err="1" smtClean="0"/>
+              <a:t>ozna</a:t>
+            </a:r>
+            <a:r>
+              <a:rPr lang="sr-Latn-RS" dirty="0"/>
+              <a:t>č</a:t>
+            </a:r>
+            <a:r>
+              <a:rPr lang="en-GB" dirty="0" smtClean="0"/>
+              <a:t>ava </a:t>
+            </a:r>
+            <a:r>
+              <a:rPr lang="en-GB" dirty="0" err="1"/>
+              <a:t>znak</a:t>
+            </a:r>
+            <a:r>
+              <a:rPr lang="en-GB" dirty="0"/>
+              <a:t> </a:t>
+            </a:r>
+            <a:r>
+              <a:rPr lang="en-GB" b="1" dirty="0"/>
+              <a:t>"</a:t>
+            </a:r>
+          </a:p>
+          <a:p>
+            <a:pPr lvl="2">
+              <a:spcBef>
+                <a:spcPts val="1200"/>
+              </a:spcBef>
+            </a:pPr>
+            <a:r>
+              <a:rPr lang="en-GB" sz="1600" b="1" dirty="0">
+                <a:solidFill>
+                  <a:srgbClr val="009E47"/>
+                </a:solidFill>
+                <a:latin typeface="Courier New" panose="02070309020205020404" pitchFamily="49" charset="0"/>
+                <a:cs typeface="Courier New" panose="02070309020205020404" pitchFamily="49" charset="0"/>
+              </a:rPr>
+              <a:t>&amp;</a:t>
+            </a:r>
+            <a:r>
+              <a:rPr lang="en-GB" sz="1600" b="1" dirty="0" err="1">
+                <a:solidFill>
+                  <a:srgbClr val="009E47"/>
+                </a:solidFill>
+                <a:latin typeface="Courier New" panose="02070309020205020404" pitchFamily="49" charset="0"/>
+                <a:cs typeface="Courier New" panose="02070309020205020404" pitchFamily="49" charset="0"/>
+              </a:rPr>
+              <a:t>apos</a:t>
+            </a:r>
+            <a:r>
+              <a:rPr lang="en-GB" sz="1600" b="1" dirty="0">
+                <a:solidFill>
+                  <a:srgbClr val="009E47"/>
+                </a:solidFill>
+                <a:latin typeface="Courier New" panose="02070309020205020404" pitchFamily="49" charset="0"/>
+                <a:cs typeface="Courier New" panose="02070309020205020404" pitchFamily="49" charset="0"/>
+              </a:rPr>
+              <a:t>; </a:t>
+            </a:r>
+            <a:r>
+              <a:rPr lang="en-GB" dirty="0" err="1"/>
+              <a:t>oznacava</a:t>
+            </a:r>
+            <a:r>
+              <a:rPr lang="en-GB" dirty="0"/>
+              <a:t> </a:t>
+            </a:r>
+            <a:r>
+              <a:rPr lang="en-GB" dirty="0" err="1"/>
+              <a:t>znak</a:t>
+            </a:r>
+            <a:r>
+              <a:rPr lang="en-GB" dirty="0"/>
+              <a:t> </a:t>
+            </a:r>
+            <a:r>
+              <a:rPr lang="en-GB" b="1" dirty="0" smtClean="0"/>
+              <a:t>’</a:t>
+            </a:r>
+            <a:r>
+              <a:rPr lang="sr-Latn-RS" dirty="0" smtClean="0"/>
+              <a:t>	itd.</a:t>
+            </a:r>
+            <a:endParaRPr lang="sr-Latn-CS" altLang="en-US" dirty="0" smtClean="0"/>
+          </a:p>
+        </p:txBody>
+      </p:sp>
+    </p:spTree>
+    <p:extLst>
+      <p:ext uri="{BB962C8B-B14F-4D97-AF65-F5344CB8AC3E}">
+        <p14:creationId xmlns:p14="http://schemas.microsoft.com/office/powerpoint/2010/main" val="269869812"/>
+      </p:ext>
+    </p:extLst>
+  </p:cSld>
+  <p:clrMapOvr>
+    <a:masterClrMapping/>
+  </p:clrMapOvr>
+  <p:timing>
+    <p:tnLst>
+      <p:par>
+        <p:cTn id="1" dur="indefinite" restart="never" nodeType="tmRoot"/>
+      </p:par>
+    </p:tnLst>
+  </p:timing>
+</p:sld>
+</file>
+
+<file path=ppt/slides/slide11.xml><?xml version="1.0" encoding="utf-8"?>
+<p:sld xmlns:a="http://schemas.openxmlformats.org/drawingml/2006/main" xmlns:r="http://schemas.openxmlformats.org/officeDocument/2006/relationships" xmlns:p="http://schemas.openxmlformats.org/presentationml/2006/main">
+  <p:cSld>
+    <p:spTree>
+      <p:nvGrpSpPr>
+        <p:cNvPr id="1" name=""/>
+        <p:cNvGrpSpPr/>
+        <p:nvPr/>
+      </p:nvGrpSpPr>
+      <p:grpSpPr>
+        <a:xfrm>
+          <a:off x="0" y="0"/>
+          <a:ext cx="0" cy="0"/>
+          <a:chOff x="0" y="0"/>
+          <a:chExt cx="0" cy="0"/>
+        </a:xfrm>
+      </p:grpSpPr>
+      <p:sp>
+        <p:nvSpPr>
+          <p:cNvPr id="92162" name="Rectangle 2"/>
+          <p:cNvSpPr>
+            <a:spLocks noGrp="1" noChangeArrowheads="1"/>
+          </p:cNvSpPr>
+          <p:nvPr>
+            <p:ph type="title"/>
+          </p:nvPr>
+        </p:nvSpPr>
+        <p:spPr>
+          <a:xfrm>
+            <a:off x="1403648" y="549275"/>
+            <a:ext cx="7283152" cy="868363"/>
+          </a:xfrm>
+        </p:spPr>
+        <p:txBody>
+          <a:bodyPr/>
+          <a:lstStyle/>
+          <a:p>
+            <a:r>
+              <a:rPr lang="sr-Latn-RS" dirty="0" smtClean="0"/>
+              <a:t>Sintaksa </a:t>
+            </a:r>
+            <a:r>
+              <a:rPr lang="sr-Latn-RS" dirty="0"/>
+              <a:t>jezika </a:t>
+            </a:r>
+            <a:r>
+              <a:rPr lang="sr-Latn-RS" dirty="0" smtClean="0"/>
+              <a:t>HTML</a:t>
+            </a:r>
+            <a:r>
+              <a:rPr lang="en-US" dirty="0" smtClean="0"/>
+              <a:t> (</a:t>
+            </a:r>
+            <a:r>
+              <a:rPr lang="sr-Latn-RS" dirty="0" smtClean="0"/>
+              <a:t>4</a:t>
+            </a:r>
+            <a:r>
+              <a:rPr lang="en-US" dirty="0" smtClean="0"/>
+              <a:t>)</a:t>
+            </a:r>
+            <a:endParaRPr lang="sr-Latn-RS" dirty="0"/>
+          </a:p>
+        </p:txBody>
+      </p:sp>
+      <mc:AlternateContent xmlns:mc="http://schemas.openxmlformats.org/markup-compatibility/2006">
+        <mc:Choice xmlns:a14="http://schemas.microsoft.com/office/drawing/2010/main" Requires="a14">
+          <p:sp>
+            <p:nvSpPr>
+              <p:cNvPr id="92163" name="Rectangle 3"/>
+              <p:cNvSpPr>
+                <a:spLocks noGrp="1" noChangeArrowheads="1"/>
+              </p:cNvSpPr>
+              <p:nvPr>
+                <p:ph idx="1"/>
+              </p:nvPr>
+            </p:nvSpPr>
+            <p:spPr>
+              <a:xfrm>
+                <a:off x="457200" y="1484784"/>
+                <a:ext cx="8579296" cy="5257800"/>
+              </a:xfrm>
+            </p:spPr>
+            <p:txBody>
+              <a:bodyPr/>
+              <a:lstStyle/>
+              <a:p>
+                <a:pPr lvl="1">
+                  <a:spcBef>
+                    <a:spcPts val="1200"/>
+                  </a:spcBef>
+                </a:pPr>
+                <a:r>
+                  <a:rPr lang="en-GB" dirty="0" err="1"/>
+                  <a:t>Mnogi</a:t>
+                </a:r>
+                <a:r>
+                  <a:rPr lang="en-GB" dirty="0"/>
+                  <a:t> </a:t>
+                </a:r>
+                <a:r>
+                  <a:rPr lang="en-GB" dirty="0" err="1" smtClean="0"/>
+                  <a:t>matemati</a:t>
+                </a:r>
+                <a:r>
+                  <a:rPr lang="sr-Latn-RS" dirty="0"/>
+                  <a:t>č</a:t>
+                </a:r>
+                <a:r>
+                  <a:rPr lang="en-GB" dirty="0" err="1" smtClean="0"/>
+                  <a:t>ki</a:t>
+                </a:r>
+                <a:r>
+                  <a:rPr lang="sr-Latn-RS" dirty="0" smtClean="0"/>
+                  <a:t> simboli</a:t>
+                </a:r>
+                <a:r>
+                  <a:rPr lang="en-GB" dirty="0" smtClean="0"/>
+                  <a:t>, </a:t>
+                </a:r>
+                <a:r>
+                  <a:rPr lang="en-GB" dirty="0" err="1" smtClean="0"/>
+                  <a:t>tehni</a:t>
+                </a:r>
+                <a:r>
+                  <a:rPr lang="sr-Latn-RS" dirty="0" smtClean="0"/>
+                  <a:t>č</a:t>
+                </a:r>
+                <a:r>
+                  <a:rPr lang="en-GB" dirty="0" err="1" smtClean="0"/>
+                  <a:t>ki</a:t>
+                </a:r>
+                <a:r>
+                  <a:rPr lang="sr-Latn-RS" dirty="0" smtClean="0"/>
+                  <a:t> simboli</a:t>
+                </a:r>
+                <a:r>
+                  <a:rPr lang="en-GB" dirty="0" smtClean="0"/>
+                  <a:t> </a:t>
+                </a:r>
+                <a:r>
+                  <a:rPr lang="en-GB" dirty="0" err="1"/>
+                  <a:t>i</a:t>
+                </a:r>
+                <a:r>
+                  <a:rPr lang="en-GB" dirty="0"/>
+                  <a:t> </a:t>
+                </a:r>
+                <a:r>
+                  <a:rPr lang="en-GB" dirty="0" err="1"/>
+                  <a:t>simboli</a:t>
+                </a:r>
+                <a:r>
+                  <a:rPr lang="en-GB" dirty="0"/>
+                  <a:t> </a:t>
+                </a:r>
+                <a:r>
+                  <a:rPr lang="en-GB" dirty="0" err="1"/>
+                  <a:t>valuta</a:t>
+                </a:r>
+                <a:r>
+                  <a:rPr lang="en-GB" dirty="0"/>
+                  <a:t> se ne </a:t>
+                </a:r>
+                <a:r>
+                  <a:rPr lang="en-GB" dirty="0" err="1"/>
+                  <a:t>nalaze</a:t>
+                </a:r>
+                <a:r>
+                  <a:rPr lang="en-GB" dirty="0"/>
+                  <a:t> </a:t>
+                </a:r>
+                <a:r>
+                  <a:rPr lang="en-GB" dirty="0" err="1"/>
+                  <a:t>na</a:t>
+                </a:r>
+                <a:r>
+                  <a:rPr lang="en-GB" dirty="0"/>
+                  <a:t> </a:t>
+                </a:r>
+                <a:r>
+                  <a:rPr lang="en-GB" dirty="0" err="1"/>
+                  <a:t>tastaturi</a:t>
+                </a:r>
+                <a:endParaRPr lang="en-GB" dirty="0"/>
+              </a:p>
+              <a:p>
+                <a:pPr lvl="1">
+                  <a:spcBef>
+                    <a:spcPts val="1200"/>
+                  </a:spcBef>
+                </a:pPr>
+                <a:r>
+                  <a:rPr lang="sr-Latn-RS" dirty="0" smtClean="0"/>
+                  <a:t>Takvi simboli </a:t>
+                </a:r>
+                <a:r>
+                  <a:rPr lang="en-GB" dirty="0" smtClean="0"/>
+                  <a:t>se </a:t>
+                </a:r>
+                <a:r>
+                  <a:rPr lang="en-GB" dirty="0" err="1"/>
+                  <a:t>mogu</a:t>
+                </a:r>
+                <a:r>
+                  <a:rPr lang="en-GB" dirty="0"/>
+                  <a:t> </a:t>
+                </a:r>
+                <a:r>
+                  <a:rPr lang="sr-Latn-RS" dirty="0" smtClean="0"/>
+                  <a:t>ubaciti u </a:t>
+                </a:r>
+                <a:r>
+                  <a:rPr lang="en-GB" dirty="0" smtClean="0"/>
+                  <a:t>HTML </a:t>
+                </a:r>
+                <a:r>
+                  <a:rPr lang="en-GB" dirty="0" err="1" smtClean="0"/>
+                  <a:t>stran</a:t>
+                </a:r>
+                <a:r>
+                  <a:rPr lang="sr-Latn-RS" dirty="0" smtClean="0"/>
+                  <a:t>u</a:t>
+                </a:r>
+                <a:r>
+                  <a:rPr lang="en-GB" dirty="0" smtClean="0"/>
+                  <a:t> </a:t>
+                </a:r>
+                <a:r>
+                  <a:rPr lang="en-GB" dirty="0" err="1" smtClean="0"/>
+                  <a:t>kori</a:t>
+                </a:r>
+                <a:r>
+                  <a:rPr lang="sr-Latn-RS" dirty="0" err="1" smtClean="0"/>
+                  <a:t>šć</a:t>
+                </a:r>
+                <a:r>
+                  <a:rPr lang="en-GB" dirty="0" err="1" smtClean="0"/>
+                  <a:t>enjem</a:t>
+                </a:r>
+                <a:r>
+                  <a:rPr lang="en-GB" dirty="0" smtClean="0"/>
+                  <a:t> </a:t>
+                </a:r>
+                <a:r>
+                  <a:rPr lang="sr-Latn-RS" dirty="0" smtClean="0"/>
+                  <a:t>znakovnih </a:t>
+                </a:r>
+                <a:r>
+                  <a:rPr lang="en-GB" dirty="0" err="1" smtClean="0"/>
+                  <a:t>entiteta</a:t>
+                </a:r>
+                <a:r>
+                  <a:rPr lang="en-GB" dirty="0" smtClean="0"/>
+                  <a:t> </a:t>
+                </a:r>
+                <a:r>
+                  <a:rPr lang="en-GB" dirty="0" err="1"/>
+                  <a:t>simbola</a:t>
+                </a:r>
+                <a:endParaRPr lang="en-GB" dirty="0"/>
+              </a:p>
+              <a:p>
+                <a:pPr lvl="2">
+                  <a:spcBef>
+                    <a:spcPts val="1200"/>
+                  </a:spcBef>
+                </a:pPr>
+                <a:r>
+                  <a:rPr lang="en-GB" sz="1600" b="1" dirty="0">
+                    <a:solidFill>
+                      <a:srgbClr val="009E47"/>
+                    </a:solidFill>
+                    <a:latin typeface="Courier New" panose="02070309020205020404" pitchFamily="49" charset="0"/>
+                    <a:cs typeface="Courier New" panose="02070309020205020404" pitchFamily="49" charset="0"/>
+                  </a:rPr>
+                  <a:t>&amp;</a:t>
+                </a:r>
+                <a:r>
+                  <a:rPr lang="en-GB" sz="1600" b="1" dirty="0" err="1">
+                    <a:solidFill>
+                      <a:srgbClr val="009E47"/>
+                    </a:solidFill>
+                    <a:latin typeface="Courier New" panose="02070309020205020404" pitchFamily="49" charset="0"/>
+                    <a:cs typeface="Courier New" panose="02070309020205020404" pitchFamily="49" charset="0"/>
+                  </a:rPr>
+                  <a:t>forall</a:t>
+                </a:r>
+                <a:r>
+                  <a:rPr lang="en-GB" sz="1600" b="1" dirty="0">
+                    <a:solidFill>
+                      <a:srgbClr val="009E47"/>
+                    </a:solidFill>
+                    <a:latin typeface="Courier New" panose="02070309020205020404" pitchFamily="49" charset="0"/>
+                    <a:cs typeface="Courier New" panose="02070309020205020404" pitchFamily="49" charset="0"/>
+                  </a:rPr>
+                  <a:t>; </a:t>
+                </a:r>
+                <a:r>
+                  <a:rPr lang="en-GB" dirty="0" err="1" smtClean="0"/>
+                  <a:t>ozna</a:t>
+                </a:r>
+                <a:r>
+                  <a:rPr lang="sr-Latn-RS" dirty="0"/>
+                  <a:t>č</a:t>
+                </a:r>
+                <a:r>
+                  <a:rPr lang="en-GB" dirty="0" smtClean="0"/>
+                  <a:t>ava </a:t>
+                </a:r>
+                <a:r>
+                  <a:rPr lang="en-GB" dirty="0" err="1" smtClean="0"/>
+                  <a:t>znak</a:t>
+                </a:r>
+                <a:r>
+                  <a:rPr lang="sr-Latn-RS" dirty="0" smtClean="0"/>
+                  <a:t> </a:t>
+                </a:r>
+                <a14:m>
+                  <m:oMath xmlns:m="http://schemas.openxmlformats.org/officeDocument/2006/math">
+                    <m:r>
+                      <a:rPr lang="en-GB" i="1" smtClean="0">
+                        <a:latin typeface="Cambria Math"/>
+                        <a:ea typeface="Cambria Math"/>
+                      </a:rPr>
+                      <m:t>∀</m:t>
+                    </m:r>
+                  </m:oMath>
+                </a14:m>
+                <a:endParaRPr lang="sr-Latn-RS" dirty="0" smtClean="0"/>
+              </a:p>
+              <a:p>
+                <a:pPr lvl="2">
+                  <a:spcBef>
+                    <a:spcPts val="1200"/>
+                  </a:spcBef>
+                </a:pPr>
+                <a:r>
+                  <a:rPr lang="en-GB" sz="1600" b="1" dirty="0">
+                    <a:solidFill>
+                      <a:srgbClr val="009E47"/>
+                    </a:solidFill>
+                    <a:latin typeface="Courier New" panose="02070309020205020404" pitchFamily="49" charset="0"/>
+                    <a:cs typeface="Courier New" panose="02070309020205020404" pitchFamily="49" charset="0"/>
+                  </a:rPr>
+                  <a:t>&amp;</a:t>
+                </a:r>
+                <a:r>
+                  <a:rPr lang="en-GB" sz="1600" b="1" dirty="0">
+                    <a:solidFill>
+                      <a:srgbClr val="009E47"/>
+                    </a:solidFill>
+                    <a:latin typeface="Courier New" panose="02070309020205020404" pitchFamily="49" charset="0"/>
+                    <a:cs typeface="Courier New" panose="02070309020205020404" pitchFamily="49" charset="0"/>
+                  </a:rPr>
+                  <a:t>exist; </a:t>
+                </a:r>
+                <a:r>
+                  <a:rPr lang="en-GB" dirty="0" err="1" smtClean="0"/>
+                  <a:t>ozna</a:t>
+                </a:r>
+                <a:r>
+                  <a:rPr lang="sr-Latn-RS" dirty="0"/>
+                  <a:t>č</a:t>
+                </a:r>
+                <a:r>
+                  <a:rPr lang="en-GB" dirty="0" smtClean="0"/>
+                  <a:t>ava </a:t>
+                </a:r>
+                <a:r>
+                  <a:rPr lang="en-GB" dirty="0" err="1"/>
+                  <a:t>znak</a:t>
+                </a:r>
+                <a:r>
+                  <a:rPr lang="en-GB" dirty="0"/>
+                  <a:t> </a:t>
+                </a:r>
+                <a14:m>
+                  <m:oMath xmlns:m="http://schemas.openxmlformats.org/officeDocument/2006/math">
+                    <m:r>
+                      <a:rPr lang="en-GB" i="1">
+                        <a:latin typeface="Cambria Math"/>
+                        <a:ea typeface="Cambria Math"/>
+                      </a:rPr>
+                      <m:t>∃</m:t>
+                    </m:r>
+                  </m:oMath>
+                </a14:m>
+                <a:r>
+                  <a:rPr lang="en-GB" dirty="0"/>
+                  <a:t> </a:t>
+                </a:r>
+                <a:endParaRPr lang="sr-Latn-RS" dirty="0" smtClean="0"/>
+              </a:p>
+              <a:p>
+                <a:pPr lvl="2">
+                  <a:spcBef>
+                    <a:spcPts val="1200"/>
+                  </a:spcBef>
+                </a:pPr>
+                <a:r>
+                  <a:rPr lang="en-GB" sz="1600" b="1" dirty="0">
+                    <a:solidFill>
+                      <a:srgbClr val="009E47"/>
+                    </a:solidFill>
+                    <a:latin typeface="Courier New" panose="02070309020205020404" pitchFamily="49" charset="0"/>
+                    <a:cs typeface="Courier New" panose="02070309020205020404" pitchFamily="49" charset="0"/>
+                  </a:rPr>
+                  <a:t>&amp;</a:t>
+                </a:r>
+                <a:r>
+                  <a:rPr lang="en-GB" sz="1600" b="1" dirty="0">
+                    <a:solidFill>
+                      <a:srgbClr val="009E47"/>
+                    </a:solidFill>
+                    <a:latin typeface="Courier New" panose="02070309020205020404" pitchFamily="49" charset="0"/>
+                    <a:cs typeface="Courier New" panose="02070309020205020404" pitchFamily="49" charset="0"/>
+                  </a:rPr>
+                  <a:t>euro; </a:t>
+                </a:r>
+                <a:r>
+                  <a:rPr lang="en-GB" dirty="0" err="1" smtClean="0"/>
+                  <a:t>ozna</a:t>
+                </a:r>
+                <a:r>
+                  <a:rPr lang="sr-Latn-RS" dirty="0"/>
+                  <a:t>č</a:t>
+                </a:r>
+                <a:r>
+                  <a:rPr lang="en-GB" dirty="0" smtClean="0"/>
+                  <a:t>ava </a:t>
+                </a:r>
+                <a:r>
+                  <a:rPr lang="en-GB" dirty="0" err="1"/>
+                  <a:t>znak</a:t>
+                </a:r>
+                <a:r>
+                  <a:rPr lang="en-GB" dirty="0"/>
+                  <a:t> </a:t>
+                </a:r>
+                <a:r>
+                  <a:rPr lang="en-GB" dirty="0" err="1"/>
+                  <a:t>za</a:t>
+                </a:r>
+                <a:r>
+                  <a:rPr lang="en-GB" dirty="0"/>
+                  <a:t> </a:t>
+                </a:r>
+                <a:r>
+                  <a:rPr lang="sr-Latn-RS" dirty="0"/>
+                  <a:t>€</a:t>
+                </a:r>
+                <a:endParaRPr lang="en-GB" dirty="0"/>
+              </a:p>
+              <a:p>
+                <a:pPr lvl="2">
+                  <a:spcBef>
+                    <a:spcPts val="1200"/>
+                  </a:spcBef>
+                </a:pPr>
+                <a:r>
+                  <a:rPr lang="en-GB" sz="1600" b="1" dirty="0">
+                    <a:solidFill>
+                      <a:srgbClr val="009E47"/>
+                    </a:solidFill>
+                    <a:latin typeface="Courier New" panose="02070309020205020404" pitchFamily="49" charset="0"/>
+                    <a:cs typeface="Courier New" panose="02070309020205020404" pitchFamily="49" charset="0"/>
+                  </a:rPr>
+                  <a:t>&amp;copy; </a:t>
+                </a:r>
+                <a:r>
+                  <a:rPr lang="en-GB" dirty="0" err="1" smtClean="0"/>
+                  <a:t>ozna</a:t>
+                </a:r>
+                <a:r>
+                  <a:rPr lang="sr-Latn-RS" dirty="0"/>
+                  <a:t>č</a:t>
+                </a:r>
+                <a:r>
+                  <a:rPr lang="en-GB" dirty="0" smtClean="0"/>
+                  <a:t>ava </a:t>
+                </a:r>
+                <a:r>
+                  <a:rPr lang="en-GB" dirty="0" err="1"/>
+                  <a:t>znak</a:t>
+                </a:r>
+                <a:r>
+                  <a:rPr lang="en-GB" dirty="0"/>
+                  <a:t> </a:t>
+                </a:r>
+                <a:r>
+                  <a:rPr lang="en-GB" dirty="0" err="1" smtClean="0"/>
+                  <a:t>za</a:t>
+                </a:r>
+                <a:r>
+                  <a:rPr lang="sr-Latn-RS" dirty="0" smtClean="0"/>
+                  <a:t> </a:t>
+                </a:r>
+                <a:r>
+                  <a:rPr lang="sr-Latn-RS" b="1" dirty="0"/>
+                  <a:t>©</a:t>
+                </a:r>
+                <a:r>
+                  <a:rPr lang="en-GB" dirty="0" smtClean="0"/>
+                  <a:t> </a:t>
+                </a:r>
+                <a:endParaRPr lang="en-GB" dirty="0"/>
+              </a:p>
+              <a:p>
+                <a:pPr lvl="1">
+                  <a:spcBef>
+                    <a:spcPts val="1200"/>
+                  </a:spcBef>
+                </a:pPr>
+                <a:r>
+                  <a:rPr lang="pl-PL" altLang="en-US" dirty="0" err="1" smtClean="0"/>
+                  <a:t>Prilikom</a:t>
+                </a:r>
+                <a:r>
+                  <a:rPr lang="pl-PL" altLang="en-US" dirty="0" smtClean="0"/>
+                  <a:t> </a:t>
+                </a:r>
+                <a:r>
+                  <a:rPr lang="pl-PL" altLang="en-US" dirty="0" err="1" smtClean="0"/>
+                  <a:t>procesiranja</a:t>
+                </a:r>
+                <a:r>
+                  <a:rPr lang="pl-PL" altLang="en-US" dirty="0" smtClean="0"/>
+                  <a:t> HTML </a:t>
+                </a:r>
+                <a:r>
+                  <a:rPr lang="pl-PL" altLang="en-US" dirty="0" err="1" smtClean="0"/>
+                  <a:t>strane</a:t>
+                </a:r>
+                <a:r>
+                  <a:rPr lang="pl-PL" altLang="en-US" dirty="0" smtClean="0"/>
+                  <a:t>, </a:t>
+                </a:r>
+                <a:r>
+                  <a:rPr lang="pl-PL" altLang="en-US" dirty="0" err="1">
+                    <a:solidFill>
+                      <a:srgbClr val="6767FF"/>
+                    </a:solidFill>
+                  </a:rPr>
+                  <a:t>k</a:t>
+                </a:r>
+                <a:r>
+                  <a:rPr lang="pl-PL" altLang="en-US" dirty="0" err="1" smtClean="0">
+                    <a:solidFill>
+                      <a:srgbClr val="6767FF"/>
+                    </a:solidFill>
+                  </a:rPr>
+                  <a:t>omentari</a:t>
+                </a:r>
+                <a:r>
+                  <a:rPr lang="pl-PL" altLang="en-US" dirty="0" smtClean="0">
+                    <a:solidFill>
+                      <a:srgbClr val="6767FF"/>
+                    </a:solidFill>
+                  </a:rPr>
+                  <a:t> </a:t>
+                </a:r>
+                <a:r>
+                  <a:rPr lang="pl-PL" altLang="en-US" dirty="0" err="1"/>
+                  <a:t>se</a:t>
+                </a:r>
+                <a:r>
+                  <a:rPr lang="pl-PL" altLang="en-US" dirty="0"/>
+                  <a:t> </a:t>
+                </a:r>
+                <a:r>
+                  <a:rPr lang="pl-PL" altLang="en-US" dirty="0" err="1" smtClean="0"/>
+                  <a:t>ignorišu</a:t>
+                </a:r>
+                <a:r>
+                  <a:rPr lang="pl-PL" altLang="en-US" dirty="0" smtClean="0"/>
+                  <a:t> od </a:t>
+                </a:r>
+                <a:r>
+                  <a:rPr lang="pl-PL" altLang="en-US" dirty="0" err="1" smtClean="0"/>
+                  <a:t>strane</a:t>
+                </a:r>
+                <a:r>
+                  <a:rPr lang="pl-PL" altLang="en-US" dirty="0" smtClean="0"/>
+                  <a:t> </a:t>
+                </a:r>
+                <a:r>
+                  <a:rPr lang="pl-PL" altLang="en-US" dirty="0" err="1" smtClean="0"/>
+                  <a:t>korisničkog</a:t>
+                </a:r>
+                <a:r>
+                  <a:rPr lang="pl-PL" altLang="en-US" dirty="0" smtClean="0"/>
+                  <a:t> agenta </a:t>
+                </a:r>
+              </a:p>
+              <a:p>
+                <a:pPr lvl="1">
+                  <a:spcBef>
+                    <a:spcPts val="1200"/>
+                  </a:spcBef>
+                </a:pPr>
+                <a:r>
+                  <a:rPr lang="pl-PL" altLang="en-US" dirty="0" err="1" smtClean="0"/>
+                  <a:t>Komentari</a:t>
+                </a:r>
+                <a:r>
+                  <a:rPr lang="pl-PL" altLang="en-US" dirty="0" smtClean="0"/>
+                  <a:t> </a:t>
+                </a:r>
+                <a:r>
+                  <a:rPr lang="pl-PL" altLang="en-US" dirty="0" err="1" smtClean="0"/>
+                  <a:t>se</a:t>
+                </a:r>
+                <a:r>
+                  <a:rPr lang="pl-PL" altLang="en-US" dirty="0" smtClean="0"/>
+                  <a:t> u </a:t>
+                </a:r>
+                <a:r>
+                  <a:rPr lang="pl-PL" altLang="en-US" dirty="0"/>
+                  <a:t>HTML-u </a:t>
+                </a:r>
+                <a:r>
+                  <a:rPr lang="pl-PL" altLang="en-US" dirty="0" err="1"/>
+                  <a:t>zadaju</a:t>
+                </a:r>
+                <a:r>
+                  <a:rPr lang="pl-PL" altLang="en-US" dirty="0"/>
+                  <a:t> na </a:t>
+                </a:r>
+                <a:r>
+                  <a:rPr lang="pl-PL" altLang="en-US" dirty="0" err="1" smtClean="0"/>
+                  <a:t>slede</a:t>
+                </a:r>
+                <a:r>
+                  <a:rPr lang="pl-PL" altLang="en-US" dirty="0" err="1"/>
+                  <a:t>ć</a:t>
+                </a:r>
+                <a:r>
+                  <a:rPr lang="pl-PL" altLang="en-US" dirty="0" err="1" smtClean="0"/>
+                  <a:t>i</a:t>
+                </a:r>
+                <a:r>
+                  <a:rPr lang="pl-PL" altLang="en-US" dirty="0" smtClean="0"/>
+                  <a:t> </a:t>
+                </a:r>
+                <a:r>
+                  <a:rPr lang="pl-PL" altLang="en-US" dirty="0" err="1" smtClean="0"/>
+                  <a:t>način</a:t>
+                </a:r>
+                <a:r>
+                  <a:rPr lang="pl-PL" altLang="en-US" dirty="0" smtClean="0"/>
+                  <a:t/>
+                </a:r>
+                <a:br>
+                  <a:rPr lang="pl-PL" altLang="en-US" dirty="0" smtClean="0"/>
+                </a:br>
+                <a:r>
+                  <a:rPr lang="pl-PL" altLang="en-US" sz="1600" b="1" dirty="0">
+                    <a:solidFill>
+                      <a:srgbClr val="009E47"/>
+                    </a:solidFill>
+                    <a:latin typeface="Courier New" panose="02070309020205020404" pitchFamily="49" charset="0"/>
+                    <a:cs typeface="Courier New" panose="02070309020205020404" pitchFamily="49" charset="0"/>
+                  </a:rPr>
+                  <a:t>&lt;!-- </a:t>
+                </a:r>
+                <a:r>
+                  <a:rPr lang="pl-PL" altLang="en-US" sz="1600" b="1" dirty="0" err="1">
+                    <a:solidFill>
+                      <a:srgbClr val="009E47"/>
+                    </a:solidFill>
+                    <a:latin typeface="Courier New" panose="02070309020205020404" pitchFamily="49" charset="0"/>
+                    <a:cs typeface="Courier New" panose="02070309020205020404" pitchFamily="49" charset="0"/>
+                  </a:rPr>
+                  <a:t>Ovde</a:t>
+                </a:r>
+                <a:r>
+                  <a:rPr lang="pl-PL" altLang="en-US" sz="1600" b="1" dirty="0">
+                    <a:solidFill>
+                      <a:srgbClr val="009E47"/>
+                    </a:solidFill>
+                    <a:latin typeface="Courier New" panose="02070309020205020404" pitchFamily="49" charset="0"/>
+                    <a:cs typeface="Courier New" panose="02070309020205020404" pitchFamily="49" charset="0"/>
+                  </a:rPr>
+                  <a:t> </a:t>
+                </a:r>
+                <a:r>
+                  <a:rPr lang="pl-PL" altLang="en-US" sz="1600" b="1" dirty="0" err="1">
+                    <a:solidFill>
+                      <a:srgbClr val="009E47"/>
+                    </a:solidFill>
+                    <a:latin typeface="Courier New" panose="02070309020205020404" pitchFamily="49" charset="0"/>
+                    <a:cs typeface="Courier New" panose="02070309020205020404" pitchFamily="49" charset="0"/>
+                  </a:rPr>
+                  <a:t>ide</a:t>
+                </a:r>
+                <a:r>
+                  <a:rPr lang="pl-PL" altLang="en-US" sz="1600" b="1" dirty="0">
+                    <a:solidFill>
+                      <a:srgbClr val="009E47"/>
+                    </a:solidFill>
+                    <a:latin typeface="Courier New" panose="02070309020205020404" pitchFamily="49" charset="0"/>
+                    <a:cs typeface="Courier New" panose="02070309020205020404" pitchFamily="49" charset="0"/>
+                  </a:rPr>
+                  <a:t> </a:t>
+                </a:r>
+                <a:r>
+                  <a:rPr lang="pl-PL" altLang="en-US" sz="1600" b="1" dirty="0" smtClean="0">
+                    <a:solidFill>
+                      <a:srgbClr val="009E47"/>
+                    </a:solidFill>
+                    <a:latin typeface="Courier New" panose="02070309020205020404" pitchFamily="49" charset="0"/>
+                    <a:cs typeface="Courier New" panose="02070309020205020404" pitchFamily="49" charset="0"/>
+                  </a:rPr>
+                  <a:t>tekst </a:t>
+                </a:r>
+                <a:r>
+                  <a:rPr lang="pl-PL" altLang="en-US" sz="1600" b="1" dirty="0" err="1" smtClean="0">
+                    <a:solidFill>
+                      <a:srgbClr val="009E47"/>
+                    </a:solidFill>
+                    <a:latin typeface="Courier New" panose="02070309020205020404" pitchFamily="49" charset="0"/>
+                    <a:cs typeface="Courier New" panose="02070309020205020404" pitchFamily="49" charset="0"/>
+                  </a:rPr>
+                  <a:t>komentara</a:t>
+                </a:r>
+                <a:r>
+                  <a:rPr lang="pl-PL" altLang="en-US" sz="1600" b="1" dirty="0" smtClean="0">
+                    <a:solidFill>
+                      <a:srgbClr val="009E47"/>
+                    </a:solidFill>
+                    <a:latin typeface="Courier New" panose="02070309020205020404" pitchFamily="49" charset="0"/>
+                    <a:cs typeface="Courier New" panose="02070309020205020404" pitchFamily="49" charset="0"/>
+                  </a:rPr>
+                  <a:t> </a:t>
+                </a:r>
+                <a:r>
+                  <a:rPr lang="pl-PL" altLang="en-US" sz="1600" b="1" dirty="0">
+                    <a:solidFill>
+                      <a:srgbClr val="009E47"/>
+                    </a:solidFill>
+                    <a:latin typeface="Courier New" panose="02070309020205020404" pitchFamily="49" charset="0"/>
+                    <a:cs typeface="Courier New" panose="02070309020205020404" pitchFamily="49" charset="0"/>
+                  </a:rPr>
+                  <a:t>--&gt;</a:t>
+                </a:r>
+                <a:endParaRPr lang="sr-Latn-CS" altLang="en-US" sz="1600" b="1" dirty="0">
+                  <a:solidFill>
+                    <a:srgbClr val="009E47"/>
+                  </a:solidFill>
+                  <a:latin typeface="Courier New" panose="02070309020205020404" pitchFamily="49" charset="0"/>
+                  <a:cs typeface="Courier New" panose="02070309020205020404" pitchFamily="49" charset="0"/>
+                </a:endParaRPr>
+              </a:p>
+            </p:txBody>
+          </p:sp>
+        </mc:Choice>
+        <mc:Fallback>
+          <p:sp>
+            <p:nvSpPr>
+              <p:cNvPr id="92163" name="Rectangle 3"/>
+              <p:cNvSpPr>
+                <a:spLocks noGrp="1" noRot="1" noChangeAspect="1" noMove="1" noResize="1" noEditPoints="1" noAdjustHandles="1" noChangeArrowheads="1" noChangeShapeType="1" noTextEdit="1"/>
+              </p:cNvSpPr>
+              <p:nvPr>
+                <p:ph idx="1"/>
+              </p:nvPr>
+            </p:nvSpPr>
+            <p:spPr>
+              <a:xfrm>
+                <a:off x="457200" y="1484784"/>
+                <a:ext cx="8579296" cy="5257800"/>
+              </a:xfrm>
+              <a:blipFill rotWithShape="1">
+                <a:blip r:embed="rId2"/>
+                <a:stretch>
+                  <a:fillRect t="-464"/>
+                </a:stretch>
+              </a:blipFill>
+            </p:spPr>
+            <p:txBody>
+              <a:bodyPr/>
+              <a:lstStyle/>
+              <a:p>
+                <a:r>
+                  <a:rPr lang="sr-Latn-RS">
+                    <a:noFill/>
+                  </a:rPr>
+                  <a:t> </a:t>
+                </a:r>
+              </a:p>
+            </p:txBody>
+          </p:sp>
+        </mc:Fallback>
+      </mc:AlternateContent>
+    </p:spTree>
+    <p:extLst>
+      <p:ext uri="{BB962C8B-B14F-4D97-AF65-F5344CB8AC3E}">
+        <p14:creationId xmlns:p14="http://schemas.microsoft.com/office/powerpoint/2010/main" val="191608704"/>
+      </p:ext>
+    </p:extLst>
+  </p:cSld>
+  <p:clrMapOvr>
+    <a:masterClrMapping/>
+  </p:clrMapOvr>
+  <p:timing>
+    <p:tnLst>
+      <p:par>
+        <p:cTn id="1" dur="indefinite" restart="never" nodeType="tmRoot"/>
+      </p:par>
+    </p:tnLst>
+  </p:timing>
+</p:sld>
+</file>
+
+<file path=ppt/slides/slide12.xml><?xml version="1.0" encoding="utf-8"?>
+<p:sld xmlns:a="http://schemas.openxmlformats.org/drawingml/2006/main" xmlns:r="http://schemas.openxmlformats.org/officeDocument/2006/relationships" xmlns:p="http://schemas.openxmlformats.org/presentationml/2006/main">
+  <p:cSld>
+    <p:spTree>
+      <p:nvGrpSpPr>
+        <p:cNvPr id="1" name=""/>
+        <p:cNvGrpSpPr/>
+        <p:nvPr/>
+      </p:nvGrpSpPr>
+      <p:grpSpPr>
+        <a:xfrm>
+          <a:off x="0" y="0"/>
+          <a:ext cx="0" cy="0"/>
+          <a:chOff x="0" y="0"/>
+          <a:chExt cx="0" cy="0"/>
+        </a:xfrm>
+      </p:grpSpPr>
+      <p:sp>
+        <p:nvSpPr>
+          <p:cNvPr id="92162" name="Rectangle 2"/>
+          <p:cNvSpPr>
+            <a:spLocks noGrp="1" noChangeArrowheads="1"/>
+          </p:cNvSpPr>
+          <p:nvPr>
+            <p:ph type="title"/>
+          </p:nvPr>
+        </p:nvSpPr>
+        <p:spPr>
+          <a:xfrm>
+            <a:off x="1403648" y="549275"/>
+            <a:ext cx="7283152" cy="868363"/>
+          </a:xfrm>
+        </p:spPr>
+        <p:txBody>
+          <a:bodyPr/>
+          <a:lstStyle/>
+          <a:p>
+            <a:r>
+              <a:rPr lang="en-US" dirty="0" err="1"/>
+              <a:t>Elementi</a:t>
+            </a:r>
+            <a:r>
+              <a:rPr lang="en-US" dirty="0"/>
+              <a:t> html, body </a:t>
+            </a:r>
+            <a:r>
+              <a:rPr lang="en-US" dirty="0" err="1"/>
+              <a:t>i</a:t>
+            </a:r>
+            <a:r>
+              <a:rPr lang="en-US" dirty="0"/>
+              <a:t> head</a:t>
+            </a:r>
+            <a:endParaRPr lang="sr-Latn-RS" dirty="0"/>
+          </a:p>
+        </p:txBody>
+      </p:sp>
+      <p:sp>
+        <p:nvSpPr>
+          <p:cNvPr id="92163" name="Rectangle 3"/>
+          <p:cNvSpPr>
+            <a:spLocks noGrp="1" noChangeArrowheads="1"/>
+          </p:cNvSpPr>
+          <p:nvPr>
+            <p:ph idx="1"/>
+          </p:nvPr>
+        </p:nvSpPr>
+        <p:spPr>
+          <a:xfrm>
+            <a:off x="457200" y="1484784"/>
+            <a:ext cx="8579296" cy="5373216"/>
+          </a:xfrm>
+        </p:spPr>
+        <p:txBody>
+          <a:bodyPr/>
+          <a:lstStyle/>
+          <a:p>
+            <a:pPr lvl="1">
+              <a:spcBef>
+                <a:spcPts val="1200"/>
+              </a:spcBef>
+            </a:pPr>
+            <a:r>
+              <a:rPr lang="en-GB" dirty="0" err="1"/>
+              <a:t>Cela</a:t>
+            </a:r>
+            <a:r>
+              <a:rPr lang="en-GB" dirty="0"/>
+              <a:t> </a:t>
+            </a:r>
+            <a:r>
+              <a:rPr lang="en-GB" dirty="0" err="1" smtClean="0"/>
+              <a:t>veb</a:t>
+            </a:r>
+            <a:r>
+              <a:rPr lang="sr-Cyrl-RS" dirty="0" smtClean="0"/>
+              <a:t> </a:t>
+            </a:r>
+            <a:r>
+              <a:rPr lang="en-GB" dirty="0" err="1" smtClean="0"/>
+              <a:t>strana</a:t>
+            </a:r>
+            <a:r>
+              <a:rPr lang="en-GB" dirty="0" smtClean="0"/>
+              <a:t> </a:t>
+            </a:r>
+            <a:r>
+              <a:rPr lang="en-GB" dirty="0" err="1"/>
+              <a:t>predstavljena</a:t>
+            </a:r>
+            <a:r>
+              <a:rPr lang="en-GB" dirty="0"/>
+              <a:t> je </a:t>
+            </a:r>
+            <a:r>
+              <a:rPr lang="en-GB" dirty="0" err="1"/>
+              <a:t>jednim</a:t>
+            </a:r>
+            <a:r>
+              <a:rPr lang="en-GB" dirty="0"/>
+              <a:t> </a:t>
+            </a:r>
+            <a:r>
+              <a:rPr lang="en-GB" dirty="0" err="1"/>
+              <a:t>elementom</a:t>
+            </a:r>
+            <a:r>
+              <a:rPr lang="en-GB" dirty="0"/>
+              <a:t> </a:t>
+            </a:r>
+            <a:r>
+              <a:rPr lang="en-GB" dirty="0">
+                <a:solidFill>
+                  <a:srgbClr val="6767FF"/>
+                </a:solidFill>
+              </a:rPr>
+              <a:t>html</a:t>
+            </a:r>
+          </a:p>
+          <a:p>
+            <a:pPr lvl="1">
+              <a:spcBef>
+                <a:spcPts val="1200"/>
+              </a:spcBef>
+            </a:pPr>
+            <a:r>
+              <a:rPr lang="en-GB" dirty="0" smtClean="0"/>
+              <a:t>Sadr</a:t>
+            </a:r>
+            <a:r>
+              <a:rPr lang="sr-Latn-RS" dirty="0" smtClean="0"/>
+              <a:t>ž</a:t>
+            </a:r>
+            <a:r>
+              <a:rPr lang="en-GB" dirty="0" err="1" smtClean="0"/>
+              <a:t>aj</a:t>
+            </a:r>
+            <a:r>
+              <a:rPr lang="en-GB" dirty="0" smtClean="0"/>
+              <a:t> </a:t>
+            </a:r>
+            <a:r>
+              <a:rPr lang="en-GB" dirty="0"/>
+              <a:t>html </a:t>
+            </a:r>
+            <a:r>
+              <a:rPr lang="en-GB" dirty="0" err="1" smtClean="0"/>
+              <a:t>elementa</a:t>
+            </a:r>
+            <a:r>
+              <a:rPr lang="sr-Latn-RS" dirty="0" smtClean="0"/>
+              <a:t> </a:t>
+            </a:r>
+            <a:r>
+              <a:rPr lang="sr-Latn-RS" dirty="0"/>
+              <a:t>č</a:t>
+            </a:r>
+            <a:r>
+              <a:rPr lang="en-GB" dirty="0" err="1" smtClean="0"/>
+              <a:t>ine</a:t>
+            </a:r>
+            <a:r>
+              <a:rPr lang="en-GB" dirty="0" smtClean="0"/>
+              <a:t> </a:t>
+            </a:r>
+            <a:r>
+              <a:rPr lang="en-GB" dirty="0" err="1"/>
+              <a:t>dva</a:t>
+            </a:r>
+            <a:r>
+              <a:rPr lang="en-GB" dirty="0"/>
+              <a:t> </a:t>
+            </a:r>
+            <a:r>
+              <a:rPr lang="en-GB" dirty="0" err="1"/>
+              <a:t>elementa</a:t>
+            </a:r>
+            <a:r>
+              <a:rPr lang="en-GB" dirty="0"/>
+              <a:t>:</a:t>
+            </a:r>
+          </a:p>
+          <a:p>
+            <a:pPr lvl="2">
+              <a:spcBef>
+                <a:spcPts val="1200"/>
+              </a:spcBef>
+            </a:pPr>
+            <a:r>
+              <a:rPr lang="en-GB" dirty="0">
+                <a:solidFill>
+                  <a:srgbClr val="6767FF"/>
+                </a:solidFill>
+              </a:rPr>
+              <a:t>head</a:t>
+            </a:r>
+            <a:r>
+              <a:rPr lang="en-GB" dirty="0"/>
+              <a:t> </a:t>
+            </a:r>
+            <a:r>
+              <a:rPr lang="sr-Latn-RS" dirty="0" smtClean="0"/>
+              <a:t>-</a:t>
+            </a:r>
+            <a:r>
+              <a:rPr lang="en-GB" dirty="0" smtClean="0"/>
+              <a:t> </a:t>
+            </a:r>
+            <a:r>
+              <a:rPr lang="en-GB" dirty="0" err="1"/>
+              <a:t>opis</a:t>
+            </a:r>
+            <a:r>
+              <a:rPr lang="en-GB" dirty="0"/>
+              <a:t> </a:t>
+            </a:r>
+            <a:r>
+              <a:rPr lang="en-GB" dirty="0" err="1"/>
+              <a:t>zaglavlja</a:t>
+            </a:r>
+            <a:r>
+              <a:rPr lang="en-GB" dirty="0"/>
+              <a:t> </a:t>
+            </a:r>
+            <a:r>
+              <a:rPr lang="en-GB" dirty="0" err="1"/>
+              <a:t>strane</a:t>
+            </a:r>
+            <a:endParaRPr lang="en-GB" dirty="0"/>
+          </a:p>
+          <a:p>
+            <a:pPr lvl="2">
+              <a:spcBef>
+                <a:spcPts val="1200"/>
+              </a:spcBef>
+            </a:pPr>
+            <a:r>
+              <a:rPr lang="en-GB" dirty="0">
+                <a:solidFill>
+                  <a:srgbClr val="6767FF"/>
+                </a:solidFill>
+              </a:rPr>
+              <a:t>body</a:t>
+            </a:r>
+            <a:r>
+              <a:rPr lang="en-GB" dirty="0"/>
+              <a:t> </a:t>
+            </a:r>
+            <a:r>
+              <a:rPr lang="sr-Latn-RS" dirty="0" smtClean="0"/>
+              <a:t>-</a:t>
+            </a:r>
+            <a:r>
+              <a:rPr lang="en-GB" dirty="0" smtClean="0"/>
+              <a:t> </a:t>
+            </a:r>
+            <a:r>
+              <a:rPr lang="en-GB" dirty="0" err="1"/>
+              <a:t>opis</a:t>
+            </a:r>
+            <a:r>
+              <a:rPr lang="en-GB" dirty="0"/>
+              <a:t> </a:t>
+            </a:r>
+            <a:r>
+              <a:rPr lang="en-GB" dirty="0" err="1"/>
+              <a:t>tela</a:t>
+            </a:r>
+            <a:r>
+              <a:rPr lang="en-GB" dirty="0"/>
+              <a:t> </a:t>
+            </a:r>
+            <a:r>
+              <a:rPr lang="en-GB" dirty="0" err="1" smtClean="0"/>
+              <a:t>strane</a:t>
+            </a:r>
+            <a:endParaRPr lang="sr-Latn-CS" sz="1400" b="1" dirty="0">
+              <a:solidFill>
+                <a:srgbClr val="009E47"/>
+              </a:solidFill>
+              <a:latin typeface="Courier New" panose="02070309020205020404" pitchFamily="49" charset="0"/>
+              <a:cs typeface="Courier New" panose="02070309020205020404" pitchFamily="49" charset="0"/>
+            </a:endParaRPr>
+          </a:p>
+          <a:p>
+            <a:pPr marL="457200" lvl="1" indent="0">
+              <a:spcBef>
+                <a:spcPts val="0"/>
+              </a:spcBef>
+              <a:buNone/>
+            </a:pPr>
+            <a:endParaRPr lang="sr-Latn-CS" altLang="en-US" sz="1600" b="1" dirty="0" smtClean="0">
+              <a:solidFill>
+                <a:srgbClr val="009E47"/>
+              </a:solidFill>
+              <a:latin typeface="Courier New" panose="02070309020205020404" pitchFamily="49" charset="0"/>
+              <a:cs typeface="Courier New" panose="02070309020205020404" pitchFamily="49" charset="0"/>
+            </a:endParaRPr>
+          </a:p>
+          <a:p>
+            <a:pPr marL="457200" lvl="1" indent="0">
+              <a:spcBef>
+                <a:spcPts val="0"/>
+              </a:spcBef>
+              <a:buNone/>
+            </a:pPr>
+            <a:r>
+              <a:rPr lang="sr-Latn-CS" altLang="en-US" sz="1600" b="1" dirty="0" smtClean="0">
+                <a:solidFill>
+                  <a:srgbClr val="009E47"/>
+                </a:solidFill>
+                <a:latin typeface="Courier New" panose="02070309020205020404" pitchFamily="49" charset="0"/>
+                <a:cs typeface="Courier New" panose="02070309020205020404" pitchFamily="49" charset="0"/>
+              </a:rPr>
+              <a:t>&lt;!</a:t>
+            </a:r>
+            <a:r>
+              <a:rPr lang="sr-Latn-CS" altLang="en-US" sz="1600" b="1" dirty="0">
+                <a:solidFill>
+                  <a:srgbClr val="009E47"/>
+                </a:solidFill>
+                <a:latin typeface="Courier New" panose="02070309020205020404" pitchFamily="49" charset="0"/>
+                <a:cs typeface="Courier New" panose="02070309020205020404" pitchFamily="49" charset="0"/>
+              </a:rPr>
+              <a:t>DOCTYPE html&gt;</a:t>
+            </a:r>
+          </a:p>
+          <a:p>
+            <a:pPr marL="457200" lvl="1" indent="0">
+              <a:spcBef>
+                <a:spcPts val="0"/>
+              </a:spcBef>
+              <a:buNone/>
+            </a:pPr>
+            <a:r>
+              <a:rPr lang="sr-Latn-CS" altLang="en-US" sz="1600" b="1" dirty="0">
+                <a:solidFill>
+                  <a:srgbClr val="009E47"/>
+                </a:solidFill>
+                <a:latin typeface="Courier New" panose="02070309020205020404" pitchFamily="49" charset="0"/>
+                <a:cs typeface="Courier New" panose="02070309020205020404" pitchFamily="49" charset="0"/>
+              </a:rPr>
+              <a:t>&lt;html&gt;</a:t>
+            </a:r>
+          </a:p>
+          <a:p>
+            <a:pPr marL="457200" lvl="1" indent="0">
+              <a:spcBef>
+                <a:spcPts val="0"/>
+              </a:spcBef>
+              <a:buNone/>
+            </a:pPr>
+            <a:r>
+              <a:rPr lang="sr-Latn-CS" altLang="en-US" sz="1600" b="1" dirty="0">
+                <a:solidFill>
+                  <a:srgbClr val="009E47"/>
+                </a:solidFill>
+                <a:latin typeface="Courier New" panose="02070309020205020404" pitchFamily="49" charset="0"/>
+                <a:cs typeface="Courier New" panose="02070309020205020404" pitchFamily="49" charset="0"/>
+              </a:rPr>
+              <a:t>  </a:t>
+            </a:r>
+            <a:endParaRPr lang="sr-Latn-CS" altLang="en-US" sz="1600" b="1" dirty="0" smtClean="0">
+              <a:solidFill>
+                <a:srgbClr val="009E47"/>
+              </a:solidFill>
+              <a:latin typeface="Courier New" panose="02070309020205020404" pitchFamily="49" charset="0"/>
+              <a:cs typeface="Courier New" panose="02070309020205020404" pitchFamily="49" charset="0"/>
+            </a:endParaRPr>
+          </a:p>
+          <a:p>
+            <a:pPr marL="457200" lvl="1" indent="0">
+              <a:spcBef>
+                <a:spcPts val="0"/>
+              </a:spcBef>
+              <a:buNone/>
+            </a:pPr>
+            <a:r>
+              <a:rPr lang="sr-Latn-CS" altLang="en-US" sz="1600" b="1" dirty="0">
+                <a:solidFill>
+                  <a:srgbClr val="009E47"/>
+                </a:solidFill>
+                <a:latin typeface="Courier New" panose="02070309020205020404" pitchFamily="49" charset="0"/>
+                <a:cs typeface="Courier New" panose="02070309020205020404" pitchFamily="49" charset="0"/>
+              </a:rPr>
+              <a:t> </a:t>
+            </a:r>
+            <a:r>
+              <a:rPr lang="sr-Latn-CS" altLang="en-US" sz="1600" b="1" dirty="0" smtClean="0">
+                <a:solidFill>
+                  <a:srgbClr val="009E47"/>
+                </a:solidFill>
+                <a:latin typeface="Courier New" panose="02070309020205020404" pitchFamily="49" charset="0"/>
+                <a:cs typeface="Courier New" panose="02070309020205020404" pitchFamily="49" charset="0"/>
+              </a:rPr>
+              <a:t> &lt;!-- </a:t>
+            </a:r>
+            <a:r>
+              <a:rPr lang="sr-Latn-CS" altLang="en-US" sz="1600" b="1" dirty="0">
+                <a:solidFill>
+                  <a:srgbClr val="009E47"/>
+                </a:solidFill>
+                <a:latin typeface="Courier New" panose="02070309020205020404" pitchFamily="49" charset="0"/>
+                <a:cs typeface="Courier New" panose="02070309020205020404" pitchFamily="49" charset="0"/>
+              </a:rPr>
+              <a:t>Opis zaglavlja </a:t>
+            </a:r>
+            <a:r>
+              <a:rPr lang="sr-Latn-CS" altLang="en-US" sz="1600" b="1" dirty="0" smtClean="0">
+                <a:solidFill>
+                  <a:srgbClr val="009E47"/>
+                </a:solidFill>
+                <a:latin typeface="Courier New" panose="02070309020205020404" pitchFamily="49" charset="0"/>
+                <a:cs typeface="Courier New" panose="02070309020205020404" pitchFamily="49" charset="0"/>
+              </a:rPr>
+              <a:t>veb strane </a:t>
+            </a:r>
+            <a:r>
+              <a:rPr lang="sr-Latn-CS" altLang="en-US" sz="1600" b="1" dirty="0">
+                <a:solidFill>
+                  <a:srgbClr val="009E47"/>
+                </a:solidFill>
+                <a:latin typeface="Courier New" panose="02070309020205020404" pitchFamily="49" charset="0"/>
+                <a:cs typeface="Courier New" panose="02070309020205020404" pitchFamily="49" charset="0"/>
+              </a:rPr>
+              <a:t>--&gt;</a:t>
+            </a:r>
+          </a:p>
+          <a:p>
+            <a:pPr marL="457200" lvl="1" indent="0">
+              <a:spcBef>
+                <a:spcPts val="0"/>
+              </a:spcBef>
+              <a:buNone/>
+            </a:pPr>
+            <a:r>
+              <a:rPr lang="sr-Latn-CS" altLang="en-US" sz="1600" b="1" dirty="0">
+                <a:solidFill>
+                  <a:srgbClr val="009E47"/>
+                </a:solidFill>
+                <a:latin typeface="Courier New" panose="02070309020205020404" pitchFamily="49" charset="0"/>
+                <a:cs typeface="Courier New" panose="02070309020205020404" pitchFamily="49" charset="0"/>
+              </a:rPr>
+              <a:t>  &lt;</a:t>
+            </a:r>
+            <a:r>
+              <a:rPr lang="sr-Latn-CS" altLang="en-US" sz="1600" b="1" dirty="0" err="1">
+                <a:solidFill>
+                  <a:srgbClr val="009E47"/>
+                </a:solidFill>
+                <a:latin typeface="Courier New" panose="02070309020205020404" pitchFamily="49" charset="0"/>
+                <a:cs typeface="Courier New" panose="02070309020205020404" pitchFamily="49" charset="0"/>
+              </a:rPr>
+              <a:t>head</a:t>
+            </a:r>
+            <a:r>
+              <a:rPr lang="sr-Latn-CS" altLang="en-US" sz="1600" b="1" dirty="0">
+                <a:solidFill>
+                  <a:srgbClr val="009E47"/>
+                </a:solidFill>
+                <a:latin typeface="Courier New" panose="02070309020205020404" pitchFamily="49" charset="0"/>
+                <a:cs typeface="Courier New" panose="02070309020205020404" pitchFamily="49" charset="0"/>
+              </a:rPr>
+              <a:t>&gt;</a:t>
+            </a:r>
+          </a:p>
+          <a:p>
+            <a:pPr marL="457200" lvl="1" indent="0">
+              <a:spcBef>
+                <a:spcPts val="0"/>
+              </a:spcBef>
+              <a:buNone/>
+            </a:pPr>
+            <a:r>
+              <a:rPr lang="sr-Latn-CS" altLang="en-US" sz="1600" b="1" dirty="0" smtClean="0">
+                <a:solidFill>
+                  <a:srgbClr val="009E47"/>
+                </a:solidFill>
+                <a:latin typeface="Courier New" panose="02070309020205020404" pitchFamily="49" charset="0"/>
+                <a:cs typeface="Courier New" panose="02070309020205020404" pitchFamily="49" charset="0"/>
+              </a:rPr>
+              <a:t>     &lt;</a:t>
+            </a:r>
+            <a:r>
+              <a:rPr lang="sr-Latn-CS" altLang="en-US" sz="1600" b="1" dirty="0" err="1" smtClean="0">
+                <a:solidFill>
+                  <a:srgbClr val="009E47"/>
+                </a:solidFill>
+                <a:latin typeface="Courier New" panose="02070309020205020404" pitchFamily="49" charset="0"/>
+                <a:cs typeface="Courier New" panose="02070309020205020404" pitchFamily="49" charset="0"/>
+              </a:rPr>
+              <a:t>title</a:t>
+            </a:r>
+            <a:r>
+              <a:rPr lang="sr-Latn-CS" altLang="en-US" sz="1600" b="1" dirty="0" smtClean="0">
+                <a:solidFill>
+                  <a:srgbClr val="009E47"/>
+                </a:solidFill>
+                <a:latin typeface="Courier New" panose="02070309020205020404" pitchFamily="49" charset="0"/>
+                <a:cs typeface="Courier New" panose="02070309020205020404" pitchFamily="49" charset="0"/>
+              </a:rPr>
+              <a:t>&gt;</a:t>
+            </a:r>
+            <a:r>
+              <a:rPr lang="sr-Latn-RS" altLang="en-US" sz="1600" b="1" dirty="0" smtClean="0">
+                <a:solidFill>
+                  <a:srgbClr val="009E47"/>
+                </a:solidFill>
+                <a:latin typeface="Courier New" panose="02070309020205020404" pitchFamily="49" charset="0"/>
+                <a:cs typeface="Courier New" panose="02070309020205020404" pitchFamily="49" charset="0"/>
+              </a:rPr>
+              <a:t>Ovde se postavlja naslov veb strane</a:t>
+            </a:r>
+            <a:r>
+              <a:rPr lang="sr-Latn-CS" altLang="en-US" sz="1600" b="1" dirty="0" smtClean="0">
+                <a:solidFill>
+                  <a:srgbClr val="009E47"/>
+                </a:solidFill>
+                <a:latin typeface="Courier New" panose="02070309020205020404" pitchFamily="49" charset="0"/>
+                <a:cs typeface="Courier New" panose="02070309020205020404" pitchFamily="49" charset="0"/>
+              </a:rPr>
+              <a:t>&lt;/</a:t>
+            </a:r>
+            <a:r>
+              <a:rPr lang="sr-Latn-CS" altLang="en-US" sz="1600" b="1" dirty="0" err="1">
+                <a:solidFill>
+                  <a:srgbClr val="009E47"/>
+                </a:solidFill>
+                <a:latin typeface="Courier New" panose="02070309020205020404" pitchFamily="49" charset="0"/>
+                <a:cs typeface="Courier New" panose="02070309020205020404" pitchFamily="49" charset="0"/>
+              </a:rPr>
+              <a:t>title</a:t>
+            </a:r>
+            <a:r>
+              <a:rPr lang="sr-Latn-CS" altLang="en-US" sz="1600" b="1" dirty="0">
+                <a:solidFill>
+                  <a:srgbClr val="009E47"/>
+                </a:solidFill>
+                <a:latin typeface="Courier New" panose="02070309020205020404" pitchFamily="49" charset="0"/>
+                <a:cs typeface="Courier New" panose="02070309020205020404" pitchFamily="49" charset="0"/>
+              </a:rPr>
+              <a:t>&gt;</a:t>
+            </a:r>
+          </a:p>
+          <a:p>
+            <a:pPr marL="457200" lvl="1" indent="0">
+              <a:spcBef>
+                <a:spcPts val="0"/>
+              </a:spcBef>
+              <a:buNone/>
+            </a:pPr>
+            <a:r>
+              <a:rPr lang="sr-Latn-CS" altLang="en-US" sz="1600" b="1" dirty="0">
+                <a:solidFill>
+                  <a:srgbClr val="009E47"/>
+                </a:solidFill>
+                <a:latin typeface="Courier New" panose="02070309020205020404" pitchFamily="49" charset="0"/>
+                <a:cs typeface="Courier New" panose="02070309020205020404" pitchFamily="49" charset="0"/>
+              </a:rPr>
+              <a:t>  &lt;/</a:t>
+            </a:r>
+            <a:r>
+              <a:rPr lang="sr-Latn-CS" altLang="en-US" sz="1600" b="1" dirty="0" err="1">
+                <a:solidFill>
+                  <a:srgbClr val="009E47"/>
+                </a:solidFill>
+                <a:latin typeface="Courier New" panose="02070309020205020404" pitchFamily="49" charset="0"/>
+                <a:cs typeface="Courier New" panose="02070309020205020404" pitchFamily="49" charset="0"/>
+              </a:rPr>
+              <a:t>head</a:t>
+            </a:r>
+            <a:r>
+              <a:rPr lang="sr-Latn-CS" altLang="en-US" sz="1600" b="1" dirty="0">
+                <a:solidFill>
+                  <a:srgbClr val="009E47"/>
+                </a:solidFill>
+                <a:latin typeface="Courier New" panose="02070309020205020404" pitchFamily="49" charset="0"/>
+                <a:cs typeface="Courier New" panose="02070309020205020404" pitchFamily="49" charset="0"/>
+              </a:rPr>
+              <a:t>&gt;</a:t>
+            </a:r>
+          </a:p>
+          <a:p>
+            <a:pPr marL="457200" lvl="1" indent="0">
+              <a:spcBef>
+                <a:spcPts val="0"/>
+              </a:spcBef>
+              <a:buNone/>
+            </a:pPr>
+            <a:endParaRPr lang="sr-Latn-CS" altLang="en-US" sz="1600" b="1" dirty="0">
+              <a:solidFill>
+                <a:srgbClr val="009E47"/>
+              </a:solidFill>
+              <a:latin typeface="Courier New" panose="02070309020205020404" pitchFamily="49" charset="0"/>
+              <a:cs typeface="Courier New" panose="02070309020205020404" pitchFamily="49" charset="0"/>
+            </a:endParaRPr>
+          </a:p>
+          <a:p>
+            <a:pPr marL="457200" lvl="1" indent="0">
+              <a:spcBef>
+                <a:spcPts val="0"/>
+              </a:spcBef>
+              <a:buNone/>
+            </a:pPr>
+            <a:r>
+              <a:rPr lang="sr-Latn-CS" altLang="en-US" sz="1600" b="1" dirty="0">
+                <a:solidFill>
+                  <a:srgbClr val="009E47"/>
+                </a:solidFill>
+                <a:latin typeface="Courier New" panose="02070309020205020404" pitchFamily="49" charset="0"/>
+                <a:cs typeface="Courier New" panose="02070309020205020404" pitchFamily="49" charset="0"/>
+              </a:rPr>
+              <a:t>  &lt;!-- Opis tela </a:t>
+            </a:r>
+            <a:r>
+              <a:rPr lang="sr-Latn-CS" altLang="en-US" sz="1600" b="1" dirty="0" smtClean="0">
+                <a:solidFill>
+                  <a:srgbClr val="009E47"/>
+                </a:solidFill>
+                <a:latin typeface="Courier New" panose="02070309020205020404" pitchFamily="49" charset="0"/>
+                <a:cs typeface="Courier New" panose="02070309020205020404" pitchFamily="49" charset="0"/>
+              </a:rPr>
+              <a:t>veb strane </a:t>
+            </a:r>
+            <a:r>
+              <a:rPr lang="sr-Latn-CS" altLang="en-US" sz="1600" b="1" dirty="0">
+                <a:solidFill>
+                  <a:srgbClr val="009E47"/>
+                </a:solidFill>
+                <a:latin typeface="Courier New" panose="02070309020205020404" pitchFamily="49" charset="0"/>
+                <a:cs typeface="Courier New" panose="02070309020205020404" pitchFamily="49" charset="0"/>
+              </a:rPr>
+              <a:t>--&gt;</a:t>
+            </a:r>
+          </a:p>
+          <a:p>
+            <a:pPr marL="457200" lvl="1" indent="0">
+              <a:spcBef>
+                <a:spcPts val="0"/>
+              </a:spcBef>
+              <a:buNone/>
+            </a:pPr>
+            <a:r>
+              <a:rPr lang="sr-Latn-CS" altLang="en-US" sz="1600" b="1" dirty="0">
+                <a:solidFill>
+                  <a:srgbClr val="009E47"/>
+                </a:solidFill>
+                <a:latin typeface="Courier New" panose="02070309020205020404" pitchFamily="49" charset="0"/>
+                <a:cs typeface="Courier New" panose="02070309020205020404" pitchFamily="49" charset="0"/>
+              </a:rPr>
+              <a:t>  &lt;</a:t>
+            </a:r>
+            <a:r>
+              <a:rPr lang="sr-Latn-CS" altLang="en-US" sz="1600" b="1" dirty="0" err="1">
+                <a:solidFill>
+                  <a:srgbClr val="009E47"/>
+                </a:solidFill>
+                <a:latin typeface="Courier New" panose="02070309020205020404" pitchFamily="49" charset="0"/>
+                <a:cs typeface="Courier New" panose="02070309020205020404" pitchFamily="49" charset="0"/>
+              </a:rPr>
+              <a:t>body</a:t>
+            </a:r>
+            <a:r>
+              <a:rPr lang="sr-Latn-CS" altLang="en-US" sz="1600" b="1" dirty="0">
+                <a:solidFill>
+                  <a:srgbClr val="009E47"/>
+                </a:solidFill>
+                <a:latin typeface="Courier New" panose="02070309020205020404" pitchFamily="49" charset="0"/>
+                <a:cs typeface="Courier New" panose="02070309020205020404" pitchFamily="49" charset="0"/>
+              </a:rPr>
+              <a:t>&gt;</a:t>
+            </a:r>
+          </a:p>
+          <a:p>
+            <a:pPr marL="457200" lvl="1" indent="0">
+              <a:spcBef>
+                <a:spcPts val="0"/>
+              </a:spcBef>
+              <a:buNone/>
+            </a:pPr>
+            <a:r>
+              <a:rPr lang="sr-Latn-CS" altLang="en-US" sz="1600" b="1" dirty="0">
+                <a:solidFill>
+                  <a:srgbClr val="009E47"/>
+                </a:solidFill>
+                <a:latin typeface="Courier New" panose="02070309020205020404" pitchFamily="49" charset="0"/>
+                <a:cs typeface="Courier New" panose="02070309020205020404" pitchFamily="49" charset="0"/>
+              </a:rPr>
+              <a:t>    </a:t>
+            </a:r>
+            <a:r>
+              <a:rPr lang="sr-Latn-RS" altLang="en-US" sz="1600" b="1" dirty="0" smtClean="0">
+                <a:solidFill>
+                  <a:srgbClr val="009E47"/>
+                </a:solidFill>
+                <a:latin typeface="Courier New" panose="02070309020205020404" pitchFamily="49" charset="0"/>
+                <a:cs typeface="Courier New" panose="02070309020205020404" pitchFamily="49" charset="0"/>
+              </a:rPr>
+              <a:t>Ovde se postavlja telo – tj. ono sto ce biti prikazano</a:t>
+            </a:r>
+            <a:r>
+              <a:rPr lang="sr-Latn-CS" altLang="en-US" sz="1600" b="1" dirty="0" smtClean="0">
+                <a:solidFill>
+                  <a:srgbClr val="009E47"/>
+                </a:solidFill>
+                <a:latin typeface="Courier New" panose="02070309020205020404" pitchFamily="49" charset="0"/>
+                <a:cs typeface="Courier New" panose="02070309020205020404" pitchFamily="49" charset="0"/>
+              </a:rPr>
+              <a:t>.</a:t>
+            </a:r>
+            <a:endParaRPr lang="sr-Latn-CS" altLang="en-US" sz="1600" b="1" dirty="0">
+              <a:solidFill>
+                <a:srgbClr val="009E47"/>
+              </a:solidFill>
+              <a:latin typeface="Courier New" panose="02070309020205020404" pitchFamily="49" charset="0"/>
+              <a:cs typeface="Courier New" panose="02070309020205020404" pitchFamily="49" charset="0"/>
+            </a:endParaRPr>
+          </a:p>
+          <a:p>
+            <a:pPr marL="457200" lvl="1" indent="0">
+              <a:spcBef>
+                <a:spcPts val="0"/>
+              </a:spcBef>
+              <a:buNone/>
+            </a:pPr>
+            <a:r>
+              <a:rPr lang="sr-Latn-CS" altLang="en-US" sz="1600" b="1" dirty="0">
+                <a:solidFill>
+                  <a:srgbClr val="009E47"/>
+                </a:solidFill>
+                <a:latin typeface="Courier New" panose="02070309020205020404" pitchFamily="49" charset="0"/>
+                <a:cs typeface="Courier New" panose="02070309020205020404" pitchFamily="49" charset="0"/>
+              </a:rPr>
+              <a:t>  &lt;/</a:t>
+            </a:r>
+            <a:r>
+              <a:rPr lang="sr-Latn-CS" altLang="en-US" sz="1600" b="1" dirty="0" err="1">
+                <a:solidFill>
+                  <a:srgbClr val="009E47"/>
+                </a:solidFill>
+                <a:latin typeface="Courier New" panose="02070309020205020404" pitchFamily="49" charset="0"/>
+                <a:cs typeface="Courier New" panose="02070309020205020404" pitchFamily="49" charset="0"/>
+              </a:rPr>
+              <a:t>body</a:t>
+            </a:r>
+            <a:r>
+              <a:rPr lang="sr-Latn-CS" altLang="en-US" sz="1600" b="1" dirty="0" smtClean="0">
+                <a:solidFill>
+                  <a:srgbClr val="009E47"/>
+                </a:solidFill>
+                <a:latin typeface="Courier New" panose="02070309020205020404" pitchFamily="49" charset="0"/>
+                <a:cs typeface="Courier New" panose="02070309020205020404" pitchFamily="49" charset="0"/>
+              </a:rPr>
+              <a:t>&gt;</a:t>
+            </a:r>
+          </a:p>
+          <a:p>
+            <a:pPr marL="457200" lvl="1" indent="0">
+              <a:spcBef>
+                <a:spcPts val="0"/>
+              </a:spcBef>
+              <a:buNone/>
+            </a:pPr>
+            <a:endParaRPr lang="sr-Latn-CS" altLang="en-US" sz="1600" b="1" dirty="0">
+              <a:solidFill>
+                <a:srgbClr val="009E47"/>
+              </a:solidFill>
+              <a:latin typeface="Courier New" panose="02070309020205020404" pitchFamily="49" charset="0"/>
+              <a:cs typeface="Courier New" panose="02070309020205020404" pitchFamily="49" charset="0"/>
+            </a:endParaRPr>
+          </a:p>
+          <a:p>
+            <a:pPr marL="457200" lvl="1" indent="0">
+              <a:spcBef>
+                <a:spcPts val="0"/>
+              </a:spcBef>
+              <a:buNone/>
+            </a:pPr>
+            <a:r>
+              <a:rPr lang="sr-Latn-CS" altLang="en-US" sz="1600" b="1" dirty="0">
+                <a:solidFill>
+                  <a:srgbClr val="009E47"/>
+                </a:solidFill>
+                <a:latin typeface="Courier New" panose="02070309020205020404" pitchFamily="49" charset="0"/>
+                <a:cs typeface="Courier New" panose="02070309020205020404" pitchFamily="49" charset="0"/>
+              </a:rPr>
+              <a:t>&lt;/html&gt;</a:t>
+            </a:r>
+          </a:p>
+          <a:p>
+            <a:pPr marL="914400" lvl="2" indent="0">
+              <a:spcBef>
+                <a:spcPts val="1200"/>
+              </a:spcBef>
+              <a:buNone/>
+            </a:pPr>
+            <a:endParaRPr lang="sr-Latn-RS" sz="1400" b="1" dirty="0">
+              <a:solidFill>
+                <a:srgbClr val="009E47"/>
+              </a:solidFill>
+              <a:latin typeface="Courier New" panose="02070309020205020404" pitchFamily="49" charset="0"/>
+              <a:cs typeface="Courier New" panose="02070309020205020404" pitchFamily="49" charset="0"/>
+            </a:endParaRPr>
+          </a:p>
+        </p:txBody>
+      </p:sp>
+    </p:spTree>
+    <p:extLst>
+      <p:ext uri="{BB962C8B-B14F-4D97-AF65-F5344CB8AC3E}">
+        <p14:creationId xmlns:p14="http://schemas.microsoft.com/office/powerpoint/2010/main" val="2793897225"/>
+      </p:ext>
+    </p:extLst>
+  </p:cSld>
+  <p:clrMapOvr>
+    <a:masterClrMapping/>
+  </p:clrMapOvr>
+  <p:timing>
+    <p:tnLst>
+      <p:par>
+        <p:cTn id="1" dur="indefinite" restart="never" nodeType="tmRoot"/>
+      </p:par>
+    </p:tnLst>
+  </p:timing>
+</p:sld>
+</file>
+
+<file path=ppt/slides/slide13.xml><?xml version="1.0" encoding="utf-8"?>
+<p:sld xmlns:a="http://schemas.openxmlformats.org/drawingml/2006/main" xmlns:r="http://schemas.openxmlformats.org/officeDocument/2006/relationships" xmlns:p="http://schemas.openxmlformats.org/presentationml/2006/main">
+  <p:cSld>
+    <p:spTree>
+      <p:nvGrpSpPr>
+        <p:cNvPr id="1" name=""/>
+        <p:cNvGrpSpPr/>
+        <p:nvPr/>
+      </p:nvGrpSpPr>
+      <p:grpSpPr>
+        <a:xfrm>
+          <a:off x="0" y="0"/>
+          <a:ext cx="0" cy="0"/>
+          <a:chOff x="0" y="0"/>
+          <a:chExt cx="0" cy="0"/>
+        </a:xfrm>
+      </p:grpSpPr>
+      <p:sp>
+        <p:nvSpPr>
+          <p:cNvPr id="92162" name="Rectangle 2"/>
+          <p:cNvSpPr>
+            <a:spLocks noGrp="1" noChangeArrowheads="1"/>
+          </p:cNvSpPr>
+          <p:nvPr>
+            <p:ph type="title"/>
+          </p:nvPr>
+        </p:nvSpPr>
+        <p:spPr>
+          <a:xfrm>
+            <a:off x="1403648" y="549275"/>
+            <a:ext cx="7283152" cy="868363"/>
+          </a:xfrm>
+        </p:spPr>
+        <p:txBody>
+          <a:bodyPr/>
+          <a:lstStyle/>
+          <a:p>
+            <a:r>
+              <a:rPr lang="en-US" dirty="0" err="1"/>
+              <a:t>Zaglavlje</a:t>
+            </a:r>
+            <a:r>
+              <a:rPr lang="en-US" dirty="0"/>
+              <a:t> </a:t>
+            </a:r>
+            <a:r>
+              <a:rPr lang="en-US" dirty="0" err="1" smtClean="0"/>
+              <a:t>veb</a:t>
+            </a:r>
+            <a:r>
+              <a:rPr lang="sr-Latn-RS" dirty="0" smtClean="0"/>
+              <a:t> </a:t>
+            </a:r>
+            <a:r>
+              <a:rPr lang="en-US" dirty="0" err="1" smtClean="0"/>
+              <a:t>strane</a:t>
+            </a:r>
+            <a:r>
+              <a:rPr lang="sr-Latn-RS" dirty="0" smtClean="0"/>
+              <a:t> -</a:t>
+            </a:r>
+            <a:r>
+              <a:rPr lang="en-US" dirty="0" smtClean="0"/>
+              <a:t> </a:t>
+            </a:r>
+            <a:r>
+              <a:rPr lang="en-US" dirty="0"/>
+              <a:t>element title</a:t>
+            </a:r>
+            <a:endParaRPr lang="sr-Latn-RS" dirty="0"/>
+          </a:p>
+        </p:txBody>
+      </p:sp>
+      <p:sp>
+        <p:nvSpPr>
+          <p:cNvPr id="92163" name="Rectangle 3"/>
+          <p:cNvSpPr>
+            <a:spLocks noGrp="1" noChangeArrowheads="1"/>
+          </p:cNvSpPr>
+          <p:nvPr>
+            <p:ph idx="1"/>
+          </p:nvPr>
+        </p:nvSpPr>
+        <p:spPr>
+          <a:xfrm>
+            <a:off x="457200" y="1484784"/>
+            <a:ext cx="8579296" cy="5373216"/>
+          </a:xfrm>
+        </p:spPr>
+        <p:txBody>
+          <a:bodyPr/>
+          <a:lstStyle/>
+          <a:p>
+            <a:pPr lvl="1">
+              <a:spcBef>
+                <a:spcPts val="1200"/>
+              </a:spcBef>
+            </a:pPr>
+            <a:r>
+              <a:rPr lang="en-GB" dirty="0" err="1"/>
+              <a:t>Cela</a:t>
+            </a:r>
+            <a:r>
+              <a:rPr lang="en-GB" dirty="0"/>
+              <a:t> </a:t>
+            </a:r>
+            <a:r>
+              <a:rPr lang="en-GB" dirty="0" err="1" smtClean="0"/>
+              <a:t>veb</a:t>
+            </a:r>
+            <a:r>
+              <a:rPr lang="sr-Cyrl-RS" dirty="0" smtClean="0"/>
+              <a:t> </a:t>
+            </a:r>
+            <a:r>
+              <a:rPr lang="en-GB" dirty="0" err="1" smtClean="0"/>
+              <a:t>strana</a:t>
+            </a:r>
+            <a:r>
+              <a:rPr lang="en-GB" dirty="0" smtClean="0"/>
+              <a:t> </a:t>
+            </a:r>
+            <a:r>
+              <a:rPr lang="en-GB" dirty="0" err="1"/>
+              <a:t>predstavljena</a:t>
+            </a:r>
+            <a:r>
+              <a:rPr lang="en-GB" dirty="0"/>
+              <a:t> je </a:t>
+            </a:r>
+            <a:r>
+              <a:rPr lang="en-GB" dirty="0" err="1"/>
+              <a:t>jednim</a:t>
+            </a:r>
+            <a:r>
+              <a:rPr lang="en-GB" dirty="0"/>
+              <a:t> </a:t>
+            </a:r>
+            <a:r>
+              <a:rPr lang="en-GB" dirty="0" err="1"/>
+              <a:t>elementom</a:t>
+            </a:r>
+            <a:r>
+              <a:rPr lang="en-GB" dirty="0"/>
+              <a:t> </a:t>
+            </a:r>
+            <a:r>
+              <a:rPr lang="en-GB" dirty="0">
+                <a:solidFill>
+                  <a:srgbClr val="6767FF"/>
+                </a:solidFill>
+              </a:rPr>
+              <a:t>html</a:t>
+            </a:r>
+          </a:p>
+          <a:p>
+            <a:pPr lvl="1">
+              <a:spcBef>
+                <a:spcPts val="1200"/>
+              </a:spcBef>
+            </a:pPr>
+            <a:r>
+              <a:rPr lang="en-GB" dirty="0" smtClean="0"/>
+              <a:t>Sadr</a:t>
+            </a:r>
+            <a:r>
+              <a:rPr lang="sr-Latn-RS" dirty="0" smtClean="0"/>
+              <a:t>ž</a:t>
+            </a:r>
+            <a:r>
+              <a:rPr lang="en-GB" dirty="0" err="1" smtClean="0"/>
+              <a:t>aj</a:t>
+            </a:r>
+            <a:r>
+              <a:rPr lang="en-GB" dirty="0" smtClean="0"/>
+              <a:t> </a:t>
+            </a:r>
+            <a:r>
+              <a:rPr lang="en-GB" dirty="0"/>
+              <a:t>html </a:t>
+            </a:r>
+            <a:r>
+              <a:rPr lang="en-GB" dirty="0" err="1" smtClean="0"/>
+              <a:t>elementa</a:t>
+            </a:r>
+            <a:r>
+              <a:rPr lang="sr-Latn-RS" dirty="0" smtClean="0"/>
+              <a:t> </a:t>
+            </a:r>
+            <a:r>
+              <a:rPr lang="sr-Latn-RS" dirty="0"/>
+              <a:t>č</a:t>
+            </a:r>
+            <a:r>
+              <a:rPr lang="en-GB" dirty="0" err="1" smtClean="0"/>
+              <a:t>ine</a:t>
+            </a:r>
+            <a:r>
+              <a:rPr lang="en-GB" dirty="0" smtClean="0"/>
+              <a:t> </a:t>
+            </a:r>
+            <a:r>
+              <a:rPr lang="en-GB" dirty="0" err="1"/>
+              <a:t>dva</a:t>
+            </a:r>
+            <a:r>
+              <a:rPr lang="en-GB" dirty="0"/>
+              <a:t> </a:t>
+            </a:r>
+            <a:r>
+              <a:rPr lang="en-GB" dirty="0" err="1"/>
+              <a:t>elementa</a:t>
+            </a:r>
+            <a:r>
+              <a:rPr lang="en-GB" dirty="0"/>
+              <a:t>:</a:t>
+            </a:r>
+          </a:p>
+          <a:p>
+            <a:pPr lvl="2">
+              <a:spcBef>
+                <a:spcPts val="1200"/>
+              </a:spcBef>
+            </a:pPr>
+            <a:r>
+              <a:rPr lang="en-GB" dirty="0">
+                <a:solidFill>
+                  <a:srgbClr val="6767FF"/>
+                </a:solidFill>
+              </a:rPr>
+              <a:t>head</a:t>
+            </a:r>
+            <a:r>
+              <a:rPr lang="en-GB" dirty="0"/>
+              <a:t> </a:t>
+            </a:r>
+            <a:r>
+              <a:rPr lang="sr-Latn-RS" dirty="0" smtClean="0"/>
+              <a:t>-</a:t>
+            </a:r>
+            <a:r>
+              <a:rPr lang="en-GB" dirty="0" smtClean="0"/>
+              <a:t> </a:t>
+            </a:r>
+            <a:r>
+              <a:rPr lang="en-GB" dirty="0" err="1"/>
+              <a:t>opis</a:t>
+            </a:r>
+            <a:r>
+              <a:rPr lang="en-GB" dirty="0"/>
+              <a:t> </a:t>
+            </a:r>
+            <a:r>
+              <a:rPr lang="en-GB" dirty="0" err="1"/>
+              <a:t>zaglavlja</a:t>
+            </a:r>
+            <a:r>
+              <a:rPr lang="en-GB" dirty="0"/>
+              <a:t> </a:t>
+            </a:r>
+            <a:r>
+              <a:rPr lang="en-GB" dirty="0" err="1"/>
+              <a:t>strane</a:t>
+            </a:r>
+            <a:endParaRPr lang="en-GB" dirty="0"/>
+          </a:p>
+          <a:p>
+            <a:pPr lvl="2">
+              <a:spcBef>
+                <a:spcPts val="1200"/>
+              </a:spcBef>
+            </a:pPr>
+            <a:r>
+              <a:rPr lang="en-GB" dirty="0">
+                <a:solidFill>
+                  <a:srgbClr val="6767FF"/>
+                </a:solidFill>
+              </a:rPr>
+              <a:t>body</a:t>
+            </a:r>
+            <a:r>
+              <a:rPr lang="en-GB" dirty="0"/>
+              <a:t> </a:t>
+            </a:r>
+            <a:r>
+              <a:rPr lang="sr-Latn-RS" dirty="0" smtClean="0"/>
+              <a:t>-</a:t>
+            </a:r>
+            <a:r>
+              <a:rPr lang="en-GB" dirty="0" smtClean="0"/>
+              <a:t> </a:t>
+            </a:r>
+            <a:r>
+              <a:rPr lang="en-GB" dirty="0" err="1"/>
+              <a:t>opis</a:t>
+            </a:r>
+            <a:r>
+              <a:rPr lang="en-GB" dirty="0"/>
+              <a:t> </a:t>
+            </a:r>
+            <a:r>
+              <a:rPr lang="en-GB" dirty="0" err="1"/>
+              <a:t>tela</a:t>
+            </a:r>
+            <a:r>
+              <a:rPr lang="en-GB" dirty="0"/>
+              <a:t> </a:t>
+            </a:r>
+            <a:r>
+              <a:rPr lang="en-GB" dirty="0" err="1" smtClean="0"/>
+              <a:t>strane</a:t>
+            </a:r>
+            <a:endParaRPr lang="sr-Latn-CS" sz="1400" b="1" dirty="0">
+              <a:solidFill>
+                <a:srgbClr val="009E47"/>
+              </a:solidFill>
+              <a:latin typeface="Courier New" panose="02070309020205020404" pitchFamily="49" charset="0"/>
+              <a:cs typeface="Courier New" panose="02070309020205020404" pitchFamily="49" charset="0"/>
+            </a:endParaRPr>
+          </a:p>
+          <a:p>
+            <a:pPr marL="457200" lvl="1" indent="0">
+              <a:spcBef>
+                <a:spcPts val="0"/>
+              </a:spcBef>
+              <a:buNone/>
+            </a:pPr>
+            <a:endParaRPr lang="sr-Latn-CS" altLang="en-US" sz="1600" b="1" dirty="0" smtClean="0">
+              <a:solidFill>
+                <a:srgbClr val="009E47"/>
+              </a:solidFill>
+              <a:latin typeface="Courier New" panose="02070309020205020404" pitchFamily="49" charset="0"/>
+              <a:cs typeface="Courier New" panose="02070309020205020404" pitchFamily="49" charset="0"/>
+            </a:endParaRPr>
+          </a:p>
+          <a:p>
+            <a:pPr marL="457200" lvl="1" indent="0">
+              <a:spcBef>
+                <a:spcPts val="0"/>
+              </a:spcBef>
+              <a:buNone/>
+            </a:pPr>
+            <a:r>
+              <a:rPr lang="sr-Latn-CS" altLang="en-US" sz="1600" b="1" dirty="0" smtClean="0">
+                <a:solidFill>
+                  <a:srgbClr val="009E47"/>
+                </a:solidFill>
+                <a:latin typeface="Courier New" panose="02070309020205020404" pitchFamily="49" charset="0"/>
+                <a:cs typeface="Courier New" panose="02070309020205020404" pitchFamily="49" charset="0"/>
+              </a:rPr>
+              <a:t>&lt;!</a:t>
+            </a:r>
+            <a:r>
+              <a:rPr lang="sr-Latn-CS" altLang="en-US" sz="1600" b="1" dirty="0">
+                <a:solidFill>
+                  <a:srgbClr val="009E47"/>
+                </a:solidFill>
+                <a:latin typeface="Courier New" panose="02070309020205020404" pitchFamily="49" charset="0"/>
+                <a:cs typeface="Courier New" panose="02070309020205020404" pitchFamily="49" charset="0"/>
+              </a:rPr>
+              <a:t>DOCTYPE html&gt;</a:t>
+            </a:r>
+          </a:p>
+          <a:p>
+            <a:pPr marL="457200" lvl="1" indent="0">
+              <a:spcBef>
+                <a:spcPts val="0"/>
+              </a:spcBef>
+              <a:buNone/>
+            </a:pPr>
+            <a:r>
+              <a:rPr lang="sr-Latn-CS" altLang="en-US" sz="1600" b="1" dirty="0">
+                <a:solidFill>
+                  <a:srgbClr val="009E47"/>
+                </a:solidFill>
+                <a:latin typeface="Courier New" panose="02070309020205020404" pitchFamily="49" charset="0"/>
+                <a:cs typeface="Courier New" panose="02070309020205020404" pitchFamily="49" charset="0"/>
+              </a:rPr>
+              <a:t>&lt;html&gt;</a:t>
+            </a:r>
+          </a:p>
+          <a:p>
+            <a:pPr marL="457200" lvl="1" indent="0">
+              <a:spcBef>
+                <a:spcPts val="0"/>
+              </a:spcBef>
+              <a:buNone/>
+            </a:pPr>
+            <a:r>
+              <a:rPr lang="sr-Latn-CS" altLang="en-US" sz="1600" b="1" dirty="0">
+                <a:solidFill>
+                  <a:srgbClr val="009E47"/>
+                </a:solidFill>
+                <a:latin typeface="Courier New" panose="02070309020205020404" pitchFamily="49" charset="0"/>
+                <a:cs typeface="Courier New" panose="02070309020205020404" pitchFamily="49" charset="0"/>
+              </a:rPr>
+              <a:t>  </a:t>
+            </a:r>
+            <a:endParaRPr lang="sr-Latn-CS" altLang="en-US" sz="1600" b="1" dirty="0" smtClean="0">
+              <a:solidFill>
+                <a:srgbClr val="009E47"/>
+              </a:solidFill>
+              <a:latin typeface="Courier New" panose="02070309020205020404" pitchFamily="49" charset="0"/>
+              <a:cs typeface="Courier New" panose="02070309020205020404" pitchFamily="49" charset="0"/>
+            </a:endParaRPr>
+          </a:p>
+          <a:p>
+            <a:pPr marL="457200" lvl="1" indent="0">
+              <a:spcBef>
+                <a:spcPts val="0"/>
+              </a:spcBef>
+              <a:buNone/>
+            </a:pPr>
+            <a:r>
+              <a:rPr lang="sr-Latn-CS" altLang="en-US" sz="1600" b="1" dirty="0">
+                <a:solidFill>
+                  <a:srgbClr val="009E47"/>
+                </a:solidFill>
+                <a:latin typeface="Courier New" panose="02070309020205020404" pitchFamily="49" charset="0"/>
+                <a:cs typeface="Courier New" panose="02070309020205020404" pitchFamily="49" charset="0"/>
+              </a:rPr>
+              <a:t> </a:t>
+            </a:r>
+            <a:r>
+              <a:rPr lang="sr-Latn-CS" altLang="en-US" sz="1600" b="1" dirty="0" smtClean="0">
+                <a:solidFill>
+                  <a:srgbClr val="009E47"/>
+                </a:solidFill>
+                <a:latin typeface="Courier New" panose="02070309020205020404" pitchFamily="49" charset="0"/>
+                <a:cs typeface="Courier New" panose="02070309020205020404" pitchFamily="49" charset="0"/>
+              </a:rPr>
+              <a:t> &lt;!-- </a:t>
+            </a:r>
+            <a:r>
+              <a:rPr lang="sr-Latn-CS" altLang="en-US" sz="1600" b="1" dirty="0">
+                <a:solidFill>
+                  <a:srgbClr val="009E47"/>
+                </a:solidFill>
+                <a:latin typeface="Courier New" panose="02070309020205020404" pitchFamily="49" charset="0"/>
+                <a:cs typeface="Courier New" panose="02070309020205020404" pitchFamily="49" charset="0"/>
+              </a:rPr>
+              <a:t>Opis zaglavlja </a:t>
+            </a:r>
+            <a:r>
+              <a:rPr lang="sr-Latn-CS" altLang="en-US" sz="1600" b="1" dirty="0" smtClean="0">
+                <a:solidFill>
+                  <a:srgbClr val="009E47"/>
+                </a:solidFill>
+                <a:latin typeface="Courier New" panose="02070309020205020404" pitchFamily="49" charset="0"/>
+                <a:cs typeface="Courier New" panose="02070309020205020404" pitchFamily="49" charset="0"/>
+              </a:rPr>
+              <a:t>veb strane </a:t>
+            </a:r>
+            <a:r>
+              <a:rPr lang="sr-Latn-CS" altLang="en-US" sz="1600" b="1" dirty="0">
+                <a:solidFill>
+                  <a:srgbClr val="009E47"/>
+                </a:solidFill>
+                <a:latin typeface="Courier New" panose="02070309020205020404" pitchFamily="49" charset="0"/>
+                <a:cs typeface="Courier New" panose="02070309020205020404" pitchFamily="49" charset="0"/>
+              </a:rPr>
+              <a:t>--&gt;</a:t>
+            </a:r>
+          </a:p>
+          <a:p>
+            <a:pPr marL="457200" lvl="1" indent="0">
+              <a:spcBef>
+                <a:spcPts val="0"/>
+              </a:spcBef>
+              <a:buNone/>
+            </a:pPr>
+            <a:r>
+              <a:rPr lang="sr-Latn-CS" altLang="en-US" sz="1600" b="1" dirty="0">
+                <a:solidFill>
+                  <a:srgbClr val="009E47"/>
+                </a:solidFill>
+                <a:latin typeface="Courier New" panose="02070309020205020404" pitchFamily="49" charset="0"/>
+                <a:cs typeface="Courier New" panose="02070309020205020404" pitchFamily="49" charset="0"/>
+              </a:rPr>
+              <a:t>  &lt;</a:t>
+            </a:r>
+            <a:r>
+              <a:rPr lang="sr-Latn-CS" altLang="en-US" sz="1600" b="1" dirty="0" err="1">
+                <a:solidFill>
+                  <a:srgbClr val="009E47"/>
+                </a:solidFill>
+                <a:latin typeface="Courier New" panose="02070309020205020404" pitchFamily="49" charset="0"/>
+                <a:cs typeface="Courier New" panose="02070309020205020404" pitchFamily="49" charset="0"/>
+              </a:rPr>
+              <a:t>head</a:t>
+            </a:r>
+            <a:r>
+              <a:rPr lang="sr-Latn-CS" altLang="en-US" sz="1600" b="1" dirty="0">
+                <a:solidFill>
+                  <a:srgbClr val="009E47"/>
+                </a:solidFill>
+                <a:latin typeface="Courier New" panose="02070309020205020404" pitchFamily="49" charset="0"/>
+                <a:cs typeface="Courier New" panose="02070309020205020404" pitchFamily="49" charset="0"/>
+              </a:rPr>
+              <a:t>&gt;</a:t>
+            </a:r>
+          </a:p>
+          <a:p>
+            <a:pPr marL="457200" lvl="1" indent="0">
+              <a:spcBef>
+                <a:spcPts val="0"/>
+              </a:spcBef>
+              <a:buNone/>
+            </a:pPr>
+            <a:r>
+              <a:rPr lang="sr-Latn-CS" altLang="en-US" sz="1600" b="1" dirty="0" smtClean="0">
+                <a:solidFill>
+                  <a:srgbClr val="009E47"/>
+                </a:solidFill>
+                <a:latin typeface="Courier New" panose="02070309020205020404" pitchFamily="49" charset="0"/>
+                <a:cs typeface="Courier New" panose="02070309020205020404" pitchFamily="49" charset="0"/>
+              </a:rPr>
+              <a:t>     &lt;</a:t>
+            </a:r>
+            <a:r>
+              <a:rPr lang="sr-Latn-CS" altLang="en-US" sz="1600" b="1" dirty="0" err="1" smtClean="0">
+                <a:solidFill>
+                  <a:srgbClr val="009E47"/>
+                </a:solidFill>
+                <a:latin typeface="Courier New" panose="02070309020205020404" pitchFamily="49" charset="0"/>
+                <a:cs typeface="Courier New" panose="02070309020205020404" pitchFamily="49" charset="0"/>
+              </a:rPr>
+              <a:t>title</a:t>
+            </a:r>
+            <a:r>
+              <a:rPr lang="sr-Latn-CS" altLang="en-US" sz="1600" b="1" dirty="0" smtClean="0">
+                <a:solidFill>
+                  <a:srgbClr val="009E47"/>
+                </a:solidFill>
+                <a:latin typeface="Courier New" panose="02070309020205020404" pitchFamily="49" charset="0"/>
+                <a:cs typeface="Courier New" panose="02070309020205020404" pitchFamily="49" charset="0"/>
+              </a:rPr>
+              <a:t>&gt;</a:t>
+            </a:r>
+            <a:r>
+              <a:rPr lang="sr-Latn-RS" altLang="en-US" sz="1600" b="1" dirty="0" smtClean="0">
+                <a:solidFill>
+                  <a:srgbClr val="009E47"/>
+                </a:solidFill>
+                <a:latin typeface="Courier New" panose="02070309020205020404" pitchFamily="49" charset="0"/>
+                <a:cs typeface="Courier New" panose="02070309020205020404" pitchFamily="49" charset="0"/>
+              </a:rPr>
+              <a:t>Ovde se postavlja naslov veb strane</a:t>
+            </a:r>
+            <a:r>
+              <a:rPr lang="sr-Latn-CS" altLang="en-US" sz="1600" b="1" dirty="0" smtClean="0">
+                <a:solidFill>
+                  <a:srgbClr val="009E47"/>
+                </a:solidFill>
+                <a:latin typeface="Courier New" panose="02070309020205020404" pitchFamily="49" charset="0"/>
+                <a:cs typeface="Courier New" panose="02070309020205020404" pitchFamily="49" charset="0"/>
+              </a:rPr>
+              <a:t>&lt;/</a:t>
+            </a:r>
+            <a:r>
+              <a:rPr lang="sr-Latn-CS" altLang="en-US" sz="1600" b="1" dirty="0" err="1">
+                <a:solidFill>
+                  <a:srgbClr val="009E47"/>
+                </a:solidFill>
+                <a:latin typeface="Courier New" panose="02070309020205020404" pitchFamily="49" charset="0"/>
+                <a:cs typeface="Courier New" panose="02070309020205020404" pitchFamily="49" charset="0"/>
+              </a:rPr>
+              <a:t>title</a:t>
+            </a:r>
+            <a:r>
+              <a:rPr lang="sr-Latn-CS" altLang="en-US" sz="1600" b="1" dirty="0">
+                <a:solidFill>
+                  <a:srgbClr val="009E47"/>
+                </a:solidFill>
+                <a:latin typeface="Courier New" panose="02070309020205020404" pitchFamily="49" charset="0"/>
+                <a:cs typeface="Courier New" panose="02070309020205020404" pitchFamily="49" charset="0"/>
+              </a:rPr>
+              <a:t>&gt;</a:t>
+            </a:r>
+          </a:p>
+          <a:p>
+            <a:pPr marL="457200" lvl="1" indent="0">
+              <a:spcBef>
+                <a:spcPts val="0"/>
+              </a:spcBef>
+              <a:buNone/>
+            </a:pPr>
+            <a:r>
+              <a:rPr lang="sr-Latn-CS" altLang="en-US" sz="1600" b="1" dirty="0">
+                <a:solidFill>
+                  <a:srgbClr val="009E47"/>
+                </a:solidFill>
+                <a:latin typeface="Courier New" panose="02070309020205020404" pitchFamily="49" charset="0"/>
+                <a:cs typeface="Courier New" panose="02070309020205020404" pitchFamily="49" charset="0"/>
+              </a:rPr>
+              <a:t>  &lt;/</a:t>
+            </a:r>
+            <a:r>
+              <a:rPr lang="sr-Latn-CS" altLang="en-US" sz="1600" b="1" dirty="0" err="1">
+                <a:solidFill>
+                  <a:srgbClr val="009E47"/>
+                </a:solidFill>
+                <a:latin typeface="Courier New" panose="02070309020205020404" pitchFamily="49" charset="0"/>
+                <a:cs typeface="Courier New" panose="02070309020205020404" pitchFamily="49" charset="0"/>
+              </a:rPr>
+              <a:t>head</a:t>
+            </a:r>
+            <a:r>
+              <a:rPr lang="sr-Latn-CS" altLang="en-US" sz="1600" b="1" dirty="0">
+                <a:solidFill>
+                  <a:srgbClr val="009E47"/>
+                </a:solidFill>
+                <a:latin typeface="Courier New" panose="02070309020205020404" pitchFamily="49" charset="0"/>
+                <a:cs typeface="Courier New" panose="02070309020205020404" pitchFamily="49" charset="0"/>
+              </a:rPr>
+              <a:t>&gt;</a:t>
+            </a:r>
+          </a:p>
+          <a:p>
+            <a:pPr marL="457200" lvl="1" indent="0">
+              <a:spcBef>
+                <a:spcPts val="0"/>
+              </a:spcBef>
+              <a:buNone/>
+            </a:pPr>
+            <a:endParaRPr lang="sr-Latn-CS" altLang="en-US" sz="1600" b="1" dirty="0">
+              <a:solidFill>
+                <a:srgbClr val="009E47"/>
+              </a:solidFill>
+              <a:latin typeface="Courier New" panose="02070309020205020404" pitchFamily="49" charset="0"/>
+              <a:cs typeface="Courier New" panose="02070309020205020404" pitchFamily="49" charset="0"/>
+            </a:endParaRPr>
+          </a:p>
+          <a:p>
+            <a:pPr marL="457200" lvl="1" indent="0">
+              <a:spcBef>
+                <a:spcPts val="0"/>
+              </a:spcBef>
+              <a:buNone/>
+            </a:pPr>
+            <a:r>
+              <a:rPr lang="sr-Latn-CS" altLang="en-US" sz="1600" b="1" dirty="0">
+                <a:solidFill>
+                  <a:srgbClr val="009E47"/>
+                </a:solidFill>
+                <a:latin typeface="Courier New" panose="02070309020205020404" pitchFamily="49" charset="0"/>
+                <a:cs typeface="Courier New" panose="02070309020205020404" pitchFamily="49" charset="0"/>
+              </a:rPr>
+              <a:t>  &lt;!-- Opis tela </a:t>
+            </a:r>
+            <a:r>
+              <a:rPr lang="sr-Latn-CS" altLang="en-US" sz="1600" b="1" dirty="0" smtClean="0">
+                <a:solidFill>
+                  <a:srgbClr val="009E47"/>
+                </a:solidFill>
+                <a:latin typeface="Courier New" panose="02070309020205020404" pitchFamily="49" charset="0"/>
+                <a:cs typeface="Courier New" panose="02070309020205020404" pitchFamily="49" charset="0"/>
+              </a:rPr>
+              <a:t>veb strane </a:t>
+            </a:r>
+            <a:r>
+              <a:rPr lang="sr-Latn-CS" altLang="en-US" sz="1600" b="1" dirty="0">
+                <a:solidFill>
+                  <a:srgbClr val="009E47"/>
+                </a:solidFill>
+                <a:latin typeface="Courier New" panose="02070309020205020404" pitchFamily="49" charset="0"/>
+                <a:cs typeface="Courier New" panose="02070309020205020404" pitchFamily="49" charset="0"/>
+              </a:rPr>
+              <a:t>--&gt;</a:t>
+            </a:r>
+          </a:p>
+          <a:p>
+            <a:pPr marL="457200" lvl="1" indent="0">
+              <a:spcBef>
+                <a:spcPts val="0"/>
+              </a:spcBef>
+              <a:buNone/>
+            </a:pPr>
+            <a:r>
+              <a:rPr lang="sr-Latn-CS" altLang="en-US" sz="1600" b="1" dirty="0">
+                <a:solidFill>
+                  <a:srgbClr val="009E47"/>
+                </a:solidFill>
+                <a:latin typeface="Courier New" panose="02070309020205020404" pitchFamily="49" charset="0"/>
+                <a:cs typeface="Courier New" panose="02070309020205020404" pitchFamily="49" charset="0"/>
+              </a:rPr>
+              <a:t>  &lt;</a:t>
+            </a:r>
+            <a:r>
+              <a:rPr lang="sr-Latn-CS" altLang="en-US" sz="1600" b="1" dirty="0" err="1">
+                <a:solidFill>
+                  <a:srgbClr val="009E47"/>
+                </a:solidFill>
+                <a:latin typeface="Courier New" panose="02070309020205020404" pitchFamily="49" charset="0"/>
+                <a:cs typeface="Courier New" panose="02070309020205020404" pitchFamily="49" charset="0"/>
+              </a:rPr>
+              <a:t>body</a:t>
+            </a:r>
+            <a:r>
+              <a:rPr lang="sr-Latn-CS" altLang="en-US" sz="1600" b="1" dirty="0">
+                <a:solidFill>
+                  <a:srgbClr val="009E47"/>
+                </a:solidFill>
+                <a:latin typeface="Courier New" panose="02070309020205020404" pitchFamily="49" charset="0"/>
+                <a:cs typeface="Courier New" panose="02070309020205020404" pitchFamily="49" charset="0"/>
+              </a:rPr>
+              <a:t>&gt;</a:t>
+            </a:r>
+          </a:p>
+          <a:p>
+            <a:pPr marL="457200" lvl="1" indent="0">
+              <a:spcBef>
+                <a:spcPts val="0"/>
+              </a:spcBef>
+              <a:buNone/>
+            </a:pPr>
+            <a:r>
+              <a:rPr lang="sr-Latn-CS" altLang="en-US" sz="1600" b="1" dirty="0">
+                <a:solidFill>
+                  <a:srgbClr val="009E47"/>
+                </a:solidFill>
+                <a:latin typeface="Courier New" panose="02070309020205020404" pitchFamily="49" charset="0"/>
+                <a:cs typeface="Courier New" panose="02070309020205020404" pitchFamily="49" charset="0"/>
+              </a:rPr>
+              <a:t>    </a:t>
+            </a:r>
+            <a:r>
+              <a:rPr lang="sr-Latn-RS" altLang="en-US" sz="1600" b="1" dirty="0" smtClean="0">
+                <a:solidFill>
+                  <a:srgbClr val="009E47"/>
+                </a:solidFill>
+                <a:latin typeface="Courier New" panose="02070309020205020404" pitchFamily="49" charset="0"/>
+                <a:cs typeface="Courier New" panose="02070309020205020404" pitchFamily="49" charset="0"/>
+              </a:rPr>
+              <a:t>Ovde se postavlja telo – tj. ono sto ce biti prikazano</a:t>
+            </a:r>
+            <a:r>
+              <a:rPr lang="sr-Latn-CS" altLang="en-US" sz="1600" b="1" dirty="0" smtClean="0">
+                <a:solidFill>
+                  <a:srgbClr val="009E47"/>
+                </a:solidFill>
+                <a:latin typeface="Courier New" panose="02070309020205020404" pitchFamily="49" charset="0"/>
+                <a:cs typeface="Courier New" panose="02070309020205020404" pitchFamily="49" charset="0"/>
+              </a:rPr>
+              <a:t>.</a:t>
+            </a:r>
+            <a:endParaRPr lang="sr-Latn-CS" altLang="en-US" sz="1600" b="1" dirty="0">
+              <a:solidFill>
+                <a:srgbClr val="009E47"/>
+              </a:solidFill>
+              <a:latin typeface="Courier New" panose="02070309020205020404" pitchFamily="49" charset="0"/>
+              <a:cs typeface="Courier New" panose="02070309020205020404" pitchFamily="49" charset="0"/>
+            </a:endParaRPr>
+          </a:p>
+          <a:p>
+            <a:pPr marL="457200" lvl="1" indent="0">
+              <a:spcBef>
+                <a:spcPts val="0"/>
+              </a:spcBef>
+              <a:buNone/>
+            </a:pPr>
+            <a:r>
+              <a:rPr lang="sr-Latn-CS" altLang="en-US" sz="1600" b="1" dirty="0">
+                <a:solidFill>
+                  <a:srgbClr val="009E47"/>
+                </a:solidFill>
+                <a:latin typeface="Courier New" panose="02070309020205020404" pitchFamily="49" charset="0"/>
+                <a:cs typeface="Courier New" panose="02070309020205020404" pitchFamily="49" charset="0"/>
+              </a:rPr>
+              <a:t>  &lt;/</a:t>
+            </a:r>
+            <a:r>
+              <a:rPr lang="sr-Latn-CS" altLang="en-US" sz="1600" b="1" dirty="0" err="1">
+                <a:solidFill>
+                  <a:srgbClr val="009E47"/>
+                </a:solidFill>
+                <a:latin typeface="Courier New" panose="02070309020205020404" pitchFamily="49" charset="0"/>
+                <a:cs typeface="Courier New" panose="02070309020205020404" pitchFamily="49" charset="0"/>
+              </a:rPr>
+              <a:t>body</a:t>
+            </a:r>
+            <a:r>
+              <a:rPr lang="sr-Latn-CS" altLang="en-US" sz="1600" b="1" dirty="0" smtClean="0">
+                <a:solidFill>
+                  <a:srgbClr val="009E47"/>
+                </a:solidFill>
+                <a:latin typeface="Courier New" panose="02070309020205020404" pitchFamily="49" charset="0"/>
+                <a:cs typeface="Courier New" panose="02070309020205020404" pitchFamily="49" charset="0"/>
+              </a:rPr>
+              <a:t>&gt;</a:t>
+            </a:r>
+          </a:p>
+          <a:p>
+            <a:pPr marL="457200" lvl="1" indent="0">
+              <a:spcBef>
+                <a:spcPts val="0"/>
+              </a:spcBef>
+              <a:buNone/>
+            </a:pPr>
+            <a:endParaRPr lang="sr-Latn-CS" altLang="en-US" sz="1600" b="1" dirty="0">
+              <a:solidFill>
+                <a:srgbClr val="009E47"/>
+              </a:solidFill>
+              <a:latin typeface="Courier New" panose="02070309020205020404" pitchFamily="49" charset="0"/>
+              <a:cs typeface="Courier New" panose="02070309020205020404" pitchFamily="49" charset="0"/>
+            </a:endParaRPr>
+          </a:p>
+          <a:p>
+            <a:pPr marL="457200" lvl="1" indent="0">
+              <a:spcBef>
+                <a:spcPts val="0"/>
+              </a:spcBef>
+              <a:buNone/>
+            </a:pPr>
+            <a:r>
+              <a:rPr lang="sr-Latn-CS" altLang="en-US" sz="1600" b="1" dirty="0">
+                <a:solidFill>
+                  <a:srgbClr val="009E47"/>
+                </a:solidFill>
+                <a:latin typeface="Courier New" panose="02070309020205020404" pitchFamily="49" charset="0"/>
+                <a:cs typeface="Courier New" panose="02070309020205020404" pitchFamily="49" charset="0"/>
+              </a:rPr>
+              <a:t>&lt;/html&gt;</a:t>
+            </a:r>
+          </a:p>
+          <a:p>
+            <a:pPr marL="914400" lvl="2" indent="0">
+              <a:spcBef>
+                <a:spcPts val="1200"/>
+              </a:spcBef>
+              <a:buNone/>
+            </a:pPr>
+            <a:endParaRPr lang="sr-Latn-RS" sz="1400" b="1" dirty="0">
+              <a:solidFill>
+                <a:srgbClr val="009E47"/>
+              </a:solidFill>
+              <a:latin typeface="Courier New" panose="02070309020205020404" pitchFamily="49" charset="0"/>
+              <a:cs typeface="Courier New" panose="02070309020205020404" pitchFamily="49" charset="0"/>
+            </a:endParaRPr>
+          </a:p>
+        </p:txBody>
+      </p:sp>
+    </p:spTree>
+    <p:extLst>
+      <p:ext uri="{BB962C8B-B14F-4D97-AF65-F5344CB8AC3E}">
+        <p14:creationId xmlns:p14="http://schemas.microsoft.com/office/powerpoint/2010/main" val="1431801711"/>
+      </p:ext>
+    </p:extLst>
+  </p:cSld>
+  <p:clrMapOvr>
+    <a:masterClrMapping/>
+  </p:clrMapOvr>
+  <p:timing>
+    <p:tnLst>
+      <p:par>
+        <p:cTn id="1" dur="indefinite" restart="never" nodeType="tmRoot"/>
+      </p:par>
+    </p:tnLst>
+  </p:timing>
+</p:sld>
+</file>
+
+<file path=ppt/slides/slide14.xml><?xml version="1.0" encoding="utf-8"?>
+<p:sld xmlns:a="http://schemas.openxmlformats.org/drawingml/2006/main" xmlns:r="http://schemas.openxmlformats.org/officeDocument/2006/relationships" xmlns:p="http://schemas.openxmlformats.org/presentationml/2006/main">
+  <p:cSld>
+    <p:spTree>
+      <p:nvGrpSpPr>
+        <p:cNvPr id="1" name=""/>
+        <p:cNvGrpSpPr/>
+        <p:nvPr/>
+      </p:nvGrpSpPr>
+      <p:grpSpPr>
+        <a:xfrm>
+          <a:off x="0" y="0"/>
+          <a:ext cx="0" cy="0"/>
+          <a:chOff x="0" y="0"/>
+          <a:chExt cx="0" cy="0"/>
+        </a:xfrm>
+      </p:grpSpPr>
+      <p:sp>
+        <p:nvSpPr>
+          <p:cNvPr id="92162" name="Rectangle 2"/>
+          <p:cNvSpPr>
+            <a:spLocks noGrp="1" noChangeArrowheads="1"/>
+          </p:cNvSpPr>
+          <p:nvPr>
+            <p:ph type="title"/>
+          </p:nvPr>
+        </p:nvSpPr>
+        <p:spPr>
+          <a:xfrm>
+            <a:off x="1403648" y="549275"/>
+            <a:ext cx="7283152" cy="868363"/>
+          </a:xfrm>
+        </p:spPr>
+        <p:txBody>
+          <a:bodyPr/>
+          <a:lstStyle/>
+          <a:p>
+            <a:r>
+              <a:rPr lang="en-US" altLang="en-US" dirty="0" err="1" smtClean="0">
+                <a:solidFill>
+                  <a:srgbClr val="002060"/>
+                </a:solidFill>
+              </a:rPr>
+              <a:t>Elementi</a:t>
+            </a:r>
+            <a:endParaRPr lang="en-GB" altLang="en-US" dirty="0" smtClean="0">
+              <a:solidFill>
+                <a:srgbClr val="002060"/>
+              </a:solidFill>
+            </a:endParaRPr>
+          </a:p>
+        </p:txBody>
+      </p:sp>
+      <p:sp>
+        <p:nvSpPr>
+          <p:cNvPr id="92163" name="Rectangle 3"/>
+          <p:cNvSpPr>
+            <a:spLocks noGrp="1" noChangeArrowheads="1"/>
+          </p:cNvSpPr>
+          <p:nvPr>
+            <p:ph idx="1"/>
+          </p:nvPr>
+        </p:nvSpPr>
+        <p:spPr>
+          <a:xfrm>
+            <a:off x="457200" y="1484784"/>
+            <a:ext cx="8391525" cy="5257800"/>
+          </a:xfrm>
+        </p:spPr>
+        <p:txBody>
+          <a:bodyPr/>
+          <a:lstStyle/>
+          <a:p>
+            <a:pPr lvl="0">
+              <a:spcBef>
+                <a:spcPts val="1200"/>
+              </a:spcBef>
+            </a:pPr>
+            <a:r>
+              <a:rPr lang="en-GB" dirty="0"/>
+              <a:t>html, head, body, </a:t>
+            </a:r>
+            <a:endParaRPr lang="en-US" dirty="0"/>
+          </a:p>
+          <a:p>
+            <a:pPr lvl="0">
+              <a:spcBef>
+                <a:spcPts val="1200"/>
+              </a:spcBef>
+            </a:pPr>
+            <a:r>
+              <a:rPr lang="en-GB" dirty="0"/>
+              <a:t>meta, title, script, style, link (</a:t>
+            </a:r>
+            <a:r>
+              <a:rPr lang="en-GB" dirty="0" err="1"/>
+              <a:t>samo</a:t>
+            </a:r>
+            <a:r>
+              <a:rPr lang="en-GB" dirty="0"/>
+              <a:t> </a:t>
+            </a:r>
+            <a:r>
+              <a:rPr lang="en-GB" dirty="0" err="1"/>
+              <a:t>za</a:t>
+            </a:r>
+            <a:r>
+              <a:rPr lang="en-GB" dirty="0"/>
+              <a:t> </a:t>
+            </a:r>
+            <a:r>
+              <a:rPr lang="en-GB" dirty="0" err="1" smtClean="0"/>
+              <a:t>uklju</a:t>
+            </a:r>
+            <a:r>
+              <a:rPr lang="sr-Latn-RS" dirty="0" smtClean="0"/>
+              <a:t>č</a:t>
+            </a:r>
+            <a:r>
+              <a:rPr lang="en-GB" dirty="0" err="1" smtClean="0"/>
+              <a:t>ivanje</a:t>
+            </a:r>
+            <a:r>
+              <a:rPr lang="en-GB" dirty="0" smtClean="0"/>
+              <a:t> </a:t>
+            </a:r>
+            <a:r>
+              <a:rPr lang="sr-Latn-RS" dirty="0" smtClean="0"/>
+              <a:t>kaskadnih stilova</a:t>
+            </a:r>
+            <a:r>
+              <a:rPr lang="en-GB" dirty="0" smtClean="0"/>
+              <a:t>), </a:t>
+            </a:r>
+            <a:endParaRPr lang="en-US" dirty="0"/>
+          </a:p>
+          <a:p>
+            <a:pPr lvl="0">
+              <a:spcBef>
+                <a:spcPts val="1200"/>
+              </a:spcBef>
+            </a:pPr>
+            <a:r>
+              <a:rPr lang="en-GB" dirty="0"/>
+              <a:t>header, main, footer, aside, article, section, </a:t>
+            </a:r>
+            <a:r>
+              <a:rPr lang="en-GB" dirty="0" err="1"/>
+              <a:t>nav</a:t>
+            </a:r>
+            <a:r>
+              <a:rPr lang="en-GB" dirty="0"/>
+              <a:t>, </a:t>
+            </a:r>
+            <a:endParaRPr lang="en-US" dirty="0"/>
+          </a:p>
+          <a:p>
+            <a:pPr lvl="0">
+              <a:spcBef>
+                <a:spcPts val="1200"/>
+              </a:spcBef>
+            </a:pPr>
+            <a:r>
+              <a:rPr lang="en-GB" dirty="0"/>
+              <a:t>p, h1-h6, </a:t>
+            </a:r>
+            <a:r>
+              <a:rPr lang="en-GB" dirty="0" err="1"/>
+              <a:t>em</a:t>
+            </a:r>
+            <a:r>
+              <a:rPr lang="en-GB" dirty="0"/>
+              <a:t>, strong, small, b, </a:t>
+            </a:r>
+            <a:r>
+              <a:rPr lang="en-GB" dirty="0" err="1"/>
+              <a:t>i</a:t>
+            </a:r>
+            <a:r>
+              <a:rPr lang="en-GB" dirty="0"/>
+              <a:t>, u, sub, sup, </a:t>
+            </a:r>
+            <a:endParaRPr lang="en-US" dirty="0"/>
+          </a:p>
+          <a:p>
+            <a:pPr lvl="0">
+              <a:spcBef>
+                <a:spcPts val="1200"/>
+              </a:spcBef>
+            </a:pPr>
+            <a:r>
+              <a:rPr lang="en-GB" dirty="0"/>
+              <a:t>address, </a:t>
+            </a:r>
+            <a:r>
+              <a:rPr lang="en-GB" dirty="0" err="1"/>
+              <a:t>blockquote</a:t>
+            </a:r>
+            <a:r>
+              <a:rPr lang="en-GB" dirty="0"/>
+              <a:t>, q, cite, pre, code, </a:t>
+            </a:r>
+            <a:endParaRPr lang="en-US" dirty="0"/>
+          </a:p>
+          <a:p>
+            <a:pPr lvl="0">
+              <a:spcBef>
+                <a:spcPts val="1200"/>
+              </a:spcBef>
+            </a:pPr>
+            <a:r>
+              <a:rPr lang="en-GB" dirty="0" err="1"/>
+              <a:t>ul</a:t>
+            </a:r>
+            <a:r>
+              <a:rPr lang="en-GB" dirty="0"/>
+              <a:t>, </a:t>
+            </a:r>
+            <a:r>
+              <a:rPr lang="en-GB" dirty="0" err="1"/>
+              <a:t>ol</a:t>
+            </a:r>
+            <a:r>
+              <a:rPr lang="en-GB" dirty="0"/>
+              <a:t>, li, dl, </a:t>
+            </a:r>
+            <a:r>
+              <a:rPr lang="en-GB" dirty="0" err="1"/>
+              <a:t>dd</a:t>
+            </a:r>
+            <a:r>
+              <a:rPr lang="en-GB" dirty="0"/>
+              <a:t>, </a:t>
+            </a:r>
+            <a:r>
+              <a:rPr lang="en-GB" dirty="0" err="1"/>
+              <a:t>dt</a:t>
+            </a:r>
+            <a:r>
+              <a:rPr lang="en-GB" dirty="0"/>
+              <a:t>, </a:t>
+            </a:r>
+            <a:endParaRPr lang="en-US" dirty="0"/>
+          </a:p>
+          <a:p>
+            <a:pPr lvl="0">
+              <a:spcBef>
+                <a:spcPts val="1200"/>
+              </a:spcBef>
+            </a:pPr>
+            <a:r>
+              <a:rPr lang="en-GB" dirty="0" err="1"/>
+              <a:t>img</a:t>
+            </a:r>
+            <a:r>
+              <a:rPr lang="en-GB" dirty="0"/>
+              <a:t>, audio, video, iframe, </a:t>
+            </a:r>
+            <a:endParaRPr lang="en-US" dirty="0"/>
+          </a:p>
+          <a:p>
+            <a:pPr lvl="0">
+              <a:spcBef>
+                <a:spcPts val="1200"/>
+              </a:spcBef>
+            </a:pPr>
+            <a:r>
+              <a:rPr lang="en-GB" dirty="0"/>
+              <a:t>table, </a:t>
+            </a:r>
+            <a:r>
+              <a:rPr lang="en-GB" dirty="0" err="1"/>
+              <a:t>tr</a:t>
+            </a:r>
+            <a:r>
+              <a:rPr lang="en-GB" dirty="0"/>
+              <a:t>, td, </a:t>
+            </a:r>
+            <a:r>
+              <a:rPr lang="en-GB" dirty="0" err="1"/>
+              <a:t>th</a:t>
+            </a:r>
+            <a:r>
+              <a:rPr lang="en-GB" dirty="0"/>
+              <a:t>, caption, </a:t>
+            </a:r>
+            <a:endParaRPr lang="en-US" dirty="0"/>
+          </a:p>
+          <a:p>
+            <a:pPr lvl="0">
+              <a:spcBef>
+                <a:spcPts val="1200"/>
+              </a:spcBef>
+            </a:pPr>
+            <a:r>
+              <a:rPr lang="en-GB" dirty="0"/>
+              <a:t>input, select, option, </a:t>
+            </a:r>
+            <a:r>
+              <a:rPr lang="en-GB" dirty="0" err="1"/>
+              <a:t>textarea</a:t>
+            </a:r>
+            <a:r>
+              <a:rPr lang="en-GB" dirty="0"/>
+              <a:t>, label, </a:t>
+            </a:r>
+            <a:endParaRPr lang="en-US" dirty="0"/>
+          </a:p>
+          <a:p>
+            <a:pPr lvl="0">
+              <a:spcBef>
+                <a:spcPts val="1200"/>
+              </a:spcBef>
+            </a:pPr>
+            <a:r>
+              <a:rPr lang="en-GB" dirty="0"/>
+              <a:t>div, span</a:t>
+            </a:r>
+            <a:endParaRPr lang="en-US" dirty="0"/>
+          </a:p>
+          <a:p>
+            <a:endParaRPr lang="en-US" altLang="en-US" dirty="0" smtClean="0"/>
+          </a:p>
+          <a:p>
+            <a:pPr marL="0" indent="0">
+              <a:buFont typeface="Wingdings" pitchFamily="2" charset="2"/>
+              <a:buNone/>
+            </a:pPr>
+            <a:endParaRPr lang="sr-Cyrl-RS" altLang="en-US" sz="1200" dirty="0" smtClean="0"/>
+          </a:p>
+          <a:p>
+            <a:pPr marL="0" indent="0">
+              <a:buFont typeface="Wingdings" pitchFamily="2" charset="2"/>
+              <a:buNone/>
+            </a:pPr>
+            <a:endParaRPr lang="sr-Latn-CS" altLang="en-US" sz="1200" dirty="0" smtClean="0"/>
+          </a:p>
+          <a:p>
+            <a:pPr marL="0" indent="0">
+              <a:buFont typeface="Wingdings" pitchFamily="2" charset="2"/>
+              <a:buNone/>
+            </a:pPr>
+            <a:endParaRPr lang="sr-Latn-CS" altLang="en-US" dirty="0" smtClean="0"/>
+          </a:p>
+        </p:txBody>
+      </p:sp>
+    </p:spTree>
+    <p:extLst>
+      <p:ext uri="{BB962C8B-B14F-4D97-AF65-F5344CB8AC3E}">
+        <p14:creationId xmlns:p14="http://schemas.microsoft.com/office/powerpoint/2010/main" val="3286986706"/>
+      </p:ext>
+    </p:extLst>
+  </p:cSld>
+  <p:clrMapOvr>
+    <a:masterClrMapping/>
+  </p:clrMapOvr>
+  <p:timing>
+    <p:tnLst>
+      <p:par>
+        <p:cTn id="1" dur="indefinite" restart="never" nodeType="tmRoot"/>
+      </p:par>
+    </p:tnLst>
+  </p:timing>
+</p:sld>
+</file>
+
+<file path=ppt/slides/slide15.xml><?xml version="1.0" encoding="utf-8"?>
+<p:sld xmlns:a="http://schemas.openxmlformats.org/drawingml/2006/main" xmlns:r="http://schemas.openxmlformats.org/officeDocument/2006/relationships" xmlns:p="http://schemas.openxmlformats.org/presentationml/2006/main">
+  <p:cSld>
+    <p:spTree>
+      <p:nvGrpSpPr>
+        <p:cNvPr id="1" name=""/>
+        <p:cNvGrpSpPr/>
+        <p:nvPr/>
+      </p:nvGrpSpPr>
+      <p:grpSpPr>
+        <a:xfrm>
+          <a:off x="0" y="0"/>
+          <a:ext cx="0" cy="0"/>
+          <a:chOff x="0" y="0"/>
+          <a:chExt cx="0" cy="0"/>
+        </a:xfrm>
+      </p:grpSpPr>
+      <p:sp>
+        <p:nvSpPr>
+          <p:cNvPr id="92162" name="Rectangle 2"/>
+          <p:cNvSpPr>
+            <a:spLocks noGrp="1" noChangeArrowheads="1"/>
+          </p:cNvSpPr>
+          <p:nvPr>
+            <p:ph type="title"/>
+          </p:nvPr>
+        </p:nvSpPr>
+        <p:spPr/>
+        <p:txBody>
+          <a:bodyPr/>
+          <a:lstStyle/>
+          <a:p>
+            <a:r>
+              <a:rPr lang="sr-Latn-RS" altLang="en-US" dirty="0" smtClean="0">
+                <a:solidFill>
+                  <a:srgbClr val="002060"/>
+                </a:solidFill>
+              </a:rPr>
+              <a:t>Zahvalnica</a:t>
+            </a:r>
+            <a:endParaRPr lang="en-GB" altLang="en-US" dirty="0" smtClean="0">
+              <a:solidFill>
+                <a:srgbClr val="002060"/>
+              </a:solidFill>
+            </a:endParaRPr>
+          </a:p>
+        </p:txBody>
+      </p:sp>
+      <p:sp>
+        <p:nvSpPr>
+          <p:cNvPr id="92163" name="Rectangle 3"/>
+          <p:cNvSpPr>
+            <a:spLocks noGrp="1" noChangeArrowheads="1"/>
+          </p:cNvSpPr>
+          <p:nvPr>
+            <p:ph idx="1"/>
+          </p:nvPr>
+        </p:nvSpPr>
+        <p:spPr>
+          <a:xfrm>
+            <a:off x="457200" y="1600200"/>
+            <a:ext cx="8391525" cy="5257800"/>
+          </a:xfrm>
+        </p:spPr>
+        <p:txBody>
+          <a:bodyPr/>
+          <a:lstStyle/>
+          <a:p>
+            <a:pPr marL="0" indent="0">
+              <a:buFont typeface="Wingdings" pitchFamily="2" charset="2"/>
+              <a:buNone/>
+            </a:pPr>
+            <a:r>
+              <a:rPr lang="sr-Latn-RS" altLang="en-US" dirty="0" smtClean="0"/>
+              <a:t>Delovi materijala ove prezentacije su preuzeti iz</a:t>
+            </a:r>
+            <a:r>
+              <a:rPr lang="sr-Cyrl-RS" altLang="en-US" dirty="0" smtClean="0"/>
+              <a:t>:</a:t>
+            </a:r>
+          </a:p>
+          <a:p>
+            <a:r>
+              <a:rPr lang="sr-Latn-RS" altLang="en-US" dirty="0" smtClean="0"/>
+              <a:t>Skripte iz predmeta Uvod u veb i internet tehnologije,</a:t>
+            </a:r>
+            <a:r>
+              <a:rPr lang="sr-Cyrl-RS" altLang="en-US" dirty="0" smtClean="0"/>
+              <a:t> </a:t>
+            </a:r>
+            <a:r>
+              <a:rPr lang="sr-Latn-RS" altLang="en-US" dirty="0" smtClean="0"/>
+              <a:t>na</a:t>
+            </a:r>
+            <a:r>
+              <a:rPr lang="sr-Cyrl-RS" altLang="en-US" dirty="0" smtClean="0"/>
+              <a:t> </a:t>
+            </a:r>
+            <a:r>
+              <a:rPr lang="sr-Latn-RS" altLang="en-US" dirty="0" smtClean="0"/>
+              <a:t>Matematičkom fakultetu Univeziteta u Beogradu</a:t>
+            </a:r>
+            <a:r>
+              <a:rPr lang="sr-Cyrl-RS" altLang="en-US" dirty="0" smtClean="0"/>
+              <a:t>, </a:t>
+            </a:r>
+            <a:r>
+              <a:rPr lang="sr-Latn-RS" altLang="en-US" dirty="0" smtClean="0"/>
+              <a:t>autor prof. dr Filip Marić</a:t>
+            </a:r>
+          </a:p>
+          <a:p>
+            <a:r>
+              <a:rPr lang="en-US" altLang="en-US" dirty="0" err="1"/>
+              <a:t>Prezentacija</a:t>
+            </a:r>
+            <a:r>
+              <a:rPr lang="en-US" altLang="en-US" dirty="0"/>
+              <a:t> </a:t>
+            </a:r>
+            <a:r>
+              <a:rPr lang="sr-Latn-RS" altLang="en-US" dirty="0"/>
+              <a:t>iz predmeta Uvod u veb i internet tehnologije,</a:t>
+            </a:r>
+            <a:r>
+              <a:rPr lang="sr-Cyrl-RS" altLang="en-US" dirty="0"/>
+              <a:t> </a:t>
+            </a:r>
+            <a:r>
+              <a:rPr lang="sr-Latn-RS" altLang="en-US" dirty="0"/>
+              <a:t>na</a:t>
+            </a:r>
+            <a:r>
+              <a:rPr lang="sr-Cyrl-RS" altLang="en-US" dirty="0"/>
+              <a:t> </a:t>
+            </a:r>
+            <a:r>
+              <a:rPr lang="sr-Latn-RS" altLang="en-US" dirty="0"/>
+              <a:t>Matematičkom fakultetu </a:t>
+            </a:r>
+            <a:r>
+              <a:rPr lang="sr-Latn-RS" altLang="en-US" dirty="0" err="1"/>
+              <a:t>Univeziteta</a:t>
+            </a:r>
+            <a:r>
+              <a:rPr lang="sr-Latn-RS" altLang="en-US" dirty="0"/>
+              <a:t> u Beogradu</a:t>
+            </a:r>
+            <a:r>
+              <a:rPr lang="sr-Cyrl-RS" altLang="en-US" dirty="0"/>
+              <a:t>, </a:t>
+            </a:r>
+            <a:r>
+              <a:rPr lang="sr-Latn-RS" altLang="en-US" dirty="0"/>
+              <a:t>autor dr </a:t>
+            </a:r>
+            <a:r>
+              <a:rPr lang="en-US" altLang="en-US" dirty="0" err="1"/>
+              <a:t>Vesna</a:t>
+            </a:r>
+            <a:r>
+              <a:rPr lang="sr-Latn-RS" altLang="en-US" dirty="0"/>
+              <a:t> Mari</a:t>
+            </a:r>
+            <a:r>
+              <a:rPr lang="en-US" altLang="en-US" dirty="0" err="1"/>
+              <a:t>nkovi</a:t>
+            </a:r>
+            <a:r>
+              <a:rPr lang="sr-Latn-RS" altLang="en-US" smtClean="0"/>
+              <a:t>ć</a:t>
+            </a:r>
+            <a:endParaRPr lang="sr-Cyrl-RS" altLang="en-US" dirty="0" smtClean="0"/>
+          </a:p>
+          <a:p>
+            <a:r>
+              <a:rPr lang="sr-Latn-RS" altLang="en-US" dirty="0" err="1" smtClean="0"/>
+              <a:t>Skripte</a:t>
+            </a:r>
+            <a:r>
+              <a:rPr lang="sr-Latn-RS" altLang="en-US" dirty="0" smtClean="0"/>
+              <a:t> </a:t>
+            </a:r>
+            <a:r>
+              <a:rPr lang="sr-Latn-RS" altLang="en-US" dirty="0"/>
+              <a:t>iz </a:t>
+            </a:r>
+            <a:r>
+              <a:rPr lang="sr-Latn-RS" altLang="en-US" dirty="0" smtClean="0"/>
+              <a:t>predmeta Informatika</a:t>
+            </a:r>
+            <a:r>
+              <a:rPr lang="sr-Cyrl-RS" altLang="en-US" dirty="0" smtClean="0"/>
+              <a:t> </a:t>
+            </a:r>
+            <a:r>
+              <a:rPr lang="sr-Latn-RS" altLang="en-US" dirty="0" smtClean="0"/>
+              <a:t>na Univerzitetu</a:t>
+            </a:r>
+            <a:r>
+              <a:rPr lang="sr-Cyrl-RS" altLang="en-US" dirty="0" smtClean="0"/>
+              <a:t> </a:t>
+            </a:r>
+            <a:r>
+              <a:rPr lang="en-US" altLang="en-US" dirty="0" smtClean="0"/>
+              <a:t>Milano Bicocca</a:t>
+            </a:r>
+            <a:r>
+              <a:rPr lang="sr-Cyrl-RS" altLang="en-US" dirty="0" smtClean="0"/>
+              <a:t>,</a:t>
+            </a:r>
+            <a:r>
+              <a:rPr lang="en-US" altLang="en-US" dirty="0" smtClean="0"/>
+              <a:t> </a:t>
+            </a:r>
+            <a:r>
+              <a:rPr lang="sr-Latn-RS" altLang="en-US" dirty="0" smtClean="0"/>
+              <a:t>autor dr</a:t>
+            </a:r>
+            <a:r>
+              <a:rPr lang="sr-Cyrl-RS" altLang="en-US" dirty="0" smtClean="0"/>
+              <a:t> </a:t>
+            </a:r>
+            <a:r>
+              <a:rPr lang="en-US" altLang="en-US" dirty="0"/>
+              <a:t>Mirko </a:t>
+            </a:r>
+            <a:r>
+              <a:rPr lang="en-US" altLang="en-US" dirty="0" err="1"/>
+              <a:t>Cesarini</a:t>
+            </a:r>
+            <a:r>
+              <a:rPr lang="sr-Cyrl-RS" altLang="en-US" dirty="0" smtClean="0"/>
+              <a:t>  </a:t>
+            </a:r>
+            <a:endParaRPr lang="en-US" altLang="en-US" dirty="0" smtClean="0"/>
+          </a:p>
+          <a:p>
+            <a:endParaRPr lang="en-US" altLang="en-US" dirty="0" smtClean="0"/>
+          </a:p>
+          <a:p>
+            <a:pPr marL="0" indent="0">
+              <a:buFont typeface="Wingdings" pitchFamily="2" charset="2"/>
+              <a:buNone/>
+            </a:pPr>
+            <a:endParaRPr lang="sr-Cyrl-RS" altLang="en-US" sz="1200" dirty="0" smtClean="0"/>
+          </a:p>
+          <a:p>
+            <a:pPr marL="0" indent="0">
+              <a:buFont typeface="Wingdings" pitchFamily="2" charset="2"/>
+              <a:buNone/>
+            </a:pPr>
+            <a:endParaRPr lang="sr-Latn-CS" altLang="en-US" sz="1200" dirty="0" smtClean="0"/>
+          </a:p>
+          <a:p>
+            <a:pPr marL="0" indent="0">
+              <a:buFont typeface="Wingdings" pitchFamily="2" charset="2"/>
+              <a:buNone/>
+            </a:pPr>
+            <a:endParaRPr lang="sr-Latn-CS" altLang="en-US" dirty="0" smtClean="0"/>
+          </a:p>
+        </p:txBody>
+      </p:sp>
+    </p:spTree>
+    <p:extLst>
+      <p:ext uri="{BB962C8B-B14F-4D97-AF65-F5344CB8AC3E}">
+        <p14:creationId xmlns:p14="http://schemas.microsoft.com/office/powerpoint/2010/main" val="3609644295"/>
+      </p:ext>
+    </p:extLst>
+  </p:cSld>
+  <p:clrMapOvr>
+    <a:masterClrMapping/>
+  </p:clrMapOvr>
+  <p:timing>
+    <p:tnLst>
+      <p:par>
+        <p:cTn id="1" dur="indefinite" restart="never" nodeType="tmRoot"/>
+      </p:par>
+    </p:tnLst>
+  </p:timing>
+</p:sld>
+</file>
+
 <file path=ppt/slides/slide2.xml><?xml version="1.0" encoding="utf-8"?>
 <p:sld xmlns:a="http://schemas.openxmlformats.org/drawingml/2006/main" xmlns:r="http://schemas.openxmlformats.org/officeDocument/2006/relationships" xmlns:p="http://schemas.openxmlformats.org/presentationml/2006/main">
   <p:cSld>
@@ -3731,7 +7839,7 @@
                   <a:srgbClr val="002060"/>
                 </a:solidFill>
               </a:rPr>
-              <a:t>Jezici za opis veb stranica</a:t>
+              <a:t>HTML primer</a:t>
             </a:r>
             <a:endParaRPr lang="en-GB" altLang="en-US" dirty="0" smtClean="0">
               <a:solidFill>
@@ -3858,7 +7966,15 @@
                   <a:srgbClr val="002060"/>
                 </a:solidFill>
               </a:rPr>
-              <a:t>Jezici za opis veb stranica (2)</a:t>
+              <a:t>HTML primer (2</a:t>
+            </a:r>
+            <a:r>
+              <a:rPr lang="sr-Latn-RS" altLang="en-US" dirty="0" smtClean="0">
+                <a:solidFill>
+                  <a:srgbClr val="002060"/>
+                </a:solidFill>
+              </a:rPr>
+              <a:t>)</a:t>
             </a:r>
             <a:endParaRPr lang="en-GB" altLang="en-US" dirty="0" smtClean="0">
               <a:solidFill>
@@ -3890,7 +8006,10 @@
           <a:lstStyle/>
           <a:p>
             <a:r>
-              <a:rPr lang="sr-Latn-RS" sz="1200" dirty="0">
+              <a:rPr lang="sr-Latn-RS" sz="1200" b="1" dirty="0">
+                <a:solidFill>
+                  <a:srgbClr val="009E47"/>
+                </a:solidFill>
                 <a:latin typeface="Courier New" panose="02070309020205020404" pitchFamily="49" charset="0"/>
                 <a:cs typeface="Courier New" panose="02070309020205020404" pitchFamily="49" charset="0"/>
               </a:rPr>
@@ -3899,7 +8018,10 @@
           </a:p>
           <a:p>
             <a:r>
-              <a:rPr lang="sr-Latn-RS" sz="1200" dirty="0">
+              <a:rPr lang="sr-Latn-RS" sz="1200" b="1" dirty="0">
+                <a:solidFill>
+                  <a:srgbClr val="009E47"/>
+                </a:solidFill>
                 <a:latin typeface="Courier New" panose="02070309020205020404" pitchFamily="49" charset="0"/>
                 <a:cs typeface="Courier New" panose="02070309020205020404" pitchFamily="49" charset="0"/>
               </a:rPr>
@@ -3908,7 +8030,10 @@
           </a:p>
           <a:p>
             <a:r>
-              <a:rPr lang="sr-Latn-RS" sz="1200" dirty="0">
+              <a:rPr lang="sr-Latn-RS" sz="1200" b="1" dirty="0">
+                <a:solidFill>
+                  <a:srgbClr val="009E47"/>
+                </a:solidFill>
                 <a:latin typeface="Courier New" panose="02070309020205020404" pitchFamily="49" charset="0"/>
                 <a:cs typeface="Courier New" panose="02070309020205020404" pitchFamily="49" charset="0"/>
               </a:rPr>
@@ -3916,28 +8041,40 @@
             </a:r>
           </a:p>
           <a:p>
-            <a:endParaRPr lang="sr-Latn-RS" sz="1200" dirty="0" smtClean="0">
+            <a:endParaRPr lang="sr-Latn-RS" sz="1200" b="1" dirty="0" smtClean="0">
+              <a:solidFill>
+                <a:srgbClr val="009E47"/>
+              </a:solidFill>
               <a:latin typeface="Courier New" panose="02070309020205020404" pitchFamily="49" charset="0"/>
               <a:cs typeface="Courier New" panose="02070309020205020404" pitchFamily="49" charset="0"/>
             </a:endParaRPr>
           </a:p>
           <a:p>
             <a:r>
-              <a:rPr lang="sr-Latn-RS" sz="1200" dirty="0" smtClean="0">
+              <a:rPr lang="sr-Latn-RS" sz="1200" b="1" dirty="0" smtClean="0">
+                <a:solidFill>
+                  <a:srgbClr val="009E47"/>
+                </a:solidFill>
                 <a:latin typeface="Courier New" panose="02070309020205020404" pitchFamily="49" charset="0"/>
                 <a:cs typeface="Courier New" panose="02070309020205020404" pitchFamily="49" charset="0"/>
               </a:rPr>
               <a:t>&lt;</a:t>
             </a:r>
             <a:r>
-              <a:rPr lang="sr-Latn-RS" sz="1200" dirty="0" err="1">
+              <a:rPr lang="sr-Latn-RS" sz="1200" b="1" dirty="0" err="1">
+                <a:solidFill>
+                  <a:srgbClr val="009E47"/>
+                </a:solidFill>
                 <a:latin typeface="Courier New" panose="02070309020205020404" pitchFamily="49" charset="0"/>
                 <a:cs typeface="Courier New" panose="02070309020205020404" pitchFamily="49" charset="0"/>
               </a:rPr>
               <a:t>head</a:t>
             </a:r>
             <a:r>
-              <a:rPr lang="sr-Latn-RS" sz="1200" dirty="0">
+              <a:rPr lang="sr-Latn-RS" sz="1200" b="1" dirty="0">
+                <a:solidFill>
+                  <a:srgbClr val="009E47"/>
+                </a:solidFill>
                 <a:latin typeface="Courier New" panose="02070309020205020404" pitchFamily="49" charset="0"/>
                 <a:cs typeface="Courier New" panose="02070309020205020404" pitchFamily="49" charset="0"/>
               </a:rPr>
@@ -3946,28 +8083,40 @@
           </a:p>
           <a:p>
             <a:r>
-              <a:rPr lang="sr-Latn-RS" sz="1200" dirty="0" smtClean="0">
+              <a:rPr lang="sr-Latn-RS" sz="1200" b="1" dirty="0" smtClean="0">
+                <a:solidFill>
+                  <a:srgbClr val="009E47"/>
+                </a:solidFill>
                 <a:latin typeface="Courier New" panose="02070309020205020404" pitchFamily="49" charset="0"/>
                 <a:cs typeface="Courier New" panose="02070309020205020404" pitchFamily="49" charset="0"/>
               </a:rPr>
               <a:t>  &lt;</a:t>
             </a:r>
             <a:r>
-              <a:rPr lang="sr-Latn-RS" sz="1200" dirty="0">
+              <a:rPr lang="sr-Latn-RS" sz="1200" b="1" dirty="0">
+                <a:solidFill>
+                  <a:srgbClr val="009E47"/>
+                </a:solidFill>
                 <a:latin typeface="Courier New" panose="02070309020205020404" pitchFamily="49" charset="0"/>
                 <a:cs typeface="Courier New" panose="02070309020205020404" pitchFamily="49" charset="0"/>
               </a:rPr>
               <a:t>meta </a:t>
             </a:r>
             <a:r>
-              <a:rPr lang="sr-Latn-RS" sz="1200" dirty="0" err="1">
+              <a:rPr lang="sr-Latn-RS" sz="1200" b="1" dirty="0" err="1">
+                <a:solidFill>
+                  <a:srgbClr val="009E47"/>
+                </a:solidFill>
                 <a:latin typeface="Courier New" panose="02070309020205020404" pitchFamily="49" charset="0"/>
                 <a:cs typeface="Courier New" panose="02070309020205020404" pitchFamily="49" charset="0"/>
               </a:rPr>
               <a:t>charset</a:t>
             </a:r>
             <a:r>
-              <a:rPr lang="sr-Latn-RS" sz="1200" dirty="0">
+              <a:rPr lang="sr-Latn-RS" sz="1200" b="1" dirty="0">
+                <a:solidFill>
+                  <a:srgbClr val="009E47"/>
+                </a:solidFill>
                 <a:latin typeface="Courier New" panose="02070309020205020404" pitchFamily="49" charset="0"/>
                 <a:cs typeface="Courier New" panose="02070309020205020404" pitchFamily="49" charset="0"/>
               </a:rPr>
@@ -3976,35 +8125,50 @@
           </a:p>
           <a:p>
             <a:r>
-              <a:rPr lang="sr-Latn-RS" sz="1200" dirty="0" smtClean="0">
+              <a:rPr lang="sr-Latn-RS" sz="1200" b="1" dirty="0" smtClean="0">
+                <a:solidFill>
+                  <a:srgbClr val="009E47"/>
+                </a:solidFill>
                 <a:latin typeface="Courier New" panose="02070309020205020404" pitchFamily="49" charset="0"/>
                 <a:cs typeface="Courier New" panose="02070309020205020404" pitchFamily="49" charset="0"/>
               </a:rPr>
               <a:t>  &lt;</a:t>
             </a:r>
             <a:r>
-              <a:rPr lang="sr-Latn-RS" sz="1200" dirty="0" err="1">
+              <a:rPr lang="sr-Latn-RS" sz="1200" b="1" dirty="0" err="1">
+                <a:solidFill>
+                  <a:srgbClr val="009E47"/>
+                </a:solidFill>
                 <a:latin typeface="Courier New" panose="02070309020205020404" pitchFamily="49" charset="0"/>
                 <a:cs typeface="Courier New" panose="02070309020205020404" pitchFamily="49" charset="0"/>
               </a:rPr>
               <a:t>title</a:t>
             </a:r>
             <a:r>
-              <a:rPr lang="sr-Latn-RS" sz="1200" dirty="0">
+              <a:rPr lang="sr-Latn-RS" sz="1200" b="1" dirty="0">
+                <a:solidFill>
+                  <a:srgbClr val="009E47"/>
+                </a:solidFill>
                 <a:latin typeface="Courier New" panose="02070309020205020404" pitchFamily="49" charset="0"/>
                 <a:cs typeface="Courier New" panose="02070309020205020404" pitchFamily="49" charset="0"/>
               </a:rPr>
               <a:t>&gt;Kako se prave veb-strane?&lt;/</a:t>
             </a:r>
             <a:r>
-              <a:rPr lang="sr-Latn-RS" sz="1200" dirty="0" err="1">
+              <a:rPr lang="sr-Latn-RS" sz="1200" b="1" dirty="0" err="1">
+                <a:solidFill>
+                  <a:srgbClr val="009E47"/>
+                </a:solidFill>
                 <a:latin typeface="Courier New" panose="02070309020205020404" pitchFamily="49" charset="0"/>
                 <a:cs typeface="Courier New" panose="02070309020205020404" pitchFamily="49" charset="0"/>
               </a:rPr>
               <a:t>title</a:t>
             </a:r>
             <a:r>
-              <a:rPr lang="sr-Latn-RS" sz="1200" dirty="0">
+              <a:rPr lang="sr-Latn-RS" sz="1200" b="1" dirty="0">
+                <a:solidFill>
+                  <a:srgbClr val="009E47"/>
+                </a:solidFill>
                 <a:latin typeface="Courier New" panose="02070309020205020404" pitchFamily="49" charset="0"/>
                 <a:cs typeface="Courier New" panose="02070309020205020404" pitchFamily="49" charset="0"/>
               </a:rPr>
@@ -4012,70 +8176,100 @@
             </a:r>
           </a:p>
           <a:p>
-            <a:endParaRPr lang="sr-Latn-RS" sz="1200" dirty="0" smtClean="0">
+            <a:endParaRPr lang="sr-Latn-RS" sz="1200" b="1" dirty="0" smtClean="0">
+              <a:solidFill>
+                <a:srgbClr val="009E47"/>
+              </a:solidFill>
               <a:latin typeface="Courier New" panose="02070309020205020404" pitchFamily="49" charset="0"/>
               <a:cs typeface="Courier New" panose="02070309020205020404" pitchFamily="49" charset="0"/>
             </a:endParaRPr>
           </a:p>
           <a:p>
             <a:r>
-              <a:rPr lang="sr-Latn-RS" sz="1200" dirty="0" smtClean="0">
+              <a:rPr lang="sr-Latn-RS" sz="1200" b="1" dirty="0" smtClean="0">
+                <a:solidFill>
+                  <a:srgbClr val="009E47"/>
+                </a:solidFill>
                 <a:latin typeface="Courier New" panose="02070309020205020404" pitchFamily="49" charset="0"/>
                 <a:cs typeface="Courier New" panose="02070309020205020404" pitchFamily="49" charset="0"/>
               </a:rPr>
               <a:t>  &lt;</a:t>
             </a:r>
             <a:r>
-              <a:rPr lang="sr-Latn-RS" sz="1200" dirty="0" err="1">
+              <a:rPr lang="sr-Latn-RS" sz="1200" b="1" dirty="0" err="1">
+                <a:solidFill>
+                  <a:srgbClr val="009E47"/>
+                </a:solidFill>
                 <a:latin typeface="Courier New" panose="02070309020205020404" pitchFamily="49" charset="0"/>
                 <a:cs typeface="Courier New" panose="02070309020205020404" pitchFamily="49" charset="0"/>
               </a:rPr>
               <a:t>style</a:t>
             </a:r>
             <a:r>
-              <a:rPr lang="sr-Latn-RS" sz="1200" dirty="0">
-                <a:latin typeface="Courier New" panose="02070309020205020404" pitchFamily="49" charset="0"/>
-                <a:cs typeface="Courier New" panose="02070309020205020404" pitchFamily="49" charset="0"/>
-              </a:rPr>
-              <a:t> </a:t>
-            </a:r>
-            <a:r>
-              <a:rPr lang="sr-Latn-RS" sz="1200" dirty="0" err="1">
+              <a:rPr lang="sr-Latn-RS" sz="1200" b="1" dirty="0">
+                <a:solidFill>
+                  <a:srgbClr val="009E47"/>
+                </a:solidFill>
+                <a:latin typeface="Courier New" panose="02070309020205020404" pitchFamily="49" charset="0"/>
+                <a:cs typeface="Courier New" panose="02070309020205020404" pitchFamily="49" charset="0"/>
+              </a:rPr>
+              <a:t> </a:t>
+            </a:r>
+            <a:r>
+              <a:rPr lang="sr-Latn-RS" sz="1200" b="1" dirty="0" err="1">
+                <a:solidFill>
+                  <a:srgbClr val="009E47"/>
+                </a:solidFill>
                 <a:latin typeface="Courier New" panose="02070309020205020404" pitchFamily="49" charset="0"/>
                 <a:cs typeface="Courier New" panose="02070309020205020404" pitchFamily="49" charset="0"/>
               </a:rPr>
               <a:t>type</a:t>
             </a:r>
             <a:r>
-              <a:rPr lang="sr-Latn-RS" sz="1200" dirty="0">
+              <a:rPr lang="sr-Latn-RS" sz="1200" b="1" dirty="0">
+                <a:solidFill>
+                  <a:srgbClr val="009E47"/>
+                </a:solidFill>
                 <a:latin typeface="Courier New" panose="02070309020205020404" pitchFamily="49" charset="0"/>
                 <a:cs typeface="Courier New" panose="02070309020205020404" pitchFamily="49" charset="0"/>
               </a:rPr>
               <a:t>="</a:t>
             </a:r>
             <a:r>
-              <a:rPr lang="sr-Latn-RS" sz="1200" dirty="0" err="1">
+              <a:rPr lang="sr-Latn-RS" sz="1200" b="1" dirty="0" err="1">
+                <a:solidFill>
+                  <a:srgbClr val="009E47"/>
+                </a:solidFill>
                 <a:latin typeface="Courier New" panose="02070309020205020404" pitchFamily="49" charset="0"/>
                 <a:cs typeface="Courier New" panose="02070309020205020404" pitchFamily="49" charset="0"/>
               </a:rPr>
               <a:t>text</a:t>
             </a:r>
             <a:r>
-              <a:rPr lang="sr-Latn-RS" sz="1200" dirty="0">
+              <a:rPr lang="sr-Latn-RS" sz="1200" b="1" dirty="0">
+                <a:solidFill>
+                  <a:srgbClr val="009E47"/>
+                </a:solidFill>
                 <a:latin typeface="Courier New" panose="02070309020205020404" pitchFamily="49" charset="0"/>
                 <a:cs typeface="Courier New" panose="02070309020205020404" pitchFamily="49" charset="0"/>
               </a:rPr>
               <a:t>/</a:t>
             </a:r>
             <a:r>
-              <a:rPr lang="sr-Latn-RS" sz="1200" dirty="0" err="1">
+              <a:rPr lang="sr-Latn-RS" sz="1200" b="1" dirty="0" err="1">
+                <a:solidFill>
+                  <a:srgbClr val="009E47"/>
+                </a:solidFill>
                 <a:latin typeface="Courier New" panose="02070309020205020404" pitchFamily="49" charset="0"/>
                 <a:cs typeface="Courier New" panose="02070309020205020404" pitchFamily="49" charset="0"/>
               </a:rPr>
               <a:t>css</a:t>
             </a:r>
             <a:r>
-              <a:rPr lang="sr-Latn-RS" sz="1200" dirty="0">
+              <a:rPr lang="sr-Latn-RS" sz="1200" b="1" dirty="0">
+                <a:solidFill>
+                  <a:srgbClr val="009E47"/>
+                </a:solidFill>
                 <a:latin typeface="Courier New" panose="02070309020205020404" pitchFamily="49" charset="0"/>
                 <a:cs typeface="Courier New" panose="02070309020205020404" pitchFamily="49" charset="0"/>
               </a:rPr>
@@ -4084,28 +8278,40 @@
           </a:p>
           <a:p>
             <a:r>
-              <a:rPr lang="sr-Latn-RS" sz="1200" dirty="0" smtClean="0">
+              <a:rPr lang="sr-Latn-RS" sz="1200" b="1" dirty="0" smtClean="0">
+                <a:solidFill>
+                  <a:srgbClr val="009E47"/>
+                </a:solidFill>
                 <a:latin typeface="Courier New" panose="02070309020205020404" pitchFamily="49" charset="0"/>
                 <a:cs typeface="Courier New" panose="02070309020205020404" pitchFamily="49" charset="0"/>
               </a:rPr>
               <a:t>    </a:t>
             </a:r>
             <a:r>
-              <a:rPr lang="sr-Latn-RS" sz="1200" dirty="0" err="1" smtClean="0">
+              <a:rPr lang="sr-Latn-RS" sz="1200" b="1" dirty="0" err="1" smtClean="0">
+                <a:solidFill>
+                  <a:srgbClr val="009E47"/>
+                </a:solidFill>
                 <a:latin typeface="Courier New" panose="02070309020205020404" pitchFamily="49" charset="0"/>
                 <a:cs typeface="Courier New" panose="02070309020205020404" pitchFamily="49" charset="0"/>
               </a:rPr>
               <a:t>body</a:t>
             </a:r>
             <a:r>
-              <a:rPr lang="sr-Latn-RS" sz="1200" dirty="0" smtClean="0">
-                <a:latin typeface="Courier New" panose="02070309020205020404" pitchFamily="49" charset="0"/>
-                <a:cs typeface="Courier New" panose="02070309020205020404" pitchFamily="49" charset="0"/>
-              </a:rPr>
-              <a:t> </a:t>
-            </a:r>
-            <a:r>
-              <a:rPr lang="sr-Latn-RS" sz="1200" dirty="0">
+              <a:rPr lang="sr-Latn-RS" sz="1200" b="1" dirty="0" smtClean="0">
+                <a:solidFill>
+                  <a:srgbClr val="009E47"/>
+                </a:solidFill>
+                <a:latin typeface="Courier New" panose="02070309020205020404" pitchFamily="49" charset="0"/>
+                <a:cs typeface="Courier New" panose="02070309020205020404" pitchFamily="49" charset="0"/>
+              </a:rPr>
+              <a:t> </a:t>
+            </a:r>
+            <a:r>
+              <a:rPr lang="sr-Latn-RS" sz="1200" b="1" dirty="0">
+                <a:solidFill>
+                  <a:srgbClr val="009E47"/>
+                </a:solidFill>
                 <a:latin typeface="Courier New" panose="02070309020205020404" pitchFamily="49" charset="0"/>
                 <a:cs typeface="Courier New" panose="02070309020205020404" pitchFamily="49" charset="0"/>
               </a:rPr>
@@ -4114,49 +8320,70 @@
           </a:p>
           <a:p>
             <a:r>
-              <a:rPr lang="sr-Latn-RS" sz="1200" dirty="0" smtClean="0">
+              <a:rPr lang="sr-Latn-RS" sz="1200" b="1" dirty="0" smtClean="0">
+                <a:solidFill>
+                  <a:srgbClr val="009E47"/>
+                </a:solidFill>
                 <a:latin typeface="Courier New" panose="02070309020205020404" pitchFamily="49" charset="0"/>
                 <a:cs typeface="Courier New" panose="02070309020205020404" pitchFamily="49" charset="0"/>
               </a:rPr>
               <a:t>      font-</a:t>
             </a:r>
             <a:r>
-              <a:rPr lang="sr-Latn-RS" sz="1200" dirty="0" err="1" smtClean="0">
+              <a:rPr lang="sr-Latn-RS" sz="1200" b="1" dirty="0" err="1" smtClean="0">
+                <a:solidFill>
+                  <a:srgbClr val="009E47"/>
+                </a:solidFill>
                 <a:latin typeface="Courier New" panose="02070309020205020404" pitchFamily="49" charset="0"/>
                 <a:cs typeface="Courier New" panose="02070309020205020404" pitchFamily="49" charset="0"/>
               </a:rPr>
               <a:t>family</a:t>
             </a:r>
             <a:r>
-              <a:rPr lang="sr-Latn-RS" sz="1200" dirty="0">
+              <a:rPr lang="sr-Latn-RS" sz="1200" b="1" dirty="0">
+                <a:solidFill>
+                  <a:srgbClr val="009E47"/>
+                </a:solidFill>
                 <a:latin typeface="Courier New" panose="02070309020205020404" pitchFamily="49" charset="0"/>
                 <a:cs typeface="Courier New" panose="02070309020205020404" pitchFamily="49" charset="0"/>
               </a:rPr>
               <a:t>: </a:t>
             </a:r>
             <a:r>
-              <a:rPr lang="sr-Latn-RS" sz="1200" dirty="0" err="1">
+              <a:rPr lang="sr-Latn-RS" sz="1200" b="1" dirty="0" err="1">
+                <a:solidFill>
+                  <a:srgbClr val="009E47"/>
+                </a:solidFill>
                 <a:latin typeface="Courier New" panose="02070309020205020404" pitchFamily="49" charset="0"/>
                 <a:cs typeface="Courier New" panose="02070309020205020404" pitchFamily="49" charset="0"/>
               </a:rPr>
               <a:t>Arial</a:t>
             </a:r>
             <a:r>
-              <a:rPr lang="sr-Latn-RS" sz="1200" dirty="0">
+              <a:rPr lang="sr-Latn-RS" sz="1200" b="1" dirty="0">
+                <a:solidFill>
+                  <a:srgbClr val="009E47"/>
+                </a:solidFill>
                 <a:latin typeface="Courier New" panose="02070309020205020404" pitchFamily="49" charset="0"/>
                 <a:cs typeface="Courier New" panose="02070309020205020404" pitchFamily="49" charset="0"/>
               </a:rPr>
               <a:t>; /*font </a:t>
             </a:r>
             <a:r>
-              <a:rPr lang="sr-Latn-RS" sz="1200" dirty="0" err="1">
+              <a:rPr lang="sr-Latn-RS" sz="1200" b="1" dirty="0" err="1">
+                <a:solidFill>
+                  <a:srgbClr val="009E47"/>
+                </a:solidFill>
                 <a:latin typeface="Courier New" panose="02070309020205020404" pitchFamily="49" charset="0"/>
                 <a:cs typeface="Courier New" panose="02070309020205020404" pitchFamily="49" charset="0"/>
               </a:rPr>
               <a:t>Arial</a:t>
             </a:r>
             <a:r>
-              <a:rPr lang="sr-Latn-RS" sz="1200" dirty="0">
+              <a:rPr lang="sr-Latn-RS" sz="1200" b="1" dirty="0">
+                <a:solidFill>
+                  <a:srgbClr val="009E47"/>
+                </a:solidFill>
                 <a:latin typeface="Courier New" panose="02070309020205020404" pitchFamily="49" charset="0"/>
                 <a:cs typeface="Courier New" panose="02070309020205020404" pitchFamily="49" charset="0"/>
               </a:rPr>
@@ -4165,35 +8392,50 @@
           </a:p>
           <a:p>
             <a:r>
-              <a:rPr lang="sr-Latn-RS" sz="1200" dirty="0" smtClean="0">
+              <a:rPr lang="sr-Latn-RS" sz="1200" b="1" dirty="0" smtClean="0">
+                <a:solidFill>
+                  <a:srgbClr val="009E47"/>
+                </a:solidFill>
                 <a:latin typeface="Courier New" panose="02070309020205020404" pitchFamily="49" charset="0"/>
                 <a:cs typeface="Courier New" panose="02070309020205020404" pitchFamily="49" charset="0"/>
               </a:rPr>
               <a:t>      </a:t>
             </a:r>
             <a:r>
-              <a:rPr lang="sr-Latn-RS" sz="1200" dirty="0" err="1" smtClean="0">
+              <a:rPr lang="sr-Latn-RS" sz="1200" b="1" dirty="0" err="1" smtClean="0">
+                <a:solidFill>
+                  <a:srgbClr val="009E47"/>
+                </a:solidFill>
                 <a:latin typeface="Courier New" panose="02070309020205020404" pitchFamily="49" charset="0"/>
                 <a:cs typeface="Courier New" panose="02070309020205020404" pitchFamily="49" charset="0"/>
               </a:rPr>
               <a:t>background</a:t>
             </a:r>
             <a:r>
-              <a:rPr lang="sr-Latn-RS" sz="1200" dirty="0" smtClean="0">
+              <a:rPr lang="sr-Latn-RS" sz="1200" b="1" dirty="0" smtClean="0">
+                <a:solidFill>
+                  <a:srgbClr val="009E47"/>
+                </a:solidFill>
                 <a:latin typeface="Courier New" panose="02070309020205020404" pitchFamily="49" charset="0"/>
                 <a:cs typeface="Courier New" panose="02070309020205020404" pitchFamily="49" charset="0"/>
               </a:rPr>
               <a:t>-</a:t>
             </a:r>
             <a:r>
-              <a:rPr lang="sr-Latn-RS" sz="1200" dirty="0" err="1" smtClean="0">
+              <a:rPr lang="sr-Latn-RS" sz="1200" b="1" dirty="0" err="1" smtClean="0">
+                <a:solidFill>
+                  <a:srgbClr val="009E47"/>
+                </a:solidFill>
                 <a:latin typeface="Courier New" panose="02070309020205020404" pitchFamily="49" charset="0"/>
                 <a:cs typeface="Courier New" panose="02070309020205020404" pitchFamily="49" charset="0"/>
               </a:rPr>
               <a:t>color</a:t>
             </a:r>
             <a:r>
-              <a:rPr lang="sr-Latn-RS" sz="1200" dirty="0">
+              <a:rPr lang="sr-Latn-RS" sz="1200" b="1" dirty="0">
+                <a:solidFill>
+                  <a:srgbClr val="009E47"/>
+                </a:solidFill>
                 <a:latin typeface="Courier New" panose="02070309020205020404" pitchFamily="49" charset="0"/>
                 <a:cs typeface="Courier New" panose="02070309020205020404" pitchFamily="49" charset="0"/>
               </a:rPr>
@@ -4202,41 +8444,59 @@
           </a:p>
           <a:p>
             <a:r>
-              <a:rPr lang="sr-Latn-RS" sz="1200" dirty="0" smtClean="0">
+              <a:rPr lang="sr-Latn-RS" sz="1200" b="1" dirty="0" smtClean="0">
+                <a:solidFill>
+                  <a:srgbClr val="009E47"/>
+                </a:solidFill>
                 <a:latin typeface="Courier New" panose="02070309020205020404" pitchFamily="49" charset="0"/>
                 <a:cs typeface="Courier New" panose="02070309020205020404" pitchFamily="49" charset="0"/>
               </a:rPr>
               <a:t>    }</a:t>
             </a:r>
-            <a:endParaRPr lang="sr-Latn-RS" sz="1200" dirty="0">
+            <a:endParaRPr lang="sr-Latn-RS" sz="1200" b="1" dirty="0">
+              <a:solidFill>
+                <a:srgbClr val="009E47"/>
+              </a:solidFill>
               <a:latin typeface="Courier New" panose="02070309020205020404" pitchFamily="49" charset="0"/>
               <a:cs typeface="Courier New" panose="02070309020205020404" pitchFamily="49" charset="0"/>
             </a:endParaRPr>
           </a:p>
           <a:p>
             <a:r>
-              <a:rPr lang="sr-Latn-RS" sz="1200" dirty="0" smtClean="0">
+              <a:rPr lang="sr-Latn-RS" sz="1200" b="1" dirty="0" smtClean="0">
+                <a:solidFill>
+                  <a:srgbClr val="009E47"/>
+                </a:solidFill>
                 <a:latin typeface="Courier New" panose="02070309020205020404" pitchFamily="49" charset="0"/>
                 <a:cs typeface="Courier New" panose="02070309020205020404" pitchFamily="49" charset="0"/>
               </a:rPr>
               <a:t>    </a:t>
             </a:r>
             <a:r>
-              <a:rPr lang="sr-Latn-RS" sz="1200" dirty="0" err="1" smtClean="0">
+              <a:rPr lang="sr-Latn-RS" sz="1200" b="1" dirty="0" err="1" smtClean="0">
+                <a:solidFill>
+                  <a:srgbClr val="009E47"/>
+                </a:solidFill>
                 <a:latin typeface="Courier New" panose="02070309020205020404" pitchFamily="49" charset="0"/>
                 <a:cs typeface="Courier New" panose="02070309020205020404" pitchFamily="49" charset="0"/>
               </a:rPr>
               <a:t>header</a:t>
             </a:r>
             <a:r>
-              <a:rPr lang="sr-Latn-RS" sz="1200" dirty="0" smtClean="0">
-                <a:latin typeface="Courier New" panose="02070309020205020404" pitchFamily="49" charset="0"/>
-                <a:cs typeface="Courier New" panose="02070309020205020404" pitchFamily="49" charset="0"/>
-              </a:rPr>
-              <a:t> </a:t>
-            </a:r>
-            <a:r>
-              <a:rPr lang="sr-Latn-RS" sz="1200" dirty="0">
+              <a:rPr lang="sr-Latn-RS" sz="1200" b="1" dirty="0" smtClean="0">
+                <a:solidFill>
+                  <a:srgbClr val="009E47"/>
+                </a:solidFill>
+                <a:latin typeface="Courier New" panose="02070309020205020404" pitchFamily="49" charset="0"/>
+                <a:cs typeface="Courier New" panose="02070309020205020404" pitchFamily="49" charset="0"/>
+              </a:rPr>
+              <a:t> </a:t>
+            </a:r>
+            <a:r>
+              <a:rPr lang="sr-Latn-RS" sz="1200" b="1" dirty="0">
+                <a:solidFill>
+                  <a:srgbClr val="009E47"/>
+                </a:solidFill>
                 <a:latin typeface="Courier New" panose="02070309020205020404" pitchFamily="49" charset="0"/>
                 <a:cs typeface="Courier New" panose="02070309020205020404" pitchFamily="49" charset="0"/>
               </a:rPr>
@@ -4245,49 +8505,70 @@
           </a:p>
           <a:p>
             <a:r>
-              <a:rPr lang="sr-Latn-RS" sz="1200" dirty="0" smtClean="0">
+              <a:rPr lang="sr-Latn-RS" sz="1200" b="1" dirty="0" smtClean="0">
+                <a:solidFill>
+                  <a:srgbClr val="009E47"/>
+                </a:solidFill>
                 <a:latin typeface="Courier New" panose="02070309020205020404" pitchFamily="49" charset="0"/>
                 <a:cs typeface="Courier New" panose="02070309020205020404" pitchFamily="49" charset="0"/>
               </a:rPr>
               <a:t>      </a:t>
             </a:r>
             <a:r>
-              <a:rPr lang="sr-Latn-RS" sz="1200" dirty="0" err="1" smtClean="0">
+              <a:rPr lang="sr-Latn-RS" sz="1200" b="1" dirty="0" err="1" smtClean="0">
+                <a:solidFill>
+                  <a:srgbClr val="009E47"/>
+                </a:solidFill>
                 <a:latin typeface="Courier New" panose="02070309020205020404" pitchFamily="49" charset="0"/>
                 <a:cs typeface="Courier New" panose="02070309020205020404" pitchFamily="49" charset="0"/>
               </a:rPr>
               <a:t>text</a:t>
             </a:r>
             <a:r>
-              <a:rPr lang="sr-Latn-RS" sz="1200" dirty="0" smtClean="0">
+              <a:rPr lang="sr-Latn-RS" sz="1200" b="1" dirty="0" smtClean="0">
+                <a:solidFill>
+                  <a:srgbClr val="009E47"/>
+                </a:solidFill>
                 <a:latin typeface="Courier New" panose="02070309020205020404" pitchFamily="49" charset="0"/>
                 <a:cs typeface="Courier New" panose="02070309020205020404" pitchFamily="49" charset="0"/>
               </a:rPr>
               <a:t>-</a:t>
             </a:r>
             <a:r>
-              <a:rPr lang="sr-Latn-RS" sz="1200" dirty="0" err="1" smtClean="0">
+              <a:rPr lang="sr-Latn-RS" sz="1200" b="1" dirty="0" err="1" smtClean="0">
+                <a:solidFill>
+                  <a:srgbClr val="009E47"/>
+                </a:solidFill>
                 <a:latin typeface="Courier New" panose="02070309020205020404" pitchFamily="49" charset="0"/>
                 <a:cs typeface="Courier New" panose="02070309020205020404" pitchFamily="49" charset="0"/>
               </a:rPr>
               <a:t>align</a:t>
             </a:r>
             <a:r>
-              <a:rPr lang="sr-Latn-RS" sz="1200" dirty="0">
+              <a:rPr lang="sr-Latn-RS" sz="1200" b="1" dirty="0">
+                <a:solidFill>
+                  <a:srgbClr val="009E47"/>
+                </a:solidFill>
                 <a:latin typeface="Courier New" panose="02070309020205020404" pitchFamily="49" charset="0"/>
                 <a:cs typeface="Courier New" panose="02070309020205020404" pitchFamily="49" charset="0"/>
               </a:rPr>
               <a:t>: </a:t>
             </a:r>
             <a:r>
-              <a:rPr lang="sr-Latn-RS" sz="1200" dirty="0" err="1">
+              <a:rPr lang="sr-Latn-RS" sz="1200" b="1" dirty="0" err="1">
+                <a:solidFill>
+                  <a:srgbClr val="009E47"/>
+                </a:solidFill>
                 <a:latin typeface="Courier New" panose="02070309020205020404" pitchFamily="49" charset="0"/>
                 <a:cs typeface="Courier New" panose="02070309020205020404" pitchFamily="49" charset="0"/>
               </a:rPr>
               <a:t>center</a:t>
             </a:r>
             <a:r>
-              <a:rPr lang="sr-Latn-RS" sz="1200" dirty="0">
+              <a:rPr lang="sr-Latn-RS" sz="1200" b="1" dirty="0">
+                <a:solidFill>
+                  <a:srgbClr val="009E47"/>
+                </a:solidFill>
                 <a:latin typeface="Courier New" panose="02070309020205020404" pitchFamily="49" charset="0"/>
                 <a:cs typeface="Courier New" panose="02070309020205020404" pitchFamily="49" charset="0"/>
               </a:rPr>
@@ -4296,41 +8577,59 @@
           </a:p>
           <a:p>
             <a:r>
-              <a:rPr lang="sr-Latn-RS" sz="1200" dirty="0" smtClean="0">
+              <a:rPr lang="sr-Latn-RS" sz="1200" b="1" dirty="0" smtClean="0">
+                <a:solidFill>
+                  <a:srgbClr val="009E47"/>
+                </a:solidFill>
                 <a:latin typeface="Courier New" panose="02070309020205020404" pitchFamily="49" charset="0"/>
                 <a:cs typeface="Courier New" panose="02070309020205020404" pitchFamily="49" charset="0"/>
               </a:rPr>
               <a:t>    }</a:t>
             </a:r>
-            <a:endParaRPr lang="sr-Latn-RS" sz="1200" dirty="0">
+            <a:endParaRPr lang="sr-Latn-RS" sz="1200" b="1" dirty="0">
+              <a:solidFill>
+                <a:srgbClr val="009E47"/>
+              </a:solidFill>
               <a:latin typeface="Courier New" panose="02070309020205020404" pitchFamily="49" charset="0"/>
               <a:cs typeface="Courier New" panose="02070309020205020404" pitchFamily="49" charset="0"/>
             </a:endParaRPr>
           </a:p>
           <a:p>
             <a:r>
-              <a:rPr lang="sr-Latn-RS" sz="1200" dirty="0" smtClean="0">
+              <a:rPr lang="sr-Latn-RS" sz="1200" b="1" dirty="0" smtClean="0">
+                <a:solidFill>
+                  <a:srgbClr val="009E47"/>
+                </a:solidFill>
                 <a:latin typeface="Courier New" panose="02070309020205020404" pitchFamily="49" charset="0"/>
                 <a:cs typeface="Courier New" panose="02070309020205020404" pitchFamily="49" charset="0"/>
               </a:rPr>
               <a:t>    </a:t>
             </a:r>
             <a:r>
-              <a:rPr lang="sr-Latn-RS" sz="1200" dirty="0" err="1" smtClean="0">
+              <a:rPr lang="sr-Latn-RS" sz="1200" b="1" dirty="0" err="1" smtClean="0">
+                <a:solidFill>
+                  <a:srgbClr val="009E47"/>
+                </a:solidFill>
                 <a:latin typeface="Courier New" panose="02070309020205020404" pitchFamily="49" charset="0"/>
                 <a:cs typeface="Courier New" panose="02070309020205020404" pitchFamily="49" charset="0"/>
               </a:rPr>
               <a:t>main</a:t>
             </a:r>
             <a:r>
-              <a:rPr lang="sr-Latn-RS" sz="1200" dirty="0" smtClean="0">
-                <a:latin typeface="Courier New" panose="02070309020205020404" pitchFamily="49" charset="0"/>
-                <a:cs typeface="Courier New" panose="02070309020205020404" pitchFamily="49" charset="0"/>
-              </a:rPr>
-              <a:t> </a:t>
-            </a:r>
-            <a:r>
-              <a:rPr lang="sr-Latn-RS" sz="1200" dirty="0">
+              <a:rPr lang="sr-Latn-RS" sz="1200" b="1" dirty="0" smtClean="0">
+                <a:solidFill>
+                  <a:srgbClr val="009E47"/>
+                </a:solidFill>
+                <a:latin typeface="Courier New" panose="02070309020205020404" pitchFamily="49" charset="0"/>
+                <a:cs typeface="Courier New" panose="02070309020205020404" pitchFamily="49" charset="0"/>
+              </a:rPr>
+              <a:t> </a:t>
+            </a:r>
+            <a:r>
+              <a:rPr lang="sr-Latn-RS" sz="1200" b="1" dirty="0">
+                <a:solidFill>
+                  <a:srgbClr val="009E47"/>
+                </a:solidFill>
                 <a:latin typeface="Courier New" panose="02070309020205020404" pitchFamily="49" charset="0"/>
                 <a:cs typeface="Courier New" panose="02070309020205020404" pitchFamily="49" charset="0"/>
               </a:rPr>
@@ -4339,63 +8638,90 @@
           </a:p>
           <a:p>
             <a:r>
-              <a:rPr lang="sr-Latn-RS" sz="1200" dirty="0" smtClean="0">
+              <a:rPr lang="sr-Latn-RS" sz="1200" b="1" dirty="0" smtClean="0">
+                <a:solidFill>
+                  <a:srgbClr val="009E47"/>
+                </a:solidFill>
                 <a:latin typeface="Courier New" panose="02070309020205020404" pitchFamily="49" charset="0"/>
                 <a:cs typeface="Courier New" panose="02070309020205020404" pitchFamily="49" charset="0"/>
               </a:rPr>
               <a:t>      </a:t>
             </a:r>
             <a:r>
-              <a:rPr lang="en-US" sz="1200" dirty="0" smtClean="0">
+              <a:rPr lang="en-US" sz="1200" b="1" dirty="0" smtClean="0">
+                <a:solidFill>
+                  <a:srgbClr val="009E47"/>
+                </a:solidFill>
                 <a:latin typeface="Courier New" panose="02070309020205020404" pitchFamily="49" charset="0"/>
                 <a:cs typeface="Courier New" panose="02070309020205020404" pitchFamily="49" charset="0"/>
               </a:rPr>
               <a:t>background-color</a:t>
             </a:r>
             <a:r>
-              <a:rPr lang="en-US" sz="1200" dirty="0">
+              <a:rPr lang="en-US" sz="1200" b="1" dirty="0">
+                <a:solidFill>
+                  <a:srgbClr val="009E47"/>
+                </a:solidFill>
                 <a:latin typeface="Courier New" panose="02070309020205020404" pitchFamily="49" charset="0"/>
                 <a:cs typeface="Courier New" panose="02070309020205020404" pitchFamily="49" charset="0"/>
               </a:rPr>
               <a:t>: white; /* </a:t>
             </a:r>
             <a:r>
-              <a:rPr lang="en-US" sz="1200" dirty="0" err="1">
+              <a:rPr lang="en-US" sz="1200" b="1" dirty="0" err="1">
+                <a:solidFill>
+                  <a:srgbClr val="009E47"/>
+                </a:solidFill>
                 <a:latin typeface="Courier New" panose="02070309020205020404" pitchFamily="49" charset="0"/>
                 <a:cs typeface="Courier New" panose="02070309020205020404" pitchFamily="49" charset="0"/>
               </a:rPr>
               <a:t>bela</a:t>
             </a:r>
             <a:r>
-              <a:rPr lang="en-US" sz="1200" dirty="0">
-                <a:latin typeface="Courier New" panose="02070309020205020404" pitchFamily="49" charset="0"/>
-                <a:cs typeface="Courier New" panose="02070309020205020404" pitchFamily="49" charset="0"/>
-              </a:rPr>
-              <a:t> </a:t>
-            </a:r>
-            <a:r>
-              <a:rPr lang="en-US" sz="1200" dirty="0" err="1">
+              <a:rPr lang="en-US" sz="1200" b="1" dirty="0">
+                <a:solidFill>
+                  <a:srgbClr val="009E47"/>
+                </a:solidFill>
+                <a:latin typeface="Courier New" panose="02070309020205020404" pitchFamily="49" charset="0"/>
+                <a:cs typeface="Courier New" panose="02070309020205020404" pitchFamily="49" charset="0"/>
+              </a:rPr>
+              <a:t> </a:t>
+            </a:r>
+            <a:r>
+              <a:rPr lang="en-US" sz="1200" b="1" dirty="0" err="1">
+                <a:solidFill>
+                  <a:srgbClr val="009E47"/>
+                </a:solidFill>
                 <a:latin typeface="Courier New" panose="02070309020205020404" pitchFamily="49" charset="0"/>
                 <a:cs typeface="Courier New" panose="02070309020205020404" pitchFamily="49" charset="0"/>
               </a:rPr>
               <a:t>boja</a:t>
             </a:r>
             <a:r>
-              <a:rPr lang="en-US" sz="1200" dirty="0">
-                <a:latin typeface="Courier New" panose="02070309020205020404" pitchFamily="49" charset="0"/>
-                <a:cs typeface="Courier New" panose="02070309020205020404" pitchFamily="49" charset="0"/>
-              </a:rPr>
-              <a:t> </a:t>
-            </a:r>
-            <a:r>
-              <a:rPr lang="en-US" sz="1200" dirty="0" err="1">
+              <a:rPr lang="en-US" sz="1200" b="1" dirty="0">
+                <a:solidFill>
+                  <a:srgbClr val="009E47"/>
+                </a:solidFill>
+                <a:latin typeface="Courier New" panose="02070309020205020404" pitchFamily="49" charset="0"/>
+                <a:cs typeface="Courier New" panose="02070309020205020404" pitchFamily="49" charset="0"/>
+              </a:rPr>
+              <a:t> </a:t>
+            </a:r>
+            <a:r>
+              <a:rPr lang="en-US" sz="1200" b="1" dirty="0" err="1">
+                <a:solidFill>
+                  <a:srgbClr val="009E47"/>
+                </a:solidFill>
                 <a:latin typeface="Courier New" panose="02070309020205020404" pitchFamily="49" charset="0"/>
                 <a:cs typeface="Courier New" panose="02070309020205020404" pitchFamily="49" charset="0"/>
               </a:rPr>
               <a:t>pozadine</a:t>
             </a:r>
             <a:r>
-              <a:rPr lang="en-US" sz="1200" dirty="0">
+              <a:rPr lang="en-US" sz="1200" b="1" dirty="0">
+                <a:solidFill>
+                  <a:srgbClr val="009E47"/>
+                </a:solidFill>
                 <a:latin typeface="Courier New" panose="02070309020205020404" pitchFamily="49" charset="0"/>
                 <a:cs typeface="Courier New" panose="02070309020205020404" pitchFamily="49" charset="0"/>
               </a:rPr>
@@ -4404,49 +8730,70 @@
           </a:p>
           <a:p>
             <a:r>
-              <a:rPr lang="sr-Latn-RS" sz="1200" dirty="0" smtClean="0">
+              <a:rPr lang="sr-Latn-RS" sz="1200" b="1" dirty="0" smtClean="0">
+                <a:solidFill>
+                  <a:srgbClr val="009E47"/>
+                </a:solidFill>
                 <a:latin typeface="Courier New" panose="02070309020205020404" pitchFamily="49" charset="0"/>
                 <a:cs typeface="Courier New" panose="02070309020205020404" pitchFamily="49" charset="0"/>
               </a:rPr>
               <a:t>      </a:t>
             </a:r>
             <a:r>
-              <a:rPr lang="fi-FI" sz="1200" dirty="0" err="1" smtClean="0">
+              <a:rPr lang="fi-FI" sz="1200" b="1" dirty="0" err="1" smtClean="0">
+                <a:solidFill>
+                  <a:srgbClr val="009E47"/>
+                </a:solidFill>
                 <a:latin typeface="Courier New" panose="02070309020205020404" pitchFamily="49" charset="0"/>
                 <a:cs typeface="Courier New" panose="02070309020205020404" pitchFamily="49" charset="0"/>
               </a:rPr>
               <a:t>width</a:t>
             </a:r>
             <a:r>
-              <a:rPr lang="fi-FI" sz="1200" dirty="0">
+              <a:rPr lang="fi-FI" sz="1200" b="1" dirty="0">
+                <a:solidFill>
+                  <a:srgbClr val="009E47"/>
+                </a:solidFill>
                 <a:latin typeface="Courier New" panose="02070309020205020404" pitchFamily="49" charset="0"/>
                 <a:cs typeface="Courier New" panose="02070309020205020404" pitchFamily="49" charset="0"/>
               </a:rPr>
               <a:t>: 800px; /* </a:t>
             </a:r>
             <a:r>
-              <a:rPr lang="fi-FI" sz="1200" dirty="0" err="1">
+              <a:rPr lang="fi-FI" sz="1200" b="1" dirty="0" err="1">
+                <a:solidFill>
+                  <a:srgbClr val="009E47"/>
+                </a:solidFill>
                 <a:latin typeface="Courier New" panose="02070309020205020404" pitchFamily="49" charset="0"/>
                 <a:cs typeface="Courier New" panose="02070309020205020404" pitchFamily="49" charset="0"/>
               </a:rPr>
               <a:t>sirina</a:t>
             </a:r>
             <a:r>
-              <a:rPr lang="fi-FI" sz="1200" dirty="0">
+              <a:rPr lang="fi-FI" sz="1200" b="1" dirty="0">
+                <a:solidFill>
+                  <a:srgbClr val="009E47"/>
+                </a:solidFill>
                 <a:latin typeface="Courier New" panose="02070309020205020404" pitchFamily="49" charset="0"/>
                 <a:cs typeface="Courier New" panose="02070309020205020404" pitchFamily="49" charset="0"/>
               </a:rPr>
               <a:t> 800 </a:t>
             </a:r>
             <a:r>
-              <a:rPr lang="fi-FI" sz="1200" dirty="0" err="1">
+              <a:rPr lang="fi-FI" sz="1200" b="1" dirty="0" err="1">
+                <a:solidFill>
+                  <a:srgbClr val="009E47"/>
+                </a:solidFill>
                 <a:latin typeface="Courier New" panose="02070309020205020404" pitchFamily="49" charset="0"/>
                 <a:cs typeface="Courier New" panose="02070309020205020404" pitchFamily="49" charset="0"/>
               </a:rPr>
               <a:t>piksela</a:t>
             </a:r>
             <a:r>
-              <a:rPr lang="fi-FI" sz="1200" dirty="0">
+              <a:rPr lang="fi-FI" sz="1200" b="1" dirty="0">
+                <a:solidFill>
+                  <a:srgbClr val="009E47"/>
+                </a:solidFill>
                 <a:latin typeface="Courier New" panose="02070309020205020404" pitchFamily="49" charset="0"/>
                 <a:cs typeface="Courier New" panose="02070309020205020404" pitchFamily="49" charset="0"/>
               </a:rPr>
@@ -4455,63 +8802,90 @@
           </a:p>
           <a:p>
             <a:r>
-              <a:rPr lang="sr-Latn-RS" sz="1200" dirty="0" smtClean="0">
+              <a:rPr lang="sr-Latn-RS" sz="1200" b="1" dirty="0" smtClean="0">
+                <a:solidFill>
+                  <a:srgbClr val="009E47"/>
+                </a:solidFill>
                 <a:latin typeface="Courier New" panose="02070309020205020404" pitchFamily="49" charset="0"/>
                 <a:cs typeface="Courier New" panose="02070309020205020404" pitchFamily="49" charset="0"/>
               </a:rPr>
               <a:t>      </a:t>
             </a:r>
             <a:r>
-              <a:rPr lang="it-IT" sz="1200" dirty="0" err="1" smtClean="0">
+              <a:rPr lang="it-IT" sz="1200" b="1" dirty="0" err="1" smtClean="0">
+                <a:solidFill>
+                  <a:srgbClr val="009E47"/>
+                </a:solidFill>
                 <a:latin typeface="Courier New" panose="02070309020205020404" pitchFamily="49" charset="0"/>
                 <a:cs typeface="Courier New" panose="02070309020205020404" pitchFamily="49" charset="0"/>
               </a:rPr>
               <a:t>margin</a:t>
             </a:r>
             <a:r>
-              <a:rPr lang="it-IT" sz="1200" dirty="0">
+              <a:rPr lang="it-IT" sz="1200" b="1" dirty="0">
+                <a:solidFill>
+                  <a:srgbClr val="009E47"/>
+                </a:solidFill>
                 <a:latin typeface="Courier New" panose="02070309020205020404" pitchFamily="49" charset="0"/>
                 <a:cs typeface="Courier New" panose="02070309020205020404" pitchFamily="49" charset="0"/>
               </a:rPr>
               <a:t>: auto; /* </a:t>
             </a:r>
             <a:r>
-              <a:rPr lang="it-IT" sz="1200" dirty="0" err="1">
+              <a:rPr lang="it-IT" sz="1200" b="1" dirty="0" err="1">
+                <a:solidFill>
+                  <a:srgbClr val="009E47"/>
+                </a:solidFill>
                 <a:latin typeface="Courier New" panose="02070309020205020404" pitchFamily="49" charset="0"/>
                 <a:cs typeface="Courier New" panose="02070309020205020404" pitchFamily="49" charset="0"/>
               </a:rPr>
               <a:t>centriran</a:t>
             </a:r>
             <a:r>
-              <a:rPr lang="it-IT" sz="1200" dirty="0">
-                <a:latin typeface="Courier New" panose="02070309020205020404" pitchFamily="49" charset="0"/>
-                <a:cs typeface="Courier New" panose="02070309020205020404" pitchFamily="49" charset="0"/>
-              </a:rPr>
-              <a:t> </a:t>
-            </a:r>
-            <a:r>
-              <a:rPr lang="it-IT" sz="1200" dirty="0" err="1">
+              <a:rPr lang="it-IT" sz="1200" b="1" dirty="0">
+                <a:solidFill>
+                  <a:srgbClr val="009E47"/>
+                </a:solidFill>
+                <a:latin typeface="Courier New" panose="02070309020205020404" pitchFamily="49" charset="0"/>
+                <a:cs typeface="Courier New" panose="02070309020205020404" pitchFamily="49" charset="0"/>
+              </a:rPr>
+              <a:t> </a:t>
+            </a:r>
+            <a:r>
+              <a:rPr lang="it-IT" sz="1200" b="1" dirty="0" err="1">
+                <a:solidFill>
+                  <a:srgbClr val="009E47"/>
+                </a:solidFill>
                 <a:latin typeface="Courier New" panose="02070309020205020404" pitchFamily="49" charset="0"/>
                 <a:cs typeface="Courier New" panose="02070309020205020404" pitchFamily="49" charset="0"/>
               </a:rPr>
               <a:t>glavni</a:t>
             </a:r>
             <a:r>
-              <a:rPr lang="it-IT" sz="1200" dirty="0">
-                <a:latin typeface="Courier New" panose="02070309020205020404" pitchFamily="49" charset="0"/>
-                <a:cs typeface="Courier New" panose="02070309020205020404" pitchFamily="49" charset="0"/>
-              </a:rPr>
-              <a:t> </a:t>
-            </a:r>
-            <a:r>
-              <a:rPr lang="it-IT" sz="1200" dirty="0" err="1">
+              <a:rPr lang="it-IT" sz="1200" b="1" dirty="0">
+                <a:solidFill>
+                  <a:srgbClr val="009E47"/>
+                </a:solidFill>
+                <a:latin typeface="Courier New" panose="02070309020205020404" pitchFamily="49" charset="0"/>
+                <a:cs typeface="Courier New" panose="02070309020205020404" pitchFamily="49" charset="0"/>
+              </a:rPr>
+              <a:t> </a:t>
+            </a:r>
+            <a:r>
+              <a:rPr lang="it-IT" sz="1200" b="1" dirty="0" err="1">
+                <a:solidFill>
+                  <a:srgbClr val="009E47"/>
+                </a:solidFill>
                 <a:latin typeface="Courier New" panose="02070309020205020404" pitchFamily="49" charset="0"/>
                 <a:cs typeface="Courier New" panose="02070309020205020404" pitchFamily="49" charset="0"/>
               </a:rPr>
               <a:t>deo</a:t>
             </a:r>
             <a:r>
-              <a:rPr lang="it-IT" sz="1200" dirty="0">
+              <a:rPr lang="it-IT" sz="1200" b="1" dirty="0">
+                <a:solidFill>
+                  <a:srgbClr val="009E47"/>
+                </a:solidFill>
                 <a:latin typeface="Courier New" panose="02070309020205020404" pitchFamily="49" charset="0"/>
                 <a:cs typeface="Courier New" panose="02070309020205020404" pitchFamily="49" charset="0"/>
               </a:rPr>
@@ -4520,35 +8894,50 @@
           </a:p>
           <a:p>
             <a:r>
-              <a:rPr lang="sr-Latn-RS" sz="1200" dirty="0" smtClean="0">
+              <a:rPr lang="sr-Latn-RS" sz="1200" b="1" dirty="0" smtClean="0">
+                <a:solidFill>
+                  <a:srgbClr val="009E47"/>
+                </a:solidFill>
                 <a:latin typeface="Courier New" panose="02070309020205020404" pitchFamily="49" charset="0"/>
                 <a:cs typeface="Courier New" panose="02070309020205020404" pitchFamily="49" charset="0"/>
               </a:rPr>
               <a:t>      </a:t>
             </a:r>
             <a:r>
-              <a:rPr lang="sr-Latn-RS" sz="1200" dirty="0" err="1" smtClean="0">
+              <a:rPr lang="sr-Latn-RS" sz="1200" b="1" dirty="0" err="1" smtClean="0">
+                <a:solidFill>
+                  <a:srgbClr val="009E47"/>
+                </a:solidFill>
                 <a:latin typeface="Courier New" panose="02070309020205020404" pitchFamily="49" charset="0"/>
                 <a:cs typeface="Courier New" panose="02070309020205020404" pitchFamily="49" charset="0"/>
               </a:rPr>
               <a:t>padding</a:t>
             </a:r>
             <a:r>
-              <a:rPr lang="sr-Latn-RS" sz="1200" dirty="0">
+              <a:rPr lang="sr-Latn-RS" sz="1200" b="1" dirty="0">
+                <a:solidFill>
+                  <a:srgbClr val="009E47"/>
+                </a:solidFill>
                 <a:latin typeface="Courier New" panose="02070309020205020404" pitchFamily="49" charset="0"/>
                 <a:cs typeface="Courier New" panose="02070309020205020404" pitchFamily="49" charset="0"/>
               </a:rPr>
               <a:t>: 20px; /* </a:t>
             </a:r>
             <a:r>
-              <a:rPr lang="sr-Latn-RS" sz="1200" dirty="0" err="1">
+              <a:rPr lang="sr-Latn-RS" sz="1200" b="1" dirty="0" err="1">
+                <a:solidFill>
+                  <a:srgbClr val="009E47"/>
+                </a:solidFill>
                 <a:latin typeface="Courier New" panose="02070309020205020404" pitchFamily="49" charset="0"/>
                 <a:cs typeface="Courier New" panose="02070309020205020404" pitchFamily="49" charset="0"/>
               </a:rPr>
               <a:t>unutrasnja</a:t>
             </a:r>
             <a:r>
-              <a:rPr lang="sr-Latn-RS" sz="1200" dirty="0">
+              <a:rPr lang="sr-Latn-RS" sz="1200" b="1" dirty="0">
+                <a:solidFill>
+                  <a:srgbClr val="009E47"/>
+                </a:solidFill>
                 <a:latin typeface="Courier New" panose="02070309020205020404" pitchFamily="49" charset="0"/>
                 <a:cs typeface="Courier New" panose="02070309020205020404" pitchFamily="49" charset="0"/>
               </a:rPr>
@@ -4557,49 +8946,70 @@
           </a:p>
           <a:p>
             <a:r>
-              <a:rPr lang="sr-Latn-RS" sz="1200" dirty="0" smtClean="0">
+              <a:rPr lang="sr-Latn-RS" sz="1200" b="1" dirty="0" smtClean="0">
+                <a:solidFill>
+                  <a:srgbClr val="009E47"/>
+                </a:solidFill>
                 <a:latin typeface="Courier New" panose="02070309020205020404" pitchFamily="49" charset="0"/>
                 <a:cs typeface="Courier New" panose="02070309020205020404" pitchFamily="49" charset="0"/>
               </a:rPr>
               <a:t>      </a:t>
             </a:r>
             <a:r>
-              <a:rPr lang="sr-Latn-RS" sz="1200" dirty="0" err="1" smtClean="0">
+              <a:rPr lang="sr-Latn-RS" sz="1200" b="1" dirty="0" err="1" smtClean="0">
+                <a:solidFill>
+                  <a:srgbClr val="009E47"/>
+                </a:solidFill>
                 <a:latin typeface="Courier New" panose="02070309020205020404" pitchFamily="49" charset="0"/>
                 <a:cs typeface="Courier New" panose="02070309020205020404" pitchFamily="49" charset="0"/>
               </a:rPr>
               <a:t>border</a:t>
             </a:r>
             <a:r>
-              <a:rPr lang="sr-Latn-RS" sz="1200" dirty="0">
+              <a:rPr lang="sr-Latn-RS" sz="1200" b="1" dirty="0">
+                <a:solidFill>
+                  <a:srgbClr val="009E47"/>
+                </a:solidFill>
                 <a:latin typeface="Courier New" panose="02070309020205020404" pitchFamily="49" charset="0"/>
                 <a:cs typeface="Courier New" panose="02070309020205020404" pitchFamily="49" charset="0"/>
               </a:rPr>
               <a:t>: 1px solid </a:t>
             </a:r>
             <a:r>
-              <a:rPr lang="sr-Latn-RS" sz="1200" dirty="0" err="1">
+              <a:rPr lang="sr-Latn-RS" sz="1200" b="1" dirty="0" err="1">
+                <a:solidFill>
+                  <a:srgbClr val="009E47"/>
+                </a:solidFill>
                 <a:latin typeface="Courier New" panose="02070309020205020404" pitchFamily="49" charset="0"/>
                 <a:cs typeface="Courier New" panose="02070309020205020404" pitchFamily="49" charset="0"/>
               </a:rPr>
               <a:t>grey</a:t>
             </a:r>
             <a:r>
-              <a:rPr lang="sr-Latn-RS" sz="1200" dirty="0">
+              <a:rPr lang="sr-Latn-RS" sz="1200" b="1" dirty="0">
+                <a:solidFill>
+                  <a:srgbClr val="009E47"/>
+                </a:solidFill>
                 <a:latin typeface="Courier New" panose="02070309020205020404" pitchFamily="49" charset="0"/>
                 <a:cs typeface="Courier New" panose="02070309020205020404" pitchFamily="49" charset="0"/>
               </a:rPr>
               <a:t>; /* okvir: 1 </a:t>
             </a:r>
             <a:r>
-              <a:rPr lang="sr-Latn-RS" sz="1200" dirty="0" err="1">
+              <a:rPr lang="sr-Latn-RS" sz="1200" b="1" dirty="0" err="1">
+                <a:solidFill>
+                  <a:srgbClr val="009E47"/>
+                </a:solidFill>
                 <a:latin typeface="Courier New" panose="02070309020205020404" pitchFamily="49" charset="0"/>
                 <a:cs typeface="Courier New" panose="02070309020205020404" pitchFamily="49" charset="0"/>
               </a:rPr>
               <a:t>px</a:t>
             </a:r>
             <a:r>
-              <a:rPr lang="sr-Latn-RS" sz="1200" dirty="0">
+              <a:rPr lang="sr-Latn-RS" sz="1200" b="1" dirty="0">
+                <a:solidFill>
+                  <a:srgbClr val="009E47"/>
+                </a:solidFill>
                 <a:latin typeface="Courier New" panose="02070309020205020404" pitchFamily="49" charset="0"/>
                 <a:cs typeface="Courier New" panose="02070309020205020404" pitchFamily="49" charset="0"/>
               </a:rPr>
@@ -4608,49 +9018,70 @@
           </a:p>
           <a:p>
             <a:r>
-              <a:rPr lang="sr-Latn-RS" sz="1200" dirty="0" smtClean="0">
+              <a:rPr lang="sr-Latn-RS" sz="1200" b="1" dirty="0" smtClean="0">
+                <a:solidFill>
+                  <a:srgbClr val="009E47"/>
+                </a:solidFill>
                 <a:latin typeface="Courier New" panose="02070309020205020404" pitchFamily="49" charset="0"/>
                 <a:cs typeface="Courier New" panose="02070309020205020404" pitchFamily="49" charset="0"/>
               </a:rPr>
               <a:t>      </a:t>
             </a:r>
             <a:r>
-              <a:rPr lang="sr-Latn-RS" sz="1200" dirty="0" err="1" smtClean="0">
+              <a:rPr lang="sr-Latn-RS" sz="1200" b="1" dirty="0" err="1" smtClean="0">
+                <a:solidFill>
+                  <a:srgbClr val="009E47"/>
+                </a:solidFill>
                 <a:latin typeface="Courier New" panose="02070309020205020404" pitchFamily="49" charset="0"/>
                 <a:cs typeface="Courier New" panose="02070309020205020404" pitchFamily="49" charset="0"/>
               </a:rPr>
               <a:t>box</a:t>
             </a:r>
             <a:r>
-              <a:rPr lang="sr-Latn-RS" sz="1200" dirty="0" smtClean="0">
+              <a:rPr lang="sr-Latn-RS" sz="1200" b="1" dirty="0" smtClean="0">
+                <a:solidFill>
+                  <a:srgbClr val="009E47"/>
+                </a:solidFill>
                 <a:latin typeface="Courier New" panose="02070309020205020404" pitchFamily="49" charset="0"/>
                 <a:cs typeface="Courier New" panose="02070309020205020404" pitchFamily="49" charset="0"/>
               </a:rPr>
               <a:t>-</a:t>
             </a:r>
             <a:r>
-              <a:rPr lang="sr-Latn-RS" sz="1200" dirty="0" err="1" smtClean="0">
+              <a:rPr lang="sr-Latn-RS" sz="1200" b="1" dirty="0" err="1" smtClean="0">
+                <a:solidFill>
+                  <a:srgbClr val="009E47"/>
+                </a:solidFill>
                 <a:latin typeface="Courier New" panose="02070309020205020404" pitchFamily="49" charset="0"/>
                 <a:cs typeface="Courier New" panose="02070309020205020404" pitchFamily="49" charset="0"/>
               </a:rPr>
               <a:t>shadow</a:t>
             </a:r>
             <a:r>
-              <a:rPr lang="sr-Latn-RS" sz="1200" dirty="0">
+              <a:rPr lang="sr-Latn-RS" sz="1200" b="1" dirty="0">
+                <a:solidFill>
+                  <a:srgbClr val="009E47"/>
+                </a:solidFill>
                 <a:latin typeface="Courier New" panose="02070309020205020404" pitchFamily="49" charset="0"/>
                 <a:cs typeface="Courier New" panose="02070309020205020404" pitchFamily="49" charset="0"/>
               </a:rPr>
               <a:t>: 10px </a:t>
             </a:r>
             <a:r>
-              <a:rPr lang="sr-Latn-RS" sz="1200" dirty="0" err="1">
+              <a:rPr lang="sr-Latn-RS" sz="1200" b="1" dirty="0" err="1">
+                <a:solidFill>
+                  <a:srgbClr val="009E47"/>
+                </a:solidFill>
                 <a:latin typeface="Courier New" panose="02070309020205020404" pitchFamily="49" charset="0"/>
                 <a:cs typeface="Courier New" panose="02070309020205020404" pitchFamily="49" charset="0"/>
               </a:rPr>
               <a:t>10px</a:t>
             </a:r>
             <a:r>
-              <a:rPr lang="sr-Latn-RS" sz="1200" dirty="0">
+              <a:rPr lang="sr-Latn-RS" sz="1200" b="1" dirty="0">
+                <a:solidFill>
+                  <a:srgbClr val="009E47"/>
+                </a:solidFill>
                 <a:latin typeface="Courier New" panose="02070309020205020404" pitchFamily="49" charset="0"/>
                 <a:cs typeface="Courier New" panose="02070309020205020404" pitchFamily="49" charset="0"/>
               </a:rPr>
@@ -4659,35 +9090,50 @@
           </a:p>
           <a:p>
             <a:r>
-              <a:rPr lang="sr-Latn-RS" sz="1200" dirty="0" smtClean="0">
+              <a:rPr lang="sr-Latn-RS" sz="1200" b="1" dirty="0" smtClean="0">
+                <a:solidFill>
+                  <a:srgbClr val="009E47"/>
+                </a:solidFill>
                 <a:latin typeface="Courier New" panose="02070309020205020404" pitchFamily="49" charset="0"/>
                 <a:cs typeface="Courier New" panose="02070309020205020404" pitchFamily="49" charset="0"/>
               </a:rPr>
               <a:t>      </a:t>
             </a:r>
             <a:r>
-              <a:rPr lang="sr-Latn-RS" sz="1200" dirty="0" err="1" smtClean="0">
+              <a:rPr lang="sr-Latn-RS" sz="1200" b="1" dirty="0" err="1" smtClean="0">
+                <a:solidFill>
+                  <a:srgbClr val="009E47"/>
+                </a:solidFill>
                 <a:latin typeface="Courier New" panose="02070309020205020404" pitchFamily="49" charset="0"/>
                 <a:cs typeface="Courier New" panose="02070309020205020404" pitchFamily="49" charset="0"/>
               </a:rPr>
               <a:t>border</a:t>
             </a:r>
             <a:r>
-              <a:rPr lang="sr-Latn-RS" sz="1200" dirty="0" smtClean="0">
+              <a:rPr lang="sr-Latn-RS" sz="1200" b="1" dirty="0" smtClean="0">
+                <a:solidFill>
+                  <a:srgbClr val="009E47"/>
+                </a:solidFill>
                 <a:latin typeface="Courier New" panose="02070309020205020404" pitchFamily="49" charset="0"/>
                 <a:cs typeface="Courier New" panose="02070309020205020404" pitchFamily="49" charset="0"/>
               </a:rPr>
               <a:t>-</a:t>
             </a:r>
             <a:r>
-              <a:rPr lang="sr-Latn-RS" sz="1200" dirty="0" err="1" smtClean="0">
+              <a:rPr lang="sr-Latn-RS" sz="1200" b="1" dirty="0" err="1" smtClean="0">
+                <a:solidFill>
+                  <a:srgbClr val="009E47"/>
+                </a:solidFill>
                 <a:latin typeface="Courier New" panose="02070309020205020404" pitchFamily="49" charset="0"/>
                 <a:cs typeface="Courier New" panose="02070309020205020404" pitchFamily="49" charset="0"/>
               </a:rPr>
               <a:t>radius</a:t>
             </a:r>
             <a:r>
-              <a:rPr lang="sr-Latn-RS" sz="1200" dirty="0">
+              <a:rPr lang="sr-Latn-RS" sz="1200" b="1" dirty="0">
+                <a:solidFill>
+                  <a:srgbClr val="009E47"/>
+                </a:solidFill>
                 <a:latin typeface="Courier New" panose="02070309020205020404" pitchFamily="49" charset="0"/>
                 <a:cs typeface="Courier New" panose="02070309020205020404" pitchFamily="49" charset="0"/>
               </a:rPr>
@@ -4696,34 +9142,49 @@
           </a:p>
           <a:p>
             <a:r>
-              <a:rPr lang="sr-Latn-RS" sz="1200" dirty="0" smtClean="0">
+              <a:rPr lang="sr-Latn-RS" sz="1200" b="1" dirty="0" smtClean="0">
+                <a:solidFill>
+                  <a:srgbClr val="009E47"/>
+                </a:solidFill>
                 <a:latin typeface="Courier New" panose="02070309020205020404" pitchFamily="49" charset="0"/>
                 <a:cs typeface="Courier New" panose="02070309020205020404" pitchFamily="49" charset="0"/>
               </a:rPr>
               <a:t>    }</a:t>
             </a:r>
-            <a:endParaRPr lang="sr-Latn-RS" sz="1200" dirty="0">
+            <a:endParaRPr lang="sr-Latn-RS" sz="1200" b="1" dirty="0">
+              <a:solidFill>
+                <a:srgbClr val="009E47"/>
+              </a:solidFill>
               <a:latin typeface="Courier New" panose="02070309020205020404" pitchFamily="49" charset="0"/>
               <a:cs typeface="Courier New" panose="02070309020205020404" pitchFamily="49" charset="0"/>
             </a:endParaRPr>
           </a:p>
           <a:p>
             <a:r>
-              <a:rPr lang="sr-Latn-RS" sz="1200" dirty="0" smtClean="0">
+              <a:rPr lang="sr-Latn-RS" sz="1200" b="1" dirty="0" smtClean="0">
+                <a:solidFill>
+                  <a:srgbClr val="009E47"/>
+                </a:solidFill>
                 <a:latin typeface="Courier New" panose="02070309020205020404" pitchFamily="49" charset="0"/>
                 <a:cs typeface="Courier New" panose="02070309020205020404" pitchFamily="49" charset="0"/>
               </a:rPr>
               <a:t>  &lt;/</a:t>
             </a:r>
             <a:r>
-              <a:rPr lang="sr-Latn-RS" sz="1200" dirty="0" err="1">
+              <a:rPr lang="sr-Latn-RS" sz="1200" b="1" dirty="0" err="1">
+                <a:solidFill>
+                  <a:srgbClr val="009E47"/>
+                </a:solidFill>
                 <a:latin typeface="Courier New" panose="02070309020205020404" pitchFamily="49" charset="0"/>
                 <a:cs typeface="Courier New" panose="02070309020205020404" pitchFamily="49" charset="0"/>
               </a:rPr>
               <a:t>style</a:t>
             </a:r>
             <a:r>
-              <a:rPr lang="sr-Latn-RS" sz="1200" dirty="0">
+              <a:rPr lang="sr-Latn-RS" sz="1200" b="1" dirty="0">
+                <a:solidFill>
+                  <a:srgbClr val="009E47"/>
+                </a:solidFill>
                 <a:latin typeface="Courier New" panose="02070309020205020404" pitchFamily="49" charset="0"/>
                 <a:cs typeface="Courier New" panose="02070309020205020404" pitchFamily="49" charset="0"/>
               </a:rPr>
@@ -4790,12 +9251,24 @@
           <a:lstStyle/>
           <a:p>
             <a:r>
+              <a:rPr lang="sr-Latn-RS" altLang="en-US" dirty="0"/>
+              <a:t>HTML </a:t>
+            </a:r>
+            <a:r>
+              <a:rPr lang="sr-Latn-RS" altLang="en-US" dirty="0" smtClean="0"/>
+              <a:t>primer (</a:t>
+            </a:r>
+            <a:r>
+              <a:rPr lang="sr-Latn-RS" altLang="en-US" dirty="0"/>
+              <a:t>3</a:t>
+            </a:r>
+            <a:r>
               <a:rPr lang="sr-Latn-RS" altLang="en-US" dirty="0" smtClean="0">
                 <a:solidFill>
                   <a:srgbClr val="002060"/>
                 </a:solidFill>
               </a:rPr>
-              <a:t>Jezici za opis veb stranica (3)</a:t>
+              <a:t>)</a:t>
             </a:r>
             <a:endParaRPr lang="en-GB" altLang="en-US" dirty="0" smtClean="0">
               <a:solidFill>
@@ -4827,63 +9300,90 @@
           <a:lstStyle/>
           <a:p>
             <a:r>
-              <a:rPr lang="sr-Latn-RS" sz="1200" dirty="0" smtClean="0">
+              <a:rPr lang="sr-Latn-RS" sz="1200" b="1" dirty="0" smtClean="0">
+                <a:solidFill>
+                  <a:srgbClr val="009E47"/>
+                </a:solidFill>
                 <a:latin typeface="Courier New" panose="02070309020205020404" pitchFamily="49" charset="0"/>
                 <a:cs typeface="Courier New" panose="02070309020205020404" pitchFamily="49" charset="0"/>
               </a:rPr>
               <a:t>  &lt;</a:t>
             </a:r>
             <a:r>
-              <a:rPr lang="sr-Latn-RS" sz="1200" dirty="0" err="1">
+              <a:rPr lang="sr-Latn-RS" sz="1200" b="1" dirty="0" err="1">
+                <a:solidFill>
+                  <a:srgbClr val="009E47"/>
+                </a:solidFill>
                 <a:latin typeface="Courier New" panose="02070309020205020404" pitchFamily="49" charset="0"/>
                 <a:cs typeface="Courier New" panose="02070309020205020404" pitchFamily="49" charset="0"/>
               </a:rPr>
               <a:t>script</a:t>
             </a:r>
             <a:r>
-              <a:rPr lang="sr-Latn-RS" sz="1200" dirty="0">
-                <a:latin typeface="Courier New" panose="02070309020205020404" pitchFamily="49" charset="0"/>
-                <a:cs typeface="Courier New" panose="02070309020205020404" pitchFamily="49" charset="0"/>
-              </a:rPr>
-              <a:t> </a:t>
-            </a:r>
-            <a:r>
-              <a:rPr lang="sr-Latn-RS" sz="1200" dirty="0" err="1">
+              <a:rPr lang="sr-Latn-RS" sz="1200" b="1" dirty="0">
+                <a:solidFill>
+                  <a:srgbClr val="009E47"/>
+                </a:solidFill>
+                <a:latin typeface="Courier New" panose="02070309020205020404" pitchFamily="49" charset="0"/>
+                <a:cs typeface="Courier New" panose="02070309020205020404" pitchFamily="49" charset="0"/>
+              </a:rPr>
+              <a:t> </a:t>
+            </a:r>
+            <a:r>
+              <a:rPr lang="sr-Latn-RS" sz="1200" b="1" dirty="0" err="1">
+                <a:solidFill>
+                  <a:srgbClr val="009E47"/>
+                </a:solidFill>
                 <a:latin typeface="Courier New" panose="02070309020205020404" pitchFamily="49" charset="0"/>
                 <a:cs typeface="Courier New" panose="02070309020205020404" pitchFamily="49" charset="0"/>
               </a:rPr>
               <a:t>type</a:t>
             </a:r>
             <a:r>
-              <a:rPr lang="sr-Latn-RS" sz="1200" dirty="0">
+              <a:rPr lang="sr-Latn-RS" sz="1200" b="1" dirty="0">
+                <a:solidFill>
+                  <a:srgbClr val="009E47"/>
+                </a:solidFill>
                 <a:latin typeface="Courier New" panose="02070309020205020404" pitchFamily="49" charset="0"/>
                 <a:cs typeface="Courier New" panose="02070309020205020404" pitchFamily="49" charset="0"/>
               </a:rPr>
               <a:t>="</a:t>
             </a:r>
             <a:r>
-              <a:rPr lang="sr-Latn-RS" sz="1200" dirty="0" err="1">
+              <a:rPr lang="sr-Latn-RS" sz="1200" b="1" dirty="0" err="1">
+                <a:solidFill>
+                  <a:srgbClr val="009E47"/>
+                </a:solidFill>
                 <a:latin typeface="Courier New" panose="02070309020205020404" pitchFamily="49" charset="0"/>
                 <a:cs typeface="Courier New" panose="02070309020205020404" pitchFamily="49" charset="0"/>
               </a:rPr>
               <a:t>text</a:t>
             </a:r>
             <a:r>
-              <a:rPr lang="sr-Latn-RS" sz="1200" dirty="0">
+              <a:rPr lang="sr-Latn-RS" sz="1200" b="1" dirty="0">
+                <a:solidFill>
+                  <a:srgbClr val="009E47"/>
+                </a:solidFill>
                 <a:latin typeface="Courier New" panose="02070309020205020404" pitchFamily="49" charset="0"/>
                 <a:cs typeface="Courier New" panose="02070309020205020404" pitchFamily="49" charset="0"/>
               </a:rPr>
               <a:t>/</a:t>
             </a:r>
             <a:r>
-              <a:rPr lang="sr-Latn-RS" sz="1200" dirty="0" err="1">
+              <a:rPr lang="sr-Latn-RS" sz="1200" b="1" dirty="0" err="1">
+                <a:solidFill>
+                  <a:srgbClr val="009E47"/>
+                </a:solidFill>
                 <a:latin typeface="Courier New" panose="02070309020205020404" pitchFamily="49" charset="0"/>
                 <a:cs typeface="Courier New" panose="02070309020205020404" pitchFamily="49" charset="0"/>
               </a:rPr>
               <a:t>javascript</a:t>
             </a:r>
             <a:r>
-              <a:rPr lang="sr-Latn-RS" sz="1200" dirty="0">
+              <a:rPr lang="sr-Latn-RS" sz="1200" b="1" dirty="0">
+                <a:solidFill>
+                  <a:srgbClr val="009E47"/>
+                </a:solidFill>
                 <a:latin typeface="Courier New" panose="02070309020205020404" pitchFamily="49" charset="0"/>
                 <a:cs typeface="Courier New" panose="02070309020205020404" pitchFamily="49" charset="0"/>
               </a:rPr>
@@ -4892,14 +9392,20 @@
           </a:p>
           <a:p>
             <a:r>
-              <a:rPr lang="sr-Latn-RS" sz="1200" dirty="0" smtClean="0">
+              <a:rPr lang="sr-Latn-RS" sz="1200" b="1" dirty="0" smtClean="0">
+                <a:solidFill>
+                  <a:srgbClr val="009E47"/>
+                </a:solidFill>
                 <a:latin typeface="Courier New" panose="02070309020205020404" pitchFamily="49" charset="0"/>
                 <a:cs typeface="Courier New" panose="02070309020205020404" pitchFamily="49" charset="0"/>
               </a:rPr>
               <a:t>    // </a:t>
             </a:r>
             <a:r>
-              <a:rPr lang="sr-Latn-RS" sz="1200" dirty="0">
+              <a:rPr lang="sr-Latn-RS" sz="1200" b="1" dirty="0">
+                <a:solidFill>
+                  <a:srgbClr val="009E47"/>
+                </a:solidFill>
                 <a:latin typeface="Courier New" panose="02070309020205020404" pitchFamily="49" charset="0"/>
                 <a:cs typeface="Courier New" panose="02070309020205020404" pitchFamily="49" charset="0"/>
               </a:rPr>
@@ -4908,63 +9414,90 @@
           </a:p>
           <a:p>
             <a:r>
-              <a:rPr lang="sr-Latn-RS" sz="1200" dirty="0" smtClean="0">
+              <a:rPr lang="sr-Latn-RS" sz="1200" b="1" dirty="0" smtClean="0">
+                <a:solidFill>
+                  <a:srgbClr val="009E47"/>
+                </a:solidFill>
                 <a:latin typeface="Courier New" panose="02070309020205020404" pitchFamily="49" charset="0"/>
                 <a:cs typeface="Courier New" panose="02070309020205020404" pitchFamily="49" charset="0"/>
               </a:rPr>
               <a:t>    </a:t>
             </a:r>
             <a:r>
-              <a:rPr lang="sr-Latn-RS" sz="1200" dirty="0" err="1" smtClean="0">
+              <a:rPr lang="sr-Latn-RS" sz="1200" b="1" dirty="0" err="1" smtClean="0">
+                <a:solidFill>
+                  <a:srgbClr val="009E47"/>
+                </a:solidFill>
                 <a:latin typeface="Courier New" panose="02070309020205020404" pitchFamily="49" charset="0"/>
                 <a:cs typeface="Courier New" panose="02070309020205020404" pitchFamily="49" charset="0"/>
               </a:rPr>
               <a:t>document.getElementById</a:t>
             </a:r>
             <a:r>
-              <a:rPr lang="sr-Latn-RS" sz="1200" dirty="0">
+              <a:rPr lang="sr-Latn-RS" sz="1200" b="1" dirty="0">
+                <a:solidFill>
+                  <a:srgbClr val="009E47"/>
+                </a:solidFill>
                 <a:latin typeface="Courier New" panose="02070309020205020404" pitchFamily="49" charset="0"/>
                 <a:cs typeface="Courier New" panose="02070309020205020404" pitchFamily="49" charset="0"/>
               </a:rPr>
               <a:t>('naslov').</a:t>
             </a:r>
             <a:r>
-              <a:rPr lang="sr-Latn-RS" sz="1200" dirty="0" err="1">
+              <a:rPr lang="sr-Latn-RS" sz="1200" b="1" dirty="0" err="1">
+                <a:solidFill>
+                  <a:srgbClr val="009E47"/>
+                </a:solidFill>
                 <a:latin typeface="Courier New" panose="02070309020205020404" pitchFamily="49" charset="0"/>
                 <a:cs typeface="Courier New" panose="02070309020205020404" pitchFamily="49" charset="0"/>
               </a:rPr>
               <a:t>onclick</a:t>
             </a:r>
             <a:r>
-              <a:rPr lang="sr-Latn-RS" sz="1200" dirty="0">
+              <a:rPr lang="sr-Latn-RS" sz="1200" b="1" dirty="0">
+                <a:solidFill>
+                  <a:srgbClr val="009E47"/>
+                </a:solidFill>
                 <a:latin typeface="Courier New" panose="02070309020205020404" pitchFamily="49" charset="0"/>
                 <a:cs typeface="Courier New" panose="02070309020205020404" pitchFamily="49" charset="0"/>
               </a:rPr>
               <a:t> = </a:t>
             </a:r>
             <a:r>
-              <a:rPr lang="sr-Latn-RS" sz="1200" dirty="0" err="1">
+              <a:rPr lang="sr-Latn-RS" sz="1200" b="1" dirty="0" err="1">
+                <a:solidFill>
+                  <a:srgbClr val="009E47"/>
+                </a:solidFill>
                 <a:latin typeface="Courier New" panose="02070309020205020404" pitchFamily="49" charset="0"/>
                 <a:cs typeface="Courier New" panose="02070309020205020404" pitchFamily="49" charset="0"/>
               </a:rPr>
               <a:t>function</a:t>
             </a:r>
             <a:r>
-              <a:rPr lang="sr-Latn-RS" sz="1200" dirty="0">
+              <a:rPr lang="sr-Latn-RS" sz="1200" b="1" dirty="0">
+                <a:solidFill>
+                  <a:srgbClr val="009E47"/>
+                </a:solidFill>
                 <a:latin typeface="Courier New" panose="02070309020205020404" pitchFamily="49" charset="0"/>
                 <a:cs typeface="Courier New" panose="02070309020205020404" pitchFamily="49" charset="0"/>
               </a:rPr>
               <a:t>() {</a:t>
             </a:r>
             <a:r>
-              <a:rPr lang="sr-Latn-RS" sz="1200" dirty="0" err="1">
+              <a:rPr lang="sr-Latn-RS" sz="1200" b="1" dirty="0" err="1">
+                <a:solidFill>
+                  <a:srgbClr val="009E47"/>
+                </a:solidFill>
                 <a:latin typeface="Courier New" panose="02070309020205020404" pitchFamily="49" charset="0"/>
                 <a:cs typeface="Courier New" panose="02070309020205020404" pitchFamily="49" charset="0"/>
               </a:rPr>
               <a:t>this.style.color</a:t>
             </a:r>
             <a:r>
-              <a:rPr lang="sr-Latn-RS" sz="1200" dirty="0">
+              <a:rPr lang="sr-Latn-RS" sz="1200" b="1" dirty="0">
+                <a:solidFill>
+                  <a:srgbClr val="009E47"/>
+                </a:solidFill>
                 <a:latin typeface="Courier New" panose="02070309020205020404" pitchFamily="49" charset="0"/>
                 <a:cs typeface="Courier New" panose="02070309020205020404" pitchFamily="49" charset="0"/>
               </a:rPr>
@@ -4973,21 +9506,30 @@
           </a:p>
           <a:p>
             <a:r>
-              <a:rPr lang="sr-Latn-RS" sz="1200" dirty="0" smtClean="0">
+              <a:rPr lang="sr-Latn-RS" sz="1200" b="1" dirty="0" smtClean="0">
+                <a:solidFill>
+                  <a:srgbClr val="009E47"/>
+                </a:solidFill>
                 <a:latin typeface="Courier New" panose="02070309020205020404" pitchFamily="49" charset="0"/>
                 <a:cs typeface="Courier New" panose="02070309020205020404" pitchFamily="49" charset="0"/>
               </a:rPr>
               <a:t>  &lt;/</a:t>
             </a:r>
             <a:r>
-              <a:rPr lang="sr-Latn-RS" sz="1200" dirty="0" err="1">
+              <a:rPr lang="sr-Latn-RS" sz="1200" b="1" dirty="0" err="1">
+                <a:solidFill>
+                  <a:srgbClr val="009E47"/>
+                </a:solidFill>
                 <a:latin typeface="Courier New" panose="02070309020205020404" pitchFamily="49" charset="0"/>
                 <a:cs typeface="Courier New" panose="02070309020205020404" pitchFamily="49" charset="0"/>
               </a:rPr>
               <a:t>script</a:t>
             </a:r>
             <a:r>
-              <a:rPr lang="sr-Latn-RS" sz="1200" dirty="0">
+              <a:rPr lang="sr-Latn-RS" sz="1200" b="1" dirty="0">
+                <a:solidFill>
+                  <a:srgbClr val="009E47"/>
+                </a:solidFill>
                 <a:latin typeface="Courier New" panose="02070309020205020404" pitchFamily="49" charset="0"/>
                 <a:cs typeface="Courier New" panose="02070309020205020404" pitchFamily="49" charset="0"/>
               </a:rPr>
@@ -4996,21 +9538,30 @@
           </a:p>
           <a:p>
             <a:r>
-              <a:rPr lang="sr-Latn-RS" sz="1200" dirty="0">
+              <a:rPr lang="sr-Latn-RS" sz="1200" b="1" dirty="0">
+                <a:solidFill>
+                  <a:srgbClr val="009E47"/>
+                </a:solidFill>
                 <a:latin typeface="Courier New" panose="02070309020205020404" pitchFamily="49" charset="0"/>
                 <a:cs typeface="Courier New" panose="02070309020205020404" pitchFamily="49" charset="0"/>
               </a:rPr>
               <a:t>&lt;/</a:t>
             </a:r>
             <a:r>
-              <a:rPr lang="sr-Latn-RS" sz="1200" dirty="0" err="1">
+              <a:rPr lang="sr-Latn-RS" sz="1200" b="1" dirty="0" err="1">
+                <a:solidFill>
+                  <a:srgbClr val="009E47"/>
+                </a:solidFill>
                 <a:latin typeface="Courier New" panose="02070309020205020404" pitchFamily="49" charset="0"/>
                 <a:cs typeface="Courier New" panose="02070309020205020404" pitchFamily="49" charset="0"/>
               </a:rPr>
               <a:t>head</a:t>
             </a:r>
             <a:r>
-              <a:rPr lang="sr-Latn-RS" sz="1200" dirty="0">
+              <a:rPr lang="sr-Latn-RS" sz="1200" b="1" dirty="0">
+                <a:solidFill>
+                  <a:srgbClr val="009E47"/>
+                </a:solidFill>
                 <a:latin typeface="Courier New" panose="02070309020205020404" pitchFamily="49" charset="0"/>
                 <a:cs typeface="Courier New" panose="02070309020205020404" pitchFamily="49" charset="0"/>
               </a:rPr>
@@ -5019,7 +9570,10 @@
           </a:p>
           <a:p>
             <a:r>
-              <a:rPr lang="sr-Latn-RS" sz="1200" dirty="0">
+              <a:rPr lang="sr-Latn-RS" sz="1200" b="1" dirty="0">
+                <a:solidFill>
+                  <a:srgbClr val="009E47"/>
+                </a:solidFill>
                 <a:latin typeface="Courier New" panose="02070309020205020404" pitchFamily="49" charset="0"/>
                 <a:cs typeface="Courier New" panose="02070309020205020404" pitchFamily="49" charset="0"/>
               </a:rPr>
@@ -5028,21 +9582,30 @@
           </a:p>
           <a:p>
             <a:r>
-              <a:rPr lang="sr-Latn-RS" sz="1200" dirty="0">
+              <a:rPr lang="sr-Latn-RS" sz="1200" b="1" dirty="0">
+                <a:solidFill>
+                  <a:srgbClr val="009E47"/>
+                </a:solidFill>
                 <a:latin typeface="Courier New" panose="02070309020205020404" pitchFamily="49" charset="0"/>
                 <a:cs typeface="Courier New" panose="02070309020205020404" pitchFamily="49" charset="0"/>
               </a:rPr>
               <a:t>&lt;</a:t>
             </a:r>
             <a:r>
-              <a:rPr lang="sr-Latn-RS" sz="1200" dirty="0" err="1">
+              <a:rPr lang="sr-Latn-RS" sz="1200" b="1" dirty="0" err="1">
+                <a:solidFill>
+                  <a:srgbClr val="009E47"/>
+                </a:solidFill>
                 <a:latin typeface="Courier New" panose="02070309020205020404" pitchFamily="49" charset="0"/>
                 <a:cs typeface="Courier New" panose="02070309020205020404" pitchFamily="49" charset="0"/>
               </a:rPr>
               <a:t>body</a:t>
             </a:r>
             <a:r>
-              <a:rPr lang="sr-Latn-RS" sz="1200" dirty="0">
+              <a:rPr lang="sr-Latn-RS" sz="1200" b="1" dirty="0">
+                <a:solidFill>
+                  <a:srgbClr val="009E47"/>
+                </a:solidFill>
                 <a:latin typeface="Courier New" panose="02070309020205020404" pitchFamily="49" charset="0"/>
                 <a:cs typeface="Courier New" panose="02070309020205020404" pitchFamily="49" charset="0"/>
               </a:rPr>
@@ -5051,21 +9614,30 @@
           </a:p>
           <a:p>
             <a:r>
-              <a:rPr lang="sr-Latn-RS" sz="1200" dirty="0" smtClean="0">
+              <a:rPr lang="sr-Latn-RS" sz="1200" b="1" dirty="0" smtClean="0">
+                <a:solidFill>
+                  <a:srgbClr val="009E47"/>
+                </a:solidFill>
                 <a:latin typeface="Courier New" panose="02070309020205020404" pitchFamily="49" charset="0"/>
                 <a:cs typeface="Courier New" panose="02070309020205020404" pitchFamily="49" charset="0"/>
               </a:rPr>
               <a:t>  &lt;</a:t>
             </a:r>
             <a:r>
-              <a:rPr lang="sr-Latn-RS" sz="1200" dirty="0" err="1">
+              <a:rPr lang="sr-Latn-RS" sz="1200" b="1" dirty="0" err="1">
+                <a:solidFill>
+                  <a:srgbClr val="009E47"/>
+                </a:solidFill>
                 <a:latin typeface="Courier New" panose="02070309020205020404" pitchFamily="49" charset="0"/>
                 <a:cs typeface="Courier New" panose="02070309020205020404" pitchFamily="49" charset="0"/>
               </a:rPr>
               <a:t>header</a:t>
             </a:r>
             <a:r>
-              <a:rPr lang="sr-Latn-RS" sz="1200" dirty="0">
+              <a:rPr lang="sr-Latn-RS" sz="1200" b="1" dirty="0">
+                <a:solidFill>
+                  <a:srgbClr val="009E47"/>
+                </a:solidFill>
                 <a:latin typeface="Courier New" panose="02070309020205020404" pitchFamily="49" charset="0"/>
                 <a:cs typeface="Courier New" panose="02070309020205020404" pitchFamily="49" charset="0"/>
               </a:rPr>
@@ -5074,105 +9646,150 @@
           </a:p>
           <a:p>
             <a:r>
-              <a:rPr lang="sr-Latn-RS" sz="1200" dirty="0" smtClean="0">
+              <a:rPr lang="sr-Latn-RS" sz="1200" b="1" dirty="0" smtClean="0">
+                <a:solidFill>
+                  <a:srgbClr val="009E47"/>
+                </a:solidFill>
                 <a:latin typeface="Courier New" panose="02070309020205020404" pitchFamily="49" charset="0"/>
                 <a:cs typeface="Courier New" panose="02070309020205020404" pitchFamily="49" charset="0"/>
               </a:rPr>
               <a:t>    &lt;</a:t>
             </a:r>
             <a:r>
-              <a:rPr lang="sr-Latn-RS" sz="1200" dirty="0" err="1">
+              <a:rPr lang="sr-Latn-RS" sz="1200" b="1" dirty="0" err="1">
+                <a:solidFill>
+                  <a:srgbClr val="009E47"/>
+                </a:solidFill>
                 <a:latin typeface="Courier New" panose="02070309020205020404" pitchFamily="49" charset="0"/>
                 <a:cs typeface="Courier New" panose="02070309020205020404" pitchFamily="49" charset="0"/>
               </a:rPr>
               <a:t>img</a:t>
             </a:r>
             <a:r>
-              <a:rPr lang="sr-Latn-RS" sz="1200" dirty="0">
-                <a:latin typeface="Courier New" panose="02070309020205020404" pitchFamily="49" charset="0"/>
-                <a:cs typeface="Courier New" panose="02070309020205020404" pitchFamily="49" charset="0"/>
-              </a:rPr>
-              <a:t> </a:t>
-            </a:r>
-            <a:r>
-              <a:rPr lang="sr-Latn-RS" sz="1200" dirty="0" err="1">
+              <a:rPr lang="sr-Latn-RS" sz="1200" b="1" dirty="0">
+                <a:solidFill>
+                  <a:srgbClr val="009E47"/>
+                </a:solidFill>
+                <a:latin typeface="Courier New" panose="02070309020205020404" pitchFamily="49" charset="0"/>
+                <a:cs typeface="Courier New" panose="02070309020205020404" pitchFamily="49" charset="0"/>
+              </a:rPr>
+              <a:t> </a:t>
+            </a:r>
+            <a:r>
+              <a:rPr lang="sr-Latn-RS" sz="1200" b="1" dirty="0" err="1">
+                <a:solidFill>
+                  <a:srgbClr val="009E47"/>
+                </a:solidFill>
                 <a:latin typeface="Courier New" panose="02070309020205020404" pitchFamily="49" charset="0"/>
                 <a:cs typeface="Courier New" panose="02070309020205020404" pitchFamily="49" charset="0"/>
               </a:rPr>
               <a:t>src</a:t>
             </a:r>
             <a:r>
-              <a:rPr lang="sr-Latn-RS" sz="1200" dirty="0">
+              <a:rPr lang="sr-Latn-RS" sz="1200" b="1" dirty="0">
+                <a:solidFill>
+                  <a:srgbClr val="009E47"/>
+                </a:solidFill>
                 <a:latin typeface="Courier New" panose="02070309020205020404" pitchFamily="49" charset="0"/>
                 <a:cs typeface="Courier New" panose="02070309020205020404" pitchFamily="49" charset="0"/>
               </a:rPr>
               <a:t>="</a:t>
             </a:r>
             <a:r>
-              <a:rPr lang="sr-Latn-RS" sz="1200" dirty="0" err="1">
+              <a:rPr lang="sr-Latn-RS" sz="1200" b="1" dirty="0" err="1">
+                <a:solidFill>
+                  <a:srgbClr val="009E47"/>
+                </a:solidFill>
                 <a:latin typeface="Courier New" panose="02070309020205020404" pitchFamily="49" charset="0"/>
                 <a:cs typeface="Courier New" panose="02070309020205020404" pitchFamily="49" charset="0"/>
               </a:rPr>
               <a:t>web</a:t>
             </a:r>
             <a:r>
-              <a:rPr lang="sr-Latn-RS" sz="1200" dirty="0">
+              <a:rPr lang="sr-Latn-RS" sz="1200" b="1" dirty="0">
+                <a:solidFill>
+                  <a:srgbClr val="009E47"/>
+                </a:solidFill>
                 <a:latin typeface="Courier New" panose="02070309020205020404" pitchFamily="49" charset="0"/>
                 <a:cs typeface="Courier New" panose="02070309020205020404" pitchFamily="49" charset="0"/>
               </a:rPr>
               <a:t>-</a:t>
             </a:r>
             <a:r>
-              <a:rPr lang="sr-Latn-RS" sz="1200" dirty="0" err="1">
+              <a:rPr lang="sr-Latn-RS" sz="1200" b="1" dirty="0" err="1">
+                <a:solidFill>
+                  <a:srgbClr val="009E47"/>
+                </a:solidFill>
                 <a:latin typeface="Courier New" panose="02070309020205020404" pitchFamily="49" charset="0"/>
                 <a:cs typeface="Courier New" panose="02070309020205020404" pitchFamily="49" charset="0"/>
               </a:rPr>
               <a:t>logos.png</a:t>
             </a:r>
             <a:r>
-              <a:rPr lang="sr-Latn-RS" sz="1200" dirty="0">
+              <a:rPr lang="sr-Latn-RS" sz="1200" b="1" dirty="0">
+                <a:solidFill>
+                  <a:srgbClr val="009E47"/>
+                </a:solidFill>
                 <a:latin typeface="Courier New" panose="02070309020205020404" pitchFamily="49" charset="0"/>
                 <a:cs typeface="Courier New" panose="02070309020205020404" pitchFamily="49" charset="0"/>
               </a:rPr>
               <a:t>" </a:t>
             </a:r>
             <a:r>
-              <a:rPr lang="sr-Latn-RS" sz="1200" dirty="0" err="1">
+              <a:rPr lang="sr-Latn-RS" sz="1200" b="1" dirty="0" err="1">
+                <a:solidFill>
+                  <a:srgbClr val="009E47"/>
+                </a:solidFill>
                 <a:latin typeface="Courier New" panose="02070309020205020404" pitchFamily="49" charset="0"/>
                 <a:cs typeface="Courier New" panose="02070309020205020404" pitchFamily="49" charset="0"/>
               </a:rPr>
               <a:t>alt</a:t>
             </a:r>
             <a:r>
-              <a:rPr lang="sr-Latn-RS" sz="1200" dirty="0">
+              <a:rPr lang="sr-Latn-RS" sz="1200" b="1" dirty="0">
+                <a:solidFill>
+                  <a:srgbClr val="009E47"/>
+                </a:solidFill>
                 <a:latin typeface="Courier New" panose="02070309020205020404" pitchFamily="49" charset="0"/>
                 <a:cs typeface="Courier New" panose="02070309020205020404" pitchFamily="49" charset="0"/>
               </a:rPr>
               <a:t>="</a:t>
             </a:r>
             <a:r>
-              <a:rPr lang="sr-Latn-RS" sz="1200" dirty="0" err="1">
+              <a:rPr lang="sr-Latn-RS" sz="1200" b="1" dirty="0" err="1">
+                <a:solidFill>
+                  <a:srgbClr val="009E47"/>
+                </a:solidFill>
                 <a:latin typeface="Courier New" panose="02070309020205020404" pitchFamily="49" charset="0"/>
                 <a:cs typeface="Courier New" panose="02070309020205020404" pitchFamily="49" charset="0"/>
               </a:rPr>
               <a:t>logotipi</a:t>
             </a:r>
             <a:r>
-              <a:rPr lang="sr-Latn-RS" sz="1200" dirty="0">
+              <a:rPr lang="sr-Latn-RS" sz="1200" b="1" dirty="0">
+                <a:solidFill>
+                  <a:srgbClr val="009E47"/>
+                </a:solidFill>
                 <a:latin typeface="Courier New" panose="02070309020205020404" pitchFamily="49" charset="0"/>
                 <a:cs typeface="Courier New" panose="02070309020205020404" pitchFamily="49" charset="0"/>
               </a:rPr>
               <a:t>" </a:t>
             </a:r>
             <a:r>
-              <a:rPr lang="sr-Latn-RS" sz="1200" dirty="0" err="1">
+              <a:rPr lang="sr-Latn-RS" sz="1200" b="1" dirty="0" err="1">
+                <a:solidFill>
+                  <a:srgbClr val="009E47"/>
+                </a:solidFill>
                 <a:latin typeface="Courier New" panose="02070309020205020404" pitchFamily="49" charset="0"/>
                 <a:cs typeface="Courier New" panose="02070309020205020404" pitchFamily="49" charset="0"/>
               </a:rPr>
               <a:t>width</a:t>
             </a:r>
             <a:r>
-              <a:rPr lang="sr-Latn-RS" sz="1200" dirty="0">
+              <a:rPr lang="sr-Latn-RS" sz="1200" b="1" dirty="0">
+                <a:solidFill>
+                  <a:srgbClr val="009E47"/>
+                </a:solidFill>
                 <a:latin typeface="Courier New" panose="02070309020205020404" pitchFamily="49" charset="0"/>
                 <a:cs typeface="Courier New" panose="02070309020205020404" pitchFamily="49" charset="0"/>
               </a:rPr>
@@ -5181,21 +9798,30 @@
           </a:p>
           <a:p>
             <a:r>
-              <a:rPr lang="sr-Latn-RS" sz="1200" dirty="0" smtClean="0">
+              <a:rPr lang="sr-Latn-RS" sz="1200" b="1" dirty="0" smtClean="0">
+                <a:solidFill>
+                  <a:srgbClr val="009E47"/>
+                </a:solidFill>
                 <a:latin typeface="Courier New" panose="02070309020205020404" pitchFamily="49" charset="0"/>
                 <a:cs typeface="Courier New" panose="02070309020205020404" pitchFamily="49" charset="0"/>
               </a:rPr>
               <a:t>  &lt;/</a:t>
             </a:r>
             <a:r>
-              <a:rPr lang="sr-Latn-RS" sz="1200" dirty="0" err="1">
+              <a:rPr lang="sr-Latn-RS" sz="1200" b="1" dirty="0" err="1">
+                <a:solidFill>
+                  <a:srgbClr val="009E47"/>
+                </a:solidFill>
                 <a:latin typeface="Courier New" panose="02070309020205020404" pitchFamily="49" charset="0"/>
                 <a:cs typeface="Courier New" panose="02070309020205020404" pitchFamily="49" charset="0"/>
               </a:rPr>
               <a:t>header</a:t>
             </a:r>
             <a:r>
-              <a:rPr lang="sr-Latn-RS" sz="1200" dirty="0">
+              <a:rPr lang="sr-Latn-RS" sz="1200" b="1" dirty="0">
+                <a:solidFill>
+                  <a:srgbClr val="009E47"/>
+                </a:solidFill>
                 <a:latin typeface="Courier New" panose="02070309020205020404" pitchFamily="49" charset="0"/>
                 <a:cs typeface="Courier New" panose="02070309020205020404" pitchFamily="49" charset="0"/>
               </a:rPr>
@@ -5204,21 +9830,30 @@
           </a:p>
           <a:p>
             <a:r>
-              <a:rPr lang="sr-Latn-RS" sz="1200" dirty="0" smtClean="0">
+              <a:rPr lang="sr-Latn-RS" sz="1200" b="1" dirty="0" smtClean="0">
+                <a:solidFill>
+                  <a:srgbClr val="009E47"/>
+                </a:solidFill>
                 <a:latin typeface="Courier New" panose="02070309020205020404" pitchFamily="49" charset="0"/>
                 <a:cs typeface="Courier New" panose="02070309020205020404" pitchFamily="49" charset="0"/>
               </a:rPr>
               <a:t>  &lt;</a:t>
             </a:r>
             <a:r>
-              <a:rPr lang="sr-Latn-RS" sz="1200" dirty="0" err="1">
+              <a:rPr lang="sr-Latn-RS" sz="1200" b="1" dirty="0" err="1">
+                <a:solidFill>
+                  <a:srgbClr val="009E47"/>
+                </a:solidFill>
                 <a:latin typeface="Courier New" panose="02070309020205020404" pitchFamily="49" charset="0"/>
                 <a:cs typeface="Courier New" panose="02070309020205020404" pitchFamily="49" charset="0"/>
               </a:rPr>
               <a:t>main</a:t>
             </a:r>
             <a:r>
-              <a:rPr lang="sr-Latn-RS" sz="1200" dirty="0">
+              <a:rPr lang="sr-Latn-RS" sz="1200" b="1" dirty="0">
+                <a:solidFill>
+                  <a:srgbClr val="009E47"/>
+                </a:solidFill>
                 <a:latin typeface="Courier New" panose="02070309020205020404" pitchFamily="49" charset="0"/>
                 <a:cs typeface="Courier New" panose="02070309020205020404" pitchFamily="49" charset="0"/>
               </a:rPr>
@@ -5227,14 +9862,20 @@
           </a:p>
           <a:p>
             <a:r>
-              <a:rPr lang="sr-Latn-RS" sz="1200" dirty="0" smtClean="0">
+              <a:rPr lang="sr-Latn-RS" sz="1200" b="1" dirty="0" smtClean="0">
+                <a:solidFill>
+                  <a:srgbClr val="009E47"/>
+                </a:solidFill>
                 <a:latin typeface="Courier New" panose="02070309020205020404" pitchFamily="49" charset="0"/>
                 <a:cs typeface="Courier New" panose="02070309020205020404" pitchFamily="49" charset="0"/>
               </a:rPr>
               <a:t>    &lt;</a:t>
             </a:r>
             <a:r>
-              <a:rPr lang="sr-Latn-RS" sz="1200" dirty="0">
+              <a:rPr lang="sr-Latn-RS" sz="1200" b="1" dirty="0">
+                <a:solidFill>
+                  <a:srgbClr val="009E47"/>
+                </a:solidFill>
                 <a:latin typeface="Courier New" panose="02070309020205020404" pitchFamily="49" charset="0"/>
                 <a:cs typeface="Courier New" panose="02070309020205020404" pitchFamily="49" charset="0"/>
               </a:rPr>
@@ -5243,21 +9884,30 @@
           </a:p>
           <a:p>
             <a:r>
-              <a:rPr lang="sr-Latn-RS" sz="1200" dirty="0" smtClean="0">
+              <a:rPr lang="sr-Latn-RS" sz="1200" b="1" dirty="0" smtClean="0">
+                <a:solidFill>
+                  <a:srgbClr val="009E47"/>
+                </a:solidFill>
                 <a:latin typeface="Courier New" panose="02070309020205020404" pitchFamily="49" charset="0"/>
                 <a:cs typeface="Courier New" panose="02070309020205020404" pitchFamily="49" charset="0"/>
               </a:rPr>
               <a:t>    &lt;</a:t>
             </a:r>
             <a:r>
-              <a:rPr lang="sr-Latn-RS" sz="1200" dirty="0" err="1">
+              <a:rPr lang="sr-Latn-RS" sz="1200" b="1" dirty="0" err="1">
+                <a:solidFill>
+                  <a:srgbClr val="009E47"/>
+                </a:solidFill>
                 <a:latin typeface="Courier New" panose="02070309020205020404" pitchFamily="49" charset="0"/>
                 <a:cs typeface="Courier New" panose="02070309020205020404" pitchFamily="49" charset="0"/>
               </a:rPr>
               <a:t>article</a:t>
             </a:r>
             <a:r>
-              <a:rPr lang="sr-Latn-RS" sz="1200" dirty="0">
+              <a:rPr lang="sr-Latn-RS" sz="1200" b="1" dirty="0">
+                <a:solidFill>
+                  <a:srgbClr val="009E47"/>
+                </a:solidFill>
                 <a:latin typeface="Courier New" panose="02070309020205020404" pitchFamily="49" charset="0"/>
                 <a:cs typeface="Courier New" panose="02070309020205020404" pitchFamily="49" charset="0"/>
               </a:rPr>
@@ -5266,14 +9916,20 @@
           </a:p>
           <a:p>
             <a:r>
-              <a:rPr lang="sr-Latn-RS" sz="1200" dirty="0" smtClean="0">
+              <a:rPr lang="sr-Latn-RS" sz="1200" b="1" dirty="0" smtClean="0">
+                <a:solidFill>
+                  <a:srgbClr val="009E47"/>
+                </a:solidFill>
                 <a:latin typeface="Courier New" panose="02070309020205020404" pitchFamily="49" charset="0"/>
                 <a:cs typeface="Courier New" panose="02070309020205020404" pitchFamily="49" charset="0"/>
               </a:rPr>
               <a:t>      &lt;</a:t>
             </a:r>
             <a:r>
-              <a:rPr lang="sr-Latn-RS" sz="1200" dirty="0">
+              <a:rPr lang="sr-Latn-RS" sz="1200" b="1" dirty="0">
+                <a:solidFill>
+                  <a:srgbClr val="009E47"/>
+                </a:solidFill>
                 <a:latin typeface="Courier New" panose="02070309020205020404" pitchFamily="49" charset="0"/>
                 <a:cs typeface="Courier New" panose="02070309020205020404" pitchFamily="49" charset="0"/>
               </a:rPr>
@@ -5282,14 +9938,20 @@
           </a:p>
           <a:p>
             <a:r>
-              <a:rPr lang="sr-Latn-RS" sz="1200" dirty="0" smtClean="0">
+              <a:rPr lang="sr-Latn-RS" sz="1200" b="1" dirty="0" smtClean="0">
+                <a:solidFill>
+                  <a:srgbClr val="009E47"/>
+                </a:solidFill>
                 <a:latin typeface="Courier New" panose="02070309020205020404" pitchFamily="49" charset="0"/>
                 <a:cs typeface="Courier New" panose="02070309020205020404" pitchFamily="49" charset="0"/>
               </a:rPr>
               <a:t>      &lt;</a:t>
             </a:r>
             <a:r>
-              <a:rPr lang="sr-Latn-RS" sz="1200" dirty="0">
+              <a:rPr lang="sr-Latn-RS" sz="1200" b="1" dirty="0">
+                <a:solidFill>
+                  <a:srgbClr val="009E47"/>
+                </a:solidFill>
                 <a:latin typeface="Courier New" panose="02070309020205020404" pitchFamily="49" charset="0"/>
                 <a:cs typeface="Courier New" panose="02070309020205020404" pitchFamily="49" charset="0"/>
               </a:rPr>
@@ -5298,28 +9960,40 @@
           </a:p>
           <a:p>
             <a:r>
-              <a:rPr lang="sr-Latn-RS" sz="1200" dirty="0" smtClean="0">
+              <a:rPr lang="sr-Latn-RS" sz="1200" b="1" dirty="0" smtClean="0">
+                <a:solidFill>
+                  <a:srgbClr val="009E47"/>
+                </a:solidFill>
                 <a:latin typeface="Courier New" panose="02070309020205020404" pitchFamily="49" charset="0"/>
                 <a:cs typeface="Courier New" panose="02070309020205020404" pitchFamily="49" charset="0"/>
               </a:rPr>
               <a:t>        &lt;</a:t>
             </a:r>
             <a:r>
-              <a:rPr lang="sr-Latn-RS" sz="1200" dirty="0">
+              <a:rPr lang="sr-Latn-RS" sz="1200" b="1" dirty="0">
+                <a:solidFill>
+                  <a:srgbClr val="009E47"/>
+                </a:solidFill>
                 <a:latin typeface="Courier New" panose="02070309020205020404" pitchFamily="49" charset="0"/>
                 <a:cs typeface="Courier New" panose="02070309020205020404" pitchFamily="49" charset="0"/>
               </a:rPr>
               <a:t>li&gt;Jezik &lt;a </a:t>
             </a:r>
             <a:r>
-              <a:rPr lang="sr-Latn-RS" sz="1200" dirty="0" err="1">
+              <a:rPr lang="sr-Latn-RS" sz="1200" b="1" dirty="0" err="1">
+                <a:solidFill>
+                  <a:srgbClr val="009E47"/>
+                </a:solidFill>
                 <a:latin typeface="Courier New" panose="02070309020205020404" pitchFamily="49" charset="0"/>
                 <a:cs typeface="Courier New" panose="02070309020205020404" pitchFamily="49" charset="0"/>
               </a:rPr>
               <a:t>href</a:t>
             </a:r>
             <a:r>
-              <a:rPr lang="sr-Latn-RS" sz="1200" dirty="0">
+              <a:rPr lang="sr-Latn-RS" sz="1200" b="1" dirty="0">
+                <a:solidFill>
+                  <a:srgbClr val="009E47"/>
+                </a:solidFill>
                 <a:latin typeface="Courier New" panose="02070309020205020404" pitchFamily="49" charset="0"/>
                 <a:cs typeface="Courier New" panose="02070309020205020404" pitchFamily="49" charset="0"/>
               </a:rPr>
@@ -5328,83 +10002,119 @@
           </a:p>
           <a:p>
             <a:r>
-              <a:rPr lang="sr-Latn-RS" sz="1200" dirty="0" smtClean="0">
+              <a:rPr lang="sr-Latn-RS" sz="1200" b="1" dirty="0" smtClean="0">
+                <a:solidFill>
+                  <a:srgbClr val="009E47"/>
+                </a:solidFill>
                 <a:latin typeface="Courier New" panose="02070309020205020404" pitchFamily="49" charset="0"/>
                 <a:cs typeface="Courier New" panose="02070309020205020404" pitchFamily="49" charset="0"/>
               </a:rPr>
               <a:t>            sluzi </a:t>
             </a:r>
             <a:r>
-              <a:rPr lang="sr-Latn-RS" sz="1200" dirty="0">
+              <a:rPr lang="sr-Latn-RS" sz="1200" b="1" dirty="0">
+                <a:solidFill>
+                  <a:srgbClr val="009E47"/>
+                </a:solidFill>
                 <a:latin typeface="Courier New" panose="02070309020205020404" pitchFamily="49" charset="0"/>
                 <a:cs typeface="Courier New" panose="02070309020205020404" pitchFamily="49" charset="0"/>
               </a:rPr>
               <a:t>za opis </a:t>
             </a:r>
             <a:r>
-              <a:rPr lang="sr-Latn-RS" sz="1200" dirty="0" err="1">
+              <a:rPr lang="sr-Latn-RS" sz="1200" b="1" dirty="0" err="1">
+                <a:solidFill>
+                  <a:srgbClr val="009E47"/>
+                </a:solidFill>
                 <a:latin typeface="Courier New" panose="02070309020205020404" pitchFamily="49" charset="0"/>
                 <a:cs typeface="Courier New" panose="02070309020205020404" pitchFamily="49" charset="0"/>
               </a:rPr>
               <a:t>sadrzaja</a:t>
             </a:r>
             <a:r>
-              <a:rPr lang="sr-Latn-RS" sz="1200" dirty="0">
+              <a:rPr lang="sr-Latn-RS" sz="1200" b="1" dirty="0">
+                <a:solidFill>
+                  <a:srgbClr val="009E47"/>
+                </a:solidFill>
                 <a:latin typeface="Courier New" panose="02070309020205020404" pitchFamily="49" charset="0"/>
                 <a:cs typeface="Courier New" panose="02070309020205020404" pitchFamily="49" charset="0"/>
               </a:rPr>
               <a:t> veb-strana. Za opis </a:t>
             </a:r>
             <a:r>
-              <a:rPr lang="sr-Latn-RS" sz="1200" dirty="0" err="1">
+              <a:rPr lang="sr-Latn-RS" sz="1200" b="1" dirty="0" err="1">
+                <a:solidFill>
+                  <a:srgbClr val="009E47"/>
+                </a:solidFill>
                 <a:latin typeface="Courier New" panose="02070309020205020404" pitchFamily="49" charset="0"/>
                 <a:cs typeface="Courier New" panose="02070309020205020404" pitchFamily="49" charset="0"/>
               </a:rPr>
               <a:t>sadrzaja</a:t>
             </a:r>
-            <a:endParaRPr lang="sr-Latn-RS" sz="1200" dirty="0">
+            <a:endParaRPr lang="sr-Latn-RS" sz="1200" b="1" dirty="0">
+              <a:solidFill>
+                <a:srgbClr val="009E47"/>
+              </a:solidFill>
               <a:latin typeface="Courier New" panose="02070309020205020404" pitchFamily="49" charset="0"/>
               <a:cs typeface="Courier New" panose="02070309020205020404" pitchFamily="49" charset="0"/>
             </a:endParaRPr>
           </a:p>
           <a:p>
             <a:r>
-              <a:rPr lang="sr-Latn-RS" sz="1200" dirty="0" smtClean="0">
+              <a:rPr lang="sr-Latn-RS" sz="1200" b="1" dirty="0" smtClean="0">
+                <a:solidFill>
+                  <a:srgbClr val="009E47"/>
+                </a:solidFill>
                 <a:latin typeface="Courier New" panose="02070309020205020404" pitchFamily="49" charset="0"/>
                 <a:cs typeface="Courier New" panose="02070309020205020404" pitchFamily="49" charset="0"/>
               </a:rPr>
               <a:t>            koriste </a:t>
             </a:r>
             <a:r>
-              <a:rPr lang="sr-Latn-RS" sz="1200" dirty="0">
+              <a:rPr lang="sr-Latn-RS" sz="1200" b="1" dirty="0">
+                <a:solidFill>
+                  <a:srgbClr val="009E47"/>
+                </a:solidFill>
                 <a:latin typeface="Courier New" panose="02070309020205020404" pitchFamily="49" charset="0"/>
                 <a:cs typeface="Courier New" panose="02070309020205020404" pitchFamily="49" charset="0"/>
               </a:rPr>
               <a:t>se &lt;i&gt;HTML elementi&lt;/i&gt; (na primer, &amp;</a:t>
             </a:r>
             <a:r>
-              <a:rPr lang="sr-Latn-RS" sz="1200" dirty="0" err="1">
+              <a:rPr lang="sr-Latn-RS" sz="1200" b="1" dirty="0" err="1">
+                <a:solidFill>
+                  <a:srgbClr val="009E47"/>
+                </a:solidFill>
                 <a:latin typeface="Courier New" panose="02070309020205020404" pitchFamily="49" charset="0"/>
                 <a:cs typeface="Courier New" panose="02070309020205020404" pitchFamily="49" charset="0"/>
               </a:rPr>
               <a:t>lt</a:t>
             </a:r>
             <a:r>
-              <a:rPr lang="sr-Latn-RS" sz="1200" dirty="0">
+              <a:rPr lang="sr-Latn-RS" sz="1200" b="1" dirty="0">
+                <a:solidFill>
+                  <a:srgbClr val="009E47"/>
+                </a:solidFill>
                 <a:latin typeface="Courier New" panose="02070309020205020404" pitchFamily="49" charset="0"/>
                 <a:cs typeface="Courier New" panose="02070309020205020404" pitchFamily="49" charset="0"/>
               </a:rPr>
               <a:t>;html&amp;</a:t>
             </a:r>
             <a:r>
-              <a:rPr lang="sr-Latn-RS" sz="1200" dirty="0" err="1">
+              <a:rPr lang="sr-Latn-RS" sz="1200" b="1" dirty="0" err="1">
+                <a:solidFill>
+                  <a:srgbClr val="009E47"/>
+                </a:solidFill>
                 <a:latin typeface="Courier New" panose="02070309020205020404" pitchFamily="49" charset="0"/>
                 <a:cs typeface="Courier New" panose="02070309020205020404" pitchFamily="49" charset="0"/>
               </a:rPr>
               <a:t>gt</a:t>
             </a:r>
             <a:r>
-              <a:rPr lang="sr-Latn-RS" sz="1200" dirty="0">
+              <a:rPr lang="sr-Latn-RS" sz="1200" b="1" dirty="0">
+                <a:solidFill>
+                  <a:srgbClr val="009E47"/>
+                </a:solidFill>
                 <a:latin typeface="Courier New" panose="02070309020205020404" pitchFamily="49" charset="0"/>
                 <a:cs typeface="Courier New" panose="02070309020205020404" pitchFamily="49" charset="0"/>
               </a:rPr>
@@ -5413,28 +10123,40 @@
           </a:p>
           <a:p>
             <a:r>
-              <a:rPr lang="sr-Latn-RS" sz="1200" dirty="0" smtClean="0">
+              <a:rPr lang="sr-Latn-RS" sz="1200" b="1" dirty="0" smtClean="0">
+                <a:solidFill>
+                  <a:srgbClr val="009E47"/>
+                </a:solidFill>
                 <a:latin typeface="Courier New" panose="02070309020205020404" pitchFamily="49" charset="0"/>
                 <a:cs typeface="Courier New" panose="02070309020205020404" pitchFamily="49" charset="0"/>
               </a:rPr>
               <a:t>        &lt;</a:t>
             </a:r>
             <a:r>
-              <a:rPr lang="sr-Latn-RS" sz="1200" dirty="0">
+              <a:rPr lang="sr-Latn-RS" sz="1200" b="1" dirty="0">
+                <a:solidFill>
+                  <a:srgbClr val="009E47"/>
+                </a:solidFill>
                 <a:latin typeface="Courier New" panose="02070309020205020404" pitchFamily="49" charset="0"/>
                 <a:cs typeface="Courier New" panose="02070309020205020404" pitchFamily="49" charset="0"/>
               </a:rPr>
               <a:t>li&gt;Jezik &lt;a </a:t>
             </a:r>
             <a:r>
-              <a:rPr lang="sr-Latn-RS" sz="1200" dirty="0" err="1">
+              <a:rPr lang="sr-Latn-RS" sz="1200" b="1" dirty="0" err="1">
+                <a:solidFill>
+                  <a:srgbClr val="009E47"/>
+                </a:solidFill>
                 <a:latin typeface="Courier New" panose="02070309020205020404" pitchFamily="49" charset="0"/>
                 <a:cs typeface="Courier New" panose="02070309020205020404" pitchFamily="49" charset="0"/>
               </a:rPr>
               <a:t>href</a:t>
             </a:r>
             <a:r>
-              <a:rPr lang="sr-Latn-RS" sz="1200" dirty="0">
+              <a:rPr lang="sr-Latn-RS" sz="1200" b="1" dirty="0">
+                <a:solidFill>
+                  <a:srgbClr val="009E47"/>
+                </a:solidFill>
                 <a:latin typeface="Courier New" panose="02070309020205020404" pitchFamily="49" charset="0"/>
                 <a:cs typeface="Courier New" panose="02070309020205020404" pitchFamily="49" charset="0"/>
               </a:rPr>
@@ -5443,28 +10165,40 @@
           </a:p>
           <a:p>
             <a:r>
-              <a:rPr lang="sr-Latn-RS" sz="1200" dirty="0" smtClean="0">
+              <a:rPr lang="sr-Latn-RS" sz="1200" b="1" dirty="0" smtClean="0">
+                <a:solidFill>
+                  <a:srgbClr val="009E47"/>
+                </a:solidFill>
                 <a:latin typeface="Courier New" panose="02070309020205020404" pitchFamily="49" charset="0"/>
                 <a:cs typeface="Courier New" panose="02070309020205020404" pitchFamily="49" charset="0"/>
               </a:rPr>
               <a:t>            sluzi </a:t>
             </a:r>
             <a:r>
-              <a:rPr lang="sr-Latn-RS" sz="1200" dirty="0">
+              <a:rPr lang="sr-Latn-RS" sz="1200" b="1" dirty="0">
+                <a:solidFill>
+                  <a:srgbClr val="009E47"/>
+                </a:solidFill>
                 <a:latin typeface="Courier New" panose="02070309020205020404" pitchFamily="49" charset="0"/>
                 <a:cs typeface="Courier New" panose="02070309020205020404" pitchFamily="49" charset="0"/>
               </a:rPr>
               <a:t>za opis stila (boja, fontova, rasporeda </a:t>
             </a:r>
             <a:r>
-              <a:rPr lang="sr-Latn-RS" sz="1200" dirty="0" err="1">
+              <a:rPr lang="sr-Latn-RS" sz="1200" b="1" dirty="0" err="1">
+                <a:solidFill>
+                  <a:srgbClr val="009E47"/>
+                </a:solidFill>
                 <a:latin typeface="Courier New" panose="02070309020205020404" pitchFamily="49" charset="0"/>
                 <a:cs typeface="Courier New" panose="02070309020205020404" pitchFamily="49" charset="0"/>
               </a:rPr>
               <a:t>sadrzaja</a:t>
             </a:r>
             <a:r>
-              <a:rPr lang="sr-Latn-RS" sz="1200" dirty="0">
+              <a:rPr lang="sr-Latn-RS" sz="1200" b="1" dirty="0">
+                <a:solidFill>
+                  <a:srgbClr val="009E47"/>
+                </a:solidFill>
                 <a:latin typeface="Courier New" panose="02070309020205020404" pitchFamily="49" charset="0"/>
                 <a:cs typeface="Courier New" panose="02070309020205020404" pitchFamily="49" charset="0"/>
               </a:rPr>
@@ -5473,21 +10207,30 @@
           </a:p>
           <a:p>
             <a:r>
-              <a:rPr lang="sr-Latn-RS" sz="1200" dirty="0" smtClean="0">
+              <a:rPr lang="sr-Latn-RS" sz="1200" b="1" dirty="0" smtClean="0">
+                <a:solidFill>
+                  <a:srgbClr val="009E47"/>
+                </a:solidFill>
                 <a:latin typeface="Courier New" panose="02070309020205020404" pitchFamily="49" charset="0"/>
                 <a:cs typeface="Courier New" panose="02070309020205020404" pitchFamily="49" charset="0"/>
               </a:rPr>
               <a:t>            </a:t>
             </a:r>
             <a:r>
-              <a:rPr lang="sr-Latn-RS" sz="1200" dirty="0" err="1" smtClean="0">
+              <a:rPr lang="sr-Latn-RS" sz="1200" b="1" dirty="0" err="1" smtClean="0">
+                <a:solidFill>
+                  <a:srgbClr val="009E47"/>
+                </a:solidFill>
                 <a:latin typeface="Courier New" panose="02070309020205020404" pitchFamily="49" charset="0"/>
                 <a:cs typeface="Courier New" panose="02070309020205020404" pitchFamily="49" charset="0"/>
               </a:rPr>
               <a:t>slicno</a:t>
             </a:r>
             <a:r>
-              <a:rPr lang="sr-Latn-RS" sz="1200" dirty="0">
+              <a:rPr lang="sr-Latn-RS" sz="1200" b="1" dirty="0">
+                <a:solidFill>
+                  <a:srgbClr val="009E47"/>
+                </a:solidFill>
                 <a:latin typeface="Courier New" panose="02070309020205020404" pitchFamily="49" charset="0"/>
                 <a:cs typeface="Courier New" panose="02070309020205020404" pitchFamily="49" charset="0"/>
               </a:rPr>
@@ -5496,28 +10239,40 @@
           </a:p>
           <a:p>
             <a:r>
-              <a:rPr lang="sr-Latn-RS" sz="1200" dirty="0" smtClean="0">
+              <a:rPr lang="sr-Latn-RS" sz="1200" b="1" dirty="0" smtClean="0">
+                <a:solidFill>
+                  <a:srgbClr val="009E47"/>
+                </a:solidFill>
                 <a:latin typeface="Courier New" panose="02070309020205020404" pitchFamily="49" charset="0"/>
                 <a:cs typeface="Courier New" panose="02070309020205020404" pitchFamily="49" charset="0"/>
               </a:rPr>
               <a:t>        &lt;</a:t>
             </a:r>
             <a:r>
-              <a:rPr lang="sr-Latn-RS" sz="1200" dirty="0">
+              <a:rPr lang="sr-Latn-RS" sz="1200" b="1" dirty="0">
+                <a:solidFill>
+                  <a:srgbClr val="009E47"/>
+                </a:solidFill>
                 <a:latin typeface="Courier New" panose="02070309020205020404" pitchFamily="49" charset="0"/>
                 <a:cs typeface="Courier New" panose="02070309020205020404" pitchFamily="49" charset="0"/>
               </a:rPr>
               <a:t>li&gt;Jezik &lt;a </a:t>
             </a:r>
             <a:r>
-              <a:rPr lang="sr-Latn-RS" sz="1200" dirty="0" err="1">
+              <a:rPr lang="sr-Latn-RS" sz="1200" b="1" dirty="0" err="1">
+                <a:solidFill>
+                  <a:srgbClr val="009E47"/>
+                </a:solidFill>
                 <a:latin typeface="Courier New" panose="02070309020205020404" pitchFamily="49" charset="0"/>
                 <a:cs typeface="Courier New" panose="02070309020205020404" pitchFamily="49" charset="0"/>
               </a:rPr>
               <a:t>href</a:t>
             </a:r>
             <a:r>
-              <a:rPr lang="sr-Latn-RS" sz="1200" dirty="0">
+              <a:rPr lang="sr-Latn-RS" sz="1200" b="1" dirty="0">
+                <a:solidFill>
+                  <a:srgbClr val="009E47"/>
+                </a:solidFill>
                 <a:latin typeface="Courier New" panose="02070309020205020404" pitchFamily="49" charset="0"/>
                 <a:cs typeface="Courier New" panose="02070309020205020404" pitchFamily="49" charset="0"/>
               </a:rPr>
@@ -5526,76 +10281,109 @@
           </a:p>
           <a:p>
             <a:r>
-              <a:rPr lang="sr-Latn-RS" sz="1200" dirty="0" smtClean="0">
+              <a:rPr lang="sr-Latn-RS" sz="1200" b="1" dirty="0" smtClean="0">
+                <a:solidFill>
+                  <a:srgbClr val="009E47"/>
+                </a:solidFill>
                 <a:latin typeface="Courier New" panose="02070309020205020404" pitchFamily="49" charset="0"/>
                 <a:cs typeface="Courier New" panose="02070309020205020404" pitchFamily="49" charset="0"/>
               </a:rPr>
               <a:t>            </a:t>
             </a:r>
             <a:r>
-              <a:rPr lang="sr-Latn-RS" sz="1200" dirty="0" err="1" smtClean="0">
+              <a:rPr lang="sr-Latn-RS" sz="1200" b="1" dirty="0" err="1" smtClean="0">
+                <a:solidFill>
+                  <a:srgbClr val="009E47"/>
+                </a:solidFill>
                 <a:latin typeface="Courier New" panose="02070309020205020404" pitchFamily="49" charset="0"/>
                 <a:cs typeface="Courier New" panose="02070309020205020404" pitchFamily="49" charset="0"/>
               </a:rPr>
               <a:t>JavaScript</a:t>
             </a:r>
             <a:r>
-              <a:rPr lang="sr-Latn-RS" sz="1200" dirty="0">
+              <a:rPr lang="sr-Latn-RS" sz="1200" b="1" dirty="0">
+                <a:solidFill>
+                  <a:srgbClr val="009E47"/>
+                </a:solidFill>
                 <a:latin typeface="Courier New" panose="02070309020205020404" pitchFamily="49" charset="0"/>
                 <a:cs typeface="Courier New" panose="02070309020205020404" pitchFamily="49" charset="0"/>
               </a:rPr>
               <a:t>&lt;/a&gt; koristi se za dodavanje </a:t>
             </a:r>
             <a:r>
-              <a:rPr lang="sr-Latn-RS" sz="1200" dirty="0" err="1">
+              <a:rPr lang="sr-Latn-RS" sz="1200" b="1" dirty="0" err="1">
+                <a:solidFill>
+                  <a:srgbClr val="009E47"/>
+                </a:solidFill>
                 <a:latin typeface="Courier New" panose="02070309020205020404" pitchFamily="49" charset="0"/>
                 <a:cs typeface="Courier New" panose="02070309020205020404" pitchFamily="49" charset="0"/>
               </a:rPr>
               <a:t>interaktivnosti</a:t>
             </a:r>
-            <a:endParaRPr lang="sr-Latn-RS" sz="1200" dirty="0">
+            <a:endParaRPr lang="sr-Latn-RS" sz="1200" b="1" dirty="0">
+              <a:solidFill>
+                <a:srgbClr val="009E47"/>
+              </a:solidFill>
               <a:latin typeface="Courier New" panose="02070309020205020404" pitchFamily="49" charset="0"/>
               <a:cs typeface="Courier New" panose="02070309020205020404" pitchFamily="49" charset="0"/>
             </a:endParaRPr>
           </a:p>
           <a:p>
             <a:r>
-              <a:rPr lang="sr-Latn-RS" sz="1200" dirty="0" smtClean="0">
+              <a:rPr lang="sr-Latn-RS" sz="1200" b="1" dirty="0" smtClean="0">
+                <a:solidFill>
+                  <a:srgbClr val="009E47"/>
+                </a:solidFill>
                 <a:latin typeface="Courier New" panose="02070309020205020404" pitchFamily="49" charset="0"/>
                 <a:cs typeface="Courier New" panose="02070309020205020404" pitchFamily="49" charset="0"/>
               </a:rPr>
               <a:t>            veb-stranama </a:t>
             </a:r>
             <a:r>
-              <a:rPr lang="sr-Latn-RS" sz="1200" dirty="0">
+              <a:rPr lang="sr-Latn-RS" sz="1200" b="1" dirty="0">
+                <a:solidFill>
+                  <a:srgbClr val="009E47"/>
+                </a:solidFill>
                 <a:latin typeface="Courier New" panose="02070309020205020404" pitchFamily="49" charset="0"/>
                 <a:cs typeface="Courier New" panose="02070309020205020404" pitchFamily="49" charset="0"/>
               </a:rPr>
               <a:t>(na primer, u njemu </a:t>
             </a:r>
             <a:r>
-              <a:rPr lang="sr-Latn-RS" sz="1200" dirty="0" err="1">
+              <a:rPr lang="sr-Latn-RS" sz="1200" b="1" dirty="0" err="1">
+                <a:solidFill>
+                  <a:srgbClr val="009E47"/>
+                </a:solidFill>
                 <a:latin typeface="Courier New" panose="02070309020205020404" pitchFamily="49" charset="0"/>
                 <a:cs typeface="Courier New" panose="02070309020205020404" pitchFamily="49" charset="0"/>
               </a:rPr>
               <a:t>cemo</a:t>
             </a:r>
             <a:r>
-              <a:rPr lang="sr-Latn-RS" sz="1200" dirty="0">
-                <a:latin typeface="Courier New" panose="02070309020205020404" pitchFamily="49" charset="0"/>
-                <a:cs typeface="Courier New" panose="02070309020205020404" pitchFamily="49" charset="0"/>
-              </a:rPr>
-              <a:t> </a:t>
-            </a:r>
-            <a:r>
-              <a:rPr lang="sr-Latn-RS" sz="1200" dirty="0" err="1">
+              <a:rPr lang="sr-Latn-RS" sz="1200" b="1" dirty="0">
+                <a:solidFill>
+                  <a:srgbClr val="009E47"/>
+                </a:solidFill>
+                <a:latin typeface="Courier New" panose="02070309020205020404" pitchFamily="49" charset="0"/>
+                <a:cs typeface="Courier New" panose="02070309020205020404" pitchFamily="49" charset="0"/>
+              </a:rPr>
+              <a:t> </a:t>
+            </a:r>
+            <a:r>
+              <a:rPr lang="sr-Latn-RS" sz="1200" b="1" dirty="0" err="1">
+                <a:solidFill>
+                  <a:srgbClr val="009E47"/>
+                </a:solidFill>
                 <a:latin typeface="Courier New" panose="02070309020205020404" pitchFamily="49" charset="0"/>
                 <a:cs typeface="Courier New" panose="02070309020205020404" pitchFamily="49" charset="0"/>
               </a:rPr>
               <a:t>isprogramirati</a:t>
             </a:r>
             <a:r>
-              <a:rPr lang="sr-Latn-RS" sz="1200" dirty="0">
+              <a:rPr lang="sr-Latn-RS" sz="1200" b="1" dirty="0">
+                <a:solidFill>
+                  <a:srgbClr val="009E47"/>
+                </a:solidFill>
                 <a:latin typeface="Courier New" panose="02070309020205020404" pitchFamily="49" charset="0"/>
                 <a:cs typeface="Courier New" panose="02070309020205020404" pitchFamily="49" charset="0"/>
               </a:rPr>
@@ -5604,14 +10392,20 @@
           </a:p>
           <a:p>
             <a:r>
-              <a:rPr lang="sr-Latn-RS" sz="1200" dirty="0" smtClean="0">
+              <a:rPr lang="sr-Latn-RS" sz="1200" b="1" dirty="0" smtClean="0">
+                <a:solidFill>
+                  <a:srgbClr val="009E47"/>
+                </a:solidFill>
                 <a:latin typeface="Courier New" panose="02070309020205020404" pitchFamily="49" charset="0"/>
                 <a:cs typeface="Courier New" panose="02070309020205020404" pitchFamily="49" charset="0"/>
               </a:rPr>
               <a:t>            naslov </a:t>
             </a:r>
             <a:r>
-              <a:rPr lang="sr-Latn-RS" sz="1200" dirty="0">
+              <a:rPr lang="sr-Latn-RS" sz="1200" b="1" dirty="0">
+                <a:solidFill>
+                  <a:srgbClr val="009E47"/>
+                </a:solidFill>
                 <a:latin typeface="Courier New" panose="02070309020205020404" pitchFamily="49" charset="0"/>
                 <a:cs typeface="Courier New" panose="02070309020205020404" pitchFamily="49" charset="0"/>
               </a:rPr>
@@ -5620,14 +10414,20 @@
           </a:p>
           <a:p>
             <a:r>
-              <a:rPr lang="sr-Latn-RS" sz="1200" dirty="0" smtClean="0">
+              <a:rPr lang="sr-Latn-RS" sz="1200" b="1" dirty="0" smtClean="0">
+                <a:solidFill>
+                  <a:srgbClr val="009E47"/>
+                </a:solidFill>
                 <a:latin typeface="Courier New" panose="02070309020205020404" pitchFamily="49" charset="0"/>
                 <a:cs typeface="Courier New" panose="02070309020205020404" pitchFamily="49" charset="0"/>
               </a:rPr>
               <a:t>      &lt;/</a:t>
             </a:r>
             <a:r>
-              <a:rPr lang="sr-Latn-RS" sz="1200" dirty="0">
+              <a:rPr lang="sr-Latn-RS" sz="1200" b="1" dirty="0">
+                <a:solidFill>
+                  <a:srgbClr val="009E47"/>
+                </a:solidFill>
                 <a:latin typeface="Courier New" panose="02070309020205020404" pitchFamily="49" charset="0"/>
                 <a:cs typeface="Courier New" panose="02070309020205020404" pitchFamily="49" charset="0"/>
               </a:rPr>
@@ -5636,21 +10436,30 @@
           </a:p>
           <a:p>
             <a:r>
-              <a:rPr lang="sr-Latn-RS" sz="1200" dirty="0" smtClean="0">
+              <a:rPr lang="sr-Latn-RS" sz="1200" b="1" dirty="0" smtClean="0">
+                <a:solidFill>
+                  <a:srgbClr val="009E47"/>
+                </a:solidFill>
                 <a:latin typeface="Courier New" panose="02070309020205020404" pitchFamily="49" charset="0"/>
                 <a:cs typeface="Courier New" panose="02070309020205020404" pitchFamily="49" charset="0"/>
               </a:rPr>
               <a:t>    &lt;/</a:t>
             </a:r>
             <a:r>
-              <a:rPr lang="sr-Latn-RS" sz="1200" dirty="0" err="1">
+              <a:rPr lang="sr-Latn-RS" sz="1200" b="1" dirty="0" err="1">
+                <a:solidFill>
+                  <a:srgbClr val="009E47"/>
+                </a:solidFill>
                 <a:latin typeface="Courier New" panose="02070309020205020404" pitchFamily="49" charset="0"/>
                 <a:cs typeface="Courier New" panose="02070309020205020404" pitchFamily="49" charset="0"/>
               </a:rPr>
               <a:t>article</a:t>
             </a:r>
             <a:r>
-              <a:rPr lang="sr-Latn-RS" sz="1200" dirty="0">
+              <a:rPr lang="sr-Latn-RS" sz="1200" b="1" dirty="0">
+                <a:solidFill>
+                  <a:srgbClr val="009E47"/>
+                </a:solidFill>
                 <a:latin typeface="Courier New" panose="02070309020205020404" pitchFamily="49" charset="0"/>
                 <a:cs typeface="Courier New" panose="02070309020205020404" pitchFamily="49" charset="0"/>
               </a:rPr>
@@ -5659,21 +10468,30 @@
           </a:p>
           <a:p>
             <a:r>
-              <a:rPr lang="sr-Latn-RS" sz="1200" dirty="0" smtClean="0">
+              <a:rPr lang="sr-Latn-RS" sz="1200" b="1" dirty="0" smtClean="0">
+                <a:solidFill>
+                  <a:srgbClr val="009E47"/>
+                </a:solidFill>
                 <a:latin typeface="Courier New" panose="02070309020205020404" pitchFamily="49" charset="0"/>
                 <a:cs typeface="Courier New" panose="02070309020205020404" pitchFamily="49" charset="0"/>
               </a:rPr>
               <a:t>  &lt;/</a:t>
             </a:r>
             <a:r>
-              <a:rPr lang="sr-Latn-RS" sz="1200" dirty="0" err="1">
+              <a:rPr lang="sr-Latn-RS" sz="1200" b="1" dirty="0" err="1">
+                <a:solidFill>
+                  <a:srgbClr val="009E47"/>
+                </a:solidFill>
                 <a:latin typeface="Courier New" panose="02070309020205020404" pitchFamily="49" charset="0"/>
                 <a:cs typeface="Courier New" panose="02070309020205020404" pitchFamily="49" charset="0"/>
               </a:rPr>
               <a:t>main</a:t>
             </a:r>
             <a:r>
-              <a:rPr lang="sr-Latn-RS" sz="1200" dirty="0">
+              <a:rPr lang="sr-Latn-RS" sz="1200" b="1" dirty="0">
+                <a:solidFill>
+                  <a:srgbClr val="009E47"/>
+                </a:solidFill>
                 <a:latin typeface="Courier New" panose="02070309020205020404" pitchFamily="49" charset="0"/>
                 <a:cs typeface="Courier New" panose="02070309020205020404" pitchFamily="49" charset="0"/>
               </a:rPr>
@@ -5682,21 +10500,30 @@
           </a:p>
           <a:p>
             <a:r>
-              <a:rPr lang="sr-Latn-RS" sz="1200" dirty="0">
+              <a:rPr lang="sr-Latn-RS" sz="1200" b="1" dirty="0">
+                <a:solidFill>
+                  <a:srgbClr val="009E47"/>
+                </a:solidFill>
                 <a:latin typeface="Courier New" panose="02070309020205020404" pitchFamily="49" charset="0"/>
                 <a:cs typeface="Courier New" panose="02070309020205020404" pitchFamily="49" charset="0"/>
               </a:rPr>
               <a:t>&lt;/</a:t>
             </a:r>
             <a:r>
-              <a:rPr lang="sr-Latn-RS" sz="1200" dirty="0" err="1">
+              <a:rPr lang="sr-Latn-RS" sz="1200" b="1" dirty="0" err="1">
+                <a:solidFill>
+                  <a:srgbClr val="009E47"/>
+                </a:solidFill>
                 <a:latin typeface="Courier New" panose="02070309020205020404" pitchFamily="49" charset="0"/>
                 <a:cs typeface="Courier New" panose="02070309020205020404" pitchFamily="49" charset="0"/>
               </a:rPr>
               <a:t>body</a:t>
             </a:r>
             <a:r>
-              <a:rPr lang="sr-Latn-RS" sz="1200" dirty="0">
+              <a:rPr lang="sr-Latn-RS" sz="1200" b="1" dirty="0">
+                <a:solidFill>
+                  <a:srgbClr val="009E47"/>
+                </a:solidFill>
                 <a:latin typeface="Courier New" panose="02070309020205020404" pitchFamily="49" charset="0"/>
                 <a:cs typeface="Courier New" panose="02070309020205020404" pitchFamily="49" charset="0"/>
               </a:rPr>
@@ -5763,12 +10590,24 @@
           <a:lstStyle/>
           <a:p>
             <a:r>
+              <a:rPr lang="sr-Latn-RS" altLang="en-US" dirty="0"/>
+              <a:t>HTML </a:t>
+            </a:r>
+            <a:r>
+              <a:rPr lang="sr-Latn-RS" altLang="en-US" dirty="0" smtClean="0"/>
+              <a:t>primer (</a:t>
+            </a:r>
+            <a:r>
+              <a:rPr lang="sr-Latn-RS" altLang="en-US" dirty="0"/>
+              <a:t>4</a:t>
+            </a:r>
+            <a:r>
               <a:rPr lang="sr-Latn-RS" altLang="en-US" dirty="0" smtClean="0">
                 <a:solidFill>
                   <a:srgbClr val="002060"/>
                 </a:solidFill>
               </a:rPr>
-              <a:t>Jezici za opis veb stranica (4)</a:t>
+              <a:t>)</a:t>
             </a:r>
             <a:endParaRPr lang="en-GB" altLang="en-US" dirty="0" smtClean="0">
               <a:solidFill>
@@ -5804,12 +10643,28 @@
               </a:spcBef>
             </a:pPr>
             <a:r>
-              <a:rPr lang="en-GB" dirty="0" err="1"/>
-              <a:t>Veb-stranice</a:t>
-            </a:r>
-            <a:r>
-              <a:rPr lang="en-GB" dirty="0"/>
-              <a:t> se </a:t>
+              <a:rPr lang="en-GB" dirty="0" err="1" smtClean="0"/>
+              <a:t>Veb</a:t>
+            </a:r>
+            <a:r>
+              <a:rPr lang="sr-Latn-RS" dirty="0" smtClean="0"/>
+              <a:t> </a:t>
+            </a:r>
+            <a:r>
+              <a:rPr lang="en-GB" dirty="0" err="1" smtClean="0"/>
+              <a:t>stran</a:t>
+            </a:r>
+            <a:r>
+              <a:rPr lang="sr-Latn-RS" dirty="0" smtClean="0"/>
+              <a:t>e</a:t>
+            </a:r>
+            <a:r>
+              <a:rPr lang="en-GB" dirty="0" smtClean="0"/>
+              <a:t> </a:t>
+            </a:r>
+            <a:r>
+              <a:rPr lang="en-GB" dirty="0"/>
+              <a:t>se </a:t>
             </a:r>
             <a:r>
               <a:rPr lang="en-GB" dirty="0" err="1"/>
@@ -5817,19 +10672,11 @@
             </a:r>
             <a:r>
               <a:rPr lang="en-GB" dirty="0"/>
-              <a:t> u </a:t>
-            </a:r>
-            <a:r>
-              <a:rPr lang="en-GB" dirty="0" err="1"/>
-              <a:t>vidu</a:t>
-            </a:r>
-            <a:r>
-              <a:rPr lang="en-GB" dirty="0"/>
-              <a:t> </a:t>
-            </a:r>
-            <a:r>
-              <a:rPr lang="sr-Latn-RS" dirty="0"/>
-              <a:t>č</a:t>
+              <a:t> </a:t>
+            </a:r>
+            <a:r>
+              <a:rPr lang="sr-Latn-RS" dirty="0" smtClean="0"/>
+              <a:t>pomoću č</a:t>
             </a:r>
             <a:r>
               <a:rPr lang="en-GB" dirty="0" err="1" smtClean="0"/>
@@ -5872,8 +10719,16 @@
               <a:t> </a:t>
             </a:r>
             <a:r>
-              <a:rPr lang="en-GB" dirty="0" err="1"/>
-              <a:t>veb-strane</a:t>
+              <a:rPr lang="en-GB" dirty="0" err="1" smtClean="0"/>
+              <a:t>veb</a:t>
+            </a:r>
+            <a:r>
+              <a:rPr lang="sr-Latn-RS" dirty="0" smtClean="0"/>
+              <a:t> </a:t>
+            </a:r>
+            <a:r>
+              <a:rPr lang="en-GB" dirty="0" err="1" smtClean="0"/>
+              <a:t>strane</a:t>
             </a:r>
             <a:r>
               <a:rPr lang="en-GB" dirty="0"/>
@@ -6177,9 +11032,9 @@
               <a:buNone/>
             </a:pPr>
             <a:r>
-              <a:rPr lang="en-GB" sz="1400" b="1" dirty="0">
-                <a:solidFill>
-                  <a:srgbClr val="00B050"/>
+              <a:rPr lang="en-GB" sz="1600" b="1" dirty="0">
+                <a:solidFill>
+                  <a:srgbClr val="009E47"/>
                 </a:solidFill>
                 <a:latin typeface="Courier New" panose="02070309020205020404" pitchFamily="49" charset="0"/>
                 <a:cs typeface="Courier New" panose="02070309020205020404" pitchFamily="49" charset="0"/>
@@ -6187,9 +11042,9 @@
               <a:t>&lt;!-- </a:t>
             </a:r>
             <a:r>
-              <a:rPr lang="en-GB" sz="1400" b="1" dirty="0" err="1">
-                <a:solidFill>
-                  <a:srgbClr val="00B050"/>
+              <a:rPr lang="en-GB" sz="1600" b="1" dirty="0" err="1">
+                <a:solidFill>
+                  <a:srgbClr val="009E47"/>
                 </a:solidFill>
                 <a:latin typeface="Courier New" panose="02070309020205020404" pitchFamily="49" charset="0"/>
                 <a:cs typeface="Courier New" panose="02070309020205020404" pitchFamily="49" charset="0"/>
@@ -6197,9 +11052,9 @@
               <a:t>komentar</a:t>
             </a:r>
             <a:r>
-              <a:rPr lang="en-GB" sz="1400" b="1" dirty="0">
-                <a:solidFill>
-                  <a:srgbClr val="00B050"/>
+              <a:rPr lang="en-GB" sz="1600" b="1" dirty="0">
+                <a:solidFill>
+                  <a:srgbClr val="009E47"/>
                 </a:solidFill>
                 <a:latin typeface="Courier New" panose="02070309020205020404" pitchFamily="49" charset="0"/>
                 <a:cs typeface="Courier New" panose="02070309020205020404" pitchFamily="49" charset="0"/>
@@ -6219,9 +11074,9 @@
               <a:buNone/>
             </a:pPr>
             <a:r>
-              <a:rPr lang="en-GB" sz="1400" b="1" dirty="0">
-                <a:solidFill>
-                  <a:srgbClr val="00B050"/>
+              <a:rPr lang="en-GB" sz="1600" b="1" dirty="0">
+                <a:solidFill>
+                  <a:srgbClr val="009E47"/>
                 </a:solidFill>
                 <a:latin typeface="Courier New" panose="02070309020205020404" pitchFamily="49" charset="0"/>
                 <a:cs typeface="Courier New" panose="02070309020205020404" pitchFamily="49" charset="0"/>
@@ -6229,9 +11084,9 @@
               <a:t>/* </a:t>
             </a:r>
             <a:r>
-              <a:rPr lang="en-GB" sz="1400" b="1" dirty="0" err="1">
-                <a:solidFill>
-                  <a:srgbClr val="00B050"/>
+              <a:rPr lang="en-GB" sz="1600" b="1" dirty="0" err="1">
+                <a:solidFill>
+                  <a:srgbClr val="009E47"/>
                 </a:solidFill>
                 <a:latin typeface="Courier New" panose="02070309020205020404" pitchFamily="49" charset="0"/>
                 <a:cs typeface="Courier New" panose="02070309020205020404" pitchFamily="49" charset="0"/>
@@ -6239,9 +11094,9 @@
               <a:t>komentar</a:t>
             </a:r>
             <a:r>
-              <a:rPr lang="en-GB" sz="1400" b="1" dirty="0">
-                <a:solidFill>
-                  <a:srgbClr val="00B050"/>
+              <a:rPr lang="en-GB" sz="1600" b="1" dirty="0">
+                <a:solidFill>
+                  <a:srgbClr val="009E47"/>
                 </a:solidFill>
                 <a:latin typeface="Courier New" panose="02070309020205020404" pitchFamily="49" charset="0"/>
                 <a:cs typeface="Courier New" panose="02070309020205020404" pitchFamily="49" charset="0"/>
@@ -6261,9 +11116,9 @@
               <a:buNone/>
             </a:pPr>
             <a:r>
-              <a:rPr lang="en-GB" sz="1400" b="1" dirty="0">
-                <a:solidFill>
-                  <a:srgbClr val="00B050"/>
+              <a:rPr lang="en-GB" sz="1600" b="1" dirty="0">
+                <a:solidFill>
+                  <a:srgbClr val="009E47"/>
                 </a:solidFill>
                 <a:latin typeface="Courier New" panose="02070309020205020404" pitchFamily="49" charset="0"/>
                 <a:cs typeface="Courier New" panose="02070309020205020404" pitchFamily="49" charset="0"/>
@@ -6271,9 +11126,9 @@
               <a:t>// </a:t>
             </a:r>
             <a:r>
-              <a:rPr lang="en-GB" sz="1400" b="1" dirty="0" err="1">
-                <a:solidFill>
-                  <a:srgbClr val="00B050"/>
+              <a:rPr lang="en-GB" sz="1600" b="1" dirty="0" err="1">
+                <a:solidFill>
+                  <a:srgbClr val="009E47"/>
                 </a:solidFill>
                 <a:latin typeface="Courier New" panose="02070309020205020404" pitchFamily="49" charset="0"/>
                 <a:cs typeface="Courier New" panose="02070309020205020404" pitchFamily="49" charset="0"/>
@@ -6281,7 +11136,10 @@
               <a:t>komentar</a:t>
             </a:r>
             <a:r>
-              <a:rPr lang="en-GB" sz="1400" b="1" dirty="0">
+              <a:rPr lang="en-GB" sz="1600" b="1" dirty="0">
+                <a:solidFill>
+                  <a:srgbClr val="009E47"/>
+                </a:solidFill>
                 <a:latin typeface="Courier New" panose="02070309020205020404" pitchFamily="49" charset="0"/>
                 <a:cs typeface="Courier New" panose="02070309020205020404" pitchFamily="49" charset="0"/>
               </a:rPr>
@@ -6449,12 +11307,8 @@
           <a:lstStyle/>
           <a:p>
             <a:r>
-              <a:rPr lang="en-US" altLang="en-US" dirty="0" err="1" smtClean="0">
-                <a:solidFill>
-                  <a:srgbClr val="002060"/>
-                </a:solidFill>
-              </a:rPr>
-              <a:t>Elementi</a:t>
+              <a:rPr lang="sr-Latn-RS" altLang="en-US" dirty="0" smtClean="0"/>
+              <a:t>Istorijat HTML</a:t>
             </a:r>
             <a:endParaRPr lang="en-GB" altLang="en-US" dirty="0" smtClean="0">
               <a:solidFill>
@@ -6484,26 +11338,158 @@
           <a:bodyPr/>
           <a:lstStyle/>
           <a:p>
-            <a:pPr lvl="0">
+            <a:pPr lvl="1">
               <a:spcBef>
                 <a:spcPts val="1200"/>
               </a:spcBef>
             </a:pPr>
             <a:r>
-              <a:rPr lang="en-GB" dirty="0"/>
-              <a:t>html, head, body, </a:t>
-            </a:r>
-            <a:endParaRPr lang="en-US" dirty="0"/>
-          </a:p>
-          <a:p>
-            <a:pPr lvl="0">
+              <a:rPr lang="en-GB" dirty="0" err="1"/>
+              <a:t>Nastanak</a:t>
+            </a:r>
+            <a:r>
+              <a:rPr lang="en-GB" dirty="0"/>
+              <a:t> HTML-a </a:t>
+            </a:r>
+            <a:r>
+              <a:rPr lang="en-GB" dirty="0" err="1"/>
+              <a:t>vezan</a:t>
+            </a:r>
+            <a:r>
+              <a:rPr lang="en-GB" dirty="0"/>
+              <a:t> </a:t>
+            </a:r>
+            <a:r>
+              <a:rPr lang="en-GB" dirty="0" err="1"/>
+              <a:t>za</a:t>
+            </a:r>
+            <a:r>
+              <a:rPr lang="en-GB" dirty="0"/>
+              <a:t> </a:t>
+            </a:r>
+            <a:r>
+              <a:rPr lang="en-GB" dirty="0" err="1" smtClean="0"/>
+              <a:t>po</a:t>
+            </a:r>
+            <a:r>
+              <a:rPr lang="sr-Latn-RS" dirty="0"/>
+              <a:t>č</a:t>
+            </a:r>
+            <a:r>
+              <a:rPr lang="en-GB" dirty="0" err="1" smtClean="0"/>
+              <a:t>etak</a:t>
+            </a:r>
+            <a:r>
+              <a:rPr lang="en-GB" dirty="0" smtClean="0"/>
+              <a:t> </a:t>
+            </a:r>
+            <a:r>
+              <a:rPr lang="en-GB" dirty="0" err="1"/>
+              <a:t>veba</a:t>
+            </a:r>
+            <a:endParaRPr lang="en-GB" dirty="0"/>
+          </a:p>
+          <a:p>
+            <a:pPr lvl="1">
               <a:spcBef>
                 <a:spcPts val="1200"/>
               </a:spcBef>
             </a:pPr>
             <a:r>
-              <a:rPr lang="en-GB" dirty="0"/>
-              <a:t>meta, title, script, style, link (</a:t>
+              <a:rPr lang="en-GB" dirty="0" err="1" smtClean="0"/>
+              <a:t>Korisni</a:t>
+            </a:r>
+            <a:r>
+              <a:rPr lang="sr-Latn-RS" dirty="0"/>
+              <a:t>č</a:t>
+            </a:r>
+            <a:r>
+              <a:rPr lang="en-GB" dirty="0" err="1" smtClean="0"/>
+              <a:t>ki</a:t>
+            </a:r>
+            <a:r>
+              <a:rPr lang="en-GB" dirty="0" smtClean="0"/>
+              <a:t> </a:t>
+            </a:r>
+            <a:r>
+              <a:rPr lang="en-GB" dirty="0" err="1"/>
+              <a:t>agenti</a:t>
+            </a:r>
+            <a:r>
+              <a:rPr lang="en-GB" dirty="0"/>
+              <a:t> (user agent) </a:t>
+            </a:r>
+            <a:r>
+              <a:rPr lang="en-GB" dirty="0" err="1"/>
+              <a:t>su</a:t>
+            </a:r>
+            <a:r>
+              <a:rPr lang="en-GB" dirty="0"/>
+              <a:t> </a:t>
+            </a:r>
+            <a:r>
+              <a:rPr lang="en-GB" dirty="0" err="1"/>
+              <a:t>programi</a:t>
+            </a:r>
+            <a:r>
+              <a:rPr lang="en-GB" dirty="0"/>
+              <a:t> </a:t>
+            </a:r>
+            <a:r>
+              <a:rPr lang="en-GB" dirty="0" err="1"/>
+              <a:t>koji</a:t>
+            </a:r>
+            <a:r>
+              <a:rPr lang="en-GB" dirty="0"/>
+              <a:t> </a:t>
+            </a:r>
+            <a:r>
+              <a:rPr lang="en-GB" dirty="0" err="1"/>
+              <a:t>automatski</a:t>
+            </a:r>
+            <a:r>
+              <a:rPr lang="en-GB" dirty="0"/>
+              <a:t> </a:t>
+            </a:r>
+            <a:r>
+              <a:rPr lang="en-GB" dirty="0" err="1"/>
+              <a:t>obra</a:t>
+            </a:r>
+            <a:r>
+              <a:rPr lang="en-GB" dirty="0" smtClean="0"/>
+              <a:t></a:t>
+            </a:r>
+            <a:r>
+              <a:rPr lang="sr-Latn-RS" dirty="0" smtClean="0"/>
+              <a:t>đ</a:t>
+            </a:r>
+            <a:r>
+              <a:rPr lang="en-GB" dirty="0" err="1" smtClean="0"/>
+              <a:t>uju</a:t>
+            </a:r>
+            <a:r>
+              <a:rPr lang="sr-Latn-RS" dirty="0" smtClean="0"/>
+              <a:t> </a:t>
+            </a:r>
+            <a:r>
+              <a:rPr lang="en-GB" dirty="0" smtClean="0"/>
+              <a:t>HTML </a:t>
+            </a:r>
+            <a:r>
+              <a:rPr lang="en-GB" dirty="0" err="1"/>
+              <a:t>dokumente</a:t>
+            </a:r>
+            <a:r>
+              <a:rPr lang="en-GB" dirty="0"/>
+              <a:t> (to </a:t>
+            </a:r>
+            <a:r>
+              <a:rPr lang="en-GB" dirty="0" err="1"/>
+              <a:t>nisu</a:t>
+            </a:r>
+            <a:r>
+              <a:rPr lang="en-GB" dirty="0"/>
+              <a:t> </a:t>
             </a:r>
             <a:r>
               <a:rPr lang="en-GB" dirty="0" err="1"/>
@@ -6514,231 +11500,247 @@
               <a:t> </a:t>
             </a:r>
             <a:r>
-              <a:rPr lang="en-GB" dirty="0" err="1"/>
-              <a:t>za</a:t>
-            </a:r>
-            <a:r>
-              <a:rPr lang="en-GB" dirty="0"/>
-              <a:t> </a:t>
-            </a:r>
-            <a:r>
               <a:rPr lang="en-GB" dirty="0" err="1" smtClean="0"/>
-              <a:t>uklju</a:t>
-            </a:r>
-            <a:r>
-              <a:rPr lang="sr-Latn-RS" dirty="0" smtClean="0"/>
+              <a:t>pregleda</a:t>
+            </a:r>
+            <a:r>
+              <a:rPr lang="sr-Latn-RS" dirty="0"/>
               <a:t>č</a:t>
             </a:r>
             <a:r>
               <a:rPr lang="en-GB" dirty="0" err="1" smtClean="0"/>
-              <a:t>ivanje</a:t>
+              <a:t>i</a:t>
             </a:r>
             <a:r>
               <a:rPr lang="en-GB" dirty="0" smtClean="0"/>
               <a:t> </a:t>
             </a:r>
             <a:r>
-              <a:rPr lang="sr-Latn-RS" dirty="0" smtClean="0"/>
-              <a:t>kaskadnih stilova</a:t>
-            </a:r>
-            <a:r>
-              <a:rPr lang="en-GB" dirty="0" smtClean="0"/>
-              <a:t>), </a:t>
-            </a:r>
-            <a:endParaRPr lang="en-US" dirty="0"/>
-          </a:p>
-          <a:p>
-            <a:pPr lvl="0">
+              <a:rPr lang="en-GB" dirty="0" err="1"/>
+              <a:t>veba</a:t>
+            </a:r>
+            <a:r>
+              <a:rPr lang="en-GB" dirty="0"/>
+              <a:t>!)</a:t>
+            </a:r>
+          </a:p>
+          <a:p>
+            <a:pPr lvl="1">
               <a:spcBef>
                 <a:spcPts val="1200"/>
               </a:spcBef>
             </a:pPr>
             <a:r>
-              <a:rPr lang="en-GB" dirty="0"/>
-              <a:t>header, main, footer, aside, article, section, </a:t>
-            </a:r>
-            <a:r>
-              <a:rPr lang="en-GB" dirty="0" err="1"/>
-              <a:t>nav</a:t>
-            </a:r>
-            <a:r>
-              <a:rPr lang="en-GB" dirty="0"/>
-              <a:t>, </a:t>
-            </a:r>
-            <a:endParaRPr lang="en-US" dirty="0"/>
-          </a:p>
-          <a:p>
-            <a:pPr lvl="0">
+              <a:rPr lang="en-GB" dirty="0" err="1"/>
+              <a:t>Razvoj</a:t>
+            </a:r>
+            <a:r>
+              <a:rPr lang="en-GB" dirty="0"/>
+              <a:t> HTML-a </a:t>
+            </a:r>
+            <a:r>
+              <a:rPr lang="en-GB" dirty="0" err="1"/>
+              <a:t>tekao</a:t>
+            </a:r>
+            <a:r>
+              <a:rPr lang="en-GB" dirty="0"/>
+              <a:t> </a:t>
+            </a:r>
+            <a:r>
+              <a:rPr lang="en-GB" dirty="0" err="1"/>
+              <a:t>stihijski</a:t>
+            </a:r>
+            <a:r>
+              <a:rPr lang="en-GB" dirty="0"/>
+              <a:t> </a:t>
+            </a:r>
+            <a:r>
+              <a:rPr lang="en-GB" dirty="0" err="1"/>
+              <a:t>dok</a:t>
+            </a:r>
+            <a:r>
+              <a:rPr lang="en-GB" dirty="0"/>
+              <a:t> </a:t>
+            </a:r>
+            <a:r>
+              <a:rPr lang="en-GB" dirty="0" err="1"/>
+              <a:t>brigu</a:t>
+            </a:r>
+            <a:r>
+              <a:rPr lang="en-GB" dirty="0"/>
+              <a:t> o </a:t>
+            </a:r>
+            <a:r>
+              <a:rPr lang="en-GB" dirty="0" err="1"/>
+              <a:t>njemu</a:t>
+            </a:r>
+            <a:r>
+              <a:rPr lang="en-GB" dirty="0"/>
+              <a:t> </a:t>
+            </a:r>
+            <a:r>
+              <a:rPr lang="en-GB" dirty="0" err="1"/>
+              <a:t>nije</a:t>
+            </a:r>
+            <a:r>
+              <a:rPr lang="en-GB" dirty="0"/>
+              <a:t> </a:t>
+            </a:r>
+            <a:r>
+              <a:rPr lang="en-GB" dirty="0" err="1" smtClean="0"/>
+              <a:t>preuzela</a:t>
+            </a:r>
+            <a:r>
+              <a:rPr lang="sr-Latn-RS" dirty="0" smtClean="0"/>
+              <a:t> </a:t>
+            </a:r>
+            <a:r>
+              <a:rPr lang="en-GB" dirty="0" err="1" smtClean="0"/>
+              <a:t>organizacija</a:t>
+            </a:r>
+            <a:r>
+              <a:rPr lang="en-GB" dirty="0" smtClean="0"/>
+              <a:t> </a:t>
+            </a:r>
+            <a:r>
+              <a:rPr lang="en-GB" dirty="0"/>
+              <a:t>World Wide Web Consortium (W3C)</a:t>
+            </a:r>
+          </a:p>
+          <a:p>
+            <a:pPr lvl="1">
               <a:spcBef>
                 <a:spcPts val="1200"/>
               </a:spcBef>
             </a:pPr>
             <a:r>
-              <a:rPr lang="en-GB" dirty="0"/>
-              <a:t>p, h1-h6, </a:t>
-            </a:r>
-            <a:r>
-              <a:rPr lang="en-GB" dirty="0" err="1"/>
-              <a:t>em</a:t>
-            </a:r>
-            <a:r>
-              <a:rPr lang="en-GB" dirty="0"/>
-              <a:t>, strong, small, b, </a:t>
-            </a:r>
-            <a:r>
-              <a:rPr lang="en-GB" dirty="0" err="1"/>
-              <a:t>i</a:t>
-            </a:r>
-            <a:r>
-              <a:rPr lang="en-GB" dirty="0"/>
-              <a:t>, u, sub, sup, </a:t>
-            </a:r>
-            <a:endParaRPr lang="en-US" dirty="0"/>
-          </a:p>
-          <a:p>
-            <a:pPr lvl="0">
+              <a:rPr lang="en-GB" dirty="0" err="1"/>
+              <a:t>Aktuelna</a:t>
+            </a:r>
+            <a:r>
+              <a:rPr lang="en-GB" dirty="0"/>
+              <a:t> </a:t>
+            </a:r>
+            <a:r>
+              <a:rPr lang="en-GB" dirty="0" err="1"/>
+              <a:t>verzija</a:t>
+            </a:r>
+            <a:r>
+              <a:rPr lang="en-GB" dirty="0"/>
+              <a:t> </a:t>
+            </a:r>
+            <a:r>
+              <a:rPr lang="en-GB" dirty="0" err="1"/>
+              <a:t>standarda</a:t>
+            </a:r>
+            <a:r>
+              <a:rPr lang="en-GB" dirty="0"/>
+              <a:t> je </a:t>
+            </a:r>
+            <a:r>
+              <a:rPr lang="en-GB" dirty="0" smtClean="0"/>
+              <a:t>HTML</a:t>
+            </a:r>
+            <a:r>
+              <a:rPr lang="sr-Latn-RS" dirty="0" smtClean="0"/>
+              <a:t> </a:t>
+            </a:r>
+            <a:r>
+              <a:rPr lang="en-GB" dirty="0" smtClean="0"/>
+              <a:t>5</a:t>
+            </a:r>
+            <a:endParaRPr lang="en-GB" dirty="0"/>
+          </a:p>
+          <a:p>
+            <a:pPr lvl="1">
               <a:spcBef>
                 <a:spcPts val="1200"/>
               </a:spcBef>
             </a:pPr>
             <a:r>
               <a:rPr lang="en-GB" dirty="0"/>
-              <a:t>address, </a:t>
-            </a:r>
-            <a:r>
-              <a:rPr lang="en-GB" dirty="0" err="1"/>
-              <a:t>blockquote</a:t>
-            </a:r>
-            <a:r>
-              <a:rPr lang="en-GB" dirty="0"/>
-              <a:t>, q, cite, pre, code, </a:t>
-            </a:r>
-            <a:endParaRPr lang="en-US" dirty="0"/>
-          </a:p>
-          <a:p>
-            <a:pPr lvl="0">
-              <a:spcBef>
-                <a:spcPts val="1200"/>
-              </a:spcBef>
-            </a:pPr>
-            <a:r>
-              <a:rPr lang="en-GB" dirty="0" err="1"/>
-              <a:t>ul</a:t>
-            </a:r>
-            <a:r>
-              <a:rPr lang="en-GB" dirty="0"/>
-              <a:t>, </a:t>
-            </a:r>
-            <a:r>
-              <a:rPr lang="en-GB" dirty="0" err="1"/>
-              <a:t>ol</a:t>
-            </a:r>
-            <a:r>
-              <a:rPr lang="en-GB" dirty="0"/>
-              <a:t>, li, dl, </a:t>
-            </a:r>
-            <a:r>
-              <a:rPr lang="en-GB" dirty="0" err="1"/>
-              <a:t>dd</a:t>
-            </a:r>
-            <a:r>
-              <a:rPr lang="en-GB" dirty="0"/>
-              <a:t>, </a:t>
-            </a:r>
-            <a:r>
-              <a:rPr lang="en-GB" dirty="0" err="1"/>
-              <a:t>dt</a:t>
-            </a:r>
-            <a:r>
-              <a:rPr lang="en-GB" dirty="0"/>
-              <a:t>, </a:t>
-            </a:r>
-            <a:endParaRPr lang="en-US" dirty="0"/>
-          </a:p>
-          <a:p>
-            <a:pPr lvl="0">
-              <a:spcBef>
-                <a:spcPts val="1200"/>
-              </a:spcBef>
-            </a:pPr>
-            <a:r>
-              <a:rPr lang="en-GB" dirty="0" err="1"/>
-              <a:t>img</a:t>
-            </a:r>
-            <a:r>
-              <a:rPr lang="en-GB" dirty="0"/>
-              <a:t>, audio, video, iframe, </a:t>
-            </a:r>
-            <a:endParaRPr lang="en-US" dirty="0"/>
-          </a:p>
-          <a:p>
-            <a:pPr lvl="0">
-              <a:spcBef>
-                <a:spcPts val="1200"/>
-              </a:spcBef>
-            </a:pPr>
-            <a:r>
-              <a:rPr lang="en-GB" dirty="0"/>
-              <a:t>table, </a:t>
-            </a:r>
-            <a:r>
-              <a:rPr lang="en-GB" dirty="0" err="1"/>
-              <a:t>tr</a:t>
-            </a:r>
-            <a:r>
-              <a:rPr lang="en-GB" dirty="0"/>
-              <a:t>, td, </a:t>
-            </a:r>
-            <a:r>
-              <a:rPr lang="en-GB" dirty="0" err="1"/>
-              <a:t>th</a:t>
-            </a:r>
-            <a:r>
-              <a:rPr lang="en-GB" dirty="0"/>
-              <a:t>, caption, </a:t>
-            </a:r>
-            <a:endParaRPr lang="en-US" dirty="0"/>
-          </a:p>
-          <a:p>
-            <a:pPr lvl="0">
-              <a:spcBef>
-                <a:spcPts val="1200"/>
-              </a:spcBef>
-            </a:pPr>
-            <a:r>
-              <a:rPr lang="en-GB" dirty="0"/>
-              <a:t>input, select, option, </a:t>
-            </a:r>
-            <a:r>
-              <a:rPr lang="en-GB" dirty="0" err="1"/>
-              <a:t>textarea</a:t>
-            </a:r>
-            <a:r>
-              <a:rPr lang="en-GB" dirty="0"/>
-              <a:t>, label, </a:t>
-            </a:r>
-            <a:endParaRPr lang="en-US" dirty="0"/>
-          </a:p>
-          <a:p>
-            <a:pPr lvl="0">
-              <a:spcBef>
-                <a:spcPts val="1200"/>
-              </a:spcBef>
-            </a:pPr>
-            <a:r>
-              <a:rPr lang="en-GB" dirty="0"/>
-              <a:t>div, span</a:t>
-            </a:r>
-            <a:endParaRPr lang="en-US" dirty="0"/>
-          </a:p>
-          <a:p>
-            <a:endParaRPr lang="en-US" altLang="en-US" dirty="0" smtClean="0"/>
-          </a:p>
-          <a:p>
-            <a:pPr marL="0" indent="0">
-              <a:buFont typeface="Wingdings" pitchFamily="2" charset="2"/>
-              <a:buNone/>
-            </a:pPr>
+              <a:t>Od </a:t>
+            </a:r>
+            <a:r>
+              <a:rPr lang="en-GB" dirty="0" err="1"/>
+              <a:t>velike</a:t>
+            </a:r>
+            <a:r>
+              <a:rPr lang="en-GB" dirty="0"/>
+              <a:t> </a:t>
+            </a:r>
+            <a:r>
+              <a:rPr lang="en-GB" dirty="0" err="1" smtClean="0"/>
+              <a:t>va</a:t>
+            </a:r>
+            <a:r>
+              <a:rPr lang="sr-Latn-RS" dirty="0"/>
+              <a:t>ž</a:t>
+            </a:r>
+            <a:r>
+              <a:rPr lang="en-GB" dirty="0" err="1" smtClean="0"/>
+              <a:t>nosti</a:t>
+            </a:r>
+            <a:r>
+              <a:rPr lang="en-GB" dirty="0" smtClean="0"/>
+              <a:t> </a:t>
+            </a:r>
+            <a:r>
+              <a:rPr lang="en-GB" dirty="0"/>
+              <a:t>je dobro </a:t>
+            </a:r>
+            <a:r>
+              <a:rPr lang="en-GB" dirty="0" err="1" smtClean="0"/>
+              <a:t>ozna</a:t>
+            </a:r>
+            <a:r>
+              <a:rPr lang="sr-Latn-RS" dirty="0"/>
+              <a:t>č</a:t>
+            </a:r>
+            <a:r>
+              <a:rPr lang="en-GB" dirty="0" err="1" smtClean="0"/>
+              <a:t>iti</a:t>
+            </a:r>
+            <a:r>
+              <a:rPr lang="en-GB" dirty="0" smtClean="0"/>
+              <a:t> </a:t>
+            </a:r>
+            <a:r>
+              <a:rPr lang="en-GB" dirty="0" err="1" smtClean="0"/>
+              <a:t>logi</a:t>
+            </a:r>
+            <a:r>
+              <a:rPr lang="sr-Latn-RS" dirty="0"/>
+              <a:t>č</a:t>
+            </a:r>
+            <a:r>
+              <a:rPr lang="en-GB" dirty="0" err="1" smtClean="0"/>
+              <a:t>ku</a:t>
+            </a:r>
+            <a:r>
+              <a:rPr lang="en-GB" dirty="0" smtClean="0"/>
+              <a:t> </a:t>
+            </a:r>
+            <a:r>
+              <a:rPr lang="en-GB" dirty="0" err="1"/>
+              <a:t>strukturu</a:t>
+            </a:r>
+            <a:r>
+              <a:rPr lang="en-GB" dirty="0"/>
+              <a:t> </a:t>
+            </a:r>
+            <a:r>
+              <a:rPr lang="en-GB" dirty="0" smtClean="0"/>
+              <a:t>HTML</a:t>
+            </a:r>
+            <a:r>
+              <a:rPr lang="sr-Latn-RS" dirty="0" smtClean="0"/>
+              <a:t> </a:t>
+            </a:r>
+            <a:r>
+              <a:rPr lang="en-GB" dirty="0" err="1" smtClean="0"/>
+              <a:t>dokumenta</a:t>
+            </a:r>
             <a:endParaRPr lang="sr-Cyrl-RS" altLang="en-US" sz="1200" dirty="0" smtClean="0"/>
           </a:p>
           <a:p>
@@ -6760,7 +11762,7 @@
     </p:spTree>
     <p:extLst>
       <p:ext uri="{BB962C8B-B14F-4D97-AF65-F5344CB8AC3E}">
-        <p14:creationId xmlns:p14="http://schemas.microsoft.com/office/powerpoint/2010/main" val="3286986706"/>
+        <p14:creationId xmlns:p14="http://schemas.microsoft.com/office/powerpoint/2010/main" val="2508256081"/>
       </p:ext>
     </p:extLst>
   </p:cSld>
@@ -6804,24 +11806,24 @@
             <p:ph type="title"/>
           </p:nvPr>
         </p:nvSpPr>
-        <p:spPr/>
+        <p:spPr>
+          <a:xfrm>
+            <a:off x="1403648" y="549275"/>
+            <a:ext cx="7283152" cy="868363"/>
+          </a:xfrm>
+        </p:spPr>
         <p:txBody>
           <a:bodyPr/>
           <a:lstStyle/>
           <a:p>
             <a:r>
-              <a:rPr lang="sr-Latn-RS" altLang="en-US" dirty="0" smtClean="0">
-                <a:solidFill>
-                  <a:srgbClr val="002060"/>
-                </a:solidFill>
-              </a:rPr>
-              <a:t>Zahvalnica</a:t>
-            </a:r>
-            <a:endParaRPr lang="en-GB" altLang="en-US" dirty="0" smtClean="0">
-              <a:solidFill>
-                <a:srgbClr val="002060"/>
-              </a:solidFill>
-            </a:endParaRPr>
+              <a:rPr lang="sr-Latn-RS" dirty="0" smtClean="0"/>
+              <a:t>Sintaksa </a:t>
+            </a:r>
+            <a:r>
+              <a:rPr lang="sr-Latn-RS" dirty="0"/>
+              <a:t>jezika HTML</a:t>
+            </a:r>
           </a:p>
         </p:txBody>
       </p:sp>
@@ -6837,7 +11839,7 @@
         </p:nvSpPr>
         <p:spPr>
           <a:xfrm>
-            <a:off x="457200" y="1600200"/>
+            <a:off x="457200" y="1484784"/>
             <a:ext cx="8391525" cy="5257800"/>
           </a:xfrm>
         </p:spPr>
@@ -6845,191 +11847,886 @@
           <a:bodyPr/>
           <a:lstStyle/>
           <a:p>
-            <a:pPr marL="0" indent="0">
-              <a:buFont typeface="Wingdings" pitchFamily="2" charset="2"/>
-              <a:buNone/>
+            <a:pPr lvl="1">
+              <a:spcBef>
+                <a:spcPts val="1200"/>
+              </a:spcBef>
             </a:pPr>
             <a:r>
-              <a:rPr lang="sr-Latn-RS" altLang="en-US" dirty="0" smtClean="0"/>
-              <a:t>Delovi materijala ove prezentacije su preuzeti iz</a:t>
-            </a:r>
-            <a:r>
-              <a:rPr lang="sr-Cyrl-RS" altLang="en-US" dirty="0" smtClean="0"/>
-              <a:t>:</a:t>
-            </a:r>
-          </a:p>
-          <a:p>
-            <a:r>
-              <a:rPr lang="sr-Latn-RS" altLang="en-US" dirty="0" smtClean="0"/>
-              <a:t>Skripte iz predmeta Uvod u veb i internet tehnologije,</a:t>
-            </a:r>
-            <a:r>
-              <a:rPr lang="sr-Cyrl-RS" altLang="en-US" dirty="0" smtClean="0"/>
-              <a:t> </a:t>
-            </a:r>
-            <a:r>
-              <a:rPr lang="sr-Latn-RS" altLang="en-US" dirty="0" smtClean="0"/>
+              <a:rPr lang="en-GB" dirty="0"/>
+              <a:t>Na </a:t>
+            </a:r>
+            <a:r>
+              <a:rPr lang="en-GB" dirty="0" err="1" smtClean="0"/>
+              <a:t>po</a:t>
+            </a:r>
+            <a:r>
+              <a:rPr lang="sr-Latn-RS" dirty="0"/>
+              <a:t>č</a:t>
+            </a:r>
+            <a:r>
+              <a:rPr lang="en-GB" dirty="0" err="1" smtClean="0"/>
+              <a:t>etku</a:t>
+            </a:r>
+            <a:r>
+              <a:rPr lang="en-GB" dirty="0" smtClean="0"/>
+              <a:t> </a:t>
+            </a:r>
+            <a:r>
+              <a:rPr lang="en-GB" dirty="0" err="1"/>
+              <a:t>dokumenta</a:t>
+            </a:r>
+            <a:r>
+              <a:rPr lang="en-GB" dirty="0"/>
+              <a:t> </a:t>
+            </a:r>
+            <a:r>
+              <a:rPr lang="en-GB" dirty="0" err="1"/>
+              <a:t>deklaracija</a:t>
+            </a:r>
+            <a:r>
+              <a:rPr lang="en-GB" dirty="0"/>
+              <a:t> </a:t>
+            </a:r>
+            <a:r>
+              <a:rPr lang="en-GB" sz="1600" b="1" dirty="0">
+                <a:latin typeface="Courier New" panose="02070309020205020404" pitchFamily="49" charset="0"/>
+                <a:cs typeface="Courier New" panose="02070309020205020404" pitchFamily="49" charset="0"/>
+              </a:rPr>
+              <a:t>DOCTYPE</a:t>
+            </a:r>
+            <a:r>
+              <a:rPr lang="en-GB" dirty="0"/>
+              <a:t> </a:t>
+            </a:r>
+            <a:r>
+              <a:rPr lang="en-GB" dirty="0" err="1"/>
+              <a:t>koja</a:t>
+            </a:r>
+            <a:r>
+              <a:rPr lang="en-GB" dirty="0"/>
+              <a:t> </a:t>
+            </a:r>
+            <a:r>
+              <a:rPr lang="en-GB" dirty="0" err="1"/>
+              <a:t>ukazuje</a:t>
+            </a:r>
+            <a:r>
+              <a:rPr lang="en-GB" dirty="0"/>
+              <a:t> </a:t>
+            </a:r>
+            <a:r>
+              <a:rPr lang="en-GB" dirty="0" err="1"/>
               <a:t>na</a:t>
             </a:r>
             <a:r>
-              <a:rPr lang="sr-Cyrl-RS" altLang="en-US" dirty="0" smtClean="0"/>
-              <a:t> </a:t>
-            </a:r>
-            <a:r>
-              <a:rPr lang="sr-Latn-RS" altLang="en-US" dirty="0" smtClean="0"/>
-              <a:t>Matematičkom fakultetu Univeziteta u Beogradu</a:t>
-            </a:r>
-            <a:r>
-              <a:rPr lang="sr-Cyrl-RS" altLang="en-US" dirty="0" smtClean="0"/>
+              <a:rPr lang="en-GB" dirty="0"/>
+              <a:t> </a:t>
+            </a:r>
+            <a:r>
+              <a:rPr lang="en-GB" dirty="0" err="1" smtClean="0"/>
+              <a:t>verziju</a:t>
+            </a:r>
+            <a:r>
+              <a:rPr lang="sr-Latn-RS" dirty="0" smtClean="0"/>
+              <a:t> </a:t>
+            </a:r>
+            <a:r>
+              <a:rPr lang="en-GB" dirty="0" err="1" smtClean="0"/>
+              <a:t>standarda</a:t>
+            </a:r>
+            <a:r>
+              <a:rPr lang="en-GB" dirty="0" smtClean="0"/>
+              <a:t> </a:t>
+            </a:r>
+            <a:r>
+              <a:rPr lang="en-GB" dirty="0" err="1"/>
+              <a:t>koja</a:t>
+            </a:r>
+            <a:r>
+              <a:rPr lang="en-GB" dirty="0"/>
+              <a:t> se </a:t>
+            </a:r>
+            <a:r>
+              <a:rPr lang="en-GB" dirty="0" err="1" smtClean="0"/>
+              <a:t>koristi</a:t>
+            </a:r>
+            <a:r>
+              <a:rPr lang="en-GB" dirty="0" smtClean="0"/>
+              <a:t>. </a:t>
+            </a:r>
+            <a:r>
+              <a:rPr lang="en-GB" dirty="0" err="1" smtClean="0"/>
+              <a:t>Kod</a:t>
+            </a:r>
+            <a:r>
+              <a:rPr lang="en-GB" dirty="0" smtClean="0"/>
+              <a:t> HTML5</a:t>
+            </a:r>
+            <a:r>
+              <a:rPr lang="sr-Latn-RS" dirty="0" smtClean="0"/>
+              <a:t> je to:</a:t>
+            </a:r>
+            <a:r>
+              <a:rPr lang="en-GB" dirty="0" smtClean="0"/>
+              <a:t> </a:t>
+            </a:r>
+            <a:br>
+              <a:rPr lang="en-GB" dirty="0" smtClean="0"/>
+            </a:br>
+            <a:r>
+              <a:rPr lang="en-GB" sz="1600" b="1" dirty="0" smtClean="0">
+                <a:latin typeface="Courier New" panose="02070309020205020404" pitchFamily="49" charset="0"/>
+                <a:cs typeface="Courier New" panose="02070309020205020404" pitchFamily="49" charset="0"/>
+              </a:rPr>
+              <a:t>&lt;!</a:t>
+            </a:r>
+            <a:r>
+              <a:rPr lang="en-GB" sz="1600" b="1" dirty="0">
+                <a:latin typeface="Courier New" panose="02070309020205020404" pitchFamily="49" charset="0"/>
+                <a:cs typeface="Courier New" panose="02070309020205020404" pitchFamily="49" charset="0"/>
+              </a:rPr>
+              <a:t>DOCTYPE html&gt;</a:t>
+            </a:r>
+          </a:p>
+          <a:p>
+            <a:pPr lvl="1">
+              <a:spcBef>
+                <a:spcPts val="1200"/>
+              </a:spcBef>
+            </a:pPr>
+            <a:r>
+              <a:rPr lang="en-GB" dirty="0"/>
+              <a:t>HTML </a:t>
+            </a:r>
+            <a:r>
+              <a:rPr lang="en-GB" dirty="0" err="1"/>
+              <a:t>dokument</a:t>
+            </a:r>
+            <a:r>
+              <a:rPr lang="en-GB" dirty="0"/>
+              <a:t> je </a:t>
+            </a:r>
+            <a:r>
+              <a:rPr lang="en-GB" dirty="0" err="1" smtClean="0"/>
+              <a:t>sa</a:t>
+            </a:r>
+            <a:r>
+              <a:rPr lang="sr-Latn-RS" dirty="0"/>
+              <a:t>č</a:t>
+            </a:r>
+            <a:r>
+              <a:rPr lang="en-GB" dirty="0" err="1" smtClean="0"/>
+              <a:t>injen</a:t>
+            </a:r>
+            <a:r>
+              <a:rPr lang="en-GB" dirty="0" smtClean="0"/>
+              <a:t> </a:t>
+            </a:r>
+            <a:r>
+              <a:rPr lang="en-GB" dirty="0"/>
+              <a:t>od </a:t>
+            </a:r>
+            <a:r>
+              <a:rPr lang="en-GB" dirty="0" err="1">
+                <a:solidFill>
+                  <a:srgbClr val="0070C0"/>
+                </a:solidFill>
+              </a:rPr>
+              <a:t>elemenata</a:t>
+            </a:r>
+            <a:r>
+              <a:rPr lang="en-GB" dirty="0"/>
+              <a:t>: </a:t>
+            </a:r>
+            <a:r>
+              <a:rPr lang="en-GB" dirty="0" err="1"/>
+              <a:t>ceo</a:t>
+            </a:r>
+            <a:r>
+              <a:rPr lang="en-GB" dirty="0"/>
+              <a:t> </a:t>
+            </a:r>
+            <a:r>
+              <a:rPr lang="en-GB" dirty="0" err="1"/>
+              <a:t>dokument</a:t>
+            </a:r>
+            <a:r>
+              <a:rPr lang="en-GB" dirty="0"/>
               <a:t>, </a:t>
             </a:r>
             <a:r>
-              <a:rPr lang="sr-Latn-RS" altLang="en-US" dirty="0" smtClean="0"/>
-              <a:t>autor prof. dr Filip Marić</a:t>
-            </a:r>
-          </a:p>
-          <a:p>
-            <a:r>
-              <a:rPr lang="en-US" altLang="en-US" dirty="0" err="1"/>
-              <a:t>Prezentacija</a:t>
-            </a:r>
-            <a:r>
-              <a:rPr lang="en-US" altLang="en-US" dirty="0"/>
-              <a:t> </a:t>
-            </a:r>
-            <a:r>
-              <a:rPr lang="sr-Latn-RS" altLang="en-US" dirty="0"/>
-              <a:t>iz predmeta Uvod u veb i internet tehnologije,</a:t>
-            </a:r>
-            <a:r>
-              <a:rPr lang="sr-Cyrl-RS" altLang="en-US" dirty="0"/>
-              <a:t> </a:t>
-            </a:r>
-            <a:r>
-              <a:rPr lang="sr-Latn-RS" altLang="en-US" dirty="0"/>
-              <a:t>na</a:t>
-            </a:r>
-            <a:r>
-              <a:rPr lang="sr-Cyrl-RS" altLang="en-US" dirty="0"/>
-              <a:t> </a:t>
-            </a:r>
-            <a:r>
-              <a:rPr lang="sr-Latn-RS" altLang="en-US" dirty="0"/>
-              <a:t>Matematičkom fakultetu </a:t>
-            </a:r>
-            <a:r>
-              <a:rPr lang="sr-Latn-RS" altLang="en-US" dirty="0" err="1"/>
-              <a:t>Univeziteta</a:t>
-            </a:r>
-            <a:r>
-              <a:rPr lang="sr-Latn-RS" altLang="en-US" dirty="0"/>
-              <a:t> u Beogradu</a:t>
-            </a:r>
-            <a:r>
-              <a:rPr lang="sr-Cyrl-RS" altLang="en-US" dirty="0"/>
+              <a:rPr lang="en-GB" dirty="0" err="1"/>
+              <a:t>pasus</a:t>
+            </a:r>
+            <a:r>
+              <a:rPr lang="en-GB" dirty="0" smtClean="0"/>
+              <a:t>,</a:t>
+            </a:r>
+            <a:r>
+              <a:rPr lang="sr-Latn-RS" dirty="0" smtClean="0"/>
+              <a:t> </a:t>
+            </a:r>
+            <a:r>
+              <a:rPr lang="en-GB" dirty="0" err="1" smtClean="0"/>
+              <a:t>tabela</a:t>
+            </a:r>
+            <a:r>
+              <a:rPr lang="en-GB" dirty="0"/>
               <a:t>, </a:t>
             </a:r>
             <a:r>
-              <a:rPr lang="sr-Latn-RS" altLang="en-US" dirty="0"/>
-              <a:t>autor dr </a:t>
-            </a:r>
-            <a:r>
-              <a:rPr lang="en-US" altLang="en-US" dirty="0" err="1"/>
-              <a:t>Vesna</a:t>
-            </a:r>
-            <a:r>
-              <a:rPr lang="sr-Latn-RS" altLang="en-US" dirty="0"/>
-              <a:t> Mari</a:t>
-            </a:r>
-            <a:r>
-              <a:rPr lang="en-US" altLang="en-US" dirty="0" err="1"/>
-              <a:t>nkovi</a:t>
-            </a:r>
-            <a:r>
-              <a:rPr lang="sr-Latn-RS" altLang="en-US" smtClean="0"/>
+              <a:rPr lang="en-GB" dirty="0" err="1"/>
+              <a:t>slika</a:t>
+            </a:r>
+            <a:r>
+              <a:rPr lang="en-GB" dirty="0"/>
+              <a:t>,...</a:t>
+            </a:r>
+          </a:p>
+          <a:p>
+            <a:pPr lvl="2">
+              <a:spcBef>
+                <a:spcPts val="1200"/>
+              </a:spcBef>
+            </a:pPr>
+            <a:r>
+              <a:rPr lang="en-GB" dirty="0" err="1"/>
+              <a:t>Elementi</a:t>
+            </a:r>
+            <a:r>
+              <a:rPr lang="en-GB" dirty="0"/>
+              <a:t> se </a:t>
+            </a:r>
+            <a:r>
+              <a:rPr lang="en-GB" dirty="0" err="1"/>
+              <a:t>oznacavaju</a:t>
+            </a:r>
+            <a:r>
+              <a:rPr lang="en-GB" dirty="0"/>
+              <a:t> </a:t>
+            </a:r>
+            <a:r>
+              <a:rPr lang="en-GB" dirty="0" err="1">
+                <a:solidFill>
+                  <a:srgbClr val="0070C0"/>
+                </a:solidFill>
+              </a:rPr>
+              <a:t>oznakama</a:t>
+            </a:r>
+            <a:r>
+              <a:rPr lang="en-GB" dirty="0">
+                <a:solidFill>
+                  <a:srgbClr val="0070C0"/>
+                </a:solidFill>
+              </a:rPr>
+              <a:t> </a:t>
+            </a:r>
+            <a:r>
+              <a:rPr lang="en-GB" dirty="0" err="1"/>
+              <a:t>ili</a:t>
+            </a:r>
+            <a:r>
+              <a:rPr lang="en-GB" dirty="0"/>
+              <a:t> </a:t>
+            </a:r>
+            <a:r>
+              <a:rPr lang="en-GB" dirty="0" err="1"/>
+              <a:t>etiketama</a:t>
+            </a:r>
+            <a:r>
+              <a:rPr lang="en-GB" dirty="0"/>
+              <a:t> </a:t>
+            </a:r>
+            <a:r>
+              <a:rPr lang="en-GB" dirty="0" err="1"/>
+              <a:t>ili</a:t>
+            </a:r>
+            <a:r>
+              <a:rPr lang="en-GB" dirty="0"/>
+              <a:t> </a:t>
+            </a:r>
+            <a:r>
+              <a:rPr lang="en-GB" dirty="0" err="1"/>
+              <a:t>tagovima</a:t>
+            </a:r>
+            <a:r>
+              <a:rPr lang="en-GB" dirty="0"/>
+              <a:t> (tag) </a:t>
+            </a:r>
+            <a:r>
+              <a:rPr lang="sr-Latn-RS" dirty="0" smtClean="0"/>
+              <a:t>- </a:t>
+            </a:r>
+            <a:r>
+              <a:rPr lang="en-GB" dirty="0" err="1" smtClean="0"/>
+              <a:t>obele</a:t>
+            </a:r>
+            <a:r>
+              <a:rPr lang="sr-Latn-RS" dirty="0" smtClean="0"/>
+              <a:t>ž</a:t>
+            </a:r>
+            <a:r>
+              <a:rPr lang="en-GB" dirty="0" err="1" smtClean="0"/>
+              <a:t>avaju</a:t>
+            </a:r>
+            <a:r>
+              <a:rPr lang="en-GB" dirty="0" smtClean="0"/>
+              <a:t> </a:t>
+            </a:r>
+            <a:r>
+              <a:rPr lang="en-GB" dirty="0" err="1" smtClean="0"/>
+              <a:t>po</a:t>
+            </a:r>
+            <a:r>
+              <a:rPr lang="sr-Latn-RS" dirty="0"/>
+              <a:t>č</a:t>
+            </a:r>
+            <a:r>
+              <a:rPr lang="en-GB" dirty="0" err="1" smtClean="0"/>
+              <a:t>etak</a:t>
+            </a:r>
+            <a:r>
+              <a:rPr lang="en-GB" dirty="0" smtClean="0"/>
+              <a:t> </a:t>
+            </a:r>
+            <a:r>
+              <a:rPr lang="en-GB" dirty="0" err="1"/>
+              <a:t>i</a:t>
+            </a:r>
+            <a:r>
+              <a:rPr lang="en-GB" dirty="0"/>
+              <a:t> </a:t>
+            </a:r>
+            <a:r>
+              <a:rPr lang="en-GB" dirty="0" err="1"/>
+              <a:t>kraj</a:t>
+            </a:r>
+            <a:r>
+              <a:rPr lang="en-GB" dirty="0"/>
+              <a:t> </a:t>
+            </a:r>
+            <a:r>
+              <a:rPr lang="en-GB" dirty="0" err="1"/>
+              <a:t>elementa</a:t>
+            </a:r>
+            <a:endParaRPr lang="en-GB" dirty="0"/>
+          </a:p>
+          <a:p>
+            <a:pPr lvl="2">
+              <a:spcBef>
+                <a:spcPts val="1200"/>
+              </a:spcBef>
+            </a:pPr>
+            <a:r>
+              <a:rPr lang="en-GB" dirty="0" err="1" smtClean="0"/>
+              <a:t>Naj</a:t>
+            </a:r>
+            <a:r>
+              <a:rPr lang="sr-Latn-RS" dirty="0"/>
+              <a:t>č</a:t>
+            </a:r>
+            <a:r>
+              <a:rPr lang="en-GB" dirty="0" smtClean="0"/>
+              <a:t>e</a:t>
+            </a:r>
+            <a:r>
+              <a:rPr lang="sr-Latn-RS" dirty="0" err="1" smtClean="0"/>
+              <a:t>šć</a:t>
+            </a:r>
+            <a:r>
+              <a:rPr lang="en-GB" dirty="0" smtClean="0"/>
+              <a:t>e </a:t>
+            </a:r>
+            <a:r>
+              <a:rPr lang="en-GB" dirty="0" err="1"/>
+              <a:t>postoji</a:t>
+            </a:r>
+            <a:r>
+              <a:rPr lang="en-GB" dirty="0"/>
+              <a:t> </a:t>
+            </a:r>
+            <a:r>
+              <a:rPr lang="en-GB" dirty="0" err="1" smtClean="0"/>
+              <a:t>otvaraju</a:t>
+            </a:r>
+            <a:r>
+              <a:rPr lang="sr-Latn-RS" dirty="0"/>
               <a:t>ć</a:t>
             </a:r>
-            <a:endParaRPr lang="sr-Cyrl-RS" altLang="en-US" dirty="0" smtClean="0"/>
-          </a:p>
-          <a:p>
-            <a:r>
-              <a:rPr lang="sr-Latn-RS" altLang="en-US" dirty="0" err="1" smtClean="0"/>
-              <a:t>Skripte</a:t>
-            </a:r>
-            <a:r>
-              <a:rPr lang="sr-Latn-RS" altLang="en-US" dirty="0" smtClean="0"/>
-              <a:t> </a:t>
-            </a:r>
-            <a:r>
-              <a:rPr lang="sr-Latn-RS" altLang="en-US" dirty="0"/>
-              <a:t>iz </a:t>
-            </a:r>
-            <a:r>
-              <a:rPr lang="sr-Latn-RS" altLang="en-US" dirty="0" smtClean="0"/>
-              <a:t>predmeta Informatika</a:t>
-            </a:r>
-            <a:r>
-              <a:rPr lang="sr-Cyrl-RS" altLang="en-US" dirty="0" smtClean="0"/>
-              <a:t> </a:t>
-            </a:r>
-            <a:r>
-              <a:rPr lang="sr-Latn-RS" altLang="en-US" dirty="0" smtClean="0"/>
-              <a:t>na Univerzitetu</a:t>
-            </a:r>
-            <a:r>
-              <a:rPr lang="sr-Cyrl-RS" altLang="en-US" dirty="0" smtClean="0"/>
-              <a:t> </a:t>
-            </a:r>
-            <a:r>
-              <a:rPr lang="en-US" altLang="en-US" dirty="0" smtClean="0"/>
-              <a:t>Milano Bicocca</a:t>
-            </a:r>
-            <a:r>
-              <a:rPr lang="sr-Cyrl-RS" altLang="en-US" dirty="0" smtClean="0"/>
-              <a:t>,</a:t>
-            </a:r>
-            <a:r>
-              <a:rPr lang="en-US" altLang="en-US" dirty="0" smtClean="0"/>
-              <a:t> </a:t>
-            </a:r>
-            <a:r>
-              <a:rPr lang="sr-Latn-RS" altLang="en-US" dirty="0" smtClean="0"/>
-              <a:t>autor dr</a:t>
-            </a:r>
-            <a:r>
-              <a:rPr lang="sr-Cyrl-RS" altLang="en-US" dirty="0" smtClean="0"/>
-              <a:t> </a:t>
-            </a:r>
-            <a:r>
-              <a:rPr lang="en-US" altLang="en-US" dirty="0"/>
-              <a:t>Mirko </a:t>
-            </a:r>
-            <a:r>
-              <a:rPr lang="en-US" altLang="en-US" dirty="0" err="1"/>
-              <a:t>Cesarini</a:t>
-            </a:r>
-            <a:r>
-              <a:rPr lang="sr-Cyrl-RS" altLang="en-US" dirty="0" smtClean="0"/>
-              <a:t>  </a:t>
-            </a:r>
-            <a:endParaRPr lang="en-US" altLang="en-US" dirty="0" smtClean="0"/>
-          </a:p>
-          <a:p>
-            <a:endParaRPr lang="en-US" altLang="en-US" dirty="0" smtClean="0"/>
-          </a:p>
-          <a:p>
-            <a:pPr marL="0" indent="0">
-              <a:buFont typeface="Wingdings" pitchFamily="2" charset="2"/>
-              <a:buNone/>
+            <a:r>
+              <a:rPr lang="en-GB" dirty="0" smtClean="0"/>
+              <a:t>a </a:t>
+            </a:r>
+            <a:r>
+              <a:rPr lang="en-GB" dirty="0" err="1"/>
+              <a:t>oznaka</a:t>
+            </a:r>
+            <a:r>
+              <a:rPr lang="en-GB" dirty="0"/>
+              <a:t> </a:t>
+            </a:r>
+            <a:r>
+              <a:rPr lang="en-GB" dirty="0" err="1"/>
+              <a:t>oblika</a:t>
+            </a:r>
+            <a:r>
+              <a:rPr lang="en-GB" dirty="0"/>
+              <a:t> </a:t>
+            </a:r>
+            <a:r>
+              <a:rPr lang="en-GB" sz="1400" b="1" dirty="0">
+                <a:solidFill>
+                  <a:srgbClr val="009E47"/>
+                </a:solidFill>
+                <a:latin typeface="Courier New" panose="02070309020205020404" pitchFamily="49" charset="0"/>
+                <a:cs typeface="Courier New" panose="02070309020205020404" pitchFamily="49" charset="0"/>
+              </a:rPr>
+              <a:t>&lt;</a:t>
+            </a:r>
+            <a:r>
+              <a:rPr lang="en-GB" sz="1400" b="1" dirty="0" err="1">
+                <a:solidFill>
+                  <a:srgbClr val="009E47"/>
+                </a:solidFill>
+                <a:latin typeface="Courier New" panose="02070309020205020404" pitchFamily="49" charset="0"/>
+                <a:cs typeface="Courier New" panose="02070309020205020404" pitchFamily="49" charset="0"/>
+              </a:rPr>
+              <a:t>ime-elementa</a:t>
+            </a:r>
+            <a:r>
+              <a:rPr lang="en-GB" sz="1400" b="1" dirty="0">
+                <a:solidFill>
+                  <a:srgbClr val="009E47"/>
+                </a:solidFill>
+                <a:latin typeface="Courier New" panose="02070309020205020404" pitchFamily="49" charset="0"/>
+                <a:cs typeface="Courier New" panose="02070309020205020404" pitchFamily="49" charset="0"/>
+              </a:rPr>
+              <a:t>&gt; </a:t>
+            </a:r>
+            <a:r>
+              <a:rPr lang="en-GB" dirty="0" err="1" smtClean="0"/>
+              <a:t>i</a:t>
+            </a:r>
+            <a:r>
+              <a:rPr lang="sr-Latn-RS" dirty="0" smtClean="0"/>
+              <a:t> </a:t>
+            </a:r>
+            <a:r>
+              <a:rPr lang="en-GB" dirty="0" err="1" smtClean="0"/>
+              <a:t>zatvaraju</a:t>
+            </a:r>
+            <a:r>
+              <a:rPr lang="sr-Latn-RS" dirty="0" smtClean="0"/>
+              <a:t>ć</a:t>
+            </a:r>
+            <a:r>
+              <a:rPr lang="en-GB" dirty="0" smtClean="0"/>
+              <a:t>a </a:t>
+            </a:r>
+            <a:r>
+              <a:rPr lang="en-GB" dirty="0" err="1"/>
+              <a:t>oznaka</a:t>
+            </a:r>
+            <a:r>
+              <a:rPr lang="en-GB" dirty="0"/>
+              <a:t> </a:t>
+            </a:r>
+            <a:r>
+              <a:rPr lang="en-GB" dirty="0" err="1"/>
+              <a:t>oblika</a:t>
+            </a:r>
+            <a:r>
+              <a:rPr lang="en-GB" dirty="0"/>
+              <a:t> </a:t>
+            </a:r>
+            <a:r>
+              <a:rPr lang="en-GB" sz="1400" b="1" dirty="0">
+                <a:solidFill>
+                  <a:srgbClr val="009E47"/>
+                </a:solidFill>
+                <a:latin typeface="Courier New" panose="02070309020205020404" pitchFamily="49" charset="0"/>
+                <a:cs typeface="Courier New" panose="02070309020205020404" pitchFamily="49" charset="0"/>
+              </a:rPr>
+              <a:t>&lt;/</a:t>
+            </a:r>
+            <a:r>
+              <a:rPr lang="en-GB" sz="1400" b="1" dirty="0" err="1">
+                <a:solidFill>
+                  <a:srgbClr val="009E47"/>
+                </a:solidFill>
+                <a:latin typeface="Courier New" panose="02070309020205020404" pitchFamily="49" charset="0"/>
+                <a:cs typeface="Courier New" panose="02070309020205020404" pitchFamily="49" charset="0"/>
+              </a:rPr>
+              <a:t>ime-elementa</a:t>
+            </a:r>
+            <a:r>
+              <a:rPr lang="en-GB" sz="1400" b="1" dirty="0">
+                <a:latin typeface="Courier New" panose="02070309020205020404" pitchFamily="49" charset="0"/>
+                <a:cs typeface="Courier New" panose="02070309020205020404" pitchFamily="49" charset="0"/>
+              </a:rPr>
+              <a:t>&gt; </a:t>
+            </a:r>
+            <a:r>
+              <a:rPr lang="en-GB" dirty="0" err="1"/>
+              <a:t>i</a:t>
+            </a:r>
+            <a:r>
+              <a:rPr lang="en-GB" dirty="0"/>
+              <a:t> one </a:t>
+            </a:r>
+            <a:r>
+              <a:rPr lang="en-GB" dirty="0" err="1"/>
+              <a:t>ograuju</a:t>
+            </a:r>
+            <a:r>
+              <a:rPr lang="en-GB" dirty="0"/>
+              <a:t> </a:t>
+            </a:r>
+            <a:r>
+              <a:rPr lang="en-GB" dirty="0" err="1" smtClean="0"/>
+              <a:t>sadr</a:t>
+            </a:r>
+            <a:r>
+              <a:rPr lang="sr-Latn-RS" dirty="0"/>
+              <a:t>ž</a:t>
+            </a:r>
+            <a:r>
+              <a:rPr lang="en-GB" dirty="0" err="1" smtClean="0"/>
+              <a:t>aj</a:t>
+            </a:r>
+            <a:r>
+              <a:rPr lang="sr-Latn-RS" dirty="0" smtClean="0"/>
+              <a:t> </a:t>
+            </a:r>
+            <a:r>
+              <a:rPr lang="en-GB" dirty="0" err="1" smtClean="0"/>
+              <a:t>elementa</a:t>
+            </a:r>
+            <a:endParaRPr lang="en-GB" dirty="0"/>
+          </a:p>
+          <a:p>
+            <a:pPr lvl="2">
+              <a:spcBef>
+                <a:spcPts val="1200"/>
+              </a:spcBef>
             </a:pPr>
-            <a:endParaRPr lang="sr-Cyrl-RS" altLang="en-US" sz="1200" dirty="0" smtClean="0"/>
-          </a:p>
-          <a:p>
-            <a:pPr marL="0" indent="0">
-              <a:buFont typeface="Wingdings" pitchFamily="2" charset="2"/>
-              <a:buNone/>
+            <a:r>
+              <a:rPr lang="en-GB" dirty="0" err="1"/>
+              <a:t>Neki</a:t>
+            </a:r>
+            <a:r>
+              <a:rPr lang="en-GB" dirty="0"/>
+              <a:t> </a:t>
+            </a:r>
+            <a:r>
+              <a:rPr lang="en-GB" dirty="0" err="1"/>
+              <a:t>elementi</a:t>
+            </a:r>
+            <a:r>
+              <a:rPr lang="en-GB" dirty="0"/>
+              <a:t> </a:t>
+            </a:r>
+            <a:r>
+              <a:rPr lang="en-GB" dirty="0" err="1"/>
+              <a:t>nemaju</a:t>
+            </a:r>
+            <a:r>
+              <a:rPr lang="en-GB" dirty="0"/>
+              <a:t> </a:t>
+            </a:r>
+            <a:r>
+              <a:rPr lang="en-GB" dirty="0" err="1" smtClean="0"/>
+              <a:t>sadr</a:t>
+            </a:r>
+            <a:r>
+              <a:rPr lang="sr-Latn-RS" dirty="0"/>
+              <a:t>ž</a:t>
+            </a:r>
+            <a:r>
+              <a:rPr lang="en-GB" dirty="0" err="1" smtClean="0"/>
+              <a:t>aj</a:t>
+            </a:r>
+            <a:r>
+              <a:rPr lang="en-GB" dirty="0" smtClean="0"/>
+              <a:t> </a:t>
+            </a:r>
+            <a:r>
+              <a:rPr lang="en-GB" dirty="0" err="1"/>
+              <a:t>i</a:t>
+            </a:r>
+            <a:r>
+              <a:rPr lang="en-GB" dirty="0"/>
+              <a:t> </a:t>
+            </a:r>
+            <a:r>
+              <a:rPr lang="en-GB" dirty="0" err="1"/>
+              <a:t>za</a:t>
+            </a:r>
+            <a:r>
+              <a:rPr lang="en-GB" dirty="0"/>
+              <a:t> </a:t>
+            </a:r>
+            <a:r>
+              <a:rPr lang="en-GB" dirty="0" err="1"/>
+              <a:t>njih</a:t>
+            </a:r>
+            <a:r>
+              <a:rPr lang="en-GB" dirty="0"/>
+              <a:t> se </a:t>
+            </a:r>
+            <a:r>
+              <a:rPr lang="en-GB" dirty="0" err="1"/>
+              <a:t>koriste</a:t>
+            </a:r>
+            <a:r>
+              <a:rPr lang="en-GB" dirty="0"/>
+              <a:t> </a:t>
+            </a:r>
+            <a:r>
+              <a:rPr lang="en-GB" dirty="0" err="1" smtClean="0"/>
+              <a:t>samozatvaraju</a:t>
+            </a:r>
+            <a:r>
+              <a:rPr lang="sr-Latn-RS" dirty="0"/>
+              <a:t>ć</a:t>
+            </a:r>
+            <a:r>
+              <a:rPr lang="en-GB" dirty="0" smtClean="0"/>
+              <a:t>e</a:t>
+            </a:r>
+            <a:r>
+              <a:rPr lang="sr-Latn-RS" dirty="0" smtClean="0"/>
+              <a:t> </a:t>
+            </a:r>
+            <a:r>
+              <a:rPr lang="en-GB" dirty="0" err="1" smtClean="0"/>
+              <a:t>oznake</a:t>
+            </a:r>
+            <a:r>
+              <a:rPr lang="en-GB" dirty="0" smtClean="0"/>
+              <a:t> </a:t>
+            </a:r>
+            <a:r>
+              <a:rPr lang="en-GB" dirty="0" err="1"/>
+              <a:t>oblika</a:t>
+            </a:r>
+            <a:r>
+              <a:rPr lang="en-GB" dirty="0"/>
+              <a:t> </a:t>
+            </a:r>
+            <a:r>
+              <a:rPr lang="en-GB" sz="1400" b="1" dirty="0">
+                <a:solidFill>
+                  <a:srgbClr val="009E47"/>
+                </a:solidFill>
+                <a:latin typeface="Courier New" panose="02070309020205020404" pitchFamily="49" charset="0"/>
+                <a:cs typeface="Courier New" panose="02070309020205020404" pitchFamily="49" charset="0"/>
+              </a:rPr>
+              <a:t>&lt;</a:t>
+            </a:r>
+            <a:r>
+              <a:rPr lang="en-GB" sz="1400" b="1" dirty="0" err="1">
+                <a:solidFill>
+                  <a:srgbClr val="009E47"/>
+                </a:solidFill>
+                <a:latin typeface="Courier New" panose="02070309020205020404" pitchFamily="49" charset="0"/>
+                <a:cs typeface="Courier New" panose="02070309020205020404" pitchFamily="49" charset="0"/>
+              </a:rPr>
+              <a:t>ime-elementa</a:t>
+            </a:r>
+            <a:r>
+              <a:rPr lang="en-GB" sz="1400" b="1" dirty="0">
+                <a:solidFill>
+                  <a:srgbClr val="009E47"/>
+                </a:solidFill>
+                <a:latin typeface="Courier New" panose="02070309020205020404" pitchFamily="49" charset="0"/>
+                <a:cs typeface="Courier New" panose="02070309020205020404" pitchFamily="49" charset="0"/>
+              </a:rPr>
+              <a:t>/&gt;</a:t>
+            </a:r>
+          </a:p>
+          <a:p>
+            <a:pPr lvl="1">
+              <a:spcBef>
+                <a:spcPts val="1200"/>
+              </a:spcBef>
             </a:pPr>
-            <a:endParaRPr lang="sr-Latn-CS" altLang="en-US" sz="1200" dirty="0" smtClean="0"/>
+            <a:r>
+              <a:rPr lang="en-GB" dirty="0" err="1"/>
+              <a:t>Elementi</a:t>
+            </a:r>
+            <a:r>
+              <a:rPr lang="en-GB" dirty="0"/>
+              <a:t> </a:t>
+            </a:r>
+            <a:r>
+              <a:rPr lang="en-GB" dirty="0" err="1"/>
+              <a:t>mogu</a:t>
+            </a:r>
+            <a:r>
+              <a:rPr lang="en-GB" dirty="0"/>
+              <a:t> da </a:t>
+            </a:r>
+            <a:r>
+              <a:rPr lang="en-GB" dirty="0" err="1"/>
+              <a:t>imaju</a:t>
+            </a:r>
+            <a:r>
+              <a:rPr lang="en-GB" dirty="0"/>
+              <a:t> </a:t>
+            </a:r>
+            <a:r>
+              <a:rPr lang="en-GB" dirty="0" err="1">
+                <a:solidFill>
+                  <a:srgbClr val="0070C0"/>
+                </a:solidFill>
+              </a:rPr>
+              <a:t>atribute</a:t>
+            </a:r>
+            <a:r>
+              <a:rPr lang="en-GB" dirty="0"/>
+              <a:t> </a:t>
+            </a:r>
+            <a:r>
+              <a:rPr lang="en-GB" dirty="0" err="1"/>
+              <a:t>koji</a:t>
+            </a:r>
+            <a:r>
+              <a:rPr lang="en-GB" dirty="0"/>
+              <a:t> </a:t>
+            </a:r>
+            <a:r>
+              <a:rPr lang="en-GB" dirty="0" err="1"/>
+              <a:t>ih</a:t>
+            </a:r>
+            <a:r>
+              <a:rPr lang="en-GB" dirty="0"/>
+              <a:t> </a:t>
+            </a:r>
+            <a:r>
+              <a:rPr lang="en-GB" dirty="0" err="1"/>
+              <a:t>dodatno</a:t>
+            </a:r>
+            <a:r>
+              <a:rPr lang="en-GB" dirty="0"/>
+              <a:t> </a:t>
+            </a:r>
+            <a:r>
+              <a:rPr lang="en-GB" dirty="0" err="1"/>
+              <a:t>opisuju</a:t>
+            </a:r>
+            <a:endParaRPr lang="en-GB" dirty="0"/>
+          </a:p>
+          <a:p>
+            <a:pPr lvl="2">
+              <a:spcBef>
+                <a:spcPts val="1200"/>
+              </a:spcBef>
+            </a:pPr>
+            <a:r>
+              <a:rPr lang="en-GB" dirty="0" err="1"/>
+              <a:t>Vrednosti</a:t>
+            </a:r>
+            <a:r>
+              <a:rPr lang="en-GB" dirty="0"/>
+              <a:t> se </a:t>
+            </a:r>
+            <a:r>
+              <a:rPr lang="en-GB" dirty="0" err="1"/>
+              <a:t>atributima</a:t>
+            </a:r>
+            <a:r>
+              <a:rPr lang="en-GB" dirty="0"/>
+              <a:t> </a:t>
+            </a:r>
+            <a:r>
+              <a:rPr lang="en-GB" dirty="0" err="1"/>
+              <a:t>zadaju</a:t>
+            </a:r>
+            <a:r>
+              <a:rPr lang="en-GB" dirty="0"/>
+              <a:t> u </a:t>
+            </a:r>
+            <a:r>
+              <a:rPr lang="en-GB" dirty="0" err="1"/>
+              <a:t>okviru</a:t>
+            </a:r>
+            <a:r>
+              <a:rPr lang="en-GB" dirty="0"/>
+              <a:t> </a:t>
+            </a:r>
+            <a:r>
+              <a:rPr lang="en-GB" dirty="0" err="1"/>
+              <a:t>otvarajuce</a:t>
+            </a:r>
+            <a:r>
+              <a:rPr lang="en-GB" dirty="0"/>
+              <a:t> </a:t>
+            </a:r>
+            <a:r>
+              <a:rPr lang="en-GB" dirty="0" err="1"/>
+              <a:t>oznake</a:t>
+            </a:r>
+            <a:r>
+              <a:rPr lang="en-GB" dirty="0"/>
+              <a:t> u </a:t>
+            </a:r>
+            <a:r>
+              <a:rPr lang="en-GB" dirty="0" err="1" smtClean="0"/>
+              <a:t>obliku</a:t>
+            </a:r>
+            <a:r>
+              <a:rPr lang="en-GB" dirty="0" smtClean="0"/>
+              <a:t> </a:t>
+            </a:r>
+            <a:r>
+              <a:rPr lang="en-GB" sz="1400" b="1" dirty="0" err="1">
+                <a:solidFill>
+                  <a:srgbClr val="009E47"/>
+                </a:solidFill>
+                <a:latin typeface="Courier New" panose="02070309020205020404" pitchFamily="49" charset="0"/>
+                <a:cs typeface="Courier New" panose="02070309020205020404" pitchFamily="49" charset="0"/>
+              </a:rPr>
+              <a:t>ime-atributa</a:t>
+            </a:r>
+            <a:r>
+              <a:rPr lang="en-GB" sz="1400" b="1" dirty="0">
+                <a:solidFill>
+                  <a:srgbClr val="009E47"/>
+                </a:solidFill>
+                <a:latin typeface="Courier New" panose="02070309020205020404" pitchFamily="49" charset="0"/>
+                <a:cs typeface="Courier New" panose="02070309020205020404" pitchFamily="49" charset="0"/>
+              </a:rPr>
+              <a:t>="</a:t>
+            </a:r>
+            <a:r>
+              <a:rPr lang="en-GB" sz="1400" b="1" dirty="0" err="1">
+                <a:solidFill>
+                  <a:srgbClr val="009E47"/>
+                </a:solidFill>
+                <a:latin typeface="Courier New" panose="02070309020205020404" pitchFamily="49" charset="0"/>
+                <a:cs typeface="Courier New" panose="02070309020205020404" pitchFamily="49" charset="0"/>
+              </a:rPr>
+              <a:t>vrednost-atributa</a:t>
+            </a:r>
+            <a:r>
+              <a:rPr lang="en-GB" sz="1400" b="1" dirty="0">
+                <a:solidFill>
+                  <a:srgbClr val="009E47"/>
+                </a:solidFill>
+                <a:latin typeface="Courier New" panose="02070309020205020404" pitchFamily="49" charset="0"/>
+                <a:cs typeface="Courier New" panose="02070309020205020404" pitchFamily="49" charset="0"/>
+              </a:rPr>
+              <a:t>"</a:t>
+            </a:r>
+            <a:endParaRPr lang="sr-Latn-CS" altLang="en-US" sz="1400" b="1" dirty="0">
+              <a:solidFill>
+                <a:srgbClr val="009E47"/>
+              </a:solidFill>
+              <a:latin typeface="Courier New" panose="02070309020205020404" pitchFamily="49" charset="0"/>
+              <a:cs typeface="Courier New" panose="02070309020205020404" pitchFamily="49" charset="0"/>
+            </a:endParaRPr>
           </a:p>
           <a:p>
             <a:pPr marL="0" indent="0">
@@ -7043,7 +12740,371 @@
     </p:spTree>
     <p:extLst>
       <p:ext uri="{BB962C8B-B14F-4D97-AF65-F5344CB8AC3E}">
-        <p14:creationId xmlns:p14="http://schemas.microsoft.com/office/powerpoint/2010/main" val="3609644295"/>
+        <p14:creationId xmlns:p14="http://schemas.microsoft.com/office/powerpoint/2010/main" val="1624016975"/>
+      </p:ext>
+    </p:extLst>
+  </p:cSld>
+  <p:clrMapOvr>
+    <a:masterClrMapping/>
+  </p:clrMapOvr>
+  <p:timing>
+    <p:tnLst>
+      <p:par>
+        <p:cTn id="1" dur="indefinite" restart="never" nodeType="tmRoot"/>
+      </p:par>
+    </p:tnLst>
+  </p:timing>
+</p:sld>
+</file>
+
+<file path=ppt/slides/slide9.xml><?xml version="1.0" encoding="utf-8"?>
+<p:sld xmlns:a="http://schemas.openxmlformats.org/drawingml/2006/main" xmlns:r="http://schemas.openxmlformats.org/officeDocument/2006/relationships" xmlns:p="http://schemas.openxmlformats.org/presentationml/2006/main">
+  <p:cSld>
+    <p:spTree>
+      <p:nvGrpSpPr>
+        <p:cNvPr id="1" name=""/>
+        <p:cNvGrpSpPr/>
+        <p:nvPr/>
+      </p:nvGrpSpPr>
+      <p:grpSpPr>
+        <a:xfrm>
+          <a:off x="0" y="0"/>
+          <a:ext cx="0" cy="0"/>
+          <a:chOff x="0" y="0"/>
+          <a:chExt cx="0" cy="0"/>
+        </a:xfrm>
+      </p:grpSpPr>
+      <p:sp>
+        <p:nvSpPr>
+          <p:cNvPr id="92162" name="Rectangle 2"/>
+          <p:cNvSpPr>
+            <a:spLocks noGrp="1" noChangeArrowheads="1"/>
+          </p:cNvSpPr>
+          <p:nvPr>
+            <p:ph type="title"/>
+          </p:nvPr>
+        </p:nvSpPr>
+        <p:spPr>
+          <a:xfrm>
+            <a:off x="1403648" y="549275"/>
+            <a:ext cx="7283152" cy="868363"/>
+          </a:xfrm>
+        </p:spPr>
+        <p:txBody>
+          <a:bodyPr/>
+          <a:lstStyle/>
+          <a:p>
+            <a:r>
+              <a:rPr lang="sr-Latn-RS" dirty="0" smtClean="0"/>
+              <a:t>Sintaksa </a:t>
+            </a:r>
+            <a:r>
+              <a:rPr lang="sr-Latn-RS" dirty="0"/>
+              <a:t>jezika </a:t>
+            </a:r>
+            <a:r>
+              <a:rPr lang="sr-Latn-RS" dirty="0" smtClean="0"/>
+              <a:t>HTML</a:t>
+            </a:r>
+            <a:r>
+              <a:rPr lang="en-US" dirty="0" smtClean="0"/>
+              <a:t> (2)</a:t>
+            </a:r>
+            <a:endParaRPr lang="sr-Latn-RS" dirty="0"/>
+          </a:p>
+        </p:txBody>
+      </p:sp>
+      <p:sp>
+        <p:nvSpPr>
+          <p:cNvPr id="92163" name="Rectangle 3"/>
+          <p:cNvSpPr>
+            <a:spLocks noGrp="1" noChangeArrowheads="1"/>
+          </p:cNvSpPr>
+          <p:nvPr>
+            <p:ph idx="1"/>
+          </p:nvPr>
+        </p:nvSpPr>
+        <p:spPr>
+          <a:xfrm>
+            <a:off x="457200" y="1484784"/>
+            <a:ext cx="8391525" cy="5257800"/>
+          </a:xfrm>
+        </p:spPr>
+        <p:txBody>
+          <a:bodyPr/>
+          <a:lstStyle/>
+          <a:p>
+            <a:pPr lvl="1">
+              <a:spcBef>
+                <a:spcPts val="1200"/>
+              </a:spcBef>
+            </a:pPr>
+            <a:r>
+              <a:rPr lang="en-GB" dirty="0" err="1"/>
+              <a:t>Elementi</a:t>
+            </a:r>
+            <a:r>
+              <a:rPr lang="en-GB" dirty="0"/>
+              <a:t> </a:t>
+            </a:r>
+            <a:r>
+              <a:rPr lang="en-GB" dirty="0" err="1"/>
+              <a:t>mogu</a:t>
+            </a:r>
+            <a:r>
+              <a:rPr lang="en-GB" dirty="0"/>
+              <a:t> </a:t>
+            </a:r>
+            <a:r>
+              <a:rPr lang="en-GB" dirty="0" err="1"/>
+              <a:t>biti</a:t>
+            </a:r>
+            <a:r>
+              <a:rPr lang="en-GB" dirty="0"/>
+              <a:t> </a:t>
+            </a:r>
+            <a:r>
+              <a:rPr lang="en-GB" dirty="0" err="1"/>
+              <a:t>i</a:t>
+            </a:r>
+            <a:r>
+              <a:rPr lang="en-GB" dirty="0"/>
+              <a:t> </a:t>
+            </a:r>
+            <a:r>
+              <a:rPr lang="en-GB" dirty="0" err="1" smtClean="0"/>
+              <a:t>ugn</a:t>
+            </a:r>
+            <a:r>
+              <a:rPr lang="sr-Latn-RS" dirty="0" smtClean="0"/>
+              <a:t>j</a:t>
+            </a:r>
+            <a:r>
+              <a:rPr lang="en-GB" dirty="0" smtClean="0"/>
+              <a:t>e</a:t>
+            </a:r>
+            <a:r>
+              <a:rPr lang="sr-Latn-RS" dirty="0"/>
+              <a:t>ž</a:t>
+            </a:r>
+            <a:r>
+              <a:rPr lang="en-GB" dirty="0" err="1" smtClean="0"/>
+              <a:t>den</a:t>
+            </a:r>
+            <a:r>
+              <a:rPr lang="sr-Latn-RS" dirty="0" smtClean="0"/>
+              <a:t>i</a:t>
+            </a:r>
+          </a:p>
+          <a:p>
+            <a:pPr lvl="1">
+              <a:spcBef>
+                <a:spcPts val="1200"/>
+              </a:spcBef>
+            </a:pPr>
+            <a:endParaRPr lang="sr-Latn-RS" altLang="en-US" dirty="0"/>
+          </a:p>
+          <a:p>
+            <a:pPr lvl="1">
+              <a:spcBef>
+                <a:spcPts val="1200"/>
+              </a:spcBef>
+            </a:pPr>
+            <a:endParaRPr lang="sr-Latn-RS" altLang="en-US" dirty="0" smtClean="0"/>
+          </a:p>
+          <a:p>
+            <a:pPr lvl="1">
+              <a:spcBef>
+                <a:spcPts val="1200"/>
+              </a:spcBef>
+            </a:pPr>
+            <a:endParaRPr lang="sr-Latn-RS" altLang="en-US" dirty="0"/>
+          </a:p>
+          <a:p>
+            <a:pPr lvl="1">
+              <a:spcBef>
+                <a:spcPts val="1200"/>
+              </a:spcBef>
+            </a:pPr>
+            <a:endParaRPr lang="sr-Latn-CS" altLang="en-US" dirty="0" smtClean="0"/>
+          </a:p>
+          <a:p>
+            <a:pPr lvl="1">
+              <a:spcBef>
+                <a:spcPts val="1200"/>
+              </a:spcBef>
+            </a:pPr>
+            <a:endParaRPr lang="sr-Latn-CS" altLang="en-US" dirty="0" smtClean="0"/>
+          </a:p>
+          <a:p>
+            <a:pPr lvl="1">
+              <a:spcBef>
+                <a:spcPts val="1200"/>
+              </a:spcBef>
+            </a:pPr>
+            <a:endParaRPr lang="sr-Latn-CS" altLang="en-US" dirty="0" smtClean="0"/>
+          </a:p>
+          <a:p>
+            <a:pPr lvl="1">
+              <a:spcBef>
+                <a:spcPts val="1200"/>
+              </a:spcBef>
+            </a:pPr>
+            <a:r>
+              <a:rPr lang="sr-Latn-CS" altLang="en-US" dirty="0" smtClean="0"/>
+              <a:t>Nekada </a:t>
+            </a:r>
+            <a:r>
+              <a:rPr lang="sr-Latn-CS" altLang="en-US" dirty="0"/>
+              <a:t>je dozvoljeno izostaviti </a:t>
+            </a:r>
+            <a:r>
+              <a:rPr lang="sr-Latn-CS" altLang="en-US" dirty="0" err="1" smtClean="0"/>
+              <a:t>zatvaraju</a:t>
+            </a:r>
+            <a:r>
+              <a:rPr lang="sr-Latn-CS" altLang="en-US" dirty="0" err="1"/>
+              <a:t>ć</a:t>
+            </a:r>
+            <a:r>
+              <a:rPr lang="sr-Latn-CS" altLang="en-US" dirty="0" err="1" smtClean="0"/>
+              <a:t>u</a:t>
+            </a:r>
+            <a:r>
+              <a:rPr lang="sr-Latn-CS" altLang="en-US" dirty="0" smtClean="0"/>
+              <a:t> </a:t>
+            </a:r>
+            <a:r>
+              <a:rPr lang="sr-Latn-CS" altLang="en-US" dirty="0"/>
+              <a:t>oznaku (kada </a:t>
+            </a:r>
+            <a:r>
+              <a:rPr lang="sr-Latn-CS" altLang="en-US" dirty="0" smtClean="0"/>
+              <a:t>po</a:t>
+            </a:r>
+            <a:r>
+              <a:rPr lang="sr-Latn-CS" altLang="en-US" dirty="0"/>
+              <a:t>č</a:t>
+            </a:r>
+            <a:r>
+              <a:rPr lang="sr-Latn-CS" altLang="en-US" dirty="0" smtClean="0"/>
+              <a:t>etak ili kraj </a:t>
+            </a:r>
+            <a:r>
+              <a:rPr lang="sr-Latn-CS" altLang="en-US" dirty="0"/>
+              <a:t>nekog drugog elementa ukazuju na </a:t>
+            </a:r>
+            <a:r>
+              <a:rPr lang="sr-Latn-CS" altLang="en-US" dirty="0" smtClean="0"/>
+              <a:t>zavr</a:t>
+            </a:r>
+            <a:r>
+              <a:rPr lang="sr-Latn-CS" altLang="en-US" dirty="0"/>
+              <a:t>š</a:t>
+            </a:r>
+            <a:r>
+              <a:rPr lang="sr-Latn-CS" altLang="en-US" dirty="0" smtClean="0"/>
+              <a:t>etak prethodnog elementa</a:t>
+            </a:r>
+            <a:r>
+              <a:rPr lang="sr-Latn-CS" altLang="en-US" dirty="0"/>
+              <a:t>)</a:t>
+            </a:r>
+          </a:p>
+          <a:p>
+            <a:pPr lvl="1">
+              <a:spcBef>
+                <a:spcPts val="1200"/>
+              </a:spcBef>
+            </a:pPr>
+            <a:r>
+              <a:rPr lang="sr-Latn-CS" altLang="en-US" dirty="0" smtClean="0"/>
+              <a:t>Veb pregledači veba su veoma fleksibilni </a:t>
+            </a:r>
+            <a:r>
+              <a:rPr lang="sr-Latn-CS" altLang="en-US" dirty="0"/>
+              <a:t>i </a:t>
+            </a:r>
+            <a:r>
+              <a:rPr lang="sr-Latn-CS" altLang="en-US" dirty="0" smtClean="0"/>
+              <a:t>tolerišu </a:t>
+            </a:r>
+            <a:r>
+              <a:rPr lang="sr-Latn-CS" altLang="en-US" dirty="0"/>
+              <a:t>veliki broj </a:t>
+            </a:r>
+            <a:r>
+              <a:rPr lang="sr-Latn-CS" altLang="en-US" dirty="0" smtClean="0"/>
+              <a:t>grešaka</a:t>
+            </a:r>
+            <a:endParaRPr lang="sr-Latn-CS" altLang="en-US" dirty="0"/>
+          </a:p>
+          <a:p>
+            <a:pPr lvl="1">
+              <a:spcBef>
+                <a:spcPts val="1200"/>
+              </a:spcBef>
+            </a:pPr>
+            <a:endParaRPr lang="sr-Latn-CS" altLang="en-US" dirty="0" smtClean="0"/>
+          </a:p>
+        </p:txBody>
+      </p:sp>
+      <p:pic>
+        <p:nvPicPr>
+          <p:cNvPr id="1026" name="Picture 2"/>
+          <p:cNvPicPr>
+            <a:picLocks noChangeAspect="1" noChangeArrowheads="1"/>
+          </p:cNvPicPr>
+          <p:nvPr/>
+        </p:nvPicPr>
+        <p:blipFill rotWithShape="1">
+          <a:blip r:embed="rId2">
+            <a:extLst>
+              <a:ext uri="{28A0092B-C50C-407E-A947-70E740481C1C}">
+                <a14:useLocalDpi xmlns:a14="http://schemas.microsoft.com/office/drawing/2010/main" val="0"/>
+              </a:ext>
+            </a:extLst>
+          </a:blip>
+          <a:srcRect l="2282" t="3391" r="1949" b="4586"/>
+          <a:stretch/>
+        </p:blipFill>
+        <p:spPr bwMode="auto">
+          <a:xfrm>
+            <a:off x="2051720" y="2060848"/>
+            <a:ext cx="4329106" cy="2499401"/>
+          </a:xfrm>
+          <a:prstGeom prst="rect">
+            <a:avLst/>
+          </a:prstGeom>
+          <a:noFill/>
+          <a:ln>
+            <a:noFill/>
+          </a:ln>
+          <a:extLst>
+            <a:ext uri="{909E8E84-426E-40DD-AFC4-6F175D3DCCD1}">
+              <a14:hiddenFill xmlns:a14="http://schemas.microsoft.com/office/drawing/2010/main">
+                <a:solidFill>
+                  <a:schemeClr val="accent1"/>
+                </a:solidFill>
+              </a14:hiddenFill>
+            </a:ext>
+            <a:ext uri="{91240B29-F687-4F45-9708-019B960494DF}">
+              <a14:hiddenLine xmlns:a14="http://schemas.microsoft.com/office/drawing/2010/main" w="9525">
+                <a:solidFill>
+                  <a:schemeClr val="tx1"/>
+                </a:solidFill>
+                <a:miter lim="800000"/>
+                <a:headEnd/>
+                <a:tailEnd/>
+              </a14:hiddenLine>
+            </a:ext>
+          </a:extLst>
+        </p:spPr>
+      </p:pic>
+    </p:spTree>
+    <p:extLst>
+      <p:ext uri="{BB962C8B-B14F-4D97-AF65-F5344CB8AC3E}">
+        <p14:creationId xmlns:p14="http://schemas.microsoft.com/office/powerpoint/2010/main" val="3199237606"/>
       </p:ext>
     </p:extLst>
   </p:cSld>

--- a/predavanja/prezentacije/UVIT03-01-HTML 5.pptx
+++ b/predavanja/prezentacije/UVIT03-01-HTML 5.pptx
@@ -236,7 +236,7 @@
           <a:p>
             <a:fld id="{6B3683FA-0560-4266-A2CA-8A7D404C35FD}" type="datetimeFigureOut">
               <a:rPr lang="en-US" smtClean="0"/>
-              <a:t>10/5/2018</a:t>
+              <a:t>10/7/2018</a:t>
             </a:fld>
             <a:endParaRPr lang="en-US"/>
           </a:p>
@@ -4305,8 +4305,8 @@
           </a:p>
         </p:txBody>
       </p:sp>
-      <mc:AlternateContent xmlns:mc="http://schemas.openxmlformats.org/markup-compatibility/2006">
-        <mc:Choice xmlns:a14="http://schemas.microsoft.com/office/drawing/2010/main" Requires="a14">
+      <mc:AlternateContent xmlns:mc="http://schemas.openxmlformats.org/markup-compatibility/2006" xmlns:a14="http://schemas.microsoft.com/office/drawing/2010/main">
+        <mc:Choice Requires="a14">
           <p:sp>
             <p:nvSpPr>
               <p:cNvPr id="92163" name="Rectangle 3"/>
@@ -4585,17 +4585,7 @@
                     <a:latin typeface="Courier New" panose="02070309020205020404" pitchFamily="49" charset="0"/>
                     <a:cs typeface="Courier New" panose="02070309020205020404" pitchFamily="49" charset="0"/>
                   </a:rPr>
-                  <a:t>&amp;</a:t>
-                </a:r>
-                <a:r>
-                  <a:rPr lang="en-GB" sz="1600" b="1" dirty="0">
-                    <a:solidFill>
-                      <a:srgbClr val="009E47"/>
-                    </a:solidFill>
-                    <a:latin typeface="Courier New" panose="02070309020205020404" pitchFamily="49" charset="0"/>
-                    <a:cs typeface="Courier New" panose="02070309020205020404" pitchFamily="49" charset="0"/>
-                  </a:rPr>
-                  <a:t>exist; </a:t>
+                  <a:t>&amp;exist; </a:t>
                 </a:r>
                 <a:r>
                   <a:rPr lang="en-GB" dirty="0" err="1" smtClean="0"/>
@@ -4648,17 +4638,7 @@
                     <a:latin typeface="Courier New" panose="02070309020205020404" pitchFamily="49" charset="0"/>
                     <a:cs typeface="Courier New" panose="02070309020205020404" pitchFamily="49" charset="0"/>
                   </a:rPr>
-                  <a:t>&amp;</a:t>
-                </a:r>
-                <a:r>
-                  <a:rPr lang="en-GB" sz="1600" b="1" dirty="0">
-                    <a:solidFill>
-                      <a:srgbClr val="009E47"/>
-                    </a:solidFill>
-                    <a:latin typeface="Courier New" panose="02070309020205020404" pitchFamily="49" charset="0"/>
-                    <a:cs typeface="Courier New" panose="02070309020205020404" pitchFamily="49" charset="0"/>
-                  </a:rPr>
-                  <a:t>euro; </a:t>
+                  <a:t>&amp;euro; </a:t>
                 </a:r>
                 <a:r>
                   <a:rPr lang="en-GB" dirty="0" err="1" smtClean="0"/>
@@ -4997,7 +4977,7 @@
             </p:txBody>
           </p:sp>
         </mc:Choice>
-        <mc:Fallback>
+        <mc:Fallback xmlns="">
           <p:sp>
             <p:nvSpPr>
               <p:cNvPr id="92163" name="Rectangle 3"/>
@@ -7839,7 +7819,15 @@
                   <a:srgbClr val="002060"/>
                 </a:solidFill>
               </a:rPr>
-              <a:t>HTML primer</a:t>
+              <a:t>HTML </a:t>
+            </a:r>
+            <a:r>
+              <a:rPr lang="en-US" altLang="en-US" dirty="0" err="1" smtClean="0">
+                <a:solidFill>
+                  <a:srgbClr val="002060"/>
+                </a:solidFill>
+              </a:rPr>
+              <a:t>ilustracija</a:t>
             </a:r>
             <a:endParaRPr lang="en-GB" altLang="en-US" dirty="0" smtClean="0">
               <a:solidFill>
@@ -7851,7 +7839,7 @@
       </p:sp>
       <p:pic>
         <p:nvPicPr>
-          <p:cNvPr id="1026" name="Picture 2"/>
+          <p:cNvPr id="2" name="Picture 2"/>
           <p:cNvPicPr>
             <a:picLocks noChangeAspect="1" noChangeArrowheads="1"/>
           </p:cNvPicPr>
@@ -7872,8 +7860,8 @@
         </p:blipFill>
         <p:spPr bwMode="auto">
           <a:xfrm>
-            <a:off x="1259632" y="1836580"/>
-            <a:ext cx="6628670" cy="3924076"/>
+            <a:off x="319602" y="1916832"/>
+            <a:ext cx="8500870" cy="4203534"/>
           </a:xfrm>
           <a:prstGeom prst="rect">
             <a:avLst/>
@@ -7966,7 +7954,15 @@
                   <a:srgbClr val="002060"/>
                 </a:solidFill>
               </a:rPr>
-              <a:t>HTML primer (2</a:t>
+              <a:t>HTML </a:t>
+            </a:r>
+            <a:r>
+              <a:rPr lang="en-US" altLang="en-US" dirty="0" err="1" smtClean="0">
+                <a:solidFill>
+                  <a:srgbClr val="002060"/>
+                </a:solidFill>
+              </a:rPr>
+              <a:t>ilustracija</a:t>
             </a:r>
             <a:r>
               <a:rPr lang="sr-Latn-RS" altLang="en-US" dirty="0" smtClean="0">
@@ -7974,7 +7970,15 @@
                   <a:srgbClr val="002060"/>
                 </a:solidFill>
               </a:rPr>
-              <a:t>)</a:t>
+              <a:t> </a:t>
+            </a:r>
+            <a:r>
+              <a:rPr lang="sr-Latn-RS" altLang="en-US" dirty="0" smtClean="0">
+                <a:solidFill>
+                  <a:srgbClr val="002060"/>
+                </a:solidFill>
+              </a:rPr>
+              <a:t>(2)</a:t>
             </a:r>
             <a:endParaRPr lang="en-GB" altLang="en-US" dirty="0" smtClean="0">
               <a:solidFill>
@@ -7993,7 +7997,7 @@
         <p:spPr>
           <a:xfrm>
             <a:off x="539552" y="1556792"/>
-            <a:ext cx="7056784" cy="4893647"/>
+            <a:ext cx="7056784" cy="5078313"/>
           </a:xfrm>
           <a:prstGeom prst="rect">
             <a:avLst/>
@@ -8392,6 +8396,36 @@
           </a:p>
           <a:p>
             <a:r>
+              <a:rPr lang="en-US" sz="1200" b="1" dirty="0">
+                <a:solidFill>
+                  <a:srgbClr val="009E47"/>
+                </a:solidFill>
+                <a:latin typeface="Courier New" panose="02070309020205020404" pitchFamily="49" charset="0"/>
+                <a:cs typeface="Courier New" panose="02070309020205020404" pitchFamily="49" charset="0"/>
+              </a:rPr>
+              <a:t> </a:t>
+            </a:r>
+            <a:r>
+              <a:rPr lang="en-US" sz="1200" b="1" dirty="0" smtClean="0">
+                <a:solidFill>
+                  <a:srgbClr val="009E47"/>
+                </a:solidFill>
+                <a:latin typeface="Courier New" panose="02070309020205020404" pitchFamily="49" charset="0"/>
+                <a:cs typeface="Courier New" panose="02070309020205020404" pitchFamily="49" charset="0"/>
+              </a:rPr>
+              <a:t>     </a:t>
+            </a:r>
+            <a:r>
+              <a:rPr lang="sr-Latn-RS" sz="1200" b="1" dirty="0" err="1" smtClean="0">
+                <a:solidFill>
+                  <a:srgbClr val="009E47"/>
+                </a:solidFill>
+                <a:latin typeface="Courier New" panose="02070309020205020404" pitchFamily="49" charset="0"/>
+                <a:cs typeface="Courier New" panose="02070309020205020404" pitchFamily="49" charset="0"/>
+              </a:rPr>
+              <a:t>background</a:t>
+            </a:r>
+            <a:r>
               <a:rPr lang="sr-Latn-RS" sz="1200" b="1" dirty="0" smtClean="0">
                 <a:solidFill>
                   <a:srgbClr val="009E47"/>
@@ -8399,17 +8433,136 @@
                 <a:latin typeface="Courier New" panose="02070309020205020404" pitchFamily="49" charset="0"/>
                 <a:cs typeface="Courier New" panose="02070309020205020404" pitchFamily="49" charset="0"/>
               </a:rPr>
+              <a:t>-</a:t>
+            </a:r>
+            <a:r>
+              <a:rPr lang="sr-Latn-RS" sz="1200" b="1" dirty="0" err="1" smtClean="0">
+                <a:solidFill>
+                  <a:srgbClr val="009E47"/>
+                </a:solidFill>
+                <a:latin typeface="Courier New" panose="02070309020205020404" pitchFamily="49" charset="0"/>
+                <a:cs typeface="Courier New" panose="02070309020205020404" pitchFamily="49" charset="0"/>
+              </a:rPr>
+              <a:t>color</a:t>
+            </a:r>
+            <a:r>
+              <a:rPr lang="sr-Latn-RS" sz="1200" b="1" dirty="0">
+                <a:solidFill>
+                  <a:srgbClr val="009E47"/>
+                </a:solidFill>
+                <a:latin typeface="Courier New" panose="02070309020205020404" pitchFamily="49" charset="0"/>
+                <a:cs typeface="Courier New" panose="02070309020205020404" pitchFamily="49" charset="0"/>
+              </a:rPr>
+              <a:t>: </a:t>
+            </a:r>
+            <a:r>
+              <a:rPr lang="en-US" sz="1200" b="1" dirty="0" smtClean="0">
+                <a:solidFill>
+                  <a:srgbClr val="009E47"/>
+                </a:solidFill>
+                <a:latin typeface="Courier New" panose="02070309020205020404" pitchFamily="49" charset="0"/>
+                <a:cs typeface="Courier New" panose="02070309020205020404" pitchFamily="49" charset="0"/>
+              </a:rPr>
+              <a:t>white</a:t>
+            </a:r>
+            <a:r>
+              <a:rPr lang="en-US" sz="1200" b="1" dirty="0">
+                <a:solidFill>
+                  <a:srgbClr val="009E47"/>
+                </a:solidFill>
+                <a:latin typeface="Courier New" panose="02070309020205020404" pitchFamily="49" charset="0"/>
+                <a:cs typeface="Courier New" panose="02070309020205020404" pitchFamily="49" charset="0"/>
+              </a:rPr>
+              <a:t>; /* </a:t>
+            </a:r>
+            <a:r>
+              <a:rPr lang="en-US" sz="1200" b="1" dirty="0" err="1">
+                <a:solidFill>
+                  <a:srgbClr val="009E47"/>
+                </a:solidFill>
+                <a:latin typeface="Courier New" panose="02070309020205020404" pitchFamily="49" charset="0"/>
+                <a:cs typeface="Courier New" panose="02070309020205020404" pitchFamily="49" charset="0"/>
+              </a:rPr>
+              <a:t>bela</a:t>
+            </a:r>
+            <a:r>
+              <a:rPr lang="en-US" sz="1200" b="1" dirty="0">
+                <a:solidFill>
+                  <a:srgbClr val="009E47"/>
+                </a:solidFill>
+                <a:latin typeface="Courier New" panose="02070309020205020404" pitchFamily="49" charset="0"/>
+                <a:cs typeface="Courier New" panose="02070309020205020404" pitchFamily="49" charset="0"/>
+              </a:rPr>
+              <a:t> </a:t>
+            </a:r>
+            <a:r>
+              <a:rPr lang="en-US" sz="1200" b="1" dirty="0" err="1">
+                <a:solidFill>
+                  <a:srgbClr val="009E47"/>
+                </a:solidFill>
+                <a:latin typeface="Courier New" panose="02070309020205020404" pitchFamily="49" charset="0"/>
+                <a:cs typeface="Courier New" panose="02070309020205020404" pitchFamily="49" charset="0"/>
+              </a:rPr>
+              <a:t>boja</a:t>
+            </a:r>
+            <a:r>
+              <a:rPr lang="en-US" sz="1200" b="1" dirty="0">
+                <a:solidFill>
+                  <a:srgbClr val="009E47"/>
+                </a:solidFill>
+                <a:latin typeface="Courier New" panose="02070309020205020404" pitchFamily="49" charset="0"/>
+                <a:cs typeface="Courier New" panose="02070309020205020404" pitchFamily="49" charset="0"/>
+              </a:rPr>
+              <a:t> </a:t>
+            </a:r>
+            <a:r>
+              <a:rPr lang="en-US" sz="1200" b="1" dirty="0" err="1">
+                <a:solidFill>
+                  <a:srgbClr val="009E47"/>
+                </a:solidFill>
+                <a:latin typeface="Courier New" panose="02070309020205020404" pitchFamily="49" charset="0"/>
+                <a:cs typeface="Courier New" panose="02070309020205020404" pitchFamily="49" charset="0"/>
+              </a:rPr>
+              <a:t>pozadine</a:t>
+            </a:r>
+            <a:r>
+              <a:rPr lang="en-US" sz="1200" b="1" dirty="0">
+                <a:solidFill>
+                  <a:srgbClr val="009E47"/>
+                </a:solidFill>
+                <a:latin typeface="Courier New" panose="02070309020205020404" pitchFamily="49" charset="0"/>
+                <a:cs typeface="Courier New" panose="02070309020205020404" pitchFamily="49" charset="0"/>
+              </a:rPr>
+              <a:t> */</a:t>
+            </a:r>
+            <a:r>
+              <a:rPr lang="sr-Latn-RS" sz="1200" b="1" dirty="0" smtClean="0">
+                <a:solidFill>
+                  <a:srgbClr val="009E47"/>
+                </a:solidFill>
+                <a:latin typeface="Courier New" panose="02070309020205020404" pitchFamily="49" charset="0"/>
+                <a:cs typeface="Courier New" panose="02070309020205020404" pitchFamily="49" charset="0"/>
+              </a:rPr>
               <a:t>      </a:t>
             </a:r>
-            <a:r>
-              <a:rPr lang="sr-Latn-RS" sz="1200" b="1" dirty="0" err="1" smtClean="0">
-                <a:solidFill>
-                  <a:srgbClr val="009E47"/>
-                </a:solidFill>
-                <a:latin typeface="Courier New" panose="02070309020205020404" pitchFamily="49" charset="0"/>
-                <a:cs typeface="Courier New" panose="02070309020205020404" pitchFamily="49" charset="0"/>
-              </a:rPr>
-              <a:t>background</a:t>
+            <a:endParaRPr lang="en-US" sz="1200" b="1" dirty="0" smtClean="0">
+              <a:solidFill>
+                <a:srgbClr val="009E47"/>
+              </a:solidFill>
+              <a:latin typeface="Courier New" panose="02070309020205020404" pitchFamily="49" charset="0"/>
+              <a:cs typeface="Courier New" panose="02070309020205020404" pitchFamily="49" charset="0"/>
+            </a:endParaRPr>
+          </a:p>
+          <a:p>
+            <a:r>
+              <a:rPr lang="en-US" sz="1200" b="1" dirty="0" smtClean="0">
+                <a:solidFill>
+                  <a:srgbClr val="009E47"/>
+                </a:solidFill>
+                <a:latin typeface="Courier New" panose="02070309020205020404" pitchFamily="49" charset="0"/>
+                <a:cs typeface="Courier New" panose="02070309020205020404" pitchFamily="49" charset="0"/>
+              </a:rPr>
+              <a:t>    </a:t>
             </a:r>
             <a:r>
               <a:rPr lang="sr-Latn-RS" sz="1200" b="1" dirty="0" smtClean="0">
@@ -8419,39 +8572,7 @@
                 <a:latin typeface="Courier New" panose="02070309020205020404" pitchFamily="49" charset="0"/>
                 <a:cs typeface="Courier New" panose="02070309020205020404" pitchFamily="49" charset="0"/>
               </a:rPr>
-              <a:t>-</a:t>
-            </a:r>
-            <a:r>
-              <a:rPr lang="sr-Latn-RS" sz="1200" b="1" dirty="0" err="1" smtClean="0">
-                <a:solidFill>
-                  <a:srgbClr val="009E47"/>
-                </a:solidFill>
-                <a:latin typeface="Courier New" panose="02070309020205020404" pitchFamily="49" charset="0"/>
-                <a:cs typeface="Courier New" panose="02070309020205020404" pitchFamily="49" charset="0"/>
-              </a:rPr>
-              <a:t>color</a:t>
-            </a:r>
-            <a:r>
-              <a:rPr lang="sr-Latn-RS" sz="1200" b="1" dirty="0">
-                <a:solidFill>
-                  <a:srgbClr val="009E47"/>
-                </a:solidFill>
-                <a:latin typeface="Courier New" panose="02070309020205020404" pitchFamily="49" charset="0"/>
-                <a:cs typeface="Courier New" panose="02070309020205020404" pitchFamily="49" charset="0"/>
-              </a:rPr>
-              <a:t>: #f0f0f0; /* sivkasta boja pozadine */</a:t>
-            </a:r>
-          </a:p>
-          <a:p>
-            <a:r>
-              <a:rPr lang="sr-Latn-RS" sz="1200" b="1" dirty="0" smtClean="0">
-                <a:solidFill>
-                  <a:srgbClr val="009E47"/>
-                </a:solidFill>
-                <a:latin typeface="Courier New" panose="02070309020205020404" pitchFamily="49" charset="0"/>
-                <a:cs typeface="Courier New" panose="02070309020205020404" pitchFamily="49" charset="0"/>
-              </a:rPr>
-              <a:t>    }</a:t>
+              <a:t>}</a:t>
             </a:r>
             <a:endParaRPr lang="sr-Latn-RS" sz="1200" b="1" dirty="0">
               <a:solidFill>
@@ -8648,6 +8769,16 @@
               <a:t>      </a:t>
             </a:r>
             <a:r>
+              <a:rPr lang="en-US" sz="1200" b="1" dirty="0">
+                <a:solidFill>
+                  <a:srgbClr val="009E47"/>
+                </a:solidFill>
+                <a:latin typeface="Courier New" panose="02070309020205020404" pitchFamily="49" charset="0"/>
+                <a:cs typeface="Courier New" panose="02070309020205020404" pitchFamily="49" charset="0"/>
+              </a:rPr>
+              <a:t>background-color</a:t>
+            </a:r>
+            <a:r>
               <a:rPr lang="en-US" sz="1200" b="1" dirty="0" smtClean="0">
                 <a:solidFill>
                   <a:srgbClr val="009E47"/>
@@ -8655,78 +8786,35 @@
                 <a:latin typeface="Courier New" panose="02070309020205020404" pitchFamily="49" charset="0"/>
                 <a:cs typeface="Courier New" panose="02070309020205020404" pitchFamily="49" charset="0"/>
               </a:rPr>
-              <a:t>background-color</a:t>
-            </a:r>
-            <a:r>
-              <a:rPr lang="en-US" sz="1200" b="1" dirty="0">
-                <a:solidFill>
-                  <a:srgbClr val="009E47"/>
-                </a:solidFill>
-                <a:latin typeface="Courier New" panose="02070309020205020404" pitchFamily="49" charset="0"/>
-                <a:cs typeface="Courier New" panose="02070309020205020404" pitchFamily="49" charset="0"/>
-              </a:rPr>
-              <a:t>: white; /* </a:t>
-            </a:r>
-            <a:r>
-              <a:rPr lang="en-US" sz="1200" b="1" dirty="0" err="1">
-                <a:solidFill>
-                  <a:srgbClr val="009E47"/>
-                </a:solidFill>
-                <a:latin typeface="Courier New" panose="02070309020205020404" pitchFamily="49" charset="0"/>
-                <a:cs typeface="Courier New" panose="02070309020205020404" pitchFamily="49" charset="0"/>
-              </a:rPr>
-              <a:t>bela</a:t>
-            </a:r>
-            <a:r>
-              <a:rPr lang="en-US" sz="1200" b="1" dirty="0">
-                <a:solidFill>
-                  <a:srgbClr val="009E47"/>
-                </a:solidFill>
-                <a:latin typeface="Courier New" panose="02070309020205020404" pitchFamily="49" charset="0"/>
-                <a:cs typeface="Courier New" panose="02070309020205020404" pitchFamily="49" charset="0"/>
-              </a:rPr>
-              <a:t> </a:t>
-            </a:r>
-            <a:r>
-              <a:rPr lang="en-US" sz="1200" b="1" dirty="0" err="1">
-                <a:solidFill>
-                  <a:srgbClr val="009E47"/>
-                </a:solidFill>
-                <a:latin typeface="Courier New" panose="02070309020205020404" pitchFamily="49" charset="0"/>
-                <a:cs typeface="Courier New" panose="02070309020205020404" pitchFamily="49" charset="0"/>
-              </a:rPr>
-              <a:t>boja</a:t>
-            </a:r>
-            <a:r>
-              <a:rPr lang="en-US" sz="1200" b="1" dirty="0">
-                <a:solidFill>
-                  <a:srgbClr val="009E47"/>
-                </a:solidFill>
-                <a:latin typeface="Courier New" panose="02070309020205020404" pitchFamily="49" charset="0"/>
-                <a:cs typeface="Courier New" panose="02070309020205020404" pitchFamily="49" charset="0"/>
-              </a:rPr>
-              <a:t> </a:t>
-            </a:r>
-            <a:r>
-              <a:rPr lang="en-US" sz="1200" b="1" dirty="0" err="1">
-                <a:solidFill>
-                  <a:srgbClr val="009E47"/>
-                </a:solidFill>
-                <a:latin typeface="Courier New" panose="02070309020205020404" pitchFamily="49" charset="0"/>
-                <a:cs typeface="Courier New" panose="02070309020205020404" pitchFamily="49" charset="0"/>
-              </a:rPr>
-              <a:t>pozadine</a:t>
-            </a:r>
-            <a:r>
-              <a:rPr lang="en-US" sz="1200" b="1" dirty="0">
-                <a:solidFill>
-                  <a:srgbClr val="009E47"/>
-                </a:solidFill>
-                <a:latin typeface="Courier New" panose="02070309020205020404" pitchFamily="49" charset="0"/>
-                <a:cs typeface="Courier New" panose="02070309020205020404" pitchFamily="49" charset="0"/>
-              </a:rPr>
-              <a:t> */</a:t>
-            </a:r>
+              <a:t>: </a:t>
+            </a:r>
+            <a:r>
+              <a:rPr lang="sr-Latn-RS" sz="1200" b="1" dirty="0">
+                <a:solidFill>
+                  <a:srgbClr val="009E47"/>
+                </a:solidFill>
+                <a:latin typeface="Courier New" panose="02070309020205020404" pitchFamily="49" charset="0"/>
+                <a:cs typeface="Courier New" panose="02070309020205020404" pitchFamily="49" charset="0"/>
+              </a:rPr>
+              <a:t>#f0f0f0; /* sivkasta boja pozadine </a:t>
+            </a:r>
+            <a:r>
+              <a:rPr lang="sr-Latn-RS" sz="1200" b="1" dirty="0" smtClean="0">
+                <a:solidFill>
+                  <a:srgbClr val="009E47"/>
+                </a:solidFill>
+                <a:latin typeface="Courier New" panose="02070309020205020404" pitchFamily="49" charset="0"/>
+                <a:cs typeface="Courier New" panose="02070309020205020404" pitchFamily="49" charset="0"/>
+              </a:rPr>
+              <a:t>*/</a:t>
+            </a:r>
+            <a:endParaRPr lang="en-US" sz="1200" b="1" dirty="0">
+              <a:solidFill>
+                <a:srgbClr val="009E47"/>
+              </a:solidFill>
+              <a:latin typeface="Courier New" panose="02070309020205020404" pitchFamily="49" charset="0"/>
+              <a:cs typeface="Courier New" panose="02070309020205020404" pitchFamily="49" charset="0"/>
+            </a:endParaRPr>
           </a:p>
           <a:p>
             <a:r>
@@ -9255,8 +9343,16 @@
               <a:t>HTML </a:t>
             </a:r>
             <a:r>
+              <a:rPr lang="en-US" altLang="en-US" dirty="0" err="1" smtClean="0"/>
+              <a:t>ilustracija</a:t>
+            </a:r>
+            <a:r>
               <a:rPr lang="sr-Latn-RS" altLang="en-US" dirty="0" smtClean="0"/>
-              <a:t>primer (</a:t>
+              <a:t> </a:t>
+            </a:r>
+            <a:r>
+              <a:rPr lang="sr-Latn-RS" altLang="en-US" dirty="0" smtClean="0"/>
+              <a:t>(</a:t>
             </a:r>
             <a:r>
               <a:rPr lang="sr-Latn-RS" altLang="en-US" dirty="0"/>
@@ -10590,24 +10686,16 @@
           <a:lstStyle/>
           <a:p>
             <a:r>
-              <a:rPr lang="sr-Latn-RS" altLang="en-US" dirty="0"/>
-              <a:t>HTML </a:t>
-            </a:r>
-            <a:r>
-              <a:rPr lang="sr-Latn-RS" altLang="en-US" dirty="0" smtClean="0"/>
-              <a:t>primer (</a:t>
-            </a:r>
-            <a:r>
-              <a:rPr lang="sr-Latn-RS" altLang="en-US" dirty="0"/>
-              <a:t>4</a:t>
-            </a:r>
-            <a:r>
-              <a:rPr lang="sr-Latn-RS" altLang="en-US" dirty="0" smtClean="0">
-                <a:solidFill>
-                  <a:srgbClr val="002060"/>
-                </a:solidFill>
-              </a:rPr>
-              <a:t>)</a:t>
+              <a:rPr lang="en-US" altLang="en-US" dirty="0" err="1" smtClean="0"/>
+              <a:t>Veb</a:t>
+            </a:r>
+            <a:r>
+              <a:rPr lang="en-US" altLang="en-US" dirty="0" smtClean="0"/>
+              <a:t> </a:t>
+            </a:r>
+            <a:r>
+              <a:rPr lang="en-US" altLang="en-US" dirty="0" err="1" smtClean="0"/>
+              <a:t>strana</a:t>
             </a:r>
             <a:endParaRPr lang="en-GB" altLang="en-US" dirty="0" smtClean="0">
               <a:solidFill>

--- a/predavanja/prezentacije/UVIT03-01-HTML 5.pptx
+++ b/predavanja/prezentacije/UVIT03-01-HTML 5.pptx
@@ -5,7 +5,7 @@
     <p:sldMasterId id="2147483750" r:id="rId1"/>
   </p:sldMasterIdLst>
   <p:notesMasterIdLst>
-    <p:notesMasterId r:id="rId17"/>
+    <p:notesMasterId r:id="rId21"/>
   </p:notesMasterIdLst>
   <p:sldIdLst>
     <p:sldId id="296" r:id="rId2"/>
@@ -21,8 +21,12 @@
     <p:sldId id="317" r:id="rId12"/>
     <p:sldId id="319" r:id="rId13"/>
     <p:sldId id="320" r:id="rId14"/>
-    <p:sldId id="309" r:id="rId15"/>
-    <p:sldId id="307" r:id="rId16"/>
+    <p:sldId id="321" r:id="rId15"/>
+    <p:sldId id="322" r:id="rId16"/>
+    <p:sldId id="323" r:id="rId17"/>
+    <p:sldId id="324" r:id="rId18"/>
+    <p:sldId id="309" r:id="rId19"/>
+    <p:sldId id="307" r:id="rId20"/>
   </p:sldIdLst>
   <p:sldSz cx="9144000" cy="6858000" type="screen4x3"/>
   <p:notesSz cx="6858000" cy="9144000"/>
@@ -6781,6 +6785,3534 @@
           <a:lstStyle/>
           <a:p>
             <a:r>
+              <a:rPr lang="en-US" dirty="0" err="1"/>
+              <a:t>Zaglavlje</a:t>
+            </a:r>
+            <a:r>
+              <a:rPr lang="en-US" dirty="0"/>
+              <a:t> </a:t>
+            </a:r>
+            <a:r>
+              <a:rPr lang="en-US" dirty="0" err="1" smtClean="0"/>
+              <a:t>veb</a:t>
+            </a:r>
+            <a:r>
+              <a:rPr lang="sr-Latn-RS" dirty="0" smtClean="0"/>
+              <a:t> </a:t>
+            </a:r>
+            <a:r>
+              <a:rPr lang="en-US" dirty="0" err="1" smtClean="0"/>
+              <a:t>strane</a:t>
+            </a:r>
+            <a:r>
+              <a:rPr lang="sr-Latn-RS" dirty="0" smtClean="0"/>
+              <a:t> -</a:t>
+            </a:r>
+            <a:r>
+              <a:rPr lang="en-US" dirty="0" smtClean="0"/>
+              <a:t> </a:t>
+            </a:r>
+            <a:r>
+              <a:rPr lang="en-US" dirty="0"/>
+              <a:t>element meta</a:t>
+            </a:r>
+            <a:endParaRPr lang="sr-Latn-RS" dirty="0"/>
+          </a:p>
+        </p:txBody>
+      </p:sp>
+      <p:sp>
+        <p:nvSpPr>
+          <p:cNvPr id="92163" name="Rectangle 3"/>
+          <p:cNvSpPr>
+            <a:spLocks noGrp="1" noChangeArrowheads="1"/>
+          </p:cNvSpPr>
+          <p:nvPr>
+            <p:ph idx="1"/>
+          </p:nvPr>
+        </p:nvSpPr>
+        <p:spPr>
+          <a:xfrm>
+            <a:off x="457200" y="1484784"/>
+            <a:ext cx="8579296" cy="5373216"/>
+          </a:xfrm>
+        </p:spPr>
+        <p:txBody>
+          <a:bodyPr/>
+          <a:lstStyle/>
+          <a:p>
+            <a:pPr lvl="1">
+              <a:spcBef>
+                <a:spcPts val="1200"/>
+              </a:spcBef>
+            </a:pPr>
+            <a:r>
+              <a:rPr lang="en-GB" dirty="0"/>
+              <a:t>Element </a:t>
+            </a:r>
+            <a:r>
+              <a:rPr lang="en-GB" dirty="0">
+                <a:solidFill>
+                  <a:srgbClr val="6767FF"/>
+                </a:solidFill>
+              </a:rPr>
+              <a:t>meta</a:t>
+            </a:r>
+            <a:r>
+              <a:rPr lang="en-GB" dirty="0"/>
+              <a:t> </a:t>
+            </a:r>
+            <a:r>
+              <a:rPr lang="en-GB" dirty="0" smtClean="0"/>
+              <a:t>obi</a:t>
+            </a:r>
+            <a:r>
+              <a:rPr lang="sr-Latn-RS" dirty="0"/>
+              <a:t>č</a:t>
+            </a:r>
+            <a:r>
+              <a:rPr lang="en-GB" dirty="0" smtClean="0"/>
+              <a:t>no </a:t>
+            </a:r>
+            <a:r>
+              <a:rPr lang="en-GB" dirty="0" err="1"/>
+              <a:t>ima</a:t>
+            </a:r>
+            <a:r>
+              <a:rPr lang="en-GB" dirty="0"/>
+              <a:t> </a:t>
+            </a:r>
+            <a:r>
+              <a:rPr lang="en-GB" dirty="0" err="1"/>
+              <a:t>prazan</a:t>
+            </a:r>
+            <a:r>
+              <a:rPr lang="en-GB" dirty="0"/>
+              <a:t> </a:t>
+            </a:r>
+            <a:r>
+              <a:rPr lang="en-GB" dirty="0" err="1" smtClean="0"/>
+              <a:t>sadr</a:t>
+            </a:r>
+            <a:r>
+              <a:rPr lang="sr-Latn-RS" dirty="0" smtClean="0"/>
+              <a:t>ž</a:t>
+            </a:r>
+            <a:r>
+              <a:rPr lang="en-GB" dirty="0" err="1" smtClean="0"/>
+              <a:t>aj</a:t>
+            </a:r>
+            <a:r>
+              <a:rPr lang="en-GB" dirty="0"/>
+              <a:t>: </a:t>
+            </a:r>
+            <a:r>
+              <a:rPr lang="en-GB" sz="1600" b="1" dirty="0">
+                <a:solidFill>
+                  <a:srgbClr val="009E47"/>
+                </a:solidFill>
+                <a:latin typeface="Courier New" panose="02070309020205020404" pitchFamily="49" charset="0"/>
+                <a:cs typeface="Courier New" panose="02070309020205020404" pitchFamily="49" charset="0"/>
+              </a:rPr>
+              <a:t>&lt;meta .../&gt;</a:t>
+            </a:r>
+          </a:p>
+          <a:p>
+            <a:pPr lvl="1">
+              <a:spcBef>
+                <a:spcPts val="1200"/>
+              </a:spcBef>
+            </a:pPr>
+            <a:r>
+              <a:rPr lang="en-GB" dirty="0" err="1"/>
+              <a:t>Njegovim</a:t>
+            </a:r>
+            <a:r>
+              <a:rPr lang="en-GB" dirty="0"/>
+              <a:t> </a:t>
+            </a:r>
+            <a:r>
+              <a:rPr lang="en-GB" dirty="0" err="1"/>
+              <a:t>atributima</a:t>
+            </a:r>
+            <a:r>
+              <a:rPr lang="en-GB" dirty="0"/>
+              <a:t> </a:t>
+            </a:r>
+            <a:r>
+              <a:rPr lang="en-GB" dirty="0" err="1"/>
+              <a:t>zadaju</a:t>
+            </a:r>
+            <a:r>
+              <a:rPr lang="en-GB" dirty="0"/>
+              <a:t> se </a:t>
+            </a:r>
+            <a:r>
+              <a:rPr lang="en-GB" dirty="0" err="1"/>
+              <a:t>osnovne</a:t>
+            </a:r>
+            <a:r>
+              <a:rPr lang="en-GB" dirty="0"/>
+              <a:t> </a:t>
+            </a:r>
+            <a:r>
+              <a:rPr lang="en-GB" dirty="0" smtClean="0"/>
+              <a:t>meta</a:t>
+            </a:r>
+            <a:r>
+              <a:rPr lang="sr-Latn-RS" dirty="0"/>
+              <a:t>-</a:t>
+            </a:r>
+            <a:r>
+              <a:rPr lang="en-GB" dirty="0" err="1" smtClean="0"/>
+              <a:t>informacije</a:t>
+            </a:r>
+            <a:r>
+              <a:rPr lang="en-GB" dirty="0" smtClean="0"/>
+              <a:t> </a:t>
+            </a:r>
+            <a:r>
+              <a:rPr lang="en-GB" dirty="0"/>
+              <a:t>o </a:t>
+            </a:r>
+            <a:r>
+              <a:rPr lang="en-GB" dirty="0" err="1"/>
+              <a:t>strani</a:t>
+            </a:r>
+            <a:endParaRPr lang="en-GB" dirty="0"/>
+          </a:p>
+          <a:p>
+            <a:pPr lvl="2">
+              <a:spcBef>
+                <a:spcPts val="1200"/>
+              </a:spcBef>
+            </a:pPr>
+            <a:r>
+              <a:rPr lang="en-GB" dirty="0">
+                <a:solidFill>
+                  <a:srgbClr val="6767FF"/>
+                </a:solidFill>
+              </a:rPr>
+              <a:t>charset</a:t>
+            </a:r>
+            <a:r>
+              <a:rPr lang="en-GB" dirty="0"/>
+              <a:t> </a:t>
+            </a:r>
+            <a:r>
+              <a:rPr lang="sr-Latn-RS" dirty="0" smtClean="0"/>
+              <a:t>-</a:t>
+            </a:r>
+            <a:r>
+              <a:rPr lang="en-GB" dirty="0" smtClean="0"/>
+              <a:t> </a:t>
+            </a:r>
+            <a:r>
+              <a:rPr lang="en-GB" dirty="0" err="1" smtClean="0"/>
+              <a:t>na</a:t>
+            </a:r>
+            <a:r>
+              <a:rPr lang="sr-Latn-RS" dirty="0"/>
+              <a:t>č</a:t>
+            </a:r>
+            <a:r>
+              <a:rPr lang="en-GB" dirty="0" smtClean="0"/>
+              <a:t>in </a:t>
+            </a:r>
+            <a:r>
+              <a:rPr lang="en-GB" dirty="0" err="1"/>
+              <a:t>kodiranja</a:t>
+            </a:r>
+            <a:r>
+              <a:rPr lang="en-GB" dirty="0"/>
+              <a:t> </a:t>
+            </a:r>
+            <a:r>
+              <a:rPr lang="en-GB" dirty="0" err="1"/>
+              <a:t>koji</a:t>
+            </a:r>
+            <a:r>
+              <a:rPr lang="en-GB" dirty="0"/>
+              <a:t> je </a:t>
+            </a:r>
+            <a:r>
+              <a:rPr lang="en-GB" dirty="0" err="1" smtClean="0"/>
+              <a:t>kori</a:t>
+            </a:r>
+            <a:r>
+              <a:rPr lang="sr-Latn-RS" dirty="0" err="1" smtClean="0"/>
+              <a:t>šć</a:t>
+            </a:r>
+            <a:r>
+              <a:rPr lang="en-GB" dirty="0" err="1" smtClean="0"/>
+              <a:t>en</a:t>
+            </a:r>
+            <a:r>
+              <a:rPr lang="en-GB" dirty="0" smtClean="0"/>
+              <a:t> </a:t>
+            </a:r>
+            <a:r>
+              <a:rPr lang="en-GB" dirty="0" err="1"/>
+              <a:t>prilikom</a:t>
+            </a:r>
+            <a:r>
+              <a:rPr lang="en-GB" dirty="0"/>
+              <a:t> </a:t>
+            </a:r>
+            <a:r>
+              <a:rPr lang="en-GB" dirty="0" err="1"/>
+              <a:t>snimanja</a:t>
+            </a:r>
+            <a:r>
+              <a:rPr lang="en-GB" dirty="0"/>
+              <a:t> </a:t>
+            </a:r>
+            <a:r>
+              <a:rPr lang="en-GB" dirty="0" err="1" smtClean="0"/>
+              <a:t>strane</a:t>
+            </a:r>
+            <a:r>
+              <a:rPr lang="sr-Latn-RS" dirty="0" smtClean="0"/>
+              <a:t/>
+            </a:r>
+            <a:br>
+              <a:rPr lang="sr-Latn-RS" dirty="0" smtClean="0"/>
+            </a:br>
+            <a:r>
+              <a:rPr lang="en-GB" dirty="0" smtClean="0"/>
+              <a:t>primer</a:t>
+            </a:r>
+            <a:r>
+              <a:rPr lang="en-GB" dirty="0"/>
+              <a:t>: </a:t>
+            </a:r>
+            <a:r>
+              <a:rPr lang="en-GB" sz="1600" b="1" dirty="0">
+                <a:solidFill>
+                  <a:srgbClr val="009E47"/>
+                </a:solidFill>
+                <a:latin typeface="Courier New" panose="02070309020205020404" pitchFamily="49" charset="0"/>
+                <a:cs typeface="Courier New" panose="02070309020205020404" pitchFamily="49" charset="0"/>
+              </a:rPr>
+              <a:t>&lt;meta charset="UTF-8"/&gt;</a:t>
+            </a:r>
+          </a:p>
+          <a:p>
+            <a:pPr lvl="2">
+              <a:spcBef>
+                <a:spcPts val="1200"/>
+              </a:spcBef>
+            </a:pPr>
+            <a:r>
+              <a:rPr lang="en-GB" dirty="0">
+                <a:solidFill>
+                  <a:srgbClr val="6767FF"/>
+                </a:solidFill>
+              </a:rPr>
+              <a:t>author</a:t>
+            </a:r>
+            <a:r>
+              <a:rPr lang="en-GB" dirty="0"/>
+              <a:t> </a:t>
+            </a:r>
+            <a:r>
+              <a:rPr lang="sr-Latn-RS" dirty="0" smtClean="0"/>
+              <a:t>-</a:t>
+            </a:r>
+            <a:r>
+              <a:rPr lang="en-GB" dirty="0" smtClean="0"/>
+              <a:t> </a:t>
+            </a:r>
+            <a:r>
+              <a:rPr lang="en-GB" dirty="0" err="1"/>
+              <a:t>ime</a:t>
+            </a:r>
+            <a:r>
+              <a:rPr lang="en-GB" dirty="0"/>
+              <a:t> </a:t>
+            </a:r>
+            <a:r>
+              <a:rPr lang="en-GB" dirty="0" err="1"/>
+              <a:t>autora</a:t>
+            </a:r>
+            <a:r>
+              <a:rPr lang="en-GB" dirty="0"/>
+              <a:t> </a:t>
+            </a:r>
+            <a:r>
+              <a:rPr lang="sr-Latn-RS" dirty="0" smtClean="0"/>
+              <a:t>veb </a:t>
+            </a:r>
+            <a:r>
+              <a:rPr lang="en-GB" dirty="0" err="1" smtClean="0"/>
+              <a:t>strane</a:t>
+            </a:r>
+            <a:endParaRPr lang="en-GB" dirty="0"/>
+          </a:p>
+          <a:p>
+            <a:pPr lvl="2">
+              <a:spcBef>
+                <a:spcPts val="1200"/>
+              </a:spcBef>
+            </a:pPr>
+            <a:r>
+              <a:rPr lang="en-GB" dirty="0">
+                <a:solidFill>
+                  <a:srgbClr val="6767FF"/>
+                </a:solidFill>
+              </a:rPr>
+              <a:t>keywords</a:t>
+            </a:r>
+            <a:r>
+              <a:rPr lang="en-GB" dirty="0"/>
+              <a:t> </a:t>
+            </a:r>
+            <a:r>
+              <a:rPr lang="sr-Latn-RS" dirty="0" smtClean="0"/>
+              <a:t>-</a:t>
+            </a:r>
+            <a:r>
+              <a:rPr lang="en-GB" dirty="0" smtClean="0"/>
+              <a:t> </a:t>
+            </a:r>
+            <a:r>
+              <a:rPr lang="en-GB" dirty="0" err="1" smtClean="0"/>
+              <a:t>klju</a:t>
+            </a:r>
+            <a:r>
+              <a:rPr lang="sr-Latn-RS" dirty="0"/>
+              <a:t>č</a:t>
+            </a:r>
+            <a:r>
+              <a:rPr lang="en-GB" dirty="0" smtClean="0"/>
+              <a:t>ne re</a:t>
+            </a:r>
+            <a:r>
+              <a:rPr lang="sr-Latn-RS" dirty="0"/>
+              <a:t>č</a:t>
+            </a:r>
+            <a:r>
+              <a:rPr lang="en-GB" dirty="0" err="1" smtClean="0"/>
+              <a:t>i</a:t>
+            </a:r>
+            <a:endParaRPr lang="en-GB" dirty="0"/>
+          </a:p>
+          <a:p>
+            <a:pPr lvl="2">
+              <a:spcBef>
+                <a:spcPts val="1200"/>
+              </a:spcBef>
+            </a:pPr>
+            <a:r>
+              <a:rPr lang="en-GB" dirty="0">
+                <a:solidFill>
+                  <a:srgbClr val="6767FF"/>
+                </a:solidFill>
+              </a:rPr>
+              <a:t>description</a:t>
+            </a:r>
+            <a:r>
+              <a:rPr lang="en-GB" dirty="0"/>
+              <a:t> </a:t>
+            </a:r>
+            <a:r>
+              <a:rPr lang="sr-Latn-RS" dirty="0" smtClean="0"/>
+              <a:t>-</a:t>
+            </a:r>
+            <a:r>
+              <a:rPr lang="en-GB" dirty="0" smtClean="0"/>
+              <a:t> </a:t>
+            </a:r>
+            <a:r>
+              <a:rPr lang="en-GB" dirty="0" err="1"/>
+              <a:t>opis</a:t>
+            </a:r>
+            <a:r>
+              <a:rPr lang="en-GB" dirty="0"/>
+              <a:t> </a:t>
+            </a:r>
+            <a:r>
+              <a:rPr lang="en-GB" dirty="0" err="1"/>
+              <a:t>strane</a:t>
+            </a:r>
+            <a:endParaRPr lang="sr-Latn-CS" altLang="en-US" sz="1400" b="1" dirty="0" smtClean="0">
+              <a:solidFill>
+                <a:srgbClr val="009E47"/>
+              </a:solidFill>
+              <a:latin typeface="Courier New" panose="02070309020205020404" pitchFamily="49" charset="0"/>
+              <a:cs typeface="Courier New" panose="02070309020205020404" pitchFamily="49" charset="0"/>
+            </a:endParaRPr>
+          </a:p>
+          <a:p>
+            <a:pPr marL="457200" lvl="1" indent="0">
+              <a:spcBef>
+                <a:spcPts val="0"/>
+              </a:spcBef>
+              <a:buNone/>
+            </a:pPr>
+            <a:endParaRPr lang="sr-Latn-CS" altLang="en-US" sz="1600" b="1" dirty="0" smtClean="0">
+              <a:solidFill>
+                <a:srgbClr val="009E47"/>
+              </a:solidFill>
+              <a:latin typeface="Courier New" panose="02070309020205020404" pitchFamily="49" charset="0"/>
+              <a:cs typeface="Courier New" panose="02070309020205020404" pitchFamily="49" charset="0"/>
+            </a:endParaRPr>
+          </a:p>
+          <a:p>
+            <a:pPr marL="457200" lvl="1" indent="0">
+              <a:spcBef>
+                <a:spcPts val="0"/>
+              </a:spcBef>
+              <a:buNone/>
+            </a:pPr>
+            <a:r>
+              <a:rPr lang="sr-Latn-CS" altLang="en-US" sz="1600" b="1" dirty="0" smtClean="0">
+                <a:solidFill>
+                  <a:srgbClr val="009E47"/>
+                </a:solidFill>
+                <a:latin typeface="Courier New" panose="02070309020205020404" pitchFamily="49" charset="0"/>
+                <a:cs typeface="Courier New" panose="02070309020205020404" pitchFamily="49" charset="0"/>
+              </a:rPr>
+              <a:t>&lt;</a:t>
+            </a:r>
+            <a:r>
+              <a:rPr lang="sr-Latn-CS" altLang="en-US" sz="1600" b="1" dirty="0" err="1">
+                <a:solidFill>
+                  <a:srgbClr val="009E47"/>
+                </a:solidFill>
+                <a:latin typeface="Courier New" panose="02070309020205020404" pitchFamily="49" charset="0"/>
+                <a:cs typeface="Courier New" panose="02070309020205020404" pitchFamily="49" charset="0"/>
+              </a:rPr>
+              <a:t>head</a:t>
+            </a:r>
+            <a:r>
+              <a:rPr lang="sr-Latn-CS" altLang="en-US" sz="1600" b="1" dirty="0">
+                <a:solidFill>
+                  <a:srgbClr val="009E47"/>
+                </a:solidFill>
+                <a:latin typeface="Courier New" panose="02070309020205020404" pitchFamily="49" charset="0"/>
+                <a:cs typeface="Courier New" panose="02070309020205020404" pitchFamily="49" charset="0"/>
+              </a:rPr>
+              <a:t>&gt;</a:t>
+            </a:r>
+          </a:p>
+          <a:p>
+            <a:pPr marL="457200" lvl="1" indent="0">
+              <a:spcBef>
+                <a:spcPts val="0"/>
+              </a:spcBef>
+              <a:buNone/>
+            </a:pPr>
+            <a:r>
+              <a:rPr lang="sr-Latn-CS" altLang="en-US" sz="1600" b="1" dirty="0" smtClean="0">
+                <a:solidFill>
+                  <a:srgbClr val="009E47"/>
+                </a:solidFill>
+                <a:latin typeface="Courier New" panose="02070309020205020404" pitchFamily="49" charset="0"/>
+                <a:cs typeface="Courier New" panose="02070309020205020404" pitchFamily="49" charset="0"/>
+              </a:rPr>
+              <a:t>  ...</a:t>
+            </a:r>
+            <a:endParaRPr lang="sr-Latn-CS" altLang="en-US" sz="1600" b="1" dirty="0">
+              <a:solidFill>
+                <a:srgbClr val="009E47"/>
+              </a:solidFill>
+              <a:latin typeface="Courier New" panose="02070309020205020404" pitchFamily="49" charset="0"/>
+              <a:cs typeface="Courier New" panose="02070309020205020404" pitchFamily="49" charset="0"/>
+            </a:endParaRPr>
+          </a:p>
+          <a:p>
+            <a:pPr marL="457200" lvl="1" indent="0">
+              <a:spcBef>
+                <a:spcPts val="0"/>
+              </a:spcBef>
+              <a:buNone/>
+            </a:pPr>
+            <a:r>
+              <a:rPr lang="sr-Latn-CS" altLang="en-US" sz="1600" b="1" dirty="0" smtClean="0">
+                <a:solidFill>
+                  <a:srgbClr val="009E47"/>
+                </a:solidFill>
+                <a:latin typeface="Courier New" panose="02070309020205020404" pitchFamily="49" charset="0"/>
+                <a:cs typeface="Courier New" panose="02070309020205020404" pitchFamily="49" charset="0"/>
+              </a:rPr>
+              <a:t>  &lt;</a:t>
+            </a:r>
+            <a:r>
+              <a:rPr lang="sr-Latn-CS" altLang="en-US" sz="1600" b="1" dirty="0">
+                <a:solidFill>
+                  <a:srgbClr val="009E47"/>
+                </a:solidFill>
+                <a:latin typeface="Courier New" panose="02070309020205020404" pitchFamily="49" charset="0"/>
+                <a:cs typeface="Courier New" panose="02070309020205020404" pitchFamily="49" charset="0"/>
+              </a:rPr>
+              <a:t>meta </a:t>
+            </a:r>
+            <a:r>
+              <a:rPr lang="sr-Latn-CS" altLang="en-US" sz="1600" b="1" dirty="0" err="1">
+                <a:solidFill>
+                  <a:srgbClr val="009E47"/>
+                </a:solidFill>
+                <a:latin typeface="Courier New" panose="02070309020205020404" pitchFamily="49" charset="0"/>
+                <a:cs typeface="Courier New" panose="02070309020205020404" pitchFamily="49" charset="0"/>
+              </a:rPr>
+              <a:t>name</a:t>
+            </a:r>
+            <a:r>
+              <a:rPr lang="sr-Latn-CS" altLang="en-US" sz="1600" b="1" dirty="0">
+                <a:solidFill>
+                  <a:srgbClr val="009E47"/>
+                </a:solidFill>
+                <a:latin typeface="Courier New" panose="02070309020205020404" pitchFamily="49" charset="0"/>
+                <a:cs typeface="Courier New" panose="02070309020205020404" pitchFamily="49" charset="0"/>
+              </a:rPr>
+              <a:t>="</a:t>
+            </a:r>
+            <a:r>
+              <a:rPr lang="sr-Latn-CS" altLang="en-US" sz="1600" b="1" dirty="0" err="1">
+                <a:solidFill>
+                  <a:srgbClr val="009E47"/>
+                </a:solidFill>
+                <a:latin typeface="Courier New" panose="02070309020205020404" pitchFamily="49" charset="0"/>
+                <a:cs typeface="Courier New" panose="02070309020205020404" pitchFamily="49" charset="0"/>
+              </a:rPr>
+              <a:t>author</a:t>
+            </a:r>
+            <a:r>
+              <a:rPr lang="sr-Latn-CS" altLang="en-US" sz="1600" b="1" dirty="0">
+                <a:solidFill>
+                  <a:srgbClr val="009E47"/>
+                </a:solidFill>
+                <a:latin typeface="Courier New" panose="02070309020205020404" pitchFamily="49" charset="0"/>
+                <a:cs typeface="Courier New" panose="02070309020205020404" pitchFamily="49" charset="0"/>
+              </a:rPr>
+              <a:t>" </a:t>
+            </a:r>
+            <a:r>
+              <a:rPr lang="sr-Latn-CS" altLang="en-US" sz="1600" b="1" dirty="0" err="1">
+                <a:solidFill>
+                  <a:srgbClr val="009E47"/>
+                </a:solidFill>
+                <a:latin typeface="Courier New" panose="02070309020205020404" pitchFamily="49" charset="0"/>
+                <a:cs typeface="Courier New" panose="02070309020205020404" pitchFamily="49" charset="0"/>
+              </a:rPr>
+              <a:t>value</a:t>
+            </a:r>
+            <a:r>
+              <a:rPr lang="sr-Latn-CS" altLang="en-US" sz="1600" b="1" dirty="0">
+                <a:solidFill>
+                  <a:srgbClr val="009E47"/>
+                </a:solidFill>
+                <a:latin typeface="Courier New" panose="02070309020205020404" pitchFamily="49" charset="0"/>
+                <a:cs typeface="Courier New" panose="02070309020205020404" pitchFamily="49" charset="0"/>
+              </a:rPr>
+              <a:t>="Marko </a:t>
+            </a:r>
+            <a:r>
+              <a:rPr lang="sr-Latn-CS" altLang="en-US" sz="1600" b="1" dirty="0" smtClean="0">
+                <a:solidFill>
+                  <a:srgbClr val="009E47"/>
+                </a:solidFill>
+                <a:latin typeface="Courier New" panose="02070309020205020404" pitchFamily="49" charset="0"/>
+                <a:cs typeface="Courier New" panose="02070309020205020404" pitchFamily="49" charset="0"/>
+              </a:rPr>
+              <a:t>Savi</a:t>
+            </a:r>
+            <a:r>
+              <a:rPr lang="sr-Latn-RS" altLang="en-US" sz="1600" b="1" dirty="0">
+                <a:solidFill>
+                  <a:srgbClr val="009E47"/>
+                </a:solidFill>
+                <a:latin typeface="Courier New" panose="02070309020205020404" pitchFamily="49" charset="0"/>
+                <a:cs typeface="Courier New" panose="02070309020205020404" pitchFamily="49" charset="0"/>
+              </a:rPr>
+              <a:t>ć</a:t>
+            </a:r>
+            <a:r>
+              <a:rPr lang="sr-Latn-CS" altLang="en-US" sz="1600" b="1" dirty="0" smtClean="0">
+                <a:solidFill>
+                  <a:srgbClr val="009E47"/>
+                </a:solidFill>
+                <a:latin typeface="Courier New" panose="02070309020205020404" pitchFamily="49" charset="0"/>
+                <a:cs typeface="Courier New" panose="02070309020205020404" pitchFamily="49" charset="0"/>
+              </a:rPr>
+              <a:t>" </a:t>
+            </a:r>
+            <a:r>
+              <a:rPr lang="sr-Latn-CS" altLang="en-US" sz="1600" b="1" dirty="0">
+                <a:solidFill>
+                  <a:srgbClr val="009E47"/>
+                </a:solidFill>
+                <a:latin typeface="Courier New" panose="02070309020205020404" pitchFamily="49" charset="0"/>
+                <a:cs typeface="Courier New" panose="02070309020205020404" pitchFamily="49" charset="0"/>
+              </a:rPr>
+              <a:t>/&gt;</a:t>
+            </a:r>
+          </a:p>
+          <a:p>
+            <a:pPr marL="457200" lvl="1" indent="0">
+              <a:spcBef>
+                <a:spcPts val="0"/>
+              </a:spcBef>
+              <a:buNone/>
+            </a:pPr>
+            <a:r>
+              <a:rPr lang="sr-Latn-CS" altLang="en-US" sz="1600" b="1" dirty="0" smtClean="0">
+                <a:solidFill>
+                  <a:srgbClr val="009E47"/>
+                </a:solidFill>
+                <a:latin typeface="Courier New" panose="02070309020205020404" pitchFamily="49" charset="0"/>
+                <a:cs typeface="Courier New" panose="02070309020205020404" pitchFamily="49" charset="0"/>
+              </a:rPr>
+              <a:t>  &lt;</a:t>
+            </a:r>
+            <a:r>
+              <a:rPr lang="sr-Latn-CS" altLang="en-US" sz="1600" b="1" dirty="0">
+                <a:solidFill>
+                  <a:srgbClr val="009E47"/>
+                </a:solidFill>
+                <a:latin typeface="Courier New" panose="02070309020205020404" pitchFamily="49" charset="0"/>
+                <a:cs typeface="Courier New" panose="02070309020205020404" pitchFamily="49" charset="0"/>
+              </a:rPr>
+              <a:t>meta </a:t>
+            </a:r>
+            <a:r>
+              <a:rPr lang="sr-Latn-CS" altLang="en-US" sz="1600" b="1" dirty="0" err="1">
+                <a:solidFill>
+                  <a:srgbClr val="009E47"/>
+                </a:solidFill>
+                <a:latin typeface="Courier New" panose="02070309020205020404" pitchFamily="49" charset="0"/>
+                <a:cs typeface="Courier New" panose="02070309020205020404" pitchFamily="49" charset="0"/>
+              </a:rPr>
+              <a:t>name</a:t>
+            </a:r>
+            <a:r>
+              <a:rPr lang="sr-Latn-CS" altLang="en-US" sz="1600" b="1" dirty="0">
+                <a:solidFill>
+                  <a:srgbClr val="009E47"/>
+                </a:solidFill>
+                <a:latin typeface="Courier New" panose="02070309020205020404" pitchFamily="49" charset="0"/>
+                <a:cs typeface="Courier New" panose="02070309020205020404" pitchFamily="49" charset="0"/>
+              </a:rPr>
+              <a:t>="</a:t>
+            </a:r>
+            <a:r>
+              <a:rPr lang="sr-Latn-CS" altLang="en-US" sz="1600" b="1" dirty="0" err="1">
+                <a:solidFill>
+                  <a:srgbClr val="009E47"/>
+                </a:solidFill>
+                <a:latin typeface="Courier New" panose="02070309020205020404" pitchFamily="49" charset="0"/>
+                <a:cs typeface="Courier New" panose="02070309020205020404" pitchFamily="49" charset="0"/>
+              </a:rPr>
+              <a:t>keywords</a:t>
+            </a:r>
+            <a:r>
+              <a:rPr lang="sr-Latn-CS" altLang="en-US" sz="1600" b="1" dirty="0">
+                <a:solidFill>
+                  <a:srgbClr val="009E47"/>
+                </a:solidFill>
+                <a:latin typeface="Courier New" panose="02070309020205020404" pitchFamily="49" charset="0"/>
+                <a:cs typeface="Courier New" panose="02070309020205020404" pitchFamily="49" charset="0"/>
+              </a:rPr>
+              <a:t>" </a:t>
+            </a:r>
+            <a:r>
+              <a:rPr lang="sr-Latn-CS" altLang="en-US" sz="1600" b="1" dirty="0" err="1">
+                <a:solidFill>
+                  <a:srgbClr val="009E47"/>
+                </a:solidFill>
+                <a:latin typeface="Courier New" panose="02070309020205020404" pitchFamily="49" charset="0"/>
+                <a:cs typeface="Courier New" panose="02070309020205020404" pitchFamily="49" charset="0"/>
+              </a:rPr>
+              <a:t>value</a:t>
+            </a:r>
+            <a:r>
+              <a:rPr lang="sr-Latn-CS" altLang="en-US" sz="1600" b="1" dirty="0">
+                <a:solidFill>
+                  <a:srgbClr val="009E47"/>
+                </a:solidFill>
+                <a:latin typeface="Courier New" panose="02070309020205020404" pitchFamily="49" charset="0"/>
+                <a:cs typeface="Courier New" panose="02070309020205020404" pitchFamily="49" charset="0"/>
+              </a:rPr>
+              <a:t>="gimnazija,</a:t>
+            </a:r>
+            <a:r>
+              <a:rPr lang="sr-Latn-CS" altLang="en-US" sz="1600" b="1" dirty="0" err="1">
+                <a:solidFill>
+                  <a:srgbClr val="009E47"/>
+                </a:solidFill>
+                <a:latin typeface="Courier New" panose="02070309020205020404" pitchFamily="49" charset="0"/>
+                <a:cs typeface="Courier New" panose="02070309020205020404" pitchFamily="49" charset="0"/>
+              </a:rPr>
+              <a:t>skola</a:t>
+            </a:r>
+            <a:r>
+              <a:rPr lang="sr-Latn-CS" altLang="en-US" sz="1600" b="1" dirty="0">
+                <a:solidFill>
+                  <a:srgbClr val="009E47"/>
+                </a:solidFill>
+                <a:latin typeface="Courier New" panose="02070309020205020404" pitchFamily="49" charset="0"/>
+                <a:cs typeface="Courier New" panose="02070309020205020404" pitchFamily="49" charset="0"/>
+              </a:rPr>
+              <a:t>,obrazovanje" /&gt;</a:t>
+            </a:r>
+          </a:p>
+          <a:p>
+            <a:pPr marL="457200" lvl="1" indent="0">
+              <a:spcBef>
+                <a:spcPts val="0"/>
+              </a:spcBef>
+              <a:buNone/>
+            </a:pPr>
+            <a:r>
+              <a:rPr lang="sr-Latn-CS" altLang="en-US" sz="1600" b="1" dirty="0" smtClean="0">
+                <a:solidFill>
+                  <a:srgbClr val="009E47"/>
+                </a:solidFill>
+                <a:latin typeface="Courier New" panose="02070309020205020404" pitchFamily="49" charset="0"/>
+                <a:cs typeface="Courier New" panose="02070309020205020404" pitchFamily="49" charset="0"/>
+              </a:rPr>
+              <a:t>  &lt;</a:t>
+            </a:r>
+            <a:r>
+              <a:rPr lang="sr-Latn-CS" altLang="en-US" sz="1600" b="1" dirty="0">
+                <a:solidFill>
+                  <a:srgbClr val="009E47"/>
+                </a:solidFill>
+                <a:latin typeface="Courier New" panose="02070309020205020404" pitchFamily="49" charset="0"/>
+                <a:cs typeface="Courier New" panose="02070309020205020404" pitchFamily="49" charset="0"/>
+              </a:rPr>
+              <a:t>meta </a:t>
+            </a:r>
+            <a:r>
+              <a:rPr lang="sr-Latn-CS" altLang="en-US" sz="1600" b="1" dirty="0" err="1">
+                <a:solidFill>
+                  <a:srgbClr val="009E47"/>
+                </a:solidFill>
+                <a:latin typeface="Courier New" panose="02070309020205020404" pitchFamily="49" charset="0"/>
+                <a:cs typeface="Courier New" panose="02070309020205020404" pitchFamily="49" charset="0"/>
+              </a:rPr>
+              <a:t>name</a:t>
+            </a:r>
+            <a:r>
+              <a:rPr lang="sr-Latn-CS" altLang="en-US" sz="1600" b="1" dirty="0">
+                <a:solidFill>
+                  <a:srgbClr val="009E47"/>
+                </a:solidFill>
+                <a:latin typeface="Courier New" panose="02070309020205020404" pitchFamily="49" charset="0"/>
+                <a:cs typeface="Courier New" panose="02070309020205020404" pitchFamily="49" charset="0"/>
+              </a:rPr>
+              <a:t>="</a:t>
+            </a:r>
+            <a:r>
+              <a:rPr lang="sr-Latn-CS" altLang="en-US" sz="1600" b="1" dirty="0" err="1">
+                <a:solidFill>
+                  <a:srgbClr val="009E47"/>
+                </a:solidFill>
+                <a:latin typeface="Courier New" panose="02070309020205020404" pitchFamily="49" charset="0"/>
+                <a:cs typeface="Courier New" panose="02070309020205020404" pitchFamily="49" charset="0"/>
+              </a:rPr>
+              <a:t>description</a:t>
+            </a:r>
+            <a:r>
+              <a:rPr lang="sr-Latn-CS" altLang="en-US" sz="1600" b="1" dirty="0">
+                <a:solidFill>
+                  <a:srgbClr val="009E47"/>
+                </a:solidFill>
+                <a:latin typeface="Courier New" panose="02070309020205020404" pitchFamily="49" charset="0"/>
+                <a:cs typeface="Courier New" panose="02070309020205020404" pitchFamily="49" charset="0"/>
+              </a:rPr>
+              <a:t>" </a:t>
+            </a:r>
+            <a:r>
+              <a:rPr lang="sr-Latn-CS" altLang="en-US" sz="1600" b="1" dirty="0" err="1">
+                <a:solidFill>
+                  <a:srgbClr val="009E47"/>
+                </a:solidFill>
+                <a:latin typeface="Courier New" panose="02070309020205020404" pitchFamily="49" charset="0"/>
+                <a:cs typeface="Courier New" panose="02070309020205020404" pitchFamily="49" charset="0"/>
+              </a:rPr>
+              <a:t>value</a:t>
+            </a:r>
+            <a:r>
+              <a:rPr lang="sr-Latn-CS" altLang="en-US" sz="1600" b="1" dirty="0">
+                <a:solidFill>
+                  <a:srgbClr val="009E47"/>
+                </a:solidFill>
+                <a:latin typeface="Courier New" panose="02070309020205020404" pitchFamily="49" charset="0"/>
+                <a:cs typeface="Courier New" panose="02070309020205020404" pitchFamily="49" charset="0"/>
+              </a:rPr>
+              <a:t>="veb-sajt gimnazije </a:t>
+            </a:r>
+            <a:r>
+              <a:rPr lang="sr-Latn-CS" altLang="en-US" sz="1600" b="1" dirty="0" smtClean="0">
+                <a:solidFill>
+                  <a:srgbClr val="009E47"/>
+                </a:solidFill>
+                <a:latin typeface="Courier New" panose="02070309020205020404" pitchFamily="49" charset="0"/>
+                <a:cs typeface="Courier New" panose="02070309020205020404" pitchFamily="49" charset="0"/>
+              </a:rPr>
+              <a:t>Dositej</a:t>
+            </a:r>
+            <a:br>
+              <a:rPr lang="sr-Latn-CS" altLang="en-US" sz="1600" b="1" dirty="0" smtClean="0">
+                <a:solidFill>
+                  <a:srgbClr val="009E47"/>
+                </a:solidFill>
+                <a:latin typeface="Courier New" panose="02070309020205020404" pitchFamily="49" charset="0"/>
+                <a:cs typeface="Courier New" panose="02070309020205020404" pitchFamily="49" charset="0"/>
+              </a:rPr>
+            </a:br>
+            <a:r>
+              <a:rPr lang="sr-Latn-CS" altLang="en-US" sz="1600" b="1" dirty="0" smtClean="0">
+                <a:solidFill>
+                  <a:srgbClr val="009E47"/>
+                </a:solidFill>
+                <a:latin typeface="Courier New" panose="02070309020205020404" pitchFamily="49" charset="0"/>
+                <a:cs typeface="Courier New" panose="02070309020205020404" pitchFamily="49" charset="0"/>
+              </a:rPr>
+              <a:t>              Obradović" </a:t>
+            </a:r>
+            <a:r>
+              <a:rPr lang="sr-Latn-CS" altLang="en-US" sz="1600" b="1" dirty="0">
+                <a:solidFill>
+                  <a:srgbClr val="009E47"/>
+                </a:solidFill>
+                <a:latin typeface="Courier New" panose="02070309020205020404" pitchFamily="49" charset="0"/>
+                <a:cs typeface="Courier New" panose="02070309020205020404" pitchFamily="49" charset="0"/>
+              </a:rPr>
+              <a:t>/&gt;</a:t>
+            </a:r>
+          </a:p>
+          <a:p>
+            <a:pPr marL="457200" lvl="1" indent="0">
+              <a:spcBef>
+                <a:spcPts val="0"/>
+              </a:spcBef>
+              <a:buNone/>
+            </a:pPr>
+            <a:r>
+              <a:rPr lang="sr-Latn-CS" altLang="en-US" sz="1600" b="1" dirty="0">
+                <a:solidFill>
+                  <a:srgbClr val="009E47"/>
+                </a:solidFill>
+                <a:latin typeface="Courier New" panose="02070309020205020404" pitchFamily="49" charset="0"/>
+                <a:cs typeface="Courier New" panose="02070309020205020404" pitchFamily="49" charset="0"/>
+              </a:rPr>
+              <a:t>&lt;/</a:t>
+            </a:r>
+            <a:r>
+              <a:rPr lang="sr-Latn-CS" altLang="en-US" sz="1600" b="1" dirty="0" err="1">
+                <a:solidFill>
+                  <a:srgbClr val="009E47"/>
+                </a:solidFill>
+                <a:latin typeface="Courier New" panose="02070309020205020404" pitchFamily="49" charset="0"/>
+                <a:cs typeface="Courier New" panose="02070309020205020404" pitchFamily="49" charset="0"/>
+              </a:rPr>
+              <a:t>head</a:t>
+            </a:r>
+            <a:r>
+              <a:rPr lang="sr-Latn-CS" altLang="en-US" sz="1600" b="1" dirty="0">
+                <a:solidFill>
+                  <a:srgbClr val="009E47"/>
+                </a:solidFill>
+                <a:latin typeface="Courier New" panose="02070309020205020404" pitchFamily="49" charset="0"/>
+                <a:cs typeface="Courier New" panose="02070309020205020404" pitchFamily="49" charset="0"/>
+              </a:rPr>
+              <a:t>&gt;</a:t>
+            </a:r>
+            <a:endParaRPr lang="sr-Latn-RS" sz="1400" b="1" dirty="0">
+              <a:solidFill>
+                <a:srgbClr val="009E47"/>
+              </a:solidFill>
+              <a:latin typeface="Courier New" panose="02070309020205020404" pitchFamily="49" charset="0"/>
+              <a:cs typeface="Courier New" panose="02070309020205020404" pitchFamily="49" charset="0"/>
+            </a:endParaRPr>
+          </a:p>
+        </p:txBody>
+      </p:sp>
+    </p:spTree>
+    <p:extLst>
+      <p:ext uri="{BB962C8B-B14F-4D97-AF65-F5344CB8AC3E}">
+        <p14:creationId xmlns:p14="http://schemas.microsoft.com/office/powerpoint/2010/main" val="2252082846"/>
+      </p:ext>
+    </p:extLst>
+  </p:cSld>
+  <p:clrMapOvr>
+    <a:masterClrMapping/>
+  </p:clrMapOvr>
+  <p:timing>
+    <p:tnLst>
+      <p:par>
+        <p:cTn id="1" dur="indefinite" restart="never" nodeType="tmRoot"/>
+      </p:par>
+    </p:tnLst>
+  </p:timing>
+</p:sld>
+</file>
+
+<file path=ppt/slides/slide15.xml><?xml version="1.0" encoding="utf-8"?>
+<p:sld xmlns:a="http://schemas.openxmlformats.org/drawingml/2006/main" xmlns:r="http://schemas.openxmlformats.org/officeDocument/2006/relationships" xmlns:p="http://schemas.openxmlformats.org/presentationml/2006/main">
+  <p:cSld>
+    <p:spTree>
+      <p:nvGrpSpPr>
+        <p:cNvPr id="1" name=""/>
+        <p:cNvGrpSpPr/>
+        <p:nvPr/>
+      </p:nvGrpSpPr>
+      <p:grpSpPr>
+        <a:xfrm>
+          <a:off x="0" y="0"/>
+          <a:ext cx="0" cy="0"/>
+          <a:chOff x="0" y="0"/>
+          <a:chExt cx="0" cy="0"/>
+        </a:xfrm>
+      </p:grpSpPr>
+      <p:sp>
+        <p:nvSpPr>
+          <p:cNvPr id="92162" name="Rectangle 2"/>
+          <p:cNvSpPr>
+            <a:spLocks noGrp="1" noChangeArrowheads="1"/>
+          </p:cNvSpPr>
+          <p:nvPr>
+            <p:ph type="title"/>
+          </p:nvPr>
+        </p:nvSpPr>
+        <p:spPr>
+          <a:xfrm>
+            <a:off x="1403648" y="549275"/>
+            <a:ext cx="7283152" cy="868363"/>
+          </a:xfrm>
+        </p:spPr>
+        <p:txBody>
+          <a:bodyPr/>
+          <a:lstStyle/>
+          <a:p>
+            <a:r>
+              <a:rPr lang="en-US" dirty="0" err="1"/>
+              <a:t>Zaglavlje</a:t>
+            </a:r>
+            <a:r>
+              <a:rPr lang="en-US" dirty="0"/>
+              <a:t> </a:t>
+            </a:r>
+            <a:r>
+              <a:rPr lang="en-US" dirty="0" err="1" smtClean="0"/>
+              <a:t>veb</a:t>
+            </a:r>
+            <a:r>
+              <a:rPr lang="sr-Latn-RS" dirty="0" smtClean="0"/>
+              <a:t> </a:t>
+            </a:r>
+            <a:r>
+              <a:rPr lang="en-US" dirty="0" err="1" smtClean="0"/>
+              <a:t>strane</a:t>
+            </a:r>
+            <a:r>
+              <a:rPr lang="sr-Latn-RS" dirty="0" smtClean="0"/>
+              <a:t> -</a:t>
+            </a:r>
+            <a:r>
+              <a:rPr lang="en-US" dirty="0" smtClean="0"/>
+              <a:t> </a:t>
+            </a:r>
+            <a:r>
+              <a:rPr lang="en-US" dirty="0" err="1"/>
+              <a:t>elementi</a:t>
+            </a:r>
+            <a:r>
+              <a:rPr lang="en-US" dirty="0"/>
+              <a:t> script, style, link</a:t>
+            </a:r>
+            <a:endParaRPr lang="sr-Latn-RS" dirty="0"/>
+          </a:p>
+        </p:txBody>
+      </p:sp>
+      <p:sp>
+        <p:nvSpPr>
+          <p:cNvPr id="92163" name="Rectangle 3"/>
+          <p:cNvSpPr>
+            <a:spLocks noGrp="1" noChangeArrowheads="1"/>
+          </p:cNvSpPr>
+          <p:nvPr>
+            <p:ph idx="1"/>
+          </p:nvPr>
+        </p:nvSpPr>
+        <p:spPr>
+          <a:xfrm>
+            <a:off x="457200" y="1484784"/>
+            <a:ext cx="8579296" cy="5373216"/>
+          </a:xfrm>
+        </p:spPr>
+        <p:txBody>
+          <a:bodyPr/>
+          <a:lstStyle/>
+          <a:p>
+            <a:pPr lvl="1">
+              <a:spcBef>
+                <a:spcPts val="1200"/>
+              </a:spcBef>
+            </a:pPr>
+            <a:r>
+              <a:rPr lang="en-GB" dirty="0" smtClean="0"/>
+              <a:t>Sadr</a:t>
+            </a:r>
+            <a:r>
+              <a:rPr lang="sr-Latn-RS" dirty="0"/>
+              <a:t>ž</a:t>
+            </a:r>
+            <a:r>
+              <a:rPr lang="en-GB" dirty="0" err="1" smtClean="0"/>
+              <a:t>aj</a:t>
+            </a:r>
+            <a:r>
+              <a:rPr lang="en-GB" dirty="0" smtClean="0"/>
+              <a:t> </a:t>
+            </a:r>
+            <a:r>
+              <a:rPr lang="en-GB" dirty="0" err="1"/>
+              <a:t>elementa</a:t>
+            </a:r>
+            <a:r>
+              <a:rPr lang="en-GB" dirty="0"/>
+              <a:t> </a:t>
+            </a:r>
+            <a:r>
+              <a:rPr lang="en-GB" dirty="0">
+                <a:solidFill>
+                  <a:srgbClr val="6767FF"/>
+                </a:solidFill>
+              </a:rPr>
+              <a:t>script</a:t>
+            </a:r>
+            <a:r>
+              <a:rPr lang="en-GB" dirty="0"/>
+              <a:t> je </a:t>
+            </a:r>
+            <a:r>
+              <a:rPr lang="en-GB" dirty="0" err="1"/>
+              <a:t>programski</a:t>
+            </a:r>
+            <a:r>
+              <a:rPr lang="en-GB" dirty="0"/>
+              <a:t> </a:t>
+            </a:r>
+            <a:r>
+              <a:rPr lang="en-GB" dirty="0" err="1" smtClean="0"/>
+              <a:t>kod</a:t>
+            </a:r>
+            <a:r>
+              <a:rPr lang="en-GB" dirty="0"/>
+              <a:t>, </a:t>
+            </a:r>
+            <a:r>
+              <a:rPr lang="en-GB" dirty="0" err="1" smtClean="0"/>
+              <a:t>naj</a:t>
+            </a:r>
+            <a:r>
+              <a:rPr lang="sr-Latn-RS" dirty="0"/>
+              <a:t>č</a:t>
+            </a:r>
+            <a:r>
+              <a:rPr lang="en-GB" dirty="0" smtClean="0"/>
+              <a:t>e</a:t>
+            </a:r>
+            <a:r>
+              <a:rPr lang="sr-Latn-RS" dirty="0" err="1" smtClean="0"/>
+              <a:t>šć</a:t>
+            </a:r>
+            <a:r>
+              <a:rPr lang="en-GB" dirty="0" smtClean="0"/>
+              <a:t>e </a:t>
+            </a:r>
+            <a:r>
+              <a:rPr lang="en-GB" dirty="0"/>
+              <a:t>u </a:t>
+            </a:r>
+            <a:r>
+              <a:rPr lang="en-GB" dirty="0" err="1" smtClean="0"/>
+              <a:t>jeziku</a:t>
+            </a:r>
+            <a:r>
+              <a:rPr lang="sr-Latn-RS" dirty="0" smtClean="0"/>
+              <a:t> </a:t>
+            </a:r>
+            <a:r>
+              <a:rPr lang="en-GB" dirty="0" smtClean="0"/>
+              <a:t>JavaScript</a:t>
+            </a:r>
+            <a:endParaRPr lang="en-GB" dirty="0"/>
+          </a:p>
+          <a:p>
+            <a:pPr lvl="1">
+              <a:spcBef>
+                <a:spcPts val="1200"/>
+              </a:spcBef>
+            </a:pPr>
+            <a:r>
+              <a:rPr lang="en-GB" dirty="0" smtClean="0"/>
+              <a:t>Sadr</a:t>
+            </a:r>
+            <a:r>
+              <a:rPr lang="sr-Latn-RS" dirty="0"/>
+              <a:t>ž</a:t>
+            </a:r>
+            <a:r>
+              <a:rPr lang="en-GB" dirty="0" err="1" smtClean="0"/>
+              <a:t>aj</a:t>
+            </a:r>
+            <a:r>
+              <a:rPr lang="en-GB" dirty="0" smtClean="0"/>
+              <a:t> </a:t>
+            </a:r>
+            <a:r>
+              <a:rPr lang="en-GB" dirty="0" err="1"/>
+              <a:t>elementa</a:t>
+            </a:r>
+            <a:r>
+              <a:rPr lang="en-GB" dirty="0"/>
+              <a:t> </a:t>
+            </a:r>
+            <a:r>
+              <a:rPr lang="en-GB" dirty="0">
+                <a:solidFill>
+                  <a:srgbClr val="6767FF"/>
+                </a:solidFill>
+              </a:rPr>
+              <a:t>style</a:t>
+            </a:r>
+            <a:r>
+              <a:rPr lang="en-GB" dirty="0"/>
+              <a:t> je </a:t>
+            </a:r>
+            <a:r>
+              <a:rPr lang="en-GB" dirty="0" err="1"/>
+              <a:t>stilski</a:t>
+            </a:r>
+            <a:r>
+              <a:rPr lang="en-GB" dirty="0"/>
+              <a:t> </a:t>
+            </a:r>
+            <a:r>
+              <a:rPr lang="en-GB" dirty="0" err="1"/>
+              <a:t>opis</a:t>
+            </a:r>
+            <a:r>
+              <a:rPr lang="en-GB" dirty="0"/>
+              <a:t> </a:t>
+            </a:r>
+            <a:r>
+              <a:rPr lang="en-GB" dirty="0" err="1"/>
+              <a:t>na</a:t>
+            </a:r>
+            <a:r>
+              <a:rPr lang="en-GB" dirty="0"/>
+              <a:t> </a:t>
+            </a:r>
+            <a:r>
+              <a:rPr lang="en-GB" dirty="0" err="1"/>
+              <a:t>jeziku</a:t>
+            </a:r>
+            <a:r>
+              <a:rPr lang="en-GB" dirty="0"/>
+              <a:t> CSS</a:t>
+            </a:r>
+          </a:p>
+          <a:p>
+            <a:pPr lvl="1">
+              <a:spcBef>
+                <a:spcPts val="1200"/>
+              </a:spcBef>
+            </a:pPr>
+            <a:r>
+              <a:rPr lang="en-GB" dirty="0"/>
+              <a:t>Element </a:t>
+            </a:r>
+            <a:r>
+              <a:rPr lang="en-GB" dirty="0">
+                <a:solidFill>
+                  <a:srgbClr val="6767FF"/>
+                </a:solidFill>
+              </a:rPr>
+              <a:t>link</a:t>
+            </a:r>
+            <a:r>
+              <a:rPr lang="en-GB" dirty="0"/>
+              <a:t> </a:t>
+            </a:r>
+            <a:r>
+              <a:rPr lang="en-GB" dirty="0" err="1" smtClean="0"/>
+              <a:t>slu</a:t>
+            </a:r>
+            <a:r>
+              <a:rPr lang="sr-Latn-RS" dirty="0"/>
+              <a:t>ž</a:t>
+            </a:r>
+            <a:r>
+              <a:rPr lang="en-GB" dirty="0" err="1" smtClean="0"/>
+              <a:t>i</a:t>
+            </a:r>
+            <a:r>
+              <a:rPr lang="en-GB" dirty="0" smtClean="0"/>
+              <a:t> </a:t>
+            </a:r>
+            <a:r>
+              <a:rPr lang="en-GB" dirty="0"/>
+              <a:t>da </a:t>
+            </a:r>
+            <a:r>
+              <a:rPr lang="en-GB" dirty="0" err="1" smtClean="0"/>
+              <a:t>pove</a:t>
+            </a:r>
+            <a:r>
+              <a:rPr lang="sr-Latn-RS" dirty="0"/>
+              <a:t>ž</a:t>
+            </a:r>
+            <a:r>
+              <a:rPr lang="en-GB" dirty="0" smtClean="0"/>
+              <a:t>e </a:t>
+            </a:r>
+            <a:r>
+              <a:rPr lang="en-GB" dirty="0" err="1" smtClean="0"/>
+              <a:t>veb</a:t>
+            </a:r>
+            <a:r>
+              <a:rPr lang="sr-Latn-RS" dirty="0" smtClean="0"/>
+              <a:t> </a:t>
+            </a:r>
+            <a:r>
+              <a:rPr lang="en-GB" dirty="0" err="1" smtClean="0"/>
+              <a:t>stranu</a:t>
+            </a:r>
+            <a:r>
+              <a:rPr lang="en-GB" dirty="0" smtClean="0"/>
+              <a:t> </a:t>
+            </a:r>
+            <a:r>
+              <a:rPr lang="en-GB" dirty="0"/>
+              <a:t>u </a:t>
+            </a:r>
+            <a:r>
+              <a:rPr lang="en-GB" dirty="0" err="1"/>
+              <a:t>kojoj</a:t>
+            </a:r>
+            <a:r>
+              <a:rPr lang="en-GB" dirty="0"/>
+              <a:t> je </a:t>
+            </a:r>
+            <a:r>
+              <a:rPr lang="en-GB" dirty="0" err="1"/>
+              <a:t>naveden</a:t>
+            </a:r>
+            <a:r>
+              <a:rPr lang="en-GB" dirty="0"/>
+              <a:t> </a:t>
+            </a:r>
+            <a:r>
+              <a:rPr lang="en-GB" dirty="0" err="1"/>
+              <a:t>sa</a:t>
+            </a:r>
+            <a:r>
+              <a:rPr lang="en-GB" dirty="0"/>
+              <a:t> </a:t>
+            </a:r>
+            <a:r>
+              <a:rPr lang="en-GB" dirty="0" err="1" smtClean="0"/>
+              <a:t>drugim</a:t>
+            </a:r>
+            <a:r>
+              <a:rPr lang="sr-Latn-RS" dirty="0" smtClean="0"/>
+              <a:t> </a:t>
+            </a:r>
+            <a:r>
+              <a:rPr lang="en-GB" dirty="0" err="1" smtClean="0"/>
+              <a:t>resursima</a:t>
+            </a:r>
+            <a:endParaRPr lang="en-GB" dirty="0"/>
+          </a:p>
+          <a:p>
+            <a:pPr lvl="2">
+              <a:spcBef>
+                <a:spcPts val="1200"/>
+              </a:spcBef>
+            </a:pPr>
+            <a:r>
+              <a:rPr lang="en-GB" dirty="0" err="1"/>
+              <a:t>za</a:t>
+            </a:r>
+            <a:r>
+              <a:rPr lang="en-GB" dirty="0"/>
+              <a:t> </a:t>
+            </a:r>
+            <a:r>
+              <a:rPr lang="en-GB" dirty="0" err="1"/>
+              <a:t>uvoz</a:t>
+            </a:r>
+            <a:r>
+              <a:rPr lang="en-GB" dirty="0"/>
+              <a:t> </a:t>
+            </a:r>
+            <a:r>
+              <a:rPr lang="en-GB" dirty="0" err="1"/>
+              <a:t>stilskog</a:t>
+            </a:r>
+            <a:r>
+              <a:rPr lang="en-GB" dirty="0"/>
+              <a:t> </a:t>
+            </a:r>
+            <a:r>
+              <a:rPr lang="en-GB" dirty="0" err="1"/>
+              <a:t>opisa</a:t>
+            </a:r>
+            <a:r>
+              <a:rPr lang="en-GB" dirty="0"/>
+              <a:t> </a:t>
+            </a:r>
+            <a:r>
+              <a:rPr lang="en-GB" dirty="0" err="1"/>
+              <a:t>zadatog</a:t>
+            </a:r>
+            <a:r>
+              <a:rPr lang="en-GB" dirty="0"/>
+              <a:t> u </a:t>
+            </a:r>
+            <a:r>
+              <a:rPr lang="en-GB" dirty="0" err="1"/>
+              <a:t>zasebnoj</a:t>
+            </a:r>
+            <a:r>
+              <a:rPr lang="en-GB" dirty="0"/>
+              <a:t> </a:t>
+            </a:r>
+            <a:r>
+              <a:rPr lang="en-GB" dirty="0" err="1" smtClean="0"/>
+              <a:t>datoteci</a:t>
+            </a:r>
+            <a:r>
+              <a:rPr lang="sr-Latn-RS" sz="1600" dirty="0" smtClean="0"/>
+              <a:t/>
+            </a:r>
+            <a:br>
+              <a:rPr lang="sr-Latn-RS" sz="1600" dirty="0" smtClean="0"/>
+            </a:br>
+            <a:r>
+              <a:rPr lang="en-GB" sz="1600" b="1" dirty="0">
+                <a:solidFill>
+                  <a:srgbClr val="009E47"/>
+                </a:solidFill>
+                <a:latin typeface="Courier New" panose="02070309020205020404" pitchFamily="49" charset="0"/>
+                <a:cs typeface="Courier New" panose="02070309020205020404" pitchFamily="49" charset="0"/>
+              </a:rPr>
+              <a:t>&lt;</a:t>
+            </a:r>
+            <a:r>
+              <a:rPr lang="en-GB" sz="1600" b="1" dirty="0">
+                <a:solidFill>
+                  <a:srgbClr val="009E47"/>
+                </a:solidFill>
+                <a:latin typeface="Courier New" panose="02070309020205020404" pitchFamily="49" charset="0"/>
+                <a:cs typeface="Courier New" panose="02070309020205020404" pitchFamily="49" charset="0"/>
+              </a:rPr>
+              <a:t>link </a:t>
+            </a:r>
+            <a:r>
+              <a:rPr lang="en-GB" sz="1600" b="1" dirty="0" err="1">
+                <a:solidFill>
+                  <a:srgbClr val="009E47"/>
+                </a:solidFill>
+                <a:latin typeface="Courier New" panose="02070309020205020404" pitchFamily="49" charset="0"/>
+                <a:cs typeface="Courier New" panose="02070309020205020404" pitchFamily="49" charset="0"/>
+              </a:rPr>
+              <a:t>rel</a:t>
+            </a:r>
+            <a:r>
+              <a:rPr lang="en-GB" sz="1600" b="1" dirty="0">
+                <a:solidFill>
+                  <a:srgbClr val="009E47"/>
+                </a:solidFill>
+                <a:latin typeface="Courier New" panose="02070309020205020404" pitchFamily="49" charset="0"/>
+                <a:cs typeface="Courier New" panose="02070309020205020404" pitchFamily="49" charset="0"/>
+              </a:rPr>
+              <a:t>="stylesheet" type="text/</a:t>
+            </a:r>
+            <a:r>
+              <a:rPr lang="en-GB" sz="1600" b="1" dirty="0" err="1">
+                <a:solidFill>
+                  <a:srgbClr val="009E47"/>
+                </a:solidFill>
+                <a:latin typeface="Courier New" panose="02070309020205020404" pitchFamily="49" charset="0"/>
+                <a:cs typeface="Courier New" panose="02070309020205020404" pitchFamily="49" charset="0"/>
+              </a:rPr>
+              <a:t>css</a:t>
+            </a:r>
+            <a:r>
+              <a:rPr lang="en-GB" sz="1600" b="1" dirty="0">
+                <a:solidFill>
+                  <a:srgbClr val="009E47"/>
+                </a:solidFill>
+                <a:latin typeface="Courier New" panose="02070309020205020404" pitchFamily="49" charset="0"/>
+                <a:cs typeface="Courier New" panose="02070309020205020404" pitchFamily="49" charset="0"/>
+              </a:rPr>
+              <a:t>" </a:t>
+            </a:r>
+            <a:r>
+              <a:rPr lang="en-GB" sz="1600" b="1" dirty="0" err="1">
+                <a:solidFill>
+                  <a:srgbClr val="009E47"/>
+                </a:solidFill>
+                <a:latin typeface="Courier New" panose="02070309020205020404" pitchFamily="49" charset="0"/>
+                <a:cs typeface="Courier New" panose="02070309020205020404" pitchFamily="49" charset="0"/>
+              </a:rPr>
+              <a:t>href</a:t>
+            </a:r>
+            <a:r>
+              <a:rPr lang="en-GB" sz="1600" b="1" dirty="0">
+                <a:solidFill>
+                  <a:srgbClr val="009E47"/>
+                </a:solidFill>
+                <a:latin typeface="Courier New" panose="02070309020205020404" pitchFamily="49" charset="0"/>
+                <a:cs typeface="Courier New" panose="02070309020205020404" pitchFamily="49" charset="0"/>
+              </a:rPr>
+              <a:t>="style.css" /&gt;</a:t>
+            </a:r>
+          </a:p>
+          <a:p>
+            <a:pPr lvl="2">
+              <a:spcBef>
+                <a:spcPts val="1200"/>
+              </a:spcBef>
+            </a:pPr>
+            <a:r>
+              <a:rPr lang="en-GB" dirty="0" err="1"/>
+              <a:t>za</a:t>
+            </a:r>
+            <a:r>
+              <a:rPr lang="en-GB" dirty="0"/>
+              <a:t> </a:t>
+            </a:r>
+            <a:r>
+              <a:rPr lang="en-GB" dirty="0" err="1"/>
+              <a:t>zadavanje</a:t>
+            </a:r>
+            <a:r>
+              <a:rPr lang="en-GB" dirty="0"/>
+              <a:t> </a:t>
+            </a:r>
+            <a:r>
+              <a:rPr lang="en-GB" dirty="0" err="1"/>
+              <a:t>verzija</a:t>
+            </a:r>
+            <a:r>
+              <a:rPr lang="en-GB" dirty="0"/>
+              <a:t> </a:t>
+            </a:r>
+            <a:r>
+              <a:rPr lang="en-GB" dirty="0" err="1"/>
+              <a:t>veb-strane</a:t>
+            </a:r>
+            <a:r>
+              <a:rPr lang="en-GB" dirty="0"/>
+              <a:t> u </a:t>
+            </a:r>
+            <a:r>
+              <a:rPr lang="en-GB" dirty="0" err="1"/>
+              <a:t>drugom</a:t>
+            </a:r>
+            <a:r>
+              <a:rPr lang="en-GB" dirty="0"/>
+              <a:t> </a:t>
+            </a:r>
+            <a:r>
+              <a:rPr lang="en-GB" dirty="0" err="1"/>
+              <a:t>formatu</a:t>
+            </a:r>
+            <a:r>
+              <a:rPr lang="en-GB" dirty="0"/>
+              <a:t> </a:t>
+            </a:r>
+            <a:r>
+              <a:rPr lang="en-GB" dirty="0" err="1"/>
+              <a:t>ili</a:t>
+            </a:r>
+            <a:r>
+              <a:rPr lang="en-GB" dirty="0"/>
+              <a:t> </a:t>
+            </a:r>
+            <a:r>
+              <a:rPr lang="en-GB" dirty="0" err="1"/>
+              <a:t>drugom</a:t>
+            </a:r>
+            <a:r>
+              <a:rPr lang="en-GB" dirty="0"/>
+              <a:t> </a:t>
+            </a:r>
+            <a:r>
+              <a:rPr lang="en-GB" dirty="0" err="1" smtClean="0"/>
+              <a:t>jeziku</a:t>
+            </a:r>
+            <a:r>
+              <a:rPr lang="sr-Latn-CS" b="1" dirty="0">
+                <a:solidFill>
+                  <a:srgbClr val="009E47"/>
+                </a:solidFill>
+                <a:latin typeface="Courier New" panose="02070309020205020404" pitchFamily="49" charset="0"/>
+                <a:cs typeface="Courier New" panose="02070309020205020404" pitchFamily="49" charset="0"/>
+              </a:rPr>
+              <a:t/>
+            </a:r>
+            <a:br>
+              <a:rPr lang="sr-Latn-CS" b="1" dirty="0">
+                <a:solidFill>
+                  <a:srgbClr val="009E47"/>
+                </a:solidFill>
+                <a:latin typeface="Courier New" panose="02070309020205020404" pitchFamily="49" charset="0"/>
+                <a:cs typeface="Courier New" panose="02070309020205020404" pitchFamily="49" charset="0"/>
+              </a:rPr>
+            </a:br>
+            <a:r>
+              <a:rPr lang="sr-Latn-CS" altLang="en-US" sz="1600" b="1" dirty="0" smtClean="0">
+                <a:solidFill>
+                  <a:srgbClr val="009E47"/>
+                </a:solidFill>
+                <a:latin typeface="Courier New" panose="02070309020205020404" pitchFamily="49" charset="0"/>
+                <a:cs typeface="Courier New" panose="02070309020205020404" pitchFamily="49" charset="0"/>
+              </a:rPr>
+              <a:t>&lt;link </a:t>
+            </a:r>
+            <a:r>
+              <a:rPr lang="sr-Latn-CS" altLang="en-US" sz="1600" b="1" dirty="0" err="1">
+                <a:solidFill>
+                  <a:srgbClr val="009E47"/>
+                </a:solidFill>
+                <a:latin typeface="Courier New" panose="02070309020205020404" pitchFamily="49" charset="0"/>
+                <a:cs typeface="Courier New" panose="02070309020205020404" pitchFamily="49" charset="0"/>
+              </a:rPr>
+              <a:t>rel</a:t>
+            </a:r>
+            <a:r>
+              <a:rPr lang="sr-Latn-CS" altLang="en-US" sz="1600" b="1" dirty="0">
+                <a:solidFill>
+                  <a:srgbClr val="009E47"/>
+                </a:solidFill>
+                <a:latin typeface="Courier New" panose="02070309020205020404" pitchFamily="49" charset="0"/>
+                <a:cs typeface="Courier New" panose="02070309020205020404" pitchFamily="49" charset="0"/>
+              </a:rPr>
+              <a:t>="</a:t>
+            </a:r>
+            <a:r>
+              <a:rPr lang="sr-Latn-CS" altLang="en-US" sz="1600" b="1" dirty="0" err="1">
+                <a:solidFill>
+                  <a:srgbClr val="009E47"/>
+                </a:solidFill>
+                <a:latin typeface="Courier New" panose="02070309020205020404" pitchFamily="49" charset="0"/>
+                <a:cs typeface="Courier New" panose="02070309020205020404" pitchFamily="49" charset="0"/>
+              </a:rPr>
+              <a:t>alternate</a:t>
+            </a:r>
+            <a:r>
+              <a:rPr lang="sr-Latn-CS" altLang="en-US" sz="1600" b="1" dirty="0">
+                <a:solidFill>
+                  <a:srgbClr val="009E47"/>
+                </a:solidFill>
+                <a:latin typeface="Courier New" panose="02070309020205020404" pitchFamily="49" charset="0"/>
+                <a:cs typeface="Courier New" panose="02070309020205020404" pitchFamily="49" charset="0"/>
+              </a:rPr>
+              <a:t>" </a:t>
+            </a:r>
+            <a:r>
+              <a:rPr lang="sr-Latn-CS" altLang="en-US" sz="1600" b="1" dirty="0" err="1">
+                <a:solidFill>
+                  <a:srgbClr val="009E47"/>
+                </a:solidFill>
+                <a:latin typeface="Courier New" panose="02070309020205020404" pitchFamily="49" charset="0"/>
+                <a:cs typeface="Courier New" panose="02070309020205020404" pitchFamily="49" charset="0"/>
+              </a:rPr>
+              <a:t>href</a:t>
+            </a:r>
+            <a:r>
+              <a:rPr lang="sr-Latn-CS" altLang="en-US" sz="1600" b="1" dirty="0">
+                <a:solidFill>
+                  <a:srgbClr val="009E47"/>
+                </a:solidFill>
+                <a:latin typeface="Courier New" panose="02070309020205020404" pitchFamily="49" charset="0"/>
+                <a:cs typeface="Courier New" panose="02070309020205020404" pitchFamily="49" charset="0"/>
+              </a:rPr>
+              <a:t>="</a:t>
+            </a:r>
+            <a:r>
+              <a:rPr lang="sr-Latn-CS" altLang="en-US" sz="1600" b="1" dirty="0" err="1">
+                <a:solidFill>
+                  <a:srgbClr val="009E47"/>
+                </a:solidFill>
+                <a:latin typeface="Courier New" panose="02070309020205020404" pitchFamily="49" charset="0"/>
+                <a:cs typeface="Courier New" panose="02070309020205020404" pitchFamily="49" charset="0"/>
+              </a:rPr>
+              <a:t>page.pdf</a:t>
+            </a:r>
+            <a:r>
+              <a:rPr lang="sr-Latn-CS" altLang="en-US" sz="1600" b="1" dirty="0">
+                <a:solidFill>
+                  <a:srgbClr val="009E47"/>
+                </a:solidFill>
+                <a:latin typeface="Courier New" panose="02070309020205020404" pitchFamily="49" charset="0"/>
+                <a:cs typeface="Courier New" panose="02070309020205020404" pitchFamily="49" charset="0"/>
+              </a:rPr>
+              <a:t>" </a:t>
+            </a:r>
+            <a:r>
+              <a:rPr lang="sr-Latn-CS" altLang="en-US" sz="1600" b="1" dirty="0" smtClean="0">
+                <a:solidFill>
+                  <a:srgbClr val="009E47"/>
+                </a:solidFill>
+                <a:latin typeface="Courier New" panose="02070309020205020404" pitchFamily="49" charset="0"/>
+                <a:cs typeface="Courier New" panose="02070309020205020404" pitchFamily="49" charset="0"/>
+              </a:rPr>
+              <a:t>    	 	</a:t>
+            </a:r>
+            <a:r>
+              <a:rPr lang="sr-Latn-CS" altLang="en-US" sz="1600" b="1" dirty="0" err="1" smtClean="0">
+                <a:solidFill>
+                  <a:srgbClr val="009E47"/>
+                </a:solidFill>
+                <a:latin typeface="Courier New" panose="02070309020205020404" pitchFamily="49" charset="0"/>
+                <a:cs typeface="Courier New" panose="02070309020205020404" pitchFamily="49" charset="0"/>
+              </a:rPr>
+              <a:t>type</a:t>
+            </a:r>
+            <a:r>
+              <a:rPr lang="sr-Latn-CS" altLang="en-US" sz="1600" b="1" dirty="0">
+                <a:solidFill>
+                  <a:srgbClr val="009E47"/>
+                </a:solidFill>
+                <a:latin typeface="Courier New" panose="02070309020205020404" pitchFamily="49" charset="0"/>
+                <a:cs typeface="Courier New" panose="02070309020205020404" pitchFamily="49" charset="0"/>
+              </a:rPr>
+              <a:t>="</a:t>
+            </a:r>
+            <a:r>
+              <a:rPr lang="sr-Latn-CS" altLang="en-US" sz="1600" b="1" dirty="0" err="1" smtClean="0">
+                <a:solidFill>
+                  <a:srgbClr val="009E47"/>
+                </a:solidFill>
+                <a:latin typeface="Courier New" panose="02070309020205020404" pitchFamily="49" charset="0"/>
+                <a:cs typeface="Courier New" panose="02070309020205020404" pitchFamily="49" charset="0"/>
+              </a:rPr>
+              <a:t>application</a:t>
+            </a:r>
+            <a:r>
+              <a:rPr lang="sr-Latn-CS" altLang="en-US" sz="1600" b="1" dirty="0" smtClean="0">
+                <a:solidFill>
+                  <a:srgbClr val="009E47"/>
+                </a:solidFill>
+                <a:latin typeface="Courier New" panose="02070309020205020404" pitchFamily="49" charset="0"/>
+                <a:cs typeface="Courier New" panose="02070309020205020404" pitchFamily="49" charset="0"/>
+              </a:rPr>
+              <a:t>/</a:t>
+            </a:r>
+            <a:r>
+              <a:rPr lang="sr-Latn-CS" altLang="en-US" sz="1600" b="1" dirty="0" err="1" smtClean="0">
+                <a:solidFill>
+                  <a:srgbClr val="009E47"/>
+                </a:solidFill>
+                <a:latin typeface="Courier New" panose="02070309020205020404" pitchFamily="49" charset="0"/>
+                <a:cs typeface="Courier New" panose="02070309020205020404" pitchFamily="49" charset="0"/>
+              </a:rPr>
+              <a:t>pdf</a:t>
+            </a:r>
+            <a:r>
+              <a:rPr lang="sr-Latn-CS" altLang="en-US" sz="1600" b="1" dirty="0" smtClean="0">
+                <a:solidFill>
+                  <a:srgbClr val="009E47"/>
+                </a:solidFill>
+                <a:latin typeface="Courier New" panose="02070309020205020404" pitchFamily="49" charset="0"/>
+                <a:cs typeface="Courier New" panose="02070309020205020404" pitchFamily="49" charset="0"/>
+              </a:rPr>
+              <a:t>" </a:t>
+            </a:r>
+            <a:r>
+              <a:rPr lang="sr-Latn-CS" altLang="en-US" sz="1600" b="1" dirty="0" err="1" smtClean="0">
+                <a:solidFill>
+                  <a:srgbClr val="009E47"/>
+                </a:solidFill>
+                <a:latin typeface="Courier New" panose="02070309020205020404" pitchFamily="49" charset="0"/>
+                <a:cs typeface="Courier New" panose="02070309020205020404" pitchFamily="49" charset="0"/>
+              </a:rPr>
+              <a:t>title</a:t>
+            </a:r>
+            <a:r>
+              <a:rPr lang="sr-Latn-CS" altLang="en-US" sz="1600" b="1" dirty="0">
+                <a:solidFill>
+                  <a:srgbClr val="009E47"/>
+                </a:solidFill>
+                <a:latin typeface="Courier New" panose="02070309020205020404" pitchFamily="49" charset="0"/>
+                <a:cs typeface="Courier New" panose="02070309020205020404" pitchFamily="49" charset="0"/>
+              </a:rPr>
+              <a:t>="PDF verzija" </a:t>
+            </a:r>
+            <a:r>
+              <a:rPr lang="sr-Latn-CS" altLang="en-US" sz="1600" b="1" dirty="0" smtClean="0">
+                <a:solidFill>
+                  <a:srgbClr val="009E47"/>
+                </a:solidFill>
+                <a:latin typeface="Courier New" panose="02070309020205020404" pitchFamily="49" charset="0"/>
+                <a:cs typeface="Courier New" panose="02070309020205020404" pitchFamily="49" charset="0"/>
+              </a:rPr>
+              <a:t>/&gt;</a:t>
+            </a:r>
+            <a:br>
+              <a:rPr lang="sr-Latn-CS" altLang="en-US" sz="1600" b="1" dirty="0" smtClean="0">
+                <a:solidFill>
+                  <a:srgbClr val="009E47"/>
+                </a:solidFill>
+                <a:latin typeface="Courier New" panose="02070309020205020404" pitchFamily="49" charset="0"/>
+                <a:cs typeface="Courier New" panose="02070309020205020404" pitchFamily="49" charset="0"/>
+              </a:rPr>
+            </a:br>
+            <a:r>
+              <a:rPr lang="sr-Latn-CS" altLang="en-US" sz="1600" b="1" dirty="0" smtClean="0">
+                <a:solidFill>
+                  <a:srgbClr val="009E47"/>
+                </a:solidFill>
+                <a:latin typeface="Courier New" panose="02070309020205020404" pitchFamily="49" charset="0"/>
+                <a:cs typeface="Courier New" panose="02070309020205020404" pitchFamily="49" charset="0"/>
+              </a:rPr>
+              <a:t>&lt;</a:t>
+            </a:r>
+            <a:r>
+              <a:rPr lang="sr-Latn-CS" altLang="en-US" sz="1600" b="1" dirty="0">
+                <a:solidFill>
+                  <a:srgbClr val="009E47"/>
+                </a:solidFill>
+                <a:latin typeface="Courier New" panose="02070309020205020404" pitchFamily="49" charset="0"/>
+                <a:cs typeface="Courier New" panose="02070309020205020404" pitchFamily="49" charset="0"/>
+              </a:rPr>
+              <a:t>link </a:t>
+            </a:r>
+            <a:r>
+              <a:rPr lang="sr-Latn-CS" altLang="en-US" sz="1600" b="1" dirty="0" err="1">
+                <a:solidFill>
+                  <a:srgbClr val="009E47"/>
+                </a:solidFill>
+                <a:latin typeface="Courier New" panose="02070309020205020404" pitchFamily="49" charset="0"/>
+                <a:cs typeface="Courier New" panose="02070309020205020404" pitchFamily="49" charset="0"/>
+              </a:rPr>
+              <a:t>rel</a:t>
+            </a:r>
+            <a:r>
+              <a:rPr lang="sr-Latn-CS" altLang="en-US" sz="1600" b="1" dirty="0">
+                <a:solidFill>
+                  <a:srgbClr val="009E47"/>
+                </a:solidFill>
+                <a:latin typeface="Courier New" panose="02070309020205020404" pitchFamily="49" charset="0"/>
+                <a:cs typeface="Courier New" panose="02070309020205020404" pitchFamily="49" charset="0"/>
+              </a:rPr>
+              <a:t>="</a:t>
+            </a:r>
+            <a:r>
+              <a:rPr lang="sr-Latn-CS" altLang="en-US" sz="1600" b="1" dirty="0" err="1">
+                <a:solidFill>
+                  <a:srgbClr val="009E47"/>
+                </a:solidFill>
+                <a:latin typeface="Courier New" panose="02070309020205020404" pitchFamily="49" charset="0"/>
+                <a:cs typeface="Courier New" panose="02070309020205020404" pitchFamily="49" charset="0"/>
+              </a:rPr>
+              <a:t>alternate</a:t>
+            </a:r>
+            <a:r>
+              <a:rPr lang="sr-Latn-CS" altLang="en-US" sz="1600" b="1" dirty="0">
+                <a:solidFill>
+                  <a:srgbClr val="009E47"/>
+                </a:solidFill>
+                <a:latin typeface="Courier New" panose="02070309020205020404" pitchFamily="49" charset="0"/>
+                <a:cs typeface="Courier New" panose="02070309020205020404" pitchFamily="49" charset="0"/>
+              </a:rPr>
+              <a:t>" </a:t>
+            </a:r>
+            <a:r>
+              <a:rPr lang="sr-Latn-CS" altLang="en-US" sz="1600" b="1" dirty="0" err="1">
+                <a:solidFill>
+                  <a:srgbClr val="009E47"/>
+                </a:solidFill>
+                <a:latin typeface="Courier New" panose="02070309020205020404" pitchFamily="49" charset="0"/>
+                <a:cs typeface="Courier New" panose="02070309020205020404" pitchFamily="49" charset="0"/>
+              </a:rPr>
+              <a:t>href</a:t>
+            </a:r>
+            <a:r>
+              <a:rPr lang="sr-Latn-CS" altLang="en-US" sz="1600" b="1" dirty="0">
+                <a:solidFill>
+                  <a:srgbClr val="009E47"/>
+                </a:solidFill>
+                <a:latin typeface="Courier New" panose="02070309020205020404" pitchFamily="49" charset="0"/>
+                <a:cs typeface="Courier New" panose="02070309020205020404" pitchFamily="49" charset="0"/>
+              </a:rPr>
+              <a:t>="</a:t>
+            </a:r>
+            <a:r>
+              <a:rPr lang="sr-Latn-CS" altLang="en-US" sz="1600" b="1" dirty="0" err="1">
+                <a:solidFill>
+                  <a:srgbClr val="009E47"/>
+                </a:solidFill>
+                <a:latin typeface="Courier New" panose="02070309020205020404" pitchFamily="49" charset="0"/>
+                <a:cs typeface="Courier New" panose="02070309020205020404" pitchFamily="49" charset="0"/>
+              </a:rPr>
+              <a:t>page</a:t>
+            </a:r>
+            <a:r>
+              <a:rPr lang="sr-Latn-CS" altLang="en-US" sz="1600" b="1" dirty="0">
+                <a:solidFill>
+                  <a:srgbClr val="009E47"/>
+                </a:solidFill>
+                <a:latin typeface="Courier New" panose="02070309020205020404" pitchFamily="49" charset="0"/>
+                <a:cs typeface="Courier New" panose="02070309020205020404" pitchFamily="49" charset="0"/>
+              </a:rPr>
+              <a:t>-</a:t>
+            </a:r>
+            <a:r>
+              <a:rPr lang="sr-Latn-CS" altLang="en-US" sz="1600" b="1" dirty="0" err="1">
+                <a:solidFill>
+                  <a:srgbClr val="009E47"/>
+                </a:solidFill>
+                <a:latin typeface="Courier New" panose="02070309020205020404" pitchFamily="49" charset="0"/>
+                <a:cs typeface="Courier New" panose="02070309020205020404" pitchFamily="49" charset="0"/>
+              </a:rPr>
+              <a:t>en.html</a:t>
+            </a:r>
+            <a:r>
+              <a:rPr lang="sr-Latn-CS" altLang="en-US" sz="1600" b="1" dirty="0">
+                <a:solidFill>
+                  <a:srgbClr val="009E47"/>
+                </a:solidFill>
+                <a:latin typeface="Courier New" panose="02070309020205020404" pitchFamily="49" charset="0"/>
+                <a:cs typeface="Courier New" panose="02070309020205020404" pitchFamily="49" charset="0"/>
+              </a:rPr>
+              <a:t>" </a:t>
+            </a:r>
+            <a:r>
+              <a:rPr lang="sr-Latn-CS" altLang="en-US" sz="1600" b="1" dirty="0" err="1">
+                <a:solidFill>
+                  <a:srgbClr val="009E47"/>
+                </a:solidFill>
+                <a:latin typeface="Courier New" panose="02070309020205020404" pitchFamily="49" charset="0"/>
+                <a:cs typeface="Courier New" panose="02070309020205020404" pitchFamily="49" charset="0"/>
+              </a:rPr>
+              <a:t>type</a:t>
+            </a:r>
+            <a:r>
+              <a:rPr lang="sr-Latn-CS" altLang="en-US" sz="1600" b="1" dirty="0">
+                <a:solidFill>
+                  <a:srgbClr val="009E47"/>
+                </a:solidFill>
+                <a:latin typeface="Courier New" panose="02070309020205020404" pitchFamily="49" charset="0"/>
+                <a:cs typeface="Courier New" panose="02070309020205020404" pitchFamily="49" charset="0"/>
+              </a:rPr>
+              <a:t>="</a:t>
+            </a:r>
+            <a:r>
+              <a:rPr lang="sr-Latn-CS" altLang="en-US" sz="1600" b="1" dirty="0" err="1" smtClean="0">
+                <a:solidFill>
+                  <a:srgbClr val="009E47"/>
+                </a:solidFill>
+                <a:latin typeface="Courier New" panose="02070309020205020404" pitchFamily="49" charset="0"/>
+                <a:cs typeface="Courier New" panose="02070309020205020404" pitchFamily="49" charset="0"/>
+              </a:rPr>
+              <a:t>text</a:t>
+            </a:r>
+            <a:r>
+              <a:rPr lang="sr-Latn-CS" altLang="en-US" sz="1600" b="1" dirty="0" smtClean="0">
+                <a:solidFill>
+                  <a:srgbClr val="009E47"/>
+                </a:solidFill>
+                <a:latin typeface="Courier New" panose="02070309020205020404" pitchFamily="49" charset="0"/>
+                <a:cs typeface="Courier New" panose="02070309020205020404" pitchFamily="49" charset="0"/>
+              </a:rPr>
+              <a:t>/html"</a:t>
+            </a:r>
+            <a:br>
+              <a:rPr lang="sr-Latn-CS" altLang="en-US" sz="1600" b="1" dirty="0" smtClean="0">
+                <a:solidFill>
+                  <a:srgbClr val="009E47"/>
+                </a:solidFill>
+                <a:latin typeface="Courier New" panose="02070309020205020404" pitchFamily="49" charset="0"/>
+                <a:cs typeface="Courier New" panose="02070309020205020404" pitchFamily="49" charset="0"/>
+              </a:rPr>
+            </a:br>
+            <a:r>
+              <a:rPr lang="sr-Latn-CS" altLang="en-US" sz="1600" b="1" dirty="0" smtClean="0">
+                <a:solidFill>
+                  <a:srgbClr val="009E47"/>
+                </a:solidFill>
+                <a:latin typeface="Courier New" panose="02070309020205020404" pitchFamily="49" charset="0"/>
+                <a:cs typeface="Courier New" panose="02070309020205020404" pitchFamily="49" charset="0"/>
+              </a:rPr>
+              <a:t>      </a:t>
+            </a:r>
+            <a:r>
+              <a:rPr lang="sr-Latn-CS" altLang="en-US" sz="1600" b="1" dirty="0" err="1" smtClean="0">
+                <a:solidFill>
+                  <a:srgbClr val="009E47"/>
+                </a:solidFill>
+                <a:latin typeface="Courier New" panose="02070309020205020404" pitchFamily="49" charset="0"/>
+                <a:cs typeface="Courier New" panose="02070309020205020404" pitchFamily="49" charset="0"/>
+              </a:rPr>
+              <a:t>hreflang</a:t>
+            </a:r>
+            <a:r>
+              <a:rPr lang="sr-Latn-CS" altLang="en-US" sz="1600" b="1" dirty="0">
+                <a:solidFill>
+                  <a:srgbClr val="009E47"/>
+                </a:solidFill>
+                <a:latin typeface="Courier New" panose="02070309020205020404" pitchFamily="49" charset="0"/>
+                <a:cs typeface="Courier New" panose="02070309020205020404" pitchFamily="49" charset="0"/>
+              </a:rPr>
+              <a:t>="</a:t>
+            </a:r>
+            <a:r>
+              <a:rPr lang="sr-Latn-CS" altLang="en-US" sz="1600" b="1" dirty="0" err="1">
+                <a:solidFill>
+                  <a:srgbClr val="009E47"/>
+                </a:solidFill>
+                <a:latin typeface="Courier New" panose="02070309020205020404" pitchFamily="49" charset="0"/>
+                <a:cs typeface="Courier New" panose="02070309020205020404" pitchFamily="49" charset="0"/>
+              </a:rPr>
+              <a:t>en</a:t>
+            </a:r>
+            <a:r>
+              <a:rPr lang="sr-Latn-CS" altLang="en-US" sz="1600" b="1" dirty="0">
+                <a:solidFill>
+                  <a:srgbClr val="009E47"/>
+                </a:solidFill>
+                <a:latin typeface="Courier New" panose="02070309020205020404" pitchFamily="49" charset="0"/>
+                <a:cs typeface="Courier New" panose="02070309020205020404" pitchFamily="49" charset="0"/>
+              </a:rPr>
+              <a:t>" </a:t>
+            </a:r>
+            <a:r>
+              <a:rPr lang="sr-Latn-CS" altLang="en-US" sz="1600" b="1" dirty="0" err="1">
+                <a:solidFill>
+                  <a:srgbClr val="009E47"/>
+                </a:solidFill>
+                <a:latin typeface="Courier New" panose="02070309020205020404" pitchFamily="49" charset="0"/>
+                <a:cs typeface="Courier New" panose="02070309020205020404" pitchFamily="49" charset="0"/>
+              </a:rPr>
+              <a:t>title</a:t>
+            </a:r>
+            <a:r>
+              <a:rPr lang="sr-Latn-CS" altLang="en-US" sz="1600" b="1" dirty="0">
+                <a:solidFill>
+                  <a:srgbClr val="009E47"/>
+                </a:solidFill>
+                <a:latin typeface="Courier New" panose="02070309020205020404" pitchFamily="49" charset="0"/>
+                <a:cs typeface="Courier New" panose="02070309020205020404" pitchFamily="49" charset="0"/>
+              </a:rPr>
+              <a:t>="Verzija na engleskom jeziku" /&gt;</a:t>
+            </a:r>
+            <a:endParaRPr lang="sr-Latn-RS" sz="1600" b="1" dirty="0">
+              <a:solidFill>
+                <a:srgbClr val="009E47"/>
+              </a:solidFill>
+              <a:latin typeface="Courier New" panose="02070309020205020404" pitchFamily="49" charset="0"/>
+              <a:cs typeface="Courier New" panose="02070309020205020404" pitchFamily="49" charset="0"/>
+            </a:endParaRPr>
+          </a:p>
+        </p:txBody>
+      </p:sp>
+    </p:spTree>
+    <p:extLst>
+      <p:ext uri="{BB962C8B-B14F-4D97-AF65-F5344CB8AC3E}">
+        <p14:creationId xmlns:p14="http://schemas.microsoft.com/office/powerpoint/2010/main" val="3994481705"/>
+      </p:ext>
+    </p:extLst>
+  </p:cSld>
+  <p:clrMapOvr>
+    <a:masterClrMapping/>
+  </p:clrMapOvr>
+  <p:timing>
+    <p:tnLst>
+      <p:par>
+        <p:cTn id="1" dur="indefinite" restart="never" nodeType="tmRoot"/>
+      </p:par>
+    </p:tnLst>
+  </p:timing>
+</p:sld>
+</file>
+
+<file path=ppt/slides/slide16.xml><?xml version="1.0" encoding="utf-8"?>
+<p:sld xmlns:a="http://schemas.openxmlformats.org/drawingml/2006/main" xmlns:r="http://schemas.openxmlformats.org/officeDocument/2006/relationships" xmlns:p="http://schemas.openxmlformats.org/presentationml/2006/main">
+  <p:cSld>
+    <p:spTree>
+      <p:nvGrpSpPr>
+        <p:cNvPr id="1" name=""/>
+        <p:cNvGrpSpPr/>
+        <p:nvPr/>
+      </p:nvGrpSpPr>
+      <p:grpSpPr>
+        <a:xfrm>
+          <a:off x="0" y="0"/>
+          <a:ext cx="0" cy="0"/>
+          <a:chOff x="0" y="0"/>
+          <a:chExt cx="0" cy="0"/>
+        </a:xfrm>
+      </p:grpSpPr>
+      <p:sp>
+        <p:nvSpPr>
+          <p:cNvPr id="92162" name="Rectangle 2"/>
+          <p:cNvSpPr>
+            <a:spLocks noGrp="1" noChangeArrowheads="1"/>
+          </p:cNvSpPr>
+          <p:nvPr>
+            <p:ph type="title"/>
+          </p:nvPr>
+        </p:nvSpPr>
+        <p:spPr>
+          <a:xfrm>
+            <a:off x="1403648" y="549275"/>
+            <a:ext cx="7283152" cy="868363"/>
+          </a:xfrm>
+        </p:spPr>
+        <p:txBody>
+          <a:bodyPr/>
+          <a:lstStyle/>
+          <a:p>
+            <a:r>
+              <a:rPr lang="sr-Latn-RS" dirty="0"/>
+              <a:t>Celine u telu </a:t>
+            </a:r>
+            <a:r>
+              <a:rPr lang="sr-Latn-RS" dirty="0" smtClean="0"/>
+              <a:t>veb strane</a:t>
+            </a:r>
+            <a:endParaRPr lang="sr-Latn-RS" dirty="0"/>
+          </a:p>
+        </p:txBody>
+      </p:sp>
+      <p:sp>
+        <p:nvSpPr>
+          <p:cNvPr id="92163" name="Rectangle 3"/>
+          <p:cNvSpPr>
+            <a:spLocks noGrp="1" noChangeArrowheads="1"/>
+          </p:cNvSpPr>
+          <p:nvPr>
+            <p:ph idx="1"/>
+          </p:nvPr>
+        </p:nvSpPr>
+        <p:spPr>
+          <a:xfrm>
+            <a:off x="457200" y="1484784"/>
+            <a:ext cx="8579296" cy="5373216"/>
+          </a:xfrm>
+        </p:spPr>
+        <p:txBody>
+          <a:bodyPr/>
+          <a:lstStyle/>
+          <a:p>
+            <a:pPr lvl="1">
+              <a:spcBef>
+                <a:spcPts val="1200"/>
+              </a:spcBef>
+            </a:pPr>
+            <a:r>
+              <a:rPr lang="en-GB" dirty="0" err="1"/>
+              <a:t>Veb</a:t>
+            </a:r>
+            <a:r>
+              <a:rPr lang="en-GB" dirty="0"/>
+              <a:t> </a:t>
+            </a:r>
+            <a:r>
+              <a:rPr lang="en-GB" dirty="0" err="1"/>
+              <a:t>strana</a:t>
+            </a:r>
+            <a:r>
+              <a:rPr lang="en-GB" dirty="0"/>
+              <a:t> se </a:t>
+            </a:r>
+            <a:r>
+              <a:rPr lang="en-GB" dirty="0" err="1" smtClean="0"/>
+              <a:t>mo</a:t>
+            </a:r>
+            <a:r>
+              <a:rPr lang="sr-Latn-RS" dirty="0"/>
+              <a:t>ž</a:t>
+            </a:r>
+            <a:r>
+              <a:rPr lang="en-GB" dirty="0" smtClean="0"/>
+              <a:t>e </a:t>
+            </a:r>
+            <a:r>
+              <a:rPr lang="en-GB" dirty="0" err="1"/>
+              <a:t>podeliti</a:t>
+            </a:r>
+            <a:r>
+              <a:rPr lang="en-GB" dirty="0"/>
+              <a:t> </a:t>
+            </a:r>
+            <a:r>
+              <a:rPr lang="en-GB" dirty="0" err="1"/>
+              <a:t>na</a:t>
+            </a:r>
+            <a:r>
+              <a:rPr lang="en-GB" dirty="0"/>
+              <a:t> </a:t>
+            </a:r>
+            <a:r>
+              <a:rPr lang="en-GB" dirty="0" err="1"/>
+              <a:t>manje</a:t>
+            </a:r>
+            <a:r>
+              <a:rPr lang="en-GB" dirty="0"/>
+              <a:t> </a:t>
+            </a:r>
+            <a:r>
+              <a:rPr lang="en-GB" dirty="0" err="1" smtClean="0"/>
+              <a:t>logi</a:t>
+            </a:r>
+            <a:r>
+              <a:rPr lang="sr-Latn-RS" dirty="0"/>
+              <a:t>č</a:t>
+            </a:r>
+            <a:r>
+              <a:rPr lang="en-GB" dirty="0" err="1" smtClean="0"/>
+              <a:t>ke</a:t>
+            </a:r>
+            <a:r>
+              <a:rPr lang="en-GB" dirty="0" smtClean="0"/>
+              <a:t> </a:t>
+            </a:r>
+            <a:r>
+              <a:rPr lang="en-GB" dirty="0" err="1" smtClean="0"/>
+              <a:t>celine</a:t>
+            </a:r>
+            <a:endParaRPr lang="pl-PL" dirty="0" smtClean="0"/>
+          </a:p>
+          <a:p>
+            <a:pPr lvl="1">
+              <a:spcBef>
+                <a:spcPts val="1200"/>
+              </a:spcBef>
+            </a:pPr>
+            <a:r>
+              <a:rPr lang="pl-PL" dirty="0" err="1" smtClean="0"/>
+              <a:t>Podržano</a:t>
+            </a:r>
+            <a:r>
+              <a:rPr lang="pl-PL" dirty="0" smtClean="0"/>
+              <a:t> </a:t>
+            </a:r>
+            <a:r>
+              <a:rPr lang="pl-PL" dirty="0"/>
+              <a:t>je </a:t>
+            </a:r>
+            <a:r>
+              <a:rPr lang="pl-PL" dirty="0" err="1"/>
+              <a:t>nekoliko</a:t>
+            </a:r>
+            <a:r>
+              <a:rPr lang="pl-PL" dirty="0"/>
+              <a:t> </a:t>
+            </a:r>
+            <a:r>
+              <a:rPr lang="pl-PL" dirty="0" err="1"/>
+              <a:t>elemenata</a:t>
+            </a:r>
+            <a:r>
+              <a:rPr lang="pl-PL" dirty="0"/>
+              <a:t> za </a:t>
+            </a:r>
+            <a:r>
+              <a:rPr lang="pl-PL" dirty="0" err="1"/>
+              <a:t>podelu</a:t>
+            </a:r>
+            <a:r>
+              <a:rPr lang="pl-PL" dirty="0"/>
+              <a:t> </a:t>
+            </a:r>
+            <a:r>
+              <a:rPr lang="pl-PL" dirty="0" err="1"/>
+              <a:t>strane</a:t>
+            </a:r>
+            <a:r>
+              <a:rPr lang="pl-PL" dirty="0"/>
+              <a:t> na </a:t>
+            </a:r>
+            <a:r>
+              <a:rPr lang="pl-PL" dirty="0" err="1"/>
+              <a:t>celine</a:t>
+            </a:r>
+            <a:r>
+              <a:rPr lang="pl-PL" dirty="0" smtClean="0"/>
+              <a:t>:</a:t>
+            </a:r>
+          </a:p>
+          <a:p>
+            <a:pPr lvl="2">
+              <a:spcBef>
+                <a:spcPts val="1200"/>
+              </a:spcBef>
+            </a:pPr>
+            <a:r>
+              <a:rPr lang="pl-PL" dirty="0" err="1">
+                <a:solidFill>
+                  <a:srgbClr val="6767FF"/>
+                </a:solidFill>
+              </a:rPr>
+              <a:t>main</a:t>
+            </a:r>
+            <a:r>
+              <a:rPr lang="pl-PL" dirty="0">
+                <a:solidFill>
+                  <a:srgbClr val="6767FF"/>
+                </a:solidFill>
+              </a:rPr>
+              <a:t> </a:t>
+            </a:r>
+            <a:r>
+              <a:rPr lang="pl-PL" dirty="0" smtClean="0"/>
+              <a:t>- centralni </a:t>
+            </a:r>
+            <a:r>
+              <a:rPr lang="pl-PL" dirty="0" err="1" smtClean="0"/>
+              <a:t>sadr</a:t>
+            </a:r>
+            <a:r>
+              <a:rPr lang="pl-PL" dirty="0" err="1"/>
+              <a:t>ž</a:t>
+            </a:r>
+            <a:r>
+              <a:rPr lang="pl-PL" dirty="0" err="1" smtClean="0"/>
+              <a:t>aj</a:t>
+            </a:r>
+            <a:r>
+              <a:rPr lang="pl-PL" dirty="0" smtClean="0"/>
+              <a:t> </a:t>
+            </a:r>
+            <a:r>
+              <a:rPr lang="pl-PL" dirty="0" err="1"/>
+              <a:t>veb</a:t>
+            </a:r>
+            <a:r>
+              <a:rPr lang="pl-PL" dirty="0"/>
+              <a:t> </a:t>
+            </a:r>
+            <a:r>
+              <a:rPr lang="pl-PL" dirty="0" err="1"/>
+              <a:t>strane</a:t>
+            </a:r>
+            <a:r>
+              <a:rPr lang="pl-PL" dirty="0"/>
+              <a:t>, </a:t>
+            </a:r>
+            <a:r>
+              <a:rPr lang="pl-PL" dirty="0" err="1"/>
+              <a:t>jedinstven</a:t>
+            </a:r>
+            <a:r>
+              <a:rPr lang="pl-PL" dirty="0"/>
+              <a:t> u </a:t>
+            </a:r>
+            <a:r>
+              <a:rPr lang="pl-PL" dirty="0" err="1"/>
+              <a:t>okviru</a:t>
+            </a:r>
+            <a:r>
+              <a:rPr lang="pl-PL" dirty="0"/>
+              <a:t> </a:t>
+            </a:r>
+            <a:r>
+              <a:rPr lang="pl-PL" dirty="0" err="1" smtClean="0"/>
+              <a:t>veb</a:t>
+            </a:r>
+            <a:r>
+              <a:rPr lang="pl-PL" dirty="0" smtClean="0"/>
+              <a:t> </a:t>
+            </a:r>
+            <a:r>
+              <a:rPr lang="pl-PL" dirty="0" err="1" smtClean="0"/>
+              <a:t>sajta</a:t>
+            </a:r>
+            <a:r>
+              <a:rPr lang="pl-PL" dirty="0" smtClean="0"/>
+              <a:t>, </a:t>
+            </a:r>
+            <a:r>
+              <a:rPr lang="pl-PL" dirty="0" err="1" smtClean="0"/>
+              <a:t>svaka</a:t>
+            </a:r>
+            <a:r>
+              <a:rPr lang="pl-PL" dirty="0" smtClean="0"/>
+              <a:t> </a:t>
+            </a:r>
+            <a:r>
+              <a:rPr lang="pl-PL" dirty="0" err="1"/>
+              <a:t>veb</a:t>
+            </a:r>
+            <a:r>
+              <a:rPr lang="pl-PL" dirty="0"/>
+              <a:t> </a:t>
+            </a:r>
+            <a:r>
+              <a:rPr lang="pl-PL" dirty="0" err="1"/>
+              <a:t>strana</a:t>
+            </a:r>
+            <a:r>
+              <a:rPr lang="pl-PL" dirty="0"/>
+              <a:t> </a:t>
+            </a:r>
+            <a:r>
+              <a:rPr lang="pl-PL" dirty="0" err="1" smtClean="0"/>
+              <a:t>sadr</a:t>
+            </a:r>
+            <a:r>
+              <a:rPr lang="pl-PL" dirty="0" err="1"/>
+              <a:t>ž</a:t>
+            </a:r>
+            <a:r>
+              <a:rPr lang="pl-PL" dirty="0" err="1" smtClean="0"/>
+              <a:t>i</a:t>
+            </a:r>
+            <a:r>
+              <a:rPr lang="pl-PL" dirty="0" smtClean="0"/>
+              <a:t> </a:t>
+            </a:r>
+            <a:r>
+              <a:rPr lang="pl-PL" dirty="0" err="1" smtClean="0"/>
+              <a:t>najvi</a:t>
+            </a:r>
+            <a:r>
+              <a:rPr lang="pl-PL" dirty="0" err="1"/>
+              <a:t>š</a:t>
+            </a:r>
+            <a:r>
+              <a:rPr lang="pl-PL" dirty="0" err="1" smtClean="0"/>
+              <a:t>e</a:t>
+            </a:r>
+            <a:r>
+              <a:rPr lang="pl-PL" dirty="0" smtClean="0"/>
+              <a:t> </a:t>
+            </a:r>
+            <a:r>
+              <a:rPr lang="pl-PL" dirty="0" err="1"/>
+              <a:t>jedan</a:t>
+            </a:r>
+            <a:r>
+              <a:rPr lang="pl-PL" dirty="0"/>
+              <a:t> </a:t>
+            </a:r>
+            <a:r>
+              <a:rPr lang="pl-PL" dirty="0" err="1"/>
+              <a:t>takav</a:t>
+            </a:r>
+            <a:r>
+              <a:rPr lang="pl-PL" dirty="0"/>
+              <a:t> element</a:t>
+            </a:r>
+          </a:p>
+          <a:p>
+            <a:pPr lvl="2">
+              <a:spcBef>
+                <a:spcPts val="1200"/>
+              </a:spcBef>
+            </a:pPr>
+            <a:r>
+              <a:rPr lang="pl-PL" dirty="0" err="1">
+                <a:solidFill>
+                  <a:srgbClr val="6767FF"/>
+                </a:solidFill>
+              </a:rPr>
+              <a:t>header</a:t>
+            </a:r>
+            <a:r>
+              <a:rPr lang="pl-PL" dirty="0">
+                <a:solidFill>
+                  <a:srgbClr val="6767FF"/>
+                </a:solidFill>
+              </a:rPr>
+              <a:t> </a:t>
+            </a:r>
+            <a:r>
+              <a:rPr lang="pl-PL" dirty="0" smtClean="0"/>
+              <a:t>- </a:t>
+            </a:r>
+            <a:r>
+              <a:rPr lang="pl-PL" dirty="0" err="1"/>
+              <a:t>zaglavlje</a:t>
+            </a:r>
+            <a:r>
+              <a:rPr lang="pl-PL" dirty="0"/>
+              <a:t> </a:t>
+            </a:r>
+            <a:r>
+              <a:rPr lang="pl-PL" dirty="0" err="1"/>
+              <a:t>veb</a:t>
+            </a:r>
+            <a:r>
+              <a:rPr lang="pl-PL" dirty="0"/>
+              <a:t> </a:t>
+            </a:r>
+            <a:r>
+              <a:rPr lang="pl-PL" dirty="0" err="1"/>
+              <a:t>strane</a:t>
+            </a:r>
+            <a:r>
+              <a:rPr lang="pl-PL" dirty="0"/>
+              <a:t> </a:t>
+            </a:r>
+            <a:r>
+              <a:rPr lang="pl-PL" dirty="0" err="1"/>
+              <a:t>ili</a:t>
+            </a:r>
+            <a:r>
+              <a:rPr lang="pl-PL" dirty="0"/>
+              <a:t> </a:t>
+            </a:r>
+            <a:r>
+              <a:rPr lang="pl-PL" dirty="0" err="1"/>
+              <a:t>neke</a:t>
+            </a:r>
+            <a:r>
+              <a:rPr lang="pl-PL" dirty="0"/>
+              <a:t> </a:t>
+            </a:r>
+            <a:r>
+              <a:rPr lang="pl-PL" dirty="0" err="1"/>
+              <a:t>manje</a:t>
+            </a:r>
+            <a:r>
+              <a:rPr lang="pl-PL" dirty="0"/>
+              <a:t> </a:t>
+            </a:r>
+            <a:r>
+              <a:rPr lang="pl-PL" dirty="0" err="1"/>
+              <a:t>sekcije</a:t>
+            </a:r>
+            <a:r>
+              <a:rPr lang="pl-PL" dirty="0"/>
+              <a:t>: </a:t>
+            </a:r>
+            <a:r>
+              <a:rPr lang="pl-PL" dirty="0" err="1"/>
+              <a:t>naslov</a:t>
+            </a:r>
+            <a:r>
+              <a:rPr lang="pl-PL" dirty="0"/>
+              <a:t>, </a:t>
+            </a:r>
+            <a:r>
+              <a:rPr lang="pl-PL" dirty="0" err="1"/>
+              <a:t>logotip</a:t>
+            </a:r>
+            <a:r>
+              <a:rPr lang="pl-PL" dirty="0" smtClean="0"/>
+              <a:t>, i </a:t>
+            </a:r>
+            <a:r>
+              <a:rPr lang="pl-PL" dirty="0" err="1" smtClean="0"/>
+              <a:t>sl</a:t>
+            </a:r>
+            <a:r>
+              <a:rPr lang="pl-PL" dirty="0" smtClean="0"/>
+              <a:t>.</a:t>
+            </a:r>
+            <a:endParaRPr lang="pl-PL" dirty="0"/>
+          </a:p>
+          <a:p>
+            <a:pPr lvl="2">
+              <a:spcBef>
+                <a:spcPts val="1200"/>
+              </a:spcBef>
+            </a:pPr>
+            <a:r>
+              <a:rPr lang="pl-PL" dirty="0" err="1">
+                <a:solidFill>
+                  <a:srgbClr val="6767FF"/>
+                </a:solidFill>
+              </a:rPr>
+              <a:t>footer</a:t>
+            </a:r>
+            <a:r>
+              <a:rPr lang="pl-PL" dirty="0">
+                <a:solidFill>
+                  <a:srgbClr val="6767FF"/>
+                </a:solidFill>
+              </a:rPr>
+              <a:t> </a:t>
+            </a:r>
+            <a:r>
+              <a:rPr lang="pl-PL" dirty="0" smtClean="0"/>
+              <a:t>- </a:t>
+            </a:r>
+            <a:r>
+              <a:rPr lang="pl-PL" dirty="0" err="1" smtClean="0"/>
+              <a:t>podnožje</a:t>
+            </a:r>
+            <a:r>
+              <a:rPr lang="pl-PL" dirty="0" smtClean="0"/>
+              <a:t> </a:t>
+            </a:r>
+            <a:r>
+              <a:rPr lang="pl-PL" dirty="0" err="1"/>
+              <a:t>veb</a:t>
+            </a:r>
+            <a:r>
+              <a:rPr lang="pl-PL" dirty="0"/>
+              <a:t> </a:t>
+            </a:r>
+            <a:r>
+              <a:rPr lang="pl-PL" dirty="0" err="1"/>
+              <a:t>strane</a:t>
+            </a:r>
+            <a:r>
+              <a:rPr lang="pl-PL" dirty="0"/>
+              <a:t> </a:t>
+            </a:r>
+            <a:r>
+              <a:rPr lang="pl-PL" dirty="0" err="1"/>
+              <a:t>ili</a:t>
+            </a:r>
+            <a:r>
+              <a:rPr lang="pl-PL" dirty="0"/>
+              <a:t> </a:t>
+            </a:r>
+            <a:r>
+              <a:rPr lang="pl-PL" dirty="0" err="1"/>
+              <a:t>neke</a:t>
+            </a:r>
+            <a:r>
+              <a:rPr lang="pl-PL" dirty="0"/>
+              <a:t> </a:t>
+            </a:r>
+            <a:r>
+              <a:rPr lang="pl-PL" dirty="0" err="1"/>
+              <a:t>manje</a:t>
+            </a:r>
+            <a:r>
+              <a:rPr lang="pl-PL" dirty="0"/>
+              <a:t> </a:t>
+            </a:r>
+            <a:r>
+              <a:rPr lang="pl-PL" dirty="0" err="1"/>
+              <a:t>sekcije</a:t>
+            </a:r>
+            <a:r>
+              <a:rPr lang="pl-PL" dirty="0"/>
+              <a:t>: autor, copyright</a:t>
+            </a:r>
+            <a:r>
+              <a:rPr lang="pl-PL" dirty="0" smtClean="0"/>
+              <a:t>, i </a:t>
+            </a:r>
+            <a:r>
+              <a:rPr lang="pl-PL" dirty="0" err="1" smtClean="0"/>
+              <a:t>sl</a:t>
+            </a:r>
+            <a:r>
+              <a:rPr lang="pl-PL" dirty="0" smtClean="0"/>
+              <a:t>.</a:t>
+            </a:r>
+            <a:endParaRPr lang="pl-PL" dirty="0"/>
+          </a:p>
+          <a:p>
+            <a:pPr lvl="2">
+              <a:spcBef>
+                <a:spcPts val="1200"/>
+              </a:spcBef>
+            </a:pPr>
+            <a:r>
+              <a:rPr lang="pl-PL" dirty="0" err="1">
+                <a:solidFill>
+                  <a:srgbClr val="6767FF"/>
+                </a:solidFill>
+              </a:rPr>
+              <a:t>nav</a:t>
+            </a:r>
+            <a:r>
+              <a:rPr lang="pl-PL" dirty="0">
+                <a:solidFill>
+                  <a:srgbClr val="6767FF"/>
+                </a:solidFill>
+              </a:rPr>
+              <a:t> </a:t>
+            </a:r>
+            <a:r>
+              <a:rPr lang="pl-PL" dirty="0" smtClean="0"/>
+              <a:t>- </a:t>
+            </a:r>
+            <a:r>
+              <a:rPr lang="pl-PL" dirty="0" err="1"/>
+              <a:t>grupisane</a:t>
+            </a:r>
+            <a:r>
+              <a:rPr lang="pl-PL" dirty="0"/>
+              <a:t> </a:t>
+            </a:r>
+            <a:r>
+              <a:rPr lang="pl-PL" dirty="0" err="1"/>
+              <a:t>veze</a:t>
+            </a:r>
+            <a:r>
+              <a:rPr lang="pl-PL" dirty="0"/>
+              <a:t> ka </a:t>
+            </a:r>
+            <a:r>
+              <a:rPr lang="pl-PL" dirty="0" err="1" smtClean="0"/>
+              <a:t>veb</a:t>
+            </a:r>
+            <a:r>
+              <a:rPr lang="pl-PL" dirty="0" smtClean="0"/>
+              <a:t> </a:t>
+            </a:r>
+            <a:r>
+              <a:rPr lang="pl-PL" dirty="0" err="1" smtClean="0"/>
+              <a:t>stranama</a:t>
+            </a:r>
+            <a:r>
+              <a:rPr lang="pl-PL" dirty="0" smtClean="0"/>
+              <a:t> </a:t>
+            </a:r>
+            <a:br>
+              <a:rPr lang="pl-PL" dirty="0" smtClean="0"/>
+            </a:br>
+            <a:r>
+              <a:rPr lang="pl-PL" dirty="0" smtClean="0"/>
+              <a:t>u </a:t>
+            </a:r>
+            <a:r>
+              <a:rPr lang="pl-PL" dirty="0" err="1"/>
+              <a:t>okviru</a:t>
+            </a:r>
+            <a:r>
+              <a:rPr lang="pl-PL" dirty="0"/>
+              <a:t> </a:t>
+            </a:r>
+            <a:r>
+              <a:rPr lang="pl-PL" dirty="0" err="1"/>
+              <a:t>istog</a:t>
+            </a:r>
+            <a:r>
+              <a:rPr lang="pl-PL" dirty="0"/>
+              <a:t> </a:t>
+            </a:r>
+            <a:r>
+              <a:rPr lang="pl-PL" dirty="0" err="1" smtClean="0"/>
+              <a:t>veb</a:t>
+            </a:r>
+            <a:r>
+              <a:rPr lang="pl-PL" dirty="0" smtClean="0"/>
+              <a:t> </a:t>
+            </a:r>
+            <a:r>
+              <a:rPr lang="pl-PL" dirty="0" err="1" smtClean="0"/>
+              <a:t>sajta</a:t>
+            </a:r>
+            <a:r>
+              <a:rPr lang="pl-PL" dirty="0" smtClean="0"/>
+              <a:t> </a:t>
+            </a:r>
+            <a:r>
+              <a:rPr lang="pl-PL" dirty="0" err="1"/>
+              <a:t>ili</a:t>
+            </a:r>
+            <a:r>
+              <a:rPr lang="pl-PL" dirty="0"/>
+              <a:t> </a:t>
+            </a:r>
+            <a:r>
+              <a:rPr lang="pl-PL" dirty="0" smtClean="0"/>
+              <a:t>ka </a:t>
+            </a:r>
+            <a:r>
+              <a:rPr lang="pl-PL" dirty="0" err="1" smtClean="0"/>
+              <a:t>sadržaju</a:t>
+            </a:r>
+            <a:r>
+              <a:rPr lang="pl-PL" dirty="0" smtClean="0"/>
+              <a:t> </a:t>
+            </a:r>
+            <a:br>
+              <a:rPr lang="pl-PL" dirty="0" smtClean="0"/>
+            </a:br>
+            <a:r>
+              <a:rPr lang="pl-PL" dirty="0" err="1" smtClean="0"/>
+              <a:t>unutar</a:t>
+            </a:r>
+            <a:r>
+              <a:rPr lang="pl-PL" dirty="0" smtClean="0"/>
+              <a:t> </a:t>
+            </a:r>
+            <a:r>
+              <a:rPr lang="pl-PL" dirty="0" err="1"/>
+              <a:t>iste</a:t>
+            </a:r>
+            <a:r>
+              <a:rPr lang="pl-PL" dirty="0"/>
+              <a:t> </a:t>
+            </a:r>
+            <a:r>
+              <a:rPr lang="pl-PL" dirty="0" err="1" smtClean="0"/>
+              <a:t>veb</a:t>
+            </a:r>
+            <a:r>
+              <a:rPr lang="pl-PL" dirty="0" smtClean="0"/>
+              <a:t> </a:t>
+            </a:r>
+            <a:r>
+              <a:rPr lang="pl-PL" dirty="0" err="1" smtClean="0"/>
+              <a:t>strane</a:t>
+            </a:r>
+            <a:endParaRPr lang="pl-PL" dirty="0"/>
+          </a:p>
+          <a:p>
+            <a:pPr lvl="2">
+              <a:spcBef>
+                <a:spcPts val="1200"/>
+              </a:spcBef>
+            </a:pPr>
+            <a:r>
+              <a:rPr lang="pl-PL" dirty="0" err="1">
+                <a:solidFill>
+                  <a:srgbClr val="6767FF"/>
+                </a:solidFill>
+              </a:rPr>
+              <a:t>aside</a:t>
+            </a:r>
+            <a:r>
+              <a:rPr lang="pl-PL" dirty="0">
+                <a:solidFill>
+                  <a:srgbClr val="6767FF"/>
+                </a:solidFill>
+              </a:rPr>
+              <a:t> </a:t>
+            </a:r>
+            <a:r>
+              <a:rPr lang="pl-PL" dirty="0" smtClean="0"/>
+              <a:t>- </a:t>
+            </a:r>
+            <a:r>
+              <a:rPr lang="pl-PL" dirty="0" err="1" smtClean="0"/>
+              <a:t>sporedni</a:t>
+            </a:r>
+            <a:r>
+              <a:rPr lang="pl-PL" dirty="0" smtClean="0"/>
+              <a:t> </a:t>
+            </a:r>
+            <a:r>
+              <a:rPr lang="pl-PL" dirty="0" err="1"/>
+              <a:t>deo</a:t>
+            </a:r>
+            <a:r>
+              <a:rPr lang="pl-PL" dirty="0"/>
+              <a:t> </a:t>
+            </a:r>
+            <a:r>
+              <a:rPr lang="pl-PL" dirty="0" err="1" smtClean="0"/>
+              <a:t>sadr</a:t>
+            </a:r>
+            <a:r>
+              <a:rPr lang="pl-PL" dirty="0" err="1"/>
+              <a:t>ž</a:t>
+            </a:r>
+            <a:r>
+              <a:rPr lang="pl-PL" dirty="0" err="1" smtClean="0"/>
+              <a:t>aja</a:t>
+            </a:r>
+            <a:r>
+              <a:rPr lang="pl-PL" dirty="0" smtClean="0"/>
+              <a:t> </a:t>
+            </a:r>
+            <a:r>
+              <a:rPr lang="pl-PL" dirty="0" err="1" smtClean="0"/>
+              <a:t>veb</a:t>
+            </a:r>
+            <a:r>
+              <a:rPr lang="pl-PL" dirty="0" smtClean="0"/>
+              <a:t> </a:t>
+            </a:r>
+            <a:br>
+              <a:rPr lang="pl-PL" dirty="0" smtClean="0"/>
+            </a:br>
+            <a:r>
+              <a:rPr lang="pl-PL" dirty="0" err="1" smtClean="0"/>
+              <a:t>strane</a:t>
+            </a:r>
+            <a:endParaRPr lang="pl-PL" dirty="0" smtClean="0"/>
+          </a:p>
+          <a:p>
+            <a:pPr lvl="2">
+              <a:spcBef>
+                <a:spcPts val="1200"/>
+              </a:spcBef>
+            </a:pPr>
+            <a:endParaRPr lang="sr-Latn-RS" sz="1400" b="1" dirty="0">
+              <a:solidFill>
+                <a:srgbClr val="009E47"/>
+              </a:solidFill>
+              <a:latin typeface="Courier New" panose="02070309020205020404" pitchFamily="49" charset="0"/>
+              <a:cs typeface="Courier New" panose="02070309020205020404" pitchFamily="49" charset="0"/>
+            </a:endParaRPr>
+          </a:p>
+        </p:txBody>
+      </p:sp>
+      <p:pic>
+        <p:nvPicPr>
+          <p:cNvPr id="2050" name="Picture 2"/>
+          <p:cNvPicPr>
+            <a:picLocks noChangeAspect="1" noChangeArrowheads="1"/>
+          </p:cNvPicPr>
+          <p:nvPr/>
+        </p:nvPicPr>
+        <p:blipFill rotWithShape="1">
+          <a:blip r:embed="rId2">
+            <a:extLst>
+              <a:ext uri="{28A0092B-C50C-407E-A947-70E740481C1C}">
+                <a14:useLocalDpi xmlns:a14="http://schemas.microsoft.com/office/drawing/2010/main" val="0"/>
+              </a:ext>
+            </a:extLst>
+          </a:blip>
+          <a:srcRect t="4280" r="2979" b="10394"/>
+          <a:stretch/>
+        </p:blipFill>
+        <p:spPr bwMode="auto">
+          <a:xfrm>
+            <a:off x="5652120" y="4091063"/>
+            <a:ext cx="3448412" cy="2434281"/>
+          </a:xfrm>
+          <a:prstGeom prst="rect">
+            <a:avLst/>
+          </a:prstGeom>
+          <a:noFill/>
+          <a:ln>
+            <a:noFill/>
+          </a:ln>
+          <a:extLst>
+            <a:ext uri="{909E8E84-426E-40DD-AFC4-6F175D3DCCD1}">
+              <a14:hiddenFill xmlns:a14="http://schemas.microsoft.com/office/drawing/2010/main">
+                <a:solidFill>
+                  <a:schemeClr val="accent1"/>
+                </a:solidFill>
+              </a14:hiddenFill>
+            </a:ext>
+            <a:ext uri="{91240B29-F687-4F45-9708-019B960494DF}">
+              <a14:hiddenLine xmlns:a14="http://schemas.microsoft.com/office/drawing/2010/main" w="9525">
+                <a:solidFill>
+                  <a:schemeClr val="tx1"/>
+                </a:solidFill>
+                <a:miter lim="800000"/>
+                <a:headEnd/>
+                <a:tailEnd/>
+              </a14:hiddenLine>
+            </a:ext>
+          </a:extLst>
+        </p:spPr>
+      </p:pic>
+    </p:spTree>
+    <p:extLst>
+      <p:ext uri="{BB962C8B-B14F-4D97-AF65-F5344CB8AC3E}">
+        <p14:creationId xmlns:p14="http://schemas.microsoft.com/office/powerpoint/2010/main" val="1412931633"/>
+      </p:ext>
+    </p:extLst>
+  </p:cSld>
+  <p:clrMapOvr>
+    <a:masterClrMapping/>
+  </p:clrMapOvr>
+  <p:timing>
+    <p:tnLst>
+      <p:par>
+        <p:cTn id="1" dur="indefinite" restart="never" nodeType="tmRoot"/>
+      </p:par>
+    </p:tnLst>
+  </p:timing>
+</p:sld>
+</file>
+
+<file path=ppt/slides/slide17.xml><?xml version="1.0" encoding="utf-8"?>
+<p:sld xmlns:a="http://schemas.openxmlformats.org/drawingml/2006/main" xmlns:r="http://schemas.openxmlformats.org/officeDocument/2006/relationships" xmlns:p="http://schemas.openxmlformats.org/presentationml/2006/main">
+  <p:cSld>
+    <p:spTree>
+      <p:nvGrpSpPr>
+        <p:cNvPr id="1" name=""/>
+        <p:cNvGrpSpPr/>
+        <p:nvPr/>
+      </p:nvGrpSpPr>
+      <p:grpSpPr>
+        <a:xfrm>
+          <a:off x="0" y="0"/>
+          <a:ext cx="0" cy="0"/>
+          <a:chOff x="0" y="0"/>
+          <a:chExt cx="0" cy="0"/>
+        </a:xfrm>
+      </p:grpSpPr>
+      <p:sp>
+        <p:nvSpPr>
+          <p:cNvPr id="92162" name="Rectangle 2"/>
+          <p:cNvSpPr>
+            <a:spLocks noGrp="1" noChangeArrowheads="1"/>
+          </p:cNvSpPr>
+          <p:nvPr>
+            <p:ph type="title"/>
+          </p:nvPr>
+        </p:nvSpPr>
+        <p:spPr>
+          <a:xfrm>
+            <a:off x="1403648" y="549275"/>
+            <a:ext cx="7283152" cy="868363"/>
+          </a:xfrm>
+        </p:spPr>
+        <p:txBody>
+          <a:bodyPr/>
+          <a:lstStyle/>
+          <a:p>
+            <a:r>
+              <a:rPr lang="en-US" dirty="0" err="1"/>
+              <a:t>Elementi</a:t>
+            </a:r>
+            <a:r>
+              <a:rPr lang="en-US" dirty="0"/>
+              <a:t> </a:t>
+            </a:r>
+            <a:r>
+              <a:rPr lang="pt-BR" dirty="0"/>
+              <a:t>h1, h2, h3, h4, h5 </a:t>
+            </a:r>
+            <a:r>
+              <a:rPr lang="sr-Cyrl-RS" dirty="0"/>
+              <a:t>и</a:t>
+            </a:r>
+            <a:r>
+              <a:rPr lang="pt-BR" dirty="0" smtClean="0"/>
+              <a:t> </a:t>
+            </a:r>
+            <a:r>
+              <a:rPr lang="pt-BR" dirty="0"/>
+              <a:t>h6</a:t>
+            </a:r>
+            <a:endParaRPr lang="sr-Latn-RS" dirty="0"/>
+          </a:p>
+        </p:txBody>
+      </p:sp>
+      <p:sp>
+        <p:nvSpPr>
+          <p:cNvPr id="92163" name="Rectangle 3"/>
+          <p:cNvSpPr>
+            <a:spLocks noGrp="1" noChangeArrowheads="1"/>
+          </p:cNvSpPr>
+          <p:nvPr>
+            <p:ph idx="1"/>
+          </p:nvPr>
+        </p:nvSpPr>
+        <p:spPr>
+          <a:xfrm>
+            <a:off x="457200" y="1484784"/>
+            <a:ext cx="8579296" cy="5373216"/>
+          </a:xfrm>
+        </p:spPr>
+        <p:txBody>
+          <a:bodyPr/>
+          <a:lstStyle/>
+          <a:p>
+            <a:pPr lvl="1">
+              <a:spcBef>
+                <a:spcPts val="1200"/>
+              </a:spcBef>
+            </a:pPr>
+            <a:r>
+              <a:rPr lang="en-GB" dirty="0" err="1"/>
+              <a:t>Postoji</a:t>
+            </a:r>
+            <a:r>
+              <a:rPr lang="en-GB" dirty="0"/>
+              <a:t> </a:t>
+            </a:r>
+            <a:r>
+              <a:rPr lang="en-GB" dirty="0" err="1" smtClean="0"/>
+              <a:t>podr</a:t>
+            </a:r>
+            <a:r>
+              <a:rPr lang="sr-Cyrl-RS" dirty="0"/>
+              <a:t>ш</a:t>
+            </a:r>
+            <a:r>
+              <a:rPr lang="en-GB" dirty="0" err="1" smtClean="0"/>
+              <a:t>ka</a:t>
+            </a:r>
+            <a:r>
+              <a:rPr lang="en-GB" dirty="0" smtClean="0"/>
+              <a:t> </a:t>
+            </a:r>
+            <a:r>
+              <a:rPr lang="en-GB" dirty="0" err="1"/>
+              <a:t>za</a:t>
+            </a:r>
+            <a:r>
+              <a:rPr lang="en-GB" dirty="0"/>
+              <a:t> </a:t>
+            </a:r>
+            <a:r>
+              <a:rPr lang="en-GB" dirty="0" err="1"/>
+              <a:t>hijerarhiju</a:t>
+            </a:r>
+            <a:r>
+              <a:rPr lang="en-GB" dirty="0"/>
+              <a:t> </a:t>
+            </a:r>
+            <a:r>
+              <a:rPr lang="en-GB" dirty="0" err="1"/>
+              <a:t>naslova</a:t>
+            </a:r>
+            <a:r>
+              <a:rPr lang="en-GB" dirty="0"/>
+              <a:t> </a:t>
+            </a:r>
+            <a:r>
+              <a:rPr lang="en-GB" dirty="0" err="1"/>
+              <a:t>i</a:t>
+            </a:r>
+            <a:r>
+              <a:rPr lang="en-GB" dirty="0"/>
+              <a:t> </a:t>
+            </a:r>
+            <a:r>
+              <a:rPr lang="en-GB" dirty="0" err="1"/>
+              <a:t>podnaslova</a:t>
+            </a:r>
+            <a:endParaRPr lang="en-GB" dirty="0"/>
+          </a:p>
+          <a:p>
+            <a:pPr lvl="1">
+              <a:spcBef>
+                <a:spcPts val="1200"/>
+              </a:spcBef>
+            </a:pPr>
+            <a:r>
+              <a:rPr lang="en-GB" dirty="0" err="1"/>
+              <a:t>Naslovi</a:t>
+            </a:r>
+            <a:r>
+              <a:rPr lang="en-GB" dirty="0"/>
+              <a:t> se </a:t>
+            </a:r>
+            <a:r>
+              <a:rPr lang="en-GB" dirty="0" err="1"/>
+              <a:t>prikazuju</a:t>
+            </a:r>
+            <a:r>
+              <a:rPr lang="en-GB" dirty="0"/>
+              <a:t> </a:t>
+            </a:r>
+            <a:r>
+              <a:rPr lang="en-GB" dirty="0" err="1"/>
+              <a:t>na</a:t>
+            </a:r>
+            <a:r>
+              <a:rPr lang="en-GB" dirty="0"/>
+              <a:t> </a:t>
+            </a:r>
+            <a:r>
+              <a:rPr lang="en-GB" dirty="0" err="1"/>
+              <a:t>samoj</a:t>
+            </a:r>
+            <a:r>
+              <a:rPr lang="en-GB" dirty="0"/>
+              <a:t> </a:t>
+            </a:r>
+            <a:r>
+              <a:rPr lang="en-GB" dirty="0" err="1" smtClean="0"/>
+              <a:t>veb</a:t>
+            </a:r>
+            <a:r>
+              <a:rPr lang="sr-Cyrl-RS" dirty="0" smtClean="0"/>
+              <a:t> </a:t>
+            </a:r>
+            <a:r>
+              <a:rPr lang="en-GB" dirty="0" err="1" smtClean="0"/>
+              <a:t>strani</a:t>
+            </a:r>
+            <a:endParaRPr lang="en-GB" dirty="0"/>
+          </a:p>
+          <a:p>
+            <a:pPr lvl="1">
+              <a:spcBef>
+                <a:spcPts val="1200"/>
+              </a:spcBef>
+            </a:pPr>
+            <a:r>
+              <a:rPr lang="en-GB" dirty="0" err="1"/>
+              <a:t>Elementi</a:t>
+            </a:r>
+            <a:r>
+              <a:rPr lang="en-GB" dirty="0"/>
+              <a:t> </a:t>
+            </a:r>
+            <a:r>
+              <a:rPr lang="en-GB" dirty="0">
+                <a:solidFill>
+                  <a:srgbClr val="6767FF"/>
+                </a:solidFill>
+              </a:rPr>
+              <a:t>h1</a:t>
+            </a:r>
+            <a:r>
+              <a:rPr lang="en-GB" dirty="0"/>
+              <a:t>, </a:t>
+            </a:r>
+            <a:r>
+              <a:rPr lang="en-GB" dirty="0">
+                <a:solidFill>
+                  <a:srgbClr val="6767FF"/>
+                </a:solidFill>
+              </a:rPr>
+              <a:t>h2</a:t>
+            </a:r>
+            <a:r>
+              <a:rPr lang="en-GB" dirty="0"/>
+              <a:t>, </a:t>
+            </a:r>
+            <a:r>
+              <a:rPr lang="en-GB" dirty="0">
+                <a:solidFill>
+                  <a:srgbClr val="6767FF"/>
+                </a:solidFill>
+              </a:rPr>
+              <a:t>h3</a:t>
+            </a:r>
+            <a:r>
+              <a:rPr lang="en-GB" dirty="0"/>
+              <a:t>, </a:t>
+            </a:r>
+            <a:r>
+              <a:rPr lang="en-GB" dirty="0">
+                <a:solidFill>
+                  <a:srgbClr val="6767FF"/>
+                </a:solidFill>
+              </a:rPr>
+              <a:t>h4</a:t>
+            </a:r>
+            <a:r>
+              <a:rPr lang="en-GB" dirty="0"/>
+              <a:t>, </a:t>
+            </a:r>
+            <a:r>
+              <a:rPr lang="en-GB" dirty="0">
+                <a:solidFill>
+                  <a:srgbClr val="6767FF"/>
+                </a:solidFill>
+              </a:rPr>
+              <a:t>h5</a:t>
+            </a:r>
+            <a:r>
+              <a:rPr lang="en-GB" dirty="0"/>
+              <a:t>, </a:t>
+            </a:r>
+            <a:r>
+              <a:rPr lang="en-GB" dirty="0">
+                <a:solidFill>
+                  <a:srgbClr val="6767FF"/>
+                </a:solidFill>
+              </a:rPr>
+              <a:t>h6</a:t>
+            </a:r>
+          </a:p>
+          <a:p>
+            <a:pPr lvl="1">
+              <a:spcBef>
+                <a:spcPts val="1200"/>
+              </a:spcBef>
+            </a:pPr>
+            <a:r>
+              <a:rPr lang="en-GB" dirty="0"/>
+              <a:t>h1 </a:t>
+            </a:r>
+            <a:r>
+              <a:rPr lang="sr-Cyrl-RS" dirty="0" smtClean="0"/>
+              <a:t>-</a:t>
+            </a:r>
+            <a:r>
+              <a:rPr lang="en-GB" dirty="0" smtClean="0"/>
+              <a:t> </a:t>
+            </a:r>
+            <a:r>
+              <a:rPr lang="en-GB" dirty="0" err="1"/>
+              <a:t>naslov</a:t>
+            </a:r>
+            <a:r>
+              <a:rPr lang="en-GB" dirty="0"/>
+              <a:t> </a:t>
+            </a:r>
+            <a:r>
+              <a:rPr lang="en-GB" dirty="0" err="1" smtClean="0"/>
+              <a:t>najvi</a:t>
+            </a:r>
+            <a:r>
+              <a:rPr lang="sr-Latn-RS" dirty="0" err="1" smtClean="0"/>
+              <a:t>še</a:t>
+            </a:r>
+            <a:r>
+              <a:rPr lang="en-GB" dirty="0" err="1" smtClean="0"/>
+              <a:t>eg</a:t>
+            </a:r>
+            <a:r>
+              <a:rPr lang="en-GB" dirty="0" smtClean="0"/>
+              <a:t> </a:t>
+            </a:r>
+            <a:r>
+              <a:rPr lang="en-GB" dirty="0" err="1"/>
+              <a:t>ranga</a:t>
+            </a:r>
+            <a:r>
+              <a:rPr lang="en-GB" dirty="0"/>
+              <a:t>, </a:t>
+            </a:r>
+            <a:r>
+              <a:rPr lang="en-GB" dirty="0" smtClean="0"/>
+              <a:t>h6</a:t>
+            </a:r>
+            <a:r>
+              <a:rPr lang="sr-Cyrl-RS" dirty="0" smtClean="0"/>
+              <a:t> -</a:t>
+            </a:r>
+            <a:r>
+              <a:rPr lang="en-GB" dirty="0" smtClean="0"/>
+              <a:t> </a:t>
+            </a:r>
+            <a:r>
+              <a:rPr lang="en-GB" dirty="0" err="1"/>
+              <a:t>naslov</a:t>
+            </a:r>
+            <a:r>
+              <a:rPr lang="en-GB" dirty="0"/>
+              <a:t> </a:t>
+            </a:r>
+            <a:r>
+              <a:rPr lang="en-GB" dirty="0" err="1" smtClean="0"/>
+              <a:t>najni</a:t>
+            </a:r>
+            <a:r>
+              <a:rPr lang="sr-Latn-RS" dirty="0"/>
+              <a:t>ž</a:t>
+            </a:r>
+            <a:r>
+              <a:rPr lang="en-GB" dirty="0" err="1" smtClean="0"/>
+              <a:t>eg</a:t>
+            </a:r>
+            <a:r>
+              <a:rPr lang="en-GB" dirty="0" smtClean="0"/>
+              <a:t> </a:t>
+            </a:r>
+            <a:r>
+              <a:rPr lang="en-GB" dirty="0" err="1" smtClean="0"/>
+              <a:t>ranga</a:t>
+            </a:r>
+            <a:endParaRPr lang="sr-Latn-RS" dirty="0" smtClean="0"/>
+          </a:p>
+          <a:p>
+            <a:pPr lvl="1">
+              <a:spcBef>
+                <a:spcPts val="1200"/>
+              </a:spcBef>
+            </a:pPr>
+            <a:endParaRPr lang="sr-Latn-RS" sz="1600" b="1" dirty="0">
+              <a:solidFill>
+                <a:srgbClr val="009E47"/>
+              </a:solidFill>
+              <a:latin typeface="Courier New" panose="02070309020205020404" pitchFamily="49" charset="0"/>
+              <a:cs typeface="Courier New" panose="02070309020205020404" pitchFamily="49" charset="0"/>
+            </a:endParaRPr>
+          </a:p>
+          <a:p>
+            <a:pPr marL="457200" lvl="1" indent="0">
+              <a:spcBef>
+                <a:spcPts val="1200"/>
+              </a:spcBef>
+              <a:buNone/>
+            </a:pPr>
+            <a:r>
+              <a:rPr lang="sr-Latn-RS" sz="1600" b="1" dirty="0">
+                <a:solidFill>
+                  <a:srgbClr val="009E47"/>
+                </a:solidFill>
+                <a:latin typeface="Courier New" panose="02070309020205020404" pitchFamily="49" charset="0"/>
+                <a:cs typeface="Courier New" panose="02070309020205020404" pitchFamily="49" charset="0"/>
+              </a:rPr>
+              <a:t>&lt;</a:t>
+            </a:r>
+            <a:r>
+              <a:rPr lang="sr-Latn-RS" sz="1600" b="1" dirty="0" err="1">
+                <a:solidFill>
+                  <a:srgbClr val="009E47"/>
+                </a:solidFill>
+                <a:latin typeface="Courier New" panose="02070309020205020404" pitchFamily="49" charset="0"/>
+                <a:cs typeface="Courier New" panose="02070309020205020404" pitchFamily="49" charset="0"/>
+              </a:rPr>
+              <a:t>body</a:t>
+            </a:r>
+            <a:r>
+              <a:rPr lang="sr-Latn-RS" sz="1600" b="1" dirty="0">
+                <a:solidFill>
+                  <a:srgbClr val="009E47"/>
+                </a:solidFill>
+                <a:latin typeface="Courier New" panose="02070309020205020404" pitchFamily="49" charset="0"/>
+                <a:cs typeface="Courier New" panose="02070309020205020404" pitchFamily="49" charset="0"/>
+              </a:rPr>
+              <a:t>&gt;</a:t>
+            </a:r>
+          </a:p>
+          <a:p>
+            <a:pPr marL="457200" lvl="1" indent="0">
+              <a:spcBef>
+                <a:spcPts val="1200"/>
+              </a:spcBef>
+              <a:buNone/>
+            </a:pPr>
+            <a:r>
+              <a:rPr lang="sr-Latn-RS" sz="1600" b="1" dirty="0">
+                <a:solidFill>
+                  <a:srgbClr val="009E47"/>
+                </a:solidFill>
+                <a:latin typeface="Courier New" panose="02070309020205020404" pitchFamily="49" charset="0"/>
+                <a:cs typeface="Courier New" panose="02070309020205020404" pitchFamily="49" charset="0"/>
+              </a:rPr>
+              <a:t>    </a:t>
+            </a:r>
+            <a:r>
+              <a:rPr lang="sr-Latn-RS" sz="1600" b="1" dirty="0">
+                <a:solidFill>
+                  <a:srgbClr val="009E47"/>
+                </a:solidFill>
+                <a:latin typeface="Courier New" panose="02070309020205020404" pitchFamily="49" charset="0"/>
+                <a:cs typeface="Courier New" panose="02070309020205020404" pitchFamily="49" charset="0"/>
+              </a:rPr>
+              <a:t>&lt;h1&gt;Moje prvo zaglavlje&lt;/h1&gt;</a:t>
+            </a:r>
+          </a:p>
+          <a:p>
+            <a:pPr marL="457200" lvl="1" indent="0">
+              <a:spcBef>
+                <a:spcPts val="1200"/>
+              </a:spcBef>
+              <a:buNone/>
+            </a:pPr>
+            <a:r>
+              <a:rPr lang="sr-Latn-RS" sz="1600" b="1" dirty="0">
+                <a:solidFill>
+                  <a:srgbClr val="009E47"/>
+                </a:solidFill>
+                <a:latin typeface="Courier New" panose="02070309020205020404" pitchFamily="49" charset="0"/>
+                <a:cs typeface="Courier New" panose="02070309020205020404" pitchFamily="49" charset="0"/>
+              </a:rPr>
+              <a:t>    &lt;h2&gt;Moj drugo zaglavlje.&lt;/h2&gt;</a:t>
+            </a:r>
+          </a:p>
+          <a:p>
+            <a:pPr marL="457200" lvl="1" indent="0">
+              <a:spcBef>
+                <a:spcPts val="1200"/>
+              </a:spcBef>
+              <a:buNone/>
+            </a:pPr>
+            <a:r>
+              <a:rPr lang="sr-Latn-RS" sz="1600" b="1" dirty="0">
+                <a:solidFill>
+                  <a:srgbClr val="009E47"/>
+                </a:solidFill>
+                <a:latin typeface="Courier New" panose="02070309020205020404" pitchFamily="49" charset="0"/>
+                <a:cs typeface="Courier New" panose="02070309020205020404" pitchFamily="49" charset="0"/>
+              </a:rPr>
+              <a:t>&lt;/</a:t>
+            </a:r>
+            <a:r>
+              <a:rPr lang="sr-Latn-RS" sz="1600" b="1" dirty="0" err="1">
+                <a:solidFill>
+                  <a:srgbClr val="009E47"/>
+                </a:solidFill>
+                <a:latin typeface="Courier New" panose="02070309020205020404" pitchFamily="49" charset="0"/>
+                <a:cs typeface="Courier New" panose="02070309020205020404" pitchFamily="49" charset="0"/>
+              </a:rPr>
+              <a:t>body</a:t>
+            </a:r>
+            <a:r>
+              <a:rPr lang="sr-Latn-RS" sz="1600" b="1" dirty="0">
+                <a:solidFill>
+                  <a:srgbClr val="009E47"/>
+                </a:solidFill>
+                <a:latin typeface="Courier New" panose="02070309020205020404" pitchFamily="49" charset="0"/>
+                <a:cs typeface="Courier New" panose="02070309020205020404" pitchFamily="49" charset="0"/>
+              </a:rPr>
+              <a:t>&gt;</a:t>
+            </a:r>
+          </a:p>
+          <a:p>
+            <a:pPr marL="457200" lvl="1" indent="0">
+              <a:spcBef>
+                <a:spcPts val="1200"/>
+              </a:spcBef>
+              <a:buNone/>
+            </a:pPr>
+            <a:endParaRPr lang="sr-Latn-RS" sz="1600" b="1" dirty="0">
+              <a:solidFill>
+                <a:srgbClr val="009E47"/>
+              </a:solidFill>
+              <a:latin typeface="Courier New" panose="02070309020205020404" pitchFamily="49" charset="0"/>
+              <a:cs typeface="Courier New" panose="02070309020205020404" pitchFamily="49" charset="0"/>
+            </a:endParaRPr>
+          </a:p>
+        </p:txBody>
+      </p:sp>
+    </p:spTree>
+    <p:extLst>
+      <p:ext uri="{BB962C8B-B14F-4D97-AF65-F5344CB8AC3E}">
+        <p14:creationId xmlns:p14="http://schemas.microsoft.com/office/powerpoint/2010/main" val="3732513003"/>
+      </p:ext>
+    </p:extLst>
+  </p:cSld>
+  <p:clrMapOvr>
+    <a:masterClrMapping/>
+  </p:clrMapOvr>
+  <p:timing>
+    <p:tnLst>
+      <p:par>
+        <p:cTn id="1" dur="indefinite" restart="never" nodeType="tmRoot"/>
+      </p:par>
+    </p:tnLst>
+  </p:timing>
+</p:sld>
+</file>
+
+<file path=ppt/slides/slide18.xml><?xml version="1.0" encoding="utf-8"?>
+<p:sld xmlns:a="http://schemas.openxmlformats.org/drawingml/2006/main" xmlns:r="http://schemas.openxmlformats.org/officeDocument/2006/relationships" xmlns:p="http://schemas.openxmlformats.org/presentationml/2006/main">
+  <p:cSld>
+    <p:spTree>
+      <p:nvGrpSpPr>
+        <p:cNvPr id="1" name=""/>
+        <p:cNvGrpSpPr/>
+        <p:nvPr/>
+      </p:nvGrpSpPr>
+      <p:grpSpPr>
+        <a:xfrm>
+          <a:off x="0" y="0"/>
+          <a:ext cx="0" cy="0"/>
+          <a:chOff x="0" y="0"/>
+          <a:chExt cx="0" cy="0"/>
+        </a:xfrm>
+      </p:grpSpPr>
+      <p:sp>
+        <p:nvSpPr>
+          <p:cNvPr id="92162" name="Rectangle 2"/>
+          <p:cNvSpPr>
+            <a:spLocks noGrp="1" noChangeArrowheads="1"/>
+          </p:cNvSpPr>
+          <p:nvPr>
+            <p:ph type="title"/>
+          </p:nvPr>
+        </p:nvSpPr>
+        <p:spPr>
+          <a:xfrm>
+            <a:off x="1403648" y="549275"/>
+            <a:ext cx="7283152" cy="868363"/>
+          </a:xfrm>
+        </p:spPr>
+        <p:txBody>
+          <a:bodyPr/>
+          <a:lstStyle/>
+          <a:p>
+            <a:r>
               <a:rPr lang="en-US" altLang="en-US" dirty="0" err="1" smtClean="0">
                 <a:solidFill>
                   <a:srgbClr val="002060"/>
@@ -7109,7 +10641,7 @@
 </p:sld>
 </file>
 
-<file path=ppt/slides/slide15.xml><?xml version="1.0" encoding="utf-8"?>
+<file path=ppt/slides/slide19.xml><?xml version="1.0" encoding="utf-8"?>
 <p:sld xmlns:a="http://schemas.openxmlformats.org/drawingml/2006/main" xmlns:r="http://schemas.openxmlformats.org/officeDocument/2006/relationships" xmlns:p="http://schemas.openxmlformats.org/presentationml/2006/main">
   <p:cSld>
     <p:spTree>
@@ -7839,7 +11371,7 @@
       </p:sp>
       <p:pic>
         <p:nvPicPr>
-          <p:cNvPr id="2" name="Picture 2"/>
+          <p:cNvPr id="1026" name="Picture 2"/>
           <p:cNvPicPr>
             <a:picLocks noChangeAspect="1" noChangeArrowheads="1"/>
           </p:cNvPicPr>
@@ -7860,8 +11392,8 @@
         </p:blipFill>
         <p:spPr bwMode="auto">
           <a:xfrm>
-            <a:off x="319602" y="1916832"/>
-            <a:ext cx="8500870" cy="4203534"/>
+            <a:off x="202122" y="1772816"/>
+            <a:ext cx="8762366" cy="4869160"/>
           </a:xfrm>
           <a:prstGeom prst="rect">
             <a:avLst/>
@@ -7970,15 +11502,7 @@
                   <a:srgbClr val="002060"/>
                 </a:solidFill>
               </a:rPr>
-              <a:t> </a:t>
-            </a:r>
-            <a:r>
-              <a:rPr lang="sr-Latn-RS" altLang="en-US" dirty="0" smtClean="0">
-                <a:solidFill>
-                  <a:srgbClr val="002060"/>
-                </a:solidFill>
-              </a:rPr>
-              <a:t>(2)</a:t>
+              <a:t> (2)</a:t>
             </a:r>
             <a:endParaRPr lang="en-GB" altLang="en-US" dirty="0" smtClean="0">
               <a:solidFill>
@@ -9348,11 +12872,7 @@
             </a:r>
             <a:r>
               <a:rPr lang="sr-Latn-RS" altLang="en-US" dirty="0" smtClean="0"/>
-              <a:t> </a:t>
-            </a:r>
-            <a:r>
-              <a:rPr lang="sr-Latn-RS" altLang="en-US" dirty="0" smtClean="0"/>
-              <a:t>(</a:t>
+              <a:t> (</a:t>
             </a:r>
             <a:r>
               <a:rPr lang="sr-Latn-RS" altLang="en-US" dirty="0"/>

--- a/predavanja/prezentacije/UVIT03-01-HTML 5.pptx
+++ b/predavanja/prezentacije/UVIT03-01-HTML 5.pptx
@@ -8202,17 +8202,7 @@
                 <a:latin typeface="Courier New" panose="02070309020205020404" pitchFamily="49" charset="0"/>
                 <a:cs typeface="Courier New" panose="02070309020205020404" pitchFamily="49" charset="0"/>
               </a:rPr>
-              <a:t>&lt;</a:t>
-            </a:r>
-            <a:r>
-              <a:rPr lang="en-GB" sz="1600" b="1" dirty="0">
-                <a:solidFill>
-                  <a:srgbClr val="009E47"/>
-                </a:solidFill>
-                <a:latin typeface="Courier New" panose="02070309020205020404" pitchFamily="49" charset="0"/>
-                <a:cs typeface="Courier New" panose="02070309020205020404" pitchFamily="49" charset="0"/>
-              </a:rPr>
-              <a:t>link </a:t>
+              <a:t>&lt;link </a:t>
             </a:r>
             <a:r>
               <a:rPr lang="en-GB" sz="1600" b="1" dirty="0" err="1">
@@ -10169,17 +10159,7 @@
                 <a:latin typeface="Courier New" panose="02070309020205020404" pitchFamily="49" charset="0"/>
                 <a:cs typeface="Courier New" panose="02070309020205020404" pitchFamily="49" charset="0"/>
               </a:rPr>
-              <a:t>    </a:t>
-            </a:r>
-            <a:r>
-              <a:rPr lang="sr-Latn-RS" sz="1600" b="1" dirty="0">
-                <a:solidFill>
-                  <a:srgbClr val="009E47"/>
-                </a:solidFill>
-                <a:latin typeface="Courier New" panose="02070309020205020404" pitchFamily="49" charset="0"/>
-                <a:cs typeface="Courier New" panose="02070309020205020404" pitchFamily="49" charset="0"/>
-              </a:rPr>
-              <a:t>&lt;h1&gt;Moje prvo zaglavlje&lt;/h1&gt;</a:t>
+              <a:t>    &lt;h1&gt;Moje prvo zaglavlje&lt;/h1&gt;</a:t>
             </a:r>
           </a:p>
           <a:p>
@@ -10354,95 +10334,15 @@
               </a:spcBef>
             </a:pPr>
             <a:r>
-              <a:rPr lang="en-GB" dirty="0"/>
-              <a:t>html, head, body, </a:t>
-            </a:r>
-            <a:endParaRPr lang="en-US" dirty="0"/>
-          </a:p>
-          <a:p>
-            <a:pPr lvl="0">
-              <a:spcBef>
-                <a:spcPts val="1200"/>
-              </a:spcBef>
-            </a:pPr>
-            <a:r>
-              <a:rPr lang="en-GB" dirty="0"/>
-              <a:t>meta, title, script, style, link (</a:t>
-            </a:r>
-            <a:r>
-              <a:rPr lang="en-GB" dirty="0" err="1"/>
-              <a:t>samo</a:t>
-            </a:r>
-            <a:r>
-              <a:rPr lang="en-GB" dirty="0"/>
-              <a:t> </a:t>
-            </a:r>
-            <a:r>
-              <a:rPr lang="en-GB" dirty="0" err="1"/>
-              <a:t>za</a:t>
-            </a:r>
-            <a:r>
-              <a:rPr lang="en-GB" dirty="0"/>
-              <a:t> </a:t>
+              <a:rPr lang="en-GB" dirty="0" smtClean="0"/>
+              <a:t>p</a:t>
+            </a:r>
+            <a:r>
+              <a:rPr lang="en-GB" dirty="0"/>
+              <a:t>, </a:t>
             </a:r>
             <a:r>
               <a:rPr lang="en-GB" dirty="0" err="1" smtClean="0"/>
-              <a:t>uklju</a:t>
-            </a:r>
-            <a:r>
-              <a:rPr lang="sr-Latn-RS" dirty="0" smtClean="0"/>
-              <a:t>č</a:t>
-            </a:r>
-            <a:r>
-              <a:rPr lang="en-GB" dirty="0" err="1" smtClean="0"/>
-              <a:t>ivanje</a:t>
-            </a:r>
-            <a:r>
-              <a:rPr lang="en-GB" dirty="0" smtClean="0"/>
-              <a:t> </a:t>
-            </a:r>
-            <a:r>
-              <a:rPr lang="sr-Latn-RS" dirty="0" smtClean="0"/>
-              <a:t>kaskadnih stilova</a:t>
-            </a:r>
-            <a:r>
-              <a:rPr lang="en-GB" dirty="0" smtClean="0"/>
-              <a:t>), </a:t>
-            </a:r>
-            <a:endParaRPr lang="en-US" dirty="0"/>
-          </a:p>
-          <a:p>
-            <a:pPr lvl="0">
-              <a:spcBef>
-                <a:spcPts val="1200"/>
-              </a:spcBef>
-            </a:pPr>
-            <a:r>
-              <a:rPr lang="en-GB" dirty="0"/>
-              <a:t>header, main, footer, aside, article, section, </a:t>
-            </a:r>
-            <a:r>
-              <a:rPr lang="en-GB" dirty="0" err="1"/>
-              <a:t>nav</a:t>
-            </a:r>
-            <a:r>
-              <a:rPr lang="en-GB" dirty="0"/>
-              <a:t>, </a:t>
-            </a:r>
-            <a:endParaRPr lang="en-US" dirty="0"/>
-          </a:p>
-          <a:p>
-            <a:pPr lvl="0">
-              <a:spcBef>
-                <a:spcPts val="1200"/>
-              </a:spcBef>
-            </a:pPr>
-            <a:r>
-              <a:rPr lang="en-GB" dirty="0"/>
-              <a:t>p, h1-h6, </a:t>
-            </a:r>
-            <a:r>
-              <a:rPr lang="en-GB" dirty="0" err="1"/>
               <a:t>em</a:t>
             </a:r>
             <a:r>

--- a/predavanja/prezentacije/UVIT03-01-HTML 5.pptx
+++ b/predavanja/prezentacije/UVIT03-01-HTML 5.pptx
@@ -5,7 +5,7 @@
     <p:sldMasterId id="2147483750" r:id="rId1"/>
   </p:sldMasterIdLst>
   <p:notesMasterIdLst>
-    <p:notesMasterId r:id="rId21"/>
+    <p:notesMasterId r:id="rId23"/>
   </p:notesMasterIdLst>
   <p:sldIdLst>
     <p:sldId id="296" r:id="rId2"/>
@@ -24,9 +24,11 @@
     <p:sldId id="321" r:id="rId15"/>
     <p:sldId id="322" r:id="rId16"/>
     <p:sldId id="323" r:id="rId17"/>
-    <p:sldId id="324" r:id="rId18"/>
-    <p:sldId id="309" r:id="rId19"/>
-    <p:sldId id="307" r:id="rId20"/>
+    <p:sldId id="325" r:id="rId18"/>
+    <p:sldId id="324" r:id="rId19"/>
+    <p:sldId id="326" r:id="rId20"/>
+    <p:sldId id="309" r:id="rId21"/>
+    <p:sldId id="307" r:id="rId22"/>
   </p:sldIdLst>
   <p:sldSz cx="9144000" cy="6858000" type="screen4x3"/>
   <p:notesSz cx="6858000" cy="9144000"/>
@@ -9767,12 +9769,8 @@
               <a:t>и</a:t>
             </a:r>
             <a:r>
-              <a:rPr lang="pt-BR" dirty="0" smtClean="0"/>
-              <a:t> </a:t>
-            </a:r>
-            <a:r>
               <a:rPr lang="pt-BR" dirty="0"/>
-              <a:t>h6</a:t>
+              <a:t> h6</a:t>
             </a:r>
             <a:endParaRPr lang="sr-Latn-RS" dirty="0"/>
           </a:p>
@@ -10238,7 +10236,7 @@
     </p:spTree>
     <p:extLst>
       <p:ext uri="{BB962C8B-B14F-4D97-AF65-F5344CB8AC3E}">
-        <p14:creationId xmlns:p14="http://schemas.microsoft.com/office/powerpoint/2010/main" val="3732513003"/>
+        <p14:creationId xmlns:p14="http://schemas.microsoft.com/office/powerpoint/2010/main" val="305796899"/>
       </p:ext>
     </p:extLst>
   </p:cSld>
@@ -10293,18 +10291,22 @@
           <a:lstStyle/>
           <a:p>
             <a:r>
-              <a:rPr lang="en-US" altLang="en-US" dirty="0" err="1" smtClean="0">
-                <a:solidFill>
-                  <a:srgbClr val="002060"/>
-                </a:solidFill>
-              </a:rPr>
-              <a:t>Elementi</a:t>
-            </a:r>
-            <a:endParaRPr lang="en-GB" altLang="en-US" dirty="0" smtClean="0">
-              <a:solidFill>
-                <a:srgbClr val="002060"/>
-              </a:solidFill>
-            </a:endParaRPr>
+              <a:rPr lang="sr-Latn-RS" dirty="0"/>
+              <a:t>Elementi </a:t>
+            </a:r>
+            <a:r>
+              <a:rPr lang="sr-Latn-RS" dirty="0" err="1"/>
+              <a:t>article</a:t>
+            </a:r>
+            <a:r>
+              <a:rPr lang="sr-Latn-RS" dirty="0"/>
+              <a:t>, </a:t>
+            </a:r>
+            <a:r>
+              <a:rPr lang="sr-Latn-RS" dirty="0" err="1"/>
+              <a:t>section</a:t>
+            </a:r>
+            <a:endParaRPr lang="sr-Latn-RS" dirty="0"/>
           </a:p>
         </p:txBody>
       </p:sp>
@@ -10321,89 +10323,284 @@
         <p:spPr>
           <a:xfrm>
             <a:off x="457200" y="1484784"/>
-            <a:ext cx="8391525" cy="5257800"/>
+            <a:ext cx="8579296" cy="5373216"/>
           </a:xfrm>
         </p:spPr>
         <p:txBody>
           <a:bodyPr/>
           <a:lstStyle/>
           <a:p>
-            <a:pPr lvl="0">
+            <a:pPr lvl="1">
               <a:spcBef>
                 <a:spcPts val="1200"/>
               </a:spcBef>
             </a:pPr>
             <a:r>
+              <a:rPr lang="en-GB" dirty="0" err="1"/>
+              <a:t>Ako</a:t>
+            </a:r>
+            <a:r>
+              <a:rPr lang="en-GB" dirty="0"/>
+              <a:t> </a:t>
+            </a:r>
+            <a:r>
+              <a:rPr lang="en-GB" dirty="0" err="1" smtClean="0"/>
+              <a:t>veb</a:t>
+            </a:r>
+            <a:r>
               <a:rPr lang="en-GB" dirty="0" smtClean="0"/>
-              <a:t>p</a:t>
+              <a:t> </a:t>
+            </a:r>
+            <a:r>
+              <a:rPr lang="en-GB" dirty="0" err="1" smtClean="0"/>
+              <a:t>sajt</a:t>
+            </a:r>
+            <a:r>
+              <a:rPr lang="en-GB" dirty="0" smtClean="0"/>
+              <a:t> </a:t>
+            </a:r>
+            <a:r>
+              <a:rPr lang="en-GB" dirty="0" err="1" smtClean="0"/>
+              <a:t>sadr</a:t>
+            </a:r>
+            <a:r>
+              <a:rPr lang="sr-Latn-RS" dirty="0" smtClean="0"/>
+              <a:t>ž</a:t>
+            </a:r>
+            <a:r>
+              <a:rPr lang="en-GB" dirty="0" err="1" smtClean="0"/>
+              <a:t>i</a:t>
+            </a:r>
+            <a:r>
+              <a:rPr lang="en-GB" dirty="0" smtClean="0"/>
+              <a:t> </a:t>
+            </a:r>
+            <a:r>
+              <a:rPr lang="sr-Latn-RS" dirty="0" smtClean="0"/>
+              <a:t>mnogo </a:t>
+            </a:r>
+            <a:r>
+              <a:rPr lang="en-GB" dirty="0" err="1" smtClean="0"/>
+              <a:t>materijala</a:t>
             </a:r>
             <a:r>
               <a:rPr lang="en-GB" dirty="0"/>
               <a:t>, </a:t>
             </a:r>
             <a:r>
-              <a:rPr lang="en-GB" dirty="0" err="1" smtClean="0"/>
-              <a:t>em</a:t>
-            </a:r>
-            <a:r>
-              <a:rPr lang="en-GB" dirty="0"/>
-              <a:t>, strong, small, b, </a:t>
-            </a:r>
-            <a:r>
-              <a:rPr lang="en-GB" dirty="0" err="1"/>
-              <a:t>i</a:t>
-            </a:r>
-            <a:r>
-              <a:rPr lang="en-GB" dirty="0"/>
-              <a:t>, u, sub, sup, </a:t>
-            </a:r>
-            <a:endParaRPr lang="en-US" dirty="0"/>
-          </a:p>
-          <a:p>
-            <a:pPr lvl="0">
+              <a:rPr lang="en-GB" dirty="0" err="1"/>
+              <a:t>pogodno</a:t>
+            </a:r>
+            <a:r>
+              <a:rPr lang="en-GB" dirty="0"/>
+              <a:t> </a:t>
+            </a:r>
+            <a:r>
+              <a:rPr lang="en-GB" dirty="0" err="1"/>
+              <a:t>ga</a:t>
+            </a:r>
+            <a:r>
+              <a:rPr lang="en-GB" dirty="0"/>
+              <a:t> je </a:t>
+            </a:r>
+            <a:r>
+              <a:rPr lang="en-GB" dirty="0" err="1"/>
+              <a:t>podeliti</a:t>
+            </a:r>
+            <a:r>
+              <a:rPr lang="en-GB" dirty="0"/>
+              <a:t> </a:t>
+            </a:r>
+            <a:r>
+              <a:rPr lang="en-GB" dirty="0" err="1"/>
+              <a:t>na</a:t>
+            </a:r>
+            <a:r>
+              <a:rPr lang="en-GB" dirty="0"/>
+              <a:t> </a:t>
+            </a:r>
+            <a:r>
+              <a:rPr lang="en-GB" dirty="0" err="1">
+                <a:solidFill>
+                  <a:srgbClr val="6767FF"/>
+                </a:solidFill>
+              </a:rPr>
+              <a:t>sekcije</a:t>
+            </a:r>
+            <a:endParaRPr lang="en-GB" dirty="0">
+              <a:solidFill>
+                <a:srgbClr val="6767FF"/>
+              </a:solidFill>
+            </a:endParaRPr>
+          </a:p>
+          <a:p>
+            <a:pPr lvl="1">
               <a:spcBef>
                 <a:spcPts val="1200"/>
               </a:spcBef>
             </a:pPr>
             <a:r>
-              <a:rPr lang="en-GB" dirty="0"/>
-              <a:t>address, </a:t>
-            </a:r>
-            <a:r>
-              <a:rPr lang="en-GB" dirty="0" err="1"/>
-              <a:t>blockquote</a:t>
-            </a:r>
-            <a:r>
-              <a:rPr lang="en-GB" dirty="0"/>
-              <a:t>, q, cite, pre, code, </a:t>
-            </a:r>
-            <a:endParaRPr lang="en-US" dirty="0"/>
-          </a:p>
-          <a:p>
-            <a:pPr lvl="0">
+              <a:rPr lang="en-GB" dirty="0" err="1"/>
+              <a:t>Za</a:t>
+            </a:r>
+            <a:r>
+              <a:rPr lang="en-GB" dirty="0"/>
+              <a:t> </a:t>
+            </a:r>
+            <a:r>
+              <a:rPr lang="en-GB" dirty="0" err="1" smtClean="0"/>
+              <a:t>ozna</a:t>
+            </a:r>
+            <a:r>
+              <a:rPr lang="sr-Latn-RS" dirty="0"/>
+              <a:t>č</a:t>
+            </a:r>
+            <a:r>
+              <a:rPr lang="en-GB" dirty="0" err="1" smtClean="0"/>
+              <a:t>avanje</a:t>
+            </a:r>
+            <a:r>
+              <a:rPr lang="en-GB" dirty="0" smtClean="0"/>
+              <a:t> </a:t>
+            </a:r>
+            <a:r>
+              <a:rPr lang="en-GB" dirty="0" err="1"/>
+              <a:t>sekcije</a:t>
+            </a:r>
+            <a:r>
+              <a:rPr lang="en-GB" dirty="0"/>
+              <a:t> </a:t>
+            </a:r>
+            <a:r>
+              <a:rPr lang="en-GB" dirty="0" err="1"/>
+              <a:t>koristi</a:t>
+            </a:r>
+            <a:r>
+              <a:rPr lang="en-GB" dirty="0"/>
+              <a:t> se element </a:t>
+            </a:r>
+            <a:r>
+              <a:rPr lang="en-GB" dirty="0">
+                <a:solidFill>
+                  <a:srgbClr val="009E47"/>
+                </a:solidFill>
+              </a:rPr>
+              <a:t>section</a:t>
+            </a:r>
+          </a:p>
+          <a:p>
+            <a:pPr lvl="1">
               <a:spcBef>
                 <a:spcPts val="1200"/>
               </a:spcBef>
             </a:pPr>
             <a:r>
               <a:rPr lang="en-GB" dirty="0" err="1"/>
-              <a:t>ul</a:t>
+              <a:t>Sekcija</a:t>
+            </a:r>
+            <a:r>
+              <a:rPr lang="en-GB" dirty="0"/>
+              <a:t> </a:t>
+            </a:r>
+            <a:r>
+              <a:rPr lang="en-GB" dirty="0" err="1" smtClean="0"/>
+              <a:t>uobi</a:t>
+            </a:r>
+            <a:r>
+              <a:rPr lang="sr-Latn-RS" dirty="0"/>
+              <a:t>č</a:t>
+            </a:r>
+            <a:r>
+              <a:rPr lang="en-GB" dirty="0" err="1" smtClean="0"/>
+              <a:t>ajeno</a:t>
+            </a:r>
+            <a:r>
+              <a:rPr lang="en-GB" dirty="0" smtClean="0"/>
+              <a:t> </a:t>
+            </a:r>
+            <a:r>
+              <a:rPr lang="en-GB" dirty="0" err="1" smtClean="0"/>
+              <a:t>po</a:t>
+            </a:r>
+            <a:r>
+              <a:rPr lang="sr-Latn-RS" dirty="0"/>
+              <a:t>č</a:t>
+            </a:r>
+            <a:r>
+              <a:rPr lang="en-GB" dirty="0" err="1" smtClean="0"/>
+              <a:t>inje</a:t>
+            </a:r>
+            <a:r>
+              <a:rPr lang="en-GB" dirty="0" smtClean="0"/>
+              <a:t> </a:t>
+            </a:r>
+            <a:r>
+              <a:rPr lang="en-GB" dirty="0" err="1"/>
+              <a:t>naslovom</a:t>
+            </a:r>
+            <a:r>
+              <a:rPr lang="en-GB" dirty="0"/>
+              <a:t>; </a:t>
+            </a:r>
+            <a:r>
+              <a:rPr lang="en-GB" dirty="0" err="1"/>
+              <a:t>sekcije</a:t>
+            </a:r>
+            <a:r>
+              <a:rPr lang="en-GB" dirty="0"/>
+              <a:t> u </a:t>
+            </a:r>
+            <a:r>
+              <a:rPr lang="en-GB" dirty="0" err="1"/>
+              <a:t>sebi</a:t>
+            </a:r>
+            <a:r>
+              <a:rPr lang="en-GB" dirty="0"/>
+              <a:t> </a:t>
+            </a:r>
+            <a:r>
+              <a:rPr lang="en-GB" dirty="0" err="1"/>
+              <a:t>mogu</a:t>
+            </a:r>
+            <a:r>
+              <a:rPr lang="en-GB" dirty="0"/>
+              <a:t> da </a:t>
+            </a:r>
+            <a:r>
+              <a:rPr lang="en-GB" dirty="0" err="1" smtClean="0"/>
+              <a:t>sadr</a:t>
+            </a:r>
+            <a:r>
+              <a:rPr lang="sr-Latn-RS" dirty="0"/>
+              <a:t>ž</a:t>
+            </a:r>
+            <a:r>
+              <a:rPr lang="en-GB" dirty="0" smtClean="0"/>
+              <a:t>e</a:t>
+            </a:r>
+            <a:r>
+              <a:rPr lang="sr-Latn-RS" dirty="0" smtClean="0"/>
+              <a:t> </a:t>
+            </a:r>
+            <a:r>
+              <a:rPr lang="en-GB" dirty="0" err="1" smtClean="0"/>
+              <a:t>zaglavlja</a:t>
             </a:r>
             <a:r>
               <a:rPr lang="en-GB" dirty="0"/>
               <a:t>, </a:t>
             </a:r>
             <a:r>
-              <a:rPr lang="en-GB" dirty="0" err="1"/>
-              <a:t>ol</a:t>
-            </a:r>
-            <a:r>
-              <a:rPr lang="en-GB" dirty="0"/>
-              <a:t>, li, dl, </a:t>
-            </a:r>
-            <a:r>
-              <a:rPr lang="en-GB" dirty="0" err="1"/>
-              <a:t>dd</a:t>
+              <a:rPr lang="en-GB" dirty="0" err="1" smtClean="0"/>
+              <a:t>podno</a:t>
+            </a:r>
+            <a:r>
+              <a:rPr lang="sr-Latn-RS" dirty="0"/>
+              <a:t>ž</a:t>
+            </a:r>
+            <a:r>
+              <a:rPr lang="en-GB" dirty="0" err="1" smtClean="0"/>
+              <a:t>ja</a:t>
             </a:r>
             <a:r>
               <a:rPr lang="en-GB" dirty="0"/>
@@ -10411,120 +10608,373 @@
             </a:r>
             <a:r>
               <a:rPr lang="en-GB" dirty="0" err="1"/>
-              <a:t>dt</a:t>
-            </a:r>
-            <a:r>
-              <a:rPr lang="en-GB" dirty="0"/>
-              <a:t>, </a:t>
-            </a:r>
-            <a:endParaRPr lang="en-US" dirty="0"/>
-          </a:p>
-          <a:p>
-            <a:pPr lvl="0">
+              <a:t>manje</a:t>
+            </a:r>
+            <a:r>
+              <a:rPr lang="en-GB" dirty="0"/>
+              <a:t> </a:t>
+            </a:r>
+            <a:r>
+              <a:rPr lang="en-GB" dirty="0" err="1"/>
+              <a:t>podsekcije</a:t>
+            </a:r>
+            <a:r>
+              <a:rPr lang="en-GB" dirty="0" smtClean="0"/>
+              <a:t>,</a:t>
+            </a:r>
+            <a:r>
+              <a:rPr lang="sr-Latn-RS" dirty="0" smtClean="0"/>
+              <a:t> itd</a:t>
+            </a:r>
+            <a:r>
+              <a:rPr lang="en-GB" dirty="0" smtClean="0"/>
+              <a:t>.</a:t>
+            </a:r>
+            <a:endParaRPr lang="en-GB" dirty="0"/>
+          </a:p>
+          <a:p>
+            <a:pPr lvl="1">
               <a:spcBef>
                 <a:spcPts val="1200"/>
               </a:spcBef>
             </a:pPr>
             <a:r>
               <a:rPr lang="en-GB" dirty="0" err="1"/>
-              <a:t>img</a:t>
-            </a:r>
-            <a:r>
-              <a:rPr lang="en-GB" dirty="0"/>
-              <a:t>, audio, video, iframe, </a:t>
-            </a:r>
-            <a:endParaRPr lang="en-US" dirty="0"/>
-          </a:p>
-          <a:p>
-            <a:pPr lvl="0">
+              <a:t>Potpuno</a:t>
+            </a:r>
+            <a:r>
+              <a:rPr lang="en-GB" dirty="0"/>
+              <a:t> </a:t>
+            </a:r>
+            <a:r>
+              <a:rPr lang="en-GB" dirty="0" err="1" smtClean="0"/>
+              <a:t>zaokru</a:t>
+            </a:r>
+            <a:r>
+              <a:rPr lang="sr-Latn-RS" dirty="0"/>
+              <a:t>ž</a:t>
+            </a:r>
+            <a:r>
+              <a:rPr lang="en-GB" dirty="0" err="1" smtClean="0"/>
+              <a:t>ene</a:t>
+            </a:r>
+            <a:r>
+              <a:rPr lang="en-GB" dirty="0" smtClean="0"/>
+              <a:t> </a:t>
+            </a:r>
+            <a:r>
+              <a:rPr lang="en-GB" dirty="0" err="1"/>
+              <a:t>celine</a:t>
+            </a:r>
+            <a:r>
+              <a:rPr lang="en-GB" dirty="0"/>
+              <a:t> </a:t>
+            </a:r>
+            <a:r>
+              <a:rPr lang="en-GB" dirty="0" err="1"/>
+              <a:t>koje</a:t>
+            </a:r>
+            <a:r>
+              <a:rPr lang="en-GB" dirty="0"/>
+              <a:t> </a:t>
+            </a:r>
+            <a:r>
+              <a:rPr lang="en-GB" dirty="0" err="1"/>
+              <a:t>su</a:t>
+            </a:r>
+            <a:r>
+              <a:rPr lang="en-GB" dirty="0"/>
+              <a:t> </a:t>
+            </a:r>
+            <a:r>
+              <a:rPr lang="en-GB" dirty="0" err="1"/>
+              <a:t>nezavisne</a:t>
+            </a:r>
+            <a:r>
+              <a:rPr lang="en-GB" dirty="0"/>
+              <a:t> od </a:t>
+            </a:r>
+            <a:r>
+              <a:rPr lang="en-GB" dirty="0" err="1"/>
+              <a:t>ostalog</a:t>
+            </a:r>
+            <a:r>
+              <a:rPr lang="en-GB" dirty="0"/>
+              <a:t> </a:t>
+            </a:r>
+            <a:r>
+              <a:rPr lang="en-GB" dirty="0" err="1" smtClean="0"/>
+              <a:t>materijala</a:t>
+            </a:r>
+            <a:r>
+              <a:rPr lang="sr-Latn-RS" dirty="0" smtClean="0"/>
+              <a:t> </a:t>
+            </a:r>
+            <a:r>
+              <a:rPr lang="en-GB" dirty="0" err="1" smtClean="0"/>
+              <a:t>nazivaju</a:t>
+            </a:r>
+            <a:r>
+              <a:rPr lang="en-GB" dirty="0" smtClean="0"/>
+              <a:t> </a:t>
+            </a:r>
+            <a:r>
+              <a:rPr lang="en-GB" dirty="0"/>
+              <a:t>se </a:t>
+            </a:r>
+            <a:r>
+              <a:rPr lang="sr-Latn-RS" dirty="0">
+                <a:solidFill>
+                  <a:srgbClr val="6767FF"/>
+                </a:solidFill>
+              </a:rPr>
+              <a:t>č</a:t>
+            </a:r>
+            <a:r>
+              <a:rPr lang="en-GB" dirty="0" err="1" smtClean="0">
+                <a:solidFill>
+                  <a:srgbClr val="6767FF"/>
+                </a:solidFill>
+              </a:rPr>
+              <a:t>lanci</a:t>
+            </a:r>
+            <a:endParaRPr lang="en-GB" dirty="0">
+              <a:solidFill>
+                <a:srgbClr val="6767FF"/>
+              </a:solidFill>
+            </a:endParaRPr>
+          </a:p>
+          <a:p>
+            <a:pPr lvl="1">
               <a:spcBef>
                 <a:spcPts val="1200"/>
               </a:spcBef>
             </a:pPr>
             <a:r>
-              <a:rPr lang="en-GB" dirty="0"/>
-              <a:t>table, </a:t>
-            </a:r>
-            <a:r>
-              <a:rPr lang="en-GB" dirty="0" err="1"/>
-              <a:t>tr</a:t>
-            </a:r>
-            <a:r>
-              <a:rPr lang="en-GB" dirty="0"/>
-              <a:t>, td, </a:t>
-            </a:r>
-            <a:r>
-              <a:rPr lang="en-GB" dirty="0" err="1"/>
-              <a:t>th</a:t>
-            </a:r>
-            <a:r>
-              <a:rPr lang="en-GB" dirty="0"/>
-              <a:t>, caption, </a:t>
-            </a:r>
-            <a:endParaRPr lang="en-US" dirty="0"/>
-          </a:p>
-          <a:p>
-            <a:pPr lvl="0">
+              <a:rPr lang="en-GB" dirty="0" err="1"/>
+              <a:t>Za</a:t>
+            </a:r>
+            <a:r>
+              <a:rPr lang="en-GB" dirty="0"/>
+              <a:t> </a:t>
+            </a:r>
+            <a:r>
+              <a:rPr lang="en-GB" dirty="0" err="1" smtClean="0"/>
+              <a:t>ozna</a:t>
+            </a:r>
+            <a:r>
+              <a:rPr lang="sr-Latn-RS" dirty="0"/>
+              <a:t>č</a:t>
+            </a:r>
+            <a:r>
+              <a:rPr lang="en-GB" dirty="0" err="1" smtClean="0"/>
+              <a:t>avanje</a:t>
+            </a:r>
+            <a:r>
+              <a:rPr lang="en-GB" dirty="0" smtClean="0"/>
+              <a:t> </a:t>
+            </a:r>
+            <a:r>
+              <a:rPr lang="sr-Latn-RS" dirty="0" smtClean="0"/>
+              <a:t>č</a:t>
+            </a:r>
+            <a:r>
+              <a:rPr lang="en-GB" dirty="0" err="1" smtClean="0"/>
+              <a:t>lanaka</a:t>
+            </a:r>
+            <a:r>
+              <a:rPr lang="en-GB" dirty="0" smtClean="0"/>
+              <a:t> </a:t>
+            </a:r>
+            <a:r>
+              <a:rPr lang="en-GB" dirty="0" err="1"/>
+              <a:t>koristi</a:t>
+            </a:r>
+            <a:r>
+              <a:rPr lang="en-GB" dirty="0"/>
+              <a:t> se element </a:t>
+            </a:r>
+            <a:r>
+              <a:rPr lang="en-GB" dirty="0">
+                <a:solidFill>
+                  <a:srgbClr val="6767FF"/>
+                </a:solidFill>
+              </a:rPr>
+              <a:t>article</a:t>
+            </a:r>
+          </a:p>
+          <a:p>
+            <a:pPr lvl="1">
               <a:spcBef>
                 <a:spcPts val="1200"/>
               </a:spcBef>
             </a:pPr>
             <a:r>
-              <a:rPr lang="en-GB" dirty="0"/>
-              <a:t>input, select, option, </a:t>
-            </a:r>
-            <a:r>
-              <a:rPr lang="en-GB" dirty="0" err="1"/>
-              <a:t>textarea</a:t>
-            </a:r>
-            <a:r>
-              <a:rPr lang="en-GB" dirty="0"/>
-              <a:t>, label, </a:t>
-            </a:r>
-            <a:endParaRPr lang="en-US" dirty="0"/>
-          </a:p>
-          <a:p>
-            <a:pPr lvl="0">
+              <a:rPr lang="sr-Latn-RS" dirty="0"/>
+              <a:t>Č</a:t>
+            </a:r>
+            <a:r>
+              <a:rPr lang="en-GB" dirty="0" err="1" smtClean="0"/>
+              <a:t>lanak</a:t>
+            </a:r>
+            <a:r>
+              <a:rPr lang="en-GB" dirty="0" smtClean="0"/>
+              <a:t> </a:t>
+            </a:r>
+            <a:r>
+              <a:rPr lang="en-GB" dirty="0" err="1" smtClean="0"/>
+              <a:t>mo</a:t>
+            </a:r>
+            <a:r>
+              <a:rPr lang="sr-Latn-RS" dirty="0"/>
+              <a:t>ž</a:t>
+            </a:r>
+            <a:r>
+              <a:rPr lang="en-GB" dirty="0" smtClean="0"/>
+              <a:t>e </a:t>
+            </a:r>
+            <a:r>
+              <a:rPr lang="en-GB" dirty="0"/>
+              <a:t>da </a:t>
+            </a:r>
+            <a:r>
+              <a:rPr lang="en-GB" dirty="0" err="1" smtClean="0"/>
+              <a:t>sadr</a:t>
+            </a:r>
+            <a:r>
+              <a:rPr lang="sr-Latn-RS" dirty="0"/>
+              <a:t>ž</a:t>
+            </a:r>
+            <a:r>
+              <a:rPr lang="en-GB" dirty="0" err="1" smtClean="0"/>
+              <a:t>i</a:t>
+            </a:r>
+            <a:r>
+              <a:rPr lang="en-GB" dirty="0" smtClean="0"/>
+              <a:t> </a:t>
+            </a:r>
+            <a:r>
+              <a:rPr lang="en-GB" dirty="0" err="1"/>
+              <a:t>manje</a:t>
+            </a:r>
+            <a:r>
+              <a:rPr lang="en-GB" dirty="0"/>
+              <a:t> </a:t>
+            </a:r>
+            <a:r>
+              <a:rPr lang="sr-Latn-RS" dirty="0"/>
+              <a:t>č</a:t>
+            </a:r>
+            <a:r>
+              <a:rPr lang="en-GB" dirty="0" err="1" smtClean="0"/>
+              <a:t>lanke</a:t>
+            </a:r>
+            <a:r>
+              <a:rPr lang="sr-Latn-RS" dirty="0" smtClean="0"/>
+              <a:t> i </a:t>
+            </a:r>
+            <a:r>
+              <a:rPr lang="en-GB" dirty="0" err="1" smtClean="0"/>
+              <a:t>mo</a:t>
+            </a:r>
+            <a:r>
+              <a:rPr lang="sr-Latn-RS" dirty="0"/>
+              <a:t>ž</a:t>
+            </a:r>
+            <a:r>
+              <a:rPr lang="en-GB" dirty="0" smtClean="0"/>
+              <a:t>e </a:t>
+            </a:r>
+            <a:r>
+              <a:rPr lang="en-GB" dirty="0"/>
+              <a:t>da </a:t>
+            </a:r>
+            <a:r>
+              <a:rPr lang="en-GB" dirty="0" err="1"/>
+              <a:t>bude</a:t>
+            </a:r>
+            <a:r>
+              <a:rPr lang="en-GB" dirty="0"/>
+              <a:t> </a:t>
+            </a:r>
+            <a:r>
+              <a:rPr lang="en-GB" dirty="0" err="1"/>
+              <a:t>podeljen</a:t>
+            </a:r>
+            <a:r>
+              <a:rPr lang="en-GB" dirty="0"/>
+              <a:t> </a:t>
+            </a:r>
+            <a:r>
+              <a:rPr lang="en-GB" dirty="0" err="1" smtClean="0"/>
+              <a:t>na</a:t>
+            </a:r>
+            <a:r>
+              <a:rPr lang="sr-Latn-RS" dirty="0" smtClean="0"/>
+              <a:t> </a:t>
+            </a:r>
+            <a:r>
+              <a:rPr lang="en-GB" dirty="0" err="1" smtClean="0"/>
+              <a:t>sekcije</a:t>
+            </a:r>
+            <a:r>
+              <a:rPr lang="en-GB" dirty="0"/>
+              <a:t>; </a:t>
+            </a:r>
+            <a:endParaRPr lang="sr-Latn-RS" dirty="0" smtClean="0"/>
+          </a:p>
+          <a:p>
+            <a:pPr lvl="2">
               <a:spcBef>
                 <a:spcPts val="1200"/>
               </a:spcBef>
             </a:pPr>
             <a:r>
-              <a:rPr lang="en-GB" dirty="0"/>
-              <a:t>div, span</a:t>
-            </a:r>
-            <a:endParaRPr lang="en-US" dirty="0"/>
-          </a:p>
-          <a:p>
-            <a:endParaRPr lang="en-US" altLang="en-US" dirty="0" smtClean="0"/>
-          </a:p>
-          <a:p>
-            <a:pPr marL="0" indent="0">
-              <a:buFont typeface="Wingdings" pitchFamily="2" charset="2"/>
-              <a:buNone/>
-            </a:pPr>
-            <a:endParaRPr lang="sr-Cyrl-RS" altLang="en-US" sz="1200" dirty="0" smtClean="0"/>
-          </a:p>
-          <a:p>
-            <a:pPr marL="0" indent="0">
-              <a:buFont typeface="Wingdings" pitchFamily="2" charset="2"/>
-              <a:buNone/>
-            </a:pPr>
-            <a:endParaRPr lang="sr-Latn-CS" altLang="en-US" sz="1200" dirty="0" smtClean="0"/>
-          </a:p>
-          <a:p>
-            <a:pPr marL="0" indent="0">
-              <a:buFont typeface="Wingdings" pitchFamily="2" charset="2"/>
-              <a:buNone/>
-            </a:pPr>
-            <a:endParaRPr lang="sr-Latn-CS" altLang="en-US" dirty="0" smtClean="0"/>
+              <a:rPr lang="en-GB" dirty="0" err="1" smtClean="0"/>
+              <a:t>nije</a:t>
+            </a:r>
+            <a:r>
+              <a:rPr lang="en-GB" dirty="0" smtClean="0"/>
+              <a:t> nu</a:t>
+            </a:r>
+            <a:r>
+              <a:rPr lang="sr-Latn-RS" dirty="0"/>
+              <a:t>ž</a:t>
+            </a:r>
+            <a:r>
+              <a:rPr lang="en-GB" dirty="0" smtClean="0"/>
+              <a:t>no </a:t>
+            </a:r>
+            <a:r>
+              <a:rPr lang="en-GB" dirty="0" err="1"/>
+              <a:t>nasloviti</a:t>
+            </a:r>
+            <a:r>
+              <a:rPr lang="en-GB" dirty="0"/>
+              <a:t> </a:t>
+            </a:r>
+            <a:r>
+              <a:rPr lang="sr-Latn-RS" dirty="0"/>
+              <a:t>č</a:t>
+            </a:r>
+            <a:r>
+              <a:rPr lang="en-GB" dirty="0" err="1" smtClean="0"/>
+              <a:t>lanak</a:t>
+            </a:r>
+            <a:endParaRPr lang="sr-Latn-RS" sz="1400" b="1" dirty="0">
+              <a:solidFill>
+                <a:srgbClr val="009E47"/>
+              </a:solidFill>
+              <a:latin typeface="Courier New" panose="02070309020205020404" pitchFamily="49" charset="0"/>
+              <a:cs typeface="Courier New" panose="02070309020205020404" pitchFamily="49" charset="0"/>
+            </a:endParaRPr>
           </a:p>
         </p:txBody>
       </p:sp>
     </p:spTree>
     <p:extLst>
       <p:ext uri="{BB962C8B-B14F-4D97-AF65-F5344CB8AC3E}">
-        <p14:creationId xmlns:p14="http://schemas.microsoft.com/office/powerpoint/2010/main" val="3286986706"/>
+        <p14:creationId xmlns:p14="http://schemas.microsoft.com/office/powerpoint/2010/main" val="3732513003"/>
       </p:ext>
     </p:extLst>
   </p:cSld>
@@ -10568,24 +11018,37 @@
             <p:ph type="title"/>
           </p:nvPr>
         </p:nvSpPr>
-        <p:spPr/>
+        <p:spPr>
+          <a:xfrm>
+            <a:off x="1403648" y="549275"/>
+            <a:ext cx="7283152" cy="868363"/>
+          </a:xfrm>
+        </p:spPr>
         <p:txBody>
           <a:bodyPr/>
           <a:lstStyle/>
           <a:p>
             <a:r>
-              <a:rPr lang="sr-Latn-RS" altLang="en-US" dirty="0" smtClean="0">
-                <a:solidFill>
-                  <a:srgbClr val="002060"/>
-                </a:solidFill>
-              </a:rPr>
-              <a:t>Zahvalnica</a:t>
-            </a:r>
-            <a:endParaRPr lang="en-GB" altLang="en-US" dirty="0" smtClean="0">
-              <a:solidFill>
-                <a:srgbClr val="002060"/>
-              </a:solidFill>
-            </a:endParaRPr>
+              <a:rPr lang="sr-Latn-RS" dirty="0"/>
+              <a:t>Elementi </a:t>
+            </a:r>
+            <a:r>
+              <a:rPr lang="sr-Latn-RS" dirty="0" err="1"/>
+              <a:t>article</a:t>
+            </a:r>
+            <a:r>
+              <a:rPr lang="sr-Latn-RS" dirty="0"/>
+              <a:t>, </a:t>
+            </a:r>
+            <a:r>
+              <a:rPr lang="sr-Latn-RS" dirty="0" err="1" smtClean="0"/>
+              <a:t>section</a:t>
+            </a:r>
+            <a:r>
+              <a:rPr lang="sr-Latn-RS" dirty="0" smtClean="0"/>
+              <a:t> (2)</a:t>
+            </a:r>
+            <a:endParaRPr lang="sr-Latn-RS" dirty="0"/>
           </a:p>
         </p:txBody>
       </p:sp>
@@ -10601,213 +11064,659 @@
         </p:nvSpPr>
         <p:spPr>
           <a:xfrm>
-            <a:off x="457200" y="1600200"/>
-            <a:ext cx="8391525" cy="5257800"/>
+            <a:off x="457200" y="1484784"/>
+            <a:ext cx="8579296" cy="5373216"/>
           </a:xfrm>
         </p:spPr>
         <p:txBody>
           <a:bodyPr/>
           <a:lstStyle/>
           <a:p>
-            <a:pPr marL="0" indent="0">
-              <a:buFont typeface="Wingdings" pitchFamily="2" charset="2"/>
-              <a:buNone/>
+            <a:pPr lvl="1">
+              <a:spcBef>
+                <a:spcPts val="1200"/>
+              </a:spcBef>
             </a:pPr>
             <a:r>
-              <a:rPr lang="sr-Latn-RS" altLang="en-US" dirty="0" smtClean="0"/>
-              <a:t>Delovi materijala ove prezentacije su preuzeti iz</a:t>
-            </a:r>
-            <a:r>
-              <a:rPr lang="sr-Cyrl-RS" altLang="en-US" dirty="0" smtClean="0"/>
-              <a:t>:</a:t>
-            </a:r>
-          </a:p>
-          <a:p>
-            <a:r>
-              <a:rPr lang="sr-Latn-RS" altLang="en-US" dirty="0" smtClean="0"/>
-              <a:t>Skripte iz predmeta Uvod u veb i internet tehnologije,</a:t>
-            </a:r>
-            <a:r>
-              <a:rPr lang="sr-Cyrl-RS" altLang="en-US" dirty="0" smtClean="0"/>
-              <a:t> </a:t>
-            </a:r>
-            <a:r>
-              <a:rPr lang="sr-Latn-RS" altLang="en-US" dirty="0" smtClean="0"/>
+              <a:rPr lang="en-GB" dirty="0" err="1"/>
+              <a:t>Ako</a:t>
+            </a:r>
+            <a:r>
+              <a:rPr lang="en-GB" dirty="0"/>
+              <a:t> </a:t>
+            </a:r>
+            <a:r>
+              <a:rPr lang="en-GB" dirty="0" err="1" smtClean="0"/>
+              <a:t>veb</a:t>
+            </a:r>
+            <a:r>
+              <a:rPr lang="en-GB" dirty="0" smtClean="0"/>
+              <a:t> </a:t>
+            </a:r>
+            <a:r>
+              <a:rPr lang="en-GB" dirty="0" err="1" smtClean="0"/>
+              <a:t>sajt</a:t>
+            </a:r>
+            <a:r>
+              <a:rPr lang="en-GB" dirty="0" smtClean="0"/>
+              <a:t> </a:t>
+            </a:r>
+            <a:r>
+              <a:rPr lang="en-GB" dirty="0" err="1" smtClean="0"/>
+              <a:t>sadr</a:t>
+            </a:r>
+            <a:r>
+              <a:rPr lang="sr-Latn-RS" dirty="0" smtClean="0"/>
+              <a:t>ž</a:t>
+            </a:r>
+            <a:r>
+              <a:rPr lang="en-GB" dirty="0" err="1" smtClean="0"/>
+              <a:t>i</a:t>
+            </a:r>
+            <a:r>
+              <a:rPr lang="en-GB" dirty="0" smtClean="0"/>
+              <a:t> </a:t>
+            </a:r>
+            <a:r>
+              <a:rPr lang="sr-Latn-RS" dirty="0" smtClean="0"/>
+              <a:t>mnogo </a:t>
+            </a:r>
+            <a:r>
+              <a:rPr lang="en-GB" dirty="0" err="1" smtClean="0"/>
+              <a:t>materijala</a:t>
+            </a:r>
+            <a:r>
+              <a:rPr lang="en-GB" dirty="0"/>
+              <a:t>, </a:t>
+            </a:r>
+            <a:r>
+              <a:rPr lang="en-GB" dirty="0" err="1"/>
+              <a:t>pogodno</a:t>
+            </a:r>
+            <a:r>
+              <a:rPr lang="en-GB" dirty="0"/>
+              <a:t> </a:t>
+            </a:r>
+            <a:r>
+              <a:rPr lang="en-GB" dirty="0" err="1"/>
+              <a:t>ga</a:t>
+            </a:r>
+            <a:r>
+              <a:rPr lang="en-GB" dirty="0"/>
+              <a:t> je </a:t>
+            </a:r>
+            <a:r>
+              <a:rPr lang="en-GB" dirty="0" err="1"/>
+              <a:t>podeliti</a:t>
+            </a:r>
+            <a:r>
+              <a:rPr lang="en-GB" dirty="0"/>
+              <a:t> </a:t>
+            </a:r>
+            <a:r>
+              <a:rPr lang="en-GB" dirty="0" err="1"/>
               <a:t>na</a:t>
             </a:r>
             <a:r>
-              <a:rPr lang="sr-Cyrl-RS" altLang="en-US" dirty="0" smtClean="0"/>
-              <a:t> </a:t>
-            </a:r>
-            <a:r>
-              <a:rPr lang="sr-Latn-RS" altLang="en-US" dirty="0" smtClean="0"/>
-              <a:t>Matematičkom fakultetu Univeziteta u Beogradu</a:t>
-            </a:r>
-            <a:r>
-              <a:rPr lang="sr-Cyrl-RS" altLang="en-US" dirty="0" smtClean="0"/>
+              <a:rPr lang="en-GB" dirty="0"/>
+              <a:t> </a:t>
+            </a:r>
+            <a:r>
+              <a:rPr lang="en-GB" dirty="0" err="1">
+                <a:solidFill>
+                  <a:srgbClr val="6767FF"/>
+                </a:solidFill>
+              </a:rPr>
+              <a:t>sekcije</a:t>
+            </a:r>
+            <a:endParaRPr lang="en-GB" dirty="0">
+              <a:solidFill>
+                <a:srgbClr val="6767FF"/>
+              </a:solidFill>
+            </a:endParaRPr>
+          </a:p>
+          <a:p>
+            <a:pPr lvl="1">
+              <a:spcBef>
+                <a:spcPts val="1200"/>
+              </a:spcBef>
+            </a:pPr>
+            <a:r>
+              <a:rPr lang="en-GB" dirty="0" err="1"/>
+              <a:t>Za</a:t>
+            </a:r>
+            <a:r>
+              <a:rPr lang="en-GB" dirty="0"/>
+              <a:t> </a:t>
+            </a:r>
+            <a:r>
+              <a:rPr lang="en-GB" dirty="0" err="1" smtClean="0"/>
+              <a:t>ozna</a:t>
+            </a:r>
+            <a:r>
+              <a:rPr lang="sr-Latn-RS" dirty="0"/>
+              <a:t>č</a:t>
+            </a:r>
+            <a:r>
+              <a:rPr lang="en-GB" dirty="0" err="1" smtClean="0"/>
+              <a:t>avanje</a:t>
+            </a:r>
+            <a:r>
+              <a:rPr lang="en-GB" dirty="0" smtClean="0"/>
+              <a:t> </a:t>
+            </a:r>
+            <a:r>
+              <a:rPr lang="en-GB" dirty="0" err="1"/>
+              <a:t>sekcije</a:t>
+            </a:r>
+            <a:r>
+              <a:rPr lang="en-GB" dirty="0"/>
+              <a:t> </a:t>
+            </a:r>
+            <a:r>
+              <a:rPr lang="en-GB" dirty="0" err="1"/>
+              <a:t>koristi</a:t>
+            </a:r>
+            <a:r>
+              <a:rPr lang="en-GB" dirty="0"/>
+              <a:t> se element </a:t>
+            </a:r>
+            <a:r>
+              <a:rPr lang="en-GB" dirty="0">
+                <a:solidFill>
+                  <a:srgbClr val="009E47"/>
+                </a:solidFill>
+              </a:rPr>
+              <a:t>section</a:t>
+            </a:r>
+          </a:p>
+          <a:p>
+            <a:pPr lvl="1">
+              <a:spcBef>
+                <a:spcPts val="1200"/>
+              </a:spcBef>
+            </a:pPr>
+            <a:r>
+              <a:rPr lang="en-GB" dirty="0" err="1"/>
+              <a:t>Sekcija</a:t>
+            </a:r>
+            <a:r>
+              <a:rPr lang="en-GB" dirty="0"/>
+              <a:t> </a:t>
+            </a:r>
+            <a:r>
+              <a:rPr lang="en-GB" dirty="0" err="1" smtClean="0"/>
+              <a:t>uobi</a:t>
+            </a:r>
+            <a:r>
+              <a:rPr lang="sr-Latn-RS" dirty="0"/>
+              <a:t>č</a:t>
+            </a:r>
+            <a:r>
+              <a:rPr lang="en-GB" dirty="0" err="1" smtClean="0"/>
+              <a:t>ajeno</a:t>
+            </a:r>
+            <a:r>
+              <a:rPr lang="en-GB" dirty="0" smtClean="0"/>
+              <a:t> </a:t>
+            </a:r>
+            <a:r>
+              <a:rPr lang="en-GB" dirty="0" err="1" smtClean="0"/>
+              <a:t>po</a:t>
+            </a:r>
+            <a:r>
+              <a:rPr lang="sr-Latn-RS" dirty="0"/>
+              <a:t>č</a:t>
+            </a:r>
+            <a:r>
+              <a:rPr lang="en-GB" dirty="0" err="1" smtClean="0"/>
+              <a:t>inje</a:t>
+            </a:r>
+            <a:r>
+              <a:rPr lang="en-GB" dirty="0" smtClean="0"/>
+              <a:t> </a:t>
+            </a:r>
+            <a:r>
+              <a:rPr lang="en-GB" dirty="0" err="1"/>
+              <a:t>naslovom</a:t>
+            </a:r>
+            <a:r>
+              <a:rPr lang="en-GB" dirty="0"/>
+              <a:t>; </a:t>
+            </a:r>
+            <a:r>
+              <a:rPr lang="en-GB" dirty="0" err="1"/>
+              <a:t>sekcije</a:t>
+            </a:r>
+            <a:r>
+              <a:rPr lang="en-GB" dirty="0"/>
+              <a:t> u </a:t>
+            </a:r>
+            <a:r>
+              <a:rPr lang="en-GB" dirty="0" err="1"/>
+              <a:t>sebi</a:t>
+            </a:r>
+            <a:r>
+              <a:rPr lang="en-GB" dirty="0"/>
+              <a:t> </a:t>
+            </a:r>
+            <a:r>
+              <a:rPr lang="en-GB" dirty="0" err="1"/>
+              <a:t>mogu</a:t>
+            </a:r>
+            <a:r>
+              <a:rPr lang="en-GB" dirty="0"/>
+              <a:t> da </a:t>
+            </a:r>
+            <a:r>
+              <a:rPr lang="en-GB" dirty="0" err="1" smtClean="0"/>
+              <a:t>sadr</a:t>
+            </a:r>
+            <a:r>
+              <a:rPr lang="sr-Latn-RS" dirty="0"/>
+              <a:t>ž</a:t>
+            </a:r>
+            <a:r>
+              <a:rPr lang="en-GB" dirty="0" smtClean="0"/>
+              <a:t>e</a:t>
+            </a:r>
+            <a:r>
+              <a:rPr lang="sr-Latn-RS" dirty="0" smtClean="0"/>
+              <a:t> </a:t>
+            </a:r>
+            <a:r>
+              <a:rPr lang="en-GB" dirty="0" err="1" smtClean="0"/>
+              <a:t>zaglavlja</a:t>
+            </a:r>
+            <a:r>
+              <a:rPr lang="en-GB" dirty="0"/>
               <a:t>, </a:t>
             </a:r>
             <a:r>
-              <a:rPr lang="sr-Latn-RS" altLang="en-US" dirty="0" smtClean="0"/>
-              <a:t>autor prof. dr Filip Marić</a:t>
-            </a:r>
-          </a:p>
-          <a:p>
-            <a:r>
-              <a:rPr lang="en-US" altLang="en-US" dirty="0" err="1"/>
-              <a:t>Prezentacija</a:t>
-            </a:r>
-            <a:r>
-              <a:rPr lang="en-US" altLang="en-US" dirty="0"/>
-              <a:t> </a:t>
-            </a:r>
-            <a:r>
-              <a:rPr lang="sr-Latn-RS" altLang="en-US" dirty="0"/>
-              <a:t>iz predmeta Uvod u veb i internet tehnologije,</a:t>
-            </a:r>
-            <a:r>
-              <a:rPr lang="sr-Cyrl-RS" altLang="en-US" dirty="0"/>
-              <a:t> </a:t>
-            </a:r>
-            <a:r>
-              <a:rPr lang="sr-Latn-RS" altLang="en-US" dirty="0"/>
+              <a:rPr lang="en-GB" dirty="0" err="1" smtClean="0"/>
+              <a:t>podno</a:t>
+            </a:r>
+            <a:r>
+              <a:rPr lang="sr-Latn-RS" dirty="0"/>
+              <a:t>ž</a:t>
+            </a:r>
+            <a:r>
+              <a:rPr lang="en-GB" dirty="0" err="1" smtClean="0"/>
+              <a:t>ja</a:t>
+            </a:r>
+            <a:r>
+              <a:rPr lang="en-GB" dirty="0"/>
+              <a:t>, </a:t>
+            </a:r>
+            <a:r>
+              <a:rPr lang="en-GB" dirty="0" err="1"/>
+              <a:t>manje</a:t>
+            </a:r>
+            <a:r>
+              <a:rPr lang="en-GB" dirty="0"/>
+              <a:t> </a:t>
+            </a:r>
+            <a:r>
+              <a:rPr lang="en-GB" dirty="0" err="1"/>
+              <a:t>podsekcije</a:t>
+            </a:r>
+            <a:r>
+              <a:rPr lang="en-GB" dirty="0" smtClean="0"/>
+              <a:t>,</a:t>
+            </a:r>
+            <a:r>
+              <a:rPr lang="sr-Latn-RS" dirty="0" smtClean="0"/>
+              <a:t> itd</a:t>
+            </a:r>
+            <a:r>
+              <a:rPr lang="en-GB" dirty="0" smtClean="0"/>
+              <a:t>.</a:t>
+            </a:r>
+            <a:endParaRPr lang="en-GB" dirty="0"/>
+          </a:p>
+          <a:p>
+            <a:pPr lvl="1">
+              <a:spcBef>
+                <a:spcPts val="1200"/>
+              </a:spcBef>
+            </a:pPr>
+            <a:r>
+              <a:rPr lang="en-GB" dirty="0" err="1"/>
+              <a:t>Potpuno</a:t>
+            </a:r>
+            <a:r>
+              <a:rPr lang="en-GB" dirty="0"/>
+              <a:t> </a:t>
+            </a:r>
+            <a:r>
+              <a:rPr lang="en-GB" dirty="0" err="1" smtClean="0"/>
+              <a:t>zaokru</a:t>
+            </a:r>
+            <a:r>
+              <a:rPr lang="sr-Latn-RS" dirty="0"/>
+              <a:t>ž</a:t>
+            </a:r>
+            <a:r>
+              <a:rPr lang="en-GB" dirty="0" err="1" smtClean="0"/>
+              <a:t>ene</a:t>
+            </a:r>
+            <a:r>
+              <a:rPr lang="en-GB" dirty="0" smtClean="0"/>
+              <a:t> </a:t>
+            </a:r>
+            <a:r>
+              <a:rPr lang="en-GB" dirty="0" err="1"/>
+              <a:t>celine</a:t>
+            </a:r>
+            <a:r>
+              <a:rPr lang="en-GB" dirty="0"/>
+              <a:t> </a:t>
+            </a:r>
+            <a:r>
+              <a:rPr lang="en-GB" dirty="0" err="1"/>
+              <a:t>koje</a:t>
+            </a:r>
+            <a:r>
+              <a:rPr lang="en-GB" dirty="0"/>
+              <a:t> </a:t>
+            </a:r>
+            <a:r>
+              <a:rPr lang="en-GB" dirty="0" err="1"/>
+              <a:t>su</a:t>
+            </a:r>
+            <a:r>
+              <a:rPr lang="en-GB" dirty="0"/>
+              <a:t> </a:t>
+            </a:r>
+            <a:r>
+              <a:rPr lang="en-GB" dirty="0" err="1"/>
+              <a:t>nezavisne</a:t>
+            </a:r>
+            <a:r>
+              <a:rPr lang="en-GB" dirty="0"/>
+              <a:t> od </a:t>
+            </a:r>
+            <a:r>
+              <a:rPr lang="en-GB" dirty="0" err="1"/>
+              <a:t>ostalog</a:t>
+            </a:r>
+            <a:r>
+              <a:rPr lang="en-GB" dirty="0"/>
+              <a:t> </a:t>
+            </a:r>
+            <a:r>
+              <a:rPr lang="en-GB" dirty="0" err="1" smtClean="0"/>
+              <a:t>materijala</a:t>
+            </a:r>
+            <a:r>
+              <a:rPr lang="sr-Latn-RS" dirty="0" smtClean="0"/>
+              <a:t> </a:t>
+            </a:r>
+            <a:r>
+              <a:rPr lang="en-GB" dirty="0" err="1" smtClean="0"/>
+              <a:t>nazivaju</a:t>
+            </a:r>
+            <a:r>
+              <a:rPr lang="en-GB" dirty="0" smtClean="0"/>
+              <a:t> </a:t>
+            </a:r>
+            <a:r>
+              <a:rPr lang="en-GB" dirty="0"/>
+              <a:t>se </a:t>
+            </a:r>
+            <a:r>
+              <a:rPr lang="sr-Latn-RS" dirty="0">
+                <a:solidFill>
+                  <a:srgbClr val="6767FF"/>
+                </a:solidFill>
+              </a:rPr>
+              <a:t>č</a:t>
+            </a:r>
+            <a:r>
+              <a:rPr lang="en-GB" dirty="0" err="1" smtClean="0">
+                <a:solidFill>
+                  <a:srgbClr val="6767FF"/>
+                </a:solidFill>
+              </a:rPr>
+              <a:t>lanci</a:t>
+            </a:r>
+            <a:endParaRPr lang="en-GB" dirty="0">
+              <a:solidFill>
+                <a:srgbClr val="6767FF"/>
+              </a:solidFill>
+            </a:endParaRPr>
+          </a:p>
+          <a:p>
+            <a:pPr lvl="1">
+              <a:spcBef>
+                <a:spcPts val="1200"/>
+              </a:spcBef>
+            </a:pPr>
+            <a:r>
+              <a:rPr lang="en-GB" dirty="0" err="1"/>
+              <a:t>Za</a:t>
+            </a:r>
+            <a:r>
+              <a:rPr lang="en-GB" dirty="0"/>
+              <a:t> </a:t>
+            </a:r>
+            <a:r>
+              <a:rPr lang="en-GB" dirty="0" err="1" smtClean="0"/>
+              <a:t>ozna</a:t>
+            </a:r>
+            <a:r>
+              <a:rPr lang="sr-Latn-RS" dirty="0"/>
+              <a:t>č</a:t>
+            </a:r>
+            <a:r>
+              <a:rPr lang="en-GB" dirty="0" err="1" smtClean="0"/>
+              <a:t>avanje</a:t>
+            </a:r>
+            <a:r>
+              <a:rPr lang="en-GB" dirty="0" smtClean="0"/>
+              <a:t> </a:t>
+            </a:r>
+            <a:r>
+              <a:rPr lang="sr-Latn-RS" dirty="0" smtClean="0"/>
+              <a:t>č</a:t>
+            </a:r>
+            <a:r>
+              <a:rPr lang="en-GB" dirty="0" err="1" smtClean="0"/>
+              <a:t>lanaka</a:t>
+            </a:r>
+            <a:r>
+              <a:rPr lang="en-GB" dirty="0" smtClean="0"/>
+              <a:t> </a:t>
+            </a:r>
+            <a:r>
+              <a:rPr lang="en-GB" dirty="0" err="1"/>
+              <a:t>koristi</a:t>
+            </a:r>
+            <a:r>
+              <a:rPr lang="en-GB" dirty="0"/>
+              <a:t> se element </a:t>
+            </a:r>
+            <a:r>
+              <a:rPr lang="en-GB" dirty="0">
+                <a:solidFill>
+                  <a:srgbClr val="6767FF"/>
+                </a:solidFill>
+              </a:rPr>
+              <a:t>article</a:t>
+            </a:r>
+          </a:p>
+          <a:p>
+            <a:pPr lvl="1">
+              <a:spcBef>
+                <a:spcPts val="1200"/>
+              </a:spcBef>
+            </a:pPr>
+            <a:r>
+              <a:rPr lang="sr-Latn-RS" dirty="0"/>
+              <a:t>Č</a:t>
+            </a:r>
+            <a:r>
+              <a:rPr lang="en-GB" dirty="0" err="1" smtClean="0"/>
+              <a:t>lanak</a:t>
+            </a:r>
+            <a:r>
+              <a:rPr lang="en-GB" dirty="0" smtClean="0"/>
+              <a:t> </a:t>
+            </a:r>
+            <a:r>
+              <a:rPr lang="en-GB" dirty="0" err="1" smtClean="0"/>
+              <a:t>mo</a:t>
+            </a:r>
+            <a:r>
+              <a:rPr lang="sr-Latn-RS" dirty="0"/>
+              <a:t>ž</a:t>
+            </a:r>
+            <a:r>
+              <a:rPr lang="en-GB" dirty="0" smtClean="0"/>
+              <a:t>e </a:t>
+            </a:r>
+            <a:r>
+              <a:rPr lang="en-GB" dirty="0"/>
+              <a:t>da </a:t>
+            </a:r>
+            <a:r>
+              <a:rPr lang="en-GB" dirty="0" err="1" smtClean="0"/>
+              <a:t>sadr</a:t>
+            </a:r>
+            <a:r>
+              <a:rPr lang="sr-Latn-RS" dirty="0"/>
+              <a:t>ž</a:t>
+            </a:r>
+            <a:r>
+              <a:rPr lang="en-GB" dirty="0" err="1" smtClean="0"/>
+              <a:t>i</a:t>
+            </a:r>
+            <a:r>
+              <a:rPr lang="en-GB" dirty="0" smtClean="0"/>
+              <a:t> </a:t>
+            </a:r>
+            <a:r>
+              <a:rPr lang="en-GB" dirty="0" err="1"/>
+              <a:t>manje</a:t>
+            </a:r>
+            <a:r>
+              <a:rPr lang="en-GB" dirty="0"/>
+              <a:t> </a:t>
+            </a:r>
+            <a:r>
+              <a:rPr lang="sr-Latn-RS" dirty="0"/>
+              <a:t>č</a:t>
+            </a:r>
+            <a:r>
+              <a:rPr lang="en-GB" dirty="0" err="1" smtClean="0"/>
+              <a:t>lanke</a:t>
+            </a:r>
+            <a:r>
+              <a:rPr lang="sr-Latn-RS" dirty="0" smtClean="0"/>
+              <a:t> i </a:t>
+            </a:r>
+            <a:r>
+              <a:rPr lang="en-GB" dirty="0" err="1" smtClean="0"/>
+              <a:t>mo</a:t>
+            </a:r>
+            <a:r>
+              <a:rPr lang="sr-Latn-RS" dirty="0"/>
+              <a:t>ž</a:t>
+            </a:r>
+            <a:r>
+              <a:rPr lang="en-GB" dirty="0" smtClean="0"/>
+              <a:t>e </a:t>
+            </a:r>
+            <a:r>
+              <a:rPr lang="en-GB" dirty="0"/>
+              <a:t>da </a:t>
+            </a:r>
+            <a:r>
+              <a:rPr lang="en-GB" dirty="0" err="1"/>
+              <a:t>bude</a:t>
+            </a:r>
+            <a:r>
+              <a:rPr lang="en-GB" dirty="0"/>
+              <a:t> </a:t>
+            </a:r>
+            <a:r>
+              <a:rPr lang="en-GB" dirty="0" err="1"/>
+              <a:t>podeljen</a:t>
+            </a:r>
+            <a:r>
+              <a:rPr lang="en-GB" dirty="0"/>
+              <a:t> </a:t>
+            </a:r>
+            <a:r>
+              <a:rPr lang="en-GB" dirty="0" err="1" smtClean="0"/>
               <a:t>na</a:t>
             </a:r>
             <a:r>
-              <a:rPr lang="sr-Cyrl-RS" altLang="en-US" dirty="0"/>
-              <a:t> </a:t>
-            </a:r>
-            <a:r>
-              <a:rPr lang="sr-Latn-RS" altLang="en-US" dirty="0"/>
-              <a:t>Matematičkom fakultetu </a:t>
-            </a:r>
-            <a:r>
-              <a:rPr lang="sr-Latn-RS" altLang="en-US" dirty="0" err="1"/>
-              <a:t>Univeziteta</a:t>
-            </a:r>
-            <a:r>
-              <a:rPr lang="sr-Latn-RS" altLang="en-US" dirty="0"/>
-              <a:t> u Beogradu</a:t>
-            </a:r>
-            <a:r>
-              <a:rPr lang="sr-Cyrl-RS" altLang="en-US" dirty="0"/>
-              <a:t>, </a:t>
-            </a:r>
-            <a:r>
-              <a:rPr lang="sr-Latn-RS" altLang="en-US" dirty="0"/>
-              <a:t>autor dr </a:t>
-            </a:r>
-            <a:r>
-              <a:rPr lang="en-US" altLang="en-US" dirty="0" err="1"/>
-              <a:t>Vesna</a:t>
-            </a:r>
-            <a:r>
-              <a:rPr lang="sr-Latn-RS" altLang="en-US" dirty="0"/>
-              <a:t> Mari</a:t>
-            </a:r>
-            <a:r>
-              <a:rPr lang="en-US" altLang="en-US" dirty="0" err="1"/>
-              <a:t>nkovi</a:t>
-            </a:r>
-            <a:r>
-              <a:rPr lang="sr-Latn-RS" altLang="en-US" smtClean="0"/>
-              <a:t>ć</a:t>
-            </a:r>
-            <a:endParaRPr lang="sr-Cyrl-RS" altLang="en-US" dirty="0" smtClean="0"/>
-          </a:p>
-          <a:p>
-            <a:r>
-              <a:rPr lang="sr-Latn-RS" altLang="en-US" dirty="0" err="1" smtClean="0"/>
-              <a:t>Skripte</a:t>
-            </a:r>
-            <a:r>
-              <a:rPr lang="sr-Latn-RS" altLang="en-US" dirty="0" smtClean="0"/>
-              <a:t> </a:t>
-            </a:r>
-            <a:r>
-              <a:rPr lang="sr-Latn-RS" altLang="en-US" dirty="0"/>
-              <a:t>iz </a:t>
-            </a:r>
-            <a:r>
-              <a:rPr lang="sr-Latn-RS" altLang="en-US" dirty="0" smtClean="0"/>
-              <a:t>predmeta Informatika</a:t>
-            </a:r>
-            <a:r>
-              <a:rPr lang="sr-Cyrl-RS" altLang="en-US" dirty="0" smtClean="0"/>
-              <a:t> </a:t>
-            </a:r>
-            <a:r>
-              <a:rPr lang="sr-Latn-RS" altLang="en-US" dirty="0" smtClean="0"/>
-              <a:t>na Univerzitetu</a:t>
-            </a:r>
-            <a:r>
-              <a:rPr lang="sr-Cyrl-RS" altLang="en-US" dirty="0" smtClean="0"/>
-              <a:t> </a:t>
-            </a:r>
-            <a:r>
-              <a:rPr lang="en-US" altLang="en-US" dirty="0" smtClean="0"/>
-              <a:t>Milano Bicocca</a:t>
-            </a:r>
-            <a:r>
-              <a:rPr lang="sr-Cyrl-RS" altLang="en-US" dirty="0" smtClean="0"/>
-              <a:t>,</a:t>
-            </a:r>
-            <a:r>
-              <a:rPr lang="en-US" altLang="en-US" dirty="0" smtClean="0"/>
-              <a:t> </a:t>
-            </a:r>
-            <a:r>
-              <a:rPr lang="sr-Latn-RS" altLang="en-US" dirty="0" smtClean="0"/>
-              <a:t>autor dr</a:t>
-            </a:r>
-            <a:r>
-              <a:rPr lang="sr-Cyrl-RS" altLang="en-US" dirty="0" smtClean="0"/>
-              <a:t> </a:t>
-            </a:r>
-            <a:r>
-              <a:rPr lang="en-US" altLang="en-US" dirty="0"/>
-              <a:t>Mirko </a:t>
-            </a:r>
-            <a:r>
-              <a:rPr lang="en-US" altLang="en-US" dirty="0" err="1"/>
-              <a:t>Cesarini</a:t>
-            </a:r>
-            <a:r>
-              <a:rPr lang="sr-Cyrl-RS" altLang="en-US" dirty="0" smtClean="0"/>
-              <a:t>  </a:t>
-            </a:r>
-            <a:endParaRPr lang="en-US" altLang="en-US" dirty="0" smtClean="0"/>
-          </a:p>
-          <a:p>
-            <a:endParaRPr lang="en-US" altLang="en-US" dirty="0" smtClean="0"/>
-          </a:p>
-          <a:p>
-            <a:pPr marL="0" indent="0">
-              <a:buFont typeface="Wingdings" pitchFamily="2" charset="2"/>
-              <a:buNone/>
+              <a:rPr lang="sr-Latn-RS" dirty="0" smtClean="0"/>
+              <a:t> </a:t>
+            </a:r>
+            <a:r>
+              <a:rPr lang="en-GB" dirty="0" err="1" smtClean="0"/>
+              <a:t>sekcije</a:t>
+            </a:r>
+            <a:r>
+              <a:rPr lang="en-GB" dirty="0"/>
+              <a:t>; </a:t>
+            </a:r>
+            <a:endParaRPr lang="sr-Latn-RS" dirty="0" smtClean="0"/>
+          </a:p>
+          <a:p>
+            <a:pPr lvl="2">
+              <a:spcBef>
+                <a:spcPts val="1200"/>
+              </a:spcBef>
             </a:pPr>
-            <a:endParaRPr lang="sr-Cyrl-RS" altLang="en-US" sz="1200" dirty="0" smtClean="0"/>
-          </a:p>
-          <a:p>
-            <a:pPr marL="0" indent="0">
-              <a:buFont typeface="Wingdings" pitchFamily="2" charset="2"/>
-              <a:buNone/>
-            </a:pPr>
-            <a:endParaRPr lang="sr-Latn-CS" altLang="en-US" sz="1200" dirty="0" smtClean="0"/>
-          </a:p>
-          <a:p>
-            <a:pPr marL="0" indent="0">
-              <a:buFont typeface="Wingdings" pitchFamily="2" charset="2"/>
-              <a:buNone/>
-            </a:pPr>
-            <a:endParaRPr lang="sr-Latn-CS" altLang="en-US" dirty="0" smtClean="0"/>
+            <a:r>
+              <a:rPr lang="en-GB" dirty="0" err="1" smtClean="0"/>
+              <a:t>nije</a:t>
+            </a:r>
+            <a:r>
+              <a:rPr lang="en-GB" dirty="0" smtClean="0"/>
+              <a:t> nu</a:t>
+            </a:r>
+            <a:r>
+              <a:rPr lang="sr-Latn-RS" dirty="0"/>
+              <a:t>ž</a:t>
+            </a:r>
+            <a:r>
+              <a:rPr lang="en-GB" dirty="0" smtClean="0"/>
+              <a:t>no </a:t>
+            </a:r>
+            <a:r>
+              <a:rPr lang="en-GB" dirty="0" err="1"/>
+              <a:t>nasloviti</a:t>
+            </a:r>
+            <a:r>
+              <a:rPr lang="en-GB" dirty="0"/>
+              <a:t> </a:t>
+            </a:r>
+            <a:r>
+              <a:rPr lang="sr-Latn-RS" dirty="0"/>
+              <a:t>č</a:t>
+            </a:r>
+            <a:r>
+              <a:rPr lang="en-GB" dirty="0" err="1" smtClean="0"/>
+              <a:t>lanak</a:t>
+            </a:r>
+            <a:endParaRPr lang="sr-Latn-RS" sz="1400" b="1" dirty="0">
+              <a:solidFill>
+                <a:srgbClr val="009E47"/>
+              </a:solidFill>
+              <a:latin typeface="Courier New" panose="02070309020205020404" pitchFamily="49" charset="0"/>
+              <a:cs typeface="Courier New" panose="02070309020205020404" pitchFamily="49" charset="0"/>
+            </a:endParaRPr>
           </a:p>
         </p:txBody>
       </p:sp>
     </p:spTree>
     <p:extLst>
       <p:ext uri="{BB962C8B-B14F-4D97-AF65-F5344CB8AC3E}">
-        <p14:creationId xmlns:p14="http://schemas.microsoft.com/office/powerpoint/2010/main" val="3609644295"/>
+        <p14:creationId xmlns:p14="http://schemas.microsoft.com/office/powerpoint/2010/main" val="3205117157"/>
       </p:ext>
     </p:extLst>
   </p:cSld>
@@ -11194,6 +12103,575 @@
         </p:spPr>
       </p:pic>
     </p:spTree>
+  </p:cSld>
+  <p:clrMapOvr>
+    <a:masterClrMapping/>
+  </p:clrMapOvr>
+  <p:timing>
+    <p:tnLst>
+      <p:par>
+        <p:cTn id="1" dur="indefinite" restart="never" nodeType="tmRoot"/>
+      </p:par>
+    </p:tnLst>
+  </p:timing>
+</p:sld>
+</file>
+
+<file path=ppt/slides/slide20.xml><?xml version="1.0" encoding="utf-8"?>
+<p:sld xmlns:a="http://schemas.openxmlformats.org/drawingml/2006/main" xmlns:r="http://schemas.openxmlformats.org/officeDocument/2006/relationships" xmlns:p="http://schemas.openxmlformats.org/presentationml/2006/main">
+  <p:cSld>
+    <p:spTree>
+      <p:nvGrpSpPr>
+        <p:cNvPr id="1" name=""/>
+        <p:cNvGrpSpPr/>
+        <p:nvPr/>
+      </p:nvGrpSpPr>
+      <p:grpSpPr>
+        <a:xfrm>
+          <a:off x="0" y="0"/>
+          <a:ext cx="0" cy="0"/>
+          <a:chOff x="0" y="0"/>
+          <a:chExt cx="0" cy="0"/>
+        </a:xfrm>
+      </p:grpSpPr>
+      <p:sp>
+        <p:nvSpPr>
+          <p:cNvPr id="92162" name="Rectangle 2"/>
+          <p:cNvSpPr>
+            <a:spLocks noGrp="1" noChangeArrowheads="1"/>
+          </p:cNvSpPr>
+          <p:nvPr>
+            <p:ph type="title"/>
+          </p:nvPr>
+        </p:nvSpPr>
+        <p:spPr>
+          <a:xfrm>
+            <a:off x="1403648" y="549275"/>
+            <a:ext cx="7283152" cy="868363"/>
+          </a:xfrm>
+        </p:spPr>
+        <p:txBody>
+          <a:bodyPr/>
+          <a:lstStyle/>
+          <a:p>
+            <a:r>
+              <a:rPr lang="en-US" altLang="en-US" dirty="0" err="1" smtClean="0">
+                <a:solidFill>
+                  <a:srgbClr val="002060"/>
+                </a:solidFill>
+              </a:rPr>
+              <a:t>Elementi</a:t>
+            </a:r>
+            <a:endParaRPr lang="en-GB" altLang="en-US" dirty="0" smtClean="0">
+              <a:solidFill>
+                <a:srgbClr val="002060"/>
+              </a:solidFill>
+            </a:endParaRPr>
+          </a:p>
+        </p:txBody>
+      </p:sp>
+      <p:sp>
+        <p:nvSpPr>
+          <p:cNvPr id="92163" name="Rectangle 3"/>
+          <p:cNvSpPr>
+            <a:spLocks noGrp="1" noChangeArrowheads="1"/>
+          </p:cNvSpPr>
+          <p:nvPr>
+            <p:ph idx="1"/>
+          </p:nvPr>
+        </p:nvSpPr>
+        <p:spPr>
+          <a:xfrm>
+            <a:off x="457200" y="1484784"/>
+            <a:ext cx="8391525" cy="5257800"/>
+          </a:xfrm>
+        </p:spPr>
+        <p:txBody>
+          <a:bodyPr/>
+          <a:lstStyle/>
+          <a:p>
+            <a:pPr lvl="0">
+              <a:spcBef>
+                <a:spcPts val="1200"/>
+              </a:spcBef>
+            </a:pPr>
+            <a:r>
+              <a:rPr lang="en-GB" dirty="0" smtClean="0"/>
+              <a:t>p</a:t>
+            </a:r>
+            <a:r>
+              <a:rPr lang="en-GB" dirty="0"/>
+              <a:t>, </a:t>
+            </a:r>
+            <a:r>
+              <a:rPr lang="en-GB" dirty="0" err="1" smtClean="0"/>
+              <a:t>em</a:t>
+            </a:r>
+            <a:r>
+              <a:rPr lang="en-GB" dirty="0"/>
+              <a:t>, strong, small, b, </a:t>
+            </a:r>
+            <a:r>
+              <a:rPr lang="en-GB" dirty="0" err="1"/>
+              <a:t>i</a:t>
+            </a:r>
+            <a:r>
+              <a:rPr lang="en-GB" dirty="0"/>
+              <a:t>, u, sub, sup, </a:t>
+            </a:r>
+            <a:endParaRPr lang="en-US" dirty="0"/>
+          </a:p>
+          <a:p>
+            <a:pPr lvl="0">
+              <a:spcBef>
+                <a:spcPts val="1200"/>
+              </a:spcBef>
+            </a:pPr>
+            <a:r>
+              <a:rPr lang="en-GB" dirty="0"/>
+              <a:t>address, </a:t>
+            </a:r>
+            <a:r>
+              <a:rPr lang="en-GB" dirty="0" err="1"/>
+              <a:t>blockquote</a:t>
+            </a:r>
+            <a:r>
+              <a:rPr lang="en-GB" dirty="0"/>
+              <a:t>, q, cite, pre, code, </a:t>
+            </a:r>
+            <a:endParaRPr lang="en-US" dirty="0"/>
+          </a:p>
+          <a:p>
+            <a:pPr lvl="0">
+              <a:spcBef>
+                <a:spcPts val="1200"/>
+              </a:spcBef>
+            </a:pPr>
+            <a:r>
+              <a:rPr lang="en-GB" dirty="0" err="1"/>
+              <a:t>ul</a:t>
+            </a:r>
+            <a:r>
+              <a:rPr lang="en-GB" dirty="0"/>
+              <a:t>, </a:t>
+            </a:r>
+            <a:r>
+              <a:rPr lang="en-GB" dirty="0" err="1"/>
+              <a:t>ol</a:t>
+            </a:r>
+            <a:r>
+              <a:rPr lang="en-GB" dirty="0"/>
+              <a:t>, li, dl, </a:t>
+            </a:r>
+            <a:r>
+              <a:rPr lang="en-GB" dirty="0" err="1"/>
+              <a:t>dd</a:t>
+            </a:r>
+            <a:r>
+              <a:rPr lang="en-GB" dirty="0"/>
+              <a:t>, </a:t>
+            </a:r>
+            <a:r>
+              <a:rPr lang="en-GB" dirty="0" err="1"/>
+              <a:t>dt</a:t>
+            </a:r>
+            <a:r>
+              <a:rPr lang="en-GB" dirty="0"/>
+              <a:t>, </a:t>
+            </a:r>
+            <a:endParaRPr lang="en-US" dirty="0"/>
+          </a:p>
+          <a:p>
+            <a:pPr lvl="0">
+              <a:spcBef>
+                <a:spcPts val="1200"/>
+              </a:spcBef>
+            </a:pPr>
+            <a:r>
+              <a:rPr lang="en-GB" dirty="0" err="1"/>
+              <a:t>img</a:t>
+            </a:r>
+            <a:r>
+              <a:rPr lang="en-GB" dirty="0"/>
+              <a:t>, audio, video, iframe, </a:t>
+            </a:r>
+            <a:endParaRPr lang="en-US" dirty="0"/>
+          </a:p>
+          <a:p>
+            <a:pPr lvl="0">
+              <a:spcBef>
+                <a:spcPts val="1200"/>
+              </a:spcBef>
+            </a:pPr>
+            <a:r>
+              <a:rPr lang="en-GB" dirty="0"/>
+              <a:t>table, </a:t>
+            </a:r>
+            <a:r>
+              <a:rPr lang="en-GB" dirty="0" err="1"/>
+              <a:t>tr</a:t>
+            </a:r>
+            <a:r>
+              <a:rPr lang="en-GB" dirty="0"/>
+              <a:t>, td, </a:t>
+            </a:r>
+            <a:r>
+              <a:rPr lang="en-GB" dirty="0" err="1"/>
+              <a:t>th</a:t>
+            </a:r>
+            <a:r>
+              <a:rPr lang="en-GB" dirty="0"/>
+              <a:t>, caption, </a:t>
+            </a:r>
+            <a:endParaRPr lang="en-US" dirty="0"/>
+          </a:p>
+          <a:p>
+            <a:pPr lvl="0">
+              <a:spcBef>
+                <a:spcPts val="1200"/>
+              </a:spcBef>
+            </a:pPr>
+            <a:r>
+              <a:rPr lang="en-GB" dirty="0"/>
+              <a:t>input, select, option, </a:t>
+            </a:r>
+            <a:r>
+              <a:rPr lang="en-GB" dirty="0" err="1"/>
+              <a:t>textarea</a:t>
+            </a:r>
+            <a:r>
+              <a:rPr lang="en-GB" dirty="0"/>
+              <a:t>, label, </a:t>
+            </a:r>
+            <a:endParaRPr lang="en-US" dirty="0"/>
+          </a:p>
+          <a:p>
+            <a:pPr lvl="0">
+              <a:spcBef>
+                <a:spcPts val="1200"/>
+              </a:spcBef>
+            </a:pPr>
+            <a:r>
+              <a:rPr lang="en-GB" dirty="0"/>
+              <a:t>div, span</a:t>
+            </a:r>
+            <a:endParaRPr lang="en-US" dirty="0"/>
+          </a:p>
+          <a:p>
+            <a:endParaRPr lang="en-US" altLang="en-US" dirty="0" smtClean="0"/>
+          </a:p>
+          <a:p>
+            <a:pPr marL="0" indent="0">
+              <a:buFont typeface="Wingdings" pitchFamily="2" charset="2"/>
+              <a:buNone/>
+            </a:pPr>
+            <a:endParaRPr lang="sr-Cyrl-RS" altLang="en-US" sz="1200" dirty="0" smtClean="0"/>
+          </a:p>
+          <a:p>
+            <a:pPr marL="0" indent="0">
+              <a:buFont typeface="Wingdings" pitchFamily="2" charset="2"/>
+              <a:buNone/>
+            </a:pPr>
+            <a:endParaRPr lang="sr-Latn-CS" altLang="en-US" sz="1200" dirty="0" smtClean="0"/>
+          </a:p>
+          <a:p>
+            <a:pPr marL="0" indent="0">
+              <a:buFont typeface="Wingdings" pitchFamily="2" charset="2"/>
+              <a:buNone/>
+            </a:pPr>
+            <a:endParaRPr lang="sr-Latn-CS" altLang="en-US" dirty="0" smtClean="0"/>
+          </a:p>
+        </p:txBody>
+      </p:sp>
+    </p:spTree>
+    <p:extLst>
+      <p:ext uri="{BB962C8B-B14F-4D97-AF65-F5344CB8AC3E}">
+        <p14:creationId xmlns:p14="http://schemas.microsoft.com/office/powerpoint/2010/main" val="3286986706"/>
+      </p:ext>
+    </p:extLst>
+  </p:cSld>
+  <p:clrMapOvr>
+    <a:masterClrMapping/>
+  </p:clrMapOvr>
+  <p:timing>
+    <p:tnLst>
+      <p:par>
+        <p:cTn id="1" dur="indefinite" restart="never" nodeType="tmRoot"/>
+      </p:par>
+    </p:tnLst>
+  </p:timing>
+</p:sld>
+</file>
+
+<file path=ppt/slides/slide21.xml><?xml version="1.0" encoding="utf-8"?>
+<p:sld xmlns:a="http://schemas.openxmlformats.org/drawingml/2006/main" xmlns:r="http://schemas.openxmlformats.org/officeDocument/2006/relationships" xmlns:p="http://schemas.openxmlformats.org/presentationml/2006/main">
+  <p:cSld>
+    <p:spTree>
+      <p:nvGrpSpPr>
+        <p:cNvPr id="1" name=""/>
+        <p:cNvGrpSpPr/>
+        <p:nvPr/>
+      </p:nvGrpSpPr>
+      <p:grpSpPr>
+        <a:xfrm>
+          <a:off x="0" y="0"/>
+          <a:ext cx="0" cy="0"/>
+          <a:chOff x="0" y="0"/>
+          <a:chExt cx="0" cy="0"/>
+        </a:xfrm>
+      </p:grpSpPr>
+      <p:sp>
+        <p:nvSpPr>
+          <p:cNvPr id="92162" name="Rectangle 2"/>
+          <p:cNvSpPr>
+            <a:spLocks noGrp="1" noChangeArrowheads="1"/>
+          </p:cNvSpPr>
+          <p:nvPr>
+            <p:ph type="title"/>
+          </p:nvPr>
+        </p:nvSpPr>
+        <p:spPr/>
+        <p:txBody>
+          <a:bodyPr/>
+          <a:lstStyle/>
+          <a:p>
+            <a:r>
+              <a:rPr lang="sr-Latn-RS" altLang="en-US" dirty="0" smtClean="0">
+                <a:solidFill>
+                  <a:srgbClr val="002060"/>
+                </a:solidFill>
+              </a:rPr>
+              <a:t>Zahvalnica</a:t>
+            </a:r>
+            <a:endParaRPr lang="en-GB" altLang="en-US" dirty="0" smtClean="0">
+              <a:solidFill>
+                <a:srgbClr val="002060"/>
+              </a:solidFill>
+            </a:endParaRPr>
+          </a:p>
+        </p:txBody>
+      </p:sp>
+      <p:sp>
+        <p:nvSpPr>
+          <p:cNvPr id="92163" name="Rectangle 3"/>
+          <p:cNvSpPr>
+            <a:spLocks noGrp="1" noChangeArrowheads="1"/>
+          </p:cNvSpPr>
+          <p:nvPr>
+            <p:ph idx="1"/>
+          </p:nvPr>
+        </p:nvSpPr>
+        <p:spPr>
+          <a:xfrm>
+            <a:off x="457200" y="1600200"/>
+            <a:ext cx="8391525" cy="5257800"/>
+          </a:xfrm>
+        </p:spPr>
+        <p:txBody>
+          <a:bodyPr/>
+          <a:lstStyle/>
+          <a:p>
+            <a:pPr marL="0" indent="0">
+              <a:buFont typeface="Wingdings" pitchFamily="2" charset="2"/>
+              <a:buNone/>
+            </a:pPr>
+            <a:r>
+              <a:rPr lang="sr-Latn-RS" altLang="en-US" dirty="0" smtClean="0"/>
+              <a:t>Delovi materijala ove prezentacije su preuzeti iz</a:t>
+            </a:r>
+            <a:r>
+              <a:rPr lang="sr-Cyrl-RS" altLang="en-US" dirty="0" smtClean="0"/>
+              <a:t>:</a:t>
+            </a:r>
+          </a:p>
+          <a:p>
+            <a:r>
+              <a:rPr lang="sr-Latn-RS" altLang="en-US" dirty="0" smtClean="0"/>
+              <a:t>Skripte iz predmeta Uvod u veb i internet tehnologije,</a:t>
+            </a:r>
+            <a:r>
+              <a:rPr lang="sr-Cyrl-RS" altLang="en-US" dirty="0" smtClean="0"/>
+              <a:t> </a:t>
+            </a:r>
+            <a:r>
+              <a:rPr lang="sr-Latn-RS" altLang="en-US" dirty="0" smtClean="0"/>
+              <a:t>na</a:t>
+            </a:r>
+            <a:r>
+              <a:rPr lang="sr-Cyrl-RS" altLang="en-US" dirty="0" smtClean="0"/>
+              <a:t> </a:t>
+            </a:r>
+            <a:r>
+              <a:rPr lang="sr-Latn-RS" altLang="en-US" dirty="0" smtClean="0"/>
+              <a:t>Matematičkom fakultetu Univeziteta u Beogradu</a:t>
+            </a:r>
+            <a:r>
+              <a:rPr lang="sr-Cyrl-RS" altLang="en-US" dirty="0" smtClean="0"/>
+              <a:t>, </a:t>
+            </a:r>
+            <a:r>
+              <a:rPr lang="sr-Latn-RS" altLang="en-US" dirty="0" smtClean="0"/>
+              <a:t>autor prof. dr Filip Marić</a:t>
+            </a:r>
+          </a:p>
+          <a:p>
+            <a:r>
+              <a:rPr lang="en-US" altLang="en-US" dirty="0" err="1"/>
+              <a:t>Prezentacija</a:t>
+            </a:r>
+            <a:r>
+              <a:rPr lang="en-US" altLang="en-US" dirty="0"/>
+              <a:t> </a:t>
+            </a:r>
+            <a:r>
+              <a:rPr lang="sr-Latn-RS" altLang="en-US" dirty="0"/>
+              <a:t>iz predmeta Uvod u veb i internet tehnologije,</a:t>
+            </a:r>
+            <a:r>
+              <a:rPr lang="sr-Cyrl-RS" altLang="en-US" dirty="0"/>
+              <a:t> </a:t>
+            </a:r>
+            <a:r>
+              <a:rPr lang="sr-Latn-RS" altLang="en-US" dirty="0"/>
+              <a:t>na</a:t>
+            </a:r>
+            <a:r>
+              <a:rPr lang="sr-Cyrl-RS" altLang="en-US" dirty="0"/>
+              <a:t> </a:t>
+            </a:r>
+            <a:r>
+              <a:rPr lang="sr-Latn-RS" altLang="en-US" dirty="0"/>
+              <a:t>Matematičkom fakultetu </a:t>
+            </a:r>
+            <a:r>
+              <a:rPr lang="sr-Latn-RS" altLang="en-US" dirty="0" err="1"/>
+              <a:t>Univeziteta</a:t>
+            </a:r>
+            <a:r>
+              <a:rPr lang="sr-Latn-RS" altLang="en-US" dirty="0"/>
+              <a:t> u Beogradu</a:t>
+            </a:r>
+            <a:r>
+              <a:rPr lang="sr-Cyrl-RS" altLang="en-US" dirty="0"/>
+              <a:t>, </a:t>
+            </a:r>
+            <a:r>
+              <a:rPr lang="sr-Latn-RS" altLang="en-US" dirty="0"/>
+              <a:t>autor dr </a:t>
+            </a:r>
+            <a:r>
+              <a:rPr lang="en-US" altLang="en-US" dirty="0" err="1"/>
+              <a:t>Vesna</a:t>
+            </a:r>
+            <a:r>
+              <a:rPr lang="sr-Latn-RS" altLang="en-US" dirty="0"/>
+              <a:t> Mari</a:t>
+            </a:r>
+            <a:r>
+              <a:rPr lang="en-US" altLang="en-US" dirty="0" err="1"/>
+              <a:t>nkovi</a:t>
+            </a:r>
+            <a:r>
+              <a:rPr lang="sr-Latn-RS" altLang="en-US" smtClean="0"/>
+              <a:t>ć</a:t>
+            </a:r>
+            <a:endParaRPr lang="sr-Cyrl-RS" altLang="en-US" dirty="0" smtClean="0"/>
+          </a:p>
+          <a:p>
+            <a:r>
+              <a:rPr lang="sr-Latn-RS" altLang="en-US" dirty="0" err="1" smtClean="0"/>
+              <a:t>Skripte</a:t>
+            </a:r>
+            <a:r>
+              <a:rPr lang="sr-Latn-RS" altLang="en-US" dirty="0" smtClean="0"/>
+              <a:t> </a:t>
+            </a:r>
+            <a:r>
+              <a:rPr lang="sr-Latn-RS" altLang="en-US" dirty="0"/>
+              <a:t>iz </a:t>
+            </a:r>
+            <a:r>
+              <a:rPr lang="sr-Latn-RS" altLang="en-US" dirty="0" smtClean="0"/>
+              <a:t>predmeta Informatika</a:t>
+            </a:r>
+            <a:r>
+              <a:rPr lang="sr-Cyrl-RS" altLang="en-US" dirty="0" smtClean="0"/>
+              <a:t> </a:t>
+            </a:r>
+            <a:r>
+              <a:rPr lang="sr-Latn-RS" altLang="en-US" dirty="0" smtClean="0"/>
+              <a:t>na Univerzitetu</a:t>
+            </a:r>
+            <a:r>
+              <a:rPr lang="sr-Cyrl-RS" altLang="en-US" dirty="0" smtClean="0"/>
+              <a:t> </a:t>
+            </a:r>
+            <a:r>
+              <a:rPr lang="en-US" altLang="en-US" dirty="0" smtClean="0"/>
+              <a:t>Milano Bicocca</a:t>
+            </a:r>
+            <a:r>
+              <a:rPr lang="sr-Cyrl-RS" altLang="en-US" dirty="0" smtClean="0"/>
+              <a:t>,</a:t>
+            </a:r>
+            <a:r>
+              <a:rPr lang="en-US" altLang="en-US" dirty="0" smtClean="0"/>
+              <a:t> </a:t>
+            </a:r>
+            <a:r>
+              <a:rPr lang="sr-Latn-RS" altLang="en-US" dirty="0" smtClean="0"/>
+              <a:t>autor dr</a:t>
+            </a:r>
+            <a:r>
+              <a:rPr lang="sr-Cyrl-RS" altLang="en-US" dirty="0" smtClean="0"/>
+              <a:t> </a:t>
+            </a:r>
+            <a:r>
+              <a:rPr lang="en-US" altLang="en-US" dirty="0"/>
+              <a:t>Mirko </a:t>
+            </a:r>
+            <a:r>
+              <a:rPr lang="en-US" altLang="en-US" dirty="0" err="1"/>
+              <a:t>Cesarini</a:t>
+            </a:r>
+            <a:r>
+              <a:rPr lang="sr-Cyrl-RS" altLang="en-US" dirty="0" smtClean="0"/>
+              <a:t>  </a:t>
+            </a:r>
+            <a:endParaRPr lang="en-US" altLang="en-US" dirty="0" smtClean="0"/>
+          </a:p>
+          <a:p>
+            <a:endParaRPr lang="en-US" altLang="en-US" dirty="0" smtClean="0"/>
+          </a:p>
+          <a:p>
+            <a:pPr marL="0" indent="0">
+              <a:buFont typeface="Wingdings" pitchFamily="2" charset="2"/>
+              <a:buNone/>
+            </a:pPr>
+            <a:endParaRPr lang="sr-Cyrl-RS" altLang="en-US" sz="1200" dirty="0" smtClean="0"/>
+          </a:p>
+          <a:p>
+            <a:pPr marL="0" indent="0">
+              <a:buFont typeface="Wingdings" pitchFamily="2" charset="2"/>
+              <a:buNone/>
+            </a:pPr>
+            <a:endParaRPr lang="sr-Latn-CS" altLang="en-US" sz="1200" dirty="0" smtClean="0"/>
+          </a:p>
+          <a:p>
+            <a:pPr marL="0" indent="0">
+              <a:buFont typeface="Wingdings" pitchFamily="2" charset="2"/>
+              <a:buNone/>
+            </a:pPr>
+            <a:endParaRPr lang="sr-Latn-CS" altLang="en-US" dirty="0" smtClean="0"/>
+          </a:p>
+        </p:txBody>
+      </p:sp>
+    </p:spTree>
+    <p:extLst>
+      <p:ext uri="{BB962C8B-B14F-4D97-AF65-F5344CB8AC3E}">
+        <p14:creationId xmlns:p14="http://schemas.microsoft.com/office/powerpoint/2010/main" val="3609644295"/>
+      </p:ext>
+    </p:extLst>
   </p:cSld>
   <p:clrMapOvr>
     <a:masterClrMapping/>

--- a/predavanja/prezentacije/UVIT03-01-HTML 5.pptx
+++ b/predavanja/prezentacije/UVIT03-01-HTML 5.pptx
@@ -5,7 +5,7 @@
     <p:sldMasterId id="2147483750" r:id="rId1"/>
   </p:sldMasterIdLst>
   <p:notesMasterIdLst>
-    <p:notesMasterId r:id="rId23"/>
+    <p:notesMasterId r:id="rId26"/>
   </p:notesMasterIdLst>
   <p:sldIdLst>
     <p:sldId id="296" r:id="rId2"/>
@@ -27,8 +27,11 @@
     <p:sldId id="325" r:id="rId18"/>
     <p:sldId id="324" r:id="rId19"/>
     <p:sldId id="326" r:id="rId20"/>
-    <p:sldId id="309" r:id="rId21"/>
-    <p:sldId id="307" r:id="rId22"/>
+    <p:sldId id="327" r:id="rId21"/>
+    <p:sldId id="328" r:id="rId22"/>
+    <p:sldId id="329" r:id="rId23"/>
+    <p:sldId id="309" r:id="rId24"/>
+    <p:sldId id="307" r:id="rId25"/>
   </p:sldIdLst>
   <p:sldSz cx="9144000" cy="6858000" type="screen4x3"/>
   <p:notesSz cx="6858000" cy="9144000"/>
@@ -1856,8 +1859,8 @@
         </p:nvSpPr>
         <p:spPr bwMode="auto">
           <a:xfrm>
-            <a:off x="8518769" y="274072"/>
-            <a:ext cx="409087" cy="215444"/>
+            <a:off x="8493122" y="274072"/>
+            <a:ext cx="460382" cy="215444"/>
           </a:xfrm>
           <a:prstGeom prst="rect">
             <a:avLst/>
@@ -2034,24 +2037,14 @@
               <a:t>‹#›</a:t>
             </a:fld>
             <a:r>
-              <a:rPr lang="en-US" sz="800" dirty="0" smtClean="0">
+              <a:rPr lang="sr-Latn-RS" sz="800" dirty="0" smtClean="0">
                 <a:solidFill>
                   <a:srgbClr val="6767FF"/>
                 </a:solidFill>
                 <a:latin typeface="Times New Roman" pitchFamily="18" charset="0"/>
                 <a:cs typeface="Arial" charset="0"/>
               </a:rPr>
-              <a:t>/</a:t>
-            </a:r>
-            <a:r>
-              <a:rPr lang="sr-Cyrl-RS" sz="800" dirty="0" smtClean="0">
-                <a:solidFill>
-                  <a:srgbClr val="6767FF"/>
-                </a:solidFill>
-                <a:latin typeface="Times New Roman" pitchFamily="18" charset="0"/>
-                <a:cs typeface="Arial" charset="0"/>
-              </a:rPr>
-              <a:t>8</a:t>
+              <a:t>/24</a:t>
             </a:r>
             <a:endParaRPr lang="en-US" sz="800" dirty="0" smtClean="0">
               <a:solidFill>
@@ -11054,656 +11047,756 @@
       </p:sp>
       <p:sp>
         <p:nvSpPr>
-          <p:cNvPr id="92163" name="Rectangle 3"/>
-          <p:cNvSpPr>
-            <a:spLocks noGrp="1" noChangeArrowheads="1"/>
-          </p:cNvSpPr>
-          <p:nvPr>
-            <p:ph idx="1"/>
-          </p:nvPr>
+          <p:cNvPr id="5" name="Rectangle 4"/>
+          <p:cNvSpPr/>
+          <p:nvPr/>
         </p:nvSpPr>
         <p:spPr>
           <a:xfrm>
-            <a:off x="457200" y="1484784"/>
-            <a:ext cx="8579296" cy="5373216"/>
+            <a:off x="539552" y="1556792"/>
+            <a:ext cx="8280920" cy="4524315"/>
           </a:xfrm>
+          <a:prstGeom prst="rect">
+            <a:avLst/>
+          </a:prstGeom>
         </p:spPr>
         <p:txBody>
-          <a:bodyPr/>
+          <a:bodyPr wrap="square">
+            <a:spAutoFit/>
+          </a:bodyPr>
           <a:lstStyle/>
           <a:p>
-            <a:pPr lvl="1">
-              <a:spcBef>
-                <a:spcPts val="1200"/>
-              </a:spcBef>
-            </a:pPr>
-            <a:r>
-              <a:rPr lang="en-GB" dirty="0" err="1"/>
-              <a:t>Ako</a:t>
-            </a:r>
-            <a:r>
-              <a:rPr lang="en-GB" dirty="0"/>
-              <a:t> </a:t>
-            </a:r>
-            <a:r>
-              <a:rPr lang="en-GB" dirty="0" err="1" smtClean="0"/>
-              <a:t>veb</a:t>
-            </a:r>
-            <a:r>
-              <a:rPr lang="en-GB" dirty="0" smtClean="0"/>
-              <a:t> </a:t>
-            </a:r>
-            <a:r>
-              <a:rPr lang="en-GB" dirty="0" err="1" smtClean="0"/>
-              <a:t>sajt</a:t>
-            </a:r>
-            <a:r>
-              <a:rPr lang="en-GB" dirty="0" smtClean="0"/>
-              <a:t> </a:t>
-            </a:r>
-            <a:r>
-              <a:rPr lang="en-GB" dirty="0" err="1" smtClean="0"/>
-              <a:t>sadr</a:t>
-            </a:r>
-            <a:r>
-              <a:rPr lang="sr-Latn-RS" dirty="0" smtClean="0"/>
-              <a:t>ž</a:t>
-            </a:r>
-            <a:r>
-              <a:rPr lang="en-GB" dirty="0" err="1" smtClean="0"/>
-              <a:t>i</a:t>
-            </a:r>
-            <a:r>
-              <a:rPr lang="en-GB" dirty="0" smtClean="0"/>
-              <a:t> </a:t>
-            </a:r>
-            <a:r>
-              <a:rPr lang="sr-Latn-RS" dirty="0" smtClean="0"/>
-              <a:t>mnogo </a:t>
-            </a:r>
-            <a:r>
-              <a:rPr lang="en-GB" dirty="0" err="1" smtClean="0"/>
-              <a:t>materijala</a:t>
-            </a:r>
-            <a:r>
-              <a:rPr lang="en-GB" dirty="0"/>
-              <a:t>, </a:t>
-            </a:r>
-            <a:r>
-              <a:rPr lang="en-GB" dirty="0" err="1"/>
-              <a:t>pogodno</a:t>
-            </a:r>
-            <a:r>
-              <a:rPr lang="en-GB" dirty="0"/>
-              <a:t> </a:t>
-            </a:r>
-            <a:r>
-              <a:rPr lang="en-GB" dirty="0" err="1"/>
-              <a:t>ga</a:t>
-            </a:r>
-            <a:r>
-              <a:rPr lang="en-GB" dirty="0"/>
-              <a:t> je </a:t>
-            </a:r>
-            <a:r>
-              <a:rPr lang="en-GB" dirty="0" err="1"/>
-              <a:t>podeliti</a:t>
-            </a:r>
-            <a:r>
-              <a:rPr lang="en-GB" dirty="0"/>
-              <a:t> </a:t>
-            </a:r>
-            <a:r>
-              <a:rPr lang="en-GB" dirty="0" err="1"/>
-              <a:t>na</a:t>
-            </a:r>
-            <a:r>
-              <a:rPr lang="en-GB" dirty="0"/>
-              <a:t> </a:t>
-            </a:r>
-            <a:r>
-              <a:rPr lang="en-GB" dirty="0" err="1">
-                <a:solidFill>
-                  <a:srgbClr val="6767FF"/>
-                </a:solidFill>
-              </a:rPr>
-              <a:t>sekcije</a:t>
-            </a:r>
-            <a:endParaRPr lang="en-GB" dirty="0">
+            <a:r>
+              <a:rPr lang="sr-Latn-RS" sz="1200" b="1" dirty="0">
+                <a:solidFill>
+                  <a:srgbClr val="009E47"/>
+                </a:solidFill>
+                <a:latin typeface="Courier New" panose="02070309020205020404" pitchFamily="49" charset="0"/>
+                <a:cs typeface="Courier New" panose="02070309020205020404" pitchFamily="49" charset="0"/>
+              </a:rPr>
+              <a:t>&lt;!DOCTYPE html&gt;</a:t>
+            </a:r>
+          </a:p>
+          <a:p>
+            <a:r>
+              <a:rPr lang="sr-Latn-RS" sz="1200" b="1" dirty="0">
+                <a:solidFill>
+                  <a:srgbClr val="009E47"/>
+                </a:solidFill>
+                <a:latin typeface="Courier New" panose="02070309020205020404" pitchFamily="49" charset="0"/>
+                <a:cs typeface="Courier New" panose="02070309020205020404" pitchFamily="49" charset="0"/>
+              </a:rPr>
+              <a:t>&lt;html</a:t>
+            </a:r>
+            <a:r>
+              <a:rPr lang="sr-Latn-RS" sz="1200" b="1" dirty="0" smtClean="0">
+                <a:solidFill>
+                  <a:srgbClr val="009E47"/>
+                </a:solidFill>
+                <a:latin typeface="Courier New" panose="02070309020205020404" pitchFamily="49" charset="0"/>
+                <a:cs typeface="Courier New" panose="02070309020205020404" pitchFamily="49" charset="0"/>
+              </a:rPr>
+              <a:t>&gt;</a:t>
+            </a:r>
+            <a:endParaRPr lang="sr-Latn-RS" sz="1200" b="1" dirty="0">
               <a:solidFill>
-                <a:srgbClr val="6767FF"/>
+                <a:srgbClr val="009E47"/>
               </a:solidFill>
+              <a:latin typeface="Courier New" panose="02070309020205020404" pitchFamily="49" charset="0"/>
+              <a:cs typeface="Courier New" panose="02070309020205020404" pitchFamily="49" charset="0"/>
             </a:endParaRPr>
           </a:p>
           <a:p>
-            <a:pPr lvl="1">
-              <a:spcBef>
-                <a:spcPts val="1200"/>
-              </a:spcBef>
-            </a:pPr>
-            <a:r>
-              <a:rPr lang="en-GB" dirty="0" err="1"/>
-              <a:t>Za</a:t>
-            </a:r>
-            <a:r>
-              <a:rPr lang="en-GB" dirty="0"/>
-              <a:t> </a:t>
-            </a:r>
-            <a:r>
-              <a:rPr lang="en-GB" dirty="0" err="1" smtClean="0"/>
-              <a:t>ozna</a:t>
-            </a:r>
-            <a:r>
-              <a:rPr lang="sr-Latn-RS" dirty="0"/>
-              <a:t>č</a:t>
-            </a:r>
-            <a:r>
-              <a:rPr lang="en-GB" dirty="0" err="1" smtClean="0"/>
-              <a:t>avanje</a:t>
-            </a:r>
-            <a:r>
-              <a:rPr lang="en-GB" dirty="0" smtClean="0"/>
-              <a:t> </a:t>
-            </a:r>
-            <a:r>
-              <a:rPr lang="en-GB" dirty="0" err="1"/>
-              <a:t>sekcije</a:t>
-            </a:r>
-            <a:r>
-              <a:rPr lang="en-GB" dirty="0"/>
-              <a:t> </a:t>
-            </a:r>
-            <a:r>
-              <a:rPr lang="en-GB" dirty="0" err="1"/>
-              <a:t>koristi</a:t>
-            </a:r>
-            <a:r>
-              <a:rPr lang="en-GB" dirty="0"/>
-              <a:t> se element </a:t>
-            </a:r>
-            <a:r>
-              <a:rPr lang="en-GB" dirty="0">
-                <a:solidFill>
-                  <a:srgbClr val="009E47"/>
-                </a:solidFill>
-              </a:rPr>
-              <a:t>section</a:t>
-            </a:r>
-          </a:p>
-          <a:p>
-            <a:pPr lvl="1">
-              <a:spcBef>
-                <a:spcPts val="1200"/>
-              </a:spcBef>
-            </a:pPr>
-            <a:r>
-              <a:rPr lang="en-GB" dirty="0" err="1"/>
-              <a:t>Sekcija</a:t>
-            </a:r>
-            <a:r>
-              <a:rPr lang="en-GB" dirty="0"/>
-              <a:t> </a:t>
-            </a:r>
-            <a:r>
-              <a:rPr lang="en-GB" dirty="0" err="1" smtClean="0"/>
-              <a:t>uobi</a:t>
-            </a:r>
-            <a:r>
-              <a:rPr lang="sr-Latn-RS" dirty="0"/>
-              <a:t>č</a:t>
-            </a:r>
-            <a:r>
-              <a:rPr lang="en-GB" dirty="0" err="1" smtClean="0"/>
-              <a:t>ajeno</a:t>
-            </a:r>
-            <a:r>
-              <a:rPr lang="en-GB" dirty="0" smtClean="0"/>
-              <a:t> </a:t>
-            </a:r>
-            <a:r>
-              <a:rPr lang="en-GB" dirty="0" err="1" smtClean="0"/>
-              <a:t>po</a:t>
-            </a:r>
-            <a:r>
-              <a:rPr lang="sr-Latn-RS" dirty="0"/>
-              <a:t>č</a:t>
-            </a:r>
-            <a:r>
-              <a:rPr lang="en-GB" dirty="0" err="1" smtClean="0"/>
-              <a:t>inje</a:t>
-            </a:r>
-            <a:r>
-              <a:rPr lang="en-GB" dirty="0" smtClean="0"/>
-              <a:t> </a:t>
-            </a:r>
-            <a:r>
-              <a:rPr lang="en-GB" dirty="0" err="1"/>
-              <a:t>naslovom</a:t>
-            </a:r>
-            <a:r>
-              <a:rPr lang="en-GB" dirty="0"/>
-              <a:t>; </a:t>
-            </a:r>
-            <a:r>
-              <a:rPr lang="en-GB" dirty="0" err="1"/>
-              <a:t>sekcije</a:t>
-            </a:r>
-            <a:r>
-              <a:rPr lang="en-GB" dirty="0"/>
-              <a:t> u </a:t>
-            </a:r>
-            <a:r>
-              <a:rPr lang="en-GB" dirty="0" err="1"/>
-              <a:t>sebi</a:t>
-            </a:r>
-            <a:r>
-              <a:rPr lang="en-GB" dirty="0"/>
-              <a:t> </a:t>
-            </a:r>
-            <a:r>
-              <a:rPr lang="en-GB" dirty="0" err="1"/>
-              <a:t>mogu</a:t>
-            </a:r>
-            <a:r>
-              <a:rPr lang="en-GB" dirty="0"/>
-              <a:t> da </a:t>
-            </a:r>
-            <a:r>
-              <a:rPr lang="en-GB" dirty="0" err="1" smtClean="0"/>
-              <a:t>sadr</a:t>
-            </a:r>
-            <a:r>
-              <a:rPr lang="sr-Latn-RS" dirty="0"/>
-              <a:t>ž</a:t>
-            </a:r>
-            <a:r>
-              <a:rPr lang="en-GB" dirty="0" smtClean="0"/>
-              <a:t>e</a:t>
-            </a:r>
-            <a:r>
-              <a:rPr lang="sr-Latn-RS" dirty="0" smtClean="0"/>
-              <a:t> </a:t>
-            </a:r>
-            <a:r>
-              <a:rPr lang="en-GB" dirty="0" err="1" smtClean="0"/>
-              <a:t>zaglavlja</a:t>
-            </a:r>
-            <a:r>
-              <a:rPr lang="en-GB" dirty="0"/>
-              <a:t>, </a:t>
-            </a:r>
-            <a:r>
-              <a:rPr lang="en-GB" dirty="0" err="1" smtClean="0"/>
-              <a:t>podno</a:t>
-            </a:r>
-            <a:r>
-              <a:rPr lang="sr-Latn-RS" dirty="0"/>
-              <a:t>ž</a:t>
-            </a:r>
-            <a:r>
-              <a:rPr lang="en-GB" dirty="0" err="1" smtClean="0"/>
-              <a:t>ja</a:t>
-            </a:r>
-            <a:r>
-              <a:rPr lang="en-GB" dirty="0"/>
-              <a:t>, </a:t>
-            </a:r>
-            <a:r>
-              <a:rPr lang="en-GB" dirty="0" err="1"/>
-              <a:t>manje</a:t>
-            </a:r>
-            <a:r>
-              <a:rPr lang="en-GB" dirty="0"/>
-              <a:t> </a:t>
-            </a:r>
-            <a:r>
-              <a:rPr lang="en-GB" dirty="0" err="1"/>
-              <a:t>podsekcije</a:t>
-            </a:r>
-            <a:r>
-              <a:rPr lang="en-GB" dirty="0" smtClean="0"/>
-              <a:t>,</a:t>
-            </a:r>
-            <a:r>
-              <a:rPr lang="sr-Latn-RS" dirty="0" smtClean="0"/>
-              <a:t> itd</a:t>
-            </a:r>
-            <a:r>
-              <a:rPr lang="en-GB" dirty="0" smtClean="0"/>
-              <a:t>.</a:t>
-            </a:r>
-            <a:endParaRPr lang="en-GB" dirty="0"/>
-          </a:p>
-          <a:p>
-            <a:pPr lvl="1">
-              <a:spcBef>
-                <a:spcPts val="1200"/>
-              </a:spcBef>
-            </a:pPr>
-            <a:r>
-              <a:rPr lang="en-GB" dirty="0" err="1"/>
-              <a:t>Potpuno</a:t>
-            </a:r>
-            <a:r>
-              <a:rPr lang="en-GB" dirty="0"/>
-              <a:t> </a:t>
-            </a:r>
-            <a:r>
-              <a:rPr lang="en-GB" dirty="0" err="1" smtClean="0"/>
-              <a:t>zaokru</a:t>
-            </a:r>
-            <a:r>
-              <a:rPr lang="sr-Latn-RS" dirty="0"/>
-              <a:t>ž</a:t>
-            </a:r>
-            <a:r>
-              <a:rPr lang="en-GB" dirty="0" err="1" smtClean="0"/>
-              <a:t>ene</a:t>
-            </a:r>
-            <a:r>
-              <a:rPr lang="en-GB" dirty="0" smtClean="0"/>
-              <a:t> </a:t>
-            </a:r>
-            <a:r>
-              <a:rPr lang="en-GB" dirty="0" err="1"/>
-              <a:t>celine</a:t>
-            </a:r>
-            <a:r>
-              <a:rPr lang="en-GB" dirty="0"/>
-              <a:t> </a:t>
-            </a:r>
-            <a:r>
-              <a:rPr lang="en-GB" dirty="0" err="1"/>
-              <a:t>koje</a:t>
-            </a:r>
-            <a:r>
-              <a:rPr lang="en-GB" dirty="0"/>
-              <a:t> </a:t>
-            </a:r>
-            <a:r>
-              <a:rPr lang="en-GB" dirty="0" err="1"/>
-              <a:t>su</a:t>
-            </a:r>
-            <a:r>
-              <a:rPr lang="en-GB" dirty="0"/>
-              <a:t> </a:t>
-            </a:r>
-            <a:r>
-              <a:rPr lang="en-GB" dirty="0" err="1"/>
-              <a:t>nezavisne</a:t>
-            </a:r>
-            <a:r>
-              <a:rPr lang="en-GB" dirty="0"/>
-              <a:t> od </a:t>
-            </a:r>
-            <a:r>
-              <a:rPr lang="en-GB" dirty="0" err="1"/>
-              <a:t>ostalog</a:t>
-            </a:r>
-            <a:r>
-              <a:rPr lang="en-GB" dirty="0"/>
-              <a:t> </a:t>
-            </a:r>
-            <a:r>
-              <a:rPr lang="en-GB" dirty="0" err="1" smtClean="0"/>
-              <a:t>materijala</a:t>
-            </a:r>
-            <a:r>
-              <a:rPr lang="sr-Latn-RS" dirty="0" smtClean="0"/>
-              <a:t> </a:t>
-            </a:r>
-            <a:r>
-              <a:rPr lang="en-GB" dirty="0" err="1" smtClean="0"/>
-              <a:t>nazivaju</a:t>
-            </a:r>
-            <a:r>
-              <a:rPr lang="en-GB" dirty="0" smtClean="0"/>
-              <a:t> </a:t>
-            </a:r>
-            <a:r>
-              <a:rPr lang="en-GB" dirty="0"/>
-              <a:t>se </a:t>
-            </a:r>
-            <a:r>
-              <a:rPr lang="sr-Latn-RS" dirty="0">
-                <a:solidFill>
-                  <a:srgbClr val="6767FF"/>
-                </a:solidFill>
-              </a:rPr>
-              <a:t>č</a:t>
-            </a:r>
-            <a:r>
-              <a:rPr lang="en-GB" dirty="0" err="1" smtClean="0">
-                <a:solidFill>
-                  <a:srgbClr val="6767FF"/>
-                </a:solidFill>
-              </a:rPr>
-              <a:t>lanci</a:t>
-            </a:r>
-            <a:endParaRPr lang="en-GB" dirty="0">
+            <a:r>
+              <a:rPr lang="sr-Latn-RS" sz="1200" b="1" dirty="0">
+                <a:solidFill>
+                  <a:srgbClr val="009E47"/>
+                </a:solidFill>
+                <a:latin typeface="Courier New" panose="02070309020205020404" pitchFamily="49" charset="0"/>
+                <a:cs typeface="Courier New" panose="02070309020205020404" pitchFamily="49" charset="0"/>
+              </a:rPr>
+              <a:t>&lt;</a:t>
+            </a:r>
+            <a:r>
+              <a:rPr lang="sr-Latn-RS" sz="1200" b="1" dirty="0" err="1">
+                <a:solidFill>
+                  <a:srgbClr val="009E47"/>
+                </a:solidFill>
+                <a:latin typeface="Courier New" panose="02070309020205020404" pitchFamily="49" charset="0"/>
+                <a:cs typeface="Courier New" panose="02070309020205020404" pitchFamily="49" charset="0"/>
+              </a:rPr>
+              <a:t>head</a:t>
+            </a:r>
+            <a:r>
+              <a:rPr lang="sr-Latn-RS" sz="1200" b="1" dirty="0">
+                <a:solidFill>
+                  <a:srgbClr val="009E47"/>
+                </a:solidFill>
+                <a:latin typeface="Courier New" panose="02070309020205020404" pitchFamily="49" charset="0"/>
+                <a:cs typeface="Courier New" panose="02070309020205020404" pitchFamily="49" charset="0"/>
+              </a:rPr>
+              <a:t>&gt;</a:t>
+            </a:r>
+          </a:p>
+          <a:p>
+            <a:r>
+              <a:rPr lang="sr-Latn-RS" sz="1200" b="1" dirty="0">
+                <a:solidFill>
+                  <a:srgbClr val="009E47"/>
+                </a:solidFill>
+                <a:latin typeface="Courier New" panose="02070309020205020404" pitchFamily="49" charset="0"/>
+                <a:cs typeface="Courier New" panose="02070309020205020404" pitchFamily="49" charset="0"/>
+              </a:rPr>
+              <a:t>    &lt;</a:t>
+            </a:r>
+            <a:r>
+              <a:rPr lang="sr-Latn-RS" sz="1200" b="1" dirty="0" err="1">
+                <a:solidFill>
+                  <a:srgbClr val="009E47"/>
+                </a:solidFill>
+                <a:latin typeface="Courier New" panose="02070309020205020404" pitchFamily="49" charset="0"/>
+                <a:cs typeface="Courier New" panose="02070309020205020404" pitchFamily="49" charset="0"/>
+              </a:rPr>
+              <a:t>title</a:t>
+            </a:r>
+            <a:r>
+              <a:rPr lang="sr-Latn-RS" sz="1200" b="1" dirty="0">
+                <a:solidFill>
+                  <a:srgbClr val="009E47"/>
+                </a:solidFill>
+                <a:latin typeface="Courier New" panose="02070309020205020404" pitchFamily="49" charset="0"/>
+                <a:cs typeface="Courier New" panose="02070309020205020404" pitchFamily="49" charset="0"/>
+              </a:rPr>
+              <a:t>&gt;</a:t>
+            </a:r>
+            <a:r>
+              <a:rPr lang="sr-Latn-RS" sz="1200" b="1" dirty="0" err="1">
+                <a:solidFill>
+                  <a:srgbClr val="009E47"/>
+                </a:solidFill>
+                <a:latin typeface="Courier New" panose="02070309020205020404" pitchFamily="49" charset="0"/>
+                <a:cs typeface="Courier New" panose="02070309020205020404" pitchFamily="49" charset="0"/>
+              </a:rPr>
+              <a:t>Clanci</a:t>
+            </a:r>
+            <a:r>
+              <a:rPr lang="sr-Latn-RS" sz="1200" b="1" dirty="0">
+                <a:solidFill>
+                  <a:srgbClr val="009E47"/>
+                </a:solidFill>
+                <a:latin typeface="Courier New" panose="02070309020205020404" pitchFamily="49" charset="0"/>
+                <a:cs typeface="Courier New" panose="02070309020205020404" pitchFamily="49" charset="0"/>
+              </a:rPr>
+              <a:t>&lt;/</a:t>
+            </a:r>
+            <a:r>
+              <a:rPr lang="sr-Latn-RS" sz="1200" b="1" dirty="0" err="1">
+                <a:solidFill>
+                  <a:srgbClr val="009E47"/>
+                </a:solidFill>
+                <a:latin typeface="Courier New" panose="02070309020205020404" pitchFamily="49" charset="0"/>
+                <a:cs typeface="Courier New" panose="02070309020205020404" pitchFamily="49" charset="0"/>
+              </a:rPr>
+              <a:t>title</a:t>
+            </a:r>
+            <a:r>
+              <a:rPr lang="sr-Latn-RS" sz="1200" b="1" dirty="0">
+                <a:solidFill>
+                  <a:srgbClr val="009E47"/>
+                </a:solidFill>
+                <a:latin typeface="Courier New" panose="02070309020205020404" pitchFamily="49" charset="0"/>
+                <a:cs typeface="Courier New" panose="02070309020205020404" pitchFamily="49" charset="0"/>
+              </a:rPr>
+              <a:t>&gt;</a:t>
+            </a:r>
+          </a:p>
+          <a:p>
+            <a:r>
+              <a:rPr lang="sr-Latn-RS" sz="1200" b="1" dirty="0">
+                <a:solidFill>
+                  <a:srgbClr val="009E47"/>
+                </a:solidFill>
+                <a:latin typeface="Courier New" panose="02070309020205020404" pitchFamily="49" charset="0"/>
+                <a:cs typeface="Courier New" panose="02070309020205020404" pitchFamily="49" charset="0"/>
+              </a:rPr>
+              <a:t>&lt;/</a:t>
+            </a:r>
+            <a:r>
+              <a:rPr lang="sr-Latn-RS" sz="1200" b="1" dirty="0" err="1">
+                <a:solidFill>
+                  <a:srgbClr val="009E47"/>
+                </a:solidFill>
+                <a:latin typeface="Courier New" panose="02070309020205020404" pitchFamily="49" charset="0"/>
+                <a:cs typeface="Courier New" panose="02070309020205020404" pitchFamily="49" charset="0"/>
+              </a:rPr>
+              <a:t>head</a:t>
+            </a:r>
+            <a:r>
+              <a:rPr lang="sr-Latn-RS" sz="1200" b="1" dirty="0" smtClean="0">
+                <a:solidFill>
+                  <a:srgbClr val="009E47"/>
+                </a:solidFill>
+                <a:latin typeface="Courier New" panose="02070309020205020404" pitchFamily="49" charset="0"/>
+                <a:cs typeface="Courier New" panose="02070309020205020404" pitchFamily="49" charset="0"/>
+              </a:rPr>
+              <a:t>&gt;</a:t>
+            </a:r>
+            <a:endParaRPr lang="sr-Latn-RS" sz="1200" b="1" dirty="0">
               <a:solidFill>
-                <a:srgbClr val="6767FF"/>
+                <a:srgbClr val="009E47"/>
               </a:solidFill>
+              <a:latin typeface="Courier New" panose="02070309020205020404" pitchFamily="49" charset="0"/>
+              <a:cs typeface="Courier New" panose="02070309020205020404" pitchFamily="49" charset="0"/>
             </a:endParaRPr>
           </a:p>
           <a:p>
-            <a:pPr lvl="1">
-              <a:spcBef>
-                <a:spcPts val="1200"/>
-              </a:spcBef>
-            </a:pPr>
-            <a:r>
-              <a:rPr lang="en-GB" dirty="0" err="1"/>
-              <a:t>Za</a:t>
-            </a:r>
-            <a:r>
-              <a:rPr lang="en-GB" dirty="0"/>
-              <a:t> </a:t>
-            </a:r>
-            <a:r>
-              <a:rPr lang="en-GB" dirty="0" err="1" smtClean="0"/>
-              <a:t>ozna</a:t>
-            </a:r>
-            <a:r>
-              <a:rPr lang="sr-Latn-RS" dirty="0"/>
-              <a:t>č</a:t>
-            </a:r>
-            <a:r>
-              <a:rPr lang="en-GB" dirty="0" err="1" smtClean="0"/>
-              <a:t>avanje</a:t>
-            </a:r>
-            <a:r>
-              <a:rPr lang="en-GB" dirty="0" smtClean="0"/>
-              <a:t> </a:t>
-            </a:r>
-            <a:r>
-              <a:rPr lang="sr-Latn-RS" dirty="0" smtClean="0"/>
-              <a:t>č</a:t>
-            </a:r>
-            <a:r>
-              <a:rPr lang="en-GB" dirty="0" err="1" smtClean="0"/>
-              <a:t>lanaka</a:t>
-            </a:r>
-            <a:r>
-              <a:rPr lang="en-GB" dirty="0" smtClean="0"/>
-              <a:t> </a:t>
-            </a:r>
-            <a:r>
-              <a:rPr lang="en-GB" dirty="0" err="1"/>
-              <a:t>koristi</a:t>
-            </a:r>
-            <a:r>
-              <a:rPr lang="en-GB" dirty="0"/>
-              <a:t> se element </a:t>
-            </a:r>
-            <a:r>
-              <a:rPr lang="en-GB" dirty="0">
-                <a:solidFill>
-                  <a:srgbClr val="6767FF"/>
-                </a:solidFill>
+            <a:r>
+              <a:rPr lang="sr-Latn-RS" sz="1200" b="1" dirty="0">
+                <a:solidFill>
+                  <a:srgbClr val="009E47"/>
+                </a:solidFill>
+                <a:latin typeface="Courier New" panose="02070309020205020404" pitchFamily="49" charset="0"/>
+                <a:cs typeface="Courier New" panose="02070309020205020404" pitchFamily="49" charset="0"/>
+              </a:rPr>
+              <a:t>&lt;</a:t>
+            </a:r>
+            <a:r>
+              <a:rPr lang="sr-Latn-RS" sz="1200" b="1" dirty="0" err="1">
+                <a:solidFill>
+                  <a:srgbClr val="009E47"/>
+                </a:solidFill>
+                <a:latin typeface="Courier New" panose="02070309020205020404" pitchFamily="49" charset="0"/>
+                <a:cs typeface="Courier New" panose="02070309020205020404" pitchFamily="49" charset="0"/>
+              </a:rPr>
+              <a:t>body</a:t>
+            </a:r>
+            <a:r>
+              <a:rPr lang="sr-Latn-RS" sz="1200" b="1" dirty="0">
+                <a:solidFill>
+                  <a:srgbClr val="009E47"/>
+                </a:solidFill>
+                <a:latin typeface="Courier New" panose="02070309020205020404" pitchFamily="49" charset="0"/>
+                <a:cs typeface="Courier New" panose="02070309020205020404" pitchFamily="49" charset="0"/>
+              </a:rPr>
+              <a:t>&gt;</a:t>
+            </a:r>
+          </a:p>
+          <a:p>
+            <a:r>
+              <a:rPr lang="sr-Latn-RS" sz="1200" b="1" dirty="0">
+                <a:solidFill>
+                  <a:srgbClr val="009E47"/>
+                </a:solidFill>
+                <a:latin typeface="Courier New" panose="02070309020205020404" pitchFamily="49" charset="0"/>
+                <a:cs typeface="Courier New" panose="02070309020205020404" pitchFamily="49" charset="0"/>
+              </a:rPr>
+              <a:t>    &lt;</a:t>
+            </a:r>
+            <a:r>
+              <a:rPr lang="sr-Latn-RS" sz="1200" b="1" dirty="0" err="1">
+                <a:solidFill>
+                  <a:srgbClr val="009E47"/>
+                </a:solidFill>
+                <a:latin typeface="Courier New" panose="02070309020205020404" pitchFamily="49" charset="0"/>
+                <a:cs typeface="Courier New" panose="02070309020205020404" pitchFamily="49" charset="0"/>
+              </a:rPr>
+              <a:t>header</a:t>
+            </a:r>
+            <a:r>
+              <a:rPr lang="sr-Latn-RS" sz="1200" b="1" dirty="0">
+                <a:solidFill>
+                  <a:srgbClr val="009E47"/>
+                </a:solidFill>
+                <a:latin typeface="Courier New" panose="02070309020205020404" pitchFamily="49" charset="0"/>
+                <a:cs typeface="Courier New" panose="02070309020205020404" pitchFamily="49" charset="0"/>
+              </a:rPr>
+              <a:t>&gt; |Ovo |je |celina |koja |predstavlja |zaglavlje|</a:t>
+            </a:r>
+          </a:p>
+          <a:p>
+            <a:r>
+              <a:rPr lang="sr-Latn-RS" sz="1200" b="1" dirty="0">
+                <a:solidFill>
+                  <a:srgbClr val="009E47"/>
+                </a:solidFill>
+                <a:latin typeface="Courier New" panose="02070309020205020404" pitchFamily="49" charset="0"/>
+                <a:cs typeface="Courier New" panose="02070309020205020404" pitchFamily="49" charset="0"/>
+              </a:rPr>
+              <a:t>    &lt;/</a:t>
+            </a:r>
+            <a:r>
+              <a:rPr lang="sr-Latn-RS" sz="1200" b="1" dirty="0" err="1">
+                <a:solidFill>
+                  <a:srgbClr val="009E47"/>
+                </a:solidFill>
+                <a:latin typeface="Courier New" panose="02070309020205020404" pitchFamily="49" charset="0"/>
+                <a:cs typeface="Courier New" panose="02070309020205020404" pitchFamily="49" charset="0"/>
+              </a:rPr>
+              <a:t>header</a:t>
+            </a:r>
+            <a:r>
+              <a:rPr lang="sr-Latn-RS" sz="1200" b="1" dirty="0">
+                <a:solidFill>
+                  <a:srgbClr val="009E47"/>
+                </a:solidFill>
+                <a:latin typeface="Courier New" panose="02070309020205020404" pitchFamily="49" charset="0"/>
+                <a:cs typeface="Courier New" panose="02070309020205020404" pitchFamily="49" charset="0"/>
+              </a:rPr>
+              <a:t>&gt;</a:t>
+            </a:r>
+          </a:p>
+          <a:p>
+            <a:r>
+              <a:rPr lang="sr-Latn-RS" sz="1200" b="1" dirty="0">
+                <a:solidFill>
+                  <a:srgbClr val="009E47"/>
+                </a:solidFill>
+                <a:latin typeface="Courier New" panose="02070309020205020404" pitchFamily="49" charset="0"/>
+                <a:cs typeface="Courier New" panose="02070309020205020404" pitchFamily="49" charset="0"/>
+              </a:rPr>
+              <a:t>    &lt;</a:t>
+            </a:r>
+            <a:r>
+              <a:rPr lang="sr-Latn-RS" sz="1200" b="1" dirty="0" err="1">
+                <a:solidFill>
+                  <a:srgbClr val="009E47"/>
+                </a:solidFill>
+                <a:latin typeface="Courier New" panose="02070309020205020404" pitchFamily="49" charset="0"/>
+                <a:cs typeface="Courier New" panose="02070309020205020404" pitchFamily="49" charset="0"/>
+              </a:rPr>
+              <a:t>nav</a:t>
+            </a:r>
+            <a:r>
+              <a:rPr lang="sr-Latn-RS" sz="1200" b="1" dirty="0">
+                <a:solidFill>
+                  <a:srgbClr val="009E47"/>
+                </a:solidFill>
+                <a:latin typeface="Courier New" panose="02070309020205020404" pitchFamily="49" charset="0"/>
+                <a:cs typeface="Courier New" panose="02070309020205020404" pitchFamily="49" charset="0"/>
+              </a:rPr>
+              <a:t>&gt;---Ovo je celina koja se koristi za navigaciju---</a:t>
+            </a:r>
+          </a:p>
+          <a:p>
+            <a:r>
+              <a:rPr lang="sr-Latn-RS" sz="1200" b="1" dirty="0">
+                <a:solidFill>
+                  <a:srgbClr val="009E47"/>
+                </a:solidFill>
+                <a:latin typeface="Courier New" panose="02070309020205020404" pitchFamily="49" charset="0"/>
+                <a:cs typeface="Courier New" panose="02070309020205020404" pitchFamily="49" charset="0"/>
+              </a:rPr>
+              <a:t>    &lt;/</a:t>
+            </a:r>
+            <a:r>
+              <a:rPr lang="sr-Latn-RS" sz="1200" b="1" dirty="0" err="1">
+                <a:solidFill>
+                  <a:srgbClr val="009E47"/>
+                </a:solidFill>
+                <a:latin typeface="Courier New" panose="02070309020205020404" pitchFamily="49" charset="0"/>
+                <a:cs typeface="Courier New" panose="02070309020205020404" pitchFamily="49" charset="0"/>
+              </a:rPr>
+              <a:t>nav</a:t>
+            </a:r>
+            <a:r>
+              <a:rPr lang="sr-Latn-RS" sz="1200" b="1" dirty="0">
+                <a:solidFill>
+                  <a:srgbClr val="009E47"/>
+                </a:solidFill>
+                <a:latin typeface="Courier New" panose="02070309020205020404" pitchFamily="49" charset="0"/>
+                <a:cs typeface="Courier New" panose="02070309020205020404" pitchFamily="49" charset="0"/>
+              </a:rPr>
+              <a:t>&gt;</a:t>
+            </a:r>
+          </a:p>
+          <a:p>
+            <a:r>
+              <a:rPr lang="sr-Latn-RS" sz="1200" b="1" dirty="0">
+                <a:solidFill>
+                  <a:srgbClr val="009E47"/>
+                </a:solidFill>
+                <a:latin typeface="Courier New" panose="02070309020205020404" pitchFamily="49" charset="0"/>
+                <a:cs typeface="Courier New" panose="02070309020205020404" pitchFamily="49" charset="0"/>
+              </a:rPr>
+              <a:t>    &lt;</a:t>
+            </a:r>
+            <a:r>
+              <a:rPr lang="sr-Latn-RS" sz="1200" b="1" dirty="0" err="1">
+                <a:solidFill>
+                  <a:srgbClr val="009E47"/>
+                </a:solidFill>
+                <a:latin typeface="Courier New" panose="02070309020205020404" pitchFamily="49" charset="0"/>
+                <a:cs typeface="Courier New" panose="02070309020205020404" pitchFamily="49" charset="0"/>
+              </a:rPr>
+              <a:t>main</a:t>
+            </a:r>
+            <a:r>
+              <a:rPr lang="sr-Latn-RS" sz="1200" b="1" dirty="0">
+                <a:solidFill>
+                  <a:srgbClr val="009E47"/>
+                </a:solidFill>
+                <a:latin typeface="Courier New" panose="02070309020205020404" pitchFamily="49" charset="0"/>
+                <a:cs typeface="Courier New" panose="02070309020205020404" pitchFamily="49" charset="0"/>
+              </a:rPr>
+              <a:t>&gt;</a:t>
+            </a:r>
+          </a:p>
+          <a:p>
+            <a:r>
+              <a:rPr lang="sr-Latn-RS" sz="1200" b="1" dirty="0">
+                <a:solidFill>
+                  <a:srgbClr val="009E47"/>
+                </a:solidFill>
+                <a:latin typeface="Courier New" panose="02070309020205020404" pitchFamily="49" charset="0"/>
+                <a:cs typeface="Courier New" panose="02070309020205020404" pitchFamily="49" charset="0"/>
+              </a:rPr>
+              <a:t>        &lt;</a:t>
+            </a:r>
+            <a:r>
+              <a:rPr lang="sr-Latn-RS" sz="1200" b="1" dirty="0" err="1">
+                <a:solidFill>
+                  <a:srgbClr val="009E47"/>
+                </a:solidFill>
+                <a:latin typeface="Courier New" panose="02070309020205020404" pitchFamily="49" charset="0"/>
+                <a:cs typeface="Courier New" panose="02070309020205020404" pitchFamily="49" charset="0"/>
               </a:rPr>
               <a:t>article</a:t>
             </a:r>
-          </a:p>
-          <a:p>
-            <a:pPr lvl="1">
-              <a:spcBef>
-                <a:spcPts val="1200"/>
-              </a:spcBef>
-            </a:pPr>
-            <a:r>
-              <a:rPr lang="sr-Latn-RS" dirty="0"/>
-              <a:t>Č</a:t>
-            </a:r>
-            <a:r>
-              <a:rPr lang="en-GB" dirty="0" err="1" smtClean="0"/>
-              <a:t>lanak</a:t>
-            </a:r>
-            <a:r>
-              <a:rPr lang="en-GB" dirty="0" smtClean="0"/>
-              <a:t> </a:t>
-            </a:r>
-            <a:r>
-              <a:rPr lang="en-GB" dirty="0" err="1" smtClean="0"/>
-              <a:t>mo</a:t>
-            </a:r>
-            <a:r>
-              <a:rPr lang="sr-Latn-RS" dirty="0"/>
-              <a:t>ž</a:t>
-            </a:r>
-            <a:r>
-              <a:rPr lang="en-GB" dirty="0" smtClean="0"/>
-              <a:t>e </a:t>
-            </a:r>
-            <a:r>
-              <a:rPr lang="en-GB" dirty="0"/>
-              <a:t>da </a:t>
-            </a:r>
-            <a:r>
-              <a:rPr lang="en-GB" dirty="0" err="1" smtClean="0"/>
-              <a:t>sadr</a:t>
-            </a:r>
-            <a:r>
-              <a:rPr lang="sr-Latn-RS" dirty="0"/>
-              <a:t>ž</a:t>
-            </a:r>
-            <a:r>
-              <a:rPr lang="en-GB" dirty="0" err="1" smtClean="0"/>
-              <a:t>i</a:t>
-            </a:r>
-            <a:r>
-              <a:rPr lang="en-GB" dirty="0" smtClean="0"/>
-              <a:t> </a:t>
-            </a:r>
-            <a:r>
-              <a:rPr lang="en-GB" dirty="0" err="1"/>
-              <a:t>manje</a:t>
-            </a:r>
-            <a:r>
-              <a:rPr lang="en-GB" dirty="0"/>
-              <a:t> </a:t>
-            </a:r>
-            <a:r>
-              <a:rPr lang="sr-Latn-RS" dirty="0"/>
-              <a:t>č</a:t>
-            </a:r>
-            <a:r>
-              <a:rPr lang="en-GB" dirty="0" err="1" smtClean="0"/>
-              <a:t>lanke</a:t>
-            </a:r>
-            <a:r>
-              <a:rPr lang="sr-Latn-RS" dirty="0" smtClean="0"/>
-              <a:t> i </a:t>
-            </a:r>
-            <a:r>
-              <a:rPr lang="en-GB" dirty="0" err="1" smtClean="0"/>
-              <a:t>mo</a:t>
-            </a:r>
-            <a:r>
-              <a:rPr lang="sr-Latn-RS" dirty="0"/>
-              <a:t>ž</a:t>
-            </a:r>
-            <a:r>
-              <a:rPr lang="en-GB" dirty="0" smtClean="0"/>
-              <a:t>e </a:t>
-            </a:r>
-            <a:r>
-              <a:rPr lang="en-GB" dirty="0"/>
-              <a:t>da </a:t>
-            </a:r>
-            <a:r>
-              <a:rPr lang="en-GB" dirty="0" err="1"/>
-              <a:t>bude</a:t>
-            </a:r>
-            <a:r>
-              <a:rPr lang="en-GB" dirty="0"/>
-              <a:t> </a:t>
-            </a:r>
-            <a:r>
-              <a:rPr lang="en-GB" dirty="0" err="1"/>
-              <a:t>podeljen</a:t>
-            </a:r>
-            <a:r>
-              <a:rPr lang="en-GB" dirty="0"/>
-              <a:t> </a:t>
-            </a:r>
-            <a:r>
-              <a:rPr lang="en-GB" dirty="0" err="1" smtClean="0"/>
-              <a:t>na</a:t>
-            </a:r>
-            <a:r>
-              <a:rPr lang="sr-Latn-RS" dirty="0" smtClean="0"/>
-              <a:t> </a:t>
-            </a:r>
-            <a:r>
-              <a:rPr lang="en-GB" dirty="0" err="1" smtClean="0"/>
-              <a:t>sekcije</a:t>
-            </a:r>
-            <a:r>
-              <a:rPr lang="en-GB" dirty="0"/>
-              <a:t>; </a:t>
-            </a:r>
-            <a:endParaRPr lang="sr-Latn-RS" dirty="0" smtClean="0"/>
-          </a:p>
-          <a:p>
-            <a:pPr lvl="2">
-              <a:spcBef>
-                <a:spcPts val="1200"/>
-              </a:spcBef>
-            </a:pPr>
-            <a:r>
-              <a:rPr lang="en-GB" dirty="0" err="1" smtClean="0"/>
-              <a:t>nije</a:t>
-            </a:r>
-            <a:r>
-              <a:rPr lang="en-GB" dirty="0" smtClean="0"/>
-              <a:t> nu</a:t>
-            </a:r>
-            <a:r>
-              <a:rPr lang="sr-Latn-RS" dirty="0"/>
-              <a:t>ž</a:t>
-            </a:r>
-            <a:r>
-              <a:rPr lang="en-GB" dirty="0" smtClean="0"/>
-              <a:t>no </a:t>
-            </a:r>
-            <a:r>
-              <a:rPr lang="en-GB" dirty="0" err="1"/>
-              <a:t>nasloviti</a:t>
-            </a:r>
-            <a:r>
-              <a:rPr lang="en-GB" dirty="0"/>
-              <a:t> </a:t>
-            </a:r>
-            <a:r>
-              <a:rPr lang="sr-Latn-RS" dirty="0"/>
-              <a:t>č</a:t>
-            </a:r>
-            <a:r>
-              <a:rPr lang="en-GB" dirty="0" err="1" smtClean="0"/>
-              <a:t>lanak</a:t>
-            </a:r>
-            <a:endParaRPr lang="sr-Latn-RS" sz="1400" b="1" dirty="0">
+            <a:r>
+              <a:rPr lang="sr-Latn-RS" sz="1200" b="1" dirty="0">
+                <a:solidFill>
+                  <a:srgbClr val="009E47"/>
+                </a:solidFill>
+                <a:latin typeface="Courier New" panose="02070309020205020404" pitchFamily="49" charset="0"/>
+                <a:cs typeface="Courier New" panose="02070309020205020404" pitchFamily="49" charset="0"/>
+              </a:rPr>
+              <a:t>&gt;</a:t>
+            </a:r>
+          </a:p>
+          <a:p>
+            <a:r>
+              <a:rPr lang="sr-Latn-RS" sz="1200" b="1" dirty="0">
+                <a:solidFill>
+                  <a:srgbClr val="009E47"/>
+                </a:solidFill>
+                <a:latin typeface="Courier New" panose="02070309020205020404" pitchFamily="49" charset="0"/>
+                <a:cs typeface="Courier New" panose="02070309020205020404" pitchFamily="49" charset="0"/>
+              </a:rPr>
+              <a:t>            &lt;h2&gt;Glavno - </a:t>
+            </a:r>
+            <a:r>
+              <a:rPr lang="sr-Latn-RS" sz="1200" b="1" dirty="0" err="1">
+                <a:solidFill>
+                  <a:srgbClr val="009E47"/>
+                </a:solidFill>
+                <a:latin typeface="Courier New" panose="02070309020205020404" pitchFamily="49" charset="0"/>
+                <a:cs typeface="Courier New" panose="02070309020205020404" pitchFamily="49" charset="0"/>
+              </a:rPr>
+              <a:t>Clanak</a:t>
+            </a:r>
+            <a:r>
+              <a:rPr lang="sr-Latn-RS" sz="1200" b="1" dirty="0">
+                <a:solidFill>
+                  <a:srgbClr val="009E47"/>
+                </a:solidFill>
+                <a:latin typeface="Courier New" panose="02070309020205020404" pitchFamily="49" charset="0"/>
+                <a:cs typeface="Courier New" panose="02070309020205020404" pitchFamily="49" charset="0"/>
+              </a:rPr>
+              <a:t> 1&lt;/h2&gt;</a:t>
+            </a:r>
+          </a:p>
+          <a:p>
+            <a:r>
+              <a:rPr lang="sr-Latn-RS" sz="1200" b="1" dirty="0">
+                <a:solidFill>
+                  <a:srgbClr val="009E47"/>
+                </a:solidFill>
+                <a:latin typeface="Courier New" panose="02070309020205020404" pitchFamily="49" charset="0"/>
+                <a:cs typeface="Courier New" panose="02070309020205020404" pitchFamily="49" charset="0"/>
+              </a:rPr>
+              <a:t>            &lt;!-- ... --&gt;</a:t>
+            </a:r>
+          </a:p>
+          <a:p>
+            <a:r>
+              <a:rPr lang="sr-Latn-RS" sz="1200" b="1" dirty="0">
+                <a:solidFill>
+                  <a:srgbClr val="009E47"/>
+                </a:solidFill>
+                <a:latin typeface="Courier New" panose="02070309020205020404" pitchFamily="49" charset="0"/>
+                <a:cs typeface="Courier New" panose="02070309020205020404" pitchFamily="49" charset="0"/>
+              </a:rPr>
+              <a:t>        &lt;/</a:t>
+            </a:r>
+            <a:r>
+              <a:rPr lang="sr-Latn-RS" sz="1200" b="1" dirty="0" err="1">
+                <a:solidFill>
+                  <a:srgbClr val="009E47"/>
+                </a:solidFill>
+                <a:latin typeface="Courier New" panose="02070309020205020404" pitchFamily="49" charset="0"/>
+                <a:cs typeface="Courier New" panose="02070309020205020404" pitchFamily="49" charset="0"/>
+              </a:rPr>
+              <a:t>article</a:t>
+            </a:r>
+            <a:r>
+              <a:rPr lang="sr-Latn-RS" sz="1200" b="1" dirty="0">
+                <a:solidFill>
+                  <a:srgbClr val="009E47"/>
+                </a:solidFill>
+                <a:latin typeface="Courier New" panose="02070309020205020404" pitchFamily="49" charset="0"/>
+                <a:cs typeface="Courier New" panose="02070309020205020404" pitchFamily="49" charset="0"/>
+              </a:rPr>
+              <a:t>&gt;</a:t>
+            </a:r>
+          </a:p>
+          <a:p>
+            <a:r>
+              <a:rPr lang="sr-Latn-RS" sz="1200" b="1" dirty="0">
+                <a:solidFill>
+                  <a:srgbClr val="009E47"/>
+                </a:solidFill>
+                <a:latin typeface="Courier New" panose="02070309020205020404" pitchFamily="49" charset="0"/>
+                <a:cs typeface="Courier New" panose="02070309020205020404" pitchFamily="49" charset="0"/>
+              </a:rPr>
+              <a:t>        &lt;</a:t>
+            </a:r>
+            <a:r>
+              <a:rPr lang="sr-Latn-RS" sz="1200" b="1" dirty="0" err="1">
+                <a:solidFill>
+                  <a:srgbClr val="009E47"/>
+                </a:solidFill>
+                <a:latin typeface="Courier New" panose="02070309020205020404" pitchFamily="49" charset="0"/>
+                <a:cs typeface="Courier New" panose="02070309020205020404" pitchFamily="49" charset="0"/>
+              </a:rPr>
+              <a:t>article</a:t>
+            </a:r>
+            <a:r>
+              <a:rPr lang="sr-Latn-RS" sz="1200" b="1" dirty="0">
+                <a:solidFill>
+                  <a:srgbClr val="009E47"/>
+                </a:solidFill>
+                <a:latin typeface="Courier New" panose="02070309020205020404" pitchFamily="49" charset="0"/>
+                <a:cs typeface="Courier New" panose="02070309020205020404" pitchFamily="49" charset="0"/>
+              </a:rPr>
+              <a:t>&gt;</a:t>
+            </a:r>
+          </a:p>
+          <a:p>
+            <a:r>
+              <a:rPr lang="sr-Latn-RS" sz="1200" b="1" dirty="0">
+                <a:solidFill>
+                  <a:srgbClr val="009E47"/>
+                </a:solidFill>
+                <a:latin typeface="Courier New" panose="02070309020205020404" pitchFamily="49" charset="0"/>
+                <a:cs typeface="Courier New" panose="02070309020205020404" pitchFamily="49" charset="0"/>
+              </a:rPr>
+              <a:t>            &lt;h2&gt;Glavno - </a:t>
+            </a:r>
+            <a:r>
+              <a:rPr lang="sr-Latn-RS" sz="1200" b="1" dirty="0" err="1">
+                <a:solidFill>
+                  <a:srgbClr val="009E47"/>
+                </a:solidFill>
+                <a:latin typeface="Courier New" panose="02070309020205020404" pitchFamily="49" charset="0"/>
+                <a:cs typeface="Courier New" panose="02070309020205020404" pitchFamily="49" charset="0"/>
+              </a:rPr>
+              <a:t>Clanak</a:t>
+            </a:r>
+            <a:r>
+              <a:rPr lang="sr-Latn-RS" sz="1200" b="1" dirty="0">
+                <a:solidFill>
+                  <a:srgbClr val="009E47"/>
+                </a:solidFill>
+                <a:latin typeface="Courier New" panose="02070309020205020404" pitchFamily="49" charset="0"/>
+                <a:cs typeface="Courier New" panose="02070309020205020404" pitchFamily="49" charset="0"/>
+              </a:rPr>
+              <a:t> 2&lt;/h2&gt;</a:t>
+            </a:r>
+          </a:p>
+          <a:p>
+            <a:r>
+              <a:rPr lang="sr-Latn-RS" sz="1200" b="1" dirty="0">
+                <a:solidFill>
+                  <a:srgbClr val="009E47"/>
+                </a:solidFill>
+                <a:latin typeface="Courier New" panose="02070309020205020404" pitchFamily="49" charset="0"/>
+                <a:cs typeface="Courier New" panose="02070309020205020404" pitchFamily="49" charset="0"/>
+              </a:rPr>
+              <a:t>            &lt;!-- ... --&gt;</a:t>
+            </a:r>
+          </a:p>
+          <a:p>
+            <a:r>
+              <a:rPr lang="sr-Latn-RS" sz="1200" b="1" dirty="0">
+                <a:solidFill>
+                  <a:srgbClr val="009E47"/>
+                </a:solidFill>
+                <a:latin typeface="Courier New" panose="02070309020205020404" pitchFamily="49" charset="0"/>
+                <a:cs typeface="Courier New" panose="02070309020205020404" pitchFamily="49" charset="0"/>
+              </a:rPr>
+              <a:t>        &lt;/</a:t>
+            </a:r>
+            <a:r>
+              <a:rPr lang="sr-Latn-RS" sz="1200" b="1" dirty="0" err="1">
+                <a:solidFill>
+                  <a:srgbClr val="009E47"/>
+                </a:solidFill>
+                <a:latin typeface="Courier New" panose="02070309020205020404" pitchFamily="49" charset="0"/>
+                <a:cs typeface="Courier New" panose="02070309020205020404" pitchFamily="49" charset="0"/>
+              </a:rPr>
+              <a:t>article</a:t>
+            </a:r>
+            <a:r>
+              <a:rPr lang="sr-Latn-RS" sz="1200" b="1" dirty="0">
+                <a:solidFill>
+                  <a:srgbClr val="009E47"/>
+                </a:solidFill>
+                <a:latin typeface="Courier New" panose="02070309020205020404" pitchFamily="49" charset="0"/>
+                <a:cs typeface="Courier New" panose="02070309020205020404" pitchFamily="49" charset="0"/>
+              </a:rPr>
+              <a:t>&gt;</a:t>
+            </a:r>
+          </a:p>
+          <a:p>
+            <a:r>
+              <a:rPr lang="sr-Latn-RS" sz="1200" b="1" dirty="0">
+                <a:solidFill>
+                  <a:srgbClr val="009E47"/>
+                </a:solidFill>
+                <a:latin typeface="Courier New" panose="02070309020205020404" pitchFamily="49" charset="0"/>
+                <a:cs typeface="Courier New" panose="02070309020205020404" pitchFamily="49" charset="0"/>
+              </a:rPr>
+              <a:t>        &lt;</a:t>
+            </a:r>
+            <a:r>
+              <a:rPr lang="sr-Latn-RS" sz="1200" b="1" dirty="0" err="1">
+                <a:solidFill>
+                  <a:srgbClr val="009E47"/>
+                </a:solidFill>
+                <a:latin typeface="Courier New" panose="02070309020205020404" pitchFamily="49" charset="0"/>
+                <a:cs typeface="Courier New" panose="02070309020205020404" pitchFamily="49" charset="0"/>
+              </a:rPr>
+              <a:t>article</a:t>
+            </a:r>
+            <a:r>
+              <a:rPr lang="sr-Latn-RS" sz="1200" b="1" dirty="0">
+                <a:solidFill>
+                  <a:srgbClr val="009E47"/>
+                </a:solidFill>
+                <a:latin typeface="Courier New" panose="02070309020205020404" pitchFamily="49" charset="0"/>
+                <a:cs typeface="Courier New" panose="02070309020205020404" pitchFamily="49" charset="0"/>
+              </a:rPr>
+              <a:t>&gt;</a:t>
+            </a:r>
+          </a:p>
+          <a:p>
+            <a:r>
+              <a:rPr lang="sr-Latn-RS" sz="1200" b="1" dirty="0">
+                <a:solidFill>
+                  <a:srgbClr val="009E47"/>
+                </a:solidFill>
+                <a:latin typeface="Courier New" panose="02070309020205020404" pitchFamily="49" charset="0"/>
+                <a:cs typeface="Courier New" panose="02070309020205020404" pitchFamily="49" charset="0"/>
+              </a:rPr>
+              <a:t>            &lt;h2&gt;Glavno - </a:t>
+            </a:r>
+            <a:r>
+              <a:rPr lang="sr-Latn-RS" sz="1200" b="1" dirty="0" err="1">
+                <a:solidFill>
+                  <a:srgbClr val="009E47"/>
+                </a:solidFill>
+                <a:latin typeface="Courier New" panose="02070309020205020404" pitchFamily="49" charset="0"/>
+                <a:cs typeface="Courier New" panose="02070309020205020404" pitchFamily="49" charset="0"/>
+              </a:rPr>
+              <a:t>Clanak</a:t>
+            </a:r>
+            <a:r>
+              <a:rPr lang="sr-Latn-RS" sz="1200" b="1" dirty="0">
+                <a:solidFill>
+                  <a:srgbClr val="009E47"/>
+                </a:solidFill>
+                <a:latin typeface="Courier New" panose="02070309020205020404" pitchFamily="49" charset="0"/>
+                <a:cs typeface="Courier New" panose="02070309020205020404" pitchFamily="49" charset="0"/>
+              </a:rPr>
+              <a:t> 3&lt;/h2&gt;</a:t>
+            </a:r>
+          </a:p>
+          <a:p>
+            <a:r>
+              <a:rPr lang="sr-Latn-RS" sz="1200" b="1" dirty="0">
+                <a:solidFill>
+                  <a:srgbClr val="009E47"/>
+                </a:solidFill>
+                <a:latin typeface="Courier New" panose="02070309020205020404" pitchFamily="49" charset="0"/>
+                <a:cs typeface="Courier New" panose="02070309020205020404" pitchFamily="49" charset="0"/>
+              </a:rPr>
+              <a:t>            &lt;!-- ... --&gt;</a:t>
+            </a:r>
+          </a:p>
+          <a:p>
+            <a:r>
+              <a:rPr lang="sr-Latn-RS" sz="1200" b="1" dirty="0">
+                <a:solidFill>
+                  <a:srgbClr val="009E47"/>
+                </a:solidFill>
+                <a:latin typeface="Courier New" panose="02070309020205020404" pitchFamily="49" charset="0"/>
+                <a:cs typeface="Courier New" panose="02070309020205020404" pitchFamily="49" charset="0"/>
+              </a:rPr>
+              <a:t>        &lt;/</a:t>
+            </a:r>
+            <a:r>
+              <a:rPr lang="sr-Latn-RS" sz="1200" b="1" dirty="0" err="1">
+                <a:solidFill>
+                  <a:srgbClr val="009E47"/>
+                </a:solidFill>
+                <a:latin typeface="Courier New" panose="02070309020205020404" pitchFamily="49" charset="0"/>
+                <a:cs typeface="Courier New" panose="02070309020205020404" pitchFamily="49" charset="0"/>
+              </a:rPr>
+              <a:t>article</a:t>
+            </a:r>
+            <a:r>
+              <a:rPr lang="sr-Latn-RS" sz="1200" b="1" dirty="0">
+                <a:solidFill>
+                  <a:srgbClr val="009E47"/>
+                </a:solidFill>
+                <a:latin typeface="Courier New" panose="02070309020205020404" pitchFamily="49" charset="0"/>
+                <a:cs typeface="Courier New" panose="02070309020205020404" pitchFamily="49" charset="0"/>
+              </a:rPr>
+              <a:t>&gt;</a:t>
+            </a:r>
+          </a:p>
+          <a:p>
+            <a:r>
+              <a:rPr lang="sr-Latn-RS" sz="1200" b="1" dirty="0">
+                <a:solidFill>
+                  <a:srgbClr val="009E47"/>
+                </a:solidFill>
+                <a:latin typeface="Courier New" panose="02070309020205020404" pitchFamily="49" charset="0"/>
+                <a:cs typeface="Courier New" panose="02070309020205020404" pitchFamily="49" charset="0"/>
+              </a:rPr>
+              <a:t>    &lt;/</a:t>
+            </a:r>
+            <a:r>
+              <a:rPr lang="sr-Latn-RS" sz="1200" b="1" dirty="0" err="1">
+                <a:solidFill>
+                  <a:srgbClr val="009E47"/>
+                </a:solidFill>
+                <a:latin typeface="Courier New" panose="02070309020205020404" pitchFamily="49" charset="0"/>
+                <a:cs typeface="Courier New" panose="02070309020205020404" pitchFamily="49" charset="0"/>
+              </a:rPr>
+              <a:t>main</a:t>
+            </a:r>
+            <a:r>
+              <a:rPr lang="sr-Latn-RS" sz="1200" b="1" dirty="0">
+                <a:solidFill>
+                  <a:srgbClr val="009E47"/>
+                </a:solidFill>
+                <a:latin typeface="Courier New" panose="02070309020205020404" pitchFamily="49" charset="0"/>
+                <a:cs typeface="Courier New" panose="02070309020205020404" pitchFamily="49" charset="0"/>
+              </a:rPr>
+              <a:t>&gt;</a:t>
+            </a:r>
+            <a:endParaRPr lang="sr-Latn-RS" sz="1200" b="1" dirty="0">
               <a:solidFill>
                 <a:srgbClr val="009E47"/>
               </a:solidFill>
@@ -12155,6 +12248,2458 @@
           <a:lstStyle/>
           <a:p>
             <a:r>
+              <a:rPr lang="sr-Latn-RS" dirty="0"/>
+              <a:t>Elementi </a:t>
+            </a:r>
+            <a:r>
+              <a:rPr lang="sr-Latn-RS" dirty="0" err="1"/>
+              <a:t>article</a:t>
+            </a:r>
+            <a:r>
+              <a:rPr lang="sr-Latn-RS" dirty="0"/>
+              <a:t>, </a:t>
+            </a:r>
+            <a:r>
+              <a:rPr lang="sr-Latn-RS" dirty="0" err="1" smtClean="0"/>
+              <a:t>section</a:t>
+            </a:r>
+            <a:r>
+              <a:rPr lang="sr-Latn-RS" dirty="0" smtClean="0"/>
+              <a:t> </a:t>
+            </a:r>
+            <a:r>
+              <a:rPr lang="sr-Latn-RS" dirty="0" smtClean="0"/>
+              <a:t>(</a:t>
+            </a:r>
+            <a:r>
+              <a:rPr lang="en-US" dirty="0" smtClean="0"/>
+              <a:t>3</a:t>
+            </a:r>
+            <a:r>
+              <a:rPr lang="sr-Latn-RS" dirty="0" smtClean="0"/>
+              <a:t>)</a:t>
+            </a:r>
+            <a:endParaRPr lang="sr-Latn-RS" dirty="0"/>
+          </a:p>
+        </p:txBody>
+      </p:sp>
+      <p:sp>
+        <p:nvSpPr>
+          <p:cNvPr id="5" name="Rectangle 4"/>
+          <p:cNvSpPr/>
+          <p:nvPr/>
+        </p:nvSpPr>
+        <p:spPr>
+          <a:xfrm>
+            <a:off x="539552" y="1556792"/>
+            <a:ext cx="8280920" cy="4708981"/>
+          </a:xfrm>
+          <a:prstGeom prst="rect">
+            <a:avLst/>
+          </a:prstGeom>
+        </p:spPr>
+        <p:txBody>
+          <a:bodyPr wrap="square">
+            <a:spAutoFit/>
+          </a:bodyPr>
+          <a:lstStyle/>
+          <a:p>
+            <a:r>
+              <a:rPr lang="sr-Latn-RS" sz="1200" b="1" dirty="0">
+                <a:solidFill>
+                  <a:srgbClr val="009E47"/>
+                </a:solidFill>
+                <a:latin typeface="Courier New" panose="02070309020205020404" pitchFamily="49" charset="0"/>
+                <a:cs typeface="Courier New" panose="02070309020205020404" pitchFamily="49" charset="0"/>
+              </a:rPr>
+              <a:t> &lt;</a:t>
+            </a:r>
+            <a:r>
+              <a:rPr lang="sr-Latn-RS" sz="1200" b="1" dirty="0" err="1">
+                <a:solidFill>
+                  <a:srgbClr val="009E47"/>
+                </a:solidFill>
+                <a:latin typeface="Courier New" panose="02070309020205020404" pitchFamily="49" charset="0"/>
+                <a:cs typeface="Courier New" panose="02070309020205020404" pitchFamily="49" charset="0"/>
+              </a:rPr>
+              <a:t>aside</a:t>
+            </a:r>
+            <a:r>
+              <a:rPr lang="sr-Latn-RS" sz="1200" b="1" dirty="0">
+                <a:solidFill>
+                  <a:srgbClr val="009E47"/>
+                </a:solidFill>
+                <a:latin typeface="Courier New" panose="02070309020205020404" pitchFamily="49" charset="0"/>
+                <a:cs typeface="Courier New" panose="02070309020205020404" pitchFamily="49" charset="0"/>
+              </a:rPr>
+              <a:t>&gt;</a:t>
+            </a:r>
+          </a:p>
+          <a:p>
+            <a:r>
+              <a:rPr lang="sr-Latn-RS" sz="1200" b="1" dirty="0">
+                <a:solidFill>
+                  <a:srgbClr val="009E47"/>
+                </a:solidFill>
+                <a:latin typeface="Courier New" panose="02070309020205020404" pitchFamily="49" charset="0"/>
+                <a:cs typeface="Courier New" panose="02070309020205020404" pitchFamily="49" charset="0"/>
+              </a:rPr>
+              <a:t>        &lt;</a:t>
+            </a:r>
+            <a:r>
+              <a:rPr lang="sr-Latn-RS" sz="1200" b="1" dirty="0" err="1">
+                <a:solidFill>
+                  <a:srgbClr val="009E47"/>
+                </a:solidFill>
+                <a:latin typeface="Courier New" panose="02070309020205020404" pitchFamily="49" charset="0"/>
+                <a:cs typeface="Courier New" panose="02070309020205020404" pitchFamily="49" charset="0"/>
+              </a:rPr>
+              <a:t>section</a:t>
+            </a:r>
+            <a:r>
+              <a:rPr lang="sr-Latn-RS" sz="1200" b="1" dirty="0">
+                <a:solidFill>
+                  <a:srgbClr val="009E47"/>
+                </a:solidFill>
+                <a:latin typeface="Courier New" panose="02070309020205020404" pitchFamily="49" charset="0"/>
+                <a:cs typeface="Courier New" panose="02070309020205020404" pitchFamily="49" charset="0"/>
+              </a:rPr>
+              <a:t>&gt;</a:t>
+            </a:r>
+          </a:p>
+          <a:p>
+            <a:r>
+              <a:rPr lang="sr-Latn-RS" sz="1200" b="1" dirty="0">
+                <a:solidFill>
+                  <a:srgbClr val="009E47"/>
+                </a:solidFill>
+                <a:latin typeface="Courier New" panose="02070309020205020404" pitchFamily="49" charset="0"/>
+                <a:cs typeface="Courier New" panose="02070309020205020404" pitchFamily="49" charset="0"/>
+              </a:rPr>
+              <a:t>            &lt;h2&gt;Sa strane - Sekcija 1&lt;/h2&gt;</a:t>
+            </a:r>
+          </a:p>
+          <a:p>
+            <a:r>
+              <a:rPr lang="sr-Latn-RS" sz="1200" b="1" dirty="0">
+                <a:solidFill>
+                  <a:srgbClr val="009E47"/>
+                </a:solidFill>
+                <a:latin typeface="Courier New" panose="02070309020205020404" pitchFamily="49" charset="0"/>
+                <a:cs typeface="Courier New" panose="02070309020205020404" pitchFamily="49" charset="0"/>
+              </a:rPr>
+              <a:t>            &lt;</a:t>
+            </a:r>
+            <a:r>
+              <a:rPr lang="sr-Latn-RS" sz="1200" b="1" dirty="0" err="1">
+                <a:solidFill>
+                  <a:srgbClr val="009E47"/>
+                </a:solidFill>
+                <a:latin typeface="Courier New" panose="02070309020205020404" pitchFamily="49" charset="0"/>
+                <a:cs typeface="Courier New" panose="02070309020205020404" pitchFamily="49" charset="0"/>
+              </a:rPr>
+              <a:t>article</a:t>
+            </a:r>
+            <a:r>
+              <a:rPr lang="sr-Latn-RS" sz="1200" b="1" dirty="0">
+                <a:solidFill>
+                  <a:srgbClr val="009E47"/>
+                </a:solidFill>
+                <a:latin typeface="Courier New" panose="02070309020205020404" pitchFamily="49" charset="0"/>
+                <a:cs typeface="Courier New" panose="02070309020205020404" pitchFamily="49" charset="0"/>
+              </a:rPr>
+              <a:t>&gt;</a:t>
+            </a:r>
+          </a:p>
+          <a:p>
+            <a:r>
+              <a:rPr lang="sr-Latn-RS" sz="1200" b="1" dirty="0">
+                <a:solidFill>
+                  <a:srgbClr val="009E47"/>
+                </a:solidFill>
+                <a:latin typeface="Courier New" panose="02070309020205020404" pitchFamily="49" charset="0"/>
+                <a:cs typeface="Courier New" panose="02070309020205020404" pitchFamily="49" charset="0"/>
+              </a:rPr>
+              <a:t>                &lt;h3&gt;</a:t>
+            </a:r>
+            <a:r>
+              <a:rPr lang="sr-Latn-RS" sz="1200" b="1" dirty="0" err="1">
+                <a:solidFill>
+                  <a:srgbClr val="009E47"/>
+                </a:solidFill>
+                <a:latin typeface="Courier New" panose="02070309020205020404" pitchFamily="49" charset="0"/>
+                <a:cs typeface="Courier New" panose="02070309020205020404" pitchFamily="49" charset="0"/>
+              </a:rPr>
+              <a:t>Clanak</a:t>
+            </a:r>
+            <a:r>
+              <a:rPr lang="sr-Latn-RS" sz="1200" b="1" dirty="0">
+                <a:solidFill>
+                  <a:srgbClr val="009E47"/>
+                </a:solidFill>
+                <a:latin typeface="Courier New" panose="02070309020205020404" pitchFamily="49" charset="0"/>
+                <a:cs typeface="Courier New" panose="02070309020205020404" pitchFamily="49" charset="0"/>
+              </a:rPr>
+              <a:t> 1 u sekciji 1&lt;/h3&gt;</a:t>
+            </a:r>
+          </a:p>
+          <a:p>
+            <a:r>
+              <a:rPr lang="sr-Latn-RS" sz="1200" b="1" dirty="0">
+                <a:solidFill>
+                  <a:srgbClr val="009E47"/>
+                </a:solidFill>
+                <a:latin typeface="Courier New" panose="02070309020205020404" pitchFamily="49" charset="0"/>
+                <a:cs typeface="Courier New" panose="02070309020205020404" pitchFamily="49" charset="0"/>
+              </a:rPr>
+              <a:t>                &lt;!-- tekst </a:t>
+            </a:r>
+            <a:r>
+              <a:rPr lang="sr-Latn-RS" sz="1200" b="1" dirty="0" err="1">
+                <a:solidFill>
+                  <a:srgbClr val="009E47"/>
+                </a:solidFill>
+                <a:latin typeface="Courier New" panose="02070309020205020404" pitchFamily="49" charset="0"/>
+                <a:cs typeface="Courier New" panose="02070309020205020404" pitchFamily="49" charset="0"/>
+              </a:rPr>
+              <a:t>clanka</a:t>
+            </a:r>
+            <a:r>
+              <a:rPr lang="sr-Latn-RS" sz="1200" b="1" dirty="0">
+                <a:solidFill>
+                  <a:srgbClr val="009E47"/>
+                </a:solidFill>
+                <a:latin typeface="Courier New" panose="02070309020205020404" pitchFamily="49" charset="0"/>
+                <a:cs typeface="Courier New" panose="02070309020205020404" pitchFamily="49" charset="0"/>
+              </a:rPr>
+              <a:t> 1 --&gt;</a:t>
+            </a:r>
+          </a:p>
+          <a:p>
+            <a:r>
+              <a:rPr lang="sr-Latn-RS" sz="1200" b="1" dirty="0">
+                <a:solidFill>
+                  <a:srgbClr val="009E47"/>
+                </a:solidFill>
+                <a:latin typeface="Courier New" panose="02070309020205020404" pitchFamily="49" charset="0"/>
+                <a:cs typeface="Courier New" panose="02070309020205020404" pitchFamily="49" charset="0"/>
+              </a:rPr>
+              <a:t>            &lt;/</a:t>
+            </a:r>
+            <a:r>
+              <a:rPr lang="sr-Latn-RS" sz="1200" b="1" dirty="0" err="1">
+                <a:solidFill>
+                  <a:srgbClr val="009E47"/>
+                </a:solidFill>
+                <a:latin typeface="Courier New" panose="02070309020205020404" pitchFamily="49" charset="0"/>
+                <a:cs typeface="Courier New" panose="02070309020205020404" pitchFamily="49" charset="0"/>
+              </a:rPr>
+              <a:t>article</a:t>
+            </a:r>
+            <a:r>
+              <a:rPr lang="sr-Latn-RS" sz="1200" b="1" dirty="0">
+                <a:solidFill>
+                  <a:srgbClr val="009E47"/>
+                </a:solidFill>
+                <a:latin typeface="Courier New" panose="02070309020205020404" pitchFamily="49" charset="0"/>
+                <a:cs typeface="Courier New" panose="02070309020205020404" pitchFamily="49" charset="0"/>
+              </a:rPr>
+              <a:t>&gt;</a:t>
+            </a:r>
+          </a:p>
+          <a:p>
+            <a:r>
+              <a:rPr lang="sr-Latn-RS" sz="1200" b="1" dirty="0">
+                <a:solidFill>
+                  <a:srgbClr val="009E47"/>
+                </a:solidFill>
+                <a:latin typeface="Courier New" panose="02070309020205020404" pitchFamily="49" charset="0"/>
+                <a:cs typeface="Courier New" panose="02070309020205020404" pitchFamily="49" charset="0"/>
+              </a:rPr>
+              <a:t>            &lt;</a:t>
+            </a:r>
+            <a:r>
+              <a:rPr lang="sr-Latn-RS" sz="1200" b="1" dirty="0" err="1">
+                <a:solidFill>
+                  <a:srgbClr val="009E47"/>
+                </a:solidFill>
+                <a:latin typeface="Courier New" panose="02070309020205020404" pitchFamily="49" charset="0"/>
+                <a:cs typeface="Courier New" panose="02070309020205020404" pitchFamily="49" charset="0"/>
+              </a:rPr>
+              <a:t>article</a:t>
+            </a:r>
+            <a:r>
+              <a:rPr lang="sr-Latn-RS" sz="1200" b="1" dirty="0">
+                <a:solidFill>
+                  <a:srgbClr val="009E47"/>
+                </a:solidFill>
+                <a:latin typeface="Courier New" panose="02070309020205020404" pitchFamily="49" charset="0"/>
+                <a:cs typeface="Courier New" panose="02070309020205020404" pitchFamily="49" charset="0"/>
+              </a:rPr>
+              <a:t>&gt;</a:t>
+            </a:r>
+          </a:p>
+          <a:p>
+            <a:r>
+              <a:rPr lang="sr-Latn-RS" sz="1200" b="1" dirty="0">
+                <a:solidFill>
+                  <a:srgbClr val="009E47"/>
+                </a:solidFill>
+                <a:latin typeface="Courier New" panose="02070309020205020404" pitchFamily="49" charset="0"/>
+                <a:cs typeface="Courier New" panose="02070309020205020404" pitchFamily="49" charset="0"/>
+              </a:rPr>
+              <a:t>                &lt;h3&gt;</a:t>
+            </a:r>
+            <a:r>
+              <a:rPr lang="sr-Latn-RS" sz="1200" b="1" dirty="0" err="1">
+                <a:solidFill>
+                  <a:srgbClr val="009E47"/>
+                </a:solidFill>
+                <a:latin typeface="Courier New" panose="02070309020205020404" pitchFamily="49" charset="0"/>
+                <a:cs typeface="Courier New" panose="02070309020205020404" pitchFamily="49" charset="0"/>
+              </a:rPr>
+              <a:t>Clanak</a:t>
+            </a:r>
+            <a:r>
+              <a:rPr lang="sr-Latn-RS" sz="1200" b="1" dirty="0">
+                <a:solidFill>
+                  <a:srgbClr val="009E47"/>
+                </a:solidFill>
+                <a:latin typeface="Courier New" panose="02070309020205020404" pitchFamily="49" charset="0"/>
+                <a:cs typeface="Courier New" panose="02070309020205020404" pitchFamily="49" charset="0"/>
+              </a:rPr>
+              <a:t> 2 u sekciji 1&lt;/h3&gt;</a:t>
+            </a:r>
+          </a:p>
+          <a:p>
+            <a:r>
+              <a:rPr lang="sr-Latn-RS" sz="1200" b="1" dirty="0">
+                <a:solidFill>
+                  <a:srgbClr val="009E47"/>
+                </a:solidFill>
+                <a:latin typeface="Courier New" panose="02070309020205020404" pitchFamily="49" charset="0"/>
+                <a:cs typeface="Courier New" panose="02070309020205020404" pitchFamily="49" charset="0"/>
+              </a:rPr>
+              <a:t>                &lt;!-- tekst </a:t>
+            </a:r>
+            <a:r>
+              <a:rPr lang="sr-Latn-RS" sz="1200" b="1" dirty="0" err="1">
+                <a:solidFill>
+                  <a:srgbClr val="009E47"/>
+                </a:solidFill>
+                <a:latin typeface="Courier New" panose="02070309020205020404" pitchFamily="49" charset="0"/>
+                <a:cs typeface="Courier New" panose="02070309020205020404" pitchFamily="49" charset="0"/>
+              </a:rPr>
+              <a:t>clanka</a:t>
+            </a:r>
+            <a:r>
+              <a:rPr lang="sr-Latn-RS" sz="1200" b="1" dirty="0">
+                <a:solidFill>
+                  <a:srgbClr val="009E47"/>
+                </a:solidFill>
+                <a:latin typeface="Courier New" panose="02070309020205020404" pitchFamily="49" charset="0"/>
+                <a:cs typeface="Courier New" panose="02070309020205020404" pitchFamily="49" charset="0"/>
+              </a:rPr>
+              <a:t> 2 --&gt;</a:t>
+            </a:r>
+          </a:p>
+          <a:p>
+            <a:r>
+              <a:rPr lang="sr-Latn-RS" sz="1200" b="1" dirty="0">
+                <a:solidFill>
+                  <a:srgbClr val="009E47"/>
+                </a:solidFill>
+                <a:latin typeface="Courier New" panose="02070309020205020404" pitchFamily="49" charset="0"/>
+                <a:cs typeface="Courier New" panose="02070309020205020404" pitchFamily="49" charset="0"/>
+              </a:rPr>
+              <a:t>            &lt;/</a:t>
+            </a:r>
+            <a:r>
+              <a:rPr lang="sr-Latn-RS" sz="1200" b="1" dirty="0" err="1">
+                <a:solidFill>
+                  <a:srgbClr val="009E47"/>
+                </a:solidFill>
+                <a:latin typeface="Courier New" panose="02070309020205020404" pitchFamily="49" charset="0"/>
+                <a:cs typeface="Courier New" panose="02070309020205020404" pitchFamily="49" charset="0"/>
+              </a:rPr>
+              <a:t>article</a:t>
+            </a:r>
+            <a:r>
+              <a:rPr lang="sr-Latn-RS" sz="1200" b="1" dirty="0">
+                <a:solidFill>
+                  <a:srgbClr val="009E47"/>
+                </a:solidFill>
+                <a:latin typeface="Courier New" panose="02070309020205020404" pitchFamily="49" charset="0"/>
+                <a:cs typeface="Courier New" panose="02070309020205020404" pitchFamily="49" charset="0"/>
+              </a:rPr>
+              <a:t>&gt;</a:t>
+            </a:r>
+          </a:p>
+          <a:p>
+            <a:r>
+              <a:rPr lang="sr-Latn-RS" sz="1200" b="1" dirty="0">
+                <a:solidFill>
+                  <a:srgbClr val="009E47"/>
+                </a:solidFill>
+                <a:latin typeface="Courier New" panose="02070309020205020404" pitchFamily="49" charset="0"/>
+                <a:cs typeface="Courier New" panose="02070309020205020404" pitchFamily="49" charset="0"/>
+              </a:rPr>
+              <a:t>        &lt;/</a:t>
+            </a:r>
+            <a:r>
+              <a:rPr lang="sr-Latn-RS" sz="1200" b="1" dirty="0" err="1">
+                <a:solidFill>
+                  <a:srgbClr val="009E47"/>
+                </a:solidFill>
+                <a:latin typeface="Courier New" panose="02070309020205020404" pitchFamily="49" charset="0"/>
+                <a:cs typeface="Courier New" panose="02070309020205020404" pitchFamily="49" charset="0"/>
+              </a:rPr>
+              <a:t>section</a:t>
+            </a:r>
+            <a:r>
+              <a:rPr lang="sr-Latn-RS" sz="1200" b="1" dirty="0">
+                <a:solidFill>
+                  <a:srgbClr val="009E47"/>
+                </a:solidFill>
+                <a:latin typeface="Courier New" panose="02070309020205020404" pitchFamily="49" charset="0"/>
+                <a:cs typeface="Courier New" panose="02070309020205020404" pitchFamily="49" charset="0"/>
+              </a:rPr>
+              <a:t>&gt;</a:t>
+            </a:r>
+          </a:p>
+          <a:p>
+            <a:r>
+              <a:rPr lang="sr-Latn-RS" sz="1200" b="1" dirty="0">
+                <a:solidFill>
+                  <a:srgbClr val="009E47"/>
+                </a:solidFill>
+                <a:latin typeface="Courier New" panose="02070309020205020404" pitchFamily="49" charset="0"/>
+                <a:cs typeface="Courier New" panose="02070309020205020404" pitchFamily="49" charset="0"/>
+              </a:rPr>
+              <a:t>        &lt;</a:t>
+            </a:r>
+            <a:r>
+              <a:rPr lang="sr-Latn-RS" sz="1200" b="1" dirty="0" err="1">
+                <a:solidFill>
+                  <a:srgbClr val="009E47"/>
+                </a:solidFill>
+                <a:latin typeface="Courier New" panose="02070309020205020404" pitchFamily="49" charset="0"/>
+                <a:cs typeface="Courier New" panose="02070309020205020404" pitchFamily="49" charset="0"/>
+              </a:rPr>
+              <a:t>section</a:t>
+            </a:r>
+            <a:r>
+              <a:rPr lang="sr-Latn-RS" sz="1200" b="1" dirty="0">
+                <a:solidFill>
+                  <a:srgbClr val="009E47"/>
+                </a:solidFill>
+                <a:latin typeface="Courier New" panose="02070309020205020404" pitchFamily="49" charset="0"/>
+                <a:cs typeface="Courier New" panose="02070309020205020404" pitchFamily="49" charset="0"/>
+              </a:rPr>
+              <a:t>&gt;</a:t>
+            </a:r>
+          </a:p>
+          <a:p>
+            <a:r>
+              <a:rPr lang="sr-Latn-RS" sz="1200" b="1" dirty="0">
+                <a:solidFill>
+                  <a:srgbClr val="009E47"/>
+                </a:solidFill>
+                <a:latin typeface="Courier New" panose="02070309020205020404" pitchFamily="49" charset="0"/>
+                <a:cs typeface="Courier New" panose="02070309020205020404" pitchFamily="49" charset="0"/>
+              </a:rPr>
+              <a:t>            &lt;h2&gt;Sa strane - Sekcija 2&lt;/h2&gt;</a:t>
+            </a:r>
+          </a:p>
+          <a:p>
+            <a:r>
+              <a:rPr lang="sr-Latn-RS" sz="1200" b="1" dirty="0">
+                <a:solidFill>
+                  <a:srgbClr val="009E47"/>
+                </a:solidFill>
+                <a:latin typeface="Courier New" panose="02070309020205020404" pitchFamily="49" charset="0"/>
+                <a:cs typeface="Courier New" panose="02070309020205020404" pitchFamily="49" charset="0"/>
+              </a:rPr>
+              <a:t>            &lt;</a:t>
+            </a:r>
+            <a:r>
+              <a:rPr lang="sr-Latn-RS" sz="1200" b="1" dirty="0" err="1">
+                <a:solidFill>
+                  <a:srgbClr val="009E47"/>
+                </a:solidFill>
+                <a:latin typeface="Courier New" panose="02070309020205020404" pitchFamily="49" charset="0"/>
+                <a:cs typeface="Courier New" panose="02070309020205020404" pitchFamily="49" charset="0"/>
+              </a:rPr>
+              <a:t>article</a:t>
+            </a:r>
+            <a:r>
+              <a:rPr lang="sr-Latn-RS" sz="1200" b="1" dirty="0">
+                <a:solidFill>
+                  <a:srgbClr val="009E47"/>
+                </a:solidFill>
+                <a:latin typeface="Courier New" panose="02070309020205020404" pitchFamily="49" charset="0"/>
+                <a:cs typeface="Courier New" panose="02070309020205020404" pitchFamily="49" charset="0"/>
+              </a:rPr>
+              <a:t>&gt;</a:t>
+            </a:r>
+          </a:p>
+          <a:p>
+            <a:r>
+              <a:rPr lang="sr-Latn-RS" sz="1200" b="1" dirty="0">
+                <a:solidFill>
+                  <a:srgbClr val="009E47"/>
+                </a:solidFill>
+                <a:latin typeface="Courier New" panose="02070309020205020404" pitchFamily="49" charset="0"/>
+                <a:cs typeface="Courier New" panose="02070309020205020404" pitchFamily="49" charset="0"/>
+              </a:rPr>
+              <a:t>                &lt;h3&gt;</a:t>
+            </a:r>
+            <a:r>
+              <a:rPr lang="sr-Latn-RS" sz="1200" b="1" dirty="0" err="1">
+                <a:solidFill>
+                  <a:srgbClr val="009E47"/>
+                </a:solidFill>
+                <a:latin typeface="Courier New" panose="02070309020205020404" pitchFamily="49" charset="0"/>
+                <a:cs typeface="Courier New" panose="02070309020205020404" pitchFamily="49" charset="0"/>
+              </a:rPr>
+              <a:t>Clanak</a:t>
+            </a:r>
+            <a:r>
+              <a:rPr lang="sr-Latn-RS" sz="1200" b="1" dirty="0">
+                <a:solidFill>
+                  <a:srgbClr val="009E47"/>
+                </a:solidFill>
+                <a:latin typeface="Courier New" panose="02070309020205020404" pitchFamily="49" charset="0"/>
+                <a:cs typeface="Courier New" panose="02070309020205020404" pitchFamily="49" charset="0"/>
+              </a:rPr>
+              <a:t> 1 u sekciji 2&lt;/h3&gt;</a:t>
+            </a:r>
+          </a:p>
+          <a:p>
+            <a:r>
+              <a:rPr lang="sr-Latn-RS" sz="1200" b="1" dirty="0">
+                <a:solidFill>
+                  <a:srgbClr val="009E47"/>
+                </a:solidFill>
+                <a:latin typeface="Courier New" panose="02070309020205020404" pitchFamily="49" charset="0"/>
+                <a:cs typeface="Courier New" panose="02070309020205020404" pitchFamily="49" charset="0"/>
+              </a:rPr>
+              <a:t>                &lt;!-- tekst </a:t>
+            </a:r>
+            <a:r>
+              <a:rPr lang="sr-Latn-RS" sz="1200" b="1" dirty="0" err="1">
+                <a:solidFill>
+                  <a:srgbClr val="009E47"/>
+                </a:solidFill>
+                <a:latin typeface="Courier New" panose="02070309020205020404" pitchFamily="49" charset="0"/>
+                <a:cs typeface="Courier New" panose="02070309020205020404" pitchFamily="49" charset="0"/>
+              </a:rPr>
+              <a:t>clanka</a:t>
+            </a:r>
+            <a:r>
+              <a:rPr lang="sr-Latn-RS" sz="1200" b="1" dirty="0">
+                <a:solidFill>
+                  <a:srgbClr val="009E47"/>
+                </a:solidFill>
+                <a:latin typeface="Courier New" panose="02070309020205020404" pitchFamily="49" charset="0"/>
+                <a:cs typeface="Courier New" panose="02070309020205020404" pitchFamily="49" charset="0"/>
+              </a:rPr>
+              <a:t> 1 --&gt;</a:t>
+            </a:r>
+          </a:p>
+          <a:p>
+            <a:r>
+              <a:rPr lang="sr-Latn-RS" sz="1200" b="1" dirty="0">
+                <a:solidFill>
+                  <a:srgbClr val="009E47"/>
+                </a:solidFill>
+                <a:latin typeface="Courier New" panose="02070309020205020404" pitchFamily="49" charset="0"/>
+                <a:cs typeface="Courier New" panose="02070309020205020404" pitchFamily="49" charset="0"/>
+              </a:rPr>
+              <a:t>            &lt;/</a:t>
+            </a:r>
+            <a:r>
+              <a:rPr lang="sr-Latn-RS" sz="1200" b="1" dirty="0" err="1">
+                <a:solidFill>
+                  <a:srgbClr val="009E47"/>
+                </a:solidFill>
+                <a:latin typeface="Courier New" panose="02070309020205020404" pitchFamily="49" charset="0"/>
+                <a:cs typeface="Courier New" panose="02070309020205020404" pitchFamily="49" charset="0"/>
+              </a:rPr>
+              <a:t>article</a:t>
+            </a:r>
+            <a:r>
+              <a:rPr lang="sr-Latn-RS" sz="1200" b="1" dirty="0">
+                <a:solidFill>
+                  <a:srgbClr val="009E47"/>
+                </a:solidFill>
+                <a:latin typeface="Courier New" panose="02070309020205020404" pitchFamily="49" charset="0"/>
+                <a:cs typeface="Courier New" panose="02070309020205020404" pitchFamily="49" charset="0"/>
+              </a:rPr>
+              <a:t>&gt;</a:t>
+            </a:r>
+          </a:p>
+          <a:p>
+            <a:r>
+              <a:rPr lang="sr-Latn-RS" sz="1200" b="1" dirty="0">
+                <a:solidFill>
+                  <a:srgbClr val="009E47"/>
+                </a:solidFill>
+                <a:latin typeface="Courier New" panose="02070309020205020404" pitchFamily="49" charset="0"/>
+                <a:cs typeface="Courier New" panose="02070309020205020404" pitchFamily="49" charset="0"/>
+              </a:rPr>
+              <a:t>        &lt;/</a:t>
+            </a:r>
+            <a:r>
+              <a:rPr lang="sr-Latn-RS" sz="1200" b="1" dirty="0" err="1">
+                <a:solidFill>
+                  <a:srgbClr val="009E47"/>
+                </a:solidFill>
+                <a:latin typeface="Courier New" panose="02070309020205020404" pitchFamily="49" charset="0"/>
+                <a:cs typeface="Courier New" panose="02070309020205020404" pitchFamily="49" charset="0"/>
+              </a:rPr>
+              <a:t>section</a:t>
+            </a:r>
+            <a:r>
+              <a:rPr lang="sr-Latn-RS" sz="1200" b="1" dirty="0">
+                <a:solidFill>
+                  <a:srgbClr val="009E47"/>
+                </a:solidFill>
+                <a:latin typeface="Courier New" panose="02070309020205020404" pitchFamily="49" charset="0"/>
+                <a:cs typeface="Courier New" panose="02070309020205020404" pitchFamily="49" charset="0"/>
+              </a:rPr>
+              <a:t>&gt;</a:t>
+            </a:r>
+          </a:p>
+          <a:p>
+            <a:r>
+              <a:rPr lang="sr-Latn-RS" sz="1200" b="1" dirty="0">
+                <a:solidFill>
+                  <a:srgbClr val="009E47"/>
+                </a:solidFill>
+                <a:latin typeface="Courier New" panose="02070309020205020404" pitchFamily="49" charset="0"/>
+                <a:cs typeface="Courier New" panose="02070309020205020404" pitchFamily="49" charset="0"/>
+              </a:rPr>
+              <a:t>    &lt;/</a:t>
+            </a:r>
+            <a:r>
+              <a:rPr lang="sr-Latn-RS" sz="1200" b="1" dirty="0" err="1">
+                <a:solidFill>
+                  <a:srgbClr val="009E47"/>
+                </a:solidFill>
+                <a:latin typeface="Courier New" panose="02070309020205020404" pitchFamily="49" charset="0"/>
+                <a:cs typeface="Courier New" panose="02070309020205020404" pitchFamily="49" charset="0"/>
+              </a:rPr>
+              <a:t>aside</a:t>
+            </a:r>
+            <a:r>
+              <a:rPr lang="sr-Latn-RS" sz="1200" b="1" dirty="0">
+                <a:solidFill>
+                  <a:srgbClr val="009E47"/>
+                </a:solidFill>
+                <a:latin typeface="Courier New" panose="02070309020205020404" pitchFamily="49" charset="0"/>
+                <a:cs typeface="Courier New" panose="02070309020205020404" pitchFamily="49" charset="0"/>
+              </a:rPr>
+              <a:t>&gt;</a:t>
+            </a:r>
+          </a:p>
+          <a:p>
+            <a:r>
+              <a:rPr lang="sr-Latn-RS" sz="1200" b="1" dirty="0">
+                <a:solidFill>
+                  <a:srgbClr val="009E47"/>
+                </a:solidFill>
+                <a:latin typeface="Courier New" panose="02070309020205020404" pitchFamily="49" charset="0"/>
+                <a:cs typeface="Courier New" panose="02070309020205020404" pitchFamily="49" charset="0"/>
+              </a:rPr>
+              <a:t>    &lt;</a:t>
+            </a:r>
+            <a:r>
+              <a:rPr lang="sr-Latn-RS" sz="1200" b="1" dirty="0" err="1">
+                <a:solidFill>
+                  <a:srgbClr val="009E47"/>
+                </a:solidFill>
+                <a:latin typeface="Courier New" panose="02070309020205020404" pitchFamily="49" charset="0"/>
+                <a:cs typeface="Courier New" panose="02070309020205020404" pitchFamily="49" charset="0"/>
+              </a:rPr>
+              <a:t>footer</a:t>
+            </a:r>
+            <a:r>
+              <a:rPr lang="sr-Latn-RS" sz="1200" b="1" dirty="0">
+                <a:solidFill>
+                  <a:srgbClr val="009E47"/>
+                </a:solidFill>
+                <a:latin typeface="Courier New" panose="02070309020205020404" pitchFamily="49" charset="0"/>
+                <a:cs typeface="Courier New" panose="02070309020205020404" pitchFamily="49" charset="0"/>
+              </a:rPr>
+              <a:t>&gt; |Ovo |je |celina |koja |predstavlja |</a:t>
+            </a:r>
+            <a:r>
+              <a:rPr lang="sr-Latn-RS" sz="1200" b="1" dirty="0" err="1">
+                <a:solidFill>
+                  <a:srgbClr val="009E47"/>
+                </a:solidFill>
+                <a:latin typeface="Courier New" panose="02070309020205020404" pitchFamily="49" charset="0"/>
+                <a:cs typeface="Courier New" panose="02070309020205020404" pitchFamily="49" charset="0"/>
+              </a:rPr>
+              <a:t>podnozje</a:t>
+            </a:r>
+            <a:r>
+              <a:rPr lang="sr-Latn-RS" sz="1200" b="1" dirty="0">
+                <a:solidFill>
+                  <a:srgbClr val="009E47"/>
+                </a:solidFill>
+                <a:latin typeface="Courier New" panose="02070309020205020404" pitchFamily="49" charset="0"/>
+                <a:cs typeface="Courier New" panose="02070309020205020404" pitchFamily="49" charset="0"/>
+              </a:rPr>
+              <a:t>|</a:t>
+            </a:r>
+          </a:p>
+          <a:p>
+            <a:r>
+              <a:rPr lang="sr-Latn-RS" sz="1200" b="1" dirty="0">
+                <a:solidFill>
+                  <a:srgbClr val="009E47"/>
+                </a:solidFill>
+                <a:latin typeface="Courier New" panose="02070309020205020404" pitchFamily="49" charset="0"/>
+                <a:cs typeface="Courier New" panose="02070309020205020404" pitchFamily="49" charset="0"/>
+              </a:rPr>
+              <a:t>    &lt;/</a:t>
+            </a:r>
+            <a:r>
+              <a:rPr lang="sr-Latn-RS" sz="1200" b="1" dirty="0" err="1">
+                <a:solidFill>
+                  <a:srgbClr val="009E47"/>
+                </a:solidFill>
+                <a:latin typeface="Courier New" panose="02070309020205020404" pitchFamily="49" charset="0"/>
+                <a:cs typeface="Courier New" panose="02070309020205020404" pitchFamily="49" charset="0"/>
+              </a:rPr>
+              <a:t>footer</a:t>
+            </a:r>
+            <a:r>
+              <a:rPr lang="sr-Latn-RS" sz="1200" b="1" dirty="0">
+                <a:solidFill>
+                  <a:srgbClr val="009E47"/>
+                </a:solidFill>
+                <a:latin typeface="Courier New" panose="02070309020205020404" pitchFamily="49" charset="0"/>
+                <a:cs typeface="Courier New" panose="02070309020205020404" pitchFamily="49" charset="0"/>
+              </a:rPr>
+              <a:t>&gt;</a:t>
+            </a:r>
+          </a:p>
+          <a:p>
+            <a:r>
+              <a:rPr lang="sr-Latn-RS" sz="1200" b="1" dirty="0">
+                <a:solidFill>
+                  <a:srgbClr val="009E47"/>
+                </a:solidFill>
+                <a:latin typeface="Courier New" panose="02070309020205020404" pitchFamily="49" charset="0"/>
+                <a:cs typeface="Courier New" panose="02070309020205020404" pitchFamily="49" charset="0"/>
+              </a:rPr>
+              <a:t>&lt;/</a:t>
+            </a:r>
+            <a:r>
+              <a:rPr lang="sr-Latn-RS" sz="1200" b="1" dirty="0" err="1">
+                <a:solidFill>
+                  <a:srgbClr val="009E47"/>
+                </a:solidFill>
+                <a:latin typeface="Courier New" panose="02070309020205020404" pitchFamily="49" charset="0"/>
+                <a:cs typeface="Courier New" panose="02070309020205020404" pitchFamily="49" charset="0"/>
+              </a:rPr>
+              <a:t>body</a:t>
+            </a:r>
+            <a:r>
+              <a:rPr lang="sr-Latn-RS" sz="1200" b="1" dirty="0">
+                <a:solidFill>
+                  <a:srgbClr val="009E47"/>
+                </a:solidFill>
+                <a:latin typeface="Courier New" panose="02070309020205020404" pitchFamily="49" charset="0"/>
+                <a:cs typeface="Courier New" panose="02070309020205020404" pitchFamily="49" charset="0"/>
+              </a:rPr>
+              <a:t>&gt;</a:t>
+            </a:r>
+          </a:p>
+          <a:p>
+            <a:endParaRPr lang="sr-Latn-RS" sz="1200" b="1" dirty="0">
+              <a:solidFill>
+                <a:srgbClr val="009E47"/>
+              </a:solidFill>
+              <a:latin typeface="Courier New" panose="02070309020205020404" pitchFamily="49" charset="0"/>
+              <a:cs typeface="Courier New" panose="02070309020205020404" pitchFamily="49" charset="0"/>
+            </a:endParaRPr>
+          </a:p>
+          <a:p>
+            <a:r>
+              <a:rPr lang="sr-Latn-RS" sz="1200" b="1" dirty="0">
+                <a:solidFill>
+                  <a:srgbClr val="009E47"/>
+                </a:solidFill>
+                <a:latin typeface="Courier New" panose="02070309020205020404" pitchFamily="49" charset="0"/>
+                <a:cs typeface="Courier New" panose="02070309020205020404" pitchFamily="49" charset="0"/>
+              </a:rPr>
+              <a:t>&lt;/html&gt;</a:t>
+            </a:r>
+            <a:endParaRPr lang="sr-Latn-RS" sz="1200" b="1" dirty="0">
+              <a:solidFill>
+                <a:srgbClr val="009E47"/>
+              </a:solidFill>
+              <a:latin typeface="Courier New" panose="02070309020205020404" pitchFamily="49" charset="0"/>
+              <a:cs typeface="Courier New" panose="02070309020205020404" pitchFamily="49" charset="0"/>
+            </a:endParaRPr>
+          </a:p>
+        </p:txBody>
+      </p:sp>
+    </p:spTree>
+    <p:extLst>
+      <p:ext uri="{BB962C8B-B14F-4D97-AF65-F5344CB8AC3E}">
+        <p14:creationId xmlns:p14="http://schemas.microsoft.com/office/powerpoint/2010/main" val="785376778"/>
+      </p:ext>
+    </p:extLst>
+  </p:cSld>
+  <p:clrMapOvr>
+    <a:masterClrMapping/>
+  </p:clrMapOvr>
+  <p:timing>
+    <p:tnLst>
+      <p:par>
+        <p:cTn id="1" dur="indefinite" restart="never" nodeType="tmRoot"/>
+      </p:par>
+    </p:tnLst>
+  </p:timing>
+</p:sld>
+</file>
+
+<file path=ppt/slides/slide21.xml><?xml version="1.0" encoding="utf-8"?>
+<p:sld xmlns:a="http://schemas.openxmlformats.org/drawingml/2006/main" xmlns:r="http://schemas.openxmlformats.org/officeDocument/2006/relationships" xmlns:p="http://schemas.openxmlformats.org/presentationml/2006/main">
+  <p:cSld>
+    <p:spTree>
+      <p:nvGrpSpPr>
+        <p:cNvPr id="1" name=""/>
+        <p:cNvGrpSpPr/>
+        <p:nvPr/>
+      </p:nvGrpSpPr>
+      <p:grpSpPr>
+        <a:xfrm>
+          <a:off x="0" y="0"/>
+          <a:ext cx="0" cy="0"/>
+          <a:chOff x="0" y="0"/>
+          <a:chExt cx="0" cy="0"/>
+        </a:xfrm>
+      </p:grpSpPr>
+      <p:sp>
+        <p:nvSpPr>
+          <p:cNvPr id="92162" name="Rectangle 2"/>
+          <p:cNvSpPr>
+            <a:spLocks noGrp="1" noChangeArrowheads="1"/>
+          </p:cNvSpPr>
+          <p:nvPr>
+            <p:ph type="title"/>
+          </p:nvPr>
+        </p:nvSpPr>
+        <p:spPr>
+          <a:xfrm>
+            <a:off x="1403648" y="549275"/>
+            <a:ext cx="7283152" cy="868363"/>
+          </a:xfrm>
+        </p:spPr>
+        <p:txBody>
+          <a:bodyPr/>
+          <a:lstStyle/>
+          <a:p>
+            <a:r>
+              <a:rPr lang="sr-Latn-RS" dirty="0"/>
+              <a:t>Element p</a:t>
+            </a:r>
+            <a:endParaRPr lang="sr-Latn-RS" dirty="0"/>
+          </a:p>
+        </p:txBody>
+      </p:sp>
+      <p:sp>
+        <p:nvSpPr>
+          <p:cNvPr id="92163" name="Rectangle 3"/>
+          <p:cNvSpPr>
+            <a:spLocks noGrp="1" noChangeArrowheads="1"/>
+          </p:cNvSpPr>
+          <p:nvPr>
+            <p:ph idx="1"/>
+          </p:nvPr>
+        </p:nvSpPr>
+        <p:spPr>
+          <a:xfrm>
+            <a:off x="457200" y="1484784"/>
+            <a:ext cx="8579296" cy="5373216"/>
+          </a:xfrm>
+        </p:spPr>
+        <p:txBody>
+          <a:bodyPr/>
+          <a:lstStyle/>
+          <a:p>
+            <a:pPr lvl="1">
+              <a:spcBef>
+                <a:spcPts val="1200"/>
+              </a:spcBef>
+            </a:pPr>
+            <a:r>
+              <a:rPr lang="en-GB" dirty="0" err="1">
+                <a:solidFill>
+                  <a:srgbClr val="6767FF"/>
+                </a:solidFill>
+              </a:rPr>
+              <a:t>Pasus</a:t>
+            </a:r>
+            <a:r>
+              <a:rPr lang="en-GB" dirty="0">
+                <a:solidFill>
+                  <a:srgbClr val="6767FF"/>
+                </a:solidFill>
+              </a:rPr>
+              <a:t> </a:t>
+            </a:r>
+            <a:r>
+              <a:rPr lang="en-GB" dirty="0"/>
+              <a:t>(paragraph) je </a:t>
+            </a:r>
+            <a:r>
+              <a:rPr lang="en-GB" dirty="0" err="1"/>
+              <a:t>najmanja</a:t>
+            </a:r>
+            <a:r>
+              <a:rPr lang="en-GB" dirty="0"/>
+              <a:t> </a:t>
+            </a:r>
+            <a:r>
+              <a:rPr lang="en-GB" dirty="0" err="1"/>
+              <a:t>jedinica</a:t>
+            </a:r>
+            <a:r>
+              <a:rPr lang="en-GB" dirty="0"/>
+              <a:t> </a:t>
+            </a:r>
+            <a:r>
+              <a:rPr lang="en-GB" dirty="0" err="1"/>
+              <a:t>grupisanog</a:t>
+            </a:r>
+            <a:r>
+              <a:rPr lang="en-GB" dirty="0"/>
+              <a:t> </a:t>
+            </a:r>
+            <a:r>
+              <a:rPr lang="en-GB" dirty="0" err="1"/>
+              <a:t>teksta</a:t>
+            </a:r>
+            <a:endParaRPr lang="en-GB" dirty="0"/>
+          </a:p>
+          <a:p>
+            <a:pPr lvl="1">
+              <a:spcBef>
+                <a:spcPts val="1200"/>
+              </a:spcBef>
+            </a:pPr>
+            <a:r>
+              <a:rPr lang="en-GB" dirty="0" err="1"/>
+              <a:t>Za</a:t>
+            </a:r>
+            <a:r>
+              <a:rPr lang="en-GB" dirty="0"/>
+              <a:t> </a:t>
+            </a:r>
+            <a:r>
+              <a:rPr lang="en-GB" dirty="0" err="1"/>
+              <a:t>oznacavanje</a:t>
+            </a:r>
+            <a:r>
+              <a:rPr lang="en-GB" dirty="0"/>
+              <a:t> </a:t>
+            </a:r>
+            <a:r>
+              <a:rPr lang="en-GB" dirty="0" err="1"/>
+              <a:t>pasusa</a:t>
+            </a:r>
+            <a:r>
+              <a:rPr lang="en-GB" dirty="0"/>
+              <a:t> </a:t>
+            </a:r>
+            <a:r>
+              <a:rPr lang="en-GB" dirty="0" err="1"/>
+              <a:t>koristi</a:t>
+            </a:r>
+            <a:r>
+              <a:rPr lang="en-GB" dirty="0"/>
+              <a:t> se element p</a:t>
+            </a:r>
+          </a:p>
+          <a:p>
+            <a:pPr lvl="1">
+              <a:spcBef>
+                <a:spcPts val="1200"/>
+              </a:spcBef>
+            </a:pPr>
+            <a:r>
+              <a:rPr lang="en-GB" dirty="0" err="1"/>
+              <a:t>Pasus</a:t>
+            </a:r>
+            <a:r>
+              <a:rPr lang="en-GB" dirty="0"/>
+              <a:t> </a:t>
+            </a:r>
+            <a:r>
+              <a:rPr lang="en-GB" dirty="0" err="1" smtClean="0"/>
+              <a:t>mo</a:t>
+            </a:r>
+            <a:r>
+              <a:rPr lang="sr-Latn-RS" dirty="0" smtClean="0"/>
+              <a:t>ž</a:t>
+            </a:r>
+            <a:r>
+              <a:rPr lang="en-GB" dirty="0" smtClean="0"/>
+              <a:t>e </a:t>
+            </a:r>
+            <a:r>
+              <a:rPr lang="en-GB" dirty="0"/>
+              <a:t>da </a:t>
+            </a:r>
+            <a:r>
+              <a:rPr lang="en-GB" dirty="0" err="1" smtClean="0"/>
+              <a:t>sadr</a:t>
+            </a:r>
+            <a:r>
+              <a:rPr lang="sr-Latn-RS" dirty="0"/>
+              <a:t>ž</a:t>
+            </a:r>
+            <a:r>
+              <a:rPr lang="en-GB" dirty="0" err="1" smtClean="0"/>
+              <a:t>i</a:t>
+            </a:r>
+            <a:r>
+              <a:rPr lang="en-GB" dirty="0" smtClean="0"/>
+              <a:t> </a:t>
+            </a:r>
+            <a:r>
+              <a:rPr lang="en-GB" dirty="0" err="1"/>
+              <a:t>tekst</a:t>
+            </a:r>
+            <a:r>
+              <a:rPr lang="en-GB" dirty="0"/>
+              <a:t>, </a:t>
+            </a:r>
+            <a:r>
+              <a:rPr lang="en-GB" dirty="0" err="1"/>
+              <a:t>veze</a:t>
+            </a:r>
+            <a:r>
+              <a:rPr lang="en-GB" dirty="0"/>
+              <a:t>, </a:t>
+            </a:r>
+            <a:r>
+              <a:rPr lang="en-GB" dirty="0" err="1"/>
+              <a:t>slike</a:t>
+            </a:r>
+            <a:r>
+              <a:rPr lang="en-GB" dirty="0"/>
+              <a:t>; ne </a:t>
+            </a:r>
+            <a:r>
+              <a:rPr lang="en-GB" dirty="0" err="1" smtClean="0"/>
+              <a:t>mo</a:t>
+            </a:r>
+            <a:r>
+              <a:rPr lang="sr-Latn-RS" dirty="0"/>
+              <a:t>ž</a:t>
+            </a:r>
+            <a:r>
+              <a:rPr lang="en-GB" dirty="0" smtClean="0"/>
+              <a:t>e </a:t>
+            </a:r>
+            <a:r>
+              <a:rPr lang="en-GB" dirty="0"/>
+              <a:t>da </a:t>
+            </a:r>
+            <a:r>
+              <a:rPr lang="en-GB" dirty="0" err="1" smtClean="0"/>
+              <a:t>sadr</a:t>
+            </a:r>
+            <a:r>
+              <a:rPr lang="sr-Latn-RS" dirty="0"/>
+              <a:t>ž</a:t>
+            </a:r>
+            <a:r>
+              <a:rPr lang="en-GB" dirty="0" err="1" smtClean="0"/>
+              <a:t>i</a:t>
+            </a:r>
+            <a:r>
+              <a:rPr lang="en-GB" dirty="0" smtClean="0"/>
+              <a:t> </a:t>
+            </a:r>
+            <a:r>
+              <a:rPr lang="sr-Latn-RS" dirty="0" smtClean="0"/>
+              <a:t>č</a:t>
+            </a:r>
+            <a:r>
+              <a:rPr lang="en-GB" dirty="0" err="1" smtClean="0"/>
+              <a:t>lanke</a:t>
+            </a:r>
+            <a:r>
+              <a:rPr lang="en-GB" dirty="0" smtClean="0"/>
+              <a:t>,</a:t>
+            </a:r>
+            <a:r>
+              <a:rPr lang="sr-Latn-RS" dirty="0" smtClean="0"/>
+              <a:t> </a:t>
+            </a:r>
+            <a:r>
+              <a:rPr lang="en-GB" dirty="0" err="1" smtClean="0"/>
+              <a:t>sekcije</a:t>
+            </a:r>
+            <a:r>
+              <a:rPr lang="en-GB" dirty="0"/>
+              <a:t>, </a:t>
+            </a:r>
+            <a:r>
+              <a:rPr lang="en-GB" dirty="0" err="1"/>
+              <a:t>druge</a:t>
+            </a:r>
+            <a:r>
+              <a:rPr lang="en-GB" dirty="0"/>
+              <a:t> </a:t>
+            </a:r>
+            <a:r>
+              <a:rPr lang="en-GB" dirty="0" err="1"/>
+              <a:t>pasuse</a:t>
+            </a:r>
+            <a:r>
+              <a:rPr lang="en-GB" dirty="0"/>
+              <a:t>, </a:t>
+            </a:r>
+            <a:r>
+              <a:rPr lang="en-GB" dirty="0" err="1"/>
+              <a:t>tabele</a:t>
+            </a:r>
+            <a:r>
+              <a:rPr lang="en-GB" dirty="0" smtClean="0"/>
+              <a:t>,</a:t>
+            </a:r>
+            <a:r>
+              <a:rPr lang="sr-Latn-RS" dirty="0" smtClean="0"/>
+              <a:t> itd.</a:t>
+            </a:r>
+          </a:p>
+          <a:p>
+            <a:pPr marL="457200" lvl="1" indent="0">
+              <a:spcBef>
+                <a:spcPts val="0"/>
+              </a:spcBef>
+              <a:buNone/>
+            </a:pPr>
+            <a:endParaRPr lang="sr-Latn-CS" altLang="en-US" sz="1400" b="1" dirty="0" smtClean="0">
+              <a:solidFill>
+                <a:srgbClr val="009E47"/>
+              </a:solidFill>
+              <a:latin typeface="Courier New" panose="02070309020205020404" pitchFamily="49" charset="0"/>
+              <a:cs typeface="Courier New" panose="02070309020205020404" pitchFamily="49" charset="0"/>
+            </a:endParaRPr>
+          </a:p>
+          <a:p>
+            <a:pPr marL="457200" lvl="1" indent="0">
+              <a:spcBef>
+                <a:spcPts val="0"/>
+              </a:spcBef>
+              <a:buNone/>
+            </a:pPr>
+            <a:r>
+              <a:rPr lang="sr-Latn-CS" altLang="en-US" sz="1600" b="1" dirty="0" smtClean="0">
+                <a:solidFill>
+                  <a:srgbClr val="009E47"/>
+                </a:solidFill>
+                <a:latin typeface="Courier New" panose="02070309020205020404" pitchFamily="49" charset="0"/>
+                <a:cs typeface="Courier New" panose="02070309020205020404" pitchFamily="49" charset="0"/>
+              </a:rPr>
+              <a:t>&lt;</a:t>
+            </a:r>
+            <a:r>
+              <a:rPr lang="sr-Latn-CS" altLang="en-US" sz="1600" b="1" dirty="0" err="1">
+                <a:solidFill>
+                  <a:srgbClr val="009E47"/>
+                </a:solidFill>
+                <a:latin typeface="Courier New" panose="02070309020205020404" pitchFamily="49" charset="0"/>
+                <a:cs typeface="Courier New" panose="02070309020205020404" pitchFamily="49" charset="0"/>
+              </a:rPr>
+              <a:t>body</a:t>
+            </a:r>
+            <a:r>
+              <a:rPr lang="sr-Latn-CS" altLang="en-US" sz="1600" b="1" dirty="0">
+                <a:solidFill>
+                  <a:srgbClr val="009E47"/>
+                </a:solidFill>
+                <a:latin typeface="Courier New" panose="02070309020205020404" pitchFamily="49" charset="0"/>
+                <a:cs typeface="Courier New" panose="02070309020205020404" pitchFamily="49" charset="0"/>
+              </a:rPr>
+              <a:t>&gt;</a:t>
+            </a:r>
+          </a:p>
+          <a:p>
+            <a:pPr marL="457200" lvl="1" indent="0">
+              <a:spcBef>
+                <a:spcPts val="0"/>
+              </a:spcBef>
+              <a:buNone/>
+            </a:pPr>
+            <a:r>
+              <a:rPr lang="sr-Latn-CS" altLang="en-US" sz="1600" b="1" dirty="0">
+                <a:solidFill>
+                  <a:srgbClr val="009E47"/>
+                </a:solidFill>
+                <a:latin typeface="Courier New" panose="02070309020205020404" pitchFamily="49" charset="0"/>
+                <a:cs typeface="Courier New" panose="02070309020205020404" pitchFamily="49" charset="0"/>
+              </a:rPr>
+              <a:t>    &lt;</a:t>
+            </a:r>
+            <a:r>
+              <a:rPr lang="sr-Latn-CS" altLang="en-US" sz="1600" b="1" dirty="0" err="1">
+                <a:solidFill>
+                  <a:srgbClr val="009E47"/>
+                </a:solidFill>
+                <a:latin typeface="Courier New" panose="02070309020205020404" pitchFamily="49" charset="0"/>
+                <a:cs typeface="Courier New" panose="02070309020205020404" pitchFamily="49" charset="0"/>
+              </a:rPr>
+              <a:t>main</a:t>
+            </a:r>
+            <a:r>
+              <a:rPr lang="sr-Latn-CS" altLang="en-US" sz="1600" b="1" dirty="0">
+                <a:solidFill>
+                  <a:srgbClr val="009E47"/>
+                </a:solidFill>
+                <a:latin typeface="Courier New" panose="02070309020205020404" pitchFamily="49" charset="0"/>
+                <a:cs typeface="Courier New" panose="02070309020205020404" pitchFamily="49" charset="0"/>
+              </a:rPr>
+              <a:t>&gt;</a:t>
+            </a:r>
+          </a:p>
+          <a:p>
+            <a:pPr marL="457200" lvl="1" indent="0">
+              <a:spcBef>
+                <a:spcPts val="0"/>
+              </a:spcBef>
+              <a:buNone/>
+            </a:pPr>
+            <a:r>
+              <a:rPr lang="sr-Latn-CS" altLang="en-US" sz="1600" b="1" dirty="0">
+                <a:solidFill>
+                  <a:srgbClr val="009E47"/>
+                </a:solidFill>
+                <a:latin typeface="Courier New" panose="02070309020205020404" pitchFamily="49" charset="0"/>
+                <a:cs typeface="Courier New" panose="02070309020205020404" pitchFamily="49" charset="0"/>
+              </a:rPr>
+              <a:t>        &lt;</a:t>
+            </a:r>
+            <a:r>
+              <a:rPr lang="sr-Latn-CS" altLang="en-US" sz="1600" b="1" dirty="0" err="1">
+                <a:solidFill>
+                  <a:srgbClr val="009E47"/>
+                </a:solidFill>
+                <a:latin typeface="Courier New" panose="02070309020205020404" pitchFamily="49" charset="0"/>
+                <a:cs typeface="Courier New" panose="02070309020205020404" pitchFamily="49" charset="0"/>
+              </a:rPr>
+              <a:t>article</a:t>
+            </a:r>
+            <a:r>
+              <a:rPr lang="sr-Latn-CS" altLang="en-US" sz="1600" b="1" dirty="0">
+                <a:solidFill>
+                  <a:srgbClr val="009E47"/>
+                </a:solidFill>
+                <a:latin typeface="Courier New" panose="02070309020205020404" pitchFamily="49" charset="0"/>
+                <a:cs typeface="Courier New" panose="02070309020205020404" pitchFamily="49" charset="0"/>
+              </a:rPr>
+              <a:t>&gt;</a:t>
+            </a:r>
+          </a:p>
+          <a:p>
+            <a:pPr marL="457200" lvl="1" indent="0">
+              <a:spcBef>
+                <a:spcPts val="0"/>
+              </a:spcBef>
+              <a:buNone/>
+            </a:pPr>
+            <a:r>
+              <a:rPr lang="sr-Latn-CS" altLang="en-US" sz="1600" b="1" dirty="0">
+                <a:solidFill>
+                  <a:srgbClr val="009E47"/>
+                </a:solidFill>
+                <a:latin typeface="Courier New" panose="02070309020205020404" pitchFamily="49" charset="0"/>
+                <a:cs typeface="Courier New" panose="02070309020205020404" pitchFamily="49" charset="0"/>
+              </a:rPr>
+              <a:t>            &lt;p&gt;Ovo je prvi pasus.&lt;/p&gt;</a:t>
+            </a:r>
+          </a:p>
+          <a:p>
+            <a:pPr marL="457200" lvl="1" indent="0">
+              <a:spcBef>
+                <a:spcPts val="0"/>
+              </a:spcBef>
+              <a:buNone/>
+            </a:pPr>
+            <a:r>
+              <a:rPr lang="sr-Latn-CS" altLang="en-US" sz="1600" b="1" dirty="0">
+                <a:solidFill>
+                  <a:srgbClr val="009E47"/>
+                </a:solidFill>
+                <a:latin typeface="Courier New" panose="02070309020205020404" pitchFamily="49" charset="0"/>
+                <a:cs typeface="Courier New" panose="02070309020205020404" pitchFamily="49" charset="0"/>
+              </a:rPr>
+              <a:t>            &lt;p&gt;Ovo je drugi pasus.&lt;/p&gt;</a:t>
+            </a:r>
+          </a:p>
+          <a:p>
+            <a:pPr marL="457200" lvl="1" indent="0">
+              <a:spcBef>
+                <a:spcPts val="0"/>
+              </a:spcBef>
+              <a:buNone/>
+            </a:pPr>
+            <a:r>
+              <a:rPr lang="sr-Latn-CS" altLang="en-US" sz="1600" b="1" dirty="0">
+                <a:solidFill>
+                  <a:srgbClr val="009E47"/>
+                </a:solidFill>
+                <a:latin typeface="Courier New" panose="02070309020205020404" pitchFamily="49" charset="0"/>
+                <a:cs typeface="Courier New" panose="02070309020205020404" pitchFamily="49" charset="0"/>
+              </a:rPr>
+              <a:t>            &lt;p&gt;Ovo je treći pasus.&lt;/p&gt;</a:t>
+            </a:r>
+          </a:p>
+          <a:p>
+            <a:pPr marL="457200" lvl="1" indent="0">
+              <a:spcBef>
+                <a:spcPts val="0"/>
+              </a:spcBef>
+              <a:buNone/>
+            </a:pPr>
+            <a:r>
+              <a:rPr lang="sr-Latn-CS" altLang="en-US" sz="1600" b="1" dirty="0">
+                <a:solidFill>
+                  <a:srgbClr val="009E47"/>
+                </a:solidFill>
+                <a:latin typeface="Courier New" panose="02070309020205020404" pitchFamily="49" charset="0"/>
+                <a:cs typeface="Courier New" panose="02070309020205020404" pitchFamily="49" charset="0"/>
+              </a:rPr>
+              <a:t>        &lt;/</a:t>
+            </a:r>
+            <a:r>
+              <a:rPr lang="sr-Latn-CS" altLang="en-US" sz="1600" b="1" dirty="0" err="1">
+                <a:solidFill>
+                  <a:srgbClr val="009E47"/>
+                </a:solidFill>
+                <a:latin typeface="Courier New" panose="02070309020205020404" pitchFamily="49" charset="0"/>
+                <a:cs typeface="Courier New" panose="02070309020205020404" pitchFamily="49" charset="0"/>
+              </a:rPr>
+              <a:t>article</a:t>
+            </a:r>
+            <a:r>
+              <a:rPr lang="sr-Latn-CS" altLang="en-US" sz="1600" b="1" dirty="0">
+                <a:solidFill>
+                  <a:srgbClr val="009E47"/>
+                </a:solidFill>
+                <a:latin typeface="Courier New" panose="02070309020205020404" pitchFamily="49" charset="0"/>
+                <a:cs typeface="Courier New" panose="02070309020205020404" pitchFamily="49" charset="0"/>
+              </a:rPr>
+              <a:t>&gt;</a:t>
+            </a:r>
+          </a:p>
+          <a:p>
+            <a:pPr marL="457200" lvl="1" indent="0">
+              <a:spcBef>
+                <a:spcPts val="0"/>
+              </a:spcBef>
+              <a:buNone/>
+            </a:pPr>
+            <a:r>
+              <a:rPr lang="sr-Latn-CS" altLang="en-US" sz="1600" b="1" dirty="0">
+                <a:solidFill>
+                  <a:srgbClr val="009E47"/>
+                </a:solidFill>
+                <a:latin typeface="Courier New" panose="02070309020205020404" pitchFamily="49" charset="0"/>
+                <a:cs typeface="Courier New" panose="02070309020205020404" pitchFamily="49" charset="0"/>
+              </a:rPr>
+              <a:t>    &lt;/</a:t>
+            </a:r>
+            <a:r>
+              <a:rPr lang="sr-Latn-CS" altLang="en-US" sz="1600" b="1" dirty="0" err="1">
+                <a:solidFill>
+                  <a:srgbClr val="009E47"/>
+                </a:solidFill>
+                <a:latin typeface="Courier New" panose="02070309020205020404" pitchFamily="49" charset="0"/>
+                <a:cs typeface="Courier New" panose="02070309020205020404" pitchFamily="49" charset="0"/>
+              </a:rPr>
+              <a:t>main</a:t>
+            </a:r>
+            <a:r>
+              <a:rPr lang="sr-Latn-CS" altLang="en-US" sz="1600" b="1" dirty="0">
+                <a:solidFill>
+                  <a:srgbClr val="009E47"/>
+                </a:solidFill>
+                <a:latin typeface="Courier New" panose="02070309020205020404" pitchFamily="49" charset="0"/>
+                <a:cs typeface="Courier New" panose="02070309020205020404" pitchFamily="49" charset="0"/>
+              </a:rPr>
+              <a:t>&gt;</a:t>
+            </a:r>
+          </a:p>
+          <a:p>
+            <a:pPr marL="457200" lvl="1" indent="0">
+              <a:spcBef>
+                <a:spcPts val="0"/>
+              </a:spcBef>
+              <a:buNone/>
+            </a:pPr>
+            <a:r>
+              <a:rPr lang="sr-Latn-CS" altLang="en-US" sz="1600" b="1" dirty="0">
+                <a:solidFill>
+                  <a:srgbClr val="009E47"/>
+                </a:solidFill>
+                <a:latin typeface="Courier New" panose="02070309020205020404" pitchFamily="49" charset="0"/>
+                <a:cs typeface="Courier New" panose="02070309020205020404" pitchFamily="49" charset="0"/>
+              </a:rPr>
+              <a:t>&lt;/</a:t>
+            </a:r>
+            <a:r>
+              <a:rPr lang="sr-Latn-CS" altLang="en-US" sz="1600" b="1" dirty="0" err="1">
+                <a:solidFill>
+                  <a:srgbClr val="009E47"/>
+                </a:solidFill>
+                <a:latin typeface="Courier New" panose="02070309020205020404" pitchFamily="49" charset="0"/>
+                <a:cs typeface="Courier New" panose="02070309020205020404" pitchFamily="49" charset="0"/>
+              </a:rPr>
+              <a:t>body</a:t>
+            </a:r>
+            <a:r>
+              <a:rPr lang="sr-Latn-CS" altLang="en-US" sz="1600" b="1" dirty="0">
+                <a:solidFill>
+                  <a:srgbClr val="009E47"/>
+                </a:solidFill>
+                <a:latin typeface="Courier New" panose="02070309020205020404" pitchFamily="49" charset="0"/>
+                <a:cs typeface="Courier New" panose="02070309020205020404" pitchFamily="49" charset="0"/>
+              </a:rPr>
+              <a:t>&gt;</a:t>
+            </a:r>
+          </a:p>
+          <a:p>
+            <a:pPr marL="457200" lvl="1" indent="0">
+              <a:spcBef>
+                <a:spcPts val="0"/>
+              </a:spcBef>
+              <a:buNone/>
+            </a:pPr>
+            <a:endParaRPr lang="sr-Latn-CS" altLang="en-US" sz="1600" b="1" dirty="0">
+              <a:solidFill>
+                <a:srgbClr val="009E47"/>
+              </a:solidFill>
+              <a:latin typeface="Courier New" panose="02070309020205020404" pitchFamily="49" charset="0"/>
+              <a:cs typeface="Courier New" panose="02070309020205020404" pitchFamily="49" charset="0"/>
+            </a:endParaRPr>
+          </a:p>
+          <a:p>
+            <a:pPr lvl="1">
+              <a:spcBef>
+                <a:spcPts val="1200"/>
+              </a:spcBef>
+            </a:pPr>
+            <a:endParaRPr lang="sr-Latn-RS" sz="1400" b="1" dirty="0">
+              <a:solidFill>
+                <a:srgbClr val="009E47"/>
+              </a:solidFill>
+              <a:latin typeface="Courier New" panose="02070309020205020404" pitchFamily="49" charset="0"/>
+              <a:cs typeface="Courier New" panose="02070309020205020404" pitchFamily="49" charset="0"/>
+            </a:endParaRPr>
+          </a:p>
+        </p:txBody>
+      </p:sp>
+    </p:spTree>
+    <p:extLst>
+      <p:ext uri="{BB962C8B-B14F-4D97-AF65-F5344CB8AC3E}">
+        <p14:creationId xmlns:p14="http://schemas.microsoft.com/office/powerpoint/2010/main" val="2795020486"/>
+      </p:ext>
+    </p:extLst>
+  </p:cSld>
+  <p:clrMapOvr>
+    <a:masterClrMapping/>
+  </p:clrMapOvr>
+  <p:timing>
+    <p:tnLst>
+      <p:par>
+        <p:cTn id="1" dur="indefinite" restart="never" nodeType="tmRoot"/>
+      </p:par>
+    </p:tnLst>
+  </p:timing>
+</p:sld>
+</file>
+
+<file path=ppt/slides/slide22.xml><?xml version="1.0" encoding="utf-8"?>
+<p:sld xmlns:a="http://schemas.openxmlformats.org/drawingml/2006/main" xmlns:r="http://schemas.openxmlformats.org/officeDocument/2006/relationships" xmlns:p="http://schemas.openxmlformats.org/presentationml/2006/main">
+  <p:cSld>
+    <p:spTree>
+      <p:nvGrpSpPr>
+        <p:cNvPr id="1" name=""/>
+        <p:cNvGrpSpPr/>
+        <p:nvPr/>
+      </p:nvGrpSpPr>
+      <p:grpSpPr>
+        <a:xfrm>
+          <a:off x="0" y="0"/>
+          <a:ext cx="0" cy="0"/>
+          <a:chOff x="0" y="0"/>
+          <a:chExt cx="0" cy="0"/>
+        </a:xfrm>
+      </p:grpSpPr>
+      <p:sp>
+        <p:nvSpPr>
+          <p:cNvPr id="92162" name="Rectangle 2"/>
+          <p:cNvSpPr>
+            <a:spLocks noGrp="1" noChangeArrowheads="1"/>
+          </p:cNvSpPr>
+          <p:nvPr>
+            <p:ph type="title"/>
+          </p:nvPr>
+        </p:nvSpPr>
+        <p:spPr>
+          <a:xfrm>
+            <a:off x="1403648" y="549275"/>
+            <a:ext cx="7283152" cy="868363"/>
+          </a:xfrm>
+        </p:spPr>
+        <p:txBody>
+          <a:bodyPr/>
+          <a:lstStyle/>
+          <a:p>
+            <a:r>
+              <a:rPr lang="sr-Latn-RS" dirty="0"/>
+              <a:t>Elementi ul, </a:t>
+            </a:r>
+            <a:r>
+              <a:rPr lang="sr-Latn-RS" dirty="0" err="1"/>
+              <a:t>ol</a:t>
+            </a:r>
+            <a:r>
+              <a:rPr lang="sr-Latn-RS" dirty="0"/>
+              <a:t>, dl</a:t>
+            </a:r>
+          </a:p>
+        </p:txBody>
+      </p:sp>
+      <p:sp>
+        <p:nvSpPr>
+          <p:cNvPr id="92163" name="Rectangle 3"/>
+          <p:cNvSpPr>
+            <a:spLocks noGrp="1" noChangeArrowheads="1"/>
+          </p:cNvSpPr>
+          <p:nvPr>
+            <p:ph idx="1"/>
+          </p:nvPr>
+        </p:nvSpPr>
+        <p:spPr>
+          <a:xfrm>
+            <a:off x="457200" y="1484784"/>
+            <a:ext cx="8579296" cy="5373216"/>
+          </a:xfrm>
+        </p:spPr>
+        <p:txBody>
+          <a:bodyPr/>
+          <a:lstStyle/>
+          <a:p>
+            <a:pPr lvl="1">
+              <a:spcBef>
+                <a:spcPts val="1200"/>
+              </a:spcBef>
+            </a:pPr>
+            <a:r>
+              <a:rPr lang="en-GB" dirty="0" err="1"/>
+              <a:t>Postoji</a:t>
+            </a:r>
+            <a:r>
+              <a:rPr lang="en-GB" dirty="0"/>
+              <a:t> </a:t>
+            </a:r>
+            <a:r>
+              <a:rPr lang="en-GB" dirty="0" err="1" smtClean="0"/>
+              <a:t>podr</a:t>
+            </a:r>
+            <a:r>
+              <a:rPr lang="sr-Latn-RS" dirty="0" smtClean="0"/>
+              <a:t>š</a:t>
+            </a:r>
+            <a:r>
+              <a:rPr lang="en-GB" dirty="0" err="1" smtClean="0"/>
+              <a:t>ka</a:t>
+            </a:r>
+            <a:r>
+              <a:rPr lang="en-GB" dirty="0" smtClean="0"/>
+              <a:t> </a:t>
+            </a:r>
+            <a:r>
+              <a:rPr lang="en-GB" dirty="0" err="1"/>
+              <a:t>za</a:t>
+            </a:r>
+            <a:r>
+              <a:rPr lang="en-GB" dirty="0"/>
+              <a:t> </a:t>
+            </a:r>
+            <a:r>
+              <a:rPr lang="en-GB" dirty="0" err="1"/>
+              <a:t>nabrajanje</a:t>
+            </a:r>
+            <a:r>
+              <a:rPr lang="en-GB" dirty="0"/>
+              <a:t> </a:t>
+            </a:r>
+            <a:r>
+              <a:rPr lang="en-GB" dirty="0" err="1"/>
+              <a:t>liste</a:t>
+            </a:r>
+            <a:r>
+              <a:rPr lang="en-GB" dirty="0"/>
+              <a:t> </a:t>
+            </a:r>
+            <a:r>
+              <a:rPr lang="en-GB" dirty="0" err="1"/>
+              <a:t>stavki</a:t>
+            </a:r>
+            <a:endParaRPr lang="en-GB" dirty="0"/>
+          </a:p>
+          <a:p>
+            <a:pPr lvl="1">
+              <a:spcBef>
+                <a:spcPts val="1200"/>
+              </a:spcBef>
+            </a:pPr>
+            <a:r>
+              <a:rPr lang="en-GB" dirty="0"/>
+              <a:t>Tri </a:t>
+            </a:r>
+            <a:r>
+              <a:rPr lang="en-GB" dirty="0" err="1"/>
+              <a:t>tipa</a:t>
+            </a:r>
+            <a:r>
+              <a:rPr lang="en-GB" dirty="0"/>
+              <a:t> </a:t>
+            </a:r>
+            <a:r>
+              <a:rPr lang="en-GB" dirty="0" err="1"/>
+              <a:t>listi</a:t>
+            </a:r>
+            <a:r>
+              <a:rPr lang="en-GB" dirty="0"/>
+              <a:t>:</a:t>
+            </a:r>
+          </a:p>
+          <a:p>
+            <a:pPr lvl="2">
+              <a:spcBef>
+                <a:spcPts val="1200"/>
+              </a:spcBef>
+            </a:pPr>
+            <a:r>
+              <a:rPr lang="en-GB" dirty="0" err="1">
+                <a:solidFill>
+                  <a:srgbClr val="6767FF"/>
+                </a:solidFill>
+              </a:rPr>
+              <a:t>nenumerisane</a:t>
+            </a:r>
+            <a:r>
+              <a:rPr lang="en-GB" dirty="0">
+                <a:solidFill>
+                  <a:srgbClr val="6767FF"/>
+                </a:solidFill>
+              </a:rPr>
+              <a:t> </a:t>
+            </a:r>
+            <a:r>
+              <a:rPr lang="en-GB" dirty="0" err="1">
+                <a:solidFill>
+                  <a:srgbClr val="6767FF"/>
+                </a:solidFill>
+              </a:rPr>
+              <a:t>liste</a:t>
+            </a:r>
+            <a:r>
+              <a:rPr lang="en-GB" dirty="0">
+                <a:solidFill>
+                  <a:srgbClr val="6767FF"/>
+                </a:solidFill>
+              </a:rPr>
+              <a:t> </a:t>
+            </a:r>
+            <a:r>
+              <a:rPr lang="en-GB" dirty="0" err="1"/>
+              <a:t>predstavljene</a:t>
+            </a:r>
+            <a:r>
+              <a:rPr lang="en-GB" dirty="0"/>
+              <a:t> </a:t>
+            </a:r>
+            <a:r>
+              <a:rPr lang="en-GB" dirty="0" err="1"/>
+              <a:t>elementom</a:t>
+            </a:r>
+            <a:r>
+              <a:rPr lang="en-GB" dirty="0"/>
+              <a:t> </a:t>
+            </a:r>
+            <a:r>
+              <a:rPr lang="en-GB" dirty="0" err="1">
+                <a:solidFill>
+                  <a:srgbClr val="009E47"/>
+                </a:solidFill>
+              </a:rPr>
+              <a:t>ul</a:t>
+            </a:r>
+            <a:endParaRPr lang="en-GB" dirty="0">
+              <a:solidFill>
+                <a:srgbClr val="009E47"/>
+              </a:solidFill>
+            </a:endParaRPr>
+          </a:p>
+          <a:p>
+            <a:pPr lvl="2">
+              <a:spcBef>
+                <a:spcPts val="1200"/>
+              </a:spcBef>
+            </a:pPr>
+            <a:r>
+              <a:rPr lang="en-GB" dirty="0" err="1">
+                <a:solidFill>
+                  <a:srgbClr val="6767FF"/>
+                </a:solidFill>
+              </a:rPr>
+              <a:t>numerisane</a:t>
+            </a:r>
+            <a:r>
+              <a:rPr lang="en-GB" dirty="0">
+                <a:solidFill>
+                  <a:srgbClr val="6767FF"/>
+                </a:solidFill>
+              </a:rPr>
+              <a:t> </a:t>
+            </a:r>
+            <a:r>
+              <a:rPr lang="en-GB" dirty="0" err="1">
+                <a:solidFill>
+                  <a:srgbClr val="6767FF"/>
+                </a:solidFill>
+              </a:rPr>
+              <a:t>liste</a:t>
+            </a:r>
+            <a:r>
+              <a:rPr lang="en-GB" dirty="0">
+                <a:solidFill>
+                  <a:srgbClr val="6767FF"/>
+                </a:solidFill>
+              </a:rPr>
+              <a:t> </a:t>
+            </a:r>
+            <a:r>
+              <a:rPr lang="en-GB" dirty="0" err="1"/>
+              <a:t>predstavljene</a:t>
+            </a:r>
+            <a:r>
+              <a:rPr lang="en-GB" dirty="0"/>
+              <a:t> </a:t>
+            </a:r>
+            <a:r>
+              <a:rPr lang="en-GB" dirty="0" err="1"/>
+              <a:t>elementom</a:t>
+            </a:r>
+            <a:r>
+              <a:rPr lang="en-GB" dirty="0"/>
+              <a:t> </a:t>
+            </a:r>
+            <a:r>
+              <a:rPr lang="en-GB" dirty="0" err="1">
+                <a:solidFill>
+                  <a:srgbClr val="009E47"/>
+                </a:solidFill>
+              </a:rPr>
+              <a:t>ol</a:t>
+            </a:r>
+            <a:endParaRPr lang="en-GB" dirty="0">
+              <a:solidFill>
+                <a:srgbClr val="009E47"/>
+              </a:solidFill>
+            </a:endParaRPr>
+          </a:p>
+          <a:p>
+            <a:pPr lvl="2">
+              <a:spcBef>
+                <a:spcPts val="1200"/>
+              </a:spcBef>
+            </a:pPr>
+            <a:r>
+              <a:rPr lang="en-GB" dirty="0" err="1">
+                <a:solidFill>
+                  <a:srgbClr val="6767FF"/>
+                </a:solidFill>
+              </a:rPr>
+              <a:t>opisne</a:t>
+            </a:r>
+            <a:r>
+              <a:rPr lang="en-GB" dirty="0">
+                <a:solidFill>
+                  <a:srgbClr val="6767FF"/>
+                </a:solidFill>
+              </a:rPr>
+              <a:t> </a:t>
+            </a:r>
+            <a:r>
+              <a:rPr lang="en-GB" dirty="0" err="1">
+                <a:solidFill>
+                  <a:srgbClr val="6767FF"/>
+                </a:solidFill>
+              </a:rPr>
+              <a:t>liste</a:t>
+            </a:r>
+            <a:r>
+              <a:rPr lang="en-GB" dirty="0">
+                <a:solidFill>
+                  <a:srgbClr val="6767FF"/>
+                </a:solidFill>
+              </a:rPr>
+              <a:t> </a:t>
+            </a:r>
+            <a:r>
+              <a:rPr lang="en-GB" dirty="0" err="1"/>
+              <a:t>predstavljene</a:t>
+            </a:r>
+            <a:r>
+              <a:rPr lang="en-GB" dirty="0"/>
+              <a:t> </a:t>
+            </a:r>
+            <a:r>
+              <a:rPr lang="en-GB" dirty="0" err="1"/>
+              <a:t>elementom</a:t>
+            </a:r>
+            <a:r>
+              <a:rPr lang="en-GB" dirty="0"/>
+              <a:t> </a:t>
+            </a:r>
+            <a:r>
+              <a:rPr lang="en-GB" dirty="0">
+                <a:solidFill>
+                  <a:srgbClr val="009E47"/>
+                </a:solidFill>
+              </a:rPr>
+              <a:t>dl</a:t>
+            </a:r>
+          </a:p>
+          <a:p>
+            <a:pPr lvl="1">
+              <a:spcBef>
+                <a:spcPts val="1200"/>
+              </a:spcBef>
+            </a:pPr>
+            <a:r>
+              <a:rPr lang="en-GB" dirty="0"/>
+              <a:t>Stavka u </a:t>
+            </a:r>
+            <a:r>
+              <a:rPr lang="en-GB" dirty="0" err="1"/>
+              <a:t>nabrajanju</a:t>
+            </a:r>
+            <a:r>
+              <a:rPr lang="en-GB" dirty="0"/>
+              <a:t> se </a:t>
+            </a:r>
+            <a:r>
+              <a:rPr lang="en-GB" dirty="0" err="1"/>
+              <a:t>oznacava</a:t>
+            </a:r>
+            <a:r>
+              <a:rPr lang="en-GB" dirty="0"/>
+              <a:t> </a:t>
+            </a:r>
+            <a:r>
+              <a:rPr lang="en-GB" dirty="0" err="1"/>
+              <a:t>elementom</a:t>
+            </a:r>
+            <a:r>
+              <a:rPr lang="en-GB" dirty="0"/>
+              <a:t> </a:t>
+            </a:r>
+            <a:r>
+              <a:rPr lang="en-GB" dirty="0">
+                <a:solidFill>
+                  <a:srgbClr val="009E47"/>
+                </a:solidFill>
+              </a:rPr>
+              <a:t>li</a:t>
+            </a:r>
+            <a:r>
+              <a:rPr lang="en-GB" dirty="0"/>
+              <a:t> u </a:t>
+            </a:r>
+            <a:r>
+              <a:rPr lang="en-GB" dirty="0" err="1"/>
+              <a:t>prva</a:t>
+            </a:r>
+            <a:r>
+              <a:rPr lang="en-GB" dirty="0"/>
+              <a:t> </a:t>
+            </a:r>
+            <a:r>
+              <a:rPr lang="en-GB" dirty="0" err="1"/>
+              <a:t>dva</a:t>
+            </a:r>
+            <a:r>
+              <a:rPr lang="en-GB" dirty="0"/>
+              <a:t> </a:t>
+            </a:r>
+            <a:r>
+              <a:rPr lang="en-GB" dirty="0" err="1"/>
+              <a:t>tipa</a:t>
+            </a:r>
+            <a:r>
+              <a:rPr lang="en-GB" dirty="0"/>
+              <a:t> </a:t>
+            </a:r>
+            <a:r>
+              <a:rPr lang="en-GB" dirty="0" err="1"/>
+              <a:t>listi</a:t>
+            </a:r>
+            <a:endParaRPr lang="sr-Latn-RS" dirty="0" smtClean="0"/>
+          </a:p>
+          <a:p>
+            <a:pPr marL="457200" lvl="1" indent="0">
+              <a:spcBef>
+                <a:spcPts val="0"/>
+              </a:spcBef>
+              <a:buNone/>
+            </a:pPr>
+            <a:endParaRPr lang="sr-Latn-CS" altLang="en-US" sz="1400" b="1" dirty="0" smtClean="0">
+              <a:solidFill>
+                <a:srgbClr val="009E47"/>
+              </a:solidFill>
+              <a:latin typeface="Courier New" panose="02070309020205020404" pitchFamily="49" charset="0"/>
+              <a:cs typeface="Courier New" panose="02070309020205020404" pitchFamily="49" charset="0"/>
+            </a:endParaRPr>
+          </a:p>
+          <a:p>
+            <a:pPr marL="457200" lvl="1" indent="0">
+              <a:spcBef>
+                <a:spcPts val="0"/>
+              </a:spcBef>
+              <a:buNone/>
+            </a:pPr>
+            <a:r>
+              <a:rPr lang="sr-Latn-CS" altLang="en-US" sz="1600" b="1" dirty="0">
+                <a:solidFill>
+                  <a:srgbClr val="009E47"/>
+                </a:solidFill>
+                <a:latin typeface="Courier New" panose="02070309020205020404" pitchFamily="49" charset="0"/>
+                <a:cs typeface="Courier New" panose="02070309020205020404" pitchFamily="49" charset="0"/>
+              </a:rPr>
+              <a:t>&lt;</a:t>
+            </a:r>
+            <a:r>
+              <a:rPr lang="sr-Latn-CS" altLang="en-US" sz="1600" b="1" dirty="0" err="1">
+                <a:solidFill>
+                  <a:srgbClr val="009E47"/>
+                </a:solidFill>
+                <a:latin typeface="Courier New" panose="02070309020205020404" pitchFamily="49" charset="0"/>
+                <a:cs typeface="Courier New" panose="02070309020205020404" pitchFamily="49" charset="0"/>
+              </a:rPr>
+              <a:t>article</a:t>
+            </a:r>
+            <a:r>
+              <a:rPr lang="sr-Latn-CS" altLang="en-US" sz="1600" b="1" dirty="0">
+                <a:solidFill>
+                  <a:srgbClr val="009E47"/>
+                </a:solidFill>
+                <a:latin typeface="Courier New" panose="02070309020205020404" pitchFamily="49" charset="0"/>
+                <a:cs typeface="Courier New" panose="02070309020205020404" pitchFamily="49" charset="0"/>
+              </a:rPr>
+              <a:t>&gt;</a:t>
+            </a:r>
+          </a:p>
+          <a:p>
+            <a:pPr marL="457200" lvl="1" indent="0">
+              <a:spcBef>
+                <a:spcPts val="0"/>
+              </a:spcBef>
+              <a:buNone/>
+            </a:pPr>
+            <a:r>
+              <a:rPr lang="sr-Latn-CS" altLang="en-US" sz="1600" b="1" dirty="0" smtClean="0">
+                <a:solidFill>
+                  <a:srgbClr val="009E47"/>
+                </a:solidFill>
+                <a:latin typeface="Courier New" panose="02070309020205020404" pitchFamily="49" charset="0"/>
+                <a:cs typeface="Courier New" panose="02070309020205020404" pitchFamily="49" charset="0"/>
+              </a:rPr>
+              <a:t>  &lt;</a:t>
+            </a:r>
+            <a:r>
+              <a:rPr lang="sr-Latn-CS" altLang="en-US" sz="1600" b="1" dirty="0">
+                <a:solidFill>
+                  <a:srgbClr val="009E47"/>
+                </a:solidFill>
+                <a:latin typeface="Courier New" panose="02070309020205020404" pitchFamily="49" charset="0"/>
+                <a:cs typeface="Courier New" panose="02070309020205020404" pitchFamily="49" charset="0"/>
+              </a:rPr>
+              <a:t>h2&gt;Upis u novu </a:t>
+            </a:r>
+            <a:r>
+              <a:rPr lang="sr-Latn-CS" altLang="en-US" sz="1600" b="1" dirty="0" err="1">
+                <a:solidFill>
+                  <a:srgbClr val="009E47"/>
+                </a:solidFill>
+                <a:latin typeface="Courier New" panose="02070309020205020404" pitchFamily="49" charset="0"/>
+                <a:cs typeface="Courier New" panose="02070309020205020404" pitchFamily="49" charset="0"/>
+              </a:rPr>
+              <a:t>skolsku</a:t>
+            </a:r>
+            <a:r>
+              <a:rPr lang="sr-Latn-CS" altLang="en-US" sz="1600" b="1" dirty="0">
+                <a:solidFill>
+                  <a:srgbClr val="009E47"/>
+                </a:solidFill>
+                <a:latin typeface="Courier New" panose="02070309020205020404" pitchFamily="49" charset="0"/>
+                <a:cs typeface="Courier New" panose="02070309020205020404" pitchFamily="49" charset="0"/>
+              </a:rPr>
+              <a:t> godinu&lt;/h2&gt;</a:t>
+            </a:r>
+          </a:p>
+          <a:p>
+            <a:pPr marL="457200" lvl="1" indent="0">
+              <a:spcBef>
+                <a:spcPts val="0"/>
+              </a:spcBef>
+              <a:buNone/>
+            </a:pPr>
+            <a:r>
+              <a:rPr lang="sr-Latn-CS" altLang="en-US" sz="1600" b="1" dirty="0" smtClean="0">
+                <a:solidFill>
+                  <a:srgbClr val="009E47"/>
+                </a:solidFill>
+                <a:latin typeface="Courier New" panose="02070309020205020404" pitchFamily="49" charset="0"/>
+                <a:cs typeface="Courier New" panose="02070309020205020404" pitchFamily="49" charset="0"/>
+              </a:rPr>
+              <a:t>  &lt;</a:t>
+            </a:r>
+            <a:r>
+              <a:rPr lang="sr-Latn-CS" altLang="en-US" sz="1600" b="1" dirty="0">
+                <a:solidFill>
+                  <a:srgbClr val="009E47"/>
+                </a:solidFill>
+                <a:latin typeface="Courier New" panose="02070309020205020404" pitchFamily="49" charset="0"/>
+                <a:cs typeface="Courier New" panose="02070309020205020404" pitchFamily="49" charset="0"/>
+              </a:rPr>
+              <a:t>p&gt;Na upis je potrebno doneti </a:t>
+            </a:r>
+            <a:r>
+              <a:rPr lang="sr-Latn-CS" altLang="en-US" sz="1600" b="1" dirty="0" err="1">
+                <a:solidFill>
+                  <a:srgbClr val="009E47"/>
+                </a:solidFill>
+                <a:latin typeface="Courier New" panose="02070309020205020404" pitchFamily="49" charset="0"/>
+                <a:cs typeface="Courier New" panose="02070309020205020404" pitchFamily="49" charset="0"/>
+              </a:rPr>
+              <a:t>sledece</a:t>
+            </a:r>
+            <a:r>
+              <a:rPr lang="sr-Latn-CS" altLang="en-US" sz="1600" b="1" dirty="0">
+                <a:solidFill>
+                  <a:srgbClr val="009E47"/>
+                </a:solidFill>
+                <a:latin typeface="Courier New" panose="02070309020205020404" pitchFamily="49" charset="0"/>
+                <a:cs typeface="Courier New" panose="02070309020205020404" pitchFamily="49" charset="0"/>
+              </a:rPr>
+              <a:t> dokumente:&lt;/p&gt;</a:t>
+            </a:r>
+          </a:p>
+          <a:p>
+            <a:pPr marL="457200" lvl="1" indent="0">
+              <a:spcBef>
+                <a:spcPts val="0"/>
+              </a:spcBef>
+              <a:buNone/>
+            </a:pPr>
+            <a:r>
+              <a:rPr lang="sr-Latn-CS" altLang="en-US" sz="1600" b="1" dirty="0" smtClean="0">
+                <a:solidFill>
+                  <a:srgbClr val="009E47"/>
+                </a:solidFill>
+                <a:latin typeface="Courier New" panose="02070309020205020404" pitchFamily="49" charset="0"/>
+                <a:cs typeface="Courier New" panose="02070309020205020404" pitchFamily="49" charset="0"/>
+              </a:rPr>
+              <a:t>  &lt;</a:t>
+            </a:r>
+            <a:r>
+              <a:rPr lang="sr-Latn-CS" altLang="en-US" sz="1600" b="1" dirty="0" err="1">
+                <a:solidFill>
+                  <a:srgbClr val="009E47"/>
+                </a:solidFill>
+                <a:latin typeface="Courier New" panose="02070309020205020404" pitchFamily="49" charset="0"/>
+                <a:cs typeface="Courier New" panose="02070309020205020404" pitchFamily="49" charset="0"/>
+              </a:rPr>
+              <a:t>ol</a:t>
+            </a:r>
+            <a:r>
+              <a:rPr lang="sr-Latn-CS" altLang="en-US" sz="1600" b="1" dirty="0">
+                <a:solidFill>
+                  <a:srgbClr val="009E47"/>
+                </a:solidFill>
+                <a:latin typeface="Courier New" panose="02070309020205020404" pitchFamily="49" charset="0"/>
+                <a:cs typeface="Courier New" panose="02070309020205020404" pitchFamily="49" charset="0"/>
+              </a:rPr>
+              <a:t>&gt;</a:t>
+            </a:r>
+          </a:p>
+          <a:p>
+            <a:pPr marL="457200" lvl="1" indent="0">
+              <a:spcBef>
+                <a:spcPts val="0"/>
+              </a:spcBef>
+              <a:buNone/>
+            </a:pPr>
+            <a:r>
+              <a:rPr lang="sr-Latn-CS" altLang="en-US" sz="1600" b="1" dirty="0" smtClean="0">
+                <a:solidFill>
+                  <a:srgbClr val="009E47"/>
+                </a:solidFill>
+                <a:latin typeface="Courier New" panose="02070309020205020404" pitchFamily="49" charset="0"/>
+                <a:cs typeface="Courier New" panose="02070309020205020404" pitchFamily="49" charset="0"/>
+              </a:rPr>
+              <a:t>    &lt;</a:t>
+            </a:r>
+            <a:r>
+              <a:rPr lang="sr-Latn-CS" altLang="en-US" sz="1600" b="1" dirty="0">
+                <a:solidFill>
+                  <a:srgbClr val="009E47"/>
+                </a:solidFill>
+                <a:latin typeface="Courier New" panose="02070309020205020404" pitchFamily="49" charset="0"/>
+                <a:cs typeface="Courier New" panose="02070309020205020404" pitchFamily="49" charset="0"/>
+              </a:rPr>
+              <a:t>li&gt;</a:t>
+            </a:r>
+            <a:r>
+              <a:rPr lang="sr-Latn-CS" altLang="en-US" sz="1600" b="1" dirty="0" err="1">
+                <a:solidFill>
+                  <a:srgbClr val="009E47"/>
+                </a:solidFill>
+                <a:latin typeface="Courier New" panose="02070309020205020404" pitchFamily="49" charset="0"/>
+                <a:cs typeface="Courier New" panose="02070309020205020404" pitchFamily="49" charset="0"/>
+              </a:rPr>
+              <a:t>svedocanstvo</a:t>
+            </a:r>
+            <a:r>
+              <a:rPr lang="sr-Latn-CS" altLang="en-US" sz="1600" b="1" dirty="0">
+                <a:solidFill>
+                  <a:srgbClr val="009E47"/>
+                </a:solidFill>
+                <a:latin typeface="Courier New" panose="02070309020205020404" pitchFamily="49" charset="0"/>
+                <a:cs typeface="Courier New" panose="02070309020205020404" pitchFamily="49" charset="0"/>
+              </a:rPr>
+              <a:t> iz prethodnog razreda,&lt;/li&gt;</a:t>
+            </a:r>
+          </a:p>
+          <a:p>
+            <a:pPr marL="457200" lvl="1" indent="0">
+              <a:spcBef>
+                <a:spcPts val="0"/>
+              </a:spcBef>
+              <a:buNone/>
+            </a:pPr>
+            <a:r>
+              <a:rPr lang="sr-Latn-CS" altLang="en-US" sz="1600" b="1" dirty="0" smtClean="0">
+                <a:solidFill>
+                  <a:srgbClr val="009E47"/>
+                </a:solidFill>
+                <a:latin typeface="Courier New" panose="02070309020205020404" pitchFamily="49" charset="0"/>
+                <a:cs typeface="Courier New" panose="02070309020205020404" pitchFamily="49" charset="0"/>
+              </a:rPr>
+              <a:t>    &lt;</a:t>
+            </a:r>
+            <a:r>
+              <a:rPr lang="sr-Latn-CS" altLang="en-US" sz="1600" b="1" dirty="0">
+                <a:solidFill>
+                  <a:srgbClr val="009E47"/>
+                </a:solidFill>
+                <a:latin typeface="Courier New" panose="02070309020205020404" pitchFamily="49" charset="0"/>
+                <a:cs typeface="Courier New" panose="02070309020205020404" pitchFamily="49" charset="0"/>
+              </a:rPr>
+              <a:t>li&gt;izvod iz </a:t>
+            </a:r>
+            <a:r>
+              <a:rPr lang="sr-Latn-CS" altLang="en-US" sz="1600" b="1" dirty="0" err="1">
+                <a:solidFill>
+                  <a:srgbClr val="009E47"/>
+                </a:solidFill>
+                <a:latin typeface="Courier New" panose="02070309020205020404" pitchFamily="49" charset="0"/>
+                <a:cs typeface="Courier New" panose="02070309020205020404" pitchFamily="49" charset="0"/>
+              </a:rPr>
+              <a:t>maticne</a:t>
+            </a:r>
+            <a:r>
+              <a:rPr lang="sr-Latn-CS" altLang="en-US" sz="1600" b="1" dirty="0">
+                <a:solidFill>
+                  <a:srgbClr val="009E47"/>
+                </a:solidFill>
+                <a:latin typeface="Courier New" panose="02070309020205020404" pitchFamily="49" charset="0"/>
+                <a:cs typeface="Courier New" panose="02070309020205020404" pitchFamily="49" charset="0"/>
+              </a:rPr>
+              <a:t> knjige </a:t>
+            </a:r>
+            <a:r>
+              <a:rPr lang="sr-Latn-CS" altLang="en-US" sz="1600" b="1" dirty="0" err="1">
+                <a:solidFill>
+                  <a:srgbClr val="009E47"/>
+                </a:solidFill>
+                <a:latin typeface="Courier New" panose="02070309020205020404" pitchFamily="49" charset="0"/>
+                <a:cs typeface="Courier New" panose="02070309020205020404" pitchFamily="49" charset="0"/>
+              </a:rPr>
+              <a:t>rodenih</a:t>
+            </a:r>
+            <a:r>
+              <a:rPr lang="sr-Latn-CS" altLang="en-US" sz="1600" b="1" dirty="0">
+                <a:solidFill>
+                  <a:srgbClr val="009E47"/>
+                </a:solidFill>
+                <a:latin typeface="Courier New" panose="02070309020205020404" pitchFamily="49" charset="0"/>
+                <a:cs typeface="Courier New" panose="02070309020205020404" pitchFamily="49" charset="0"/>
+              </a:rPr>
+              <a:t>,&lt;/li&gt;</a:t>
+            </a:r>
+          </a:p>
+          <a:p>
+            <a:pPr marL="457200" lvl="1" indent="0">
+              <a:spcBef>
+                <a:spcPts val="0"/>
+              </a:spcBef>
+              <a:buNone/>
+            </a:pPr>
+            <a:r>
+              <a:rPr lang="sr-Latn-CS" altLang="en-US" sz="1600" b="1" dirty="0" smtClean="0">
+                <a:solidFill>
+                  <a:srgbClr val="009E47"/>
+                </a:solidFill>
+                <a:latin typeface="Courier New" panose="02070309020205020404" pitchFamily="49" charset="0"/>
+                <a:cs typeface="Courier New" panose="02070309020205020404" pitchFamily="49" charset="0"/>
+              </a:rPr>
+              <a:t>    &lt;</a:t>
+            </a:r>
+            <a:r>
+              <a:rPr lang="sr-Latn-CS" altLang="en-US" sz="1600" b="1" dirty="0">
+                <a:solidFill>
+                  <a:srgbClr val="009E47"/>
+                </a:solidFill>
+                <a:latin typeface="Courier New" panose="02070309020205020404" pitchFamily="49" charset="0"/>
+                <a:cs typeface="Courier New" panose="02070309020205020404" pitchFamily="49" charset="0"/>
+              </a:rPr>
+              <a:t>li&gt;</a:t>
+            </a:r>
+            <a:r>
+              <a:rPr lang="sr-Latn-CS" altLang="en-US" sz="1600" b="1" dirty="0" err="1">
+                <a:solidFill>
+                  <a:srgbClr val="009E47"/>
+                </a:solidFill>
+                <a:latin typeface="Courier New" panose="02070309020205020404" pitchFamily="49" charset="0"/>
+                <a:cs typeface="Courier New" panose="02070309020205020404" pitchFamily="49" charset="0"/>
+              </a:rPr>
+              <a:t>dacku</a:t>
+            </a:r>
+            <a:r>
+              <a:rPr lang="sr-Latn-CS" altLang="en-US" sz="1600" b="1" dirty="0">
+                <a:solidFill>
+                  <a:srgbClr val="009E47"/>
+                </a:solidFill>
+                <a:latin typeface="Courier New" panose="02070309020205020404" pitchFamily="49" charset="0"/>
+                <a:cs typeface="Courier New" panose="02070309020205020404" pitchFamily="49" charset="0"/>
+              </a:rPr>
+              <a:t> </a:t>
+            </a:r>
+            <a:r>
+              <a:rPr lang="sr-Latn-CS" altLang="en-US" sz="1600" b="1" dirty="0" err="1">
+                <a:solidFill>
+                  <a:srgbClr val="009E47"/>
+                </a:solidFill>
+                <a:latin typeface="Courier New" panose="02070309020205020404" pitchFamily="49" charset="0"/>
+                <a:cs typeface="Courier New" panose="02070309020205020404" pitchFamily="49" charset="0"/>
+              </a:rPr>
+              <a:t>knjizicu</a:t>
+            </a:r>
+            <a:r>
+              <a:rPr lang="sr-Latn-CS" altLang="en-US" sz="1600" b="1" dirty="0">
+                <a:solidFill>
+                  <a:srgbClr val="009E47"/>
+                </a:solidFill>
+                <a:latin typeface="Courier New" panose="02070309020205020404" pitchFamily="49" charset="0"/>
+                <a:cs typeface="Courier New" panose="02070309020205020404" pitchFamily="49" charset="0"/>
+              </a:rPr>
+              <a:t>.&lt;/li&gt;</a:t>
+            </a:r>
+          </a:p>
+          <a:p>
+            <a:pPr marL="457200" lvl="1" indent="0">
+              <a:spcBef>
+                <a:spcPts val="0"/>
+              </a:spcBef>
+              <a:buNone/>
+            </a:pPr>
+            <a:r>
+              <a:rPr lang="sr-Latn-CS" altLang="en-US" sz="1600" b="1" dirty="0" smtClean="0">
+                <a:solidFill>
+                  <a:srgbClr val="009E47"/>
+                </a:solidFill>
+                <a:latin typeface="Courier New" panose="02070309020205020404" pitchFamily="49" charset="0"/>
+                <a:cs typeface="Courier New" panose="02070309020205020404" pitchFamily="49" charset="0"/>
+              </a:rPr>
+              <a:t>  &lt;/</a:t>
+            </a:r>
+            <a:r>
+              <a:rPr lang="sr-Latn-CS" altLang="en-US" sz="1600" b="1" dirty="0" err="1">
+                <a:solidFill>
+                  <a:srgbClr val="009E47"/>
+                </a:solidFill>
+                <a:latin typeface="Courier New" panose="02070309020205020404" pitchFamily="49" charset="0"/>
+                <a:cs typeface="Courier New" panose="02070309020205020404" pitchFamily="49" charset="0"/>
+              </a:rPr>
+              <a:t>ol</a:t>
+            </a:r>
+            <a:r>
+              <a:rPr lang="sr-Latn-CS" altLang="en-US" sz="1600" b="1" dirty="0">
+                <a:solidFill>
+                  <a:srgbClr val="009E47"/>
+                </a:solidFill>
+                <a:latin typeface="Courier New" panose="02070309020205020404" pitchFamily="49" charset="0"/>
+                <a:cs typeface="Courier New" panose="02070309020205020404" pitchFamily="49" charset="0"/>
+              </a:rPr>
+              <a:t>&gt;</a:t>
+            </a:r>
+          </a:p>
+          <a:p>
+            <a:pPr marL="457200" lvl="1" indent="0">
+              <a:spcBef>
+                <a:spcPts val="0"/>
+              </a:spcBef>
+              <a:buNone/>
+            </a:pPr>
+            <a:r>
+              <a:rPr lang="sr-Latn-CS" altLang="en-US" sz="1600" b="1" dirty="0">
+                <a:solidFill>
+                  <a:srgbClr val="009E47"/>
+                </a:solidFill>
+                <a:latin typeface="Courier New" panose="02070309020205020404" pitchFamily="49" charset="0"/>
+                <a:cs typeface="Courier New" panose="02070309020205020404" pitchFamily="49" charset="0"/>
+              </a:rPr>
+              <a:t>&lt;/</a:t>
+            </a:r>
+            <a:r>
+              <a:rPr lang="sr-Latn-CS" altLang="en-US" sz="1600" b="1" dirty="0" err="1">
+                <a:solidFill>
+                  <a:srgbClr val="009E47"/>
+                </a:solidFill>
+                <a:latin typeface="Courier New" panose="02070309020205020404" pitchFamily="49" charset="0"/>
+                <a:cs typeface="Courier New" panose="02070309020205020404" pitchFamily="49" charset="0"/>
+              </a:rPr>
+              <a:t>article</a:t>
+            </a:r>
+            <a:r>
+              <a:rPr lang="sr-Latn-CS" altLang="en-US" sz="1600" b="1" dirty="0">
+                <a:solidFill>
+                  <a:srgbClr val="009E47"/>
+                </a:solidFill>
+                <a:latin typeface="Courier New" panose="02070309020205020404" pitchFamily="49" charset="0"/>
+                <a:cs typeface="Courier New" panose="02070309020205020404" pitchFamily="49" charset="0"/>
+              </a:rPr>
+              <a:t>&gt;</a:t>
+            </a:r>
+          </a:p>
+          <a:p>
+            <a:pPr marL="457200" lvl="1" indent="0">
+              <a:spcBef>
+                <a:spcPts val="0"/>
+              </a:spcBef>
+              <a:buNone/>
+            </a:pPr>
+            <a:endParaRPr lang="sr-Latn-CS" altLang="en-US" sz="1600" b="1" dirty="0">
+              <a:solidFill>
+                <a:srgbClr val="009E47"/>
+              </a:solidFill>
+              <a:latin typeface="Courier New" panose="02070309020205020404" pitchFamily="49" charset="0"/>
+              <a:cs typeface="Courier New" panose="02070309020205020404" pitchFamily="49" charset="0"/>
+            </a:endParaRPr>
+          </a:p>
+          <a:p>
+            <a:pPr lvl="1">
+              <a:spcBef>
+                <a:spcPts val="1200"/>
+              </a:spcBef>
+            </a:pPr>
+            <a:endParaRPr lang="sr-Latn-RS" sz="1400" b="1" dirty="0">
+              <a:solidFill>
+                <a:srgbClr val="009E47"/>
+              </a:solidFill>
+              <a:latin typeface="Courier New" panose="02070309020205020404" pitchFamily="49" charset="0"/>
+              <a:cs typeface="Courier New" panose="02070309020205020404" pitchFamily="49" charset="0"/>
+            </a:endParaRPr>
+          </a:p>
+        </p:txBody>
+      </p:sp>
+    </p:spTree>
+    <p:extLst>
+      <p:ext uri="{BB962C8B-B14F-4D97-AF65-F5344CB8AC3E}">
+        <p14:creationId xmlns:p14="http://schemas.microsoft.com/office/powerpoint/2010/main" val="441973938"/>
+      </p:ext>
+    </p:extLst>
+  </p:cSld>
+  <p:clrMapOvr>
+    <a:masterClrMapping/>
+  </p:clrMapOvr>
+  <p:timing>
+    <p:tnLst>
+      <p:par>
+        <p:cTn id="1" dur="indefinite" restart="never" nodeType="tmRoot"/>
+      </p:par>
+    </p:tnLst>
+  </p:timing>
+</p:sld>
+</file>
+
+<file path=ppt/slides/slide23.xml><?xml version="1.0" encoding="utf-8"?>
+<p:sld xmlns:a="http://schemas.openxmlformats.org/drawingml/2006/main" xmlns:r="http://schemas.openxmlformats.org/officeDocument/2006/relationships" xmlns:p="http://schemas.openxmlformats.org/presentationml/2006/main">
+  <p:cSld>
+    <p:spTree>
+      <p:nvGrpSpPr>
+        <p:cNvPr id="1" name=""/>
+        <p:cNvGrpSpPr/>
+        <p:nvPr/>
+      </p:nvGrpSpPr>
+      <p:grpSpPr>
+        <a:xfrm>
+          <a:off x="0" y="0"/>
+          <a:ext cx="0" cy="0"/>
+          <a:chOff x="0" y="0"/>
+          <a:chExt cx="0" cy="0"/>
+        </a:xfrm>
+      </p:grpSpPr>
+      <p:sp>
+        <p:nvSpPr>
+          <p:cNvPr id="92162" name="Rectangle 2"/>
+          <p:cNvSpPr>
+            <a:spLocks noGrp="1" noChangeArrowheads="1"/>
+          </p:cNvSpPr>
+          <p:nvPr>
+            <p:ph type="title"/>
+          </p:nvPr>
+        </p:nvSpPr>
+        <p:spPr>
+          <a:xfrm>
+            <a:off x="1403648" y="549275"/>
+            <a:ext cx="7283152" cy="868363"/>
+          </a:xfrm>
+        </p:spPr>
+        <p:txBody>
+          <a:bodyPr/>
+          <a:lstStyle/>
+          <a:p>
+            <a:r>
               <a:rPr lang="en-US" altLang="en-US" dirty="0" err="1" smtClean="0">
                 <a:solidFill>
                   <a:srgbClr val="002060"/>
@@ -12403,7 +14948,7 @@
 </p:sld>
 </file>
 
-<file path=ppt/slides/slide21.xml><?xml version="1.0" encoding="utf-8"?>
+<file path=ppt/slides/slide24.xml><?xml version="1.0" encoding="utf-8"?>
 <p:sld xmlns:a="http://schemas.openxmlformats.org/drawingml/2006/main" xmlns:r="http://schemas.openxmlformats.org/officeDocument/2006/relationships" xmlns:p="http://schemas.openxmlformats.org/presentationml/2006/main">
   <p:cSld>
     <p:spTree>

--- a/predavanja/prezentacije/UVIT03-01-HTML 5.pptx
+++ b/predavanja/prezentacije/UVIT03-01-HTML 5.pptx
@@ -272,7 +272,7 @@
           <a:p>
             <a:fld id="{6B3683FA-0560-4266-A2CA-8A7D404C35FD}" type="datetimeFigureOut">
               <a:rPr lang="en-US" smtClean="0"/>
-              <a:t>10/8/2018</a:t>
+              <a:t>10/9/2018</a:t>
             </a:fld>
             <a:endParaRPr lang="en-US"/>
           </a:p>
@@ -9022,12 +9022,20 @@
               <a:t> </a:t>
             </a:r>
             <a:r>
-              <a:rPr lang="en-GB" dirty="0" err="1"/>
-              <a:t>veb-strane</a:t>
+              <a:rPr lang="en-GB" dirty="0" err="1" smtClean="0"/>
+              <a:t>veb</a:t>
+            </a:r>
+            <a:r>
+              <a:rPr lang="en-GB" smtClean="0"/>
+              <a:t> strane</a:t>
+            </a:r>
+            <a:r>
+              <a:rPr lang="en-GB" dirty="0" smtClean="0"/>
+              <a:t> </a:t>
             </a:r>
             <a:r>
               <a:rPr lang="en-GB" dirty="0"/>
-              <a:t> u </a:t>
+              <a:t>u </a:t>
             </a:r>
             <a:r>
               <a:rPr lang="en-GB" dirty="0" err="1"/>
@@ -9470,7 +9478,7 @@
                 <a:latin typeface="Courier New" panose="02070309020205020404" pitchFamily="49" charset="0"/>
                 <a:cs typeface="Courier New" panose="02070309020205020404" pitchFamily="49" charset="0"/>
               </a:rPr>
-              <a:t>hreflang</a:t>
+              <a:t>lang</a:t>
             </a:r>
             <a:r>
               <a:rPr lang="sr-Latn-CS" altLang="en-US" sz="1600" b="1" dirty="0">
@@ -16600,7 +16608,6 @@
               <a:rPr lang="sr-Latn-RS" dirty="0"/>
               <a:t>Elementi br, pre</a:t>
             </a:r>
-            <a:endParaRPr lang="sr-Latn-RS" dirty="0"/>
           </a:p>
         </p:txBody>
       </p:sp>
@@ -17686,13 +17693,6 @@
               </a:rPr>
               <a:t>&gt;</a:t>
             </a:r>
-            <a:endParaRPr lang="sr-Latn-RS" sz="1400" b="1" dirty="0">
-              <a:solidFill>
-                <a:srgbClr val="009E47"/>
-              </a:solidFill>
-              <a:latin typeface="Courier New" panose="02070309020205020404" pitchFamily="49" charset="0"/>
-              <a:cs typeface="Courier New" panose="02070309020205020404" pitchFamily="49" charset="0"/>
-            </a:endParaRPr>
           </a:p>
         </p:txBody>
       </p:sp>
@@ -21743,13 +21743,6 @@
               </a:rPr>
               <a:t>"</a:t>
             </a:r>
-            <a:endParaRPr lang="pt-BR" sz="1800" b="1" dirty="0">
-              <a:solidFill>
-                <a:srgbClr val="009E47"/>
-              </a:solidFill>
-              <a:latin typeface="Courier New" panose="02070309020205020404" pitchFamily="49" charset="0"/>
-              <a:cs typeface="Courier New" panose="02070309020205020404" pitchFamily="49" charset="0"/>
-            </a:endParaRPr>
           </a:p>
         </p:txBody>
       </p:sp>
@@ -22005,17 +21998,7 @@
                 <a:latin typeface="Courier New" panose="02070309020205020404" pitchFamily="49" charset="0"/>
                 <a:cs typeface="Courier New" panose="02070309020205020404" pitchFamily="49" charset="0"/>
               </a:rPr>
-              <a:t>http</a:t>
-            </a:r>
-            <a:r>
-              <a:rPr lang="pt-BR" sz="1400" b="1" dirty="0">
-                <a:solidFill>
-                  <a:srgbClr val="009E47"/>
-                </a:solidFill>
-                <a:latin typeface="Courier New" panose="02070309020205020404" pitchFamily="49" charset="0"/>
-                <a:cs typeface="Courier New" panose="02070309020205020404" pitchFamily="49" charset="0"/>
-              </a:rPr>
-              <a:t>://...</a:t>
+              <a:t>http://...</a:t>
             </a:r>
           </a:p>
           <a:p>
@@ -24603,7 +24586,6 @@
               <a:rPr lang="sr-Latn-RS" dirty="0"/>
               <a:t>Atributi tabela</a:t>
             </a:r>
-            <a:endParaRPr lang="sr-Latn-RS" dirty="0"/>
           </a:p>
         </p:txBody>
       </p:sp>
@@ -32237,7 +32219,6 @@
               <a:rPr lang="sr-Latn-RS" dirty="0"/>
               <a:t>atributi</a:t>
             </a:r>
-            <a:endParaRPr lang="sr-Latn-RS" dirty="0"/>
           </a:p>
         </p:txBody>
       </p:sp>

--- a/predavanja/prezentacije/UVIT03-01-HTML 5.pptx
+++ b/predavanja/prezentacije/UVIT03-01-HTML 5.pptx
@@ -272,7 +272,7 @@
           <a:p>
             <a:fld id="{6B3683FA-0560-4266-A2CA-8A7D404C35FD}" type="datetimeFigureOut">
               <a:rPr lang="en-US" smtClean="0"/>
-              <a:t>10/9/2018</a:t>
+              <a:t>10/17/2018</a:t>
             </a:fld>
             <a:endParaRPr lang="en-US"/>
           </a:p>
@@ -3599,7 +3599,7 @@
             </a:pPr>
             <a:r>
               <a:rPr lang="sr-Latn-CS" altLang="en-US" dirty="0" smtClean="0"/>
-              <a:t>Veb pregledači veba su veoma fleksibilni </a:t>
+              <a:t>Veb pregledači su veoma fleksibilni </a:t>
             </a:r>
             <a:r>
               <a:rPr lang="sr-Latn-CS" altLang="en-US" dirty="0"/>
@@ -10546,8 +10546,8 @@
               <a:t>podr</a:t>
             </a:r>
             <a:r>
-              <a:rPr lang="sr-Cyrl-RS" dirty="0"/>
-              <a:t>ш</a:t>
+              <a:rPr lang="sr-Latn-RS" dirty="0"/>
+              <a:t>š</a:t>
             </a:r>
             <a:r>
               <a:rPr lang="en-GB" dirty="0" err="1" smtClean="0"/>
@@ -10907,7 +10907,37 @@
                 <a:latin typeface="Courier New" panose="02070309020205020404" pitchFamily="49" charset="0"/>
                 <a:cs typeface="Courier New" panose="02070309020205020404" pitchFamily="49" charset="0"/>
               </a:rPr>
-              <a:t>    &lt;h2&gt;Moj drugo zaglavlje.&lt;/h2&gt;</a:t>
+              <a:t>    </a:t>
+            </a:r>
+            <a:r>
+              <a:rPr lang="sr-Latn-RS" sz="1600" b="1">
+                <a:solidFill>
+                  <a:srgbClr val="009E47"/>
+                </a:solidFill>
+                <a:latin typeface="Courier New" panose="02070309020205020404" pitchFamily="49" charset="0"/>
+                <a:cs typeface="Courier New" panose="02070309020205020404" pitchFamily="49" charset="0"/>
+              </a:rPr>
+              <a:t>&lt;</a:t>
+            </a:r>
+            <a:r>
+              <a:rPr lang="sr-Latn-RS" sz="1600" b="1" smtClean="0">
+                <a:solidFill>
+                  <a:srgbClr val="009E47"/>
+                </a:solidFill>
+                <a:latin typeface="Courier New" panose="02070309020205020404" pitchFamily="49" charset="0"/>
+                <a:cs typeface="Courier New" panose="02070309020205020404" pitchFamily="49" charset="0"/>
+              </a:rPr>
+              <a:t>h2&gt;Moje </a:t>
+            </a:r>
+            <a:r>
+              <a:rPr lang="sr-Latn-RS" sz="1600" b="1" dirty="0">
+                <a:solidFill>
+                  <a:srgbClr val="009E47"/>
+                </a:solidFill>
+                <a:latin typeface="Courier New" panose="02070309020205020404" pitchFamily="49" charset="0"/>
+                <a:cs typeface="Courier New" panose="02070309020205020404" pitchFamily="49" charset="0"/>
+              </a:rPr>
+              <a:t>drugo zaglavlje.&lt;/h2&gt;</a:t>
             </a:r>
           </a:p>
           <a:p>
@@ -38237,8 +38267,20 @@
               <a:t> one </a:t>
             </a:r>
             <a:r>
+              <a:rPr lang="en-GB" dirty="0" err="1" smtClean="0"/>
+              <a:t>ogra</a:t>
+            </a:r>
+            <a:r>
+              <a:rPr lang="sr-Latn-RS" dirty="0"/>
+              <a:t>đ</a:t>
+            </a:r>
+            <a:r>
+              <a:rPr lang="en-GB" dirty="0" smtClean="0"/>
+              <a:t></a:t>
+            </a:r>
+            <a:r>
               <a:rPr lang="en-GB" dirty="0" err="1"/>
-              <a:t>ograuju</a:t>
+              <a:t>uju</a:t>
             </a:r>
             <a:r>
               <a:rPr lang="en-GB" dirty="0"/>

--- a/predavanja/prezentacije/UVIT03-01-HTML 5.pptx
+++ b/predavanja/prezentacije/UVIT03-01-HTML 5.pptx
@@ -272,7 +272,7 @@
           <a:p>
             <a:fld id="{6B3683FA-0560-4266-A2CA-8A7D404C35FD}" type="datetimeFigureOut">
               <a:rPr lang="en-US" smtClean="0"/>
-              <a:t>10/17/2018</a:t>
+              <a:t>10/19/2018</a:t>
             </a:fld>
             <a:endParaRPr lang="en-US"/>
           </a:p>

--- a/predavanja/prezentacije/UVIT03-01-HTML 5.pptx
+++ b/predavanja/prezentacije/UVIT03-01-HTML 5.pptx
@@ -272,7 +272,7 @@
           <a:p>
             <a:fld id="{6B3683FA-0560-4266-A2CA-8A7D404C35FD}" type="datetimeFigureOut">
               <a:rPr lang="en-US" smtClean="0"/>
-              <a:t>10/19/2018</a:t>
+              <a:t>10/24/2018</a:t>
             </a:fld>
             <a:endParaRPr lang="en-US"/>
           </a:p>
@@ -21164,7 +21164,7 @@
             </a:r>
             <a:r>
               <a:rPr lang="sr-Latn-RS" dirty="0"/>
-              <a:t>ć</a:t>
+              <a:t>č</a:t>
             </a:r>
             <a:r>
               <a:rPr lang="pt-BR" dirty="0" err="1" smtClean="0"/>
@@ -24102,15 +24102,19 @@
             </a:r>
             <a:r>
               <a:rPr lang="pt-BR" dirty="0"/>
-              <a:t> </a:t>
-            </a:r>
-            <a:r>
-              <a:rPr lang="pt-BR" dirty="0" err="1"/>
-              <a:t>odreene</a:t>
-            </a:r>
-            <a:r>
-              <a:rPr lang="pt-BR" dirty="0"/>
-              <a:t> </a:t>
+              <a:t> odre</a:t>
+            </a:r>
+            <a:r>
+              <a:rPr lang="pt-BR" dirty="0" smtClean="0"/>
+              <a:t></a:t>
+            </a:r>
+            <a:r>
+              <a:rPr lang="sr-Latn-RS" smtClean="0"/>
+              <a:t>đe</a:t>
+            </a:r>
+            <a:r>
+              <a:rPr lang="pt-BR" smtClean="0"/>
+              <a:t>ne </a:t>
             </a:r>
             <a:r>
               <a:rPr lang="pt-BR" dirty="0" err="1" smtClean="0"/>

--- a/predavanja/prezentacije/UVIT03-01-HTML 5.pptx
+++ b/predavanja/prezentacije/UVIT03-01-HTML 5.pptx
@@ -5,7 +5,7 @@
     <p:sldMasterId id="2147483750" r:id="rId1"/>
   </p:sldMasterIdLst>
   <p:notesMasterIdLst>
-    <p:notesMasterId r:id="rId53"/>
+    <p:notesMasterId r:id="rId49"/>
   </p:notesMasterIdLst>
   <p:sldIdLst>
     <p:sldId id="296" r:id="rId2"/>
@@ -53,12 +53,8 @@
     <p:sldId id="351" r:id="rId44"/>
     <p:sldId id="352" r:id="rId45"/>
     <p:sldId id="353" r:id="rId46"/>
-    <p:sldId id="354" r:id="rId47"/>
-    <p:sldId id="355" r:id="rId48"/>
-    <p:sldId id="356" r:id="rId49"/>
-    <p:sldId id="357" r:id="rId50"/>
-    <p:sldId id="358" r:id="rId51"/>
-    <p:sldId id="307" r:id="rId52"/>
+    <p:sldId id="355" r:id="rId47"/>
+    <p:sldId id="307" r:id="rId48"/>
   </p:sldIdLst>
   <p:sldSz cx="9144000" cy="6858000" type="screen4x3"/>
   <p:notesSz cx="6858000" cy="9144000"/>
@@ -272,7 +268,7 @@
           <a:p>
             <a:fld id="{6B3683FA-0560-4266-A2CA-8A7D404C35FD}" type="datetimeFigureOut">
               <a:rPr lang="en-US" smtClean="0"/>
-              <a:t>10/24/2018</a:t>
+              <a:t>11/1/2018</a:t>
             </a:fld>
             <a:endParaRPr lang="en-US"/>
           </a:p>
@@ -2071,7 +2067,17 @@
                 <a:latin typeface="Times New Roman" pitchFamily="18" charset="0"/>
                 <a:cs typeface="Arial" charset="0"/>
               </a:rPr>
-              <a:t>/51</a:t>
+              <a:t>/</a:t>
+            </a:r>
+            <a:r>
+              <a:rPr lang="en-US" sz="800" dirty="0" smtClean="0">
+                <a:solidFill>
+                  <a:srgbClr val="6767FF"/>
+                </a:solidFill>
+                <a:latin typeface="Times New Roman" pitchFamily="18" charset="0"/>
+                <a:cs typeface="Arial" charset="0"/>
+              </a:rPr>
+              <a:t>47</a:t>
             </a:r>
             <a:endParaRPr lang="en-US" sz="800" dirty="0" smtClean="0">
               <a:solidFill>
@@ -31879,7 +31885,7 @@
       </p:grpSpPr>
       <p:sp>
         <p:nvSpPr>
-          <p:cNvPr id="11266" name="Rectangle 2"/>
+          <p:cNvPr id="92162" name="Rectangle 2"/>
           <p:cNvSpPr>
             <a:spLocks noGrp="1" noChangeArrowheads="1"/>
           </p:cNvSpPr>
@@ -31889,293 +31895,540 @@
         </p:nvSpPr>
         <p:spPr>
           <a:xfrm>
-            <a:off x="539750" y="1196975"/>
-            <a:ext cx="8364538" cy="2362200"/>
+            <a:off x="1403648" y="549275"/>
+            <a:ext cx="7283152" cy="868363"/>
           </a:xfrm>
         </p:spPr>
         <p:txBody>
           <a:bodyPr/>
           <a:lstStyle/>
           <a:p>
-            <a:pPr algn="r" eaLnBrk="1" hangingPunct="1"/>
-            <a:r>
-              <a:rPr lang="sr-Latn-RS" altLang="en-US" sz="5400" dirty="0" smtClean="0">
-                <a:solidFill>
-                  <a:schemeClr val="hlink"/>
-                </a:solidFill>
-              </a:rPr>
-              <a:t>Generički atributi i elementi</a:t>
-            </a:r>
-            <a:endParaRPr lang="en-US" altLang="en-US" sz="5400" dirty="0" smtClean="0">
-              <a:solidFill>
-                <a:schemeClr val="hlink"/>
-              </a:solidFill>
-            </a:endParaRPr>
+            <a:r>
+              <a:rPr lang="sr-Latn-RS" dirty="0"/>
+              <a:t>Elementi audio, video, </a:t>
+            </a:r>
+            <a:r>
+              <a:rPr lang="sr-Latn-RS" dirty="0" err="1"/>
+              <a:t>source</a:t>
+            </a:r>
+            <a:r>
+              <a:rPr lang="sr-Latn-RS" dirty="0"/>
+              <a:t> </a:t>
+            </a:r>
+            <a:r>
+              <a:rPr lang="sr-Latn-RS" dirty="0" smtClean="0"/>
+              <a:t>(</a:t>
+            </a:r>
+            <a:r>
+              <a:rPr lang="en-US" dirty="0" smtClean="0"/>
+              <a:t>3</a:t>
+            </a:r>
+            <a:r>
+              <a:rPr lang="sr-Latn-RS" dirty="0" smtClean="0"/>
+              <a:t>)</a:t>
+            </a:r>
+            <a:endParaRPr lang="sr-Latn-RS" dirty="0"/>
           </a:p>
         </p:txBody>
       </p:sp>
       <p:sp>
         <p:nvSpPr>
-          <p:cNvPr id="11267" name="Text Box 3"/>
-          <p:cNvSpPr txBox="1">
-            <a:spLocks noChangeArrowheads="1"/>
+          <p:cNvPr id="92163" name="Rectangle 3"/>
+          <p:cNvSpPr>
+            <a:spLocks noGrp="1" noChangeArrowheads="1"/>
           </p:cNvSpPr>
-          <p:nvPr/>
+          <p:nvPr>
+            <p:ph idx="1"/>
+          </p:nvPr>
         </p:nvSpPr>
-        <p:spPr bwMode="auto">
+        <p:spPr>
           <a:xfrm>
-            <a:off x="533400" y="3200400"/>
-            <a:ext cx="8077200" cy="641350"/>
+            <a:off x="457200" y="1484784"/>
+            <a:ext cx="8579296" cy="5373216"/>
           </a:xfrm>
-          <a:prstGeom prst="rect">
-            <a:avLst/>
-          </a:prstGeom>
-          <a:noFill/>
-          <a:ln>
-            <a:noFill/>
-          </a:ln>
-          <a:extLst>
-            <a:ext uri="{909E8E84-426E-40DD-AFC4-6F175D3DCCD1}">
-              <a14:hiddenFill xmlns:a14="http://schemas.microsoft.com/office/drawing/2010/main">
-                <a:solidFill>
-                  <a:srgbClr val="FFFFFF"/>
-                </a:solidFill>
-              </a14:hiddenFill>
-            </a:ext>
-            <a:ext uri="{91240B29-F687-4F45-9708-019B960494DF}">
-              <a14:hiddenLine xmlns:a14="http://schemas.microsoft.com/office/drawing/2010/main" w="9525">
-                <a:solidFill>
-                  <a:srgbClr val="000000"/>
-                </a:solidFill>
-                <a:miter lim="800000"/>
-                <a:headEnd/>
-                <a:tailEnd/>
-              </a14:hiddenLine>
-            </a:ext>
-          </a:extLst>
-        </p:spPr>
-        <p:txBody>
-          <a:bodyPr>
-            <a:spAutoFit/>
-          </a:bodyPr>
-          <a:lstStyle>
-            <a:lvl1pPr eaLnBrk="0" hangingPunct="0">
-              <a:spcBef>
-                <a:spcPct val="20000"/>
-              </a:spcBef>
-              <a:buClr>
-                <a:schemeClr val="accent1"/>
-              </a:buClr>
-              <a:buFont typeface="Wingdings" pitchFamily="2" charset="2"/>
-              <a:buChar char="l"/>
-              <a:defRPr sz="3200">
-                <a:solidFill>
-                  <a:schemeClr val="tx1"/>
-                </a:solidFill>
-                <a:latin typeface="Arial" charset="0"/>
-              </a:defRPr>
-            </a:lvl1pPr>
-            <a:lvl2pPr marL="742950" indent="-285750" eaLnBrk="0" hangingPunct="0">
-              <a:spcBef>
-                <a:spcPct val="20000"/>
-              </a:spcBef>
-              <a:buClr>
-                <a:schemeClr val="accent1"/>
-              </a:buClr>
-              <a:buFont typeface="Wingdings" pitchFamily="2" charset="2"/>
-              <a:buChar char="¡"/>
-              <a:defRPr sz="2700">
-                <a:solidFill>
-                  <a:schemeClr val="tx1"/>
-                </a:solidFill>
-                <a:latin typeface="Arial" charset="0"/>
-              </a:defRPr>
-            </a:lvl2pPr>
-            <a:lvl3pPr marL="1143000" indent="-228600" eaLnBrk="0" hangingPunct="0">
-              <a:spcBef>
-                <a:spcPct val="20000"/>
-              </a:spcBef>
-              <a:buClr>
-                <a:schemeClr val="accent1"/>
-              </a:buClr>
-              <a:buFont typeface="Wingdings" pitchFamily="2" charset="2"/>
-              <a:buChar char="l"/>
-              <a:defRPr sz="2300">
-                <a:solidFill>
-                  <a:schemeClr val="tx1"/>
-                </a:solidFill>
-                <a:latin typeface="Arial" charset="0"/>
-              </a:defRPr>
-            </a:lvl3pPr>
-            <a:lvl4pPr marL="1600200" indent="-228600" eaLnBrk="0" hangingPunct="0">
-              <a:spcBef>
-                <a:spcPct val="20000"/>
-              </a:spcBef>
-              <a:buClr>
-                <a:schemeClr val="accent1"/>
-              </a:buClr>
-              <a:buChar char="•"/>
-              <a:defRPr sz="2000">
-                <a:solidFill>
-                  <a:schemeClr val="tx1"/>
-                </a:solidFill>
-                <a:latin typeface="Arial" charset="0"/>
-              </a:defRPr>
-            </a:lvl4pPr>
-            <a:lvl5pPr marL="2057400" indent="-228600" eaLnBrk="0" hangingPunct="0">
-              <a:spcBef>
-                <a:spcPct val="20000"/>
-              </a:spcBef>
-              <a:buClr>
-                <a:schemeClr val="accent1"/>
-              </a:buClr>
-              <a:buFont typeface="Wingdings" pitchFamily="2" charset="2"/>
-              <a:buChar char=""/>
-              <a:defRPr sz="2000">
-                <a:solidFill>
-                  <a:schemeClr val="tx1"/>
-                </a:solidFill>
-                <a:latin typeface="Arial" charset="0"/>
-              </a:defRPr>
-            </a:lvl5pPr>
-            <a:lvl6pPr marL="2514600" indent="-228600" eaLnBrk="0" fontAlgn="base" hangingPunct="0">
-              <a:spcBef>
-                <a:spcPct val="20000"/>
-              </a:spcBef>
-              <a:spcAft>
-                <a:spcPct val="0"/>
-              </a:spcAft>
-              <a:buClr>
-                <a:schemeClr val="accent1"/>
-              </a:buClr>
-              <a:buFont typeface="Wingdings" pitchFamily="2" charset="2"/>
-              <a:buChar char=""/>
-              <a:defRPr sz="2000">
-                <a:solidFill>
-                  <a:schemeClr val="tx1"/>
-                </a:solidFill>
-                <a:latin typeface="Arial" charset="0"/>
-              </a:defRPr>
-            </a:lvl6pPr>
-            <a:lvl7pPr marL="2971800" indent="-228600" eaLnBrk="0" fontAlgn="base" hangingPunct="0">
-              <a:spcBef>
-                <a:spcPct val="20000"/>
-              </a:spcBef>
-              <a:spcAft>
-                <a:spcPct val="0"/>
-              </a:spcAft>
-              <a:buClr>
-                <a:schemeClr val="accent1"/>
-              </a:buClr>
-              <a:buFont typeface="Wingdings" pitchFamily="2" charset="2"/>
-              <a:buChar char=""/>
-              <a:defRPr sz="2000">
-                <a:solidFill>
-                  <a:schemeClr val="tx1"/>
-                </a:solidFill>
-                <a:latin typeface="Arial" charset="0"/>
-              </a:defRPr>
-            </a:lvl7pPr>
-            <a:lvl8pPr marL="3429000" indent="-228600" eaLnBrk="0" fontAlgn="base" hangingPunct="0">
-              <a:spcBef>
-                <a:spcPct val="20000"/>
-              </a:spcBef>
-              <a:spcAft>
-                <a:spcPct val="0"/>
-              </a:spcAft>
-              <a:buClr>
-                <a:schemeClr val="accent1"/>
-              </a:buClr>
-              <a:buFont typeface="Wingdings" pitchFamily="2" charset="2"/>
-              <a:buChar char=""/>
-              <a:defRPr sz="2000">
-                <a:solidFill>
-                  <a:schemeClr val="tx1"/>
-                </a:solidFill>
-                <a:latin typeface="Arial" charset="0"/>
-              </a:defRPr>
-            </a:lvl8pPr>
-            <a:lvl9pPr marL="3886200" indent="-228600" eaLnBrk="0" fontAlgn="base" hangingPunct="0">
-              <a:spcBef>
-                <a:spcPct val="20000"/>
-              </a:spcBef>
-              <a:spcAft>
-                <a:spcPct val="0"/>
-              </a:spcAft>
-              <a:buClr>
-                <a:schemeClr val="accent1"/>
-              </a:buClr>
-              <a:buFont typeface="Wingdings" pitchFamily="2" charset="2"/>
-              <a:buChar char=""/>
-              <a:defRPr sz="2000">
-                <a:solidFill>
-                  <a:schemeClr val="tx1"/>
-                </a:solidFill>
-                <a:latin typeface="Arial" charset="0"/>
-              </a:defRPr>
-            </a:lvl9pPr>
-          </a:lstStyle>
-          <a:p>
-            <a:pPr eaLnBrk="1" hangingPunct="1">
-              <a:spcBef>
-                <a:spcPct val="50000"/>
-              </a:spcBef>
-              <a:buClrTx/>
-              <a:buFontTx/>
-              <a:buNone/>
-            </a:pPr>
-            <a:endParaRPr lang="sr-Latn-CS" altLang="en-US" sz="3600">
-              <a:solidFill>
-                <a:srgbClr val="FF6600"/>
-              </a:solidFill>
-              <a:latin typeface="YUTms" pitchFamily="18" charset="0"/>
-            </a:endParaRPr>
-          </a:p>
-        </p:txBody>
-      </p:sp>
-      <p:sp>
-        <p:nvSpPr>
-          <p:cNvPr id="2" name="Rectangle 5"/>
-          <p:cNvSpPr>
-            <a:spLocks noChangeArrowheads="1"/>
-          </p:cNvSpPr>
-          <p:nvPr/>
-        </p:nvSpPr>
-        <p:spPr bwMode="auto">
-          <a:xfrm>
-            <a:off x="1547813" y="4365625"/>
-            <a:ext cx="6400800" cy="1752600"/>
-          </a:xfrm>
-          <a:prstGeom prst="rect">
-            <a:avLst/>
-          </a:prstGeom>
-          <a:noFill/>
-          <a:ln w="9525">
-            <a:noFill/>
-            <a:miter lim="800000"/>
-            <a:headEnd/>
-            <a:tailEnd/>
-          </a:ln>
-          <a:effectLst/>
         </p:spPr>
         <p:txBody>
           <a:bodyPr/>
           <a:lstStyle/>
           <a:p>
-            <a:pPr marL="342900" indent="-342900" algn="r">
-              <a:spcBef>
-                <a:spcPct val="20000"/>
-              </a:spcBef>
-              <a:buClr>
-                <a:schemeClr val="accent1"/>
-              </a:buClr>
-              <a:buFont typeface="Wingdings" pitchFamily="2" charset="2"/>
-              <a:buNone/>
-              <a:defRPr/>
+            <a:pPr lvl="1">
+              <a:spcBef>
+                <a:spcPts val="1200"/>
+              </a:spcBef>
             </a:pPr>
-            <a:endParaRPr lang="sr-Latn-CS" dirty="0">
-              <a:latin typeface="+mj-lt"/>
-              <a:cs typeface="Times New Roman" pitchFamily="18" charset="0"/>
+            <a:r>
+              <a:rPr lang="sr-Latn-RS" dirty="0"/>
+              <a:t>Za </a:t>
+            </a:r>
+            <a:r>
+              <a:rPr lang="sr-Latn-RS" dirty="0" err="1"/>
+              <a:t>umetanje</a:t>
+            </a:r>
+            <a:r>
+              <a:rPr lang="sr-Latn-RS" dirty="0"/>
+              <a:t> audio-zapisa i video-snimaka koriste se elementi </a:t>
+            </a:r>
+            <a:r>
+              <a:rPr lang="sr-Latn-RS" dirty="0">
+                <a:solidFill>
+                  <a:srgbClr val="009E47"/>
+                </a:solidFill>
+              </a:rPr>
+              <a:t>audio</a:t>
+            </a:r>
+            <a:r>
+              <a:rPr lang="sr-Latn-RS" dirty="0"/>
+              <a:t> </a:t>
+            </a:r>
+            <a:r>
+              <a:rPr lang="sr-Latn-RS" dirty="0" smtClean="0"/>
+              <a:t>i </a:t>
+            </a:r>
+            <a:r>
+              <a:rPr lang="sr-Latn-RS" dirty="0" smtClean="0">
+                <a:solidFill>
+                  <a:srgbClr val="009E47"/>
+                </a:solidFill>
+              </a:rPr>
+              <a:t>video</a:t>
+            </a:r>
+            <a:endParaRPr lang="sr-Latn-RS" dirty="0">
+              <a:solidFill>
+                <a:srgbClr val="009E47"/>
+              </a:solidFill>
+            </a:endParaRPr>
+          </a:p>
+          <a:p>
+            <a:pPr lvl="1">
+              <a:spcBef>
+                <a:spcPts val="1200"/>
+              </a:spcBef>
+            </a:pPr>
+            <a:r>
+              <a:rPr lang="sr-Latn-RS" dirty="0"/>
+              <a:t>Svaki od ovih elemenata </a:t>
+            </a:r>
+            <a:r>
+              <a:rPr lang="sr-Latn-RS" dirty="0" smtClean="0"/>
+              <a:t>sadrži </a:t>
+            </a:r>
+            <a:r>
+              <a:rPr lang="sr-Latn-RS" dirty="0"/>
+              <a:t>niz elemenata </a:t>
+            </a:r>
+            <a:r>
+              <a:rPr lang="sr-Latn-RS" dirty="0" err="1">
+                <a:solidFill>
+                  <a:srgbClr val="009E47"/>
+                </a:solidFill>
+              </a:rPr>
+              <a:t>source</a:t>
+            </a:r>
+            <a:r>
+              <a:rPr lang="sr-Latn-RS" dirty="0"/>
+              <a:t>; </a:t>
+            </a:r>
+            <a:r>
+              <a:rPr lang="sr-Latn-RS" dirty="0" smtClean="0"/>
+              <a:t>pregledač pušta prvi </a:t>
+            </a:r>
+            <a:r>
+              <a:rPr lang="sr-Latn-RS" dirty="0"/>
+              <a:t>zapis č</a:t>
+            </a:r>
+            <a:r>
+              <a:rPr lang="sr-Latn-RS" dirty="0" smtClean="0"/>
+              <a:t>iji </a:t>
+            </a:r>
+            <a:r>
+              <a:rPr lang="sr-Latn-RS" dirty="0"/>
+              <a:t>format prepoznaje</a:t>
+            </a:r>
+          </a:p>
+          <a:p>
+            <a:pPr lvl="1">
+              <a:spcBef>
+                <a:spcPts val="1200"/>
+              </a:spcBef>
+            </a:pPr>
+            <a:r>
+              <a:rPr lang="sr-Latn-RS" dirty="0"/>
+              <a:t>Element </a:t>
+            </a:r>
+            <a:r>
+              <a:rPr lang="sr-Latn-RS" dirty="0" err="1">
+                <a:solidFill>
+                  <a:srgbClr val="009E47"/>
+                </a:solidFill>
+              </a:rPr>
+              <a:t>source</a:t>
+            </a:r>
+            <a:r>
+              <a:rPr lang="sr-Latn-RS" dirty="0">
+                <a:solidFill>
+                  <a:srgbClr val="009E47"/>
+                </a:solidFill>
+              </a:rPr>
+              <a:t> </a:t>
+            </a:r>
+            <a:r>
+              <a:rPr lang="sr-Latn-RS" dirty="0"/>
+              <a:t>ima atribut </a:t>
+            </a:r>
+            <a:r>
+              <a:rPr lang="sr-Latn-RS" dirty="0" err="1">
+                <a:solidFill>
+                  <a:srgbClr val="009E47"/>
+                </a:solidFill>
+              </a:rPr>
+              <a:t>src</a:t>
+            </a:r>
+            <a:r>
+              <a:rPr lang="sr-Latn-RS" dirty="0">
+                <a:solidFill>
+                  <a:srgbClr val="009E47"/>
+                </a:solidFill>
+              </a:rPr>
+              <a:t> </a:t>
+            </a:r>
+            <a:r>
+              <a:rPr lang="sr-Latn-RS" dirty="0"/>
+              <a:t>kojim se zadaje datoteka (</a:t>
+            </a:r>
+            <a:r>
+              <a:rPr lang="sr-Latn-RS" dirty="0" smtClean="0"/>
+              <a:t>poželjno relativnom </a:t>
+            </a:r>
+            <a:r>
+              <a:rPr lang="sr-Latn-RS" dirty="0"/>
+              <a:t>adresom)</a:t>
+            </a:r>
+          </a:p>
+          <a:p>
+            <a:pPr lvl="1">
+              <a:spcBef>
+                <a:spcPts val="1200"/>
+              </a:spcBef>
+            </a:pPr>
+            <a:r>
+              <a:rPr lang="sr-Latn-RS" dirty="0"/>
+              <a:t>Atribut </a:t>
+            </a:r>
+            <a:r>
+              <a:rPr lang="sr-Latn-RS" dirty="0" err="1">
+                <a:solidFill>
+                  <a:srgbClr val="009E47"/>
+                </a:solidFill>
+              </a:rPr>
+              <a:t>type</a:t>
+            </a:r>
+            <a:r>
+              <a:rPr lang="sr-Latn-RS" dirty="0">
+                <a:solidFill>
+                  <a:srgbClr val="009E47"/>
+                </a:solidFill>
+              </a:rPr>
+              <a:t> </a:t>
+            </a:r>
+            <a:r>
+              <a:rPr lang="sr-Latn-RS" dirty="0"/>
+              <a:t>elementa </a:t>
+            </a:r>
+            <a:r>
+              <a:rPr lang="sr-Latn-RS" dirty="0" err="1"/>
+              <a:t>source</a:t>
+            </a:r>
+            <a:r>
+              <a:rPr lang="sr-Latn-RS" dirty="0"/>
+              <a:t> </a:t>
+            </a:r>
+            <a:r>
+              <a:rPr lang="sr-Latn-RS" dirty="0" smtClean="0"/>
+              <a:t>označava </a:t>
+            </a:r>
+            <a:r>
+              <a:rPr lang="sr-Latn-RS" dirty="0"/>
+              <a:t>format zapisa: audio/</a:t>
+            </a:r>
+            <a:r>
+              <a:rPr lang="sr-Latn-RS" dirty="0" err="1"/>
+              <a:t>mpeg</a:t>
+            </a:r>
+            <a:r>
+              <a:rPr lang="sr-Latn-RS" dirty="0" smtClean="0"/>
+              <a:t>, audio/</a:t>
+            </a:r>
+            <a:r>
+              <a:rPr lang="sr-Latn-RS" dirty="0" err="1" smtClean="0"/>
+              <a:t>ogg</a:t>
+            </a:r>
+            <a:r>
+              <a:rPr lang="sr-Latn-RS" dirty="0"/>
+              <a:t>, audio/</a:t>
+            </a:r>
+            <a:r>
+              <a:rPr lang="sr-Latn-RS" dirty="0" err="1"/>
+              <a:t>wav</a:t>
+            </a:r>
+            <a:r>
+              <a:rPr lang="sr-Latn-RS" dirty="0"/>
+              <a:t>, video/mp4, video/</a:t>
+            </a:r>
+            <a:r>
+              <a:rPr lang="sr-Latn-RS" dirty="0" err="1"/>
+              <a:t>ogg</a:t>
+            </a:r>
+            <a:r>
+              <a:rPr lang="sr-Latn-RS" dirty="0"/>
+              <a:t>.</a:t>
+            </a:r>
+          </a:p>
+          <a:p>
+            <a:pPr lvl="1">
+              <a:spcBef>
+                <a:spcPts val="1200"/>
+              </a:spcBef>
+            </a:pPr>
+            <a:r>
+              <a:rPr lang="sr-Latn-RS" dirty="0" smtClean="0"/>
+              <a:t>Po</a:t>
+            </a:r>
+            <a:r>
+              <a:rPr lang="sr-Latn-RS" dirty="0"/>
+              <a:t>ž</a:t>
+            </a:r>
+            <a:r>
+              <a:rPr lang="sr-Latn-RS" dirty="0" smtClean="0"/>
+              <a:t>eljno </a:t>
+            </a:r>
+            <a:r>
+              <a:rPr lang="sr-Latn-RS" dirty="0"/>
+              <a:t>je da se u </a:t>
+            </a:r>
+            <a:r>
+              <a:rPr lang="sr-Latn-RS" dirty="0" smtClean="0"/>
+              <a:t>sadr</a:t>
+            </a:r>
+            <a:r>
+              <a:rPr lang="sr-Latn-RS" dirty="0"/>
+              <a:t>ž</a:t>
+            </a:r>
+            <a:r>
+              <a:rPr lang="sr-Latn-RS" dirty="0" smtClean="0"/>
+              <a:t>aj </a:t>
+            </a:r>
+            <a:r>
+              <a:rPr lang="sr-Latn-RS" dirty="0"/>
+              <a:t>audio i video elementa upise i tekst </a:t>
+            </a:r>
+            <a:r>
+              <a:rPr lang="sr-Latn-RS" dirty="0" smtClean="0"/>
+              <a:t>koji se </a:t>
+            </a:r>
+            <a:r>
+              <a:rPr lang="sr-Latn-RS" dirty="0"/>
+              <a:t>prikazuje ako </a:t>
+            </a:r>
+            <a:r>
+              <a:rPr lang="sr-Latn-RS" dirty="0" smtClean="0"/>
+              <a:t>veb pregledač ne mo</a:t>
+            </a:r>
+            <a:r>
+              <a:rPr lang="sr-Latn-RS" dirty="0"/>
+              <a:t>ž</a:t>
+            </a:r>
+            <a:r>
+              <a:rPr lang="sr-Latn-RS" dirty="0" smtClean="0"/>
+              <a:t>e </a:t>
+            </a:r>
+            <a:r>
+              <a:rPr lang="sr-Latn-RS" dirty="0"/>
+              <a:t>da </a:t>
+            </a:r>
+            <a:r>
+              <a:rPr lang="sr-Latn-RS" dirty="0" smtClean="0"/>
+              <a:t>prika</a:t>
+            </a:r>
+            <a:r>
+              <a:rPr lang="sr-Latn-RS" dirty="0"/>
+              <a:t>ž</a:t>
+            </a:r>
+            <a:r>
+              <a:rPr lang="sr-Latn-RS" dirty="0" smtClean="0"/>
+              <a:t>e sadr</a:t>
+            </a:r>
+            <a:r>
+              <a:rPr lang="sr-Latn-RS" dirty="0"/>
+              <a:t>ž</a:t>
+            </a:r>
+            <a:r>
+              <a:rPr lang="sr-Latn-RS" dirty="0" smtClean="0"/>
+              <a:t>aj</a:t>
+            </a:r>
+            <a:endParaRPr lang="sr-Latn-RS" dirty="0"/>
+          </a:p>
+          <a:p>
+            <a:pPr lvl="1">
+              <a:spcBef>
+                <a:spcPts val="1200"/>
+              </a:spcBef>
+            </a:pPr>
+            <a:r>
+              <a:rPr lang="sr-Latn-RS" dirty="0" smtClean="0"/>
+              <a:t>Po</a:t>
+            </a:r>
+            <a:r>
+              <a:rPr lang="sr-Latn-RS" dirty="0"/>
+              <a:t>ž</a:t>
+            </a:r>
+            <a:r>
+              <a:rPr lang="sr-Latn-RS" dirty="0" smtClean="0"/>
+              <a:t>eljno </a:t>
+            </a:r>
+            <a:r>
+              <a:rPr lang="sr-Latn-RS" dirty="0"/>
+              <a:t>je uz element video zadati svojstva </a:t>
+            </a:r>
+            <a:r>
+              <a:rPr lang="sr-Latn-RS" dirty="0" err="1">
+                <a:solidFill>
+                  <a:srgbClr val="009E47"/>
+                </a:solidFill>
+              </a:rPr>
+              <a:t>width</a:t>
+            </a:r>
+            <a:r>
+              <a:rPr lang="sr-Latn-RS" dirty="0">
+                <a:solidFill>
+                  <a:srgbClr val="009E47"/>
+                </a:solidFill>
+              </a:rPr>
+              <a:t> </a:t>
+            </a:r>
+            <a:r>
+              <a:rPr lang="sr-Latn-RS" dirty="0"/>
+              <a:t>i </a:t>
+            </a:r>
+            <a:r>
+              <a:rPr lang="sr-Latn-RS" dirty="0" err="1">
+                <a:solidFill>
+                  <a:srgbClr val="009E47"/>
+                </a:solidFill>
+              </a:rPr>
+              <a:t>height</a:t>
+            </a:r>
+            <a:endParaRPr lang="sr-Latn-RS" dirty="0">
+              <a:solidFill>
+                <a:srgbClr val="009E47"/>
+              </a:solidFill>
+            </a:endParaRPr>
+          </a:p>
+          <a:p>
+            <a:pPr lvl="1">
+              <a:spcBef>
+                <a:spcPts val="1200"/>
+              </a:spcBef>
+            </a:pPr>
+            <a:r>
+              <a:rPr lang="sr-Latn-RS" dirty="0"/>
+              <a:t>Atribut </a:t>
+            </a:r>
+            <a:r>
+              <a:rPr lang="sr-Latn-RS" dirty="0" err="1">
+                <a:solidFill>
+                  <a:srgbClr val="009E47"/>
+                </a:solidFill>
+              </a:rPr>
+              <a:t>autoplay</a:t>
+            </a:r>
+            <a:r>
+              <a:rPr lang="sr-Latn-RS" dirty="0">
+                <a:solidFill>
+                  <a:srgbClr val="009E47"/>
+                </a:solidFill>
+              </a:rPr>
+              <a:t> </a:t>
+            </a:r>
+            <a:r>
+              <a:rPr lang="sr-Latn-RS" dirty="0" smtClean="0"/>
+              <a:t>ozna</a:t>
+            </a:r>
+            <a:r>
+              <a:rPr lang="sr-Latn-RS" dirty="0"/>
+              <a:t>č</a:t>
+            </a:r>
+            <a:r>
+              <a:rPr lang="sr-Latn-RS" dirty="0" smtClean="0"/>
+              <a:t>ava </a:t>
+            </a:r>
+            <a:r>
+              <a:rPr lang="sr-Latn-RS" dirty="0"/>
+              <a:t>da se </a:t>
+            </a:r>
+            <a:r>
+              <a:rPr lang="sr-Latn-RS" dirty="0" smtClean="0"/>
+              <a:t>sadr</a:t>
+            </a:r>
+            <a:r>
+              <a:rPr lang="sr-Latn-RS" dirty="0"/>
+              <a:t>ž</a:t>
+            </a:r>
+            <a:r>
+              <a:rPr lang="sr-Latn-RS" dirty="0" smtClean="0"/>
+              <a:t>aj </a:t>
+            </a:r>
+            <a:r>
+              <a:rPr lang="sr-Latn-RS" dirty="0"/>
+              <a:t>automatski </a:t>
+            </a:r>
+            <a:r>
+              <a:rPr lang="sr-Latn-RS" dirty="0" smtClean="0"/>
+              <a:t>pu</a:t>
+            </a:r>
+            <a:r>
+              <a:rPr lang="sr-Latn-RS" dirty="0"/>
+              <a:t>š</a:t>
+            </a:r>
+            <a:r>
+              <a:rPr lang="sr-Latn-RS" dirty="0" smtClean="0"/>
+              <a:t>ta čim se učita</a:t>
+            </a:r>
+            <a:r>
+              <a:rPr lang="sr-Latn-RS" dirty="0"/>
+              <a:t>, dok atribut </a:t>
+            </a:r>
+            <a:r>
+              <a:rPr lang="sr-Latn-RS" dirty="0" err="1">
+                <a:solidFill>
+                  <a:srgbClr val="009E47"/>
+                </a:solidFill>
+              </a:rPr>
+              <a:t>controls</a:t>
+            </a:r>
+            <a:r>
+              <a:rPr lang="sr-Latn-RS" dirty="0">
+                <a:solidFill>
+                  <a:srgbClr val="009E47"/>
+                </a:solidFill>
+              </a:rPr>
+              <a:t> </a:t>
+            </a:r>
+            <a:r>
+              <a:rPr lang="sr-Latn-RS" dirty="0"/>
+              <a:t>prikazuje na ekranu kontrole za </a:t>
+            </a:r>
+            <a:r>
+              <a:rPr lang="sr-Latn-RS" dirty="0" smtClean="0"/>
+              <a:t>puštanje multimedijalnog </a:t>
+            </a:r>
+            <a:r>
+              <a:rPr lang="sr-Latn-RS" dirty="0"/>
+              <a:t>materijala</a:t>
+            </a:r>
+            <a:endParaRPr lang="sr-Latn-RS" dirty="0">
+              <a:solidFill>
+                <a:srgbClr val="000000"/>
+              </a:solidFill>
             </a:endParaRPr>
           </a:p>
         </p:txBody>
@@ -32183,7 +32436,7 @@
     </p:spTree>
     <p:extLst>
       <p:ext uri="{BB962C8B-B14F-4D97-AF65-F5344CB8AC3E}">
-        <p14:creationId xmlns:p14="http://schemas.microsoft.com/office/powerpoint/2010/main" val="497336189"/>
+        <p14:creationId xmlns:p14="http://schemas.microsoft.com/office/powerpoint/2010/main" val="2787929179"/>
       </p:ext>
     </p:extLst>
   </p:cSld>
@@ -32227,32 +32480,24 @@
             <p:ph type="title"/>
           </p:nvPr>
         </p:nvSpPr>
-        <p:spPr>
-          <a:xfrm>
-            <a:off x="1403648" y="549275"/>
-            <a:ext cx="7283152" cy="868363"/>
-          </a:xfrm>
-        </p:spPr>
+        <p:spPr/>
         <p:txBody>
           <a:bodyPr/>
           <a:lstStyle/>
           <a:p>
             <a:r>
-              <a:rPr lang="sr-Latn-RS" dirty="0" smtClean="0"/>
-              <a:t>Generi</a:t>
-            </a:r>
-            <a:r>
-              <a:rPr lang="sr-Latn-RS" dirty="0"/>
-              <a:t>č</a:t>
-            </a:r>
-            <a:r>
-              <a:rPr lang="sr-Latn-RS" dirty="0" smtClean="0"/>
-              <a:t>ki </a:t>
-            </a:r>
-            <a:r>
-              <a:rPr lang="sr-Latn-RS" dirty="0"/>
-              <a:t>atributi</a:t>
-            </a:r>
+              <a:rPr lang="sr-Latn-RS" altLang="en-US" dirty="0" smtClean="0">
+                <a:solidFill>
+                  <a:srgbClr val="002060"/>
+                </a:solidFill>
+              </a:rPr>
+              <a:t>Zahvalnica</a:t>
+            </a:r>
+            <a:endParaRPr lang="en-GB" altLang="en-US" dirty="0" smtClean="0">
+              <a:solidFill>
+                <a:srgbClr val="002060"/>
+              </a:solidFill>
+            </a:endParaRPr>
           </a:p>
         </p:txBody>
       </p:sp>
@@ -32268,1286 +32513,213 @@
         </p:nvSpPr>
         <p:spPr>
           <a:xfrm>
-            <a:off x="457200" y="1484784"/>
-            <a:ext cx="8579296" cy="5373216"/>
+            <a:off x="457200" y="1600200"/>
+            <a:ext cx="8391525" cy="5257800"/>
           </a:xfrm>
         </p:spPr>
         <p:txBody>
           <a:bodyPr/>
           <a:lstStyle/>
           <a:p>
-            <a:pPr lvl="1">
-              <a:spcBef>
-                <a:spcPts val="1200"/>
-              </a:spcBef>
+            <a:pPr marL="0" indent="0">
+              <a:buFont typeface="Wingdings" pitchFamily="2" charset="2"/>
+              <a:buNone/>
             </a:pPr>
             <a:r>
-              <a:rPr lang="sr-Latn-RS" dirty="0"/>
-              <a:t>Za </a:t>
-            </a:r>
-            <a:r>
-              <a:rPr lang="sr-Latn-RS" dirty="0" err="1"/>
-              <a:t>umetanje</a:t>
-            </a:r>
-            <a:r>
-              <a:rPr lang="sr-Latn-RS" dirty="0"/>
-              <a:t> audio-zapisa i video-snimaka koriste se elementi </a:t>
-            </a:r>
-            <a:r>
-              <a:rPr lang="sr-Latn-RS" dirty="0">
-                <a:solidFill>
-                  <a:srgbClr val="009E47"/>
-                </a:solidFill>
-              </a:rPr>
-              <a:t>audio</a:t>
-            </a:r>
-            <a:r>
-              <a:rPr lang="sr-Latn-RS" dirty="0"/>
-              <a:t> </a:t>
-            </a:r>
-            <a:r>
-              <a:rPr lang="sr-Latn-RS" dirty="0" smtClean="0"/>
-              <a:t>i </a:t>
-            </a:r>
-            <a:r>
-              <a:rPr lang="sr-Latn-RS" dirty="0" smtClean="0">
-                <a:solidFill>
-                  <a:srgbClr val="009E47"/>
-                </a:solidFill>
-              </a:rPr>
-              <a:t>video</a:t>
-            </a:r>
-            <a:endParaRPr lang="sr-Latn-RS" dirty="0">
-              <a:solidFill>
-                <a:srgbClr val="009E47"/>
-              </a:solidFill>
-            </a:endParaRPr>
-          </a:p>
-          <a:p>
-            <a:pPr lvl="1">
-              <a:spcBef>
-                <a:spcPts val="1200"/>
-              </a:spcBef>
+              <a:rPr lang="sr-Latn-RS" altLang="en-US" dirty="0" smtClean="0"/>
+              <a:t>Delovi materijala ove prezentacije su preuzeti iz</a:t>
+            </a:r>
+            <a:r>
+              <a:rPr lang="sr-Cyrl-RS" altLang="en-US" dirty="0" smtClean="0"/>
+              <a:t>:</a:t>
+            </a:r>
+          </a:p>
+          <a:p>
+            <a:r>
+              <a:rPr lang="sr-Latn-RS" altLang="en-US" dirty="0" smtClean="0"/>
+              <a:t>Skripte iz predmeta Uvod u veb i internet tehnologije,</a:t>
+            </a:r>
+            <a:r>
+              <a:rPr lang="sr-Cyrl-RS" altLang="en-US" dirty="0" smtClean="0"/>
+              <a:t> </a:t>
+            </a:r>
+            <a:r>
+              <a:rPr lang="sr-Latn-RS" altLang="en-US" dirty="0" smtClean="0"/>
+              <a:t>na</a:t>
+            </a:r>
+            <a:r>
+              <a:rPr lang="sr-Cyrl-RS" altLang="en-US" dirty="0" smtClean="0"/>
+              <a:t> </a:t>
+            </a:r>
+            <a:r>
+              <a:rPr lang="sr-Latn-RS" altLang="en-US" dirty="0" smtClean="0"/>
+              <a:t>Matematičkom fakultetu Univeziteta u Beogradu</a:t>
+            </a:r>
+            <a:r>
+              <a:rPr lang="sr-Cyrl-RS" altLang="en-US" dirty="0" smtClean="0"/>
+              <a:t>, </a:t>
+            </a:r>
+            <a:r>
+              <a:rPr lang="sr-Latn-RS" altLang="en-US" dirty="0" smtClean="0"/>
+              <a:t>autor prof. dr Filip Marić</a:t>
+            </a:r>
+          </a:p>
+          <a:p>
+            <a:r>
+              <a:rPr lang="en-US" altLang="en-US" dirty="0" err="1"/>
+              <a:t>Prezentacija</a:t>
+            </a:r>
+            <a:r>
+              <a:rPr lang="en-US" altLang="en-US" dirty="0"/>
+              <a:t> </a:t>
+            </a:r>
+            <a:r>
+              <a:rPr lang="sr-Latn-RS" altLang="en-US" dirty="0"/>
+              <a:t>iz predmeta Uvod u veb i internet tehnologije,</a:t>
+            </a:r>
+            <a:r>
+              <a:rPr lang="sr-Cyrl-RS" altLang="en-US" dirty="0"/>
+              <a:t> </a:t>
+            </a:r>
+            <a:r>
+              <a:rPr lang="sr-Latn-RS" altLang="en-US" dirty="0"/>
+              <a:t>na</a:t>
+            </a:r>
+            <a:r>
+              <a:rPr lang="sr-Cyrl-RS" altLang="en-US" dirty="0"/>
+              <a:t> </a:t>
+            </a:r>
+            <a:r>
+              <a:rPr lang="sr-Latn-RS" altLang="en-US" dirty="0"/>
+              <a:t>Matematičkom fakultetu </a:t>
+            </a:r>
+            <a:r>
+              <a:rPr lang="sr-Latn-RS" altLang="en-US" dirty="0" err="1"/>
+              <a:t>Univeziteta</a:t>
+            </a:r>
+            <a:r>
+              <a:rPr lang="sr-Latn-RS" altLang="en-US" dirty="0"/>
+              <a:t> u Beogradu</a:t>
+            </a:r>
+            <a:r>
+              <a:rPr lang="sr-Cyrl-RS" altLang="en-US" dirty="0"/>
+              <a:t>, </a:t>
+            </a:r>
+            <a:r>
+              <a:rPr lang="sr-Latn-RS" altLang="en-US" dirty="0"/>
+              <a:t>autor dr </a:t>
+            </a:r>
+            <a:r>
+              <a:rPr lang="en-US" altLang="en-US" dirty="0" err="1"/>
+              <a:t>Vesna</a:t>
+            </a:r>
+            <a:r>
+              <a:rPr lang="sr-Latn-RS" altLang="en-US" dirty="0"/>
+              <a:t> Mari</a:t>
+            </a:r>
+            <a:r>
+              <a:rPr lang="en-US" altLang="en-US" dirty="0" err="1"/>
+              <a:t>nkovi</a:t>
+            </a:r>
+            <a:r>
+              <a:rPr lang="sr-Latn-RS" altLang="en-US" smtClean="0"/>
+              <a:t>ć</a:t>
+            </a:r>
+            <a:endParaRPr lang="sr-Cyrl-RS" altLang="en-US" dirty="0" smtClean="0"/>
+          </a:p>
+          <a:p>
+            <a:r>
+              <a:rPr lang="sr-Latn-RS" altLang="en-US" dirty="0" err="1" smtClean="0"/>
+              <a:t>Skripte</a:t>
+            </a:r>
+            <a:r>
+              <a:rPr lang="sr-Latn-RS" altLang="en-US" dirty="0" smtClean="0"/>
+              <a:t> </a:t>
+            </a:r>
+            <a:r>
+              <a:rPr lang="sr-Latn-RS" altLang="en-US" dirty="0"/>
+              <a:t>iz </a:t>
+            </a:r>
+            <a:r>
+              <a:rPr lang="sr-Latn-RS" altLang="en-US" dirty="0" smtClean="0"/>
+              <a:t>predmeta Informatika</a:t>
+            </a:r>
+            <a:r>
+              <a:rPr lang="sr-Cyrl-RS" altLang="en-US" dirty="0" smtClean="0"/>
+              <a:t> </a:t>
+            </a:r>
+            <a:r>
+              <a:rPr lang="sr-Latn-RS" altLang="en-US" dirty="0" smtClean="0"/>
+              <a:t>na Univerzitetu</a:t>
+            </a:r>
+            <a:r>
+              <a:rPr lang="sr-Cyrl-RS" altLang="en-US" dirty="0" smtClean="0"/>
+              <a:t> </a:t>
+            </a:r>
+            <a:r>
+              <a:rPr lang="en-US" altLang="en-US" dirty="0" smtClean="0"/>
+              <a:t>Milano Bicocca</a:t>
+            </a:r>
+            <a:r>
+              <a:rPr lang="sr-Cyrl-RS" altLang="en-US" dirty="0" smtClean="0"/>
+              <a:t>,</a:t>
+            </a:r>
+            <a:r>
+              <a:rPr lang="en-US" altLang="en-US" dirty="0" smtClean="0"/>
+              <a:t> </a:t>
+            </a:r>
+            <a:r>
+              <a:rPr lang="sr-Latn-RS" altLang="en-US" dirty="0" smtClean="0"/>
+              <a:t>autor dr</a:t>
+            </a:r>
+            <a:r>
+              <a:rPr lang="sr-Cyrl-RS" altLang="en-US" dirty="0" smtClean="0"/>
+              <a:t> </a:t>
+            </a:r>
+            <a:r>
+              <a:rPr lang="en-US" altLang="en-US" dirty="0"/>
+              <a:t>Mirko </a:t>
+            </a:r>
+            <a:r>
+              <a:rPr lang="en-US" altLang="en-US" dirty="0" err="1"/>
+              <a:t>Cesarini</a:t>
+            </a:r>
+            <a:r>
+              <a:rPr lang="sr-Cyrl-RS" altLang="en-US" dirty="0" smtClean="0"/>
+              <a:t>  </a:t>
+            </a:r>
+            <a:endParaRPr lang="en-US" altLang="en-US" dirty="0" smtClean="0"/>
+          </a:p>
+          <a:p>
+            <a:endParaRPr lang="en-US" altLang="en-US" dirty="0" smtClean="0"/>
+          </a:p>
+          <a:p>
+            <a:pPr marL="0" indent="0">
+              <a:buFont typeface="Wingdings" pitchFamily="2" charset="2"/>
+              <a:buNone/>
             </a:pPr>
-            <a:r>
-              <a:rPr lang="sr-Latn-RS" dirty="0"/>
-              <a:t>Svaki od ovih elemenata </a:t>
-            </a:r>
-            <a:r>
-              <a:rPr lang="sr-Latn-RS" dirty="0" smtClean="0"/>
-              <a:t>sadrži </a:t>
-            </a:r>
-            <a:r>
-              <a:rPr lang="sr-Latn-RS" dirty="0"/>
-              <a:t>niz elemenata </a:t>
-            </a:r>
-            <a:r>
-              <a:rPr lang="sr-Latn-RS" dirty="0" err="1">
-                <a:solidFill>
-                  <a:srgbClr val="009E47"/>
-                </a:solidFill>
-              </a:rPr>
-              <a:t>source</a:t>
-            </a:r>
-            <a:r>
-              <a:rPr lang="sr-Latn-RS" dirty="0"/>
-              <a:t>; </a:t>
-            </a:r>
-            <a:r>
-              <a:rPr lang="sr-Latn-RS" dirty="0" smtClean="0"/>
-              <a:t>pregledač pušta prvi </a:t>
-            </a:r>
-            <a:r>
-              <a:rPr lang="sr-Latn-RS" dirty="0"/>
-              <a:t>zapis č</a:t>
-            </a:r>
-            <a:r>
-              <a:rPr lang="sr-Latn-RS" dirty="0" smtClean="0"/>
-              <a:t>iji </a:t>
-            </a:r>
-            <a:r>
-              <a:rPr lang="sr-Latn-RS" dirty="0"/>
-              <a:t>format prepoznaje</a:t>
-            </a:r>
-          </a:p>
-          <a:p>
-            <a:pPr lvl="1">
-              <a:spcBef>
-                <a:spcPts val="1200"/>
-              </a:spcBef>
+            <a:endParaRPr lang="sr-Cyrl-RS" altLang="en-US" sz="1200" dirty="0" smtClean="0"/>
+          </a:p>
+          <a:p>
+            <a:pPr marL="0" indent="0">
+              <a:buFont typeface="Wingdings" pitchFamily="2" charset="2"/>
+              <a:buNone/>
             </a:pPr>
-            <a:r>
-              <a:rPr lang="sr-Latn-RS" dirty="0"/>
-              <a:t>Element </a:t>
-            </a:r>
-            <a:r>
-              <a:rPr lang="sr-Latn-RS" dirty="0" err="1">
-                <a:solidFill>
-                  <a:srgbClr val="009E47"/>
-                </a:solidFill>
-              </a:rPr>
-              <a:t>source</a:t>
-            </a:r>
-            <a:r>
-              <a:rPr lang="sr-Latn-RS" dirty="0">
-                <a:solidFill>
-                  <a:srgbClr val="009E47"/>
-                </a:solidFill>
-              </a:rPr>
-              <a:t> </a:t>
-            </a:r>
-            <a:r>
-              <a:rPr lang="sr-Latn-RS" dirty="0"/>
-              <a:t>ima atribut </a:t>
-            </a:r>
-            <a:r>
-              <a:rPr lang="sr-Latn-RS" dirty="0" err="1">
-                <a:solidFill>
-                  <a:srgbClr val="009E47"/>
-                </a:solidFill>
-              </a:rPr>
-              <a:t>src</a:t>
-            </a:r>
-            <a:r>
-              <a:rPr lang="sr-Latn-RS" dirty="0">
-                <a:solidFill>
-                  <a:srgbClr val="009E47"/>
-                </a:solidFill>
-              </a:rPr>
-              <a:t> </a:t>
-            </a:r>
-            <a:r>
-              <a:rPr lang="sr-Latn-RS" dirty="0"/>
-              <a:t>kojim se zadaje datoteka (</a:t>
-            </a:r>
-            <a:r>
-              <a:rPr lang="sr-Latn-RS" dirty="0" smtClean="0"/>
-              <a:t>poželjno relativnom </a:t>
-            </a:r>
-            <a:r>
-              <a:rPr lang="sr-Latn-RS" dirty="0"/>
-              <a:t>adresom)</a:t>
-            </a:r>
-          </a:p>
-          <a:p>
-            <a:pPr lvl="1">
-              <a:spcBef>
-                <a:spcPts val="1200"/>
-              </a:spcBef>
+            <a:endParaRPr lang="sr-Latn-CS" altLang="en-US" sz="1200" dirty="0" smtClean="0"/>
+          </a:p>
+          <a:p>
+            <a:pPr marL="0" indent="0">
+              <a:buFont typeface="Wingdings" pitchFamily="2" charset="2"/>
+              <a:buNone/>
             </a:pPr>
-            <a:r>
-              <a:rPr lang="sr-Latn-RS" dirty="0"/>
-              <a:t>Atribut </a:t>
-            </a:r>
-            <a:r>
-              <a:rPr lang="sr-Latn-RS" dirty="0" err="1">
-                <a:solidFill>
-                  <a:srgbClr val="009E47"/>
-                </a:solidFill>
-              </a:rPr>
-              <a:t>type</a:t>
-            </a:r>
-            <a:r>
-              <a:rPr lang="sr-Latn-RS" dirty="0">
-                <a:solidFill>
-                  <a:srgbClr val="009E47"/>
-                </a:solidFill>
-              </a:rPr>
-              <a:t> </a:t>
-            </a:r>
-            <a:r>
-              <a:rPr lang="sr-Latn-RS" dirty="0"/>
-              <a:t>elementa </a:t>
-            </a:r>
-            <a:r>
-              <a:rPr lang="sr-Latn-RS" dirty="0" err="1"/>
-              <a:t>source</a:t>
-            </a:r>
-            <a:r>
-              <a:rPr lang="sr-Latn-RS" dirty="0"/>
-              <a:t> </a:t>
-            </a:r>
-            <a:r>
-              <a:rPr lang="sr-Latn-RS" dirty="0" smtClean="0"/>
-              <a:t>označava </a:t>
-            </a:r>
-            <a:r>
-              <a:rPr lang="sr-Latn-RS" dirty="0"/>
-              <a:t>format zapisa: audio/</a:t>
-            </a:r>
-            <a:r>
-              <a:rPr lang="sr-Latn-RS" dirty="0" err="1"/>
-              <a:t>mpeg</a:t>
-            </a:r>
-            <a:r>
-              <a:rPr lang="sr-Latn-RS" dirty="0" smtClean="0"/>
-              <a:t>, audio/</a:t>
-            </a:r>
-            <a:r>
-              <a:rPr lang="sr-Latn-RS" dirty="0" err="1" smtClean="0"/>
-              <a:t>ogg</a:t>
-            </a:r>
-            <a:r>
-              <a:rPr lang="sr-Latn-RS" dirty="0"/>
-              <a:t>, audio/</a:t>
-            </a:r>
-            <a:r>
-              <a:rPr lang="sr-Latn-RS" dirty="0" err="1"/>
-              <a:t>wav</a:t>
-            </a:r>
-            <a:r>
-              <a:rPr lang="sr-Latn-RS" dirty="0"/>
-              <a:t>, video/mp4, video/</a:t>
-            </a:r>
-            <a:r>
-              <a:rPr lang="sr-Latn-RS" dirty="0" err="1"/>
-              <a:t>ogg</a:t>
-            </a:r>
-            <a:r>
-              <a:rPr lang="sr-Latn-RS" dirty="0"/>
-              <a:t>.</a:t>
-            </a:r>
-          </a:p>
-          <a:p>
-            <a:pPr lvl="1">
-              <a:spcBef>
-                <a:spcPts val="1200"/>
-              </a:spcBef>
-            </a:pPr>
-            <a:r>
-              <a:rPr lang="sr-Latn-RS" dirty="0" smtClean="0"/>
-              <a:t>Po</a:t>
-            </a:r>
-            <a:r>
-              <a:rPr lang="sr-Latn-RS" dirty="0"/>
-              <a:t>ž</a:t>
-            </a:r>
-            <a:r>
-              <a:rPr lang="sr-Latn-RS" dirty="0" smtClean="0"/>
-              <a:t>eljno </a:t>
-            </a:r>
-            <a:r>
-              <a:rPr lang="sr-Latn-RS" dirty="0"/>
-              <a:t>je da se u </a:t>
-            </a:r>
-            <a:r>
-              <a:rPr lang="sr-Latn-RS" dirty="0" smtClean="0"/>
-              <a:t>sadr</a:t>
-            </a:r>
-            <a:r>
-              <a:rPr lang="sr-Latn-RS" dirty="0"/>
-              <a:t>ž</a:t>
-            </a:r>
-            <a:r>
-              <a:rPr lang="sr-Latn-RS" dirty="0" smtClean="0"/>
-              <a:t>aj </a:t>
-            </a:r>
-            <a:r>
-              <a:rPr lang="sr-Latn-RS" dirty="0"/>
-              <a:t>audio i video elementa upise i tekst </a:t>
-            </a:r>
-            <a:r>
-              <a:rPr lang="sr-Latn-RS" dirty="0" smtClean="0"/>
-              <a:t>koji se </a:t>
-            </a:r>
-            <a:r>
-              <a:rPr lang="sr-Latn-RS" dirty="0"/>
-              <a:t>prikazuje ako </a:t>
-            </a:r>
-            <a:r>
-              <a:rPr lang="sr-Latn-RS" dirty="0" smtClean="0"/>
-              <a:t>veb pregledač ne mo</a:t>
-            </a:r>
-            <a:r>
-              <a:rPr lang="sr-Latn-RS" dirty="0"/>
-              <a:t>ž</a:t>
-            </a:r>
-            <a:r>
-              <a:rPr lang="sr-Latn-RS" dirty="0" smtClean="0"/>
-              <a:t>e </a:t>
-            </a:r>
-            <a:r>
-              <a:rPr lang="sr-Latn-RS" dirty="0"/>
-              <a:t>da </a:t>
-            </a:r>
-            <a:r>
-              <a:rPr lang="sr-Latn-RS" dirty="0" smtClean="0"/>
-              <a:t>prika</a:t>
-            </a:r>
-            <a:r>
-              <a:rPr lang="sr-Latn-RS" dirty="0"/>
-              <a:t>ž</a:t>
-            </a:r>
-            <a:r>
-              <a:rPr lang="sr-Latn-RS" dirty="0" smtClean="0"/>
-              <a:t>e sadr</a:t>
-            </a:r>
-            <a:r>
-              <a:rPr lang="sr-Latn-RS" dirty="0"/>
-              <a:t>ž</a:t>
-            </a:r>
-            <a:r>
-              <a:rPr lang="sr-Latn-RS" dirty="0" smtClean="0"/>
-              <a:t>aj</a:t>
-            </a:r>
-            <a:endParaRPr lang="sr-Latn-RS" dirty="0"/>
-          </a:p>
-          <a:p>
-            <a:pPr lvl="1">
-              <a:spcBef>
-                <a:spcPts val="1200"/>
-              </a:spcBef>
-            </a:pPr>
-            <a:r>
-              <a:rPr lang="sr-Latn-RS" dirty="0" smtClean="0"/>
-              <a:t>Po</a:t>
-            </a:r>
-            <a:r>
-              <a:rPr lang="sr-Latn-RS" dirty="0"/>
-              <a:t>ž</a:t>
-            </a:r>
-            <a:r>
-              <a:rPr lang="sr-Latn-RS" dirty="0" smtClean="0"/>
-              <a:t>eljno </a:t>
-            </a:r>
-            <a:r>
-              <a:rPr lang="sr-Latn-RS" dirty="0"/>
-              <a:t>je uz element video zadati svojstva </a:t>
-            </a:r>
-            <a:r>
-              <a:rPr lang="sr-Latn-RS" dirty="0" err="1">
-                <a:solidFill>
-                  <a:srgbClr val="009E47"/>
-                </a:solidFill>
-              </a:rPr>
-              <a:t>width</a:t>
-            </a:r>
-            <a:r>
-              <a:rPr lang="sr-Latn-RS" dirty="0">
-                <a:solidFill>
-                  <a:srgbClr val="009E47"/>
-                </a:solidFill>
-              </a:rPr>
-              <a:t> </a:t>
-            </a:r>
-            <a:r>
-              <a:rPr lang="sr-Latn-RS" dirty="0"/>
-              <a:t>i </a:t>
-            </a:r>
-            <a:r>
-              <a:rPr lang="sr-Latn-RS" dirty="0" err="1">
-                <a:solidFill>
-                  <a:srgbClr val="009E47"/>
-                </a:solidFill>
-              </a:rPr>
-              <a:t>height</a:t>
-            </a:r>
-            <a:endParaRPr lang="sr-Latn-RS" dirty="0">
-              <a:solidFill>
-                <a:srgbClr val="009E47"/>
-              </a:solidFill>
-            </a:endParaRPr>
-          </a:p>
-          <a:p>
-            <a:pPr lvl="1">
-              <a:spcBef>
-                <a:spcPts val="1200"/>
-              </a:spcBef>
-            </a:pPr>
-            <a:r>
-              <a:rPr lang="sr-Latn-RS" dirty="0"/>
-              <a:t>Atribut </a:t>
-            </a:r>
-            <a:r>
-              <a:rPr lang="sr-Latn-RS" dirty="0" err="1">
-                <a:solidFill>
-                  <a:srgbClr val="009E47"/>
-                </a:solidFill>
-              </a:rPr>
-              <a:t>autoplay</a:t>
-            </a:r>
-            <a:r>
-              <a:rPr lang="sr-Latn-RS" dirty="0">
-                <a:solidFill>
-                  <a:srgbClr val="009E47"/>
-                </a:solidFill>
-              </a:rPr>
-              <a:t> </a:t>
-            </a:r>
-            <a:r>
-              <a:rPr lang="sr-Latn-RS" dirty="0" smtClean="0"/>
-              <a:t>ozna</a:t>
-            </a:r>
-            <a:r>
-              <a:rPr lang="sr-Latn-RS" dirty="0"/>
-              <a:t>č</a:t>
-            </a:r>
-            <a:r>
-              <a:rPr lang="sr-Latn-RS" dirty="0" smtClean="0"/>
-              <a:t>ava </a:t>
-            </a:r>
-            <a:r>
-              <a:rPr lang="sr-Latn-RS" dirty="0"/>
-              <a:t>da se </a:t>
-            </a:r>
-            <a:r>
-              <a:rPr lang="sr-Latn-RS" dirty="0" smtClean="0"/>
-              <a:t>sadr</a:t>
-            </a:r>
-            <a:r>
-              <a:rPr lang="sr-Latn-RS" dirty="0"/>
-              <a:t>ž</a:t>
-            </a:r>
-            <a:r>
-              <a:rPr lang="sr-Latn-RS" dirty="0" smtClean="0"/>
-              <a:t>aj </a:t>
-            </a:r>
-            <a:r>
-              <a:rPr lang="sr-Latn-RS" dirty="0"/>
-              <a:t>automatski </a:t>
-            </a:r>
-            <a:r>
-              <a:rPr lang="sr-Latn-RS" dirty="0" smtClean="0"/>
-              <a:t>pu</a:t>
-            </a:r>
-            <a:r>
-              <a:rPr lang="sr-Latn-RS" dirty="0"/>
-              <a:t>š</a:t>
-            </a:r>
-            <a:r>
-              <a:rPr lang="sr-Latn-RS" dirty="0" smtClean="0"/>
-              <a:t>ta čim se učita</a:t>
-            </a:r>
-            <a:r>
-              <a:rPr lang="sr-Latn-RS" dirty="0"/>
-              <a:t>, dok atribut </a:t>
-            </a:r>
-            <a:r>
-              <a:rPr lang="sr-Latn-RS" dirty="0" err="1">
-                <a:solidFill>
-                  <a:srgbClr val="009E47"/>
-                </a:solidFill>
-              </a:rPr>
-              <a:t>controls</a:t>
-            </a:r>
-            <a:r>
-              <a:rPr lang="sr-Latn-RS" dirty="0">
-                <a:solidFill>
-                  <a:srgbClr val="009E47"/>
-                </a:solidFill>
-              </a:rPr>
-              <a:t> </a:t>
-            </a:r>
-            <a:r>
-              <a:rPr lang="sr-Latn-RS" dirty="0"/>
-              <a:t>prikazuje na ekranu kontrole za </a:t>
-            </a:r>
-            <a:r>
-              <a:rPr lang="sr-Latn-RS" dirty="0" smtClean="0"/>
-              <a:t>puštanje multimedijalnog </a:t>
-            </a:r>
-            <a:r>
-              <a:rPr lang="sr-Latn-RS" dirty="0"/>
-              <a:t>materijala</a:t>
-            </a:r>
-            <a:endParaRPr lang="sr-Latn-RS" dirty="0">
-              <a:solidFill>
-                <a:srgbClr val="000000"/>
-              </a:solidFill>
-            </a:endParaRPr>
+            <a:endParaRPr lang="sr-Latn-CS" altLang="en-US" dirty="0" smtClean="0"/>
           </a:p>
         </p:txBody>
       </p:sp>
     </p:spTree>
     <p:extLst>
       <p:ext uri="{BB962C8B-B14F-4D97-AF65-F5344CB8AC3E}">
-        <p14:creationId xmlns:p14="http://schemas.microsoft.com/office/powerpoint/2010/main" val="2787929179"/>
-      </p:ext>
-    </p:extLst>
-  </p:cSld>
-  <p:clrMapOvr>
-    <a:masterClrMapping/>
-  </p:clrMapOvr>
-  <p:timing>
-    <p:tnLst>
-      <p:par>
-        <p:cTn id="1" dur="indefinite" restart="never" nodeType="tmRoot"/>
-      </p:par>
-    </p:tnLst>
-  </p:timing>
-</p:sld>
-</file>
-
-<file path=ppt/slides/slide48.xml><?xml version="1.0" encoding="utf-8"?>
-<p:sld xmlns:a="http://schemas.openxmlformats.org/drawingml/2006/main" xmlns:r="http://schemas.openxmlformats.org/officeDocument/2006/relationships" xmlns:p="http://schemas.openxmlformats.org/presentationml/2006/main">
-  <p:cSld>
-    <p:spTree>
-      <p:nvGrpSpPr>
-        <p:cNvPr id="1" name=""/>
-        <p:cNvGrpSpPr/>
-        <p:nvPr/>
-      </p:nvGrpSpPr>
-      <p:grpSpPr>
-        <a:xfrm>
-          <a:off x="0" y="0"/>
-          <a:ext cx="0" cy="0"/>
-          <a:chOff x="0" y="0"/>
-          <a:chExt cx="0" cy="0"/>
-        </a:xfrm>
-      </p:grpSpPr>
-      <p:sp>
-        <p:nvSpPr>
-          <p:cNvPr id="92162" name="Rectangle 2"/>
-          <p:cNvSpPr>
-            <a:spLocks noGrp="1" noChangeArrowheads="1"/>
-          </p:cNvSpPr>
-          <p:nvPr>
-            <p:ph type="title"/>
-          </p:nvPr>
-        </p:nvSpPr>
-        <p:spPr>
-          <a:xfrm>
-            <a:off x="1403648" y="549275"/>
-            <a:ext cx="7283152" cy="868363"/>
-          </a:xfrm>
-        </p:spPr>
-        <p:txBody>
-          <a:bodyPr/>
-          <a:lstStyle/>
-          <a:p>
-            <a:r>
-              <a:rPr lang="it-IT" dirty="0" smtClean="0"/>
-              <a:t>Generi</a:t>
-            </a:r>
-            <a:r>
-              <a:rPr lang="sr-Latn-RS" dirty="0"/>
-              <a:t>č</a:t>
-            </a:r>
-            <a:r>
-              <a:rPr lang="it-IT" dirty="0" err="1" smtClean="0"/>
-              <a:t>ki</a:t>
-            </a:r>
-            <a:r>
-              <a:rPr lang="it-IT" dirty="0" smtClean="0"/>
-              <a:t> elementi</a:t>
-            </a:r>
-            <a:r>
-              <a:rPr lang="sr-Latn-RS" dirty="0" smtClean="0"/>
-              <a:t> -</a:t>
-            </a:r>
-            <a:r>
-              <a:rPr lang="it-IT" dirty="0" smtClean="0"/>
-              <a:t> </a:t>
-            </a:r>
-            <a:r>
-              <a:rPr lang="it-IT" dirty="0"/>
-              <a:t>div i </a:t>
-            </a:r>
-            <a:r>
-              <a:rPr lang="it-IT" dirty="0" err="1"/>
-              <a:t>span</a:t>
-            </a:r>
-            <a:endParaRPr lang="sr-Latn-RS" dirty="0"/>
-          </a:p>
-        </p:txBody>
-      </p:sp>
-      <p:sp>
-        <p:nvSpPr>
-          <p:cNvPr id="92163" name="Rectangle 3"/>
-          <p:cNvSpPr>
-            <a:spLocks noGrp="1" noChangeArrowheads="1"/>
-          </p:cNvSpPr>
-          <p:nvPr>
-            <p:ph idx="1"/>
-          </p:nvPr>
-        </p:nvSpPr>
-        <p:spPr>
-          <a:xfrm>
-            <a:off x="457200" y="1484784"/>
-            <a:ext cx="8579296" cy="5373216"/>
-          </a:xfrm>
-        </p:spPr>
-        <p:txBody>
-          <a:bodyPr/>
-          <a:lstStyle/>
-          <a:p>
-            <a:pPr lvl="1">
-              <a:spcBef>
-                <a:spcPts val="1200"/>
-              </a:spcBef>
-            </a:pPr>
-            <a:r>
-              <a:rPr lang="sr-Latn-RS" dirty="0" smtClean="0"/>
-              <a:t>Generi</a:t>
-            </a:r>
-            <a:r>
-              <a:rPr lang="sr-Latn-RS" dirty="0"/>
-              <a:t>č</a:t>
-            </a:r>
-            <a:r>
-              <a:rPr lang="sr-Latn-RS" dirty="0" smtClean="0"/>
-              <a:t>ki </a:t>
-            </a:r>
-            <a:r>
-              <a:rPr lang="sr-Latn-RS" dirty="0"/>
-              <a:t>elementi </a:t>
-            </a:r>
-            <a:r>
-              <a:rPr lang="sr-Latn-RS" dirty="0">
-                <a:solidFill>
-                  <a:srgbClr val="009E47"/>
-                </a:solidFill>
-              </a:rPr>
-              <a:t>div</a:t>
-            </a:r>
-            <a:r>
-              <a:rPr lang="sr-Latn-RS" dirty="0"/>
-              <a:t> i </a:t>
-            </a:r>
-            <a:r>
-              <a:rPr lang="sr-Latn-RS" dirty="0">
-                <a:solidFill>
-                  <a:srgbClr val="009E47"/>
-                </a:solidFill>
-              </a:rPr>
-              <a:t>span</a:t>
-            </a:r>
-            <a:r>
-              <a:rPr lang="sr-Latn-RS" dirty="0"/>
-              <a:t> nemaju unapred </a:t>
-            </a:r>
-            <a:r>
-              <a:rPr lang="sr-Latn-RS" dirty="0" smtClean="0"/>
-              <a:t>definisanu </a:t>
-            </a:r>
-            <a:r>
-              <a:rPr lang="sr-Latn-RS" dirty="0"/>
-              <a:t>semantiku</a:t>
-            </a:r>
-            <a:r>
-              <a:rPr lang="sr-Latn-RS" dirty="0" smtClean="0"/>
-              <a:t>; zadatak </a:t>
-            </a:r>
-            <a:r>
-              <a:rPr lang="sr-Latn-RS" dirty="0"/>
-              <a:t>im je da </a:t>
-            </a:r>
-            <a:r>
-              <a:rPr lang="sr-Latn-RS" dirty="0" smtClean="0"/>
-              <a:t>grupi</a:t>
-            </a:r>
-            <a:r>
-              <a:rPr lang="sr-Latn-RS" dirty="0"/>
-              <a:t>š</a:t>
-            </a:r>
-            <a:r>
-              <a:rPr lang="sr-Latn-RS" dirty="0" smtClean="0"/>
-              <a:t>u </a:t>
-            </a:r>
-            <a:r>
-              <a:rPr lang="sr-Latn-RS" dirty="0"/>
-              <a:t>neki </a:t>
-            </a:r>
-            <a:r>
-              <a:rPr lang="sr-Latn-RS" dirty="0" smtClean="0"/>
-              <a:t>sadr</a:t>
-            </a:r>
-            <a:r>
-              <a:rPr lang="sr-Latn-RS" dirty="0"/>
-              <a:t>ž</a:t>
-            </a:r>
-            <a:r>
-              <a:rPr lang="sr-Latn-RS" dirty="0" smtClean="0"/>
-              <a:t>aj</a:t>
-            </a:r>
-            <a:endParaRPr lang="sr-Latn-RS" dirty="0"/>
-          </a:p>
-          <a:p>
-            <a:pPr lvl="1">
-              <a:spcBef>
-                <a:spcPts val="1200"/>
-              </a:spcBef>
-            </a:pPr>
-            <a:r>
-              <a:rPr lang="sr-Latn-RS" dirty="0" smtClean="0"/>
-              <a:t>Obi</a:t>
-            </a:r>
-            <a:r>
-              <a:rPr lang="sr-Latn-RS" dirty="0"/>
-              <a:t>č</a:t>
-            </a:r>
-            <a:r>
-              <a:rPr lang="sr-Latn-RS" dirty="0" smtClean="0"/>
-              <a:t>no </a:t>
-            </a:r>
-            <a:r>
-              <a:rPr lang="sr-Latn-RS" dirty="0"/>
-              <a:t>se koriste u kombinaciji sa globalnim atributima </a:t>
-            </a:r>
-            <a:r>
-              <a:rPr lang="sr-Latn-RS" dirty="0">
-                <a:solidFill>
-                  <a:srgbClr val="009E47"/>
-                </a:solidFill>
-              </a:rPr>
-              <a:t>id</a:t>
-            </a:r>
-            <a:r>
-              <a:rPr lang="sr-Latn-RS" dirty="0"/>
-              <a:t> i </a:t>
-            </a:r>
-            <a:r>
-              <a:rPr lang="sr-Latn-RS" dirty="0" err="1">
-                <a:solidFill>
-                  <a:srgbClr val="009E47"/>
-                </a:solidFill>
-              </a:rPr>
-              <a:t>class</a:t>
-            </a:r>
-            <a:endParaRPr lang="sr-Latn-RS" dirty="0">
-              <a:solidFill>
-                <a:srgbClr val="009E47"/>
-              </a:solidFill>
-            </a:endParaRPr>
-          </a:p>
-          <a:p>
-            <a:pPr lvl="1">
-              <a:spcBef>
-                <a:spcPts val="1200"/>
-              </a:spcBef>
-            </a:pPr>
-            <a:r>
-              <a:rPr lang="sr-Latn-RS" dirty="0"/>
-              <a:t>Element </a:t>
-            </a:r>
-            <a:r>
-              <a:rPr lang="sr-Latn-RS" dirty="0">
-                <a:solidFill>
-                  <a:srgbClr val="009E47"/>
-                </a:solidFill>
-              </a:rPr>
-              <a:t>div</a:t>
-            </a:r>
-            <a:r>
-              <a:rPr lang="sr-Latn-RS" dirty="0"/>
-              <a:t> sluzi za grupisanje </a:t>
-            </a:r>
-            <a:r>
-              <a:rPr lang="sr-Latn-RS" dirty="0" smtClean="0"/>
-              <a:t>ve</a:t>
-            </a:r>
-            <a:r>
-              <a:rPr lang="sr-Latn-RS" dirty="0"/>
-              <a:t>ć</a:t>
-            </a:r>
-            <a:r>
-              <a:rPr lang="sr-Latn-RS" dirty="0" smtClean="0"/>
-              <a:t>ih </a:t>
-            </a:r>
-            <a:r>
-              <a:rPr lang="sr-Latn-RS" dirty="0"/>
-              <a:t>celina; prikazuje se kao </a:t>
-            </a:r>
-            <a:r>
-              <a:rPr lang="sr-Latn-RS" dirty="0" smtClean="0">
-                <a:solidFill>
-                  <a:srgbClr val="6767FF"/>
-                </a:solidFill>
-              </a:rPr>
-              <a:t>blok element</a:t>
-            </a:r>
-            <a:r>
-              <a:rPr lang="sr-Latn-RS" dirty="0" smtClean="0"/>
-              <a:t> </a:t>
-            </a:r>
-            <a:r>
-              <a:rPr lang="sr-Latn-RS" dirty="0"/>
-              <a:t>(</a:t>
-            </a:r>
-            <a:r>
-              <a:rPr lang="sr-Latn-RS" dirty="0" err="1"/>
-              <a:t>block</a:t>
-            </a:r>
-            <a:r>
-              <a:rPr lang="sr-Latn-RS" dirty="0"/>
-              <a:t>-</a:t>
-            </a:r>
-            <a:r>
-              <a:rPr lang="sr-Latn-RS" dirty="0" err="1"/>
-              <a:t>level</a:t>
-            </a:r>
-            <a:r>
-              <a:rPr lang="sr-Latn-RS" dirty="0"/>
-              <a:t> element)</a:t>
-            </a:r>
-          </a:p>
-          <a:p>
-            <a:pPr lvl="1">
-              <a:spcBef>
-                <a:spcPts val="1200"/>
-              </a:spcBef>
-            </a:pPr>
-            <a:r>
-              <a:rPr lang="sr-Latn-RS" dirty="0"/>
-              <a:t>Element </a:t>
-            </a:r>
-            <a:r>
-              <a:rPr lang="sr-Latn-RS" dirty="0">
-                <a:solidFill>
-                  <a:srgbClr val="009E47"/>
-                </a:solidFill>
-              </a:rPr>
-              <a:t>span</a:t>
-            </a:r>
-            <a:r>
-              <a:rPr lang="sr-Latn-RS" dirty="0"/>
-              <a:t> sluzi za grupisanje manjih celina; prikazuje se </a:t>
-            </a:r>
-            <a:r>
-              <a:rPr lang="sr-Latn-RS" dirty="0" smtClean="0"/>
-              <a:t>kao </a:t>
-            </a:r>
-            <a:r>
-              <a:rPr lang="sr-Latn-RS" dirty="0" smtClean="0">
-                <a:solidFill>
-                  <a:srgbClr val="6767FF"/>
-                </a:solidFill>
-              </a:rPr>
-              <a:t>linijski </a:t>
-            </a:r>
-            <a:r>
-              <a:rPr lang="sr-Latn-RS" dirty="0">
-                <a:solidFill>
-                  <a:srgbClr val="6767FF"/>
-                </a:solidFill>
-              </a:rPr>
-              <a:t>element </a:t>
-            </a:r>
-            <a:r>
-              <a:rPr lang="sr-Latn-RS" dirty="0"/>
-              <a:t>(</a:t>
-            </a:r>
-            <a:r>
-              <a:rPr lang="sr-Latn-RS" dirty="0" err="1"/>
-              <a:t>inline</a:t>
-            </a:r>
-            <a:r>
-              <a:rPr lang="sr-Latn-RS" dirty="0"/>
-              <a:t> element)</a:t>
-            </a:r>
-            <a:endParaRPr lang="sr-Latn-RS" dirty="0">
-              <a:solidFill>
-                <a:srgbClr val="000000"/>
-              </a:solidFill>
-            </a:endParaRPr>
-          </a:p>
-        </p:txBody>
-      </p:sp>
-    </p:spTree>
-    <p:extLst>
-      <p:ext uri="{BB962C8B-B14F-4D97-AF65-F5344CB8AC3E}">
-        <p14:creationId xmlns:p14="http://schemas.microsoft.com/office/powerpoint/2010/main" val="3409117173"/>
-      </p:ext>
-    </p:extLst>
-  </p:cSld>
-  <p:clrMapOvr>
-    <a:masterClrMapping/>
-  </p:clrMapOvr>
-  <p:timing>
-    <p:tnLst>
-      <p:par>
-        <p:cTn id="1" dur="indefinite" restart="never" nodeType="tmRoot"/>
-      </p:par>
-    </p:tnLst>
-  </p:timing>
-</p:sld>
-</file>
-
-<file path=ppt/slides/slide49.xml><?xml version="1.0" encoding="utf-8"?>
-<p:sld xmlns:a="http://schemas.openxmlformats.org/drawingml/2006/main" xmlns:r="http://schemas.openxmlformats.org/officeDocument/2006/relationships" xmlns:p="http://schemas.openxmlformats.org/presentationml/2006/main">
-  <p:cSld>
-    <p:spTree>
-      <p:nvGrpSpPr>
-        <p:cNvPr id="1" name=""/>
-        <p:cNvGrpSpPr/>
-        <p:nvPr/>
-      </p:nvGrpSpPr>
-      <p:grpSpPr>
-        <a:xfrm>
-          <a:off x="0" y="0"/>
-          <a:ext cx="0" cy="0"/>
-          <a:chOff x="0" y="0"/>
-          <a:chExt cx="0" cy="0"/>
-        </a:xfrm>
-      </p:grpSpPr>
-      <p:sp>
-        <p:nvSpPr>
-          <p:cNvPr id="92162" name="Rectangle 2"/>
-          <p:cNvSpPr>
-            <a:spLocks noGrp="1" noChangeArrowheads="1"/>
-          </p:cNvSpPr>
-          <p:nvPr>
-            <p:ph type="title"/>
-          </p:nvPr>
-        </p:nvSpPr>
-        <p:spPr>
-          <a:xfrm>
-            <a:off x="1403648" y="549275"/>
-            <a:ext cx="7283152" cy="868363"/>
-          </a:xfrm>
-        </p:spPr>
-        <p:txBody>
-          <a:bodyPr/>
-          <a:lstStyle/>
-          <a:p>
-            <a:r>
-              <a:rPr lang="sr-Latn-RS" dirty="0" smtClean="0"/>
-              <a:t>E</a:t>
-            </a:r>
-            <a:r>
-              <a:rPr lang="it-IT" dirty="0" err="1" smtClean="0"/>
-              <a:t>lement</a:t>
-            </a:r>
-            <a:r>
-              <a:rPr lang="sr-Latn-RS" dirty="0" smtClean="0"/>
-              <a:t> </a:t>
-            </a:r>
-            <a:r>
-              <a:rPr lang="it-IT" dirty="0" smtClean="0"/>
-              <a:t>div</a:t>
-            </a:r>
-            <a:endParaRPr lang="sr-Latn-RS" dirty="0"/>
-          </a:p>
-        </p:txBody>
-      </p:sp>
-      <p:sp>
-        <p:nvSpPr>
-          <p:cNvPr id="92163" name="Rectangle 3"/>
-          <p:cNvSpPr>
-            <a:spLocks noGrp="1" noChangeArrowheads="1"/>
-          </p:cNvSpPr>
-          <p:nvPr>
-            <p:ph idx="1"/>
-          </p:nvPr>
-        </p:nvSpPr>
-        <p:spPr>
-          <a:xfrm>
-            <a:off x="457200" y="1484784"/>
-            <a:ext cx="8579296" cy="5373216"/>
-          </a:xfrm>
-        </p:spPr>
-        <p:txBody>
-          <a:bodyPr/>
-          <a:lstStyle/>
-          <a:p>
-            <a:pPr lvl="1">
-              <a:spcBef>
-                <a:spcPts val="1200"/>
-              </a:spcBef>
-            </a:pPr>
-            <a:r>
-              <a:rPr lang="sr-Latn-RS" dirty="0"/>
-              <a:t>U ranijim </a:t>
-            </a:r>
-            <a:r>
-              <a:rPr lang="sr-Latn-RS" dirty="0" err="1"/>
-              <a:t>verzijima</a:t>
-            </a:r>
-            <a:r>
-              <a:rPr lang="sr-Latn-RS" dirty="0"/>
-              <a:t> HTML-a bio je jedan od </a:t>
-            </a:r>
-            <a:r>
-              <a:rPr lang="sr-Latn-RS" dirty="0" err="1" smtClean="0"/>
-              <a:t>najkorišćenijih</a:t>
-            </a:r>
-            <a:r>
-              <a:rPr lang="sr-Latn-RS" dirty="0" smtClean="0"/>
-              <a:t> </a:t>
-            </a:r>
-            <a:r>
-              <a:rPr lang="sr-Latn-RS" dirty="0"/>
-              <a:t>elemenata</a:t>
-            </a:r>
-          </a:p>
-          <a:p>
-            <a:pPr lvl="1">
-              <a:spcBef>
-                <a:spcPts val="1200"/>
-              </a:spcBef>
-            </a:pPr>
-            <a:r>
-              <a:rPr lang="sr-Latn-RS" dirty="0"/>
-              <a:t>U verziji HTML5 treba ga koristiti kada nijedan od </a:t>
-            </a:r>
-            <a:r>
-              <a:rPr lang="sr-Latn-RS" dirty="0" smtClean="0"/>
-              <a:t>semantičkih elemenata </a:t>
-            </a:r>
-            <a:r>
-              <a:rPr lang="sr-Latn-RS" dirty="0"/>
-              <a:t>nije </a:t>
-            </a:r>
-            <a:r>
-              <a:rPr lang="sr-Latn-RS" dirty="0" smtClean="0"/>
-              <a:t>odgovaraju</a:t>
-            </a:r>
-            <a:r>
-              <a:rPr lang="sr-Latn-RS" dirty="0"/>
-              <a:t>ć</a:t>
-            </a:r>
-            <a:r>
-              <a:rPr lang="sr-Latn-RS" dirty="0" smtClean="0"/>
-              <a:t>i</a:t>
-            </a:r>
-            <a:endParaRPr lang="sr-Latn-RS" dirty="0"/>
-          </a:p>
-          <a:p>
-            <a:pPr marL="857250" lvl="2" indent="0">
-              <a:spcBef>
-                <a:spcPts val="600"/>
-              </a:spcBef>
-              <a:buNone/>
-            </a:pPr>
-            <a:endParaRPr lang="sr-Latn-RS" sz="1400" b="1" dirty="0" smtClean="0">
-              <a:solidFill>
-                <a:srgbClr val="009E47"/>
-              </a:solidFill>
-              <a:latin typeface="Courier New" panose="02070309020205020404" pitchFamily="49" charset="0"/>
-              <a:cs typeface="Courier New" panose="02070309020205020404" pitchFamily="49" charset="0"/>
-            </a:endParaRPr>
-          </a:p>
-          <a:p>
-            <a:pPr marL="857250" lvl="2" indent="0">
-              <a:spcBef>
-                <a:spcPts val="600"/>
-              </a:spcBef>
-              <a:buNone/>
-            </a:pPr>
-            <a:r>
-              <a:rPr lang="sr-Latn-RS" sz="1400" b="1" dirty="0" smtClean="0">
-                <a:solidFill>
-                  <a:srgbClr val="009E47"/>
-                </a:solidFill>
-                <a:latin typeface="Courier New" panose="02070309020205020404" pitchFamily="49" charset="0"/>
-                <a:cs typeface="Courier New" panose="02070309020205020404" pitchFamily="49" charset="0"/>
-              </a:rPr>
-              <a:t>&lt;</a:t>
-            </a:r>
-            <a:r>
-              <a:rPr lang="sr-Latn-RS" sz="1400" b="1" dirty="0" err="1">
-                <a:solidFill>
-                  <a:srgbClr val="009E47"/>
-                </a:solidFill>
-                <a:latin typeface="Courier New" panose="02070309020205020404" pitchFamily="49" charset="0"/>
-                <a:cs typeface="Courier New" panose="02070309020205020404" pitchFamily="49" charset="0"/>
-              </a:rPr>
-              <a:t>main</a:t>
-            </a:r>
-            <a:r>
-              <a:rPr lang="sr-Latn-RS" sz="1400" b="1" dirty="0">
-                <a:solidFill>
-                  <a:srgbClr val="009E47"/>
-                </a:solidFill>
-                <a:latin typeface="Courier New" panose="02070309020205020404" pitchFamily="49" charset="0"/>
-                <a:cs typeface="Courier New" panose="02070309020205020404" pitchFamily="49" charset="0"/>
-              </a:rPr>
-              <a:t>&gt;</a:t>
-            </a:r>
-          </a:p>
-          <a:p>
-            <a:pPr marL="857250" lvl="2" indent="0">
-              <a:spcBef>
-                <a:spcPts val="600"/>
-              </a:spcBef>
-              <a:buNone/>
-            </a:pPr>
-            <a:r>
-              <a:rPr lang="sr-Latn-RS" sz="1400" b="1" dirty="0" smtClean="0">
-                <a:solidFill>
-                  <a:srgbClr val="009E47"/>
-                </a:solidFill>
-                <a:latin typeface="Courier New" panose="02070309020205020404" pitchFamily="49" charset="0"/>
-                <a:cs typeface="Courier New" panose="02070309020205020404" pitchFamily="49" charset="0"/>
-              </a:rPr>
-              <a:t>  ...</a:t>
-            </a:r>
-            <a:endParaRPr lang="sr-Latn-RS" sz="1400" b="1" dirty="0">
-              <a:solidFill>
-                <a:srgbClr val="009E47"/>
-              </a:solidFill>
-              <a:latin typeface="Courier New" panose="02070309020205020404" pitchFamily="49" charset="0"/>
-              <a:cs typeface="Courier New" panose="02070309020205020404" pitchFamily="49" charset="0"/>
-            </a:endParaRPr>
-          </a:p>
-          <a:p>
-            <a:pPr marL="857250" lvl="2" indent="0">
-              <a:spcBef>
-                <a:spcPts val="600"/>
-              </a:spcBef>
-              <a:buNone/>
-            </a:pPr>
-            <a:r>
-              <a:rPr lang="sr-Latn-RS" sz="1400" b="1" dirty="0" smtClean="0">
-                <a:solidFill>
-                  <a:srgbClr val="009E47"/>
-                </a:solidFill>
-                <a:latin typeface="Courier New" panose="02070309020205020404" pitchFamily="49" charset="0"/>
-                <a:cs typeface="Courier New" panose="02070309020205020404" pitchFamily="49" charset="0"/>
-              </a:rPr>
-              <a:t>  &lt;</a:t>
-            </a:r>
-            <a:r>
-              <a:rPr lang="sr-Latn-RS" sz="1400" b="1" dirty="0">
-                <a:solidFill>
-                  <a:srgbClr val="009E47"/>
-                </a:solidFill>
-                <a:latin typeface="Courier New" panose="02070309020205020404" pitchFamily="49" charset="0"/>
-                <a:cs typeface="Courier New" panose="02070309020205020404" pitchFamily="49" charset="0"/>
-              </a:rPr>
-              <a:t>div id="</a:t>
-            </a:r>
-            <a:r>
-              <a:rPr lang="sr-Latn-RS" sz="1400" b="1" dirty="0" err="1">
-                <a:solidFill>
-                  <a:srgbClr val="009E47"/>
-                </a:solidFill>
-                <a:latin typeface="Courier New" panose="02070309020205020404" pitchFamily="49" charset="0"/>
-                <a:cs typeface="Courier New" panose="02070309020205020404" pitchFamily="49" charset="0"/>
-              </a:rPr>
-              <a:t>gallery</a:t>
-            </a:r>
-            <a:r>
-              <a:rPr lang="sr-Latn-RS" sz="1400" b="1" dirty="0">
-                <a:solidFill>
-                  <a:srgbClr val="009E47"/>
-                </a:solidFill>
-                <a:latin typeface="Courier New" panose="02070309020205020404" pitchFamily="49" charset="0"/>
-                <a:cs typeface="Courier New" panose="02070309020205020404" pitchFamily="49" charset="0"/>
-              </a:rPr>
-              <a:t>"&gt;</a:t>
-            </a:r>
-          </a:p>
-          <a:p>
-            <a:pPr marL="857250" lvl="2" indent="0">
-              <a:spcBef>
-                <a:spcPts val="600"/>
-              </a:spcBef>
-              <a:buNone/>
-            </a:pPr>
-            <a:r>
-              <a:rPr lang="sr-Latn-RS" sz="1400" b="1" dirty="0" smtClean="0">
-                <a:solidFill>
-                  <a:srgbClr val="009E47"/>
-                </a:solidFill>
-                <a:latin typeface="Courier New" panose="02070309020205020404" pitchFamily="49" charset="0"/>
-                <a:cs typeface="Courier New" panose="02070309020205020404" pitchFamily="49" charset="0"/>
-              </a:rPr>
-              <a:t>    &lt;!-- </a:t>
-            </a:r>
-            <a:r>
-              <a:rPr lang="sr-Latn-RS" sz="1400" b="1" dirty="0">
-                <a:solidFill>
-                  <a:srgbClr val="009E47"/>
-                </a:solidFill>
-                <a:latin typeface="Courier New" panose="02070309020205020404" pitchFamily="49" charset="0"/>
-                <a:cs typeface="Courier New" panose="02070309020205020404" pitchFamily="49" charset="0"/>
-              </a:rPr>
-              <a:t>tri </a:t>
-            </a:r>
-            <a:r>
-              <a:rPr lang="sr-Latn-RS" sz="1400" b="1" dirty="0" err="1">
-                <a:solidFill>
-                  <a:srgbClr val="009E47"/>
-                </a:solidFill>
-                <a:latin typeface="Courier New" panose="02070309020205020404" pitchFamily="49" charset="0"/>
-                <a:cs typeface="Courier New" panose="02070309020205020404" pitchFamily="49" charset="0"/>
-              </a:rPr>
-              <a:t>slicice</a:t>
-            </a:r>
-            <a:r>
-              <a:rPr lang="sr-Latn-RS" sz="1400" b="1" dirty="0">
-                <a:solidFill>
-                  <a:srgbClr val="009E47"/>
-                </a:solidFill>
-                <a:latin typeface="Courier New" panose="02070309020205020404" pitchFamily="49" charset="0"/>
-                <a:cs typeface="Courier New" panose="02070309020205020404" pitchFamily="49" charset="0"/>
-              </a:rPr>
-              <a:t> na dnu centralnog dela strane --&gt;</a:t>
-            </a:r>
-          </a:p>
-          <a:p>
-            <a:pPr marL="857250" lvl="2" indent="0">
-              <a:spcBef>
-                <a:spcPts val="600"/>
-              </a:spcBef>
-              <a:buNone/>
-            </a:pPr>
-            <a:r>
-              <a:rPr lang="sr-Latn-RS" sz="1400" b="1" dirty="0" smtClean="0">
-                <a:solidFill>
-                  <a:srgbClr val="009E47"/>
-                </a:solidFill>
-                <a:latin typeface="Courier New" panose="02070309020205020404" pitchFamily="49" charset="0"/>
-                <a:cs typeface="Courier New" panose="02070309020205020404" pitchFamily="49" charset="0"/>
-              </a:rPr>
-              <a:t>  &lt;/</a:t>
-            </a:r>
-            <a:r>
-              <a:rPr lang="sr-Latn-RS" sz="1400" b="1" dirty="0">
-                <a:solidFill>
-                  <a:srgbClr val="009E47"/>
-                </a:solidFill>
-                <a:latin typeface="Courier New" panose="02070309020205020404" pitchFamily="49" charset="0"/>
-                <a:cs typeface="Courier New" panose="02070309020205020404" pitchFamily="49" charset="0"/>
-              </a:rPr>
-              <a:t>div&gt;</a:t>
-            </a:r>
-          </a:p>
-          <a:p>
-            <a:pPr marL="857250" lvl="2" indent="0">
-              <a:spcBef>
-                <a:spcPts val="600"/>
-              </a:spcBef>
-              <a:buNone/>
-            </a:pPr>
-            <a:r>
-              <a:rPr lang="sr-Latn-RS" sz="1400" b="1" dirty="0">
-                <a:solidFill>
-                  <a:srgbClr val="009E47"/>
-                </a:solidFill>
-                <a:latin typeface="Courier New" panose="02070309020205020404" pitchFamily="49" charset="0"/>
-                <a:cs typeface="Courier New" panose="02070309020205020404" pitchFamily="49" charset="0"/>
-              </a:rPr>
-              <a:t>&lt;/</a:t>
-            </a:r>
-            <a:r>
-              <a:rPr lang="sr-Latn-RS" sz="1400" b="1" dirty="0" err="1">
-                <a:solidFill>
-                  <a:srgbClr val="009E47"/>
-                </a:solidFill>
-                <a:latin typeface="Courier New" panose="02070309020205020404" pitchFamily="49" charset="0"/>
-                <a:cs typeface="Courier New" panose="02070309020205020404" pitchFamily="49" charset="0"/>
-              </a:rPr>
-              <a:t>main</a:t>
-            </a:r>
-            <a:r>
-              <a:rPr lang="sr-Latn-RS" sz="1400" b="1" dirty="0">
-                <a:solidFill>
-                  <a:srgbClr val="009E47"/>
-                </a:solidFill>
-                <a:latin typeface="Courier New" panose="02070309020205020404" pitchFamily="49" charset="0"/>
-                <a:cs typeface="Courier New" panose="02070309020205020404" pitchFamily="49" charset="0"/>
-              </a:rPr>
-              <a:t>&gt;</a:t>
-            </a:r>
-          </a:p>
-        </p:txBody>
-      </p:sp>
-    </p:spTree>
-    <p:extLst>
-      <p:ext uri="{BB962C8B-B14F-4D97-AF65-F5344CB8AC3E}">
-        <p14:creationId xmlns:p14="http://schemas.microsoft.com/office/powerpoint/2010/main" val="1638242301"/>
+        <p14:creationId xmlns:p14="http://schemas.microsoft.com/office/powerpoint/2010/main" val="3609644295"/>
       </p:ext>
     </p:extLst>
   </p:cSld>
@@ -34891,1214 +34063,6 @@
     <p:extLst>
       <p:ext uri="{BB962C8B-B14F-4D97-AF65-F5344CB8AC3E}">
         <p14:creationId xmlns:p14="http://schemas.microsoft.com/office/powerpoint/2010/main" val="2339162762"/>
-      </p:ext>
-    </p:extLst>
-  </p:cSld>
-  <p:clrMapOvr>
-    <a:masterClrMapping/>
-  </p:clrMapOvr>
-  <p:timing>
-    <p:tnLst>
-      <p:par>
-        <p:cTn id="1" dur="indefinite" restart="never" nodeType="tmRoot"/>
-      </p:par>
-    </p:tnLst>
-  </p:timing>
-</p:sld>
-</file>
-
-<file path=ppt/slides/slide50.xml><?xml version="1.0" encoding="utf-8"?>
-<p:sld xmlns:a="http://schemas.openxmlformats.org/drawingml/2006/main" xmlns:r="http://schemas.openxmlformats.org/officeDocument/2006/relationships" xmlns:p="http://schemas.openxmlformats.org/presentationml/2006/main">
-  <p:cSld>
-    <p:spTree>
-      <p:nvGrpSpPr>
-        <p:cNvPr id="1" name=""/>
-        <p:cNvGrpSpPr/>
-        <p:nvPr/>
-      </p:nvGrpSpPr>
-      <p:grpSpPr>
-        <a:xfrm>
-          <a:off x="0" y="0"/>
-          <a:ext cx="0" cy="0"/>
-          <a:chOff x="0" y="0"/>
-          <a:chExt cx="0" cy="0"/>
-        </a:xfrm>
-      </p:grpSpPr>
-      <p:sp>
-        <p:nvSpPr>
-          <p:cNvPr id="92162" name="Rectangle 2"/>
-          <p:cNvSpPr>
-            <a:spLocks noGrp="1" noChangeArrowheads="1"/>
-          </p:cNvSpPr>
-          <p:nvPr>
-            <p:ph type="title"/>
-          </p:nvPr>
-        </p:nvSpPr>
-        <p:spPr>
-          <a:xfrm>
-            <a:off x="1403648" y="549275"/>
-            <a:ext cx="7283152" cy="868363"/>
-          </a:xfrm>
-        </p:spPr>
-        <p:txBody>
-          <a:bodyPr/>
-          <a:lstStyle/>
-          <a:p>
-            <a:r>
-              <a:rPr lang="sr-Latn-RS" dirty="0" smtClean="0"/>
-              <a:t>E</a:t>
-            </a:r>
-            <a:r>
-              <a:rPr lang="it-IT" dirty="0" err="1" smtClean="0"/>
-              <a:t>lement</a:t>
-            </a:r>
-            <a:r>
-              <a:rPr lang="sr-Latn-RS" dirty="0" smtClean="0"/>
-              <a:t> </a:t>
-            </a:r>
-            <a:r>
-              <a:rPr lang="it-IT" dirty="0" err="1"/>
-              <a:t>span</a:t>
-            </a:r>
-            <a:endParaRPr lang="sr-Latn-RS" dirty="0"/>
-          </a:p>
-        </p:txBody>
-      </p:sp>
-      <p:sp>
-        <p:nvSpPr>
-          <p:cNvPr id="92163" name="Rectangle 3"/>
-          <p:cNvSpPr>
-            <a:spLocks noGrp="1" noChangeArrowheads="1"/>
-          </p:cNvSpPr>
-          <p:nvPr>
-            <p:ph idx="1"/>
-          </p:nvPr>
-        </p:nvSpPr>
-        <p:spPr>
-          <a:xfrm>
-            <a:off x="457200" y="1484784"/>
-            <a:ext cx="8579296" cy="5373216"/>
-          </a:xfrm>
-        </p:spPr>
-        <p:txBody>
-          <a:bodyPr/>
-          <a:lstStyle/>
-          <a:p>
-            <a:pPr lvl="1">
-              <a:spcBef>
-                <a:spcPts val="1200"/>
-              </a:spcBef>
-            </a:pPr>
-            <a:r>
-              <a:rPr lang="sr-Latn-RS" dirty="0"/>
-              <a:t>Koristi se kada je potrebno delu teksta dodeliti </a:t>
-            </a:r>
-            <a:r>
-              <a:rPr lang="sr-Latn-RS" dirty="0" smtClean="0"/>
-              <a:t>zna</a:t>
-            </a:r>
-            <a:r>
-              <a:rPr lang="sr-Latn-RS" dirty="0"/>
-              <a:t>č</a:t>
-            </a:r>
-            <a:r>
-              <a:rPr lang="sr-Latn-RS" dirty="0" smtClean="0"/>
-              <a:t>enje </a:t>
-            </a:r>
-            <a:r>
-              <a:rPr lang="sr-Latn-RS" dirty="0"/>
-              <a:t>koje </a:t>
-            </a:r>
-            <a:r>
-              <a:rPr lang="sr-Latn-RS" dirty="0" smtClean="0"/>
-              <a:t>nije definisano </a:t>
-            </a:r>
-            <a:r>
-              <a:rPr lang="sr-Latn-RS" dirty="0"/>
-              <a:t>HTML standardom</a:t>
-            </a:r>
-          </a:p>
-          <a:p>
-            <a:pPr lvl="1">
-              <a:spcBef>
-                <a:spcPts val="1200"/>
-              </a:spcBef>
-            </a:pPr>
-            <a:r>
-              <a:rPr lang="sr-Latn-RS" dirty="0"/>
-              <a:t>Bez dodatnih </a:t>
-            </a:r>
-            <a:r>
-              <a:rPr lang="sr-Latn-RS" dirty="0" smtClean="0"/>
-              <a:t>pode</a:t>
-            </a:r>
-            <a:r>
-              <a:rPr lang="sr-Latn-RS" dirty="0"/>
-              <a:t>š</a:t>
-            </a:r>
-            <a:r>
-              <a:rPr lang="sr-Latn-RS" dirty="0" smtClean="0"/>
-              <a:t>avanja </a:t>
-            </a:r>
-            <a:r>
-              <a:rPr lang="sr-Latn-RS" dirty="0"/>
-              <a:t>prikazuju se isto na veb-strani; </a:t>
-            </a:r>
-            <a:r>
-              <a:rPr lang="sr-Latn-RS" dirty="0" smtClean="0"/>
-              <a:t>međ</a:t>
-            </a:r>
-            <a:r>
-              <a:rPr lang="sr-Latn-RS" dirty="0"/>
-              <a:t>utim </a:t>
-            </a:r>
-            <a:r>
-              <a:rPr lang="sr-Latn-RS" dirty="0" smtClean="0"/>
-              <a:t>na ovaj na</a:t>
-            </a:r>
-            <a:r>
-              <a:rPr lang="sr-Latn-RS" dirty="0"/>
-              <a:t>č</a:t>
-            </a:r>
-            <a:r>
-              <a:rPr lang="sr-Latn-RS" dirty="0" smtClean="0"/>
-              <a:t>in mogu</a:t>
-            </a:r>
-            <a:r>
-              <a:rPr lang="sr-Latn-RS" dirty="0"/>
-              <a:t>ć</a:t>
-            </a:r>
-            <a:r>
-              <a:rPr lang="sr-Latn-RS" dirty="0" smtClean="0"/>
-              <a:t>e </a:t>
-            </a:r>
-            <a:r>
-              <a:rPr lang="sr-Latn-RS" dirty="0"/>
-              <a:t>je izdvojiti sve </a:t>
-            </a:r>
-            <a:r>
-              <a:rPr lang="sr-Latn-RS" dirty="0" smtClean="0"/>
-              <a:t>ozna</a:t>
-            </a:r>
-            <a:r>
-              <a:rPr lang="sr-Latn-RS" dirty="0"/>
-              <a:t>č</a:t>
-            </a:r>
-            <a:r>
-              <a:rPr lang="sr-Latn-RS" dirty="0" smtClean="0"/>
-              <a:t>ene </a:t>
-            </a:r>
-            <a:r>
-              <a:rPr lang="sr-Latn-RS" dirty="0"/>
-              <a:t>delove teksta sa </a:t>
-            </a:r>
-            <a:r>
-              <a:rPr lang="sr-Latn-RS" dirty="0" smtClean="0"/>
-              <a:t>veb strane </a:t>
-            </a:r>
-            <a:r>
-              <a:rPr lang="sr-Latn-RS" dirty="0"/>
-              <a:t>ili </a:t>
-            </a:r>
-            <a:r>
-              <a:rPr lang="sr-Latn-RS" dirty="0" smtClean="0"/>
-              <a:t>korišćenjem </a:t>
-            </a:r>
-            <a:r>
-              <a:rPr lang="sr-Latn-RS" dirty="0"/>
-              <a:t>CSS-a podesiti prikaz svih </a:t>
-            </a:r>
-            <a:r>
-              <a:rPr lang="sr-Latn-RS" dirty="0" smtClean="0"/>
-              <a:t>ozna</a:t>
-            </a:r>
-            <a:r>
-              <a:rPr lang="sr-Latn-RS" dirty="0"/>
-              <a:t>č</a:t>
-            </a:r>
-            <a:r>
-              <a:rPr lang="sr-Latn-RS" dirty="0" smtClean="0"/>
-              <a:t>enih </a:t>
-            </a:r>
-            <a:r>
-              <a:rPr lang="sr-Latn-RS" dirty="0"/>
-              <a:t>elemenata</a:t>
-            </a:r>
-          </a:p>
-          <a:p>
-            <a:pPr lvl="1">
-              <a:spcBef>
-                <a:spcPts val="1200"/>
-              </a:spcBef>
-            </a:pPr>
-            <a:r>
-              <a:rPr lang="sr-Latn-RS" dirty="0" smtClean="0"/>
-              <a:t>Najčešće </a:t>
-            </a:r>
-            <a:r>
-              <a:rPr lang="sr-Latn-RS" dirty="0"/>
-              <a:t>se koristi u kombinaciji sa atributom </a:t>
-            </a:r>
-            <a:r>
-              <a:rPr lang="sr-Latn-RS" dirty="0" err="1">
-                <a:solidFill>
-                  <a:srgbClr val="009E47"/>
-                </a:solidFill>
-              </a:rPr>
-              <a:t>class</a:t>
-            </a:r>
-            <a:endParaRPr lang="sr-Latn-RS" sz="1400" b="1" dirty="0" smtClean="0">
-              <a:solidFill>
-                <a:srgbClr val="009E47"/>
-              </a:solidFill>
-              <a:latin typeface="Courier New" panose="02070309020205020404" pitchFamily="49" charset="0"/>
-              <a:cs typeface="Courier New" panose="02070309020205020404" pitchFamily="49" charset="0"/>
-            </a:endParaRPr>
-          </a:p>
-          <a:p>
-            <a:pPr marL="457200" lvl="1" indent="0">
-              <a:spcBef>
-                <a:spcPts val="0"/>
-              </a:spcBef>
-              <a:buNone/>
-            </a:pPr>
-            <a:r>
-              <a:rPr lang="sr-Latn-RS" sz="1400" b="1" dirty="0">
-                <a:solidFill>
-                  <a:srgbClr val="009E47"/>
-                </a:solidFill>
-                <a:latin typeface="Courier New" panose="02070309020205020404" pitchFamily="49" charset="0"/>
-                <a:cs typeface="Courier New" panose="02070309020205020404" pitchFamily="49" charset="0"/>
-              </a:rPr>
-              <a:t>Osnovni delovi </a:t>
-            </a:r>
-            <a:r>
-              <a:rPr lang="sr-Latn-RS" sz="1400" b="1" dirty="0" err="1">
-                <a:solidFill>
-                  <a:srgbClr val="009E47"/>
-                </a:solidFill>
-                <a:latin typeface="Courier New" panose="02070309020205020404" pitchFamily="49" charset="0"/>
-                <a:cs typeface="Courier New" panose="02070309020205020404" pitchFamily="49" charset="0"/>
-              </a:rPr>
-              <a:t>racunarskog</a:t>
-            </a:r>
-            <a:r>
-              <a:rPr lang="sr-Latn-RS" sz="1400" b="1" dirty="0">
-                <a:solidFill>
-                  <a:srgbClr val="009E47"/>
-                </a:solidFill>
-                <a:latin typeface="Courier New" panose="02070309020205020404" pitchFamily="49" charset="0"/>
-                <a:cs typeface="Courier New" panose="02070309020205020404" pitchFamily="49" charset="0"/>
-              </a:rPr>
-              <a:t> sistema su &lt;</a:t>
-            </a:r>
-            <a:r>
-              <a:rPr lang="sr-Latn-RS" sz="1400" b="1" dirty="0" smtClean="0">
-                <a:solidFill>
-                  <a:srgbClr val="009E47"/>
-                </a:solidFill>
-                <a:latin typeface="Courier New" panose="02070309020205020404" pitchFamily="49" charset="0"/>
-                <a:cs typeface="Courier New" panose="02070309020205020404" pitchFamily="49" charset="0"/>
-              </a:rPr>
-              <a:t>span </a:t>
-            </a:r>
-            <a:r>
-              <a:rPr lang="sr-Latn-RS" sz="1400" b="1" dirty="0" err="1" smtClean="0">
-                <a:solidFill>
-                  <a:srgbClr val="009E47"/>
-                </a:solidFill>
-                <a:latin typeface="Courier New" panose="02070309020205020404" pitchFamily="49" charset="0"/>
-                <a:cs typeface="Courier New" panose="02070309020205020404" pitchFamily="49" charset="0"/>
-              </a:rPr>
-              <a:t>class</a:t>
-            </a:r>
-            <a:r>
-              <a:rPr lang="sr-Latn-RS" sz="1400" b="1" dirty="0">
-                <a:solidFill>
-                  <a:srgbClr val="009E47"/>
-                </a:solidFill>
-                <a:latin typeface="Courier New" panose="02070309020205020404" pitchFamily="49" charset="0"/>
-                <a:cs typeface="Courier New" panose="02070309020205020404" pitchFamily="49" charset="0"/>
-              </a:rPr>
-              <a:t>="termin</a:t>
-            </a:r>
-            <a:r>
-              <a:rPr lang="sr-Latn-RS" sz="1400" b="1" dirty="0" smtClean="0">
-                <a:solidFill>
-                  <a:srgbClr val="009E47"/>
-                </a:solidFill>
-                <a:latin typeface="Courier New" panose="02070309020205020404" pitchFamily="49" charset="0"/>
-                <a:cs typeface="Courier New" panose="02070309020205020404" pitchFamily="49" charset="0"/>
-              </a:rPr>
-              <a:t>"&gt; procesor</a:t>
-            </a:r>
-            <a:r>
-              <a:rPr lang="sr-Latn-RS" sz="1400" b="1" dirty="0">
-                <a:solidFill>
-                  <a:srgbClr val="009E47"/>
-                </a:solidFill>
-                <a:latin typeface="Courier New" panose="02070309020205020404" pitchFamily="49" charset="0"/>
-                <a:cs typeface="Courier New" panose="02070309020205020404" pitchFamily="49" charset="0"/>
-              </a:rPr>
-              <a:t>&lt;/span&gt;,</a:t>
-            </a:r>
-          </a:p>
-          <a:p>
-            <a:pPr marL="457200" lvl="1" indent="0">
-              <a:spcBef>
-                <a:spcPts val="0"/>
-              </a:spcBef>
-              <a:buNone/>
-            </a:pPr>
-            <a:r>
-              <a:rPr lang="sr-Latn-RS" sz="1400" b="1" dirty="0">
-                <a:solidFill>
-                  <a:srgbClr val="009E47"/>
-                </a:solidFill>
-                <a:latin typeface="Courier New" panose="02070309020205020404" pitchFamily="49" charset="0"/>
-                <a:cs typeface="Courier New" panose="02070309020205020404" pitchFamily="49" charset="0"/>
-              </a:rPr>
-              <a:t>&lt;span </a:t>
-            </a:r>
-            <a:r>
-              <a:rPr lang="sr-Latn-RS" sz="1400" b="1" dirty="0" err="1">
-                <a:solidFill>
-                  <a:srgbClr val="009E47"/>
-                </a:solidFill>
-                <a:latin typeface="Courier New" panose="02070309020205020404" pitchFamily="49" charset="0"/>
-                <a:cs typeface="Courier New" panose="02070309020205020404" pitchFamily="49" charset="0"/>
-              </a:rPr>
-              <a:t>class</a:t>
-            </a:r>
-            <a:r>
-              <a:rPr lang="sr-Latn-RS" sz="1400" b="1" dirty="0">
-                <a:solidFill>
-                  <a:srgbClr val="009E47"/>
-                </a:solidFill>
-                <a:latin typeface="Courier New" panose="02070309020205020404" pitchFamily="49" charset="0"/>
-                <a:cs typeface="Courier New" panose="02070309020205020404" pitchFamily="49" charset="0"/>
-              </a:rPr>
-              <a:t>="termin"&gt;memorija&lt;/span&gt; i</a:t>
-            </a:r>
-          </a:p>
-          <a:p>
-            <a:pPr marL="457200" lvl="1" indent="0">
-              <a:spcBef>
-                <a:spcPts val="0"/>
-              </a:spcBef>
-              <a:buNone/>
-            </a:pPr>
-            <a:r>
-              <a:rPr lang="sr-Latn-RS" sz="1400" b="1" dirty="0">
-                <a:solidFill>
-                  <a:srgbClr val="009E47"/>
-                </a:solidFill>
-                <a:latin typeface="Courier New" panose="02070309020205020404" pitchFamily="49" charset="0"/>
-                <a:cs typeface="Courier New" panose="02070309020205020404" pitchFamily="49" charset="0"/>
-              </a:rPr>
-              <a:t>&lt;span </a:t>
-            </a:r>
-            <a:r>
-              <a:rPr lang="sr-Latn-RS" sz="1400" b="1" dirty="0" err="1">
-                <a:solidFill>
-                  <a:srgbClr val="009E47"/>
-                </a:solidFill>
-                <a:latin typeface="Courier New" panose="02070309020205020404" pitchFamily="49" charset="0"/>
-                <a:cs typeface="Courier New" panose="02070309020205020404" pitchFamily="49" charset="0"/>
-              </a:rPr>
-              <a:t>class</a:t>
-            </a:r>
-            <a:r>
-              <a:rPr lang="sr-Latn-RS" sz="1400" b="1" dirty="0">
-                <a:solidFill>
-                  <a:srgbClr val="009E47"/>
-                </a:solidFill>
-                <a:latin typeface="Courier New" panose="02070309020205020404" pitchFamily="49" charset="0"/>
-                <a:cs typeface="Courier New" panose="02070309020205020404" pitchFamily="49" charset="0"/>
-              </a:rPr>
-              <a:t>="termin"&gt;ulazno-izlazni </a:t>
-            </a:r>
-            <a:r>
-              <a:rPr lang="sr-Latn-RS" sz="1400" b="1" dirty="0" err="1">
-                <a:solidFill>
-                  <a:srgbClr val="009E47"/>
-                </a:solidFill>
-                <a:latin typeface="Courier New" panose="02070309020205020404" pitchFamily="49" charset="0"/>
-                <a:cs typeface="Courier New" panose="02070309020205020404" pitchFamily="49" charset="0"/>
-              </a:rPr>
-              <a:t>uredaji</a:t>
-            </a:r>
-            <a:r>
-              <a:rPr lang="sr-Latn-RS" sz="1400" b="1" dirty="0">
-                <a:solidFill>
-                  <a:srgbClr val="009E47"/>
-                </a:solidFill>
-                <a:latin typeface="Courier New" panose="02070309020205020404" pitchFamily="49" charset="0"/>
-                <a:cs typeface="Courier New" panose="02070309020205020404" pitchFamily="49" charset="0"/>
-              </a:rPr>
-              <a:t>&lt;/span&gt;.</a:t>
-            </a:r>
-          </a:p>
-          <a:p>
-            <a:pPr marL="457200" lvl="1" indent="0">
-              <a:spcBef>
-                <a:spcPts val="0"/>
-              </a:spcBef>
-              <a:buNone/>
-            </a:pPr>
-            <a:r>
-              <a:rPr lang="sr-Latn-RS" sz="1400" b="1" dirty="0">
-                <a:solidFill>
-                  <a:srgbClr val="009E47"/>
-                </a:solidFill>
-                <a:latin typeface="Courier New" panose="02070309020205020404" pitchFamily="49" charset="0"/>
-                <a:cs typeface="Courier New" panose="02070309020205020404" pitchFamily="49" charset="0"/>
-              </a:rPr>
-              <a:t>&lt;pre&gt;</a:t>
-            </a:r>
-          </a:p>
-          <a:p>
-            <a:pPr marL="457200" lvl="1" indent="0">
-              <a:spcBef>
-                <a:spcPts val="0"/>
-              </a:spcBef>
-              <a:buNone/>
-            </a:pPr>
-            <a:r>
-              <a:rPr lang="sr-Latn-RS" sz="1400" b="1" dirty="0">
-                <a:solidFill>
-                  <a:srgbClr val="009E47"/>
-                </a:solidFill>
-                <a:latin typeface="Courier New" panose="02070309020205020404" pitchFamily="49" charset="0"/>
-                <a:cs typeface="Courier New" panose="02070309020205020404" pitchFamily="49" charset="0"/>
-              </a:rPr>
-              <a:t>&lt;</a:t>
-            </a:r>
-            <a:r>
-              <a:rPr lang="sr-Latn-RS" sz="1400" b="1" dirty="0" err="1">
-                <a:solidFill>
-                  <a:srgbClr val="009E47"/>
-                </a:solidFill>
-                <a:latin typeface="Courier New" panose="02070309020205020404" pitchFamily="49" charset="0"/>
-                <a:cs typeface="Courier New" panose="02070309020205020404" pitchFamily="49" charset="0"/>
-              </a:rPr>
-              <a:t>code</a:t>
-            </a:r>
-            <a:r>
-              <a:rPr lang="sr-Latn-RS" sz="1400" b="1" dirty="0">
-                <a:solidFill>
-                  <a:srgbClr val="009E47"/>
-                </a:solidFill>
-                <a:latin typeface="Courier New" panose="02070309020205020404" pitchFamily="49" charset="0"/>
-                <a:cs typeface="Courier New" panose="02070309020205020404" pitchFamily="49" charset="0"/>
-              </a:rPr>
-              <a:t>&gt;</a:t>
-            </a:r>
-          </a:p>
-          <a:p>
-            <a:pPr marL="457200" lvl="1" indent="0">
-              <a:spcBef>
-                <a:spcPts val="0"/>
-              </a:spcBef>
-              <a:buNone/>
-            </a:pPr>
-            <a:r>
-              <a:rPr lang="sr-Latn-RS" sz="1400" b="1" dirty="0">
-                <a:solidFill>
-                  <a:srgbClr val="009E47"/>
-                </a:solidFill>
-                <a:latin typeface="Courier New" panose="02070309020205020404" pitchFamily="49" charset="0"/>
-                <a:cs typeface="Courier New" panose="02070309020205020404" pitchFamily="49" charset="0"/>
-              </a:rPr>
-              <a:t>&lt;span </a:t>
-            </a:r>
-            <a:r>
-              <a:rPr lang="sr-Latn-RS" sz="1400" b="1" dirty="0" err="1">
-                <a:solidFill>
-                  <a:srgbClr val="009E47"/>
-                </a:solidFill>
-                <a:latin typeface="Courier New" panose="02070309020205020404" pitchFamily="49" charset="0"/>
-                <a:cs typeface="Courier New" panose="02070309020205020404" pitchFamily="49" charset="0"/>
-              </a:rPr>
-              <a:t>class</a:t>
-            </a:r>
-            <a:r>
-              <a:rPr lang="sr-Latn-RS" sz="1400" b="1" dirty="0">
-                <a:solidFill>
-                  <a:srgbClr val="009E47"/>
-                </a:solidFill>
-                <a:latin typeface="Courier New" panose="02070309020205020404" pitchFamily="49" charset="0"/>
-                <a:cs typeface="Courier New" panose="02070309020205020404" pitchFamily="49" charset="0"/>
-              </a:rPr>
-              <a:t>="</a:t>
-            </a:r>
-            <a:r>
-              <a:rPr lang="sr-Latn-RS" sz="1400" b="1" dirty="0" err="1">
-                <a:solidFill>
-                  <a:srgbClr val="009E47"/>
-                </a:solidFill>
-                <a:latin typeface="Courier New" panose="02070309020205020404" pitchFamily="49" charset="0"/>
-                <a:cs typeface="Courier New" panose="02070309020205020404" pitchFamily="49" charset="0"/>
-              </a:rPr>
-              <a:t>keyword</a:t>
-            </a:r>
-            <a:r>
-              <a:rPr lang="sr-Latn-RS" sz="1400" b="1" dirty="0">
-                <a:solidFill>
-                  <a:srgbClr val="009E47"/>
-                </a:solidFill>
-                <a:latin typeface="Courier New" panose="02070309020205020404" pitchFamily="49" charset="0"/>
-                <a:cs typeface="Courier New" panose="02070309020205020404" pitchFamily="49" charset="0"/>
-              </a:rPr>
-              <a:t>"&gt;program&lt;/span&gt; &lt;span </a:t>
-            </a:r>
-            <a:r>
-              <a:rPr lang="sr-Latn-RS" sz="1400" b="1" dirty="0" err="1">
-                <a:solidFill>
-                  <a:srgbClr val="009E47"/>
-                </a:solidFill>
-                <a:latin typeface="Courier New" panose="02070309020205020404" pitchFamily="49" charset="0"/>
-                <a:cs typeface="Courier New" panose="02070309020205020404" pitchFamily="49" charset="0"/>
-              </a:rPr>
-              <a:t>class</a:t>
-            </a:r>
-            <a:r>
-              <a:rPr lang="sr-Latn-RS" sz="1400" b="1" dirty="0">
-                <a:solidFill>
-                  <a:srgbClr val="009E47"/>
-                </a:solidFill>
-                <a:latin typeface="Courier New" panose="02070309020205020404" pitchFamily="49" charset="0"/>
-                <a:cs typeface="Courier New" panose="02070309020205020404" pitchFamily="49" charset="0"/>
-              </a:rPr>
-              <a:t>="id"&gt;</a:t>
-            </a:r>
-            <a:r>
-              <a:rPr lang="sr-Latn-RS" sz="1400" b="1" dirty="0" err="1">
-                <a:solidFill>
-                  <a:srgbClr val="009E47"/>
-                </a:solidFill>
-                <a:latin typeface="Courier New" panose="02070309020205020404" pitchFamily="49" charset="0"/>
-                <a:cs typeface="Courier New" panose="02070309020205020404" pitchFamily="49" charset="0"/>
-              </a:rPr>
-              <a:t>Hello</a:t>
-            </a:r>
-            <a:r>
-              <a:rPr lang="sr-Latn-RS" sz="1400" b="1" dirty="0">
-                <a:solidFill>
-                  <a:srgbClr val="009E47"/>
-                </a:solidFill>
-                <a:latin typeface="Courier New" panose="02070309020205020404" pitchFamily="49" charset="0"/>
-                <a:cs typeface="Courier New" panose="02070309020205020404" pitchFamily="49" charset="0"/>
-              </a:rPr>
-              <a:t>&lt;/span&gt;;</a:t>
-            </a:r>
-          </a:p>
-          <a:p>
-            <a:pPr marL="457200" lvl="1" indent="0">
-              <a:spcBef>
-                <a:spcPts val="0"/>
-              </a:spcBef>
-              <a:buNone/>
-            </a:pPr>
-            <a:r>
-              <a:rPr lang="sr-Latn-RS" sz="1400" b="1" dirty="0">
-                <a:solidFill>
-                  <a:srgbClr val="009E47"/>
-                </a:solidFill>
-                <a:latin typeface="Courier New" panose="02070309020205020404" pitchFamily="49" charset="0"/>
-                <a:cs typeface="Courier New" panose="02070309020205020404" pitchFamily="49" charset="0"/>
-              </a:rPr>
-              <a:t>&lt;span </a:t>
-            </a:r>
-            <a:r>
-              <a:rPr lang="sr-Latn-RS" sz="1400" b="1" dirty="0" err="1">
-                <a:solidFill>
-                  <a:srgbClr val="009E47"/>
-                </a:solidFill>
-                <a:latin typeface="Courier New" panose="02070309020205020404" pitchFamily="49" charset="0"/>
-                <a:cs typeface="Courier New" panose="02070309020205020404" pitchFamily="49" charset="0"/>
-              </a:rPr>
-              <a:t>class</a:t>
-            </a:r>
-            <a:r>
-              <a:rPr lang="sr-Latn-RS" sz="1400" b="1" dirty="0">
-                <a:solidFill>
-                  <a:srgbClr val="009E47"/>
-                </a:solidFill>
-                <a:latin typeface="Courier New" panose="02070309020205020404" pitchFamily="49" charset="0"/>
-                <a:cs typeface="Courier New" panose="02070309020205020404" pitchFamily="49" charset="0"/>
-              </a:rPr>
-              <a:t>="</a:t>
-            </a:r>
-            <a:r>
-              <a:rPr lang="sr-Latn-RS" sz="1400" b="1" dirty="0" err="1">
-                <a:solidFill>
-                  <a:srgbClr val="009E47"/>
-                </a:solidFill>
-                <a:latin typeface="Courier New" panose="02070309020205020404" pitchFamily="49" charset="0"/>
-                <a:cs typeface="Courier New" panose="02070309020205020404" pitchFamily="49" charset="0"/>
-              </a:rPr>
-              <a:t>keyword</a:t>
-            </a:r>
-            <a:r>
-              <a:rPr lang="sr-Latn-RS" sz="1400" b="1" dirty="0">
-                <a:solidFill>
-                  <a:srgbClr val="009E47"/>
-                </a:solidFill>
-                <a:latin typeface="Courier New" panose="02070309020205020404" pitchFamily="49" charset="0"/>
-                <a:cs typeface="Courier New" panose="02070309020205020404" pitchFamily="49" charset="0"/>
-              </a:rPr>
-              <a:t>"&gt;</a:t>
-            </a:r>
-            <a:r>
-              <a:rPr lang="sr-Latn-RS" sz="1400" b="1" dirty="0" err="1">
-                <a:solidFill>
-                  <a:srgbClr val="009E47"/>
-                </a:solidFill>
-                <a:latin typeface="Courier New" panose="02070309020205020404" pitchFamily="49" charset="0"/>
-                <a:cs typeface="Courier New" panose="02070309020205020404" pitchFamily="49" charset="0"/>
-              </a:rPr>
-              <a:t>begin</a:t>
-            </a:r>
-            <a:r>
-              <a:rPr lang="sr-Latn-RS" sz="1400" b="1" dirty="0">
-                <a:solidFill>
-                  <a:srgbClr val="009E47"/>
-                </a:solidFill>
-                <a:latin typeface="Courier New" panose="02070309020205020404" pitchFamily="49" charset="0"/>
-                <a:cs typeface="Courier New" panose="02070309020205020404" pitchFamily="49" charset="0"/>
-              </a:rPr>
-              <a:t>&lt;/span&gt;</a:t>
-            </a:r>
-          </a:p>
-          <a:p>
-            <a:pPr marL="457200" lvl="1" indent="0">
-              <a:spcBef>
-                <a:spcPts val="0"/>
-              </a:spcBef>
-              <a:buNone/>
-            </a:pPr>
-            <a:r>
-              <a:rPr lang="sr-Latn-RS" sz="1400" b="1" dirty="0" smtClean="0">
-                <a:solidFill>
-                  <a:srgbClr val="009E47"/>
-                </a:solidFill>
-                <a:latin typeface="Courier New" panose="02070309020205020404" pitchFamily="49" charset="0"/>
-                <a:cs typeface="Courier New" panose="02070309020205020404" pitchFamily="49" charset="0"/>
-              </a:rPr>
-              <a:t>&lt;</a:t>
-            </a:r>
-            <a:r>
-              <a:rPr lang="sr-Latn-RS" sz="1400" b="1" dirty="0">
-                <a:solidFill>
-                  <a:srgbClr val="009E47"/>
-                </a:solidFill>
-                <a:latin typeface="Courier New" panose="02070309020205020404" pitchFamily="49" charset="0"/>
-                <a:cs typeface="Courier New" panose="02070309020205020404" pitchFamily="49" charset="0"/>
-              </a:rPr>
-              <a:t>span </a:t>
-            </a:r>
-            <a:r>
-              <a:rPr lang="sr-Latn-RS" sz="1400" b="1" dirty="0" err="1">
-                <a:solidFill>
-                  <a:srgbClr val="009E47"/>
-                </a:solidFill>
-                <a:latin typeface="Courier New" panose="02070309020205020404" pitchFamily="49" charset="0"/>
-                <a:cs typeface="Courier New" panose="02070309020205020404" pitchFamily="49" charset="0"/>
-              </a:rPr>
-              <a:t>class</a:t>
-            </a:r>
-            <a:r>
-              <a:rPr lang="sr-Latn-RS" sz="1400" b="1" dirty="0">
-                <a:solidFill>
-                  <a:srgbClr val="009E47"/>
-                </a:solidFill>
-                <a:latin typeface="Courier New" panose="02070309020205020404" pitchFamily="49" charset="0"/>
-                <a:cs typeface="Courier New" panose="02070309020205020404" pitchFamily="49" charset="0"/>
-              </a:rPr>
-              <a:t>="id"&gt;</a:t>
-            </a:r>
-            <a:r>
-              <a:rPr lang="sr-Latn-RS" sz="1400" b="1" dirty="0" err="1">
-                <a:solidFill>
-                  <a:srgbClr val="009E47"/>
-                </a:solidFill>
-                <a:latin typeface="Courier New" panose="02070309020205020404" pitchFamily="49" charset="0"/>
-                <a:cs typeface="Courier New" panose="02070309020205020404" pitchFamily="49" charset="0"/>
-              </a:rPr>
-              <a:t>WriteLn</a:t>
-            </a:r>
-            <a:r>
-              <a:rPr lang="sr-Latn-RS" sz="1400" b="1" dirty="0">
-                <a:solidFill>
-                  <a:srgbClr val="009E47"/>
-                </a:solidFill>
-                <a:latin typeface="Courier New" panose="02070309020205020404" pitchFamily="49" charset="0"/>
-                <a:cs typeface="Courier New" panose="02070309020205020404" pitchFamily="49" charset="0"/>
-              </a:rPr>
-              <a:t>&lt;/span&gt;(&lt;span </a:t>
-            </a:r>
-            <a:r>
-              <a:rPr lang="sr-Latn-RS" sz="1400" b="1" dirty="0" err="1">
-                <a:solidFill>
-                  <a:srgbClr val="009E47"/>
-                </a:solidFill>
-                <a:latin typeface="Courier New" panose="02070309020205020404" pitchFamily="49" charset="0"/>
-                <a:cs typeface="Courier New" panose="02070309020205020404" pitchFamily="49" charset="0"/>
-              </a:rPr>
-              <a:t>class</a:t>
-            </a:r>
-            <a:r>
-              <a:rPr lang="sr-Latn-RS" sz="1400" b="1" dirty="0">
-                <a:solidFill>
-                  <a:srgbClr val="009E47"/>
-                </a:solidFill>
-                <a:latin typeface="Courier New" panose="02070309020205020404" pitchFamily="49" charset="0"/>
-                <a:cs typeface="Courier New" panose="02070309020205020404" pitchFamily="49" charset="0"/>
-              </a:rPr>
-              <a:t>="str"&gt;'Zdravo, svete'&lt;/span&gt;)</a:t>
-            </a:r>
-          </a:p>
-          <a:p>
-            <a:pPr marL="457200" lvl="1" indent="0">
-              <a:spcBef>
-                <a:spcPts val="0"/>
-              </a:spcBef>
-              <a:buNone/>
-            </a:pPr>
-            <a:r>
-              <a:rPr lang="sr-Latn-RS" sz="1400" b="1" dirty="0">
-                <a:solidFill>
-                  <a:srgbClr val="009E47"/>
-                </a:solidFill>
-                <a:latin typeface="Courier New" panose="02070309020205020404" pitchFamily="49" charset="0"/>
-                <a:cs typeface="Courier New" panose="02070309020205020404" pitchFamily="49" charset="0"/>
-              </a:rPr>
-              <a:t>&lt;span </a:t>
-            </a:r>
-            <a:r>
-              <a:rPr lang="sr-Latn-RS" sz="1400" b="1" dirty="0" err="1">
-                <a:solidFill>
-                  <a:srgbClr val="009E47"/>
-                </a:solidFill>
-                <a:latin typeface="Courier New" panose="02070309020205020404" pitchFamily="49" charset="0"/>
-                <a:cs typeface="Courier New" panose="02070309020205020404" pitchFamily="49" charset="0"/>
-              </a:rPr>
-              <a:t>class</a:t>
-            </a:r>
-            <a:r>
-              <a:rPr lang="sr-Latn-RS" sz="1400" b="1" dirty="0">
-                <a:solidFill>
-                  <a:srgbClr val="009E47"/>
-                </a:solidFill>
-                <a:latin typeface="Courier New" panose="02070309020205020404" pitchFamily="49" charset="0"/>
-                <a:cs typeface="Courier New" panose="02070309020205020404" pitchFamily="49" charset="0"/>
-              </a:rPr>
-              <a:t>="</a:t>
-            </a:r>
-            <a:r>
-              <a:rPr lang="sr-Latn-RS" sz="1400" b="1" dirty="0" err="1">
-                <a:solidFill>
-                  <a:srgbClr val="009E47"/>
-                </a:solidFill>
-                <a:latin typeface="Courier New" panose="02070309020205020404" pitchFamily="49" charset="0"/>
-                <a:cs typeface="Courier New" panose="02070309020205020404" pitchFamily="49" charset="0"/>
-              </a:rPr>
-              <a:t>keyword</a:t>
-            </a:r>
-            <a:r>
-              <a:rPr lang="sr-Latn-RS" sz="1400" b="1" dirty="0">
-                <a:solidFill>
-                  <a:srgbClr val="009E47"/>
-                </a:solidFill>
-                <a:latin typeface="Courier New" panose="02070309020205020404" pitchFamily="49" charset="0"/>
-                <a:cs typeface="Courier New" panose="02070309020205020404" pitchFamily="49" charset="0"/>
-              </a:rPr>
-              <a:t>"&gt;</a:t>
-            </a:r>
-            <a:r>
-              <a:rPr lang="sr-Latn-RS" sz="1400" b="1" dirty="0" err="1">
-                <a:solidFill>
-                  <a:srgbClr val="009E47"/>
-                </a:solidFill>
-                <a:latin typeface="Courier New" panose="02070309020205020404" pitchFamily="49" charset="0"/>
-                <a:cs typeface="Courier New" panose="02070309020205020404" pitchFamily="49" charset="0"/>
-              </a:rPr>
-              <a:t>end</a:t>
-            </a:r>
-            <a:r>
-              <a:rPr lang="sr-Latn-RS" sz="1400" b="1" dirty="0">
-                <a:solidFill>
-                  <a:srgbClr val="009E47"/>
-                </a:solidFill>
-                <a:latin typeface="Courier New" panose="02070309020205020404" pitchFamily="49" charset="0"/>
-                <a:cs typeface="Courier New" panose="02070309020205020404" pitchFamily="49" charset="0"/>
-              </a:rPr>
-              <a:t>&lt;/span&gt;.</a:t>
-            </a:r>
-          </a:p>
-          <a:p>
-            <a:pPr marL="457200" lvl="1" indent="0">
-              <a:spcBef>
-                <a:spcPts val="0"/>
-              </a:spcBef>
-              <a:buNone/>
-            </a:pPr>
-            <a:r>
-              <a:rPr lang="sr-Latn-RS" sz="1400" b="1" dirty="0">
-                <a:solidFill>
-                  <a:srgbClr val="009E47"/>
-                </a:solidFill>
-                <a:latin typeface="Courier New" panose="02070309020205020404" pitchFamily="49" charset="0"/>
-                <a:cs typeface="Courier New" panose="02070309020205020404" pitchFamily="49" charset="0"/>
-              </a:rPr>
-              <a:t>&lt;/</a:t>
-            </a:r>
-            <a:r>
-              <a:rPr lang="sr-Latn-RS" sz="1400" b="1" dirty="0" err="1">
-                <a:solidFill>
-                  <a:srgbClr val="009E47"/>
-                </a:solidFill>
-                <a:latin typeface="Courier New" panose="02070309020205020404" pitchFamily="49" charset="0"/>
-                <a:cs typeface="Courier New" panose="02070309020205020404" pitchFamily="49" charset="0"/>
-              </a:rPr>
-              <a:t>code</a:t>
-            </a:r>
-            <a:r>
-              <a:rPr lang="sr-Latn-RS" sz="1400" b="1" dirty="0">
-                <a:solidFill>
-                  <a:srgbClr val="009E47"/>
-                </a:solidFill>
-                <a:latin typeface="Courier New" panose="02070309020205020404" pitchFamily="49" charset="0"/>
-                <a:cs typeface="Courier New" panose="02070309020205020404" pitchFamily="49" charset="0"/>
-              </a:rPr>
-              <a:t>&gt;</a:t>
-            </a:r>
-          </a:p>
-          <a:p>
-            <a:pPr marL="457200" lvl="1" indent="0">
-              <a:spcBef>
-                <a:spcPts val="0"/>
-              </a:spcBef>
-              <a:buNone/>
-            </a:pPr>
-            <a:r>
-              <a:rPr lang="sr-Latn-RS" sz="1400" b="1" dirty="0">
-                <a:solidFill>
-                  <a:srgbClr val="009E47"/>
-                </a:solidFill>
-                <a:latin typeface="Courier New" panose="02070309020205020404" pitchFamily="49" charset="0"/>
-                <a:cs typeface="Courier New" panose="02070309020205020404" pitchFamily="49" charset="0"/>
-              </a:rPr>
-              <a:t>&lt;/pre</a:t>
-            </a:r>
-            <a:r>
-              <a:rPr lang="sr-Latn-RS" sz="1400" b="1" dirty="0" smtClean="0">
-                <a:solidFill>
-                  <a:srgbClr val="009E47"/>
-                </a:solidFill>
-                <a:latin typeface="Courier New" panose="02070309020205020404" pitchFamily="49" charset="0"/>
-                <a:cs typeface="Courier New" panose="02070309020205020404" pitchFamily="49" charset="0"/>
-              </a:rPr>
-              <a:t>&gt;</a:t>
-            </a:r>
-            <a:endParaRPr lang="sr-Latn-RS" sz="1400" b="1" dirty="0">
-              <a:solidFill>
-                <a:srgbClr val="009E47"/>
-              </a:solidFill>
-              <a:latin typeface="Courier New" panose="02070309020205020404" pitchFamily="49" charset="0"/>
-              <a:cs typeface="Courier New" panose="02070309020205020404" pitchFamily="49" charset="0"/>
-            </a:endParaRPr>
-          </a:p>
-        </p:txBody>
-      </p:sp>
-    </p:spTree>
-    <p:extLst>
-      <p:ext uri="{BB962C8B-B14F-4D97-AF65-F5344CB8AC3E}">
-        <p14:creationId xmlns:p14="http://schemas.microsoft.com/office/powerpoint/2010/main" val="91595646"/>
-      </p:ext>
-    </p:extLst>
-  </p:cSld>
-  <p:clrMapOvr>
-    <a:masterClrMapping/>
-  </p:clrMapOvr>
-  <p:timing>
-    <p:tnLst>
-      <p:par>
-        <p:cTn id="1" dur="indefinite" restart="never" nodeType="tmRoot"/>
-      </p:par>
-    </p:tnLst>
-  </p:timing>
-</p:sld>
-</file>
-
-<file path=ppt/slides/slide51.xml><?xml version="1.0" encoding="utf-8"?>
-<p:sld xmlns:a="http://schemas.openxmlformats.org/drawingml/2006/main" xmlns:r="http://schemas.openxmlformats.org/officeDocument/2006/relationships" xmlns:p="http://schemas.openxmlformats.org/presentationml/2006/main">
-  <p:cSld>
-    <p:spTree>
-      <p:nvGrpSpPr>
-        <p:cNvPr id="1" name=""/>
-        <p:cNvGrpSpPr/>
-        <p:nvPr/>
-      </p:nvGrpSpPr>
-      <p:grpSpPr>
-        <a:xfrm>
-          <a:off x="0" y="0"/>
-          <a:ext cx="0" cy="0"/>
-          <a:chOff x="0" y="0"/>
-          <a:chExt cx="0" cy="0"/>
-        </a:xfrm>
-      </p:grpSpPr>
-      <p:sp>
-        <p:nvSpPr>
-          <p:cNvPr id="92162" name="Rectangle 2"/>
-          <p:cNvSpPr>
-            <a:spLocks noGrp="1" noChangeArrowheads="1"/>
-          </p:cNvSpPr>
-          <p:nvPr>
-            <p:ph type="title"/>
-          </p:nvPr>
-        </p:nvSpPr>
-        <p:spPr/>
-        <p:txBody>
-          <a:bodyPr/>
-          <a:lstStyle/>
-          <a:p>
-            <a:r>
-              <a:rPr lang="sr-Latn-RS" altLang="en-US" dirty="0" smtClean="0">
-                <a:solidFill>
-                  <a:srgbClr val="002060"/>
-                </a:solidFill>
-              </a:rPr>
-              <a:t>Zahvalnica</a:t>
-            </a:r>
-            <a:endParaRPr lang="en-GB" altLang="en-US" dirty="0" smtClean="0">
-              <a:solidFill>
-                <a:srgbClr val="002060"/>
-              </a:solidFill>
-            </a:endParaRPr>
-          </a:p>
-        </p:txBody>
-      </p:sp>
-      <p:sp>
-        <p:nvSpPr>
-          <p:cNvPr id="92163" name="Rectangle 3"/>
-          <p:cNvSpPr>
-            <a:spLocks noGrp="1" noChangeArrowheads="1"/>
-          </p:cNvSpPr>
-          <p:nvPr>
-            <p:ph idx="1"/>
-          </p:nvPr>
-        </p:nvSpPr>
-        <p:spPr>
-          <a:xfrm>
-            <a:off x="457200" y="1600200"/>
-            <a:ext cx="8391525" cy="5257800"/>
-          </a:xfrm>
-        </p:spPr>
-        <p:txBody>
-          <a:bodyPr/>
-          <a:lstStyle/>
-          <a:p>
-            <a:pPr marL="0" indent="0">
-              <a:buFont typeface="Wingdings" pitchFamily="2" charset="2"/>
-              <a:buNone/>
-            </a:pPr>
-            <a:r>
-              <a:rPr lang="sr-Latn-RS" altLang="en-US" dirty="0" smtClean="0"/>
-              <a:t>Delovi materijala ove prezentacije su preuzeti iz</a:t>
-            </a:r>
-            <a:r>
-              <a:rPr lang="sr-Cyrl-RS" altLang="en-US" dirty="0" smtClean="0"/>
-              <a:t>:</a:t>
-            </a:r>
-          </a:p>
-          <a:p>
-            <a:r>
-              <a:rPr lang="sr-Latn-RS" altLang="en-US" dirty="0" smtClean="0"/>
-              <a:t>Skripte iz predmeta Uvod u veb i internet tehnologije,</a:t>
-            </a:r>
-            <a:r>
-              <a:rPr lang="sr-Cyrl-RS" altLang="en-US" dirty="0" smtClean="0"/>
-              <a:t> </a:t>
-            </a:r>
-            <a:r>
-              <a:rPr lang="sr-Latn-RS" altLang="en-US" dirty="0" smtClean="0"/>
-              <a:t>na</a:t>
-            </a:r>
-            <a:r>
-              <a:rPr lang="sr-Cyrl-RS" altLang="en-US" dirty="0" smtClean="0"/>
-              <a:t> </a:t>
-            </a:r>
-            <a:r>
-              <a:rPr lang="sr-Latn-RS" altLang="en-US" dirty="0" smtClean="0"/>
-              <a:t>Matematičkom fakultetu Univeziteta u Beogradu</a:t>
-            </a:r>
-            <a:r>
-              <a:rPr lang="sr-Cyrl-RS" altLang="en-US" dirty="0" smtClean="0"/>
-              <a:t>, </a:t>
-            </a:r>
-            <a:r>
-              <a:rPr lang="sr-Latn-RS" altLang="en-US" dirty="0" smtClean="0"/>
-              <a:t>autor prof. dr Filip Marić</a:t>
-            </a:r>
-          </a:p>
-          <a:p>
-            <a:r>
-              <a:rPr lang="en-US" altLang="en-US" dirty="0" err="1"/>
-              <a:t>Prezentacija</a:t>
-            </a:r>
-            <a:r>
-              <a:rPr lang="en-US" altLang="en-US" dirty="0"/>
-              <a:t> </a:t>
-            </a:r>
-            <a:r>
-              <a:rPr lang="sr-Latn-RS" altLang="en-US" dirty="0"/>
-              <a:t>iz predmeta Uvod u veb i internet tehnologije,</a:t>
-            </a:r>
-            <a:r>
-              <a:rPr lang="sr-Cyrl-RS" altLang="en-US" dirty="0"/>
-              <a:t> </a:t>
-            </a:r>
-            <a:r>
-              <a:rPr lang="sr-Latn-RS" altLang="en-US" dirty="0"/>
-              <a:t>na</a:t>
-            </a:r>
-            <a:r>
-              <a:rPr lang="sr-Cyrl-RS" altLang="en-US" dirty="0"/>
-              <a:t> </a:t>
-            </a:r>
-            <a:r>
-              <a:rPr lang="sr-Latn-RS" altLang="en-US" dirty="0"/>
-              <a:t>Matematičkom fakultetu </a:t>
-            </a:r>
-            <a:r>
-              <a:rPr lang="sr-Latn-RS" altLang="en-US" dirty="0" err="1"/>
-              <a:t>Univeziteta</a:t>
-            </a:r>
-            <a:r>
-              <a:rPr lang="sr-Latn-RS" altLang="en-US" dirty="0"/>
-              <a:t> u Beogradu</a:t>
-            </a:r>
-            <a:r>
-              <a:rPr lang="sr-Cyrl-RS" altLang="en-US" dirty="0"/>
-              <a:t>, </a:t>
-            </a:r>
-            <a:r>
-              <a:rPr lang="sr-Latn-RS" altLang="en-US" dirty="0"/>
-              <a:t>autor dr </a:t>
-            </a:r>
-            <a:r>
-              <a:rPr lang="en-US" altLang="en-US" dirty="0" err="1"/>
-              <a:t>Vesna</a:t>
-            </a:r>
-            <a:r>
-              <a:rPr lang="sr-Latn-RS" altLang="en-US" dirty="0"/>
-              <a:t> Mari</a:t>
-            </a:r>
-            <a:r>
-              <a:rPr lang="en-US" altLang="en-US" dirty="0" err="1"/>
-              <a:t>nkovi</a:t>
-            </a:r>
-            <a:r>
-              <a:rPr lang="sr-Latn-RS" altLang="en-US" smtClean="0"/>
-              <a:t>ć</a:t>
-            </a:r>
-            <a:endParaRPr lang="sr-Cyrl-RS" altLang="en-US" dirty="0" smtClean="0"/>
-          </a:p>
-          <a:p>
-            <a:r>
-              <a:rPr lang="sr-Latn-RS" altLang="en-US" dirty="0" err="1" smtClean="0"/>
-              <a:t>Skripte</a:t>
-            </a:r>
-            <a:r>
-              <a:rPr lang="sr-Latn-RS" altLang="en-US" dirty="0" smtClean="0"/>
-              <a:t> </a:t>
-            </a:r>
-            <a:r>
-              <a:rPr lang="sr-Latn-RS" altLang="en-US" dirty="0"/>
-              <a:t>iz </a:t>
-            </a:r>
-            <a:r>
-              <a:rPr lang="sr-Latn-RS" altLang="en-US" dirty="0" smtClean="0"/>
-              <a:t>predmeta Informatika</a:t>
-            </a:r>
-            <a:r>
-              <a:rPr lang="sr-Cyrl-RS" altLang="en-US" dirty="0" smtClean="0"/>
-              <a:t> </a:t>
-            </a:r>
-            <a:r>
-              <a:rPr lang="sr-Latn-RS" altLang="en-US" dirty="0" smtClean="0"/>
-              <a:t>na Univerzitetu</a:t>
-            </a:r>
-            <a:r>
-              <a:rPr lang="sr-Cyrl-RS" altLang="en-US" dirty="0" smtClean="0"/>
-              <a:t> </a:t>
-            </a:r>
-            <a:r>
-              <a:rPr lang="en-US" altLang="en-US" dirty="0" smtClean="0"/>
-              <a:t>Milano Bicocca</a:t>
-            </a:r>
-            <a:r>
-              <a:rPr lang="sr-Cyrl-RS" altLang="en-US" dirty="0" smtClean="0"/>
-              <a:t>,</a:t>
-            </a:r>
-            <a:r>
-              <a:rPr lang="en-US" altLang="en-US" dirty="0" smtClean="0"/>
-              <a:t> </a:t>
-            </a:r>
-            <a:r>
-              <a:rPr lang="sr-Latn-RS" altLang="en-US" dirty="0" smtClean="0"/>
-              <a:t>autor dr</a:t>
-            </a:r>
-            <a:r>
-              <a:rPr lang="sr-Cyrl-RS" altLang="en-US" dirty="0" smtClean="0"/>
-              <a:t> </a:t>
-            </a:r>
-            <a:r>
-              <a:rPr lang="en-US" altLang="en-US" dirty="0"/>
-              <a:t>Mirko </a:t>
-            </a:r>
-            <a:r>
-              <a:rPr lang="en-US" altLang="en-US" dirty="0" err="1"/>
-              <a:t>Cesarini</a:t>
-            </a:r>
-            <a:r>
-              <a:rPr lang="sr-Cyrl-RS" altLang="en-US" dirty="0" smtClean="0"/>
-              <a:t>  </a:t>
-            </a:r>
-            <a:endParaRPr lang="en-US" altLang="en-US" dirty="0" smtClean="0"/>
-          </a:p>
-          <a:p>
-            <a:endParaRPr lang="en-US" altLang="en-US" dirty="0" smtClean="0"/>
-          </a:p>
-          <a:p>
-            <a:pPr marL="0" indent="0">
-              <a:buFont typeface="Wingdings" pitchFamily="2" charset="2"/>
-              <a:buNone/>
-            </a:pPr>
-            <a:endParaRPr lang="sr-Cyrl-RS" altLang="en-US" sz="1200" dirty="0" smtClean="0"/>
-          </a:p>
-          <a:p>
-            <a:pPr marL="0" indent="0">
-              <a:buFont typeface="Wingdings" pitchFamily="2" charset="2"/>
-              <a:buNone/>
-            </a:pPr>
-            <a:endParaRPr lang="sr-Latn-CS" altLang="en-US" sz="1200" dirty="0" smtClean="0"/>
-          </a:p>
-          <a:p>
-            <a:pPr marL="0" indent="0">
-              <a:buFont typeface="Wingdings" pitchFamily="2" charset="2"/>
-              <a:buNone/>
-            </a:pPr>
-            <a:endParaRPr lang="sr-Latn-CS" altLang="en-US" dirty="0" smtClean="0"/>
-          </a:p>
-        </p:txBody>
-      </p:sp>
-    </p:spTree>
-    <p:extLst>
-      <p:ext uri="{BB962C8B-B14F-4D97-AF65-F5344CB8AC3E}">
-        <p14:creationId xmlns:p14="http://schemas.microsoft.com/office/powerpoint/2010/main" val="3609644295"/>
       </p:ext>
     </p:extLst>
   </p:cSld>
